--- a/Awesome_Appliance_Repair/AwesomeApplicanceRepair.pptx
+++ b/Awesome_Appliance_Repair/AwesomeApplicanceRepair.pptx
@@ -5,10 +5,10 @@
     <p:sldMasterId id="2147483705" r:id="rId5"/>
   </p:sldMasterIdLst>
   <p:notesMasterIdLst>
-    <p:notesMasterId r:id="rId49"/>
+    <p:notesMasterId r:id="rId46"/>
   </p:notesMasterIdLst>
   <p:handoutMasterIdLst>
-    <p:handoutMasterId r:id="rId50"/>
+    <p:handoutMasterId r:id="rId47"/>
   </p:handoutMasterIdLst>
   <p:sldIdLst>
     <p:sldId id="256" r:id="rId6"/>
@@ -28,32 +28,29 @@
     <p:sldId id="271" r:id="rId20"/>
     <p:sldId id="272" r:id="rId21"/>
     <p:sldId id="273" r:id="rId22"/>
-    <p:sldId id="298" r:id="rId23"/>
-    <p:sldId id="299" r:id="rId24"/>
-    <p:sldId id="296" r:id="rId25"/>
-    <p:sldId id="302" r:id="rId26"/>
-    <p:sldId id="300" r:id="rId27"/>
-    <p:sldId id="304" r:id="rId28"/>
-    <p:sldId id="303" r:id="rId29"/>
-    <p:sldId id="305" r:id="rId30"/>
-    <p:sldId id="306" r:id="rId31"/>
-    <p:sldId id="280" r:id="rId32"/>
-    <p:sldId id="276" r:id="rId33"/>
-    <p:sldId id="262" r:id="rId34"/>
-    <p:sldId id="290" r:id="rId35"/>
-    <p:sldId id="277" r:id="rId36"/>
-    <p:sldId id="274" r:id="rId37"/>
-    <p:sldId id="288" r:id="rId38"/>
-    <p:sldId id="278" r:id="rId39"/>
-    <p:sldId id="275" r:id="rId40"/>
-    <p:sldId id="283" r:id="rId41"/>
-    <p:sldId id="285" r:id="rId42"/>
-    <p:sldId id="263" r:id="rId43"/>
-    <p:sldId id="291" r:id="rId44"/>
-    <p:sldId id="292" r:id="rId45"/>
-    <p:sldId id="287" r:id="rId46"/>
-    <p:sldId id="294" r:id="rId47"/>
-    <p:sldId id="286" r:id="rId48"/>
+    <p:sldId id="302" r:id="rId23"/>
+    <p:sldId id="300" r:id="rId24"/>
+    <p:sldId id="304" r:id="rId25"/>
+    <p:sldId id="303" r:id="rId26"/>
+    <p:sldId id="305" r:id="rId27"/>
+    <p:sldId id="306" r:id="rId28"/>
+    <p:sldId id="280" r:id="rId29"/>
+    <p:sldId id="276" r:id="rId30"/>
+    <p:sldId id="262" r:id="rId31"/>
+    <p:sldId id="290" r:id="rId32"/>
+    <p:sldId id="277" r:id="rId33"/>
+    <p:sldId id="274" r:id="rId34"/>
+    <p:sldId id="288" r:id="rId35"/>
+    <p:sldId id="278" r:id="rId36"/>
+    <p:sldId id="275" r:id="rId37"/>
+    <p:sldId id="283" r:id="rId38"/>
+    <p:sldId id="285" r:id="rId39"/>
+    <p:sldId id="263" r:id="rId40"/>
+    <p:sldId id="291" r:id="rId41"/>
+    <p:sldId id="292" r:id="rId42"/>
+    <p:sldId id="287" r:id="rId43"/>
+    <p:sldId id="294" r:id="rId44"/>
+    <p:sldId id="286" r:id="rId45"/>
   </p:sldIdLst>
   <p:sldSz cx="12192000" cy="6858000"/>
   <p:notesSz cx="6858000" cy="9144000"/>
@@ -823,6 +820,28 @@
               <a:rPr lang="en-US" dirty="0" smtClean="0"/>
               <a:t>There's more than one way to do it</a:t>
             </a:r>
+          </a:p>
+          <a:p>
+            <a:r>
+              <a:rPr lang="en-US" dirty="0" smtClean="0"/>
+              <a:t>First step is get it working. Refactoring to account for best practices, </a:t>
+            </a:r>
+            <a:r>
+              <a:rPr lang="en-US" dirty="0" err="1" smtClean="0"/>
+              <a:t>linting</a:t>
+            </a:r>
+            <a:r>
+              <a:rPr lang="en-US" dirty="0" smtClean="0"/>
+              <a:t>, </a:t>
+            </a:r>
+            <a:r>
+              <a:rPr lang="en-US" dirty="0" err="1" smtClean="0"/>
+              <a:t>etc</a:t>
+            </a:r>
+            <a:r>
+              <a:rPr lang="en-US" dirty="0" smtClean="0"/>
+              <a:t> can be done later.</a:t>
+            </a:r>
             <a:endParaRPr lang="en-US" dirty="0"/>
           </a:p>
         </p:txBody>
@@ -1235,7 +1254,15 @@
                   <a:srgbClr val="FF0000"/>
                 </a:solidFill>
               </a:rPr>
-              <a:t>&lt;&lt;WIP – The</a:t>
+              <a:t>Lets have the students set up a </a:t>
+            </a:r>
+            <a:r>
+              <a:rPr lang="en-US" dirty="0" err="1" smtClean="0">
+                <a:solidFill>
+                  <a:srgbClr val="FF0000"/>
+                </a:solidFill>
+              </a:rPr>
+              <a:t>github</a:t>
             </a:r>
             <a:r>
               <a:rPr lang="en-US" baseline="0" dirty="0" smtClean="0">
@@ -1243,95 +1270,17 @@
                   <a:srgbClr val="FF0000"/>
                 </a:solidFill>
               </a:rPr>
-              <a:t> don</a:t>
-            </a:r>
-            <a:r>
-              <a:rPr lang="fr-FR" baseline="0" dirty="0" smtClean="0">
+              <a:t> repo so they can share/collaborate/demo during the class.</a:t>
+            </a:r>
+          </a:p>
+          <a:p>
+            <a:r>
+              <a:rPr lang="en-US" baseline="0" dirty="0" smtClean="0">
                 <a:solidFill>
                   <a:srgbClr val="FF0000"/>
                 </a:solidFill>
               </a:rPr>
-              <a:t>'</a:t>
-            </a:r>
-            <a:r>
-              <a:rPr lang="en-US" baseline="0" dirty="0" smtClean="0">
-                <a:solidFill>
-                  <a:srgbClr val="FF0000"/>
-                </a:solidFill>
-              </a:rPr>
-              <a:t>t necessarily need to fork this particular repo, but could be a good workflow to get across. Also, easier than have them create a repo on </a:t>
-            </a:r>
-            <a:r>
-              <a:rPr lang="en-US" baseline="0" dirty="0" err="1" smtClean="0">
-                <a:solidFill>
-                  <a:srgbClr val="FF0000"/>
-                </a:solidFill>
-              </a:rPr>
-              <a:t>github</a:t>
-            </a:r>
-            <a:r>
-              <a:rPr lang="en-US" baseline="0" dirty="0" smtClean="0">
-                <a:solidFill>
-                  <a:srgbClr val="FF0000"/>
-                </a:solidFill>
-              </a:rPr>
-              <a:t>, then '</a:t>
-            </a:r>
-            <a:r>
-              <a:rPr lang="en-US" baseline="0" dirty="0" err="1" smtClean="0">
-                <a:solidFill>
-                  <a:srgbClr val="FF0000"/>
-                </a:solidFill>
-              </a:rPr>
-              <a:t>git</a:t>
-            </a:r>
-            <a:r>
-              <a:rPr lang="en-US" baseline="0" dirty="0" smtClean="0">
-                <a:solidFill>
-                  <a:srgbClr val="FF0000"/>
-                </a:solidFill>
-              </a:rPr>
-              <a:t> </a:t>
-            </a:r>
-            <a:r>
-              <a:rPr lang="en-US" baseline="0" dirty="0" err="1" smtClean="0">
-                <a:solidFill>
-                  <a:srgbClr val="FF0000"/>
-                </a:solidFill>
-              </a:rPr>
-              <a:t>init</a:t>
-            </a:r>
-            <a:r>
-              <a:rPr lang="en-US" baseline="0" dirty="0" smtClean="0">
-                <a:solidFill>
-                  <a:srgbClr val="FF0000"/>
-                </a:solidFill>
-              </a:rPr>
-              <a:t>', '</a:t>
-            </a:r>
-            <a:r>
-              <a:rPr lang="en-US" baseline="0" dirty="0" err="1" smtClean="0">
-                <a:solidFill>
-                  <a:srgbClr val="FF0000"/>
-                </a:solidFill>
-              </a:rPr>
-              <a:t>git</a:t>
-            </a:r>
-            <a:r>
-              <a:rPr lang="en-US" baseline="0" dirty="0" smtClean="0">
-                <a:solidFill>
-                  <a:srgbClr val="FF0000"/>
-                </a:solidFill>
-              </a:rPr>
-              <a:t> remote add origin …' </a:t>
-            </a:r>
-            <a:r>
-              <a:rPr lang="en-US" baseline="0" dirty="0" err="1" smtClean="0">
-                <a:solidFill>
-                  <a:srgbClr val="FF0000"/>
-                </a:solidFill>
-              </a:rPr>
-              <a:t>etc</a:t>
+              <a:t>Also </a:t>
             </a:r>
             <a:endParaRPr lang="en-US" dirty="0">
               <a:solidFill>
@@ -1465,114 +1414,34 @@
           <a:lstStyle/>
           <a:p>
             <a:r>
-              <a:rPr lang="en-US" dirty="0" smtClean="0">
-                <a:solidFill>
-                  <a:srgbClr val="FF0000"/>
-                </a:solidFill>
-              </a:rPr>
-              <a:t>&lt;&lt;WIP – The</a:t>
-            </a:r>
-            <a:r>
-              <a:rPr lang="en-US" baseline="0" dirty="0" smtClean="0">
-                <a:solidFill>
-                  <a:srgbClr val="FF0000"/>
-                </a:solidFill>
-              </a:rPr>
-              <a:t> don</a:t>
-            </a:r>
-            <a:r>
-              <a:rPr lang="fr-FR" baseline="0" dirty="0" smtClean="0">
-                <a:solidFill>
-                  <a:srgbClr val="FF0000"/>
-                </a:solidFill>
-              </a:rPr>
-              <a:t>'</a:t>
-            </a:r>
-            <a:r>
-              <a:rPr lang="en-US" baseline="0" dirty="0" smtClean="0">
-                <a:solidFill>
-                  <a:srgbClr val="FF0000"/>
-                </a:solidFill>
-              </a:rPr>
-              <a:t>t necessarily need to fork this particular repo, but could be a good workflow to get across. Also, easier than have them create a repo on </a:t>
-            </a:r>
-            <a:r>
-              <a:rPr lang="en-US" baseline="0" dirty="0" err="1" smtClean="0">
-                <a:solidFill>
-                  <a:srgbClr val="FF0000"/>
-                </a:solidFill>
-              </a:rPr>
-              <a:t>github</a:t>
-            </a:r>
-            <a:r>
-              <a:rPr lang="en-US" baseline="0" dirty="0" smtClean="0">
-                <a:solidFill>
-                  <a:srgbClr val="FF0000"/>
-                </a:solidFill>
-              </a:rPr>
-              <a:t>, then '</a:t>
-            </a:r>
-            <a:r>
-              <a:rPr lang="en-US" baseline="0" dirty="0" err="1" smtClean="0">
-                <a:solidFill>
-                  <a:srgbClr val="FF0000"/>
-                </a:solidFill>
-              </a:rPr>
+              <a:rPr lang="en-US" dirty="0" smtClean="0"/>
+              <a:t>First</a:t>
+            </a:r>
+            <a:r>
+              <a:rPr lang="en-US" baseline="0" dirty="0" smtClean="0"/>
+              <a:t> time you can run '</a:t>
+            </a:r>
+            <a:r>
+              <a:rPr lang="en-US" sz="900" dirty="0" err="1" smtClean="0"/>
               <a:t>git</a:t>
             </a:r>
             <a:r>
-              <a:rPr lang="en-US" baseline="0" dirty="0" smtClean="0">
-                <a:solidFill>
-                  <a:srgbClr val="FF0000"/>
-                </a:solidFill>
-              </a:rPr>
-              <a:t> </a:t>
-            </a:r>
-            <a:r>
-              <a:rPr lang="en-US" baseline="0" dirty="0" err="1" smtClean="0">
-                <a:solidFill>
-                  <a:srgbClr val="FF0000"/>
-                </a:solidFill>
-              </a:rPr>
-              <a:t>init</a:t>
-            </a:r>
-            <a:r>
-              <a:rPr lang="en-US" baseline="0" dirty="0" smtClean="0">
-                <a:solidFill>
-                  <a:srgbClr val="FF0000"/>
-                </a:solidFill>
-              </a:rPr>
-              <a:t>', '</a:t>
-            </a:r>
-            <a:r>
-              <a:rPr lang="en-US" baseline="0" dirty="0" err="1" smtClean="0">
-                <a:solidFill>
-                  <a:srgbClr val="FF0000"/>
-                </a:solidFill>
-              </a:rPr>
+              <a:rPr lang="en-US" sz="900" dirty="0" smtClean="0"/>
+              <a:t> push –u origin master',</a:t>
+            </a:r>
+            <a:r>
+              <a:rPr lang="en-US" sz="900" baseline="0" dirty="0" smtClean="0"/>
+              <a:t> then subsequently you can just use '</a:t>
+            </a:r>
+            <a:r>
+              <a:rPr lang="en-US" sz="900" baseline="0" dirty="0" err="1" smtClean="0"/>
               <a:t>git</a:t>
             </a:r>
             <a:r>
-              <a:rPr lang="en-US" baseline="0" dirty="0" smtClean="0">
-                <a:solidFill>
-                  <a:srgbClr val="FF0000"/>
-                </a:solidFill>
-              </a:rPr>
-              <a:t> remote add origin …' </a:t>
-            </a:r>
-            <a:r>
-              <a:rPr lang="en-US" baseline="0" dirty="0" err="1" smtClean="0">
-                <a:solidFill>
-                  <a:srgbClr val="FF0000"/>
-                </a:solidFill>
-              </a:rPr>
-              <a:t>etc</a:t>
-            </a:r>
-            <a:endParaRPr lang="en-US" dirty="0">
-              <a:solidFill>
-                <a:srgbClr val="FF0000"/>
-              </a:solidFill>
-            </a:endParaRPr>
+              <a:rPr lang="en-US" sz="900" baseline="0" dirty="0" smtClean="0"/>
+              <a:t> push'</a:t>
+            </a:r>
+            <a:endParaRPr lang="en-US" dirty="0"/>
           </a:p>
         </p:txBody>
       </p:sp>
@@ -1594,7 +1463,7 @@
             <a:fld id="{8B263312-38AA-4E1E-B2B5-0F8F122B24FE}" type="slidenum">
               <a:rPr lang="en-US" smtClean="0"/>
               <a:pPr/>
-              <a:t>19</a:t>
+              <a:t>21</a:t>
             </a:fld>
             <a:endParaRPr lang="en-US" dirty="0"/>
           </a:p>
@@ -1645,7 +1514,7 @@
     </p:spTree>
     <p:extLst>
       <p:ext uri="{BB962C8B-B14F-4D97-AF65-F5344CB8AC3E}">
-        <p14:creationId xmlns:p14="http://schemas.microsoft.com/office/powerpoint/2010/main" val="1551952231"/>
+        <p14:creationId xmlns:p14="http://schemas.microsoft.com/office/powerpoint/2010/main" val="3373923323"/>
       </p:ext>
     </p:extLst>
   </p:cSld>
@@ -1725,7 +1594,7 @@
             <a:fld id="{8B263312-38AA-4E1E-B2B5-0F8F122B24FE}" type="slidenum">
               <a:rPr lang="en-US" smtClean="0"/>
               <a:pPr/>
-              <a:t>21</a:t>
+              <a:t>22</a:t>
             </a:fld>
             <a:endParaRPr lang="en-US" dirty="0"/>
           </a:p>
@@ -1830,11 +1699,24 @@
           <a:bodyPr/>
           <a:lstStyle/>
           <a:p>
-            <a:endParaRPr lang="en-US" dirty="0">
-              <a:solidFill>
-                <a:srgbClr val="FF0000"/>
-              </a:solidFill>
-            </a:endParaRPr>
+            <a:r>
+              <a:rPr lang="en-US" dirty="0" smtClean="0"/>
+              <a:t>Go!</a:t>
+            </a:r>
+          </a:p>
+          <a:p>
+            <a:endParaRPr lang="en-US" dirty="0" smtClean="0"/>
+          </a:p>
+          <a:p>
+            <a:r>
+              <a:rPr lang="en-US" dirty="0" smtClean="0"/>
+              <a:t>Get</a:t>
+            </a:r>
+            <a:r>
+              <a:rPr lang="en-US" baseline="0" dirty="0" smtClean="0"/>
+              <a:t> started on your own, let’s check-in again in 20 minutes or so.</a:t>
+            </a:r>
+            <a:endParaRPr lang="en-US" dirty="0"/>
           </a:p>
         </p:txBody>
       </p:sp>
@@ -1856,7 +1738,7 @@
             <a:fld id="{8B263312-38AA-4E1E-B2B5-0F8F122B24FE}" type="slidenum">
               <a:rPr lang="en-US" smtClean="0"/>
               <a:pPr/>
-              <a:t>25</a:t>
+              <a:t>24</a:t>
             </a:fld>
             <a:endParaRPr lang="en-US" dirty="0"/>
           </a:p>
@@ -1907,7 +1789,7 @@
     </p:spTree>
     <p:extLst>
       <p:ext uri="{BB962C8B-B14F-4D97-AF65-F5344CB8AC3E}">
-        <p14:creationId xmlns:p14="http://schemas.microsoft.com/office/powerpoint/2010/main" val="1551952231"/>
+        <p14:creationId xmlns:p14="http://schemas.microsoft.com/office/powerpoint/2010/main" val="3278519784"/>
       </p:ext>
     </p:extLst>
   </p:cSld>
@@ -1963,20 +1845,11 @@
           <a:p>
             <a:r>
               <a:rPr lang="en-US" dirty="0" smtClean="0"/>
-              <a:t>Go!</a:t>
-            </a:r>
-          </a:p>
-          <a:p>
-            <a:endParaRPr lang="en-US" dirty="0" smtClean="0"/>
-          </a:p>
-          <a:p>
-            <a:r>
-              <a:rPr lang="en-US" dirty="0" smtClean="0"/>
-              <a:t>Get</a:t>
+              <a:t>Demo early</a:t>
             </a:r>
             <a:r>
               <a:rPr lang="en-US" baseline="0" dirty="0" smtClean="0"/>
-              <a:t> started on your own, let’s check-in again in 20 minutes or so.</a:t>
+              <a:t> and demo often!  Have the participants share their progress, maybe every 20-40 minutes have another participant share what they’ve done so far and share with the class.</a:t>
             </a:r>
             <a:endParaRPr lang="en-US" dirty="0"/>
           </a:p>
@@ -2000,7 +1873,7 @@
             <a:fld id="{8B263312-38AA-4E1E-B2B5-0F8F122B24FE}" type="slidenum">
               <a:rPr lang="en-US" smtClean="0"/>
               <a:pPr/>
-              <a:t>27</a:t>
+              <a:t>25</a:t>
             </a:fld>
             <a:endParaRPr lang="en-US" dirty="0"/>
           </a:p>
@@ -2051,7 +1924,7 @@
     </p:spTree>
     <p:extLst>
       <p:ext uri="{BB962C8B-B14F-4D97-AF65-F5344CB8AC3E}">
-        <p14:creationId xmlns:p14="http://schemas.microsoft.com/office/powerpoint/2010/main" val="3278519784"/>
+        <p14:creationId xmlns:p14="http://schemas.microsoft.com/office/powerpoint/2010/main" val="71662303"/>
       </p:ext>
     </p:extLst>
   </p:cSld>
@@ -2107,11 +1980,11 @@
           <a:p>
             <a:r>
               <a:rPr lang="en-US" dirty="0" smtClean="0"/>
-              <a:t>Demo early</a:t>
+              <a:t>Do not show</a:t>
             </a:r>
             <a:r>
               <a:rPr lang="en-US" baseline="0" dirty="0" smtClean="0"/>
-              <a:t> and demo often!  Have the participants share their progress, maybe every 20-40 minutes have another participant share what they’ve done so far and share with the class.</a:t>
+              <a:t> these until the participants have had ample time to find and fix them on their own.</a:t>
             </a:r>
             <a:endParaRPr lang="en-US" dirty="0"/>
           </a:p>
@@ -2135,7 +2008,7 @@
             <a:fld id="{8B263312-38AA-4E1E-B2B5-0F8F122B24FE}" type="slidenum">
               <a:rPr lang="en-US" smtClean="0"/>
               <a:pPr/>
-              <a:t>28</a:t>
+              <a:t>26</a:t>
             </a:fld>
             <a:endParaRPr lang="en-US" dirty="0"/>
           </a:p>
@@ -2186,7 +2059,7 @@
     </p:spTree>
     <p:extLst>
       <p:ext uri="{BB962C8B-B14F-4D97-AF65-F5344CB8AC3E}">
-        <p14:creationId xmlns:p14="http://schemas.microsoft.com/office/powerpoint/2010/main" val="71662303"/>
+        <p14:creationId xmlns:p14="http://schemas.microsoft.com/office/powerpoint/2010/main" val="2378470727"/>
       </p:ext>
     </p:extLst>
   </p:cSld>
@@ -2242,11 +2115,20 @@
           <a:p>
             <a:r>
               <a:rPr lang="en-US" dirty="0" smtClean="0"/>
-              <a:t>Do not show</a:t>
+              <a:t>Go!</a:t>
+            </a:r>
+          </a:p>
+          <a:p>
+            <a:endParaRPr lang="en-US" dirty="0" smtClean="0"/>
+          </a:p>
+          <a:p>
+            <a:r>
+              <a:rPr lang="en-US" dirty="0" smtClean="0"/>
+              <a:t>Get</a:t>
             </a:r>
             <a:r>
               <a:rPr lang="en-US" baseline="0" dirty="0" smtClean="0"/>
-              <a:t> these until the participants have had ample time to find and fix them on their own.</a:t>
+              <a:t> started on your own, let’s check-in again in 20 minutes or so.</a:t>
             </a:r>
             <a:endParaRPr lang="en-US" dirty="0"/>
           </a:p>
@@ -2270,7 +2152,7 @@
             <a:fld id="{8B263312-38AA-4E1E-B2B5-0F8F122B24FE}" type="slidenum">
               <a:rPr lang="en-US" smtClean="0"/>
               <a:pPr/>
-              <a:t>29</a:t>
+              <a:t>27</a:t>
             </a:fld>
             <a:endParaRPr lang="en-US" dirty="0"/>
           </a:p>
@@ -2321,7 +2203,7 @@
     </p:spTree>
     <p:extLst>
       <p:ext uri="{BB962C8B-B14F-4D97-AF65-F5344CB8AC3E}">
-        <p14:creationId xmlns:p14="http://schemas.microsoft.com/office/powerpoint/2010/main" val="2378470727"/>
+        <p14:creationId xmlns:p14="http://schemas.microsoft.com/office/powerpoint/2010/main" val="3278519784"/>
       </p:ext>
     </p:extLst>
   </p:cSld>
@@ -2377,20 +2259,11 @@
           <a:p>
             <a:r>
               <a:rPr lang="en-US" dirty="0" smtClean="0"/>
-              <a:t>Go!</a:t>
-            </a:r>
-          </a:p>
-          <a:p>
-            <a:endParaRPr lang="en-US" dirty="0" smtClean="0"/>
-          </a:p>
-          <a:p>
-            <a:r>
-              <a:rPr lang="en-US" dirty="0" smtClean="0"/>
-              <a:t>Get</a:t>
+              <a:t>Demo early</a:t>
             </a:r>
             <a:r>
               <a:rPr lang="en-US" baseline="0" dirty="0" smtClean="0"/>
-              <a:t> started on your own, let’s check-in again in 20 minutes or so.</a:t>
+              <a:t> and demo often!  Have the participants share their progress, maybe every 20-40 minutes have another participant share what they’ve done so far and share with the class.</a:t>
             </a:r>
             <a:endParaRPr lang="en-US" dirty="0"/>
           </a:p>
@@ -2414,7 +2287,7 @@
             <a:fld id="{8B263312-38AA-4E1E-B2B5-0F8F122B24FE}" type="slidenum">
               <a:rPr lang="en-US" smtClean="0"/>
               <a:pPr/>
-              <a:t>30</a:t>
+              <a:t>28</a:t>
             </a:fld>
             <a:endParaRPr lang="en-US" dirty="0"/>
           </a:p>
@@ -2465,7 +2338,7 @@
     </p:spTree>
     <p:extLst>
       <p:ext uri="{BB962C8B-B14F-4D97-AF65-F5344CB8AC3E}">
-        <p14:creationId xmlns:p14="http://schemas.microsoft.com/office/powerpoint/2010/main" val="3278519784"/>
+        <p14:creationId xmlns:p14="http://schemas.microsoft.com/office/powerpoint/2010/main" val="71662303"/>
       </p:ext>
     </p:extLst>
   </p:cSld>
@@ -2656,11 +2529,20 @@
           <a:p>
             <a:r>
               <a:rPr lang="en-US" dirty="0" smtClean="0"/>
-              <a:t>Demo early</a:t>
+              <a:t>Go!</a:t>
+            </a:r>
+          </a:p>
+          <a:p>
+            <a:endParaRPr lang="en-US" dirty="0" smtClean="0"/>
+          </a:p>
+          <a:p>
+            <a:r>
+              <a:rPr lang="en-US" dirty="0" smtClean="0"/>
+              <a:t>Get</a:t>
             </a:r>
             <a:r>
               <a:rPr lang="en-US" baseline="0" dirty="0" smtClean="0"/>
-              <a:t> and demo often!  Have the participants share their progress, maybe every 20-40 minutes have another participant share what they’ve done so far and share with the class.</a:t>
+              <a:t> started on your own, let’s check-in again in 20 minutes or so.</a:t>
             </a:r>
             <a:endParaRPr lang="en-US" dirty="0"/>
           </a:p>
@@ -2684,7 +2566,7 @@
             <a:fld id="{8B263312-38AA-4E1E-B2B5-0F8F122B24FE}" type="slidenum">
               <a:rPr lang="en-US" smtClean="0"/>
               <a:pPr/>
-              <a:t>31</a:t>
+              <a:t>30</a:t>
             </a:fld>
             <a:endParaRPr lang="en-US" dirty="0"/>
           </a:p>
@@ -2735,7 +2617,7 @@
     </p:spTree>
     <p:extLst>
       <p:ext uri="{BB962C8B-B14F-4D97-AF65-F5344CB8AC3E}">
-        <p14:creationId xmlns:p14="http://schemas.microsoft.com/office/powerpoint/2010/main" val="71662303"/>
+        <p14:creationId xmlns:p14="http://schemas.microsoft.com/office/powerpoint/2010/main" val="3278519784"/>
       </p:ext>
     </p:extLst>
   </p:cSld>
@@ -2791,20 +2673,11 @@
           <a:p>
             <a:r>
               <a:rPr lang="en-US" dirty="0" smtClean="0"/>
-              <a:t>Go!</a:t>
-            </a:r>
-          </a:p>
-          <a:p>
-            <a:endParaRPr lang="en-US" dirty="0" smtClean="0"/>
-          </a:p>
-          <a:p>
-            <a:r>
-              <a:rPr lang="en-US" dirty="0" smtClean="0"/>
-              <a:t>Get</a:t>
+              <a:t>Demo early</a:t>
             </a:r>
             <a:r>
               <a:rPr lang="en-US" baseline="0" dirty="0" smtClean="0"/>
-              <a:t> started on your own, let’s check-in again in 20 minutes or so.</a:t>
+              <a:t> and demo often!  Have the participants share their progress, maybe every 20-40 minutes have another participant share what they’ve done so far and share with the class.</a:t>
             </a:r>
             <a:endParaRPr lang="en-US" dirty="0"/>
           </a:p>
@@ -2828,7 +2701,7 @@
             <a:fld id="{8B263312-38AA-4E1E-B2B5-0F8F122B24FE}" type="slidenum">
               <a:rPr lang="en-US" smtClean="0"/>
               <a:pPr/>
-              <a:t>33</a:t>
+              <a:t>31</a:t>
             </a:fld>
             <a:endParaRPr lang="en-US" dirty="0"/>
           </a:p>
@@ -2879,7 +2752,7 @@
     </p:spTree>
     <p:extLst>
       <p:ext uri="{BB962C8B-B14F-4D97-AF65-F5344CB8AC3E}">
-        <p14:creationId xmlns:p14="http://schemas.microsoft.com/office/powerpoint/2010/main" val="3278519784"/>
+        <p14:creationId xmlns:p14="http://schemas.microsoft.com/office/powerpoint/2010/main" val="71662303"/>
       </p:ext>
     </p:extLst>
   </p:cSld>
@@ -2935,11 +2808,20 @@
           <a:p>
             <a:r>
               <a:rPr lang="en-US" dirty="0" smtClean="0"/>
-              <a:t>Demo early</a:t>
+              <a:t>Go!</a:t>
+            </a:r>
+          </a:p>
+          <a:p>
+            <a:endParaRPr lang="en-US" dirty="0" smtClean="0"/>
+          </a:p>
+          <a:p>
+            <a:r>
+              <a:rPr lang="en-US" dirty="0" smtClean="0"/>
+              <a:t>Get</a:t>
             </a:r>
             <a:r>
               <a:rPr lang="en-US" baseline="0" dirty="0" smtClean="0"/>
-              <a:t> and demo often!  Have the participants share their progress, maybe every 20-40 minutes have another participant share what they’ve done so far and share with the class.</a:t>
+              <a:t> started on your own, let’s check-in again in 20 minutes or so.</a:t>
             </a:r>
             <a:endParaRPr lang="en-US" dirty="0"/>
           </a:p>
@@ -2963,7 +2845,7 @@
             <a:fld id="{8B263312-38AA-4E1E-B2B5-0F8F122B24FE}" type="slidenum">
               <a:rPr lang="en-US" smtClean="0"/>
               <a:pPr/>
-              <a:t>34</a:t>
+              <a:t>33</a:t>
             </a:fld>
             <a:endParaRPr lang="en-US" dirty="0"/>
           </a:p>
@@ -3014,7 +2896,7 @@
     </p:spTree>
     <p:extLst>
       <p:ext uri="{BB962C8B-B14F-4D97-AF65-F5344CB8AC3E}">
-        <p14:creationId xmlns:p14="http://schemas.microsoft.com/office/powerpoint/2010/main" val="71662303"/>
+        <p14:creationId xmlns:p14="http://schemas.microsoft.com/office/powerpoint/2010/main" val="3278519784"/>
       </p:ext>
     </p:extLst>
   </p:cSld>
@@ -3070,20 +2952,11 @@
           <a:p>
             <a:r>
               <a:rPr lang="en-US" dirty="0" smtClean="0"/>
-              <a:t>Go!</a:t>
-            </a:r>
-          </a:p>
-          <a:p>
-            <a:endParaRPr lang="en-US" dirty="0" smtClean="0"/>
-          </a:p>
-          <a:p>
-            <a:r>
-              <a:rPr lang="en-US" dirty="0" smtClean="0"/>
-              <a:t>Get</a:t>
+              <a:t>Demo early</a:t>
             </a:r>
             <a:r>
               <a:rPr lang="en-US" baseline="0" dirty="0" smtClean="0"/>
-              <a:t> started on your own, let’s check-in again in 20 minutes or so.</a:t>
+              <a:t> and demo often!  Have the participants share their progress, maybe every 20-40 minutes have another participant share what they’ve done so far and share with the class.</a:t>
             </a:r>
             <a:endParaRPr lang="en-US" dirty="0"/>
           </a:p>
@@ -3107,7 +2980,7 @@
             <a:fld id="{8B263312-38AA-4E1E-B2B5-0F8F122B24FE}" type="slidenum">
               <a:rPr lang="en-US" smtClean="0"/>
               <a:pPr/>
-              <a:t>36</a:t>
+              <a:t>34</a:t>
             </a:fld>
             <a:endParaRPr lang="en-US" dirty="0"/>
           </a:p>
@@ -3158,7 +3031,7 @@
     </p:spTree>
     <p:extLst>
       <p:ext uri="{BB962C8B-B14F-4D97-AF65-F5344CB8AC3E}">
-        <p14:creationId xmlns:p14="http://schemas.microsoft.com/office/powerpoint/2010/main" val="3278519784"/>
+        <p14:creationId xmlns:p14="http://schemas.microsoft.com/office/powerpoint/2010/main" val="71662303"/>
       </p:ext>
     </p:extLst>
   </p:cSld>
@@ -3209,17 +3082,356 @@
         </p:nvSpPr>
         <p:spPr/>
         <p:txBody>
-          <a:bodyPr/>
+          <a:bodyPr>
+            <a:normAutofit fontScale="92500" lnSpcReduction="20000"/>
+          </a:bodyPr>
           <a:lstStyle/>
           <a:p>
             <a:r>
               <a:rPr lang="en-US" dirty="0" smtClean="0"/>
-              <a:t>Demo early</a:t>
+              <a:t>So many options</a:t>
             </a:r>
             <a:r>
               <a:rPr lang="en-US" baseline="0" dirty="0" smtClean="0"/>
-              <a:t> and demo often!  Have the participants share their progress, maybe every 20-40 minutes have another participant share what they’ve done so far and share with the class.</a:t>
-            </a:r>
+              <a:t> for where to go next with this project!  What will you do?</a:t>
+            </a:r>
+          </a:p>
+          <a:p>
+            <a:endParaRPr lang="en-US" baseline="0" dirty="0" smtClean="0"/>
+          </a:p>
+          <a:p>
+            <a:r>
+              <a:rPr lang="en-US" baseline="0" dirty="0" smtClean="0"/>
+              <a:t>Check https://</a:t>
+            </a:r>
+            <a:r>
+              <a:rPr lang="en-US" baseline="0" dirty="0" err="1" smtClean="0"/>
+              <a:t>github.com</a:t>
+            </a:r>
+            <a:r>
+              <a:rPr lang="en-US" baseline="0" dirty="0" smtClean="0"/>
+              <a:t>/</a:t>
+            </a:r>
+            <a:r>
+              <a:rPr lang="en-US" baseline="0" dirty="0" err="1" smtClean="0"/>
+              <a:t>learnchef</a:t>
+            </a:r>
+            <a:r>
+              <a:rPr lang="en-US" baseline="0" dirty="0" smtClean="0"/>
+              <a:t>/workshops/tree/master/</a:t>
+            </a:r>
+            <a:r>
+              <a:rPr lang="en-US" baseline="0" dirty="0" err="1" smtClean="0"/>
+              <a:t>Awesome_Appliance_Repair</a:t>
+            </a:r>
+            <a:r>
+              <a:rPr lang="en-US" baseline="0" dirty="0" smtClean="0"/>
+              <a:t> for additional ideas and / or additional detail.</a:t>
+            </a:r>
+          </a:p>
+          <a:p>
+            <a:endParaRPr lang="en-US" baseline="0" dirty="0" smtClean="0"/>
+          </a:p>
+          <a:p>
+            <a:r>
+              <a:rPr lang="en-US" baseline="0" dirty="0" smtClean="0"/>
+              <a:t>## Next steps</a:t>
+            </a:r>
+          </a:p>
+          <a:p>
+            <a:endParaRPr lang="en-US" baseline="0" dirty="0" smtClean="0"/>
+          </a:p>
+          <a:p>
+            <a:r>
+              <a:rPr lang="en-US" baseline="0" dirty="0" smtClean="0"/>
+              <a:t>You can take expand on this project a number of ways including:</a:t>
+            </a:r>
+          </a:p>
+          <a:p>
+            <a:endParaRPr lang="en-US" baseline="0" dirty="0" smtClean="0"/>
+          </a:p>
+          <a:p>
+            <a:r>
+              <a:rPr lang="en-US" baseline="0" dirty="0" smtClean="0"/>
+              <a:t>* Testing</a:t>
+            </a:r>
+          </a:p>
+          <a:p>
+            <a:r>
+              <a:rPr lang="en-US" baseline="0" dirty="0" smtClean="0"/>
+              <a:t>  * Use [Test Kitchen](http://</a:t>
+            </a:r>
+            <a:r>
+              <a:rPr lang="en-US" baseline="0" dirty="0" err="1" smtClean="0"/>
+              <a:t>kitchen.ci</a:t>
+            </a:r>
+            <a:r>
+              <a:rPr lang="en-US" baseline="0" dirty="0" smtClean="0"/>
+              <a:t>) to validate your chef-client runs.</a:t>
+            </a:r>
+          </a:p>
+          <a:p>
+            <a:r>
+              <a:rPr lang="en-US" baseline="0" dirty="0" smtClean="0"/>
+              <a:t>  * Add static code analysis using [</a:t>
+            </a:r>
+            <a:r>
+              <a:rPr lang="en-US" baseline="0" dirty="0" err="1" smtClean="0"/>
+              <a:t>Rubocop</a:t>
+            </a:r>
+            <a:r>
+              <a:rPr lang="en-US" baseline="0" dirty="0" smtClean="0"/>
+              <a:t>](https://</a:t>
+            </a:r>
+            <a:r>
+              <a:rPr lang="en-US" baseline="0" dirty="0" err="1" smtClean="0"/>
+              <a:t>github.com</a:t>
+            </a:r>
+            <a:r>
+              <a:rPr lang="en-US" baseline="0" dirty="0" smtClean="0"/>
+              <a:t>/</a:t>
+            </a:r>
+            <a:r>
+              <a:rPr lang="en-US" baseline="0" dirty="0" err="1" smtClean="0"/>
+              <a:t>bbatsov</a:t>
+            </a:r>
+            <a:r>
+              <a:rPr lang="en-US" baseline="0" dirty="0" smtClean="0"/>
+              <a:t>/</a:t>
+            </a:r>
+            <a:r>
+              <a:rPr lang="en-US" baseline="0" dirty="0" err="1" smtClean="0"/>
+              <a:t>rubocop</a:t>
+            </a:r>
+            <a:r>
+              <a:rPr lang="en-US" baseline="0" dirty="0" smtClean="0"/>
+              <a:t>) and [Food Critic](</a:t>
+            </a:r>
+            <a:r>
+              <a:rPr lang="en-US" baseline="0" dirty="0" err="1" smtClean="0"/>
+              <a:t>foodcritic.io</a:t>
+            </a:r>
+            <a:r>
+              <a:rPr lang="en-US" baseline="0" dirty="0" smtClean="0"/>
+              <a:t>).</a:t>
+            </a:r>
+          </a:p>
+          <a:p>
+            <a:r>
+              <a:rPr lang="en-US" baseline="0" dirty="0" smtClean="0"/>
+              <a:t>  * Add [</a:t>
+            </a:r>
+            <a:r>
+              <a:rPr lang="en-US" baseline="0" dirty="0" err="1" smtClean="0"/>
+              <a:t>ChefSpec</a:t>
+            </a:r>
+            <a:r>
+              <a:rPr lang="en-US" baseline="0" dirty="0" smtClean="0"/>
+              <a:t>](http://</a:t>
+            </a:r>
+            <a:r>
+              <a:rPr lang="en-US" baseline="0" dirty="0" err="1" smtClean="0"/>
+              <a:t>sethvargo.github.io</a:t>
+            </a:r>
+            <a:r>
+              <a:rPr lang="en-US" baseline="0" dirty="0" smtClean="0"/>
+              <a:t>/</a:t>
+            </a:r>
+            <a:r>
+              <a:rPr lang="en-US" baseline="0" dirty="0" err="1" smtClean="0"/>
+              <a:t>chefspec</a:t>
+            </a:r>
+            <a:r>
+              <a:rPr lang="en-US" baseline="0" dirty="0" smtClean="0"/>
+              <a:t>/) tests.</a:t>
+            </a:r>
+          </a:p>
+          <a:p>
+            <a:r>
+              <a:rPr lang="en-US" baseline="0" dirty="0" smtClean="0"/>
+              <a:t>  * Add [</a:t>
+            </a:r>
+            <a:r>
+              <a:rPr lang="en-US" baseline="0" dirty="0" err="1" smtClean="0"/>
+              <a:t>Serverspec</a:t>
+            </a:r>
+            <a:r>
+              <a:rPr lang="en-US" baseline="0" dirty="0" smtClean="0"/>
+              <a:t>](http://</a:t>
+            </a:r>
+            <a:r>
+              <a:rPr lang="en-US" baseline="0" dirty="0" err="1" smtClean="0"/>
+              <a:t>serverspec.org</a:t>
+            </a:r>
+            <a:r>
+              <a:rPr lang="en-US" baseline="0" dirty="0" smtClean="0"/>
+              <a:t>/) tests.</a:t>
+            </a:r>
+          </a:p>
+          <a:p>
+            <a:r>
+              <a:rPr lang="en-US" baseline="0" dirty="0" smtClean="0"/>
+              <a:t>  * Add a continuous integration server, such as Jenkins</a:t>
+            </a:r>
+          </a:p>
+          <a:p>
+            <a:r>
+              <a:rPr lang="en-US" baseline="0" dirty="0" smtClean="0"/>
+              <a:t>* Multi-tier implementation</a:t>
+            </a:r>
+          </a:p>
+          <a:p>
+            <a:r>
+              <a:rPr lang="en-US" baseline="0" dirty="0" smtClean="0"/>
+              <a:t>  * move the database to a separate node</a:t>
+            </a:r>
+          </a:p>
+          <a:p>
+            <a:r>
+              <a:rPr lang="en-US" baseline="0" dirty="0" smtClean="0"/>
+              <a:t>  * add a load balancer and additional web server</a:t>
+            </a:r>
+          </a:p>
+          <a:p>
+            <a:r>
+              <a:rPr lang="en-US" baseline="0" dirty="0" smtClean="0"/>
+              <a:t>* Community Cookbooks - What cookbooks in the [Supermarket](http://</a:t>
+            </a:r>
+            <a:r>
+              <a:rPr lang="en-US" baseline="0" dirty="0" err="1" smtClean="0"/>
+              <a:t>supermarket.getchef.com</a:t>
+            </a:r>
+            <a:r>
+              <a:rPr lang="en-US" baseline="0" dirty="0" smtClean="0"/>
+              <a:t>) might help?</a:t>
+            </a:r>
+          </a:p>
+          <a:p>
+            <a:r>
+              <a:rPr lang="en-US" baseline="0" dirty="0" smtClean="0"/>
+              <a:t>* Multi-OS support - what changes are required to deploy the application to </a:t>
+            </a:r>
+            <a:r>
+              <a:rPr lang="en-US" baseline="0" dirty="0" err="1" smtClean="0"/>
+              <a:t>CentOS</a:t>
+            </a:r>
+            <a:r>
+              <a:rPr lang="en-US" baseline="0" dirty="0" smtClean="0"/>
+              <a:t>? </a:t>
+            </a:r>
+          </a:p>
+          <a:p>
+            <a:r>
+              <a:rPr lang="en-US" baseline="0" dirty="0" smtClean="0"/>
+              <a:t>* Cloud deployment</a:t>
+            </a:r>
+          </a:p>
+          <a:p>
+            <a:r>
+              <a:rPr lang="en-US" baseline="0" dirty="0" smtClean="0"/>
+              <a:t>  * Can you deploy this </a:t>
+            </a:r>
+            <a:r>
+              <a:rPr lang="en-US" baseline="0" dirty="0" err="1" smtClean="0"/>
+              <a:t>applicaiton</a:t>
+            </a:r>
+            <a:r>
+              <a:rPr lang="en-US" baseline="0" dirty="0" smtClean="0"/>
+              <a:t> to another infrastructure as a service environment?  (AWS, Azure, Rackspace, Digital Ocean, etc.)</a:t>
+            </a:r>
+          </a:p>
+          <a:p>
+            <a:r>
+              <a:rPr lang="en-US" baseline="0" dirty="0" smtClean="0"/>
+              <a:t>* Operationalize</a:t>
+            </a:r>
+          </a:p>
+          <a:p>
+            <a:r>
+              <a:rPr lang="en-US" baseline="0" dirty="0" smtClean="0"/>
+              <a:t>  * Add monitoring (</a:t>
+            </a:r>
+            <a:r>
+              <a:rPr lang="en-US" baseline="0" dirty="0" err="1" smtClean="0"/>
+              <a:t>nagios</a:t>
+            </a:r>
+            <a:r>
+              <a:rPr lang="en-US" baseline="0" dirty="0" smtClean="0"/>
+              <a:t>, </a:t>
+            </a:r>
+            <a:r>
+              <a:rPr lang="en-US" baseline="0" dirty="0" err="1" smtClean="0"/>
+              <a:t>sensu</a:t>
+            </a:r>
+            <a:r>
+              <a:rPr lang="en-US" baseline="0" dirty="0" smtClean="0"/>
+              <a:t>, etc.)</a:t>
+            </a:r>
+          </a:p>
+          <a:p>
+            <a:r>
+              <a:rPr lang="en-US" baseline="0" dirty="0" smtClean="0"/>
+              <a:t>  * Add central logging (</a:t>
+            </a:r>
+            <a:r>
+              <a:rPr lang="en-US" baseline="0" dirty="0" err="1" smtClean="0"/>
+              <a:t>splunk</a:t>
+            </a:r>
+            <a:r>
+              <a:rPr lang="en-US" baseline="0" dirty="0" smtClean="0"/>
+              <a:t>, </a:t>
+            </a:r>
+            <a:r>
+              <a:rPr lang="en-US" baseline="0" dirty="0" err="1" smtClean="0"/>
+              <a:t>logstash</a:t>
+            </a:r>
+            <a:r>
+              <a:rPr lang="en-US" baseline="0" dirty="0" smtClean="0"/>
+              <a:t>, etc.)</a:t>
+            </a:r>
+          </a:p>
+          <a:p>
+            <a:r>
+              <a:rPr lang="en-US" baseline="0" dirty="0" smtClean="0"/>
+              <a:t>  * Schedule database backups</a:t>
+            </a:r>
+          </a:p>
+          <a:p>
+            <a:r>
+              <a:rPr lang="en-US" baseline="0" dirty="0" smtClean="0"/>
+              <a:t>  * Add an additional database for replication (master / slave)</a:t>
+            </a:r>
+          </a:p>
+          <a:p>
+            <a:r>
+              <a:rPr lang="en-US" baseline="0" dirty="0" smtClean="0"/>
+              <a:t>* </a:t>
+            </a:r>
+            <a:r>
+              <a:rPr lang="en-US" baseline="0" dirty="0" err="1" smtClean="0"/>
+              <a:t>Applicaiton</a:t>
+            </a:r>
+            <a:r>
+              <a:rPr lang="en-US" baseline="0" dirty="0" smtClean="0"/>
+              <a:t> Deployments</a:t>
+            </a:r>
+          </a:p>
+          <a:p>
+            <a:r>
+              <a:rPr lang="en-US" baseline="0" dirty="0" smtClean="0"/>
+              <a:t>  * How do you deploy updates to the Awesome Appliance Repair application?</a:t>
+            </a:r>
+          </a:p>
+          <a:p>
+            <a:endParaRPr lang="en-US" baseline="0" dirty="0" smtClean="0"/>
+          </a:p>
+          <a:p>
+            <a:endParaRPr lang="en-US" baseline="0" dirty="0" smtClean="0"/>
+          </a:p>
+          <a:p>
+            <a:endParaRPr lang="en-US" baseline="0" dirty="0" smtClean="0"/>
+          </a:p>
+          <a:p>
             <a:endParaRPr lang="en-US" dirty="0"/>
           </a:p>
         </p:txBody>
@@ -3242,7 +3454,7 @@
             <a:fld id="{8B263312-38AA-4E1E-B2B5-0F8F122B24FE}" type="slidenum">
               <a:rPr lang="en-US" smtClean="0"/>
               <a:pPr/>
-              <a:t>37</a:t>
+              <a:t>35</a:t>
             </a:fld>
             <a:endParaRPr lang="en-US" dirty="0"/>
           </a:p>
@@ -3293,7 +3505,7 @@
     </p:spTree>
     <p:extLst>
       <p:ext uri="{BB962C8B-B14F-4D97-AF65-F5344CB8AC3E}">
-        <p14:creationId xmlns:p14="http://schemas.microsoft.com/office/powerpoint/2010/main" val="71662303"/>
+        <p14:creationId xmlns:p14="http://schemas.microsoft.com/office/powerpoint/2010/main" val="4252575558"/>
       </p:ext>
     </p:extLst>
   </p:cSld>
@@ -3344,356 +3556,26 @@
         </p:nvSpPr>
         <p:spPr/>
         <p:txBody>
-          <a:bodyPr>
-            <a:normAutofit fontScale="92500" lnSpcReduction="20000"/>
-          </a:bodyPr>
+          <a:bodyPr/>
           <a:lstStyle/>
           <a:p>
             <a:r>
               <a:rPr lang="en-US" dirty="0" smtClean="0"/>
-              <a:t>So many options</a:t>
+              <a:t>Go!</a:t>
+            </a:r>
+          </a:p>
+          <a:p>
+            <a:endParaRPr lang="en-US" dirty="0" smtClean="0"/>
+          </a:p>
+          <a:p>
+            <a:r>
+              <a:rPr lang="en-US" dirty="0" smtClean="0"/>
+              <a:t>Get</a:t>
             </a:r>
             <a:r>
               <a:rPr lang="en-US" baseline="0" dirty="0" smtClean="0"/>
-              <a:t> for where to go next with this project!  What will you do?</a:t>
-            </a:r>
-          </a:p>
-          <a:p>
-            <a:endParaRPr lang="en-US" baseline="0" dirty="0" smtClean="0"/>
-          </a:p>
-          <a:p>
-            <a:r>
-              <a:rPr lang="en-US" baseline="0" dirty="0" smtClean="0"/>
-              <a:t>Check https://</a:t>
-            </a:r>
-            <a:r>
-              <a:rPr lang="en-US" baseline="0" dirty="0" err="1" smtClean="0"/>
-              <a:t>github.com</a:t>
-            </a:r>
-            <a:r>
-              <a:rPr lang="en-US" baseline="0" dirty="0" smtClean="0"/>
-              <a:t>/</a:t>
-            </a:r>
-            <a:r>
-              <a:rPr lang="en-US" baseline="0" dirty="0" err="1" smtClean="0"/>
-              <a:t>learnchef</a:t>
-            </a:r>
-            <a:r>
-              <a:rPr lang="en-US" baseline="0" dirty="0" smtClean="0"/>
-              <a:t>/workshops/tree/master/</a:t>
-            </a:r>
-            <a:r>
-              <a:rPr lang="en-US" baseline="0" dirty="0" err="1" smtClean="0"/>
-              <a:t>Awesome_Appliance_Repair</a:t>
-            </a:r>
-            <a:r>
-              <a:rPr lang="en-US" baseline="0" dirty="0" smtClean="0"/>
-              <a:t> for additional ideas and / or additional detail.</a:t>
-            </a:r>
-          </a:p>
-          <a:p>
-            <a:endParaRPr lang="en-US" baseline="0" dirty="0" smtClean="0"/>
-          </a:p>
-          <a:p>
-            <a:r>
-              <a:rPr lang="en-US" baseline="0" dirty="0" smtClean="0"/>
-              <a:t>## Next steps</a:t>
-            </a:r>
-          </a:p>
-          <a:p>
-            <a:endParaRPr lang="en-US" baseline="0" dirty="0" smtClean="0"/>
-          </a:p>
-          <a:p>
-            <a:r>
-              <a:rPr lang="en-US" baseline="0" dirty="0" smtClean="0"/>
-              <a:t>You can take expand on this project a number of ways including:</a:t>
-            </a:r>
-          </a:p>
-          <a:p>
-            <a:endParaRPr lang="en-US" baseline="0" dirty="0" smtClean="0"/>
-          </a:p>
-          <a:p>
-            <a:r>
-              <a:rPr lang="en-US" baseline="0" dirty="0" smtClean="0"/>
-              <a:t>* Testing</a:t>
-            </a:r>
-          </a:p>
-          <a:p>
-            <a:r>
-              <a:rPr lang="en-US" baseline="0" dirty="0" smtClean="0"/>
-              <a:t>  * Use [Test Kitchen](http://</a:t>
-            </a:r>
-            <a:r>
-              <a:rPr lang="en-US" baseline="0" dirty="0" err="1" smtClean="0"/>
-              <a:t>kitchen.ci</a:t>
-            </a:r>
-            <a:r>
-              <a:rPr lang="en-US" baseline="0" dirty="0" smtClean="0"/>
-              <a:t>) to validate your chef-client runs.</a:t>
-            </a:r>
-          </a:p>
-          <a:p>
-            <a:r>
-              <a:rPr lang="en-US" baseline="0" dirty="0" smtClean="0"/>
-              <a:t>  * Add static code analysis using [</a:t>
-            </a:r>
-            <a:r>
-              <a:rPr lang="en-US" baseline="0" dirty="0" err="1" smtClean="0"/>
-              <a:t>Rubocop</a:t>
-            </a:r>
-            <a:r>
-              <a:rPr lang="en-US" baseline="0" dirty="0" smtClean="0"/>
-              <a:t>](https://</a:t>
-            </a:r>
-            <a:r>
-              <a:rPr lang="en-US" baseline="0" dirty="0" err="1" smtClean="0"/>
-              <a:t>github.com</a:t>
-            </a:r>
-            <a:r>
-              <a:rPr lang="en-US" baseline="0" dirty="0" smtClean="0"/>
-              <a:t>/</a:t>
-            </a:r>
-            <a:r>
-              <a:rPr lang="en-US" baseline="0" dirty="0" err="1" smtClean="0"/>
-              <a:t>bbatsov</a:t>
-            </a:r>
-            <a:r>
-              <a:rPr lang="en-US" baseline="0" dirty="0" smtClean="0"/>
-              <a:t>/</a:t>
-            </a:r>
-            <a:r>
-              <a:rPr lang="en-US" baseline="0" dirty="0" err="1" smtClean="0"/>
-              <a:t>rubocop</a:t>
-            </a:r>
-            <a:r>
-              <a:rPr lang="en-US" baseline="0" dirty="0" smtClean="0"/>
-              <a:t>) and [Food Critic](</a:t>
-            </a:r>
-            <a:r>
-              <a:rPr lang="en-US" baseline="0" dirty="0" err="1" smtClean="0"/>
-              <a:t>foodcritic.io</a:t>
-            </a:r>
-            <a:r>
-              <a:rPr lang="en-US" baseline="0" dirty="0" smtClean="0"/>
-              <a:t>).</a:t>
-            </a:r>
-          </a:p>
-          <a:p>
-            <a:r>
-              <a:rPr lang="en-US" baseline="0" dirty="0" smtClean="0"/>
-              <a:t>  * Add [</a:t>
-            </a:r>
-            <a:r>
-              <a:rPr lang="en-US" baseline="0" dirty="0" err="1" smtClean="0"/>
-              <a:t>ChefSpec</a:t>
-            </a:r>
-            <a:r>
-              <a:rPr lang="en-US" baseline="0" dirty="0" smtClean="0"/>
-              <a:t>](http://</a:t>
-            </a:r>
-            <a:r>
-              <a:rPr lang="en-US" baseline="0" dirty="0" err="1" smtClean="0"/>
-              <a:t>sethvargo.github.io</a:t>
-            </a:r>
-            <a:r>
-              <a:rPr lang="en-US" baseline="0" dirty="0" smtClean="0"/>
-              <a:t>/</a:t>
-            </a:r>
-            <a:r>
-              <a:rPr lang="en-US" baseline="0" dirty="0" err="1" smtClean="0"/>
-              <a:t>chefspec</a:t>
-            </a:r>
-            <a:r>
-              <a:rPr lang="en-US" baseline="0" dirty="0" smtClean="0"/>
-              <a:t>/) tests.</a:t>
-            </a:r>
-          </a:p>
-          <a:p>
-            <a:r>
-              <a:rPr lang="en-US" baseline="0" dirty="0" smtClean="0"/>
-              <a:t>  * Add [</a:t>
-            </a:r>
-            <a:r>
-              <a:rPr lang="en-US" baseline="0" dirty="0" err="1" smtClean="0"/>
-              <a:t>Serverspec</a:t>
-            </a:r>
-            <a:r>
-              <a:rPr lang="en-US" baseline="0" dirty="0" smtClean="0"/>
-              <a:t>](http://</a:t>
-            </a:r>
-            <a:r>
-              <a:rPr lang="en-US" baseline="0" dirty="0" err="1" smtClean="0"/>
-              <a:t>serverspec.org</a:t>
-            </a:r>
-            <a:r>
-              <a:rPr lang="en-US" baseline="0" dirty="0" smtClean="0"/>
-              <a:t>/) tests.</a:t>
-            </a:r>
-          </a:p>
-          <a:p>
-            <a:r>
-              <a:rPr lang="en-US" baseline="0" dirty="0" smtClean="0"/>
-              <a:t>  * Add a continuous integration server, such as Jenkins</a:t>
-            </a:r>
-          </a:p>
-          <a:p>
-            <a:r>
-              <a:rPr lang="en-US" baseline="0" dirty="0" smtClean="0"/>
-              <a:t>* Multi-tier implementation</a:t>
-            </a:r>
-          </a:p>
-          <a:p>
-            <a:r>
-              <a:rPr lang="en-US" baseline="0" dirty="0" smtClean="0"/>
-              <a:t>  * move the database to a separate node</a:t>
-            </a:r>
-          </a:p>
-          <a:p>
-            <a:r>
-              <a:rPr lang="en-US" baseline="0" dirty="0" smtClean="0"/>
-              <a:t>  * add a load balancer and additional web server</a:t>
-            </a:r>
-          </a:p>
-          <a:p>
-            <a:r>
-              <a:rPr lang="en-US" baseline="0" dirty="0" smtClean="0"/>
-              <a:t>* Community Cookbooks - What cookbooks in the [Supermarket](http://</a:t>
-            </a:r>
-            <a:r>
-              <a:rPr lang="en-US" baseline="0" dirty="0" err="1" smtClean="0"/>
-              <a:t>supermarket.getchef.com</a:t>
-            </a:r>
-            <a:r>
-              <a:rPr lang="en-US" baseline="0" dirty="0" smtClean="0"/>
-              <a:t>) might help?</a:t>
-            </a:r>
-          </a:p>
-          <a:p>
-            <a:r>
-              <a:rPr lang="en-US" baseline="0" dirty="0" smtClean="0"/>
-              <a:t>* Multi-OS support - what changes are required to deploy the application to </a:t>
-            </a:r>
-            <a:r>
-              <a:rPr lang="en-US" baseline="0" dirty="0" err="1" smtClean="0"/>
-              <a:t>CentOS</a:t>
-            </a:r>
-            <a:r>
-              <a:rPr lang="en-US" baseline="0" dirty="0" smtClean="0"/>
-              <a:t>? </a:t>
-            </a:r>
-          </a:p>
-          <a:p>
-            <a:r>
-              <a:rPr lang="en-US" baseline="0" dirty="0" smtClean="0"/>
-              <a:t>* Cloud deployment</a:t>
-            </a:r>
-          </a:p>
-          <a:p>
-            <a:r>
-              <a:rPr lang="en-US" baseline="0" dirty="0" smtClean="0"/>
-              <a:t>  * Can you deploy this </a:t>
-            </a:r>
-            <a:r>
-              <a:rPr lang="en-US" baseline="0" dirty="0" err="1" smtClean="0"/>
-              <a:t>applicaiton</a:t>
-            </a:r>
-            <a:r>
-              <a:rPr lang="en-US" baseline="0" dirty="0" smtClean="0"/>
-              <a:t> to another infrastructure as a service environment?  (AWS, Azure, Rackspace, Digital Ocean, etc.)</a:t>
-            </a:r>
-          </a:p>
-          <a:p>
-            <a:r>
-              <a:rPr lang="en-US" baseline="0" dirty="0" smtClean="0"/>
-              <a:t>* Operationalize</a:t>
-            </a:r>
-          </a:p>
-          <a:p>
-            <a:r>
-              <a:rPr lang="en-US" baseline="0" dirty="0" smtClean="0"/>
-              <a:t>  * Add monitoring (</a:t>
-            </a:r>
-            <a:r>
-              <a:rPr lang="en-US" baseline="0" dirty="0" err="1" smtClean="0"/>
-              <a:t>nagios</a:t>
-            </a:r>
-            <a:r>
-              <a:rPr lang="en-US" baseline="0" dirty="0" smtClean="0"/>
-              <a:t>, </a:t>
-            </a:r>
-            <a:r>
-              <a:rPr lang="en-US" baseline="0" dirty="0" err="1" smtClean="0"/>
-              <a:t>sensu</a:t>
-            </a:r>
-            <a:r>
-              <a:rPr lang="en-US" baseline="0" dirty="0" smtClean="0"/>
-              <a:t>, etc.)</a:t>
-            </a:r>
-          </a:p>
-          <a:p>
-            <a:r>
-              <a:rPr lang="en-US" baseline="0" dirty="0" smtClean="0"/>
-              <a:t>  * Add central logging (</a:t>
-            </a:r>
-            <a:r>
-              <a:rPr lang="en-US" baseline="0" dirty="0" err="1" smtClean="0"/>
-              <a:t>splunk</a:t>
-            </a:r>
-            <a:r>
-              <a:rPr lang="en-US" baseline="0" dirty="0" smtClean="0"/>
-              <a:t>, </a:t>
-            </a:r>
-            <a:r>
-              <a:rPr lang="en-US" baseline="0" dirty="0" err="1" smtClean="0"/>
-              <a:t>logstash</a:t>
-            </a:r>
-            <a:r>
-              <a:rPr lang="en-US" baseline="0" dirty="0" smtClean="0"/>
-              <a:t>, etc.)</a:t>
-            </a:r>
-          </a:p>
-          <a:p>
-            <a:r>
-              <a:rPr lang="en-US" baseline="0" dirty="0" smtClean="0"/>
-              <a:t>  * Schedule database backups</a:t>
-            </a:r>
-          </a:p>
-          <a:p>
-            <a:r>
-              <a:rPr lang="en-US" baseline="0" dirty="0" smtClean="0"/>
-              <a:t>  * Add an additional database for replication (master / slave)</a:t>
-            </a:r>
-          </a:p>
-          <a:p>
-            <a:r>
-              <a:rPr lang="en-US" baseline="0" dirty="0" smtClean="0"/>
-              <a:t>* </a:t>
-            </a:r>
-            <a:r>
-              <a:rPr lang="en-US" baseline="0" dirty="0" err="1" smtClean="0"/>
-              <a:t>Applicaiton</a:t>
-            </a:r>
-            <a:r>
-              <a:rPr lang="en-US" baseline="0" dirty="0" smtClean="0"/>
-              <a:t> Deployments</a:t>
-            </a:r>
-          </a:p>
-          <a:p>
-            <a:r>
-              <a:rPr lang="en-US" baseline="0" dirty="0" smtClean="0"/>
-              <a:t>  * How do you deploy updates to the Awesome Appliance Repair application?</a:t>
-            </a:r>
-          </a:p>
-          <a:p>
-            <a:endParaRPr lang="en-US" baseline="0" dirty="0" smtClean="0"/>
-          </a:p>
-          <a:p>
-            <a:endParaRPr lang="en-US" baseline="0" dirty="0" smtClean="0"/>
-          </a:p>
-          <a:p>
-            <a:endParaRPr lang="en-US" baseline="0" dirty="0" smtClean="0"/>
-          </a:p>
-          <a:p>
+              <a:t> started on your own, let’s check-in again in 20 minutes or so.</a:t>
+            </a:r>
             <a:endParaRPr lang="en-US" dirty="0"/>
           </a:p>
         </p:txBody>
@@ -3716,7 +3598,7 @@
             <a:fld id="{8B263312-38AA-4E1E-B2B5-0F8F122B24FE}" type="slidenum">
               <a:rPr lang="en-US" smtClean="0"/>
               <a:pPr/>
-              <a:t>38</a:t>
+              <a:t>36</a:t>
             </a:fld>
             <a:endParaRPr lang="en-US" dirty="0"/>
           </a:p>
@@ -3767,7 +3649,7 @@
     </p:spTree>
     <p:extLst>
       <p:ext uri="{BB962C8B-B14F-4D97-AF65-F5344CB8AC3E}">
-        <p14:creationId xmlns:p14="http://schemas.microsoft.com/office/powerpoint/2010/main" val="4252575558"/>
+        <p14:creationId xmlns:p14="http://schemas.microsoft.com/office/powerpoint/2010/main" val="3278519784"/>
       </p:ext>
     </p:extLst>
   </p:cSld>
@@ -3823,20 +3705,11 @@
           <a:p>
             <a:r>
               <a:rPr lang="en-US" dirty="0" smtClean="0"/>
-              <a:t>Go!</a:t>
-            </a:r>
-          </a:p>
-          <a:p>
-            <a:endParaRPr lang="en-US" dirty="0" smtClean="0"/>
-          </a:p>
-          <a:p>
-            <a:r>
-              <a:rPr lang="en-US" dirty="0" smtClean="0"/>
-              <a:t>Get</a:t>
+              <a:t>Demo early</a:t>
             </a:r>
             <a:r>
               <a:rPr lang="en-US" baseline="0" dirty="0" smtClean="0"/>
-              <a:t> started on your own, let’s check-in again in 20 minutes or so.</a:t>
+              <a:t> and demo often!  Have the participants share their progress, maybe every 20-40 minutes have another participant share what they’ve done so far and share with the class.</a:t>
             </a:r>
             <a:endParaRPr lang="en-US" dirty="0"/>
           </a:p>
@@ -3860,7 +3733,7 @@
             <a:fld id="{8B263312-38AA-4E1E-B2B5-0F8F122B24FE}" type="slidenum">
               <a:rPr lang="en-US" smtClean="0"/>
               <a:pPr/>
-              <a:t>39</a:t>
+              <a:t>37</a:t>
             </a:fld>
             <a:endParaRPr lang="en-US" dirty="0"/>
           </a:p>
@@ -3911,7 +3784,7 @@
     </p:spTree>
     <p:extLst>
       <p:ext uri="{BB962C8B-B14F-4D97-AF65-F5344CB8AC3E}">
-        <p14:creationId xmlns:p14="http://schemas.microsoft.com/office/powerpoint/2010/main" val="3278519784"/>
+        <p14:creationId xmlns:p14="http://schemas.microsoft.com/office/powerpoint/2010/main" val="71662303"/>
       </p:ext>
     </p:extLst>
   </p:cSld>
@@ -3967,11 +3840,7 @@
           <a:p>
             <a:r>
               <a:rPr lang="en-US" dirty="0" smtClean="0"/>
-              <a:t>Demo early</a:t>
-            </a:r>
-            <a:r>
-              <a:rPr lang="en-US" baseline="0" dirty="0" smtClean="0"/>
-              <a:t> and demo often!  Have the participants share their progress, maybe every 20-40 minutes have another participant share what they’ve done so far and share with the class.</a:t>
+              <a:t>Wrapping up, let’s revisit our objectives.</a:t>
             </a:r>
             <a:endParaRPr lang="en-US" dirty="0"/>
           </a:p>
@@ -3995,7 +3864,7 @@
             <a:fld id="{8B263312-38AA-4E1E-B2B5-0F8F122B24FE}" type="slidenum">
               <a:rPr lang="en-US" smtClean="0"/>
               <a:pPr/>
-              <a:t>40</a:t>
+              <a:t>38</a:t>
             </a:fld>
             <a:endParaRPr lang="en-US" dirty="0"/>
           </a:p>
@@ -4046,7 +3915,7 @@
     </p:spTree>
     <p:extLst>
       <p:ext uri="{BB962C8B-B14F-4D97-AF65-F5344CB8AC3E}">
-        <p14:creationId xmlns:p14="http://schemas.microsoft.com/office/powerpoint/2010/main" val="71662303"/>
+        <p14:creationId xmlns:p14="http://schemas.microsoft.com/office/powerpoint/2010/main" val="1120799086"/>
       </p:ext>
     </p:extLst>
   </p:cSld>
@@ -4101,8 +3970,59 @@
           <a:lstStyle/>
           <a:p>
             <a:r>
-              <a:rPr lang="en-US" dirty="0" smtClean="0"/>
-              <a:t>Wrapping up, let’s revisit our objectives.</a:t>
+              <a:rPr lang="en-US" i="0" dirty="0" smtClean="0"/>
+              <a:t>Let’s spend 15 minutes reflecting on</a:t>
+            </a:r>
+            <a:r>
+              <a:rPr lang="en-US" i="0" baseline="0" dirty="0" smtClean="0"/>
+              <a:t> what we’ve learned today.  Give participants some time to reflect and ask a few of them to share some key insights.</a:t>
+            </a:r>
+            <a:endParaRPr lang="en-US" i="0" dirty="0" smtClean="0"/>
+          </a:p>
+          <a:p>
+            <a:endParaRPr lang="en-US" i="1" dirty="0" smtClean="0"/>
+          </a:p>
+          <a:p>
+            <a:r>
+              <a:rPr lang="en-US" i="1" dirty="0" smtClean="0"/>
+              <a:t>Employees</a:t>
+            </a:r>
+            <a:r>
+              <a:rPr lang="en-US" i="1" baseline="0" dirty="0" smtClean="0"/>
+              <a:t> who spent the last 15 minutes of their training period writing and reflecting on what they had learned did 23% better in the final training test than other employees, according to a study by </a:t>
+            </a:r>
+            <a:r>
+              <a:rPr lang="en-US" i="1" baseline="0" dirty="0" err="1" smtClean="0"/>
+              <a:t>Giada</a:t>
+            </a:r>
+            <a:r>
+              <a:rPr lang="en-US" i="1" baseline="0" dirty="0" smtClean="0"/>
+              <a:t> Di Stefano, of HEC Paris; and Bradley </a:t>
+            </a:r>
+            <a:r>
+              <a:rPr lang="en-US" i="1" baseline="0" dirty="0" err="1" smtClean="0"/>
+              <a:t>Staats</a:t>
+            </a:r>
+            <a:r>
+              <a:rPr lang="en-US" i="1" baseline="0" dirty="0" smtClean="0"/>
+              <a:t>, of the University of North Carolina.  “Learning by doing” is more effective when coupled with deliberate reflection, or “learning by thinking,” the study shows.</a:t>
+            </a:r>
+          </a:p>
+          <a:p>
+            <a:endParaRPr lang="en-US" baseline="0" dirty="0" smtClean="0"/>
+          </a:p>
+          <a:p>
+            <a:r>
+              <a:rPr lang="en-US" dirty="0" smtClean="0"/>
+              <a:t>"Stat Watch" </a:t>
+            </a:r>
+            <a:r>
+              <a:rPr lang="en-US" i="1" dirty="0" smtClean="0"/>
+              <a:t>Harvard Business Review </a:t>
+            </a:r>
+            <a:r>
+              <a:rPr lang="en-US" dirty="0" smtClean="0"/>
+              <a:t>July-August 2004: 28. Print.</a:t>
             </a:r>
             <a:endParaRPr lang="en-US" dirty="0"/>
           </a:p>
@@ -4126,7 +4046,7 @@
             <a:fld id="{8B263312-38AA-4E1E-B2B5-0F8F122B24FE}" type="slidenum">
               <a:rPr lang="en-US" smtClean="0"/>
               <a:pPr/>
-              <a:t>41</a:t>
+              <a:t>39</a:t>
             </a:fld>
             <a:endParaRPr lang="en-US" dirty="0"/>
           </a:p>
@@ -4177,7 +4097,7 @@
     </p:spTree>
     <p:extLst>
       <p:ext uri="{BB962C8B-B14F-4D97-AF65-F5344CB8AC3E}">
-        <p14:creationId xmlns:p14="http://schemas.microsoft.com/office/powerpoint/2010/main" val="1120799086"/>
+        <p14:creationId xmlns:p14="http://schemas.microsoft.com/office/powerpoint/2010/main" val="3198240071"/>
       </p:ext>
     </p:extLst>
   </p:cSld>
@@ -4232,59 +4152,12 @@
           <a:lstStyle/>
           <a:p>
             <a:r>
-              <a:rPr lang="en-US" i="0" dirty="0" smtClean="0"/>
-              <a:t>Let’s spend 15 minutes reflecting on</a:t>
-            </a:r>
-            <a:r>
-              <a:rPr lang="en-US" i="0" baseline="0" dirty="0" smtClean="0"/>
-              <a:t> what we’ve learned today.  Give participants some time to reflect and ask a few of them to share some key insights.</a:t>
-            </a:r>
-            <a:endParaRPr lang="en-US" i="0" dirty="0" smtClean="0"/>
-          </a:p>
-          <a:p>
-            <a:endParaRPr lang="en-US" i="1" dirty="0" smtClean="0"/>
-          </a:p>
-          <a:p>
-            <a:r>
-              <a:rPr lang="en-US" i="1" dirty="0" smtClean="0"/>
-              <a:t>Employees</a:t>
-            </a:r>
-            <a:r>
-              <a:rPr lang="en-US" i="1" baseline="0" dirty="0" smtClean="0"/>
-              <a:t> who spent the last 15 minutes of their training period writing and reflecting on what they had learned did 23% better in the final training test than other employees, according to a study by </a:t>
-            </a:r>
-            <a:r>
-              <a:rPr lang="en-US" i="1" baseline="0" dirty="0" err="1" smtClean="0"/>
-              <a:t>Giada</a:t>
-            </a:r>
-            <a:r>
-              <a:rPr lang="en-US" i="1" baseline="0" dirty="0" smtClean="0"/>
-              <a:t> Di Stefano, of HEC Paris; and Bradley </a:t>
-            </a:r>
-            <a:r>
-              <a:rPr lang="en-US" i="1" baseline="0" dirty="0" err="1" smtClean="0"/>
-              <a:t>Staats</a:t>
-            </a:r>
-            <a:r>
-              <a:rPr lang="en-US" i="1" baseline="0" dirty="0" smtClean="0"/>
-              <a:t>, of the University of North Carolina.  “Learning by doing” is more effective when coupled with deliberate reflection, or “learning by thinking,” the study shows.</a:t>
-            </a:r>
-          </a:p>
-          <a:p>
-            <a:endParaRPr lang="en-US" baseline="0" dirty="0" smtClean="0"/>
-          </a:p>
-          <a:p>
-            <a:r>
-              <a:rPr lang="en-US" dirty="0" smtClean="0"/>
-              <a:t>"Stat Watch" </a:t>
-            </a:r>
-            <a:r>
-              <a:rPr lang="en-US" i="1" dirty="0" smtClean="0"/>
-              <a:t>Harvard Business Review </a:t>
-            </a:r>
-            <a:r>
-              <a:rPr lang="en-US" dirty="0" smtClean="0"/>
-              <a:t>July-August 2004: 28. Print.</a:t>
+              <a:rPr lang="en-US" dirty="0" smtClean="0"/>
+              <a:t>Provide</a:t>
+            </a:r>
+            <a:r>
+              <a:rPr lang="en-US" baseline="0" dirty="0" smtClean="0"/>
+              <a:t> feedback, share your solutions in the project</a:t>
             </a:r>
             <a:endParaRPr lang="en-US" dirty="0"/>
           </a:p>
@@ -4308,7 +4181,7 @@
             <a:fld id="{8B263312-38AA-4E1E-B2B5-0F8F122B24FE}" type="slidenum">
               <a:rPr lang="en-US" smtClean="0"/>
               <a:pPr/>
-              <a:t>42</a:t>
+              <a:t>40</a:t>
             </a:fld>
             <a:endParaRPr lang="en-US" dirty="0"/>
           </a:p>
@@ -4359,7 +4232,7 @@
     </p:spTree>
     <p:extLst>
       <p:ext uri="{BB962C8B-B14F-4D97-AF65-F5344CB8AC3E}">
-        <p14:creationId xmlns:p14="http://schemas.microsoft.com/office/powerpoint/2010/main" val="3198240071"/>
+        <p14:creationId xmlns:p14="http://schemas.microsoft.com/office/powerpoint/2010/main" val="2411697106"/>
       </p:ext>
     </p:extLst>
   </p:cSld>
@@ -4491,141 +4364,6 @@
     <p:extLst>
       <p:ext uri="{BB962C8B-B14F-4D97-AF65-F5344CB8AC3E}">
         <p14:creationId xmlns:p14="http://schemas.microsoft.com/office/powerpoint/2010/main" val="1708907413"/>
-      </p:ext>
-    </p:extLst>
-  </p:cSld>
-  <p:clrMapOvr>
-    <a:masterClrMapping/>
-  </p:clrMapOvr>
-</p:notes>
-</file>
-
-<file path=ppt/notesSlides/notesSlide30.xml><?xml version="1.0" encoding="utf-8"?>
-<p:notes xmlns:a="http://schemas.openxmlformats.org/drawingml/2006/main" xmlns:r="http://schemas.openxmlformats.org/officeDocument/2006/relationships" xmlns:p="http://schemas.openxmlformats.org/presentationml/2006/main">
-  <p:cSld>
-    <p:spTree>
-      <p:nvGrpSpPr>
-        <p:cNvPr id="1" name=""/>
-        <p:cNvGrpSpPr/>
-        <p:nvPr/>
-      </p:nvGrpSpPr>
-      <p:grpSpPr>
-        <a:xfrm>
-          <a:off x="0" y="0"/>
-          <a:ext cx="0" cy="0"/>
-          <a:chOff x="0" y="0"/>
-          <a:chExt cx="0" cy="0"/>
-        </a:xfrm>
-      </p:grpSpPr>
-      <p:sp>
-        <p:nvSpPr>
-          <p:cNvPr id="2" name="Slide Image Placeholder 1"/>
-          <p:cNvSpPr>
-            <a:spLocks noGrp="1" noRot="1" noChangeAspect="1"/>
-          </p:cNvSpPr>
-          <p:nvPr>
-            <p:ph type="sldImg"/>
-          </p:nvPr>
-        </p:nvSpPr>
-        <p:spPr/>
-      </p:sp>
-      <p:sp>
-        <p:nvSpPr>
-          <p:cNvPr id="3" name="Notes Placeholder 2"/>
-          <p:cNvSpPr>
-            <a:spLocks noGrp="1"/>
-          </p:cNvSpPr>
-          <p:nvPr>
-            <p:ph type="body" idx="1"/>
-          </p:nvPr>
-        </p:nvSpPr>
-        <p:spPr/>
-        <p:txBody>
-          <a:bodyPr/>
-          <a:lstStyle/>
-          <a:p>
-            <a:r>
-              <a:rPr lang="en-US" dirty="0" smtClean="0"/>
-              <a:t>Provide</a:t>
-            </a:r>
-            <a:r>
-              <a:rPr lang="en-US" baseline="0" dirty="0" smtClean="0"/>
-              <a:t> feedback, share your solutions in the project</a:t>
-            </a:r>
-            <a:endParaRPr lang="en-US" dirty="0"/>
-          </a:p>
-        </p:txBody>
-      </p:sp>
-      <p:sp>
-        <p:nvSpPr>
-          <p:cNvPr id="4" name="Slide Number Placeholder 3"/>
-          <p:cNvSpPr>
-            <a:spLocks noGrp="1"/>
-          </p:cNvSpPr>
-          <p:nvPr>
-            <p:ph type="sldNum" sz="quarter" idx="10"/>
-          </p:nvPr>
-        </p:nvSpPr>
-        <p:spPr/>
-        <p:txBody>
-          <a:bodyPr/>
-          <a:lstStyle/>
-          <a:p>
-            <a:fld id="{8B263312-38AA-4E1E-B2B5-0F8F122B24FE}" type="slidenum">
-              <a:rPr lang="en-US" smtClean="0"/>
-              <a:pPr/>
-              <a:t>43</a:t>
-            </a:fld>
-            <a:endParaRPr lang="en-US" dirty="0"/>
-          </a:p>
-        </p:txBody>
-      </p:sp>
-      <p:sp>
-        <p:nvSpPr>
-          <p:cNvPr id="5" name="Header Placeholder 4"/>
-          <p:cNvSpPr>
-            <a:spLocks noGrp="1"/>
-          </p:cNvSpPr>
-          <p:nvPr>
-            <p:ph type="hdr" sz="quarter" idx="11"/>
-          </p:nvPr>
-        </p:nvSpPr>
-        <p:spPr/>
-        <p:txBody>
-          <a:bodyPr/>
-          <a:lstStyle/>
-          <a:p>
-            <a:endParaRPr lang="en-US" dirty="0"/>
-          </a:p>
-        </p:txBody>
-      </p:sp>
-      <p:sp>
-        <p:nvSpPr>
-          <p:cNvPr id="6" name="Footer Placeholder 5"/>
-          <p:cNvSpPr>
-            <a:spLocks noGrp="1"/>
-          </p:cNvSpPr>
-          <p:nvPr>
-            <p:ph type="ftr" sz="quarter" idx="12"/>
-          </p:nvPr>
-        </p:nvSpPr>
-        <p:spPr/>
-        <p:txBody>
-          <a:bodyPr/>
-          <a:lstStyle/>
-          <a:p>
-            <a:endParaRPr lang="en-US" sz="900" dirty="0" smtClean="0">
-              <a:solidFill>
-                <a:srgbClr val="000000"/>
-              </a:solidFill>
-            </a:endParaRPr>
-          </a:p>
-        </p:txBody>
-      </p:sp>
-    </p:spTree>
-    <p:extLst>
-      <p:ext uri="{BB962C8B-B14F-4D97-AF65-F5344CB8AC3E}">
-        <p14:creationId xmlns:p14="http://schemas.microsoft.com/office/powerpoint/2010/main" val="2411697106"/>
       </p:ext>
     </p:extLst>
   </p:cSld>
@@ -17440,558 +17178,6 @@
 </file>
 
 <file path=ppt/slides/slide18.xml><?xml version="1.0" encoding="utf-8"?>
-<p:sld xmlns:a="http://schemas.openxmlformats.org/drawingml/2006/main" xmlns:r="http://schemas.openxmlformats.org/officeDocument/2006/relationships" xmlns:p="http://schemas.openxmlformats.org/presentationml/2006/main" show="0">
-  <p:cSld>
-    <p:spTree>
-      <p:nvGrpSpPr>
-        <p:cNvPr id="1" name=""/>
-        <p:cNvGrpSpPr/>
-        <p:nvPr/>
-      </p:nvGrpSpPr>
-      <p:grpSpPr>
-        <a:xfrm>
-          <a:off x="0" y="0"/>
-          <a:ext cx="0" cy="0"/>
-          <a:chOff x="0" y="0"/>
-          <a:chExt cx="0" cy="0"/>
-        </a:xfrm>
-      </p:grpSpPr>
-      <p:pic>
-        <p:nvPicPr>
-          <p:cNvPr id="13" name="Picture 12"/>
-          <p:cNvPicPr>
-            <a:picLocks noChangeAspect="1"/>
-          </p:cNvPicPr>
-          <p:nvPr/>
-        </p:nvPicPr>
-        <p:blipFill>
-          <a:blip r:embed="rId3"/>
-          <a:stretch>
-            <a:fillRect/>
-          </a:stretch>
-        </p:blipFill>
-        <p:spPr>
-          <a:xfrm>
-            <a:off x="2040934" y="935788"/>
-            <a:ext cx="7865066" cy="5715179"/>
-          </a:xfrm>
-          <a:prstGeom prst="rect">
-            <a:avLst/>
-          </a:prstGeom>
-        </p:spPr>
-      </p:pic>
-      <p:sp>
-        <p:nvSpPr>
-          <p:cNvPr id="2" name="Title 1"/>
-          <p:cNvSpPr>
-            <a:spLocks noGrp="1"/>
-          </p:cNvSpPr>
-          <p:nvPr>
-            <p:ph type="title"/>
-          </p:nvPr>
-        </p:nvSpPr>
-        <p:spPr/>
-        <p:txBody>
-          <a:bodyPr/>
-          <a:lstStyle/>
-          <a:p>
-            <a:r>
-              <a:rPr lang="en-US" dirty="0" smtClean="0"/>
-              <a:t>Exercise: Fork the AAR repo</a:t>
-            </a:r>
-            <a:endParaRPr lang="en-US" dirty="0"/>
-          </a:p>
-        </p:txBody>
-      </p:sp>
-    </p:spTree>
-    <p:extLst>
-      <p:ext uri="{BB962C8B-B14F-4D97-AF65-F5344CB8AC3E}">
-        <p14:creationId xmlns:p14="http://schemas.microsoft.com/office/powerpoint/2010/main" val="2369179612"/>
-      </p:ext>
-    </p:extLst>
-  </p:cSld>
-  <p:clrMapOvr>
-    <a:masterClrMapping/>
-  </p:clrMapOvr>
-  <mc:AlternateContent xmlns:mc="http://schemas.openxmlformats.org/markup-compatibility/2006">
-    <mc:Choice xmlns:p14="http://schemas.microsoft.com/office/powerpoint/2010/main" Requires="p14">
-      <p:transition spd="med" p14:dur="700">
-        <p:fade/>
-      </p:transition>
-    </mc:Choice>
-    <mc:Fallback>
-      <p:transition xmlns:p14="http://schemas.microsoft.com/office/powerpoint/2010/main" spd="med">
-        <p:fade/>
-      </p:transition>
-    </mc:Fallback>
-  </mc:AlternateContent>
-  <p:timing>
-    <p:tnLst>
-      <p:par>
-        <p:cTn xmlns:p14="http://schemas.microsoft.com/office/powerpoint/2010/main" id="1" dur="indefinite" restart="never" nodeType="tmRoot"/>
-      </p:par>
-    </p:tnLst>
-  </p:timing>
-</p:sld>
-</file>
-
-<file path=ppt/slides/slide19.xml><?xml version="1.0" encoding="utf-8"?>
-<p:sld xmlns:a="http://schemas.openxmlformats.org/drawingml/2006/main" xmlns:r="http://schemas.openxmlformats.org/officeDocument/2006/relationships" xmlns:p="http://schemas.openxmlformats.org/presentationml/2006/main" show="0">
-  <p:cSld>
-    <p:spTree>
-      <p:nvGrpSpPr>
-        <p:cNvPr id="1" name=""/>
-        <p:cNvGrpSpPr/>
-        <p:nvPr/>
-      </p:nvGrpSpPr>
-      <p:grpSpPr>
-        <a:xfrm>
-          <a:off x="0" y="0"/>
-          <a:ext cx="0" cy="0"/>
-          <a:chOff x="0" y="0"/>
-          <a:chExt cx="0" cy="0"/>
-        </a:xfrm>
-      </p:grpSpPr>
-      <p:pic>
-        <p:nvPicPr>
-          <p:cNvPr id="5" name="Picture 4"/>
-          <p:cNvPicPr>
-            <a:picLocks noChangeAspect="1"/>
-          </p:cNvPicPr>
-          <p:nvPr/>
-        </p:nvPicPr>
-        <p:blipFill>
-          <a:blip r:embed="rId3"/>
-          <a:stretch>
-            <a:fillRect/>
-          </a:stretch>
-        </p:blipFill>
-        <p:spPr>
-          <a:xfrm>
-            <a:off x="2130926" y="851568"/>
-            <a:ext cx="7823200" cy="5689600"/>
-          </a:xfrm>
-          <a:prstGeom prst="rect">
-            <a:avLst/>
-          </a:prstGeom>
-        </p:spPr>
-      </p:pic>
-      <p:sp>
-        <p:nvSpPr>
-          <p:cNvPr id="2" name="Title 1"/>
-          <p:cNvSpPr>
-            <a:spLocks noGrp="1"/>
-          </p:cNvSpPr>
-          <p:nvPr>
-            <p:ph type="title"/>
-          </p:nvPr>
-        </p:nvSpPr>
-        <p:spPr/>
-        <p:txBody>
-          <a:bodyPr>
-            <a:normAutofit/>
-          </a:bodyPr>
-          <a:lstStyle/>
-          <a:p>
-            <a:r>
-              <a:rPr lang="en-US" dirty="0" smtClean="0"/>
-              <a:t>Exercise: Copy the forked repo URL</a:t>
-            </a:r>
-            <a:endParaRPr lang="en-US" dirty="0"/>
-          </a:p>
-        </p:txBody>
-      </p:sp>
-    </p:spTree>
-    <p:extLst>
-      <p:ext uri="{BB962C8B-B14F-4D97-AF65-F5344CB8AC3E}">
-        <p14:creationId xmlns:p14="http://schemas.microsoft.com/office/powerpoint/2010/main" val="2754750844"/>
-      </p:ext>
-    </p:extLst>
-  </p:cSld>
-  <p:clrMapOvr>
-    <a:masterClrMapping/>
-  </p:clrMapOvr>
-  <mc:AlternateContent xmlns:mc="http://schemas.openxmlformats.org/markup-compatibility/2006">
-    <mc:Choice xmlns:p14="http://schemas.microsoft.com/office/powerpoint/2010/main" Requires="p14">
-      <p:transition spd="med" p14:dur="700">
-        <p:fade/>
-      </p:transition>
-    </mc:Choice>
-    <mc:Fallback>
-      <p:transition xmlns:p14="http://schemas.microsoft.com/office/powerpoint/2010/main" spd="med">
-        <p:fade/>
-      </p:transition>
-    </mc:Fallback>
-  </mc:AlternateContent>
-  <p:timing>
-    <p:tnLst>
-      <p:par>
-        <p:cTn xmlns:p14="http://schemas.microsoft.com/office/powerpoint/2010/main" id="1" dur="indefinite" restart="never" nodeType="tmRoot"/>
-      </p:par>
-    </p:tnLst>
-  </p:timing>
-</p:sld>
-</file>
-
-<file path=ppt/slides/slide2.xml><?xml version="1.0" encoding="utf-8"?>
-<p:sld xmlns:a="http://schemas.openxmlformats.org/drawingml/2006/main" xmlns:r="http://schemas.openxmlformats.org/officeDocument/2006/relationships" xmlns:p="http://schemas.openxmlformats.org/presentationml/2006/main">
-  <p:cSld>
-    <p:spTree>
-      <p:nvGrpSpPr>
-        <p:cNvPr id="1" name=""/>
-        <p:cNvGrpSpPr/>
-        <p:nvPr/>
-      </p:nvGrpSpPr>
-      <p:grpSpPr>
-        <a:xfrm>
-          <a:off x="0" y="0"/>
-          <a:ext cx="0" cy="0"/>
-          <a:chOff x="0" y="0"/>
-          <a:chExt cx="0" cy="0"/>
-        </a:xfrm>
-      </p:grpSpPr>
-      <p:sp>
-        <p:nvSpPr>
-          <p:cNvPr id="5" name="Title 4"/>
-          <p:cNvSpPr>
-            <a:spLocks noGrp="1"/>
-          </p:cNvSpPr>
-          <p:nvPr>
-            <p:ph type="title"/>
-          </p:nvPr>
-        </p:nvSpPr>
-        <p:spPr/>
-        <p:txBody>
-          <a:bodyPr/>
-          <a:lstStyle/>
-          <a:p>
-            <a:r>
-              <a:rPr lang="en-US" dirty="0" smtClean="0"/>
-              <a:t>Agenda</a:t>
-            </a:r>
-            <a:endParaRPr lang="en-US" dirty="0"/>
-          </a:p>
-        </p:txBody>
-      </p:sp>
-      <p:sp>
-        <p:nvSpPr>
-          <p:cNvPr id="6" name="Text Placeholder 5"/>
-          <p:cNvSpPr>
-            <a:spLocks noGrp="1"/>
-          </p:cNvSpPr>
-          <p:nvPr>
-            <p:ph type="body" sz="quarter" idx="10"/>
-          </p:nvPr>
-        </p:nvSpPr>
-        <p:spPr/>
-        <p:txBody>
-          <a:bodyPr/>
-          <a:lstStyle/>
-          <a:p>
-            <a:r>
-              <a:rPr lang="en-US" dirty="0" smtClean="0"/>
-              <a:t>Introduce the project</a:t>
-            </a:r>
-          </a:p>
-          <a:p>
-            <a:r>
-              <a:rPr lang="en-US" dirty="0" smtClean="0"/>
-              <a:t>Discuss learning objectives</a:t>
-            </a:r>
-          </a:p>
-          <a:p>
-            <a:r>
-              <a:rPr lang="en-US" dirty="0" smtClean="0"/>
-              <a:t>Hacking!</a:t>
-            </a:r>
-          </a:p>
-          <a:p>
-            <a:r>
-              <a:rPr lang="en-US" dirty="0" smtClean="0"/>
-              <a:t>Regular check-ins, Q &amp; A, and hints</a:t>
-            </a:r>
-          </a:p>
-          <a:p>
-            <a:r>
-              <a:rPr lang="en-US" dirty="0" smtClean="0"/>
-              <a:t>Demos</a:t>
-            </a:r>
-          </a:p>
-          <a:p>
-            <a:r>
-              <a:rPr lang="en-US" dirty="0" smtClean="0"/>
-              <a:t>Next Steps</a:t>
-            </a:r>
-          </a:p>
-          <a:p>
-            <a:endParaRPr lang="en-US" dirty="0" smtClean="0"/>
-          </a:p>
-          <a:p>
-            <a:endParaRPr lang="en-US" dirty="0"/>
-          </a:p>
-        </p:txBody>
-      </p:sp>
-    </p:spTree>
-    <p:extLst>
-      <p:ext uri="{BB962C8B-B14F-4D97-AF65-F5344CB8AC3E}">
-        <p14:creationId xmlns:p14="http://schemas.microsoft.com/office/powerpoint/2010/main" val="1564414014"/>
-      </p:ext>
-    </p:extLst>
-  </p:cSld>
-  <p:clrMapOvr>
-    <a:masterClrMapping/>
-  </p:clrMapOvr>
-  <mc:AlternateContent xmlns:mc="http://schemas.openxmlformats.org/markup-compatibility/2006" xmlns:p14="http://schemas.microsoft.com/office/powerpoint/2010/main">
-    <mc:Choice Requires="p14">
-      <p:transition spd="med" p14:dur="700">
-        <p:fade/>
-      </p:transition>
-    </mc:Choice>
-    <mc:Fallback xmlns="">
-      <p:transition spd="med">
-        <p:fade/>
-      </p:transition>
-    </mc:Fallback>
-  </mc:AlternateContent>
-  <p:timing>
-    <p:tnLst>
-      <p:par>
-        <p:cTn xmlns:p14="http://schemas.microsoft.com/office/powerpoint/2010/main" id="1" dur="indefinite" restart="never" nodeType="tmRoot"/>
-      </p:par>
-    </p:tnLst>
-  </p:timing>
-</p:sld>
-</file>
-
-<file path=ppt/slides/slide20.xml><?xml version="1.0" encoding="utf-8"?>
-<p:sld xmlns:a="http://schemas.openxmlformats.org/drawingml/2006/main" xmlns:r="http://schemas.openxmlformats.org/officeDocument/2006/relationships" xmlns:p="http://schemas.openxmlformats.org/presentationml/2006/main" show="0">
-  <p:cSld>
-    <p:spTree>
-      <p:nvGrpSpPr>
-        <p:cNvPr id="1" name=""/>
-        <p:cNvGrpSpPr/>
-        <p:nvPr/>
-      </p:nvGrpSpPr>
-      <p:grpSpPr>
-        <a:xfrm>
-          <a:off x="0" y="0"/>
-          <a:ext cx="0" cy="0"/>
-          <a:chOff x="0" y="0"/>
-          <a:chExt cx="0" cy="0"/>
-        </a:xfrm>
-      </p:grpSpPr>
-      <p:sp>
-        <p:nvSpPr>
-          <p:cNvPr id="5" name="Content Placeholder 4"/>
-          <p:cNvSpPr>
-            <a:spLocks noGrp="1"/>
-          </p:cNvSpPr>
-          <p:nvPr>
-            <p:ph sz="quarter" idx="11"/>
-          </p:nvPr>
-        </p:nvSpPr>
-        <p:spPr/>
-        <p:txBody>
-          <a:bodyPr>
-            <a:noAutofit/>
-          </a:bodyPr>
-          <a:lstStyle/>
-          <a:p>
-            <a:endParaRPr lang="en-US" sz="2000" dirty="0"/>
-          </a:p>
-          <a:p>
-            <a:r>
-              <a:rPr lang="en-US" sz="2000" dirty="0" smtClean="0"/>
-              <a:t>Cloning </a:t>
-            </a:r>
-            <a:r>
-              <a:rPr lang="en-US" sz="2000" dirty="0"/>
-              <a:t>into 'Awesome-Appliance-Repair'...</a:t>
-            </a:r>
-          </a:p>
-          <a:p>
-            <a:r>
-              <a:rPr lang="en-US" sz="2000" dirty="0"/>
-              <a:t>remote: Counting objects: 204, done.</a:t>
-            </a:r>
-          </a:p>
-          <a:p>
-            <a:r>
-              <a:rPr lang="en-US" sz="2000" dirty="0"/>
-              <a:t>remote: Total 204 (delta 0), reused 0 (delta 0)</a:t>
-            </a:r>
-          </a:p>
-          <a:p>
-            <a:r>
-              <a:rPr lang="en-US" sz="2000" dirty="0"/>
-              <a:t>Receiving objects: 100% (204/204), 870.81 </a:t>
-            </a:r>
-            <a:r>
-              <a:rPr lang="en-US" sz="2000" dirty="0" err="1"/>
-              <a:t>KiB</a:t>
-            </a:r>
-            <a:r>
-              <a:rPr lang="en-US" sz="2000" dirty="0"/>
-              <a:t> | 640.00 </a:t>
-            </a:r>
-            <a:r>
-              <a:rPr lang="en-US" sz="2000" dirty="0" err="1"/>
-              <a:t>KiB</a:t>
-            </a:r>
-            <a:r>
-              <a:rPr lang="en-US" sz="2000" dirty="0"/>
-              <a:t>/s, done.</a:t>
-            </a:r>
-          </a:p>
-          <a:p>
-            <a:r>
-              <a:rPr lang="nb-NO" sz="2000" dirty="0" err="1"/>
-              <a:t>Resolving</a:t>
-            </a:r>
-            <a:r>
-              <a:rPr lang="nb-NO" sz="2000" dirty="0"/>
-              <a:t> deltas: 100% (96/96), done.</a:t>
-            </a:r>
-          </a:p>
-          <a:p>
-            <a:r>
-              <a:rPr lang="nb-NO" sz="2000" dirty="0" err="1"/>
-              <a:t>Checking</a:t>
-            </a:r>
-            <a:r>
-              <a:rPr lang="nb-NO" sz="2000" dirty="0"/>
-              <a:t> </a:t>
-            </a:r>
-            <a:r>
-              <a:rPr lang="nb-NO" sz="2000" dirty="0" err="1"/>
-              <a:t>connectivity</a:t>
-            </a:r>
-            <a:r>
-              <a:rPr lang="nb-NO" sz="2000" dirty="0"/>
-              <a:t>... done.</a:t>
-            </a:r>
-          </a:p>
-        </p:txBody>
-      </p:sp>
-      <p:sp>
-        <p:nvSpPr>
-          <p:cNvPr id="2" name="Title 1"/>
-          <p:cNvSpPr>
-            <a:spLocks noGrp="1"/>
-          </p:cNvSpPr>
-          <p:nvPr>
-            <p:ph type="title"/>
-          </p:nvPr>
-        </p:nvSpPr>
-        <p:spPr>
-          <a:xfrm>
-            <a:off x="457200" y="228599"/>
-            <a:ext cx="11201400" cy="620683"/>
-          </a:xfrm>
-        </p:spPr>
-        <p:txBody>
-          <a:bodyPr/>
-          <a:lstStyle/>
-          <a:p>
-            <a:r>
-              <a:rPr lang="en-US" dirty="0" smtClean="0"/>
-              <a:t>Exercise: Clone the repo to workstation</a:t>
-            </a:r>
-            <a:endParaRPr lang="en-US" dirty="0"/>
-          </a:p>
-        </p:txBody>
-      </p:sp>
-      <p:sp>
-        <p:nvSpPr>
-          <p:cNvPr id="6" name="Content Placeholder 5"/>
-          <p:cNvSpPr>
-            <a:spLocks noGrp="1"/>
-          </p:cNvSpPr>
-          <p:nvPr>
-            <p:ph sz="quarter" idx="12"/>
-          </p:nvPr>
-        </p:nvSpPr>
-        <p:spPr>
-          <a:xfrm>
-            <a:off x="508000" y="1229895"/>
-            <a:ext cx="10855159" cy="662793"/>
-          </a:xfrm>
-        </p:spPr>
-        <p:txBody>
-          <a:bodyPr anchor="ctr" anchorCtr="0">
-            <a:noAutofit/>
-          </a:bodyPr>
-          <a:lstStyle/>
-          <a:p>
-            <a:r>
-              <a:rPr lang="en-US" sz="2000" dirty="0" smtClean="0"/>
-              <a:t>$ </a:t>
-            </a:r>
-            <a:r>
-              <a:rPr lang="en-US" sz="2000" dirty="0" err="1" smtClean="0"/>
-              <a:t>git</a:t>
-            </a:r>
-            <a:r>
-              <a:rPr lang="en-US" sz="2000" dirty="0" smtClean="0"/>
-              <a:t> </a:t>
-            </a:r>
-            <a:r>
-              <a:rPr lang="en-US" sz="2000" dirty="0"/>
-              <a:t>clone https://</a:t>
-            </a:r>
-            <a:r>
-              <a:rPr lang="en-US" sz="2000" dirty="0" err="1"/>
-              <a:t>github.com</a:t>
-            </a:r>
-            <a:r>
-              <a:rPr lang="en-US" sz="2000" dirty="0" smtClean="0"/>
-              <a:t>/YOU/</a:t>
-            </a:r>
-            <a:r>
-              <a:rPr lang="en-US" sz="2000" dirty="0"/>
-              <a:t>Awesome-Appliance-</a:t>
-            </a:r>
-            <a:r>
-              <a:rPr lang="en-US" sz="2000" dirty="0" err="1"/>
-              <a:t>Repair.git</a:t>
-            </a:r>
-            <a:endParaRPr lang="en-US" sz="2000" dirty="0"/>
-          </a:p>
-        </p:txBody>
-      </p:sp>
-    </p:spTree>
-    <p:extLst>
-      <p:ext uri="{BB962C8B-B14F-4D97-AF65-F5344CB8AC3E}">
-        <p14:creationId xmlns:p14="http://schemas.microsoft.com/office/powerpoint/2010/main" val="1465378408"/>
-      </p:ext>
-    </p:extLst>
-  </p:cSld>
-  <p:clrMapOvr>
-    <a:masterClrMapping/>
-  </p:clrMapOvr>
-  <mc:AlternateContent xmlns:mc="http://schemas.openxmlformats.org/markup-compatibility/2006">
-    <mc:Choice xmlns:p14="http://schemas.microsoft.com/office/powerpoint/2010/main" Requires="p14">
-      <p:transition spd="med" p14:dur="700">
-        <p:fade/>
-      </p:transition>
-    </mc:Choice>
-    <mc:Fallback>
-      <p:transition xmlns:p14="http://schemas.microsoft.com/office/powerpoint/2010/main" spd="med">
-        <p:fade/>
-      </p:transition>
-    </mc:Fallback>
-  </mc:AlternateContent>
-  <p:timing>
-    <p:tnLst>
-      <p:par>
-        <p:cTn xmlns:p14="http://schemas.microsoft.com/office/powerpoint/2010/main" id="1" dur="indefinite" restart="never" nodeType="tmRoot"/>
-      </p:par>
-    </p:tnLst>
-  </p:timing>
-</p:sld>
-</file>
-
-<file path=ppt/slides/slide21.xml><?xml version="1.0" encoding="utf-8"?>
 <p:sld xmlns:a="http://schemas.openxmlformats.org/drawingml/2006/main" xmlns:r="http://schemas.openxmlformats.org/officeDocument/2006/relationships" xmlns:p="http://schemas.openxmlformats.org/presentationml/2006/main">
   <p:cSld>
     <p:spTree>
@@ -18097,7 +17283,7 @@
 </p:sld>
 </file>
 
-<file path=ppt/slides/slide22.xml><?xml version="1.0" encoding="utf-8"?>
+<file path=ppt/slides/slide19.xml><?xml version="1.0" encoding="utf-8"?>
 <p:sld xmlns:a="http://schemas.openxmlformats.org/drawingml/2006/main" xmlns:r="http://schemas.openxmlformats.org/officeDocument/2006/relationships" xmlns:p="http://schemas.openxmlformats.org/presentationml/2006/main">
   <p:cSld>
     <p:spTree>
@@ -18375,8 +17561,19 @@
             </a:r>
             <a:r>
               <a:rPr lang="en-US" sz="1300" dirty="0"/>
-              <a:t> from none to 1666ef</a:t>
-            </a:r>
+              <a:t> from none to </a:t>
+            </a:r>
+            <a:r>
+              <a:rPr lang="en-US" sz="1300" dirty="0" smtClean="0"/>
+              <a:t>1666ef</a:t>
+            </a:r>
+          </a:p>
+          <a:p>
+            <a:r>
+              <a:rPr lang="en-US" sz="1300" dirty="0" smtClean="0"/>
+              <a:t>...</a:t>
+            </a:r>
+            <a:endParaRPr lang="en-US" sz="1300" dirty="0"/>
           </a:p>
         </p:txBody>
       </p:sp>
@@ -18478,7 +17675,137 @@
 </p:sld>
 </file>
 
-<file path=ppt/slides/slide23.xml><?xml version="1.0" encoding="utf-8"?>
+<file path=ppt/slides/slide2.xml><?xml version="1.0" encoding="utf-8"?>
+<p:sld xmlns:a="http://schemas.openxmlformats.org/drawingml/2006/main" xmlns:r="http://schemas.openxmlformats.org/officeDocument/2006/relationships" xmlns:p="http://schemas.openxmlformats.org/presentationml/2006/main">
+  <p:cSld>
+    <p:spTree>
+      <p:nvGrpSpPr>
+        <p:cNvPr id="1" name=""/>
+        <p:cNvGrpSpPr/>
+        <p:nvPr/>
+      </p:nvGrpSpPr>
+      <p:grpSpPr>
+        <a:xfrm>
+          <a:off x="0" y="0"/>
+          <a:ext cx="0" cy="0"/>
+          <a:chOff x="0" y="0"/>
+          <a:chExt cx="0" cy="0"/>
+        </a:xfrm>
+      </p:grpSpPr>
+      <p:sp>
+        <p:nvSpPr>
+          <p:cNvPr id="5" name="Title 4"/>
+          <p:cNvSpPr>
+            <a:spLocks noGrp="1"/>
+          </p:cNvSpPr>
+          <p:nvPr>
+            <p:ph type="title"/>
+          </p:nvPr>
+        </p:nvSpPr>
+        <p:spPr/>
+        <p:txBody>
+          <a:bodyPr/>
+          <a:lstStyle/>
+          <a:p>
+            <a:r>
+              <a:rPr lang="en-US" dirty="0" smtClean="0"/>
+              <a:t>Agenda</a:t>
+            </a:r>
+            <a:endParaRPr lang="en-US" dirty="0"/>
+          </a:p>
+        </p:txBody>
+      </p:sp>
+      <p:sp>
+        <p:nvSpPr>
+          <p:cNvPr id="6" name="Text Placeholder 5"/>
+          <p:cNvSpPr>
+            <a:spLocks noGrp="1"/>
+          </p:cNvSpPr>
+          <p:nvPr>
+            <p:ph type="body" sz="quarter" idx="10"/>
+          </p:nvPr>
+        </p:nvSpPr>
+        <p:spPr/>
+        <p:txBody>
+          <a:bodyPr/>
+          <a:lstStyle/>
+          <a:p>
+            <a:r>
+              <a:rPr lang="en-US" dirty="0" smtClean="0"/>
+              <a:t>Introduce the project</a:t>
+            </a:r>
+          </a:p>
+          <a:p>
+            <a:r>
+              <a:rPr lang="en-US" dirty="0" smtClean="0"/>
+              <a:t>Discuss learning objectives</a:t>
+            </a:r>
+          </a:p>
+          <a:p>
+            <a:r>
+              <a:rPr lang="en-US" dirty="0" smtClean="0"/>
+              <a:t>Hacking!</a:t>
+            </a:r>
+          </a:p>
+          <a:p>
+            <a:r>
+              <a:rPr lang="en-US" dirty="0" smtClean="0"/>
+              <a:t>Regular check-ins, Q &amp; A, and hints</a:t>
+            </a:r>
+          </a:p>
+          <a:p>
+            <a:r>
+              <a:rPr lang="en-US" dirty="0" smtClean="0"/>
+              <a:t>Demos</a:t>
+            </a:r>
+          </a:p>
+          <a:p>
+            <a:r>
+              <a:rPr lang="en-US" dirty="0" smtClean="0"/>
+              <a:t>Next Steps</a:t>
+            </a:r>
+          </a:p>
+          <a:p>
+            <a:endParaRPr lang="en-US" dirty="0" smtClean="0"/>
+          </a:p>
+          <a:p>
+            <a:endParaRPr lang="en-US" dirty="0"/>
+          </a:p>
+        </p:txBody>
+      </p:sp>
+    </p:spTree>
+    <p:extLst>
+      <p:ext uri="{BB962C8B-B14F-4D97-AF65-F5344CB8AC3E}">
+        <p14:creationId xmlns:p14="http://schemas.microsoft.com/office/powerpoint/2010/main" val="1564414014"/>
+      </p:ext>
+    </p:extLst>
+  </p:cSld>
+  <p:clrMapOvr>
+    <a:masterClrMapping/>
+  </p:clrMapOvr>
+  <mc:AlternateContent xmlns:mc="http://schemas.openxmlformats.org/markup-compatibility/2006" xmlns:p14="http://schemas.microsoft.com/office/powerpoint/2010/main">
+    <mc:Choice Requires="p14">
+      <p:transition spd="med" p14:dur="700">
+        <p:fade/>
+      </p:transition>
+    </mc:Choice>
+    <mc:Fallback xmlns="">
+      <p:transition spd="med">
+        <p:fade/>
+      </p:transition>
+    </mc:Fallback>
+  </mc:AlternateContent>
+  <p:timing>
+    <p:tnLst>
+      <p:par>
+        <p:cTn xmlns:p14="http://schemas.microsoft.com/office/powerpoint/2010/main" id="1" dur="indefinite" restart="never" nodeType="tmRoot"/>
+      </p:par>
+    </p:tnLst>
+  </p:timing>
+</p:sld>
+</file>
+
+<file path=ppt/slides/slide20.xml><?xml version="1.0" encoding="utf-8"?>
 <p:sld xmlns:a="http://schemas.openxmlformats.org/drawingml/2006/main" xmlns:r="http://schemas.openxmlformats.org/officeDocument/2006/relationships" xmlns:p="http://schemas.openxmlformats.org/presentationml/2006/main">
   <p:cSld>
     <p:spTree>
@@ -18704,6 +18031,532 @@
 </p:sld>
 </file>
 
+<file path=ppt/slides/slide21.xml><?xml version="1.0" encoding="utf-8"?>
+<p:sld xmlns:a="http://schemas.openxmlformats.org/drawingml/2006/main" xmlns:r="http://schemas.openxmlformats.org/officeDocument/2006/relationships" xmlns:p="http://schemas.openxmlformats.org/presentationml/2006/main">
+  <p:cSld>
+    <p:spTree>
+      <p:nvGrpSpPr>
+        <p:cNvPr id="1" name=""/>
+        <p:cNvGrpSpPr/>
+        <p:nvPr/>
+      </p:nvGrpSpPr>
+      <p:grpSpPr>
+        <a:xfrm>
+          <a:off x="0" y="0"/>
+          <a:ext cx="0" cy="0"/>
+          <a:chOff x="0" y="0"/>
+          <a:chExt cx="0" cy="0"/>
+        </a:xfrm>
+      </p:grpSpPr>
+      <p:sp>
+        <p:nvSpPr>
+          <p:cNvPr id="6" name="Content Placeholder 5"/>
+          <p:cNvSpPr>
+            <a:spLocks noGrp="1"/>
+          </p:cNvSpPr>
+          <p:nvPr>
+            <p:ph sz="quarter" idx="11"/>
+          </p:nvPr>
+        </p:nvSpPr>
+        <p:spPr/>
+        <p:txBody>
+          <a:bodyPr anchor="t" anchorCtr="0">
+            <a:noAutofit/>
+          </a:bodyPr>
+          <a:lstStyle/>
+          <a:p>
+            <a:r>
+              <a:rPr lang="en-US" sz="1800" dirty="0"/>
+              <a:t>$ </a:t>
+            </a:r>
+            <a:r>
+              <a:rPr lang="en-US" sz="1800" dirty="0" err="1"/>
+              <a:t>git</a:t>
+            </a:r>
+            <a:r>
+              <a:rPr lang="en-US" sz="1800" dirty="0"/>
+              <a:t> remote add origin </a:t>
+            </a:r>
+            <a:r>
+              <a:rPr lang="en-US" sz="1800" dirty="0" err="1"/>
+              <a:t>git@github.com:YOU</a:t>
+            </a:r>
+            <a:r>
+              <a:rPr lang="en-US" sz="1800" dirty="0"/>
+              <a:t>/my-</a:t>
+            </a:r>
+            <a:r>
+              <a:rPr lang="en-US" sz="1800" dirty="0" err="1"/>
+              <a:t>aar.git</a:t>
+            </a:r>
+            <a:endParaRPr lang="en-US" sz="1800" dirty="0"/>
+          </a:p>
+          <a:p>
+            <a:r>
+              <a:rPr lang="en-US" sz="1800" dirty="0" smtClean="0"/>
+              <a:t>$ </a:t>
+            </a:r>
+            <a:r>
+              <a:rPr lang="en-US" sz="1800" dirty="0" err="1" smtClean="0"/>
+              <a:t>git</a:t>
+            </a:r>
+            <a:r>
+              <a:rPr lang="en-US" sz="1800" dirty="0" smtClean="0"/>
+              <a:t> push –u origin master</a:t>
+            </a:r>
+          </a:p>
+          <a:p>
+            <a:r>
+              <a:rPr lang="en-US" sz="1800" dirty="0"/>
+              <a:t>Counting objects: 10, done.</a:t>
+            </a:r>
+          </a:p>
+          <a:p>
+            <a:r>
+              <a:rPr lang="en-US" sz="1800" dirty="0"/>
+              <a:t>Delta compression using up to 8 threads.</a:t>
+            </a:r>
+          </a:p>
+          <a:p>
+            <a:r>
+              <a:rPr lang="en-US" sz="1800" dirty="0"/>
+              <a:t>Compressing objects: 100% (8/8), done.</a:t>
+            </a:r>
+          </a:p>
+          <a:p>
+            <a:r>
+              <a:rPr lang="en-US" sz="1800" dirty="0"/>
+              <a:t>Writing objects: 100% (10/10), 1.51 </a:t>
+            </a:r>
+            <a:r>
+              <a:rPr lang="en-US" sz="1800" dirty="0" err="1"/>
+              <a:t>KiB</a:t>
+            </a:r>
+            <a:r>
+              <a:rPr lang="en-US" sz="1800" dirty="0"/>
+              <a:t> | 0 bytes/s, done.</a:t>
+            </a:r>
+          </a:p>
+          <a:p>
+            <a:r>
+              <a:rPr lang="en-US" sz="1800" dirty="0"/>
+              <a:t>Total 10 (delta 0), reused 0 (delta 0)</a:t>
+            </a:r>
+          </a:p>
+          <a:p>
+            <a:r>
+              <a:rPr lang="en-US" sz="1800" dirty="0"/>
+              <a:t>To </a:t>
+            </a:r>
+            <a:r>
+              <a:rPr lang="en-US" sz="1800" dirty="0" err="1"/>
+              <a:t>git@</a:t>
+            </a:r>
+            <a:r>
+              <a:rPr lang="en-US" sz="1800" dirty="0" err="1" smtClean="0"/>
+              <a:t>github.com:</a:t>
+            </a:r>
+            <a:r>
+              <a:rPr lang="en-US" sz="1800" dirty="0" err="1"/>
+              <a:t>YOU</a:t>
+            </a:r>
+            <a:r>
+              <a:rPr lang="en-US" sz="1800" dirty="0" smtClean="0"/>
+              <a:t>/</a:t>
+            </a:r>
+            <a:r>
+              <a:rPr lang="en-US" sz="1800" dirty="0"/>
+              <a:t>my-</a:t>
+            </a:r>
+            <a:r>
+              <a:rPr lang="en-US" sz="1800" dirty="0" err="1"/>
+              <a:t>aar.git</a:t>
+            </a:r>
+            <a:endParaRPr lang="en-US" sz="1800" dirty="0"/>
+          </a:p>
+          <a:p>
+            <a:r>
+              <a:rPr lang="en-US" sz="1800" dirty="0"/>
+              <a:t> * [new branch]      master -&gt; master</a:t>
+            </a:r>
+          </a:p>
+          <a:p>
+            <a:r>
+              <a:rPr lang="en-US" sz="1800" dirty="0"/>
+              <a:t>Branch master set up to track remote branch master from origin</a:t>
+            </a:r>
+            <a:r>
+              <a:rPr lang="en-US" sz="1800" dirty="0" smtClean="0"/>
+              <a:t>.</a:t>
+            </a:r>
+            <a:endParaRPr lang="en-US" sz="1800" dirty="0"/>
+          </a:p>
+        </p:txBody>
+      </p:sp>
+      <p:sp>
+        <p:nvSpPr>
+          <p:cNvPr id="2" name="Title 1"/>
+          <p:cNvSpPr>
+            <a:spLocks noGrp="1"/>
+          </p:cNvSpPr>
+          <p:nvPr>
+            <p:ph type="title"/>
+          </p:nvPr>
+        </p:nvSpPr>
+        <p:spPr>
+          <a:xfrm>
+            <a:off x="457199" y="228599"/>
+            <a:ext cx="11574379" cy="620683"/>
+          </a:xfrm>
+        </p:spPr>
+        <p:txBody>
+          <a:bodyPr/>
+          <a:lstStyle/>
+          <a:p>
+            <a:r>
+              <a:rPr lang="en-US" dirty="0" smtClean="0"/>
+              <a:t>Exercise: Upload cookbook to </a:t>
+            </a:r>
+            <a:r>
+              <a:rPr lang="en-US" dirty="0" err="1" smtClean="0"/>
+              <a:t>GitHub</a:t>
+            </a:r>
+            <a:r>
+              <a:rPr lang="en-US" dirty="0" smtClean="0"/>
+              <a:t> repo</a:t>
+            </a:r>
+            <a:endParaRPr lang="en-US" dirty="0"/>
+          </a:p>
+        </p:txBody>
+      </p:sp>
+    </p:spTree>
+    <p:extLst>
+      <p:ext uri="{BB962C8B-B14F-4D97-AF65-F5344CB8AC3E}">
+        <p14:creationId xmlns:p14="http://schemas.microsoft.com/office/powerpoint/2010/main" val="1873912324"/>
+      </p:ext>
+    </p:extLst>
+  </p:cSld>
+  <p:clrMapOvr>
+    <a:masterClrMapping/>
+  </p:clrMapOvr>
+  <mc:AlternateContent xmlns:mc="http://schemas.openxmlformats.org/markup-compatibility/2006" xmlns:p14="http://schemas.microsoft.com/office/powerpoint/2010/main">
+    <mc:Choice Requires="p14">
+      <p:transition spd="med" p14:dur="700">
+        <p:fade/>
+      </p:transition>
+    </mc:Choice>
+    <mc:Fallback xmlns="">
+      <p:transition spd="med">
+        <p:fade/>
+      </p:transition>
+    </mc:Fallback>
+  </mc:AlternateContent>
+  <p:timing>
+    <p:tnLst>
+      <p:par>
+        <p:cTn xmlns:p14="http://schemas.microsoft.com/office/powerpoint/2010/main" id="1" dur="indefinite" restart="never" nodeType="tmRoot"/>
+      </p:par>
+    </p:tnLst>
+  </p:timing>
+</p:sld>
+</file>
+
+<file path=ppt/slides/slide22.xml><?xml version="1.0" encoding="utf-8"?>
+<p:sld xmlns:a="http://schemas.openxmlformats.org/drawingml/2006/main" xmlns:r="http://schemas.openxmlformats.org/officeDocument/2006/relationships" xmlns:p="http://schemas.openxmlformats.org/presentationml/2006/main">
+  <p:cSld>
+    <p:spTree>
+      <p:nvGrpSpPr>
+        <p:cNvPr id="1" name=""/>
+        <p:cNvGrpSpPr/>
+        <p:nvPr/>
+      </p:nvGrpSpPr>
+      <p:grpSpPr>
+        <a:xfrm>
+          <a:off x="0" y="0"/>
+          <a:ext cx="0" cy="0"/>
+          <a:chOff x="0" y="0"/>
+          <a:chExt cx="0" cy="0"/>
+        </a:xfrm>
+      </p:grpSpPr>
+      <p:pic>
+        <p:nvPicPr>
+          <p:cNvPr id="6" name="Picture 5"/>
+          <p:cNvPicPr>
+            <a:picLocks noChangeAspect="1"/>
+          </p:cNvPicPr>
+          <p:nvPr/>
+        </p:nvPicPr>
+        <p:blipFill>
+          <a:blip r:embed="rId3"/>
+          <a:stretch>
+            <a:fillRect/>
+          </a:stretch>
+        </p:blipFill>
+        <p:spPr>
+          <a:xfrm>
+            <a:off x="1625551" y="895683"/>
+            <a:ext cx="9409555" cy="5681579"/>
+          </a:xfrm>
+          <a:prstGeom prst="rect">
+            <a:avLst/>
+          </a:prstGeom>
+        </p:spPr>
+      </p:pic>
+      <p:sp>
+        <p:nvSpPr>
+          <p:cNvPr id="2" name="Title 1"/>
+          <p:cNvSpPr>
+            <a:spLocks noGrp="1"/>
+          </p:cNvSpPr>
+          <p:nvPr>
+            <p:ph type="title"/>
+          </p:nvPr>
+        </p:nvSpPr>
+        <p:spPr/>
+        <p:txBody>
+          <a:bodyPr>
+            <a:normAutofit/>
+          </a:bodyPr>
+          <a:lstStyle/>
+          <a:p>
+            <a:r>
+              <a:rPr lang="en-US" dirty="0" smtClean="0"/>
+              <a:t>Exercise: View your cookbook in </a:t>
+            </a:r>
+            <a:r>
+              <a:rPr lang="en-US" dirty="0" err="1" smtClean="0"/>
+              <a:t>GitHub</a:t>
+            </a:r>
+            <a:endParaRPr lang="en-US" dirty="0"/>
+          </a:p>
+        </p:txBody>
+      </p:sp>
+    </p:spTree>
+    <p:extLst>
+      <p:ext uri="{BB962C8B-B14F-4D97-AF65-F5344CB8AC3E}">
+        <p14:creationId xmlns:p14="http://schemas.microsoft.com/office/powerpoint/2010/main" val="1272547544"/>
+      </p:ext>
+    </p:extLst>
+  </p:cSld>
+  <p:clrMapOvr>
+    <a:masterClrMapping/>
+  </p:clrMapOvr>
+  <mc:AlternateContent xmlns:mc="http://schemas.openxmlformats.org/markup-compatibility/2006">
+    <mc:Choice xmlns:p14="http://schemas.microsoft.com/office/powerpoint/2010/main" Requires="p14">
+      <p:transition spd="med" p14:dur="700">
+        <p:fade/>
+      </p:transition>
+    </mc:Choice>
+    <mc:Fallback>
+      <p:transition xmlns:p14="http://schemas.microsoft.com/office/powerpoint/2010/main" spd="med">
+        <p:fade/>
+      </p:transition>
+    </mc:Fallback>
+  </mc:AlternateContent>
+  <p:timing>
+    <p:tnLst>
+      <p:par>
+        <p:cTn xmlns:p14="http://schemas.microsoft.com/office/powerpoint/2010/main" id="1" dur="indefinite" restart="never" nodeType="tmRoot"/>
+      </p:par>
+    </p:tnLst>
+  </p:timing>
+</p:sld>
+</file>
+
+<file path=ppt/slides/slide23.xml><?xml version="1.0" encoding="utf-8"?>
+<p:sld xmlns:a="http://schemas.openxmlformats.org/drawingml/2006/main" xmlns:r="http://schemas.openxmlformats.org/officeDocument/2006/relationships" xmlns:p="http://schemas.openxmlformats.org/presentationml/2006/main">
+  <p:cSld>
+    <p:spTree>
+      <p:nvGrpSpPr>
+        <p:cNvPr id="1" name=""/>
+        <p:cNvGrpSpPr/>
+        <p:nvPr/>
+      </p:nvGrpSpPr>
+      <p:grpSpPr>
+        <a:xfrm>
+          <a:off x="0" y="0"/>
+          <a:ext cx="0" cy="0"/>
+          <a:chOff x="0" y="0"/>
+          <a:chExt cx="0" cy="0"/>
+        </a:xfrm>
+      </p:grpSpPr>
+      <p:sp>
+        <p:nvSpPr>
+          <p:cNvPr id="2" name="Title 1"/>
+          <p:cNvSpPr>
+            <a:spLocks noGrp="1"/>
+          </p:cNvSpPr>
+          <p:nvPr>
+            <p:ph type="title"/>
+          </p:nvPr>
+        </p:nvSpPr>
+        <p:spPr/>
+        <p:txBody>
+          <a:bodyPr/>
+          <a:lstStyle/>
+          <a:p>
+            <a:r>
+              <a:rPr lang="en-US" dirty="0" smtClean="0"/>
+              <a:t>Getting started tips…</a:t>
+            </a:r>
+            <a:endParaRPr lang="en-US" dirty="0"/>
+          </a:p>
+        </p:txBody>
+      </p:sp>
+      <p:sp>
+        <p:nvSpPr>
+          <p:cNvPr id="5" name="Text Placeholder 4"/>
+          <p:cNvSpPr>
+            <a:spLocks noGrp="1"/>
+          </p:cNvSpPr>
+          <p:nvPr>
+            <p:ph type="body" sz="quarter" idx="10"/>
+          </p:nvPr>
+        </p:nvSpPr>
+        <p:spPr>
+          <a:xfrm>
+            <a:off x="457200" y="1143000"/>
+            <a:ext cx="11547642" cy="5257800"/>
+          </a:xfrm>
+        </p:spPr>
+        <p:txBody>
+          <a:bodyPr/>
+          <a:lstStyle/>
+          <a:p>
+            <a:r>
+              <a:rPr lang="en-US" sz="3800" dirty="0" smtClean="0"/>
+              <a:t>You </a:t>
+            </a:r>
+            <a:r>
+              <a:rPr lang="en-US" sz="3800" dirty="0"/>
+              <a:t>can start with the default recipe, </a:t>
+            </a:r>
+            <a:r>
+              <a:rPr lang="en-US" sz="3800" dirty="0" err="1">
+                <a:latin typeface="Courier"/>
+                <a:cs typeface="Courier"/>
+              </a:rPr>
+              <a:t>default.rb</a:t>
+            </a:r>
+            <a:endParaRPr lang="en-US" sz="3800" dirty="0" smtClean="0"/>
+          </a:p>
+          <a:p>
+            <a:endParaRPr lang="en-US" sz="3800" dirty="0" smtClean="0"/>
+          </a:p>
+          <a:p>
+            <a:r>
+              <a:rPr lang="en-US" sz="3800" dirty="0" smtClean="0"/>
+              <a:t>Backup to </a:t>
+            </a:r>
+            <a:r>
+              <a:rPr lang="en-US" sz="3800" dirty="0" err="1" smtClean="0"/>
+              <a:t>GitHub</a:t>
+            </a:r>
+            <a:r>
+              <a:rPr lang="en-US" sz="3800" dirty="0" smtClean="0"/>
+              <a:t> regularly</a:t>
+            </a:r>
+          </a:p>
+          <a:p>
+            <a:pPr marL="225425" lvl="1" indent="0">
+              <a:buNone/>
+            </a:pPr>
+            <a:r>
+              <a:rPr lang="en-US" sz="3200" dirty="0" smtClean="0">
+                <a:latin typeface="Courier"/>
+                <a:cs typeface="Courier"/>
+              </a:rPr>
+              <a:t>$ </a:t>
+            </a:r>
+            <a:r>
+              <a:rPr lang="en-US" sz="3200" dirty="0" err="1" smtClean="0">
+                <a:latin typeface="Courier"/>
+                <a:cs typeface="Courier"/>
+              </a:rPr>
+              <a:t>git</a:t>
+            </a:r>
+            <a:r>
+              <a:rPr lang="en-US" sz="3200" dirty="0" smtClean="0">
+                <a:latin typeface="Courier"/>
+                <a:cs typeface="Courier"/>
+              </a:rPr>
+              <a:t> </a:t>
+            </a:r>
+            <a:r>
+              <a:rPr lang="en-US" sz="3200" dirty="0">
+                <a:latin typeface="Courier"/>
+                <a:cs typeface="Courier"/>
+              </a:rPr>
+              <a:t>commit -am </a:t>
+            </a:r>
+            <a:r>
+              <a:rPr lang="en-US" sz="3200" dirty="0" smtClean="0">
+                <a:latin typeface="Courier"/>
+                <a:cs typeface="Courier"/>
+              </a:rPr>
+              <a:t>"commit message here"</a:t>
+            </a:r>
+          </a:p>
+          <a:p>
+            <a:pPr marL="225425" lvl="1" indent="0">
+              <a:buNone/>
+            </a:pPr>
+            <a:r>
+              <a:rPr lang="en-US" sz="3200" dirty="0" smtClean="0">
+                <a:latin typeface="Courier"/>
+                <a:cs typeface="Courier"/>
+              </a:rPr>
+              <a:t>$ </a:t>
+            </a:r>
+            <a:r>
+              <a:rPr lang="en-US" sz="3200" dirty="0" err="1" smtClean="0">
+                <a:latin typeface="Courier"/>
+                <a:cs typeface="Courier"/>
+              </a:rPr>
+              <a:t>git</a:t>
+            </a:r>
+            <a:r>
+              <a:rPr lang="en-US" sz="3200" dirty="0" smtClean="0">
+                <a:latin typeface="Courier"/>
+                <a:cs typeface="Courier"/>
+              </a:rPr>
+              <a:t> push</a:t>
+            </a:r>
+            <a:endParaRPr lang="en-US" sz="3200" dirty="0">
+              <a:latin typeface="Courier"/>
+              <a:cs typeface="Courier"/>
+            </a:endParaRPr>
+          </a:p>
+          <a:p>
+            <a:endParaRPr lang="en-US" sz="3800" dirty="0" smtClean="0"/>
+          </a:p>
+        </p:txBody>
+      </p:sp>
+    </p:spTree>
+    <p:extLst>
+      <p:ext uri="{BB962C8B-B14F-4D97-AF65-F5344CB8AC3E}">
+        <p14:creationId xmlns:p14="http://schemas.microsoft.com/office/powerpoint/2010/main" val="2820955247"/>
+      </p:ext>
+    </p:extLst>
+  </p:cSld>
+  <p:clrMapOvr>
+    <a:masterClrMapping/>
+  </p:clrMapOvr>
+  <mc:AlternateContent xmlns:mc="http://schemas.openxmlformats.org/markup-compatibility/2006" xmlns:p14="http://schemas.microsoft.com/office/powerpoint/2010/main">
+    <mc:Choice Requires="p14">
+      <p:transition spd="med" p14:dur="700">
+        <p:fade/>
+      </p:transition>
+    </mc:Choice>
+    <mc:Fallback xmlns="">
+      <p:transition spd="med">
+        <p:fade/>
+      </p:transition>
+    </mc:Fallback>
+  </mc:AlternateContent>
+</p:sld>
+</file>
+
 <file path=ppt/slides/slide24.xml><?xml version="1.0" encoding="utf-8"?>
 <p:sld xmlns:a="http://schemas.openxmlformats.org/drawingml/2006/main" xmlns:r="http://schemas.openxmlformats.org/officeDocument/2006/relationships" xmlns:p="http://schemas.openxmlformats.org/presentationml/2006/main">
   <p:cSld>
@@ -18723,177 +18576,94 @@
       </p:grpSpPr>
       <p:sp>
         <p:nvSpPr>
-          <p:cNvPr id="6" name="Content Placeholder 5"/>
-          <p:cNvSpPr>
-            <a:spLocks noGrp="1"/>
-          </p:cNvSpPr>
-          <p:nvPr>
-            <p:ph sz="quarter" idx="11"/>
+          <p:cNvPr id="2" name="Title 1"/>
+          <p:cNvSpPr>
+            <a:spLocks noGrp="1"/>
+          </p:cNvSpPr>
+          <p:nvPr>
+            <p:ph type="title"/>
           </p:nvPr>
         </p:nvSpPr>
         <p:spPr/>
-        <p:txBody>
-          <a:bodyPr anchor="t" anchorCtr="0">
-            <a:noAutofit/>
-          </a:bodyPr>
-          <a:lstStyle/>
-          <a:p>
-            <a:r>
-              <a:rPr lang="en-US" sz="1800" dirty="0"/>
-              <a:t>$ </a:t>
-            </a:r>
-            <a:r>
-              <a:rPr lang="en-US" sz="1800" dirty="0" err="1"/>
-              <a:t>git</a:t>
-            </a:r>
-            <a:r>
-              <a:rPr lang="en-US" sz="1800" dirty="0"/>
-              <a:t> remote add origin </a:t>
-            </a:r>
-            <a:r>
-              <a:rPr lang="en-US" sz="1800" dirty="0" err="1"/>
-              <a:t>git@github.com:YOU</a:t>
-            </a:r>
-            <a:r>
-              <a:rPr lang="en-US" sz="1800" dirty="0"/>
-              <a:t>/my-</a:t>
-            </a:r>
-            <a:r>
-              <a:rPr lang="en-US" sz="1800" dirty="0" err="1"/>
-              <a:t>aar.git</a:t>
-            </a:r>
-            <a:endParaRPr lang="en-US" sz="1800" dirty="0"/>
-          </a:p>
-          <a:p>
-            <a:r>
-              <a:rPr lang="en-US" sz="1800" dirty="0" smtClean="0"/>
-              <a:t>$ </a:t>
-            </a:r>
-            <a:r>
-              <a:rPr lang="en-US" sz="1800" dirty="0" err="1" smtClean="0"/>
-              <a:t>git</a:t>
-            </a:r>
-            <a:r>
-              <a:rPr lang="en-US" sz="1800" dirty="0" smtClean="0"/>
-              <a:t> push –u origin master</a:t>
-            </a:r>
-          </a:p>
-          <a:p>
-            <a:r>
-              <a:rPr lang="en-US" sz="1800" dirty="0"/>
-              <a:t>Counting objects: 10, done.</a:t>
-            </a:r>
-          </a:p>
-          <a:p>
-            <a:r>
-              <a:rPr lang="en-US" sz="1800" dirty="0"/>
-              <a:t>Delta compression using up to 8 threads.</a:t>
-            </a:r>
-          </a:p>
-          <a:p>
-            <a:r>
-              <a:rPr lang="en-US" sz="1800" dirty="0"/>
-              <a:t>Compressing objects: 100% (8/8), done.</a:t>
-            </a:r>
-          </a:p>
-          <a:p>
-            <a:r>
-              <a:rPr lang="en-US" sz="1800" dirty="0"/>
-              <a:t>Writing objects: 100% (10/10), 1.51 </a:t>
-            </a:r>
-            <a:r>
-              <a:rPr lang="en-US" sz="1800" dirty="0" err="1"/>
-              <a:t>KiB</a:t>
-            </a:r>
-            <a:r>
-              <a:rPr lang="en-US" sz="1800" dirty="0"/>
-              <a:t> | 0 bytes/s, done.</a:t>
-            </a:r>
-          </a:p>
-          <a:p>
-            <a:r>
-              <a:rPr lang="en-US" sz="1800" dirty="0"/>
-              <a:t>Total 10 (delta 0), reused 0 (delta 0)</a:t>
-            </a:r>
-          </a:p>
-          <a:p>
-            <a:r>
-              <a:rPr lang="en-US" sz="1800" dirty="0"/>
-              <a:t>To </a:t>
-            </a:r>
-            <a:r>
-              <a:rPr lang="en-US" sz="1800" dirty="0" err="1"/>
-              <a:t>git@github.com:johnfitzpatrick</a:t>
-            </a:r>
-            <a:r>
-              <a:rPr lang="en-US" sz="1800" dirty="0"/>
-              <a:t>/my-</a:t>
-            </a:r>
-            <a:r>
-              <a:rPr lang="en-US" sz="1800" dirty="0" err="1"/>
-              <a:t>aar.git</a:t>
-            </a:r>
-            <a:endParaRPr lang="en-US" sz="1800" dirty="0"/>
-          </a:p>
-          <a:p>
-            <a:r>
-              <a:rPr lang="en-US" sz="1800" dirty="0"/>
-              <a:t> * [new branch]      master -&gt; master</a:t>
-            </a:r>
-          </a:p>
-          <a:p>
-            <a:r>
-              <a:rPr lang="en-US" sz="1800" dirty="0"/>
-              <a:t>Branch master set up to track remote branch master from origin</a:t>
-            </a:r>
-            <a:r>
-              <a:rPr lang="en-US" sz="1800" dirty="0" smtClean="0"/>
-              <a:t>.</a:t>
-            </a:r>
-            <a:endParaRPr lang="en-US" sz="1800" dirty="0"/>
-          </a:p>
-        </p:txBody>
-      </p:sp>
-      <p:sp>
-        <p:nvSpPr>
-          <p:cNvPr id="2" name="Title 1"/>
-          <p:cNvSpPr>
-            <a:spLocks noGrp="1"/>
-          </p:cNvSpPr>
-          <p:nvPr>
-            <p:ph type="title"/>
-          </p:nvPr>
-        </p:nvSpPr>
-        <p:spPr>
-          <a:xfrm>
-            <a:off x="457199" y="228599"/>
-            <a:ext cx="11574379" cy="620683"/>
-          </a:xfrm>
-        </p:spPr>
         <p:txBody>
           <a:bodyPr/>
           <a:lstStyle/>
           <a:p>
             <a:r>
               <a:rPr lang="en-US" dirty="0" smtClean="0"/>
-              <a:t>Exercise: Upload cookbook to </a:t>
-            </a:r>
-            <a:r>
-              <a:rPr lang="en-US" dirty="0" err="1" smtClean="0"/>
-              <a:t>GitHub</a:t>
-            </a:r>
-            <a:r>
-              <a:rPr lang="en-US" dirty="0" smtClean="0"/>
-              <a:t> repo</a:t>
+              <a:t>Time to hack!</a:t>
             </a:r>
             <a:endParaRPr lang="en-US" dirty="0"/>
+          </a:p>
+        </p:txBody>
+      </p:sp>
+      <p:pic>
+        <p:nvPicPr>
+          <p:cNvPr id="6" name="Picture Placeholder 5" descr="424047087_f685546e79_o.jpg"/>
+          <p:cNvPicPr>
+            <a:picLocks noGrp="1" noChangeAspect="1"/>
+          </p:cNvPicPr>
+          <p:nvPr>
+            <p:ph type="pic" sz="quarter" idx="10"/>
+          </p:nvPr>
+        </p:nvPicPr>
+        <p:blipFill>
+          <a:blip r:embed="rId3">
+            <a:extLst>
+              <a:ext uri="{28A0092B-C50C-407E-A947-70E740481C1C}">
+                <a14:useLocalDpi xmlns:a14="http://schemas.microsoft.com/office/drawing/2010/main" val="0"/>
+              </a:ext>
+            </a:extLst>
+          </a:blip>
+          <a:srcRect t="34402" b="34402"/>
+          <a:stretch>
+            <a:fillRect/>
+          </a:stretch>
+        </p:blipFill>
+        <p:spPr/>
+      </p:pic>
+      <p:sp>
+        <p:nvSpPr>
+          <p:cNvPr id="5" name="Content Placeholder 4"/>
+          <p:cNvSpPr>
+            <a:spLocks noGrp="1"/>
+          </p:cNvSpPr>
+          <p:nvPr>
+            <p:ph sz="quarter" idx="11"/>
+          </p:nvPr>
+        </p:nvSpPr>
+        <p:spPr/>
+        <p:txBody>
+          <a:bodyPr/>
+          <a:lstStyle/>
+          <a:p>
+            <a:r>
+              <a:rPr lang="en-US" dirty="0"/>
+              <a:t>https://</a:t>
+            </a:r>
+            <a:r>
+              <a:rPr lang="en-US" dirty="0" err="1"/>
+              <a:t>www.flickr.com</a:t>
+            </a:r>
+            <a:r>
+              <a:rPr lang="en-US" dirty="0"/>
+              <a:t>/photos/</a:t>
+            </a:r>
+            <a:r>
+              <a:rPr lang="en-US" dirty="0" err="1"/>
+              <a:t>peterpearson</a:t>
+            </a:r>
+            <a:r>
+              <a:rPr lang="en-US" dirty="0"/>
+              <a:t>/424047087</a:t>
+            </a:r>
           </a:p>
         </p:txBody>
       </p:sp>
     </p:spTree>
     <p:extLst>
       <p:ext uri="{BB962C8B-B14F-4D97-AF65-F5344CB8AC3E}">
-        <p14:creationId xmlns:p14="http://schemas.microsoft.com/office/powerpoint/2010/main" val="1873912324"/>
+        <p14:creationId xmlns:p14="http://schemas.microsoft.com/office/powerpoint/2010/main" val="1258448321"/>
       </p:ext>
     </p:extLst>
   </p:cSld>
@@ -18951,18 +18721,47 @@
         </p:nvSpPr>
         <p:spPr/>
         <p:txBody>
-          <a:bodyPr>
-            <a:normAutofit/>
-          </a:bodyPr>
+          <a:bodyPr/>
           <a:lstStyle/>
           <a:p>
             <a:r>
               <a:rPr lang="en-US" dirty="0" smtClean="0"/>
-              <a:t>Exercise: View your cookbook in </a:t>
-            </a:r>
-            <a:r>
-              <a:rPr lang="en-US" dirty="0" err="1" smtClean="0"/>
-              <a:t>GitHub</a:t>
+              <a:t>Demo Time!</a:t>
+            </a:r>
+            <a:endParaRPr lang="en-US" dirty="0"/>
+          </a:p>
+        </p:txBody>
+      </p:sp>
+      <p:sp>
+        <p:nvSpPr>
+          <p:cNvPr id="3" name="Text Placeholder 2"/>
+          <p:cNvSpPr>
+            <a:spLocks noGrp="1"/>
+          </p:cNvSpPr>
+          <p:nvPr>
+            <p:ph type="body" sz="quarter" idx="10"/>
+          </p:nvPr>
+        </p:nvSpPr>
+        <p:spPr/>
+        <p:txBody>
+          <a:bodyPr/>
+          <a:lstStyle/>
+          <a:p>
+            <a:r>
+              <a:rPr lang="en-US" dirty="0" smtClean="0"/>
+              <a:t>Show your work</a:t>
+            </a:r>
+          </a:p>
+          <a:p>
+            <a:r>
+              <a:rPr lang="en-US" dirty="0" smtClean="0"/>
+              <a:t>Discuss your choices</a:t>
+            </a:r>
+          </a:p>
+          <a:p>
+            <a:r>
+              <a:rPr lang="en-US" dirty="0" smtClean="0"/>
+              <a:t>Gather feedback and ideas</a:t>
             </a:r>
             <a:endParaRPr lang="en-US" dirty="0"/>
           </a:p>
@@ -18970,46 +18769,98 @@
       </p:sp>
       <p:pic>
         <p:nvPicPr>
-          <p:cNvPr id="4" name="Picture 3"/>
+          <p:cNvPr id="6" name="Picture Placeholder 5" descr="demonstration - Google Search.jpg"/>
           <p:cNvPicPr>
-            <a:picLocks noChangeAspect="1"/>
+            <a:picLocks noGrp="1" noChangeAspect="1"/>
           </p:cNvPicPr>
-          <p:nvPr/>
+          <p:nvPr>
+            <p:ph type="pic" sz="quarter" idx="13"/>
+          </p:nvPr>
         </p:nvPicPr>
         <p:blipFill>
-          <a:blip r:embed="rId3"/>
+          <a:blip r:embed="rId3">
+            <a:extLst>
+              <a:ext uri="{28A0092B-C50C-407E-A947-70E740481C1C}">
+                <a14:useLocalDpi xmlns:a14="http://schemas.microsoft.com/office/drawing/2010/main" val="0"/>
+              </a:ext>
+            </a:extLst>
+          </a:blip>
+          <a:srcRect l="-7012" r="-7012"/>
           <a:stretch>
             <a:fillRect/>
           </a:stretch>
         </p:blipFill>
         <p:spPr>
           <a:xfrm>
-            <a:off x="1630946" y="905391"/>
-            <a:ext cx="9371339" cy="5658504"/>
+            <a:off x="6181725" y="1143000"/>
+            <a:ext cx="5486400" cy="5257800"/>
           </a:xfrm>
-          <a:prstGeom prst="rect">
-            <a:avLst/>
-          </a:prstGeom>
         </p:spPr>
       </p:pic>
+      <p:sp>
+        <p:nvSpPr>
+          <p:cNvPr id="4" name="Content Placeholder 3"/>
+          <p:cNvSpPr>
+            <a:spLocks noGrp="1"/>
+          </p:cNvSpPr>
+          <p:nvPr>
+            <p:ph sz="quarter" idx="12"/>
+          </p:nvPr>
+        </p:nvSpPr>
+        <p:spPr/>
+        <p:txBody>
+          <a:bodyPr/>
+          <a:lstStyle/>
+          <a:p>
+            <a:r>
+              <a:rPr lang="en-US" dirty="0"/>
+              <a:t>https://</a:t>
+            </a:r>
+            <a:r>
+              <a:rPr lang="en-US" dirty="0" err="1"/>
+              <a:t>www.google.com</a:t>
+            </a:r>
+            <a:r>
+              <a:rPr lang="en-US" dirty="0"/>
+              <a:t>/</a:t>
+            </a:r>
+            <a:r>
+              <a:rPr lang="en-US" dirty="0" err="1"/>
+              <a:t>webhp?sourceid</a:t>
+            </a:r>
+            <a:r>
+              <a:rPr lang="en-US" dirty="0"/>
+              <a:t>=</a:t>
+            </a:r>
+            <a:r>
+              <a:rPr lang="en-US" dirty="0" err="1"/>
+              <a:t>chrome-instant&amp;ion</a:t>
+            </a:r>
+            <a:r>
+              <a:rPr lang="en-US" dirty="0"/>
+              <a:t>=1&amp;espv=2&amp;ie=UTF-8#q=demonstration</a:t>
+            </a:r>
+          </a:p>
+        </p:txBody>
+      </p:sp>
     </p:spTree>
     <p:extLst>
       <p:ext uri="{BB962C8B-B14F-4D97-AF65-F5344CB8AC3E}">
-        <p14:creationId xmlns:p14="http://schemas.microsoft.com/office/powerpoint/2010/main" val="1272547544"/>
+        <p14:creationId xmlns:p14="http://schemas.microsoft.com/office/powerpoint/2010/main" val="1089945037"/>
       </p:ext>
     </p:extLst>
   </p:cSld>
   <p:clrMapOvr>
     <a:masterClrMapping/>
   </p:clrMapOvr>
-  <mc:AlternateContent xmlns:mc="http://schemas.openxmlformats.org/markup-compatibility/2006">
-    <mc:Choice xmlns:p14="http://schemas.microsoft.com/office/powerpoint/2010/main" Requires="p14">
+  <mc:AlternateContent xmlns:mc="http://schemas.openxmlformats.org/markup-compatibility/2006" xmlns:p14="http://schemas.microsoft.com/office/powerpoint/2010/main">
+    <mc:Choice Requires="p14">
       <p:transition spd="med" p14:dur="700">
         <p:fade/>
       </p:transition>
     </mc:Choice>
-    <mc:Fallback>
-      <p:transition xmlns:p14="http://schemas.microsoft.com/office/powerpoint/2010/main" spd="med">
+    <mc:Fallback xmlns="">
+      <p:transition spd="med">
         <p:fade/>
       </p:transition>
     </mc:Fallback>
@@ -19058,7 +18909,7 @@
           <a:p>
             <a:r>
               <a:rPr lang="en-US" dirty="0" smtClean="0"/>
-              <a:t>Getting started tips…</a:t>
+              <a:t>Hints</a:t>
             </a:r>
             <a:endParaRPr lang="en-US" dirty="0"/>
           </a:p>
@@ -19066,137 +18917,87 @@
       </p:sp>
       <p:sp>
         <p:nvSpPr>
-          <p:cNvPr id="5" name="Text Placeholder 4"/>
-          <p:cNvSpPr>
-            <a:spLocks noGrp="1"/>
-          </p:cNvSpPr>
-          <p:nvPr>
-            <p:ph type="body" sz="quarter" idx="10"/>
-          </p:nvPr>
-        </p:nvSpPr>
-        <p:spPr>
-          <a:xfrm>
-            <a:off x="457200" y="1143000"/>
-            <a:ext cx="11547642" cy="5257800"/>
-          </a:xfrm>
-        </p:spPr>
+          <p:cNvPr id="3" name="Text Placeholder 2"/>
+          <p:cNvSpPr>
+            <a:spLocks noGrp="1"/>
+          </p:cNvSpPr>
+          <p:nvPr>
+            <p:ph sz="quarter" idx="10"/>
+          </p:nvPr>
+        </p:nvSpPr>
+        <p:spPr/>
         <p:txBody>
           <a:bodyPr/>
           <a:lstStyle/>
           <a:p>
             <a:r>
-              <a:rPr lang="en-US" sz="3800" dirty="0" smtClean="0"/>
-              <a:t>You </a:t>
-            </a:r>
-            <a:r>
-              <a:rPr lang="en-US" sz="3800" dirty="0"/>
-              <a:t>can start with the default recipe, </a:t>
-            </a:r>
-            <a:r>
-              <a:rPr lang="en-US" sz="3800" dirty="0" err="1">
+              <a:rPr lang="en-US" i="1" dirty="0">
+                <a:solidFill>
+                  <a:srgbClr val="408080"/>
+                </a:solidFill>
+              </a:rPr>
+              <a:t># The following script assumes that apache2, </a:t>
+            </a:r>
+            <a:r>
+              <a:rPr lang="en-US" i="1" dirty="0" err="1">
+                <a:solidFill>
+                  <a:srgbClr val="408080"/>
+                </a:solidFill>
+              </a:rPr>
+              <a:t>mysql</a:t>
+            </a:r>
+            <a:r>
+              <a:rPr lang="en-US" i="1" dirty="0">
+                <a:solidFill>
+                  <a:srgbClr val="408080"/>
+                </a:solidFill>
+              </a:rPr>
+              <a:t>, and unzip have been installed.</a:t>
+            </a:r>
+          </a:p>
+        </p:txBody>
+      </p:sp>
+      <p:sp>
+        <p:nvSpPr>
+          <p:cNvPr id="4" name="Content Placeholder 3"/>
+          <p:cNvSpPr>
+            <a:spLocks noGrp="1"/>
+          </p:cNvSpPr>
+          <p:nvPr>
+            <p:ph sz="quarter" idx="11"/>
+          </p:nvPr>
+        </p:nvSpPr>
+        <p:spPr/>
+        <p:txBody>
+          <a:bodyPr/>
+          <a:lstStyle/>
+          <a:p>
+            <a:r>
+              <a:rPr lang="en-US" dirty="0" err="1" smtClean="0">
                 <a:latin typeface="Courier"/>
                 <a:cs typeface="Courier"/>
               </a:rPr>
-              <a:t>default.rb</a:t>
-            </a:r>
-            <a:endParaRPr lang="en-US" sz="3800" dirty="0" smtClean="0"/>
-          </a:p>
-          <a:p>
-            <a:endParaRPr lang="en-US" sz="3800" dirty="0" smtClean="0"/>
-          </a:p>
-          <a:p>
-            <a:r>
-              <a:rPr lang="en-US" sz="3800" dirty="0" smtClean="0"/>
-              <a:t>Backup to </a:t>
-            </a:r>
-            <a:r>
-              <a:rPr lang="en-US" sz="3800" dirty="0" err="1" smtClean="0"/>
-              <a:t>GitHub</a:t>
-            </a:r>
-            <a:r>
-              <a:rPr lang="en-US" sz="3800" dirty="0" smtClean="0"/>
-              <a:t> regularly</a:t>
-            </a:r>
-          </a:p>
-          <a:p>
-            <a:pPr marL="225425" lvl="1" indent="0">
-              <a:buNone/>
-            </a:pPr>
-            <a:r>
-              <a:rPr lang="en-US" sz="3200" dirty="0" smtClean="0">
+              <a:t>mysql</a:t>
+            </a:r>
+            <a:r>
+              <a:rPr lang="en-US" dirty="0" smtClean="0">
                 <a:latin typeface="Courier"/>
                 <a:cs typeface="Courier"/>
               </a:rPr>
-              <a:t>$ </a:t>
-            </a:r>
-            <a:r>
-              <a:rPr lang="en-US" sz="3200" dirty="0" err="1" smtClean="0">
-                <a:latin typeface="Courier"/>
-                <a:cs typeface="Courier"/>
-              </a:rPr>
-              <a:t>git</a:t>
-            </a:r>
-            <a:r>
-              <a:rPr lang="en-US" sz="3200" dirty="0" smtClean="0">
-                <a:latin typeface="Courier"/>
-                <a:cs typeface="Courier"/>
-              </a:rPr>
-              <a:t> </a:t>
-            </a:r>
-            <a:r>
-              <a:rPr lang="en-US" sz="3200" dirty="0">
-                <a:latin typeface="Courier"/>
-                <a:cs typeface="Courier"/>
-              </a:rPr>
-              <a:t>commit -am </a:t>
-            </a:r>
-            <a:r>
-              <a:rPr lang="en-US" sz="3200" dirty="0" smtClean="0">
-                <a:latin typeface="Courier"/>
-                <a:cs typeface="Courier"/>
-              </a:rPr>
-              <a:t>"commit message here"</a:t>
-            </a:r>
-          </a:p>
-          <a:p>
-            <a:pPr marL="225425" lvl="1" indent="0">
-              <a:buNone/>
-            </a:pPr>
-            <a:r>
-              <a:rPr lang="en-US" sz="3200" dirty="0" smtClean="0">
-                <a:latin typeface="Courier"/>
-                <a:cs typeface="Courier"/>
-              </a:rPr>
-              <a:t>$ </a:t>
-            </a:r>
-            <a:r>
-              <a:rPr lang="en-US" sz="3200" dirty="0" err="1" smtClean="0">
-                <a:latin typeface="Courier"/>
-                <a:cs typeface="Courier"/>
-              </a:rPr>
-              <a:t>git</a:t>
-            </a:r>
-            <a:r>
-              <a:rPr lang="en-US" sz="3200" dirty="0" smtClean="0">
-                <a:latin typeface="Courier"/>
-                <a:cs typeface="Courier"/>
-              </a:rPr>
-              <a:t> push</a:t>
-            </a:r>
-            <a:endParaRPr lang="en-US" sz="3200" dirty="0">
-              <a:latin typeface="Courier"/>
-              <a:cs typeface="Courier"/>
-            </a:endParaRPr>
-          </a:p>
-          <a:p>
-            <a:endParaRPr lang="en-US" sz="3800" dirty="0" smtClean="0"/>
+              <a:t>-server</a:t>
+            </a:r>
+            <a:r>
+              <a:rPr lang="en-US" dirty="0" smtClean="0"/>
+              <a:t> is probably the package you’re looking for.</a:t>
+            </a:r>
+            <a:endParaRPr lang="en-US" dirty="0"/>
           </a:p>
         </p:txBody>
       </p:sp>
     </p:spTree>
     <p:extLst>
       <p:ext uri="{BB962C8B-B14F-4D97-AF65-F5344CB8AC3E}">
-        <p14:creationId xmlns:p14="http://schemas.microsoft.com/office/powerpoint/2010/main" val="2820955247"/>
+        <p14:creationId xmlns:p14="http://schemas.microsoft.com/office/powerpoint/2010/main" val="2509635953"/>
       </p:ext>
     </p:extLst>
   </p:cSld>
@@ -19215,6 +19016,13 @@
       </p:transition>
     </mc:Fallback>
   </mc:AlternateContent>
+  <p:timing>
+    <p:tnLst>
+      <p:par>
+        <p:cTn xmlns:p14="http://schemas.microsoft.com/office/powerpoint/2010/main" id="1" dur="indefinite" restart="never" nodeType="tmRoot"/>
+      </p:par>
+    </p:tnLst>
+  </p:timing>
 </p:sld>
 </file>
 
@@ -19324,7 +19132,7 @@
     </p:spTree>
     <p:extLst>
       <p:ext uri="{BB962C8B-B14F-4D97-AF65-F5344CB8AC3E}">
-        <p14:creationId xmlns:p14="http://schemas.microsoft.com/office/powerpoint/2010/main" val="1258448321"/>
+        <p14:creationId xmlns:p14="http://schemas.microsoft.com/office/powerpoint/2010/main" val="1914539579"/>
       </p:ext>
     </p:extLst>
   </p:cSld>
@@ -19578,7 +19386,7 @@
       </p:sp>
       <p:sp>
         <p:nvSpPr>
-          <p:cNvPr id="3" name="Text Placeholder 2"/>
+          <p:cNvPr id="3" name="Content Placeholder 2"/>
           <p:cNvSpPr>
             <a:spLocks noGrp="1"/>
           </p:cNvSpPr>
@@ -19597,7 +19405,7 @@
                   <a:srgbClr val="408080"/>
                 </a:solidFill>
               </a:rPr>
-              <a:t># The following script assumes that apache2, </a:t>
+              <a:t># 1. </a:t>
             </a:r>
             <a:r>
               <a:rPr lang="en-US" i="1" dirty="0" err="1">
@@ -19605,7 +19413,7 @@
                   <a:srgbClr val="408080"/>
                 </a:solidFill>
               </a:rPr>
-              <a:t>mysql</a:t>
+              <a:t>wget</a:t>
             </a:r>
             <a:r>
               <a:rPr lang="en-US" i="1" dirty="0">
@@ -19613,8 +19421,131 @@
                   <a:srgbClr val="408080"/>
                 </a:solidFill>
               </a:rPr>
-              <a:t>, and unzip have been installed.</a:t>
-            </a:r>
+              <a:t> https://</a:t>
+            </a:r>
+            <a:r>
+              <a:rPr lang="en-US" i="1" dirty="0" err="1">
+                <a:solidFill>
+                  <a:srgbClr val="408080"/>
+                </a:solidFill>
+              </a:rPr>
+              <a:t>github.com</a:t>
+            </a:r>
+            <a:r>
+              <a:rPr lang="en-US" i="1" dirty="0">
+                <a:solidFill>
+                  <a:srgbClr val="408080"/>
+                </a:solidFill>
+              </a:rPr>
+              <a:t>/</a:t>
+            </a:r>
+            <a:r>
+              <a:rPr lang="en-US" i="1" dirty="0" err="1">
+                <a:solidFill>
+                  <a:srgbClr val="408080"/>
+                </a:solidFill>
+              </a:rPr>
+              <a:t>colincam</a:t>
+            </a:r>
+            <a:r>
+              <a:rPr lang="en-US" i="1" dirty="0">
+                <a:solidFill>
+                  <a:srgbClr val="408080"/>
+                </a:solidFill>
+              </a:rPr>
+              <a:t>/Awesome-Appliance-Repair/archive/</a:t>
+            </a:r>
+            <a:r>
+              <a:rPr lang="en-US" i="1" dirty="0" err="1">
+                <a:solidFill>
+                  <a:srgbClr val="408080"/>
+                </a:solidFill>
+              </a:rPr>
+              <a:t>master.zip</a:t>
+            </a:r>
+            <a:endParaRPr lang="en-US" i="1" dirty="0">
+              <a:solidFill>
+                <a:srgbClr val="408080"/>
+              </a:solidFill>
+            </a:endParaRPr>
+          </a:p>
+          <a:p>
+            <a:r>
+              <a:rPr lang="en-US" i="1" dirty="0">
+                <a:solidFill>
+                  <a:srgbClr val="408080"/>
+                </a:solidFill>
+              </a:rPr>
+              <a:t># 2. unzip </a:t>
+            </a:r>
+            <a:r>
+              <a:rPr lang="en-US" i="1" dirty="0" err="1">
+                <a:solidFill>
+                  <a:srgbClr val="408080"/>
+                </a:solidFill>
+              </a:rPr>
+              <a:t>master.zip</a:t>
+            </a:r>
+            <a:endParaRPr lang="en-US" i="1" dirty="0">
+              <a:solidFill>
+                <a:srgbClr val="408080"/>
+              </a:solidFill>
+            </a:endParaRPr>
+          </a:p>
+          <a:p>
+            <a:r>
+              <a:rPr lang="en-US" i="1" dirty="0">
+                <a:solidFill>
+                  <a:srgbClr val="408080"/>
+                </a:solidFill>
+              </a:rPr>
+              <a:t># 3. cd into Awesome-Appliance-Repair</a:t>
+            </a:r>
+          </a:p>
+          <a:p>
+            <a:r>
+              <a:rPr lang="en-US" i="1" dirty="0">
+                <a:solidFill>
+                  <a:srgbClr val="408080"/>
+                </a:solidFill>
+              </a:rPr>
+              <a:t># 4. </a:t>
+            </a:r>
+            <a:r>
+              <a:rPr lang="en-US" i="1" dirty="0" err="1">
+                <a:solidFill>
+                  <a:srgbClr val="408080"/>
+                </a:solidFill>
+              </a:rPr>
+              <a:t>sudo</a:t>
+            </a:r>
+            <a:r>
+              <a:rPr lang="en-US" i="1" dirty="0">
+                <a:solidFill>
+                  <a:srgbClr val="408080"/>
+                </a:solidFill>
+              </a:rPr>
+              <a:t> mv AAR to /</a:t>
+            </a:r>
+            <a:r>
+              <a:rPr lang="en-US" i="1" dirty="0" err="1">
+                <a:solidFill>
+                  <a:srgbClr val="408080"/>
+                </a:solidFill>
+              </a:rPr>
+              <a:t>var</a:t>
+            </a:r>
+            <a:r>
+              <a:rPr lang="en-US" i="1" dirty="0">
+                <a:solidFill>
+                  <a:srgbClr val="408080"/>
+                </a:solidFill>
+              </a:rPr>
+              <a:t>/www/</a:t>
+            </a:r>
+          </a:p>
+          <a:p>
+            <a:endParaRPr lang="en-US" dirty="0"/>
           </a:p>
         </p:txBody>
       </p:sp>
@@ -19634,22 +19565,14 @@
           <a:lstStyle/>
           <a:p>
             <a:r>
-              <a:rPr lang="en-US" dirty="0" err="1" smtClean="0">
-                <a:latin typeface="Courier"/>
-                <a:cs typeface="Courier"/>
-              </a:rPr>
-              <a:t>mysql</a:t>
-            </a:r>
-            <a:r>
-              <a:rPr lang="en-US" dirty="0" smtClean="0">
-                <a:latin typeface="Courier"/>
-                <a:cs typeface="Courier"/>
-              </a:rPr>
-              <a:t>-server</a:t>
-            </a:r>
-            <a:r>
-              <a:rPr lang="en-US" dirty="0" smtClean="0"/>
-              <a:t> is probably the package you’re looking for.</a:t>
+              <a:rPr lang="en-US" dirty="0" smtClean="0"/>
+              <a:t>Do you need to download every time the chef-client runs?</a:t>
+            </a:r>
+          </a:p>
+          <a:p>
+            <a:r>
+              <a:rPr lang="en-US" dirty="0" smtClean="0"/>
+              <a:t>What are the pros and cons of doing so?</a:t>
             </a:r>
             <a:endParaRPr lang="en-US" dirty="0"/>
           </a:p>
@@ -19658,7 +19581,7 @@
     </p:spTree>
     <p:extLst>
       <p:ext uri="{BB962C8B-B14F-4D97-AF65-F5344CB8AC3E}">
-        <p14:creationId xmlns:p14="http://schemas.microsoft.com/office/powerpoint/2010/main" val="2509635953"/>
+        <p14:creationId xmlns:p14="http://schemas.microsoft.com/office/powerpoint/2010/main" val="1819554793"/>
       </p:ext>
     </p:extLst>
   </p:cSld>
@@ -19914,7 +19837,7 @@
     </p:spTree>
     <p:extLst>
       <p:ext uri="{BB962C8B-B14F-4D97-AF65-F5344CB8AC3E}">
-        <p14:creationId xmlns:p14="http://schemas.microsoft.com/office/powerpoint/2010/main" val="1914539579"/>
+        <p14:creationId xmlns:p14="http://schemas.microsoft.com/office/powerpoint/2010/main" val="776143540"/>
       </p:ext>
     </p:extLst>
   </p:cSld>
@@ -20178,183 +20101,702 @@
         </p:nvSpPr>
         <p:spPr/>
         <p:txBody>
+          <a:bodyPr>
+            <a:normAutofit fontScale="25000" lnSpcReduction="20000"/>
+          </a:bodyPr>
+          <a:lstStyle/>
+          <a:p>
+            <a:r>
+              <a:rPr lang="en-US" i="1" dirty="0">
+                <a:solidFill>
+                  <a:srgbClr val="408080"/>
+                </a:solidFill>
+              </a:rPr>
+              <a:t># Create DB, user, and permissions</a:t>
+            </a:r>
+          </a:p>
+          <a:p>
+            <a:r>
+              <a:rPr lang="en-US" dirty="0"/>
+              <a:t>    </a:t>
+            </a:r>
+            <a:r>
+              <a:rPr lang="en-US" b="1" dirty="0">
+                <a:solidFill>
+                  <a:srgbClr val="008000"/>
+                </a:solidFill>
+              </a:rPr>
+              <a:t>import </a:t>
+            </a:r>
+            <a:r>
+              <a:rPr lang="en-US" b="1" dirty="0" err="1">
+                <a:solidFill>
+                  <a:srgbClr val="0000FF"/>
+                </a:solidFill>
+              </a:rPr>
+              <a:t>MySQLdb</a:t>
+            </a:r>
+            <a:endParaRPr lang="en-US" b="1" dirty="0">
+              <a:solidFill>
+                <a:srgbClr val="0000FF"/>
+              </a:solidFill>
+            </a:endParaRPr>
+          </a:p>
+          <a:p>
+            <a:r>
+              <a:rPr lang="en-US" dirty="0"/>
+              <a:t>    </a:t>
+            </a:r>
+            <a:r>
+              <a:rPr lang="en-US" dirty="0" err="1"/>
+              <a:t>db</a:t>
+            </a:r>
+            <a:r>
+              <a:rPr lang="en-US" dirty="0"/>
+              <a:t> </a:t>
+            </a:r>
+            <a:r>
+              <a:rPr lang="en-US" dirty="0">
+                <a:solidFill>
+                  <a:srgbClr val="666666"/>
+                </a:solidFill>
+              </a:rPr>
+              <a:t>= </a:t>
+            </a:r>
+            <a:r>
+              <a:rPr lang="en-US" dirty="0" err="1">
+                <a:solidFill>
+                  <a:srgbClr val="666666"/>
+                </a:solidFill>
+              </a:rPr>
+              <a:t>MySQLdb.connect</a:t>
+            </a:r>
+            <a:r>
+              <a:rPr lang="en-US" dirty="0">
+                <a:solidFill>
+                  <a:srgbClr val="666666"/>
+                </a:solidFill>
+              </a:rPr>
+              <a:t>(host=</a:t>
+            </a:r>
+            <a:r>
+              <a:rPr lang="en-US" dirty="0">
+                <a:solidFill>
+                  <a:srgbClr val="BA2121"/>
+                </a:solidFill>
+              </a:rPr>
+              <a:t>'</a:t>
+            </a:r>
+            <a:r>
+              <a:rPr lang="en-US" dirty="0" err="1">
+                <a:solidFill>
+                  <a:srgbClr val="BA2121"/>
+                </a:solidFill>
+              </a:rPr>
+              <a:t>localhost</a:t>
+            </a:r>
+            <a:r>
+              <a:rPr lang="en-US" dirty="0">
+                <a:solidFill>
+                  <a:srgbClr val="BA2121"/>
+                </a:solidFill>
+              </a:rPr>
+              <a:t>', user</a:t>
+            </a:r>
+            <a:r>
+              <a:rPr lang="en-US" dirty="0">
+                <a:solidFill>
+                  <a:srgbClr val="666666"/>
+                </a:solidFill>
+              </a:rPr>
+              <a:t>=</a:t>
+            </a:r>
+            <a:r>
+              <a:rPr lang="en-US" dirty="0">
+                <a:solidFill>
+                  <a:srgbClr val="BA2121"/>
+                </a:solidFill>
+              </a:rPr>
+              <a:t>'root', </a:t>
+            </a:r>
+            <a:r>
+              <a:rPr lang="en-US" dirty="0" err="1">
+                <a:solidFill>
+                  <a:srgbClr val="BA2121"/>
+                </a:solidFill>
+              </a:rPr>
+              <a:t>passwd</a:t>
+            </a:r>
+            <a:r>
+              <a:rPr lang="en-US" dirty="0">
+                <a:solidFill>
+                  <a:srgbClr val="666666"/>
+                </a:solidFill>
+              </a:rPr>
+              <a:t>=</a:t>
+            </a:r>
+            <a:r>
+              <a:rPr lang="en-US" dirty="0" err="1">
+                <a:solidFill>
+                  <a:srgbClr val="666666"/>
+                </a:solidFill>
+              </a:rPr>
+              <a:t>root_dbpswd</a:t>
+            </a:r>
+            <a:r>
+              <a:rPr lang="en-US" dirty="0">
+                <a:solidFill>
+                  <a:srgbClr val="666666"/>
+                </a:solidFill>
+              </a:rPr>
+              <a:t>)</a:t>
+            </a:r>
+          </a:p>
+          <a:p>
+            <a:r>
+              <a:rPr lang="en-US" dirty="0"/>
+              <a:t>    </a:t>
+            </a:r>
+            <a:r>
+              <a:rPr lang="en-US" dirty="0" err="1"/>
+              <a:t>sql_script</a:t>
+            </a:r>
+            <a:r>
+              <a:rPr lang="en-US" dirty="0"/>
+              <a:t> </a:t>
+            </a:r>
+            <a:r>
+              <a:rPr lang="en-US" dirty="0">
+                <a:solidFill>
+                  <a:srgbClr val="666666"/>
+                </a:solidFill>
+              </a:rPr>
+              <a:t>= </a:t>
+            </a:r>
+            <a:r>
+              <a:rPr lang="en-US" dirty="0">
+                <a:solidFill>
+                  <a:srgbClr val="008000"/>
+                </a:solidFill>
+              </a:rPr>
+              <a:t>open(</a:t>
+            </a:r>
+            <a:r>
+              <a:rPr lang="en-US" dirty="0">
+                <a:solidFill>
+                  <a:srgbClr val="BA2121"/>
+                </a:solidFill>
+              </a:rPr>
+              <a:t>'</a:t>
+            </a:r>
+            <a:r>
+              <a:rPr lang="en-US" dirty="0" err="1">
+                <a:solidFill>
+                  <a:srgbClr val="BA2121"/>
+                </a:solidFill>
+              </a:rPr>
+              <a:t>make_AARdb.sql</a:t>
+            </a:r>
+            <a:r>
+              <a:rPr lang="en-US" dirty="0">
+                <a:solidFill>
+                  <a:srgbClr val="BA2121"/>
+                </a:solidFill>
+              </a:rPr>
+              <a:t>', 'r')</a:t>
+            </a:r>
+            <a:r>
+              <a:rPr lang="en-US" dirty="0">
+                <a:solidFill>
+                  <a:srgbClr val="666666"/>
+                </a:solidFill>
+              </a:rPr>
+              <a:t>.read()</a:t>
+            </a:r>
+          </a:p>
+          <a:p>
+            <a:r>
+              <a:rPr lang="en-US" dirty="0"/>
+              <a:t>    </a:t>
+            </a:r>
+          </a:p>
+          <a:p>
+            <a:r>
+              <a:rPr lang="es-ES_tradnl" dirty="0"/>
+              <a:t>    </a:t>
+            </a:r>
+            <a:r>
+              <a:rPr lang="es-ES_tradnl" dirty="0" err="1"/>
+              <a:t>cur</a:t>
+            </a:r>
+            <a:r>
+              <a:rPr lang="es-ES_tradnl" dirty="0"/>
+              <a:t> </a:t>
+            </a:r>
+            <a:r>
+              <a:rPr lang="es-ES_tradnl" dirty="0">
+                <a:solidFill>
+                  <a:srgbClr val="666666"/>
+                </a:solidFill>
+              </a:rPr>
+              <a:t>= </a:t>
+            </a:r>
+            <a:r>
+              <a:rPr lang="es-ES_tradnl" dirty="0" err="1">
+                <a:solidFill>
+                  <a:srgbClr val="666666"/>
+                </a:solidFill>
+              </a:rPr>
+              <a:t>db.cursor</a:t>
+            </a:r>
+            <a:r>
+              <a:rPr lang="es-ES_tradnl" dirty="0">
+                <a:solidFill>
+                  <a:srgbClr val="666666"/>
+                </a:solidFill>
+              </a:rPr>
+              <a:t>()</a:t>
+            </a:r>
+          </a:p>
+          <a:p>
+            <a:r>
+              <a:rPr lang="es-ES_tradnl" dirty="0"/>
+              <a:t>    </a:t>
+            </a:r>
+            <a:r>
+              <a:rPr lang="es-ES_tradnl" dirty="0" err="1"/>
+              <a:t>cur</a:t>
+            </a:r>
+            <a:r>
+              <a:rPr lang="es-ES_tradnl" dirty="0" err="1">
+                <a:solidFill>
+                  <a:srgbClr val="666666"/>
+                </a:solidFill>
+              </a:rPr>
+              <a:t>.execute</a:t>
+            </a:r>
+            <a:r>
+              <a:rPr lang="es-ES_tradnl" dirty="0">
+                <a:solidFill>
+                  <a:srgbClr val="666666"/>
+                </a:solidFill>
+              </a:rPr>
+              <a:t>(</a:t>
+            </a:r>
+            <a:r>
+              <a:rPr lang="es-ES_tradnl" dirty="0" err="1">
+                <a:solidFill>
+                  <a:srgbClr val="666666"/>
+                </a:solidFill>
+              </a:rPr>
+              <a:t>sql_script</a:t>
+            </a:r>
+            <a:r>
+              <a:rPr lang="es-ES_tradnl" dirty="0">
+                <a:solidFill>
+                  <a:srgbClr val="666666"/>
+                </a:solidFill>
+              </a:rPr>
+              <a:t>)</a:t>
+            </a:r>
+          </a:p>
+          <a:p>
+            <a:r>
+              <a:rPr lang="en-US" dirty="0"/>
+              <a:t>    </a:t>
+            </a:r>
+            <a:r>
+              <a:rPr lang="en-US" dirty="0" err="1"/>
+              <a:t>cur</a:t>
+            </a:r>
+            <a:r>
+              <a:rPr lang="en-US" dirty="0" err="1">
+                <a:solidFill>
+                  <a:srgbClr val="666666"/>
+                </a:solidFill>
+              </a:rPr>
+              <a:t>.close</a:t>
+            </a:r>
+            <a:r>
+              <a:rPr lang="en-US" dirty="0">
+                <a:solidFill>
+                  <a:srgbClr val="666666"/>
+                </a:solidFill>
+              </a:rPr>
+              <a:t>()</a:t>
+            </a:r>
+          </a:p>
+          <a:p>
+            <a:r>
+              <a:rPr lang="en-US" dirty="0"/>
+              <a:t>        </a:t>
+            </a:r>
+          </a:p>
+          <a:p>
+            <a:r>
+              <a:rPr lang="es-ES_tradnl" dirty="0"/>
+              <a:t>    </a:t>
+            </a:r>
+            <a:r>
+              <a:rPr lang="es-ES_tradnl" dirty="0" err="1"/>
+              <a:t>cur</a:t>
+            </a:r>
+            <a:r>
+              <a:rPr lang="es-ES_tradnl" dirty="0"/>
+              <a:t> </a:t>
+            </a:r>
+            <a:r>
+              <a:rPr lang="es-ES_tradnl" dirty="0">
+                <a:solidFill>
+                  <a:srgbClr val="666666"/>
+                </a:solidFill>
+              </a:rPr>
+              <a:t>= </a:t>
+            </a:r>
+            <a:r>
+              <a:rPr lang="es-ES_tradnl" dirty="0" err="1">
+                <a:solidFill>
+                  <a:srgbClr val="666666"/>
+                </a:solidFill>
+              </a:rPr>
+              <a:t>db.cursor</a:t>
+            </a:r>
+            <a:r>
+              <a:rPr lang="es-ES_tradnl" dirty="0">
+                <a:solidFill>
+                  <a:srgbClr val="666666"/>
+                </a:solidFill>
+              </a:rPr>
+              <a:t>()</a:t>
+            </a:r>
+          </a:p>
+          <a:p>
+            <a:r>
+              <a:rPr lang="es-ES_tradnl" dirty="0"/>
+              <a:t>    </a:t>
+            </a:r>
+            <a:r>
+              <a:rPr lang="es-ES_tradnl" dirty="0" err="1"/>
+              <a:t>cur</a:t>
+            </a:r>
+            <a:r>
+              <a:rPr lang="es-ES_tradnl" dirty="0" err="1">
+                <a:solidFill>
+                  <a:srgbClr val="666666"/>
+                </a:solidFill>
+              </a:rPr>
+              <a:t>.execute</a:t>
+            </a:r>
+            <a:r>
+              <a:rPr lang="es-ES_tradnl" dirty="0">
+                <a:solidFill>
+                  <a:srgbClr val="666666"/>
+                </a:solidFill>
+              </a:rPr>
+              <a:t>(</a:t>
+            </a:r>
+            <a:r>
+              <a:rPr lang="es-ES_tradnl" dirty="0">
+                <a:solidFill>
+                  <a:srgbClr val="BA2121"/>
+                </a:solidFill>
+              </a:rPr>
+              <a:t>'use </a:t>
+            </a:r>
+            <a:r>
+              <a:rPr lang="es-ES_tradnl" dirty="0" err="1">
+                <a:solidFill>
+                  <a:srgbClr val="BA2121"/>
+                </a:solidFill>
+              </a:rPr>
+              <a:t>AARdb</a:t>
+            </a:r>
+            <a:r>
+              <a:rPr lang="es-ES_tradnl" dirty="0">
+                <a:solidFill>
+                  <a:srgbClr val="BA2121"/>
+                </a:solidFill>
+              </a:rPr>
+              <a:t>')</a:t>
+            </a:r>
+          </a:p>
+          <a:p>
+            <a:r>
+              <a:rPr lang="es-ES_tradnl" dirty="0"/>
+              <a:t>    </a:t>
+            </a:r>
+            <a:r>
+              <a:rPr lang="es-ES_tradnl" dirty="0" err="1"/>
+              <a:t>cur</a:t>
+            </a:r>
+            <a:r>
+              <a:rPr lang="es-ES_tradnl" dirty="0" err="1">
+                <a:solidFill>
+                  <a:srgbClr val="666666"/>
+                </a:solidFill>
+              </a:rPr>
+              <a:t>.execute</a:t>
+            </a:r>
+            <a:r>
+              <a:rPr lang="es-ES_tradnl" dirty="0">
+                <a:solidFill>
+                  <a:srgbClr val="666666"/>
+                </a:solidFill>
+              </a:rPr>
+              <a:t>(</a:t>
+            </a:r>
+            <a:r>
+              <a:rPr lang="es-ES_tradnl" dirty="0">
+                <a:solidFill>
+                  <a:srgbClr val="BA2121"/>
+                </a:solidFill>
+              </a:rPr>
+              <a:t>"CREATE USER '</a:t>
+            </a:r>
+            <a:r>
+              <a:rPr lang="es-ES_tradnl" dirty="0" err="1">
+                <a:solidFill>
+                  <a:srgbClr val="BA2121"/>
+                </a:solidFill>
+              </a:rPr>
+              <a:t>aarapp</a:t>
+            </a:r>
+            <a:r>
+              <a:rPr lang="es-ES_tradnl" dirty="0">
+                <a:solidFill>
+                  <a:srgbClr val="BA2121"/>
+                </a:solidFill>
+              </a:rPr>
+              <a:t>'@'</a:t>
+            </a:r>
+            <a:r>
+              <a:rPr lang="es-ES_tradnl" dirty="0" err="1">
+                <a:solidFill>
+                  <a:srgbClr val="BA2121"/>
+                </a:solidFill>
+              </a:rPr>
+              <a:t>localhost</a:t>
+            </a:r>
+            <a:r>
+              <a:rPr lang="es-ES_tradnl" dirty="0">
+                <a:solidFill>
+                  <a:srgbClr val="BA2121"/>
+                </a:solidFill>
+              </a:rPr>
+              <a:t>' IDENTIFIED BY </a:t>
+            </a:r>
+            <a:r>
+              <a:rPr lang="es-ES_tradnl" b="1" dirty="0">
+                <a:solidFill>
+                  <a:srgbClr val="BB6688"/>
+                </a:solidFill>
+              </a:rPr>
+              <a:t>%s</a:t>
+            </a:r>
+            <a:r>
+              <a:rPr lang="es-ES_tradnl" b="1" dirty="0">
+                <a:solidFill>
+                  <a:srgbClr val="BA2121"/>
+                </a:solidFill>
+              </a:rPr>
+              <a:t>", (</a:t>
+            </a:r>
+            <a:r>
+              <a:rPr lang="es-ES_tradnl" b="1" dirty="0" err="1">
+                <a:solidFill>
+                  <a:srgbClr val="BA2121"/>
+                </a:solidFill>
+              </a:rPr>
+              <a:t>appdbpw</a:t>
+            </a:r>
+            <a:r>
+              <a:rPr lang="es-ES_tradnl" b="1" dirty="0">
+                <a:solidFill>
+                  <a:srgbClr val="BA2121"/>
+                </a:solidFill>
+              </a:rPr>
+              <a:t>,))</a:t>
+            </a:r>
+          </a:p>
+          <a:p>
+            <a:r>
+              <a:rPr lang="es-ES_tradnl" dirty="0"/>
+              <a:t>    </a:t>
+            </a:r>
+            <a:r>
+              <a:rPr lang="es-ES_tradnl" dirty="0" err="1"/>
+              <a:t>cur</a:t>
+            </a:r>
+            <a:r>
+              <a:rPr lang="es-ES_tradnl" dirty="0" err="1">
+                <a:solidFill>
+                  <a:srgbClr val="666666"/>
+                </a:solidFill>
+              </a:rPr>
+              <a:t>.execute</a:t>
+            </a:r>
+            <a:r>
+              <a:rPr lang="es-ES_tradnl" dirty="0">
+                <a:solidFill>
+                  <a:srgbClr val="666666"/>
+                </a:solidFill>
+              </a:rPr>
+              <a:t>(</a:t>
+            </a:r>
+            <a:r>
+              <a:rPr lang="es-ES_tradnl" dirty="0">
+                <a:solidFill>
+                  <a:srgbClr val="BA2121"/>
+                </a:solidFill>
+              </a:rPr>
+              <a:t>"GRANT CREATE,INSERT,DELETE,UPDATE,SELECT </a:t>
+            </a:r>
+            <a:r>
+              <a:rPr lang="es-ES_tradnl" dirty="0" err="1">
+                <a:solidFill>
+                  <a:srgbClr val="BA2121"/>
+                </a:solidFill>
+              </a:rPr>
+              <a:t>on</a:t>
+            </a:r>
+            <a:r>
+              <a:rPr lang="es-ES_tradnl" dirty="0">
+                <a:solidFill>
+                  <a:srgbClr val="BA2121"/>
+                </a:solidFill>
+              </a:rPr>
+              <a:t> </a:t>
+            </a:r>
+            <a:r>
+              <a:rPr lang="es-ES_tradnl" dirty="0" err="1">
+                <a:solidFill>
+                  <a:srgbClr val="BA2121"/>
+                </a:solidFill>
+              </a:rPr>
+              <a:t>AARdb</a:t>
+            </a:r>
+            <a:r>
+              <a:rPr lang="es-ES_tradnl" dirty="0">
+                <a:solidFill>
+                  <a:srgbClr val="BA2121"/>
+                </a:solidFill>
+              </a:rPr>
+              <a:t>.* </a:t>
+            </a:r>
+            <a:r>
+              <a:rPr lang="es-ES_tradnl" dirty="0" err="1">
+                <a:solidFill>
+                  <a:srgbClr val="BA2121"/>
+                </a:solidFill>
+              </a:rPr>
+              <a:t>to</a:t>
+            </a:r>
+            <a:r>
+              <a:rPr lang="es-ES_tradnl" dirty="0">
+                <a:solidFill>
+                  <a:srgbClr val="BA2121"/>
+                </a:solidFill>
+              </a:rPr>
+              <a:t> </a:t>
+            </a:r>
+            <a:r>
+              <a:rPr lang="es-ES_tradnl" dirty="0" err="1">
+                <a:solidFill>
+                  <a:srgbClr val="BA2121"/>
+                </a:solidFill>
+              </a:rPr>
+              <a:t>aarapp@localhost</a:t>
+            </a:r>
+            <a:r>
+              <a:rPr lang="es-ES_tradnl" dirty="0">
+                <a:solidFill>
+                  <a:srgbClr val="BA2121"/>
+                </a:solidFill>
+              </a:rPr>
+              <a:t>")</a:t>
+            </a:r>
+          </a:p>
+          <a:p>
+            <a:r>
+              <a:rPr lang="en-US" dirty="0"/>
+              <a:t>    </a:t>
+            </a:r>
+            <a:r>
+              <a:rPr lang="en-US" dirty="0" err="1"/>
+              <a:t>cur</a:t>
+            </a:r>
+            <a:r>
+              <a:rPr lang="en-US" dirty="0" err="1">
+                <a:solidFill>
+                  <a:srgbClr val="666666"/>
+                </a:solidFill>
+              </a:rPr>
+              <a:t>.close</a:t>
+            </a:r>
+            <a:r>
+              <a:rPr lang="en-US" dirty="0">
+                <a:solidFill>
+                  <a:srgbClr val="666666"/>
+                </a:solidFill>
+              </a:rPr>
+              <a:t>()</a:t>
+            </a:r>
+          </a:p>
+          <a:p>
+            <a:r>
+              <a:rPr lang="en-US" dirty="0"/>
+              <a:t>    </a:t>
+            </a:r>
+            <a:r>
+              <a:rPr lang="en-US" dirty="0" err="1"/>
+              <a:t>db</a:t>
+            </a:r>
+            <a:r>
+              <a:rPr lang="en-US" dirty="0" err="1">
+                <a:solidFill>
+                  <a:srgbClr val="666666"/>
+                </a:solidFill>
+              </a:rPr>
+              <a:t>.close</a:t>
+            </a:r>
+            <a:r>
+              <a:rPr lang="en-US" dirty="0">
+                <a:solidFill>
+                  <a:srgbClr val="666666"/>
+                </a:solidFill>
+              </a:rPr>
+              <a:t>()</a:t>
+            </a:r>
+          </a:p>
+          <a:p>
+            <a:endParaRPr lang="en-US" dirty="0"/>
+          </a:p>
+        </p:txBody>
+      </p:sp>
+      <p:sp>
+        <p:nvSpPr>
+          <p:cNvPr id="4" name="Content Placeholder 3"/>
+          <p:cNvSpPr>
+            <a:spLocks noGrp="1"/>
+          </p:cNvSpPr>
+          <p:nvPr>
+            <p:ph sz="quarter" idx="11"/>
+          </p:nvPr>
+        </p:nvSpPr>
+        <p:spPr/>
+        <p:txBody>
           <a:bodyPr/>
           <a:lstStyle/>
           <a:p>
             <a:r>
-              <a:rPr lang="en-US" i="1" dirty="0">
-                <a:solidFill>
-                  <a:srgbClr val="408080"/>
-                </a:solidFill>
-              </a:rPr>
-              <a:t># 1. </a:t>
-            </a:r>
-            <a:r>
-              <a:rPr lang="en-US" i="1" dirty="0" err="1">
-                <a:solidFill>
-                  <a:srgbClr val="408080"/>
-                </a:solidFill>
-              </a:rPr>
-              <a:t>wget</a:t>
-            </a:r>
-            <a:r>
-              <a:rPr lang="en-US" i="1" dirty="0">
-                <a:solidFill>
-                  <a:srgbClr val="408080"/>
-                </a:solidFill>
-              </a:rPr>
-              <a:t> https://</a:t>
-            </a:r>
-            <a:r>
-              <a:rPr lang="en-US" i="1" dirty="0" err="1">
-                <a:solidFill>
-                  <a:srgbClr val="408080"/>
-                </a:solidFill>
-              </a:rPr>
-              <a:t>github.com</a:t>
-            </a:r>
-            <a:r>
-              <a:rPr lang="en-US" i="1" dirty="0">
-                <a:solidFill>
-                  <a:srgbClr val="408080"/>
-                </a:solidFill>
-              </a:rPr>
-              <a:t>/</a:t>
-            </a:r>
-            <a:r>
-              <a:rPr lang="en-US" i="1" dirty="0" err="1">
-                <a:solidFill>
-                  <a:srgbClr val="408080"/>
-                </a:solidFill>
-              </a:rPr>
-              <a:t>colincam</a:t>
-            </a:r>
-            <a:r>
-              <a:rPr lang="en-US" i="1" dirty="0">
-                <a:solidFill>
-                  <a:srgbClr val="408080"/>
-                </a:solidFill>
-              </a:rPr>
-              <a:t>/Awesome-Appliance-Repair/archive/</a:t>
-            </a:r>
-            <a:r>
-              <a:rPr lang="en-US" i="1" dirty="0" err="1">
-                <a:solidFill>
-                  <a:srgbClr val="408080"/>
-                </a:solidFill>
-              </a:rPr>
-              <a:t>master.zip</a:t>
-            </a:r>
-            <a:endParaRPr lang="en-US" i="1" dirty="0">
-              <a:solidFill>
-                <a:srgbClr val="408080"/>
-              </a:solidFill>
-            </a:endParaRPr>
-          </a:p>
-          <a:p>
-            <a:r>
-              <a:rPr lang="en-US" i="1" dirty="0">
-                <a:solidFill>
-                  <a:srgbClr val="408080"/>
-                </a:solidFill>
-              </a:rPr>
-              <a:t># 2. unzip </a:t>
-            </a:r>
-            <a:r>
-              <a:rPr lang="en-US" i="1" dirty="0" err="1">
-                <a:solidFill>
-                  <a:srgbClr val="408080"/>
-                </a:solidFill>
-              </a:rPr>
-              <a:t>master.zip</a:t>
-            </a:r>
-            <a:endParaRPr lang="en-US" i="1" dirty="0">
-              <a:solidFill>
-                <a:srgbClr val="408080"/>
-              </a:solidFill>
-            </a:endParaRPr>
-          </a:p>
-          <a:p>
-            <a:r>
-              <a:rPr lang="en-US" i="1" dirty="0">
-                <a:solidFill>
-                  <a:srgbClr val="408080"/>
-                </a:solidFill>
-              </a:rPr>
-              <a:t># 3. cd into Awesome-Appliance-Repair</a:t>
-            </a:r>
-          </a:p>
-          <a:p>
-            <a:r>
-              <a:rPr lang="en-US" i="1" dirty="0">
-                <a:solidFill>
-                  <a:srgbClr val="408080"/>
-                </a:solidFill>
-              </a:rPr>
-              <a:t># 4. </a:t>
-            </a:r>
-            <a:r>
-              <a:rPr lang="en-US" i="1" dirty="0" err="1">
-                <a:solidFill>
-                  <a:srgbClr val="408080"/>
-                </a:solidFill>
-              </a:rPr>
-              <a:t>sudo</a:t>
-            </a:r>
-            <a:r>
-              <a:rPr lang="en-US" i="1" dirty="0">
-                <a:solidFill>
-                  <a:srgbClr val="408080"/>
-                </a:solidFill>
-              </a:rPr>
-              <a:t> mv AAR to /</a:t>
-            </a:r>
-            <a:r>
-              <a:rPr lang="en-US" i="1" dirty="0" err="1">
-                <a:solidFill>
-                  <a:srgbClr val="408080"/>
-                </a:solidFill>
-              </a:rPr>
-              <a:t>var</a:t>
-            </a:r>
-            <a:r>
-              <a:rPr lang="en-US" i="1" dirty="0">
-                <a:solidFill>
-                  <a:srgbClr val="408080"/>
-                </a:solidFill>
-              </a:rPr>
-              <a:t>/www/</a:t>
-            </a:r>
-          </a:p>
-          <a:p>
-            <a:endParaRPr lang="en-US" dirty="0"/>
-          </a:p>
-        </p:txBody>
-      </p:sp>
-      <p:sp>
-        <p:nvSpPr>
-          <p:cNvPr id="4" name="Content Placeholder 3"/>
-          <p:cNvSpPr>
-            <a:spLocks noGrp="1"/>
-          </p:cNvSpPr>
-          <p:nvPr>
-            <p:ph sz="quarter" idx="11"/>
-          </p:nvPr>
-        </p:nvSpPr>
-        <p:spPr/>
-        <p:txBody>
-          <a:bodyPr/>
-          <a:lstStyle/>
-          <a:p>
-            <a:r>
-              <a:rPr lang="en-US" dirty="0" smtClean="0"/>
-              <a:t>Do you need to download every time the chef-client runs?</a:t>
-            </a:r>
-          </a:p>
-          <a:p>
-            <a:r>
-              <a:rPr lang="en-US" dirty="0" smtClean="0"/>
-              <a:t>What are the pros and cons of doing so?</a:t>
+              <a:rPr lang="en-US" dirty="0" smtClean="0"/>
+              <a:t>Should you do this every time the chef-client runs?</a:t>
+            </a:r>
+          </a:p>
+          <a:p>
+            <a:r>
+              <a:rPr lang="en-US" dirty="0" smtClean="0"/>
+              <a:t>How would you prevent that from happening?</a:t>
             </a:r>
             <a:endParaRPr lang="en-US" dirty="0"/>
           </a:p>
@@ -20363,7 +20805,7 @@
     </p:spTree>
     <p:extLst>
       <p:ext uri="{BB962C8B-B14F-4D97-AF65-F5344CB8AC3E}">
-        <p14:creationId xmlns:p14="http://schemas.microsoft.com/office/powerpoint/2010/main" val="1819554793"/>
+        <p14:creationId xmlns:p14="http://schemas.microsoft.com/office/powerpoint/2010/main" val="2194459015"/>
       </p:ext>
     </p:extLst>
   </p:cSld>
@@ -20498,7 +20940,7 @@
     </p:spTree>
     <p:extLst>
       <p:ext uri="{BB962C8B-B14F-4D97-AF65-F5344CB8AC3E}">
-        <p14:creationId xmlns:p14="http://schemas.microsoft.com/office/powerpoint/2010/main" val="776143540"/>
+        <p14:creationId xmlns:p14="http://schemas.microsoft.com/office/powerpoint/2010/main" val="3284835641"/>
       </p:ext>
     </p:extLst>
   </p:cSld>
@@ -20681,7 +21123,7 @@
     </p:spTree>
     <p:extLst>
       <p:ext uri="{BB962C8B-B14F-4D97-AF65-F5344CB8AC3E}">
-        <p14:creationId xmlns:p14="http://schemas.microsoft.com/office/powerpoint/2010/main" val="1089945037"/>
+        <p14:creationId xmlns:p14="http://schemas.microsoft.com/office/powerpoint/2010/main" val="3816228750"/>
       </p:ext>
     </p:extLst>
   </p:cSld>
@@ -20744,7 +21186,7 @@
           <a:p>
             <a:r>
               <a:rPr lang="en-US" dirty="0" smtClean="0"/>
-              <a:t>Hints</a:t>
+              <a:t>Next steps</a:t>
             </a:r>
             <a:endParaRPr lang="en-US" dirty="0"/>
           </a:p>
@@ -20752,712 +21194,80 @@
       </p:sp>
       <p:sp>
         <p:nvSpPr>
-          <p:cNvPr id="3" name="Content Placeholder 2"/>
-          <p:cNvSpPr>
-            <a:spLocks noGrp="1"/>
-          </p:cNvSpPr>
-          <p:nvPr>
-            <p:ph sz="quarter" idx="10"/>
+          <p:cNvPr id="3" name="Text Placeholder 2"/>
+          <p:cNvSpPr>
+            <a:spLocks noGrp="1"/>
+          </p:cNvSpPr>
+          <p:nvPr>
+            <p:ph type="body" sz="quarter" idx="10"/>
           </p:nvPr>
         </p:nvSpPr>
         <p:spPr/>
         <p:txBody>
           <a:bodyPr>
-            <a:normAutofit fontScale="25000" lnSpcReduction="20000"/>
+            <a:normAutofit fontScale="92500" lnSpcReduction="20000"/>
           </a:bodyPr>
           <a:lstStyle/>
           <a:p>
             <a:r>
-              <a:rPr lang="en-US" i="1" dirty="0">
-                <a:solidFill>
-                  <a:srgbClr val="408080"/>
-                </a:solidFill>
-              </a:rPr>
-              <a:t># Create DB, user, and permissions</a:t>
-            </a:r>
-          </a:p>
-          <a:p>
-            <a:r>
-              <a:rPr lang="en-US" dirty="0"/>
-              <a:t>    </a:t>
-            </a:r>
-            <a:r>
-              <a:rPr lang="en-US" b="1" dirty="0">
-                <a:solidFill>
-                  <a:srgbClr val="008000"/>
-                </a:solidFill>
-              </a:rPr>
-              <a:t>import </a:t>
-            </a:r>
-            <a:r>
-              <a:rPr lang="en-US" b="1" dirty="0" err="1">
-                <a:solidFill>
-                  <a:srgbClr val="0000FF"/>
-                </a:solidFill>
-              </a:rPr>
-              <a:t>MySQLdb</a:t>
-            </a:r>
-            <a:endParaRPr lang="en-US" b="1" dirty="0">
-              <a:solidFill>
-                <a:srgbClr val="0000FF"/>
-              </a:solidFill>
-            </a:endParaRPr>
-          </a:p>
-          <a:p>
-            <a:r>
-              <a:rPr lang="en-US" dirty="0"/>
-              <a:t>    </a:t>
-            </a:r>
-            <a:r>
-              <a:rPr lang="en-US" dirty="0" err="1"/>
-              <a:t>db</a:t>
-            </a:r>
-            <a:r>
-              <a:rPr lang="en-US" dirty="0"/>
-              <a:t> </a:t>
-            </a:r>
-            <a:r>
-              <a:rPr lang="en-US" dirty="0">
-                <a:solidFill>
-                  <a:srgbClr val="666666"/>
-                </a:solidFill>
-              </a:rPr>
-              <a:t>= </a:t>
-            </a:r>
-            <a:r>
-              <a:rPr lang="en-US" dirty="0" err="1">
-                <a:solidFill>
-                  <a:srgbClr val="666666"/>
-                </a:solidFill>
-              </a:rPr>
-              <a:t>MySQLdb.connect</a:t>
-            </a:r>
-            <a:r>
-              <a:rPr lang="en-US" dirty="0">
-                <a:solidFill>
-                  <a:srgbClr val="666666"/>
-                </a:solidFill>
-              </a:rPr>
-              <a:t>(host=</a:t>
-            </a:r>
-            <a:r>
-              <a:rPr lang="en-US" dirty="0">
-                <a:solidFill>
-                  <a:srgbClr val="BA2121"/>
-                </a:solidFill>
-              </a:rPr>
-              <a:t>'</a:t>
-            </a:r>
-            <a:r>
-              <a:rPr lang="en-US" dirty="0" err="1">
-                <a:solidFill>
-                  <a:srgbClr val="BA2121"/>
-                </a:solidFill>
-              </a:rPr>
-              <a:t>localhost</a:t>
-            </a:r>
-            <a:r>
-              <a:rPr lang="en-US" dirty="0">
-                <a:solidFill>
-                  <a:srgbClr val="BA2121"/>
-                </a:solidFill>
-              </a:rPr>
-              <a:t>', user</a:t>
-            </a:r>
-            <a:r>
-              <a:rPr lang="en-US" dirty="0">
-                <a:solidFill>
-                  <a:srgbClr val="666666"/>
-                </a:solidFill>
-              </a:rPr>
-              <a:t>=</a:t>
-            </a:r>
-            <a:r>
-              <a:rPr lang="en-US" dirty="0">
-                <a:solidFill>
-                  <a:srgbClr val="BA2121"/>
-                </a:solidFill>
-              </a:rPr>
-              <a:t>'root', </a:t>
-            </a:r>
-            <a:r>
-              <a:rPr lang="en-US" dirty="0" err="1">
-                <a:solidFill>
-                  <a:srgbClr val="BA2121"/>
-                </a:solidFill>
-              </a:rPr>
-              <a:t>passwd</a:t>
-            </a:r>
-            <a:r>
-              <a:rPr lang="en-US" dirty="0">
-                <a:solidFill>
-                  <a:srgbClr val="666666"/>
-                </a:solidFill>
-              </a:rPr>
-              <a:t>=</a:t>
-            </a:r>
-            <a:r>
-              <a:rPr lang="en-US" dirty="0" err="1">
-                <a:solidFill>
-                  <a:srgbClr val="666666"/>
-                </a:solidFill>
-              </a:rPr>
-              <a:t>root_dbpswd</a:t>
-            </a:r>
-            <a:r>
-              <a:rPr lang="en-US" dirty="0">
-                <a:solidFill>
-                  <a:srgbClr val="666666"/>
-                </a:solidFill>
-              </a:rPr>
-              <a:t>)</a:t>
-            </a:r>
-          </a:p>
-          <a:p>
-            <a:r>
-              <a:rPr lang="en-US" dirty="0"/>
-              <a:t>    </a:t>
-            </a:r>
-            <a:r>
-              <a:rPr lang="en-US" dirty="0" err="1"/>
-              <a:t>sql_script</a:t>
-            </a:r>
-            <a:r>
-              <a:rPr lang="en-US" dirty="0"/>
-              <a:t> </a:t>
-            </a:r>
-            <a:r>
-              <a:rPr lang="en-US" dirty="0">
-                <a:solidFill>
-                  <a:srgbClr val="666666"/>
-                </a:solidFill>
-              </a:rPr>
-              <a:t>= </a:t>
-            </a:r>
-            <a:r>
-              <a:rPr lang="en-US" dirty="0">
-                <a:solidFill>
-                  <a:srgbClr val="008000"/>
-                </a:solidFill>
-              </a:rPr>
-              <a:t>open(</a:t>
-            </a:r>
-            <a:r>
-              <a:rPr lang="en-US" dirty="0">
-                <a:solidFill>
-                  <a:srgbClr val="BA2121"/>
-                </a:solidFill>
-              </a:rPr>
-              <a:t>'</a:t>
-            </a:r>
-            <a:r>
-              <a:rPr lang="en-US" dirty="0" err="1">
-                <a:solidFill>
-                  <a:srgbClr val="BA2121"/>
-                </a:solidFill>
-              </a:rPr>
-              <a:t>make_AARdb.sql</a:t>
-            </a:r>
-            <a:r>
-              <a:rPr lang="en-US" dirty="0">
-                <a:solidFill>
-                  <a:srgbClr val="BA2121"/>
-                </a:solidFill>
-              </a:rPr>
-              <a:t>', 'r')</a:t>
-            </a:r>
-            <a:r>
-              <a:rPr lang="en-US" dirty="0">
-                <a:solidFill>
-                  <a:srgbClr val="666666"/>
-                </a:solidFill>
-              </a:rPr>
-              <a:t>.read()</a:t>
-            </a:r>
-          </a:p>
-          <a:p>
-            <a:r>
-              <a:rPr lang="en-US" dirty="0"/>
-              <a:t>    </a:t>
-            </a:r>
-          </a:p>
-          <a:p>
-            <a:r>
-              <a:rPr lang="es-ES_tradnl" dirty="0"/>
-              <a:t>    </a:t>
-            </a:r>
-            <a:r>
-              <a:rPr lang="es-ES_tradnl" dirty="0" err="1"/>
-              <a:t>cur</a:t>
-            </a:r>
-            <a:r>
-              <a:rPr lang="es-ES_tradnl" dirty="0"/>
-              <a:t> </a:t>
-            </a:r>
-            <a:r>
-              <a:rPr lang="es-ES_tradnl" dirty="0">
-                <a:solidFill>
-                  <a:srgbClr val="666666"/>
-                </a:solidFill>
-              </a:rPr>
-              <a:t>= </a:t>
-            </a:r>
-            <a:r>
-              <a:rPr lang="es-ES_tradnl" dirty="0" err="1">
-                <a:solidFill>
-                  <a:srgbClr val="666666"/>
-                </a:solidFill>
-              </a:rPr>
-              <a:t>db.cursor</a:t>
-            </a:r>
-            <a:r>
-              <a:rPr lang="es-ES_tradnl" dirty="0">
-                <a:solidFill>
-                  <a:srgbClr val="666666"/>
-                </a:solidFill>
-              </a:rPr>
-              <a:t>()</a:t>
-            </a:r>
-          </a:p>
-          <a:p>
-            <a:r>
-              <a:rPr lang="es-ES_tradnl" dirty="0"/>
-              <a:t>    </a:t>
-            </a:r>
-            <a:r>
-              <a:rPr lang="es-ES_tradnl" dirty="0" err="1"/>
-              <a:t>cur</a:t>
-            </a:r>
-            <a:r>
-              <a:rPr lang="es-ES_tradnl" dirty="0" err="1">
-                <a:solidFill>
-                  <a:srgbClr val="666666"/>
-                </a:solidFill>
-              </a:rPr>
-              <a:t>.execute</a:t>
-            </a:r>
-            <a:r>
-              <a:rPr lang="es-ES_tradnl" dirty="0">
-                <a:solidFill>
-                  <a:srgbClr val="666666"/>
-                </a:solidFill>
-              </a:rPr>
-              <a:t>(</a:t>
-            </a:r>
-            <a:r>
-              <a:rPr lang="es-ES_tradnl" dirty="0" err="1">
-                <a:solidFill>
-                  <a:srgbClr val="666666"/>
-                </a:solidFill>
-              </a:rPr>
-              <a:t>sql_script</a:t>
-            </a:r>
-            <a:r>
-              <a:rPr lang="es-ES_tradnl" dirty="0">
-                <a:solidFill>
-                  <a:srgbClr val="666666"/>
-                </a:solidFill>
-              </a:rPr>
-              <a:t>)</a:t>
-            </a:r>
-          </a:p>
-          <a:p>
-            <a:r>
-              <a:rPr lang="en-US" dirty="0"/>
-              <a:t>    </a:t>
-            </a:r>
-            <a:r>
-              <a:rPr lang="en-US" dirty="0" err="1"/>
-              <a:t>cur</a:t>
-            </a:r>
-            <a:r>
-              <a:rPr lang="en-US" dirty="0" err="1">
-                <a:solidFill>
-                  <a:srgbClr val="666666"/>
-                </a:solidFill>
-              </a:rPr>
-              <a:t>.close</a:t>
-            </a:r>
-            <a:r>
-              <a:rPr lang="en-US" dirty="0">
-                <a:solidFill>
-                  <a:srgbClr val="666666"/>
-                </a:solidFill>
-              </a:rPr>
-              <a:t>()</a:t>
-            </a:r>
-          </a:p>
-          <a:p>
-            <a:r>
-              <a:rPr lang="en-US" dirty="0"/>
-              <a:t>        </a:t>
-            </a:r>
-          </a:p>
-          <a:p>
-            <a:r>
-              <a:rPr lang="es-ES_tradnl" dirty="0"/>
-              <a:t>    </a:t>
-            </a:r>
-            <a:r>
-              <a:rPr lang="es-ES_tradnl" dirty="0" err="1"/>
-              <a:t>cur</a:t>
-            </a:r>
-            <a:r>
-              <a:rPr lang="es-ES_tradnl" dirty="0"/>
-              <a:t> </a:t>
-            </a:r>
-            <a:r>
-              <a:rPr lang="es-ES_tradnl" dirty="0">
-                <a:solidFill>
-                  <a:srgbClr val="666666"/>
-                </a:solidFill>
-              </a:rPr>
-              <a:t>= </a:t>
-            </a:r>
-            <a:r>
-              <a:rPr lang="es-ES_tradnl" dirty="0" err="1">
-                <a:solidFill>
-                  <a:srgbClr val="666666"/>
-                </a:solidFill>
-              </a:rPr>
-              <a:t>db.cursor</a:t>
-            </a:r>
-            <a:r>
-              <a:rPr lang="es-ES_tradnl" dirty="0">
-                <a:solidFill>
-                  <a:srgbClr val="666666"/>
-                </a:solidFill>
-              </a:rPr>
-              <a:t>()</a:t>
-            </a:r>
-          </a:p>
-          <a:p>
-            <a:r>
-              <a:rPr lang="es-ES_tradnl" dirty="0"/>
-              <a:t>    </a:t>
-            </a:r>
-            <a:r>
-              <a:rPr lang="es-ES_tradnl" dirty="0" err="1"/>
-              <a:t>cur</a:t>
-            </a:r>
-            <a:r>
-              <a:rPr lang="es-ES_tradnl" dirty="0" err="1">
-                <a:solidFill>
-                  <a:srgbClr val="666666"/>
-                </a:solidFill>
-              </a:rPr>
-              <a:t>.execute</a:t>
-            </a:r>
-            <a:r>
-              <a:rPr lang="es-ES_tradnl" dirty="0">
-                <a:solidFill>
-                  <a:srgbClr val="666666"/>
-                </a:solidFill>
-              </a:rPr>
-              <a:t>(</a:t>
-            </a:r>
-            <a:r>
-              <a:rPr lang="es-ES_tradnl" dirty="0">
-                <a:solidFill>
-                  <a:srgbClr val="BA2121"/>
-                </a:solidFill>
-              </a:rPr>
-              <a:t>'use </a:t>
-            </a:r>
-            <a:r>
-              <a:rPr lang="es-ES_tradnl" dirty="0" err="1">
-                <a:solidFill>
-                  <a:srgbClr val="BA2121"/>
-                </a:solidFill>
-              </a:rPr>
-              <a:t>AARdb</a:t>
-            </a:r>
-            <a:r>
-              <a:rPr lang="es-ES_tradnl" dirty="0">
-                <a:solidFill>
-                  <a:srgbClr val="BA2121"/>
-                </a:solidFill>
-              </a:rPr>
-              <a:t>')</a:t>
-            </a:r>
-          </a:p>
-          <a:p>
-            <a:r>
-              <a:rPr lang="es-ES_tradnl" dirty="0"/>
-              <a:t>    </a:t>
-            </a:r>
-            <a:r>
-              <a:rPr lang="es-ES_tradnl" dirty="0" err="1"/>
-              <a:t>cur</a:t>
-            </a:r>
-            <a:r>
-              <a:rPr lang="es-ES_tradnl" dirty="0" err="1">
-                <a:solidFill>
-                  <a:srgbClr val="666666"/>
-                </a:solidFill>
-              </a:rPr>
-              <a:t>.execute</a:t>
-            </a:r>
-            <a:r>
-              <a:rPr lang="es-ES_tradnl" dirty="0">
-                <a:solidFill>
-                  <a:srgbClr val="666666"/>
-                </a:solidFill>
-              </a:rPr>
-              <a:t>(</a:t>
-            </a:r>
-            <a:r>
-              <a:rPr lang="es-ES_tradnl" dirty="0">
-                <a:solidFill>
-                  <a:srgbClr val="BA2121"/>
-                </a:solidFill>
-              </a:rPr>
-              <a:t>"CREATE USER '</a:t>
-            </a:r>
-            <a:r>
-              <a:rPr lang="es-ES_tradnl" dirty="0" err="1">
-                <a:solidFill>
-                  <a:srgbClr val="BA2121"/>
-                </a:solidFill>
-              </a:rPr>
-              <a:t>aarapp</a:t>
-            </a:r>
-            <a:r>
-              <a:rPr lang="es-ES_tradnl" dirty="0">
-                <a:solidFill>
-                  <a:srgbClr val="BA2121"/>
-                </a:solidFill>
-              </a:rPr>
-              <a:t>'@'</a:t>
-            </a:r>
-            <a:r>
-              <a:rPr lang="es-ES_tradnl" dirty="0" err="1">
-                <a:solidFill>
-                  <a:srgbClr val="BA2121"/>
-                </a:solidFill>
-              </a:rPr>
-              <a:t>localhost</a:t>
-            </a:r>
-            <a:r>
-              <a:rPr lang="es-ES_tradnl" dirty="0">
-                <a:solidFill>
-                  <a:srgbClr val="BA2121"/>
-                </a:solidFill>
-              </a:rPr>
-              <a:t>' IDENTIFIED BY </a:t>
-            </a:r>
-            <a:r>
-              <a:rPr lang="es-ES_tradnl" b="1" dirty="0">
-                <a:solidFill>
-                  <a:srgbClr val="BB6688"/>
-                </a:solidFill>
-              </a:rPr>
-              <a:t>%s</a:t>
-            </a:r>
-            <a:r>
-              <a:rPr lang="es-ES_tradnl" b="1" dirty="0">
-                <a:solidFill>
-                  <a:srgbClr val="BA2121"/>
-                </a:solidFill>
-              </a:rPr>
-              <a:t>", (</a:t>
-            </a:r>
-            <a:r>
-              <a:rPr lang="es-ES_tradnl" b="1" dirty="0" err="1">
-                <a:solidFill>
-                  <a:srgbClr val="BA2121"/>
-                </a:solidFill>
-              </a:rPr>
-              <a:t>appdbpw</a:t>
-            </a:r>
-            <a:r>
-              <a:rPr lang="es-ES_tradnl" b="1" dirty="0">
-                <a:solidFill>
-                  <a:srgbClr val="BA2121"/>
-                </a:solidFill>
-              </a:rPr>
-              <a:t>,))</a:t>
-            </a:r>
-          </a:p>
-          <a:p>
-            <a:r>
-              <a:rPr lang="es-ES_tradnl" dirty="0"/>
-              <a:t>    </a:t>
-            </a:r>
-            <a:r>
-              <a:rPr lang="es-ES_tradnl" dirty="0" err="1"/>
-              <a:t>cur</a:t>
-            </a:r>
-            <a:r>
-              <a:rPr lang="es-ES_tradnl" dirty="0" err="1">
-                <a:solidFill>
-                  <a:srgbClr val="666666"/>
-                </a:solidFill>
-              </a:rPr>
-              <a:t>.execute</a:t>
-            </a:r>
-            <a:r>
-              <a:rPr lang="es-ES_tradnl" dirty="0">
-                <a:solidFill>
-                  <a:srgbClr val="666666"/>
-                </a:solidFill>
-              </a:rPr>
-              <a:t>(</a:t>
-            </a:r>
-            <a:r>
-              <a:rPr lang="es-ES_tradnl" dirty="0">
-                <a:solidFill>
-                  <a:srgbClr val="BA2121"/>
-                </a:solidFill>
-              </a:rPr>
-              <a:t>"GRANT CREATE,INSERT,DELETE,UPDATE,SELECT </a:t>
-            </a:r>
-            <a:r>
-              <a:rPr lang="es-ES_tradnl" dirty="0" err="1">
-                <a:solidFill>
-                  <a:srgbClr val="BA2121"/>
-                </a:solidFill>
-              </a:rPr>
-              <a:t>on</a:t>
-            </a:r>
-            <a:r>
-              <a:rPr lang="es-ES_tradnl" dirty="0">
-                <a:solidFill>
-                  <a:srgbClr val="BA2121"/>
-                </a:solidFill>
-              </a:rPr>
-              <a:t> </a:t>
-            </a:r>
-            <a:r>
-              <a:rPr lang="es-ES_tradnl" dirty="0" err="1">
-                <a:solidFill>
-                  <a:srgbClr val="BA2121"/>
-                </a:solidFill>
-              </a:rPr>
-              <a:t>AARdb</a:t>
-            </a:r>
-            <a:r>
-              <a:rPr lang="es-ES_tradnl" dirty="0">
-                <a:solidFill>
-                  <a:srgbClr val="BA2121"/>
-                </a:solidFill>
-              </a:rPr>
-              <a:t>.* </a:t>
-            </a:r>
-            <a:r>
-              <a:rPr lang="es-ES_tradnl" dirty="0" err="1">
-                <a:solidFill>
-                  <a:srgbClr val="BA2121"/>
-                </a:solidFill>
-              </a:rPr>
-              <a:t>to</a:t>
-            </a:r>
-            <a:r>
-              <a:rPr lang="es-ES_tradnl" dirty="0">
-                <a:solidFill>
-                  <a:srgbClr val="BA2121"/>
-                </a:solidFill>
-              </a:rPr>
-              <a:t> </a:t>
-            </a:r>
-            <a:r>
-              <a:rPr lang="es-ES_tradnl" dirty="0" err="1">
-                <a:solidFill>
-                  <a:srgbClr val="BA2121"/>
-                </a:solidFill>
-              </a:rPr>
-              <a:t>aarapp@localhost</a:t>
-            </a:r>
-            <a:r>
-              <a:rPr lang="es-ES_tradnl" dirty="0">
-                <a:solidFill>
-                  <a:srgbClr val="BA2121"/>
-                </a:solidFill>
-              </a:rPr>
-              <a:t>")</a:t>
-            </a:r>
-          </a:p>
-          <a:p>
-            <a:r>
-              <a:rPr lang="en-US" dirty="0"/>
-              <a:t>    </a:t>
-            </a:r>
-            <a:r>
-              <a:rPr lang="en-US" dirty="0" err="1"/>
-              <a:t>cur</a:t>
-            </a:r>
-            <a:r>
-              <a:rPr lang="en-US" dirty="0" err="1">
-                <a:solidFill>
-                  <a:srgbClr val="666666"/>
-                </a:solidFill>
-              </a:rPr>
-              <a:t>.close</a:t>
-            </a:r>
-            <a:r>
-              <a:rPr lang="en-US" dirty="0">
-                <a:solidFill>
-                  <a:srgbClr val="666666"/>
-                </a:solidFill>
-              </a:rPr>
-              <a:t>()</a:t>
-            </a:r>
-          </a:p>
-          <a:p>
-            <a:r>
-              <a:rPr lang="en-US" dirty="0"/>
-              <a:t>    </a:t>
-            </a:r>
-            <a:r>
-              <a:rPr lang="en-US" dirty="0" err="1"/>
-              <a:t>db</a:t>
-            </a:r>
-            <a:r>
-              <a:rPr lang="en-US" dirty="0" err="1">
-                <a:solidFill>
-                  <a:srgbClr val="666666"/>
-                </a:solidFill>
-              </a:rPr>
-              <a:t>.close</a:t>
-            </a:r>
-            <a:r>
-              <a:rPr lang="en-US" dirty="0">
-                <a:solidFill>
-                  <a:srgbClr val="666666"/>
-                </a:solidFill>
-              </a:rPr>
-              <a:t>()</a:t>
-            </a:r>
-          </a:p>
-          <a:p>
-            <a:endParaRPr lang="en-US" dirty="0"/>
-          </a:p>
-        </p:txBody>
-      </p:sp>
-      <p:sp>
-        <p:nvSpPr>
-          <p:cNvPr id="4" name="Content Placeholder 3"/>
-          <p:cNvSpPr>
-            <a:spLocks noGrp="1"/>
-          </p:cNvSpPr>
-          <p:nvPr>
-            <p:ph sz="quarter" idx="11"/>
-          </p:nvPr>
-        </p:nvSpPr>
-        <p:spPr/>
-        <p:txBody>
-          <a:bodyPr/>
-          <a:lstStyle/>
-          <a:p>
-            <a:r>
-              <a:rPr lang="en-US" dirty="0" smtClean="0"/>
-              <a:t>Should you do this every time the chef-client runs?</a:t>
-            </a:r>
-          </a:p>
-          <a:p>
-            <a:r>
-              <a:rPr lang="en-US" dirty="0" smtClean="0"/>
-              <a:t>How would you prevent that from happening?</a:t>
+              <a:rPr lang="en-US" dirty="0" smtClean="0"/>
+              <a:t>Refactor</a:t>
+            </a:r>
+          </a:p>
+          <a:p>
+            <a:r>
+              <a:rPr lang="en-US" dirty="0" smtClean="0"/>
+              <a:t>Testing</a:t>
+            </a:r>
+          </a:p>
+          <a:p>
+            <a:r>
+              <a:rPr lang="en-US" dirty="0" smtClean="0"/>
+              <a:t>Multi-tier implementation</a:t>
+            </a:r>
+          </a:p>
+          <a:p>
+            <a:r>
+              <a:rPr lang="en-US" dirty="0" smtClean="0"/>
+              <a:t>Community Cookbooks</a:t>
+            </a:r>
+          </a:p>
+          <a:p>
+            <a:r>
+              <a:rPr lang="en-US" dirty="0" smtClean="0"/>
+              <a:t>Multi-OS Support</a:t>
+            </a:r>
+          </a:p>
+          <a:p>
+            <a:r>
+              <a:rPr lang="en-US" dirty="0" smtClean="0"/>
+              <a:t>Cloud deployment</a:t>
+            </a:r>
+          </a:p>
+          <a:p>
+            <a:r>
+              <a:rPr lang="en-US" dirty="0" smtClean="0"/>
+              <a:t>Operationalize</a:t>
+            </a:r>
+          </a:p>
+          <a:p>
+            <a:pPr lvl="1"/>
+            <a:r>
+              <a:rPr lang="en-US" dirty="0" smtClean="0"/>
+              <a:t>Monitoring</a:t>
+            </a:r>
+          </a:p>
+          <a:p>
+            <a:pPr lvl="1"/>
+            <a:r>
+              <a:rPr lang="en-US" dirty="0" smtClean="0"/>
+              <a:t>Central logging</a:t>
+            </a:r>
+          </a:p>
+          <a:p>
+            <a:r>
+              <a:rPr lang="en-US" dirty="0" smtClean="0"/>
+              <a:t>Application deployments</a:t>
             </a:r>
             <a:endParaRPr lang="en-US" dirty="0"/>
           </a:p>
@@ -21466,7 +21276,7 @@
     </p:spTree>
     <p:extLst>
       <p:ext uri="{BB962C8B-B14F-4D97-AF65-F5344CB8AC3E}">
-        <p14:creationId xmlns:p14="http://schemas.microsoft.com/office/powerpoint/2010/main" val="2194459015"/>
+        <p14:creationId xmlns:p14="http://schemas.microsoft.com/office/powerpoint/2010/main" val="1541181296"/>
       </p:ext>
     </p:extLst>
   </p:cSld>
@@ -21601,7 +21411,7 @@
     </p:spTree>
     <p:extLst>
       <p:ext uri="{BB962C8B-B14F-4D97-AF65-F5344CB8AC3E}">
-        <p14:creationId xmlns:p14="http://schemas.microsoft.com/office/powerpoint/2010/main" val="3284835641"/>
+        <p14:creationId xmlns:p14="http://schemas.microsoft.com/office/powerpoint/2010/main" val="3005142962"/>
       </p:ext>
     </p:extLst>
   </p:cSld>
@@ -21784,7 +21594,7 @@
     </p:spTree>
     <p:extLst>
       <p:ext uri="{BB962C8B-B14F-4D97-AF65-F5344CB8AC3E}">
-        <p14:creationId xmlns:p14="http://schemas.microsoft.com/office/powerpoint/2010/main" val="3816228750"/>
+        <p14:creationId xmlns:p14="http://schemas.microsoft.com/office/powerpoint/2010/main" val="2138724818"/>
       </p:ext>
     </p:extLst>
   </p:cSld>
@@ -21847,7 +21657,7 @@
           <a:p>
             <a:r>
               <a:rPr lang="en-US" dirty="0" smtClean="0"/>
-              <a:t>Next steps</a:t>
+              <a:t>Objectives</a:t>
             </a:r>
             <a:endParaRPr lang="en-US" dirty="0"/>
           </a:p>
@@ -21865,79 +21675,47 @@
         </p:nvSpPr>
         <p:spPr/>
         <p:txBody>
-          <a:bodyPr>
-            <a:normAutofit fontScale="92500" lnSpcReduction="20000"/>
-          </a:bodyPr>
+          <a:bodyPr/>
           <a:lstStyle/>
           <a:p>
             <a:r>
-              <a:rPr lang="en-US" dirty="0" smtClean="0"/>
-              <a:t>Refactor</a:t>
-            </a:r>
-          </a:p>
-          <a:p>
-            <a:r>
-              <a:rPr lang="en-US" dirty="0" smtClean="0"/>
-              <a:t>Testing</a:t>
-            </a:r>
-          </a:p>
-          <a:p>
-            <a:r>
-              <a:rPr lang="en-US" dirty="0" smtClean="0"/>
-              <a:t>Multi-tier implementation</a:t>
-            </a:r>
-          </a:p>
-          <a:p>
-            <a:r>
-              <a:rPr lang="en-US" dirty="0" smtClean="0"/>
-              <a:t>Community Cookbooks</a:t>
-            </a:r>
-          </a:p>
-          <a:p>
-            <a:r>
-              <a:rPr lang="en-US" dirty="0" smtClean="0"/>
-              <a:t>Multi-OS Support</a:t>
-            </a:r>
-          </a:p>
-          <a:p>
-            <a:r>
-              <a:rPr lang="en-US" dirty="0" smtClean="0"/>
-              <a:t>Cloud deployment</a:t>
-            </a:r>
-          </a:p>
-          <a:p>
-            <a:r>
-              <a:rPr lang="en-US" dirty="0" smtClean="0"/>
-              <a:t>Operationalize</a:t>
-            </a:r>
-          </a:p>
-          <a:p>
-            <a:pPr lvl="1"/>
-            <a:r>
-              <a:rPr lang="en-US" dirty="0" smtClean="0"/>
-              <a:t>Monitoring</a:t>
-            </a:r>
-          </a:p>
-          <a:p>
-            <a:pPr lvl="1"/>
-            <a:r>
-              <a:rPr lang="en-US" dirty="0" smtClean="0"/>
-              <a:t>Central logging</a:t>
-            </a:r>
-          </a:p>
-          <a:p>
-            <a:r>
-              <a:rPr lang="en-US" dirty="0" smtClean="0"/>
-              <a:t>Application deployments</a:t>
+              <a:rPr lang="en-US" dirty="0"/>
+              <a:t>Build something in Chef with very little guidance</a:t>
+            </a:r>
+          </a:p>
+          <a:p>
+            <a:r>
+              <a:rPr lang="en-US" dirty="0" smtClean="0"/>
+              <a:t>Write custom Chef recipes</a:t>
+            </a:r>
+          </a:p>
+          <a:p>
+            <a:r>
+              <a:rPr lang="en-US" dirty="0"/>
+              <a:t>Use the Chef Documentation to identify and use resources that will help you model the desired state of your </a:t>
+            </a:r>
+            <a:r>
+              <a:rPr lang="en-US" dirty="0" smtClean="0"/>
+              <a:t>infrastructure</a:t>
             </a:r>
             <a:endParaRPr lang="en-US" dirty="0"/>
+          </a:p>
+          <a:p>
+            <a:r>
+              <a:rPr lang="en-US" dirty="0"/>
+              <a:t>Include guards in Chef </a:t>
+            </a:r>
+            <a:r>
+              <a:rPr lang="en-US" dirty="0" smtClean="0"/>
+              <a:t>resources</a:t>
+            </a:r>
           </a:p>
         </p:txBody>
       </p:sp>
     </p:spTree>
     <p:extLst>
       <p:ext uri="{BB962C8B-B14F-4D97-AF65-F5344CB8AC3E}">
-        <p14:creationId xmlns:p14="http://schemas.microsoft.com/office/powerpoint/2010/main" val="1541181296"/>
+        <p14:creationId xmlns:p14="http://schemas.microsoft.com/office/powerpoint/2010/main" val="27556649"/>
       </p:ext>
     </p:extLst>
   </p:cSld>
@@ -22000,45 +21778,20 @@
           <a:p>
             <a:r>
               <a:rPr lang="en-US" dirty="0" smtClean="0"/>
-              <a:t>Time to hack!</a:t>
+              <a:t>Your Objectives</a:t>
             </a:r>
             <a:endParaRPr lang="en-US" dirty="0"/>
           </a:p>
         </p:txBody>
       </p:sp>
-      <p:pic>
-        <p:nvPicPr>
-          <p:cNvPr id="6" name="Picture Placeholder 5" descr="424047087_f685546e79_o.jpg"/>
-          <p:cNvPicPr>
-            <a:picLocks noGrp="1" noChangeAspect="1"/>
-          </p:cNvPicPr>
-          <p:nvPr>
-            <p:ph type="pic" sz="quarter" idx="10"/>
-          </p:nvPr>
-        </p:nvPicPr>
-        <p:blipFill>
-          <a:blip r:embed="rId3">
-            <a:extLst>
-              <a:ext uri="{28A0092B-C50C-407E-A947-70E740481C1C}">
-                <a14:useLocalDpi xmlns:a14="http://schemas.microsoft.com/office/drawing/2010/main" val="0"/>
-              </a:ext>
-            </a:extLst>
-          </a:blip>
-          <a:srcRect t="34402" b="34402"/>
-          <a:stretch>
-            <a:fillRect/>
-          </a:stretch>
-        </p:blipFill>
-        <p:spPr/>
-      </p:pic>
-      <p:sp>
-        <p:nvSpPr>
-          <p:cNvPr id="5" name="Content Placeholder 4"/>
-          <p:cNvSpPr>
-            <a:spLocks noGrp="1"/>
-          </p:cNvSpPr>
-          <p:nvPr>
-            <p:ph sz="quarter" idx="11"/>
+      <p:sp>
+        <p:nvSpPr>
+          <p:cNvPr id="3" name="Text Placeholder 2"/>
+          <p:cNvSpPr>
+            <a:spLocks noGrp="1"/>
+          </p:cNvSpPr>
+          <p:nvPr>
+            <p:ph type="body" sz="quarter" idx="10"/>
           </p:nvPr>
         </p:nvSpPr>
         <p:spPr/>
@@ -22047,32 +21800,30 @@
           <a:lstStyle/>
           <a:p>
             <a:r>
-              <a:rPr lang="en-US" dirty="0"/>
-              <a:t>https://</a:t>
-            </a:r>
-            <a:r>
-              <a:rPr lang="en-US" dirty="0" err="1"/>
-              <a:t>www.flickr.com</a:t>
-            </a:r>
-            <a:r>
-              <a:rPr lang="en-US" dirty="0"/>
-              <a:t>/photos/</a:t>
-            </a:r>
-            <a:r>
-              <a:rPr lang="en-US" dirty="0" err="1"/>
-              <a:t>peterpearson</a:t>
-            </a:r>
-            <a:r>
-              <a:rPr lang="en-US" dirty="0"/>
-              <a:t>/424047087</a:t>
-            </a:r>
+              <a:rPr lang="en-US" dirty="0" smtClean="0"/>
+              <a:t>Review the objectives you set for yourself at the beginning of the workshop.</a:t>
+            </a:r>
+          </a:p>
+          <a:p>
+            <a:r>
+              <a:rPr lang="en-US" dirty="0" smtClean="0"/>
+              <a:t>Have you met them?</a:t>
+            </a:r>
+            <a:endParaRPr lang="en-US" dirty="0"/>
+          </a:p>
+          <a:p>
+            <a:r>
+              <a:rPr lang="en-US" dirty="0" smtClean="0"/>
+              <a:t>Take a few minutes to reflect on what you’ve learned today.</a:t>
+            </a:r>
+            <a:endParaRPr lang="en-US" dirty="0"/>
           </a:p>
         </p:txBody>
       </p:sp>
     </p:spTree>
     <p:extLst>
       <p:ext uri="{BB962C8B-B14F-4D97-AF65-F5344CB8AC3E}">
-        <p14:creationId xmlns:p14="http://schemas.microsoft.com/office/powerpoint/2010/main" val="3005142962"/>
+        <p14:creationId xmlns:p14="http://schemas.microsoft.com/office/powerpoint/2010/main" val="3048288434"/>
       </p:ext>
     </p:extLst>
   </p:cSld>
@@ -22091,13 +21842,6 @@
       </p:transition>
     </mc:Fallback>
   </mc:AlternateContent>
-  <p:timing>
-    <p:tnLst>
-      <p:par>
-        <p:cTn xmlns:p14="http://schemas.microsoft.com/office/powerpoint/2010/main" id="1" dur="indefinite" restart="never" nodeType="tmRoot"/>
-      </p:par>
-    </p:tnLst>
-  </p:timing>
 </p:sld>
 </file>
 
@@ -22375,411 +22119,6 @@
           <a:p>
             <a:r>
               <a:rPr lang="en-US" dirty="0" smtClean="0"/>
-              <a:t>Demo Time!</a:t>
-            </a:r>
-            <a:endParaRPr lang="en-US" dirty="0"/>
-          </a:p>
-        </p:txBody>
-      </p:sp>
-      <p:sp>
-        <p:nvSpPr>
-          <p:cNvPr id="3" name="Text Placeholder 2"/>
-          <p:cNvSpPr>
-            <a:spLocks noGrp="1"/>
-          </p:cNvSpPr>
-          <p:nvPr>
-            <p:ph type="body" sz="quarter" idx="10"/>
-          </p:nvPr>
-        </p:nvSpPr>
-        <p:spPr/>
-        <p:txBody>
-          <a:bodyPr/>
-          <a:lstStyle/>
-          <a:p>
-            <a:r>
-              <a:rPr lang="en-US" dirty="0" smtClean="0"/>
-              <a:t>Show your work</a:t>
-            </a:r>
-          </a:p>
-          <a:p>
-            <a:r>
-              <a:rPr lang="en-US" dirty="0" smtClean="0"/>
-              <a:t>Discuss your choices</a:t>
-            </a:r>
-          </a:p>
-          <a:p>
-            <a:r>
-              <a:rPr lang="en-US" dirty="0" smtClean="0"/>
-              <a:t>Gather feedback and ideas</a:t>
-            </a:r>
-            <a:endParaRPr lang="en-US" dirty="0"/>
-          </a:p>
-        </p:txBody>
-      </p:sp>
-      <p:pic>
-        <p:nvPicPr>
-          <p:cNvPr id="6" name="Picture Placeholder 5" descr="demonstration - Google Search.jpg"/>
-          <p:cNvPicPr>
-            <a:picLocks noGrp="1" noChangeAspect="1"/>
-          </p:cNvPicPr>
-          <p:nvPr>
-            <p:ph type="pic" sz="quarter" idx="13"/>
-          </p:nvPr>
-        </p:nvPicPr>
-        <p:blipFill>
-          <a:blip r:embed="rId3">
-            <a:extLst>
-              <a:ext uri="{28A0092B-C50C-407E-A947-70E740481C1C}">
-                <a14:useLocalDpi xmlns:a14="http://schemas.microsoft.com/office/drawing/2010/main" val="0"/>
-              </a:ext>
-            </a:extLst>
-          </a:blip>
-          <a:srcRect l="-7012" r="-7012"/>
-          <a:stretch>
-            <a:fillRect/>
-          </a:stretch>
-        </p:blipFill>
-        <p:spPr>
-          <a:xfrm>
-            <a:off x="6181725" y="1143000"/>
-            <a:ext cx="5486400" cy="5257800"/>
-          </a:xfrm>
-        </p:spPr>
-      </p:pic>
-      <p:sp>
-        <p:nvSpPr>
-          <p:cNvPr id="4" name="Content Placeholder 3"/>
-          <p:cNvSpPr>
-            <a:spLocks noGrp="1"/>
-          </p:cNvSpPr>
-          <p:nvPr>
-            <p:ph sz="quarter" idx="12"/>
-          </p:nvPr>
-        </p:nvSpPr>
-        <p:spPr/>
-        <p:txBody>
-          <a:bodyPr/>
-          <a:lstStyle/>
-          <a:p>
-            <a:r>
-              <a:rPr lang="en-US" dirty="0"/>
-              <a:t>https://</a:t>
-            </a:r>
-            <a:r>
-              <a:rPr lang="en-US" dirty="0" err="1"/>
-              <a:t>www.google.com</a:t>
-            </a:r>
-            <a:r>
-              <a:rPr lang="en-US" dirty="0"/>
-              <a:t>/</a:t>
-            </a:r>
-            <a:r>
-              <a:rPr lang="en-US" dirty="0" err="1"/>
-              <a:t>webhp?sourceid</a:t>
-            </a:r>
-            <a:r>
-              <a:rPr lang="en-US" dirty="0"/>
-              <a:t>=</a:t>
-            </a:r>
-            <a:r>
-              <a:rPr lang="en-US" dirty="0" err="1"/>
-              <a:t>chrome-instant&amp;ion</a:t>
-            </a:r>
-            <a:r>
-              <a:rPr lang="en-US" dirty="0"/>
-              <a:t>=1&amp;espv=2&amp;ie=UTF-8#q=demonstration</a:t>
-            </a:r>
-          </a:p>
-        </p:txBody>
-      </p:sp>
-    </p:spTree>
-    <p:extLst>
-      <p:ext uri="{BB962C8B-B14F-4D97-AF65-F5344CB8AC3E}">
-        <p14:creationId xmlns:p14="http://schemas.microsoft.com/office/powerpoint/2010/main" val="2138724818"/>
-      </p:ext>
-    </p:extLst>
-  </p:cSld>
-  <p:clrMapOvr>
-    <a:masterClrMapping/>
-  </p:clrMapOvr>
-  <mc:AlternateContent xmlns:mc="http://schemas.openxmlformats.org/markup-compatibility/2006" xmlns:p14="http://schemas.microsoft.com/office/powerpoint/2010/main">
-    <mc:Choice Requires="p14">
-      <p:transition spd="med" p14:dur="700">
-        <p:fade/>
-      </p:transition>
-    </mc:Choice>
-    <mc:Fallback xmlns="">
-      <p:transition spd="med">
-        <p:fade/>
-      </p:transition>
-    </mc:Fallback>
-  </mc:AlternateContent>
-  <p:timing>
-    <p:tnLst>
-      <p:par>
-        <p:cTn xmlns:p14="http://schemas.microsoft.com/office/powerpoint/2010/main" id="1" dur="indefinite" restart="never" nodeType="tmRoot"/>
-      </p:par>
-    </p:tnLst>
-  </p:timing>
-</p:sld>
-</file>
-
-<file path=ppt/slides/slide41.xml><?xml version="1.0" encoding="utf-8"?>
-<p:sld xmlns:a="http://schemas.openxmlformats.org/drawingml/2006/main" xmlns:r="http://schemas.openxmlformats.org/officeDocument/2006/relationships" xmlns:p="http://schemas.openxmlformats.org/presentationml/2006/main">
-  <p:cSld>
-    <p:spTree>
-      <p:nvGrpSpPr>
-        <p:cNvPr id="1" name=""/>
-        <p:cNvGrpSpPr/>
-        <p:nvPr/>
-      </p:nvGrpSpPr>
-      <p:grpSpPr>
-        <a:xfrm>
-          <a:off x="0" y="0"/>
-          <a:ext cx="0" cy="0"/>
-          <a:chOff x="0" y="0"/>
-          <a:chExt cx="0" cy="0"/>
-        </a:xfrm>
-      </p:grpSpPr>
-      <p:sp>
-        <p:nvSpPr>
-          <p:cNvPr id="2" name="Title 1"/>
-          <p:cNvSpPr>
-            <a:spLocks noGrp="1"/>
-          </p:cNvSpPr>
-          <p:nvPr>
-            <p:ph type="title"/>
-          </p:nvPr>
-        </p:nvSpPr>
-        <p:spPr/>
-        <p:txBody>
-          <a:bodyPr/>
-          <a:lstStyle/>
-          <a:p>
-            <a:r>
-              <a:rPr lang="en-US" dirty="0" smtClean="0"/>
-              <a:t>Objectives</a:t>
-            </a:r>
-            <a:endParaRPr lang="en-US" dirty="0"/>
-          </a:p>
-        </p:txBody>
-      </p:sp>
-      <p:sp>
-        <p:nvSpPr>
-          <p:cNvPr id="3" name="Text Placeholder 2"/>
-          <p:cNvSpPr>
-            <a:spLocks noGrp="1"/>
-          </p:cNvSpPr>
-          <p:nvPr>
-            <p:ph type="body" sz="quarter" idx="10"/>
-          </p:nvPr>
-        </p:nvSpPr>
-        <p:spPr/>
-        <p:txBody>
-          <a:bodyPr/>
-          <a:lstStyle/>
-          <a:p>
-            <a:r>
-              <a:rPr lang="en-US" dirty="0"/>
-              <a:t>Build something in Chef with very little guidance</a:t>
-            </a:r>
-          </a:p>
-          <a:p>
-            <a:r>
-              <a:rPr lang="en-US" dirty="0" smtClean="0"/>
-              <a:t>Write custom Chef recipes</a:t>
-            </a:r>
-          </a:p>
-          <a:p>
-            <a:r>
-              <a:rPr lang="en-US" dirty="0"/>
-              <a:t>Use the Chef Documentation to identify and use resources that will help you model the desired state of your </a:t>
-            </a:r>
-            <a:r>
-              <a:rPr lang="en-US" dirty="0" smtClean="0"/>
-              <a:t>infrastructure</a:t>
-            </a:r>
-            <a:endParaRPr lang="en-US" dirty="0"/>
-          </a:p>
-          <a:p>
-            <a:r>
-              <a:rPr lang="en-US" dirty="0"/>
-              <a:t>Include guards in Chef </a:t>
-            </a:r>
-            <a:r>
-              <a:rPr lang="en-US" dirty="0" smtClean="0"/>
-              <a:t>resources</a:t>
-            </a:r>
-          </a:p>
-        </p:txBody>
-      </p:sp>
-    </p:spTree>
-    <p:extLst>
-      <p:ext uri="{BB962C8B-B14F-4D97-AF65-F5344CB8AC3E}">
-        <p14:creationId xmlns:p14="http://schemas.microsoft.com/office/powerpoint/2010/main" val="27556649"/>
-      </p:ext>
-    </p:extLst>
-  </p:cSld>
-  <p:clrMapOvr>
-    <a:masterClrMapping/>
-  </p:clrMapOvr>
-  <mc:AlternateContent xmlns:mc="http://schemas.openxmlformats.org/markup-compatibility/2006" xmlns:p14="http://schemas.microsoft.com/office/powerpoint/2010/main">
-    <mc:Choice Requires="p14">
-      <p:transition spd="med" p14:dur="700">
-        <p:fade/>
-      </p:transition>
-    </mc:Choice>
-    <mc:Fallback xmlns="">
-      <p:transition spd="med">
-        <p:fade/>
-      </p:transition>
-    </mc:Fallback>
-  </mc:AlternateContent>
-  <p:timing>
-    <p:tnLst>
-      <p:par>
-        <p:cTn xmlns:p14="http://schemas.microsoft.com/office/powerpoint/2010/main" id="1" dur="indefinite" restart="never" nodeType="tmRoot"/>
-      </p:par>
-    </p:tnLst>
-  </p:timing>
-</p:sld>
-</file>
-
-<file path=ppt/slides/slide42.xml><?xml version="1.0" encoding="utf-8"?>
-<p:sld xmlns:a="http://schemas.openxmlformats.org/drawingml/2006/main" xmlns:r="http://schemas.openxmlformats.org/officeDocument/2006/relationships" xmlns:p="http://schemas.openxmlformats.org/presentationml/2006/main">
-  <p:cSld>
-    <p:spTree>
-      <p:nvGrpSpPr>
-        <p:cNvPr id="1" name=""/>
-        <p:cNvGrpSpPr/>
-        <p:nvPr/>
-      </p:nvGrpSpPr>
-      <p:grpSpPr>
-        <a:xfrm>
-          <a:off x="0" y="0"/>
-          <a:ext cx="0" cy="0"/>
-          <a:chOff x="0" y="0"/>
-          <a:chExt cx="0" cy="0"/>
-        </a:xfrm>
-      </p:grpSpPr>
-      <p:sp>
-        <p:nvSpPr>
-          <p:cNvPr id="2" name="Title 1"/>
-          <p:cNvSpPr>
-            <a:spLocks noGrp="1"/>
-          </p:cNvSpPr>
-          <p:nvPr>
-            <p:ph type="title"/>
-          </p:nvPr>
-        </p:nvSpPr>
-        <p:spPr/>
-        <p:txBody>
-          <a:bodyPr/>
-          <a:lstStyle/>
-          <a:p>
-            <a:r>
-              <a:rPr lang="en-US" dirty="0" smtClean="0"/>
-              <a:t>Your Objectives</a:t>
-            </a:r>
-            <a:endParaRPr lang="en-US" dirty="0"/>
-          </a:p>
-        </p:txBody>
-      </p:sp>
-      <p:sp>
-        <p:nvSpPr>
-          <p:cNvPr id="3" name="Text Placeholder 2"/>
-          <p:cNvSpPr>
-            <a:spLocks noGrp="1"/>
-          </p:cNvSpPr>
-          <p:nvPr>
-            <p:ph type="body" sz="quarter" idx="10"/>
-          </p:nvPr>
-        </p:nvSpPr>
-        <p:spPr/>
-        <p:txBody>
-          <a:bodyPr/>
-          <a:lstStyle/>
-          <a:p>
-            <a:r>
-              <a:rPr lang="en-US" dirty="0" smtClean="0"/>
-              <a:t>Review the objectives you set for yourself at the beginning of the workshop.</a:t>
-            </a:r>
-          </a:p>
-          <a:p>
-            <a:r>
-              <a:rPr lang="en-US" dirty="0" smtClean="0"/>
-              <a:t>Have you met them?</a:t>
-            </a:r>
-            <a:endParaRPr lang="en-US" dirty="0"/>
-          </a:p>
-          <a:p>
-            <a:r>
-              <a:rPr lang="en-US" dirty="0" smtClean="0"/>
-              <a:t>Take a few minutes to reflect on what you’ve learned today.</a:t>
-            </a:r>
-            <a:endParaRPr lang="en-US" dirty="0"/>
-          </a:p>
-        </p:txBody>
-      </p:sp>
-    </p:spTree>
-    <p:extLst>
-      <p:ext uri="{BB962C8B-B14F-4D97-AF65-F5344CB8AC3E}">
-        <p14:creationId xmlns:p14="http://schemas.microsoft.com/office/powerpoint/2010/main" val="3048288434"/>
-      </p:ext>
-    </p:extLst>
-  </p:cSld>
-  <p:clrMapOvr>
-    <a:masterClrMapping/>
-  </p:clrMapOvr>
-  <mc:AlternateContent xmlns:mc="http://schemas.openxmlformats.org/markup-compatibility/2006" xmlns:p14="http://schemas.microsoft.com/office/powerpoint/2010/main">
-    <mc:Choice Requires="p14">
-      <p:transition spd="med" p14:dur="700">
-        <p:fade/>
-      </p:transition>
-    </mc:Choice>
-    <mc:Fallback xmlns="">
-      <p:transition spd="med">
-        <p:fade/>
-      </p:transition>
-    </mc:Fallback>
-  </mc:AlternateContent>
-</p:sld>
-</file>
-
-<file path=ppt/slides/slide43.xml><?xml version="1.0" encoding="utf-8"?>
-<p:sld xmlns:a="http://schemas.openxmlformats.org/drawingml/2006/main" xmlns:r="http://schemas.openxmlformats.org/officeDocument/2006/relationships" xmlns:p="http://schemas.openxmlformats.org/presentationml/2006/main">
-  <p:cSld>
-    <p:spTree>
-      <p:nvGrpSpPr>
-        <p:cNvPr id="1" name=""/>
-        <p:cNvGrpSpPr/>
-        <p:nvPr/>
-      </p:nvGrpSpPr>
-      <p:grpSpPr>
-        <a:xfrm>
-          <a:off x="0" y="0"/>
-          <a:ext cx="0" cy="0"/>
-          <a:chOff x="0" y="0"/>
-          <a:chExt cx="0" cy="0"/>
-        </a:xfrm>
-      </p:grpSpPr>
-      <p:sp>
-        <p:nvSpPr>
-          <p:cNvPr id="2" name="Title 1"/>
-          <p:cNvSpPr>
-            <a:spLocks noGrp="1"/>
-          </p:cNvSpPr>
-          <p:nvPr>
-            <p:ph type="title"/>
-          </p:nvPr>
-        </p:nvSpPr>
-        <p:spPr/>
-        <p:txBody>
-          <a:bodyPr/>
-          <a:lstStyle/>
-          <a:p>
-            <a:r>
-              <a:rPr lang="en-US" dirty="0" smtClean="0"/>
               <a:t>Thank you!</a:t>
             </a:r>
             <a:endParaRPr lang="en-US" dirty="0"/>
@@ -22948,7 +22287,7 @@
           <a:p>
             <a:r>
               <a:rPr lang="en-US" dirty="0" smtClean="0"/>
-              <a:t>There are no right solutions</a:t>
+              <a:t>There are no right solutions for this workshop</a:t>
             </a:r>
           </a:p>
           <a:p>
@@ -22962,7 +22301,7 @@
             <a:pPr lvl="1"/>
             <a:r>
               <a:rPr lang="en-US" dirty="0" smtClean="0"/>
-              <a:t>Best practices can be implemented in subsequent steps (CI/CD)</a:t>
+              <a:t>Best practices can be implemented in subsequent steps</a:t>
             </a:r>
           </a:p>
           <a:p>

--- a/Awesome_Appliance_Repair/AwesomeApplicanceRepair.pptx
+++ b/Awesome_Appliance_Repair/AwesomeApplicanceRepair.pptx
@@ -5,10 +5,10 @@
     <p:sldMasterId id="2147483705" r:id="rId5"/>
   </p:sldMasterIdLst>
   <p:notesMasterIdLst>
-    <p:notesMasterId r:id="rId46"/>
+    <p:notesMasterId r:id="rId47"/>
   </p:notesMasterIdLst>
   <p:handoutMasterIdLst>
-    <p:handoutMasterId r:id="rId47"/>
+    <p:handoutMasterId r:id="rId48"/>
   </p:handoutMasterIdLst>
   <p:sldIdLst>
     <p:sldId id="256" r:id="rId6"/>
@@ -29,28 +29,29 @@
     <p:sldId id="272" r:id="rId21"/>
     <p:sldId id="273" r:id="rId22"/>
     <p:sldId id="302" r:id="rId23"/>
-    <p:sldId id="300" r:id="rId24"/>
-    <p:sldId id="304" r:id="rId25"/>
-    <p:sldId id="303" r:id="rId26"/>
-    <p:sldId id="305" r:id="rId27"/>
-    <p:sldId id="306" r:id="rId28"/>
-    <p:sldId id="280" r:id="rId29"/>
-    <p:sldId id="276" r:id="rId30"/>
-    <p:sldId id="262" r:id="rId31"/>
-    <p:sldId id="290" r:id="rId32"/>
-    <p:sldId id="277" r:id="rId33"/>
-    <p:sldId id="274" r:id="rId34"/>
-    <p:sldId id="288" r:id="rId35"/>
-    <p:sldId id="278" r:id="rId36"/>
-    <p:sldId id="275" r:id="rId37"/>
-    <p:sldId id="283" r:id="rId38"/>
-    <p:sldId id="285" r:id="rId39"/>
-    <p:sldId id="263" r:id="rId40"/>
-    <p:sldId id="291" r:id="rId41"/>
-    <p:sldId id="292" r:id="rId42"/>
-    <p:sldId id="287" r:id="rId43"/>
-    <p:sldId id="294" r:id="rId44"/>
-    <p:sldId id="286" r:id="rId45"/>
+    <p:sldId id="307" r:id="rId24"/>
+    <p:sldId id="300" r:id="rId25"/>
+    <p:sldId id="304" r:id="rId26"/>
+    <p:sldId id="303" r:id="rId27"/>
+    <p:sldId id="305" r:id="rId28"/>
+    <p:sldId id="306" r:id="rId29"/>
+    <p:sldId id="280" r:id="rId30"/>
+    <p:sldId id="276" r:id="rId31"/>
+    <p:sldId id="262" r:id="rId32"/>
+    <p:sldId id="290" r:id="rId33"/>
+    <p:sldId id="277" r:id="rId34"/>
+    <p:sldId id="274" r:id="rId35"/>
+    <p:sldId id="288" r:id="rId36"/>
+    <p:sldId id="278" r:id="rId37"/>
+    <p:sldId id="275" r:id="rId38"/>
+    <p:sldId id="283" r:id="rId39"/>
+    <p:sldId id="285" r:id="rId40"/>
+    <p:sldId id="263" r:id="rId41"/>
+    <p:sldId id="291" r:id="rId42"/>
+    <p:sldId id="292" r:id="rId43"/>
+    <p:sldId id="287" r:id="rId44"/>
+    <p:sldId id="294" r:id="rId45"/>
+    <p:sldId id="286" r:id="rId46"/>
   </p:sldIdLst>
   <p:sldSz cx="12192000" cy="6858000"/>
   <p:notesSz cx="6858000" cy="9144000"/>
@@ -151,10 +152,10 @@
   </p:defaultTextStyle>
   <p:extLst>
     <p:ext uri="{EFAFB233-063F-42B5-8137-9DF3F51BA10A}">
-      <p15:sldGuideLst xmlns="" xmlns:p15="http://schemas.microsoft.com/office/powerpoint/2012/main"/>
+      <p15:sldGuideLst xmlns:p15="http://schemas.microsoft.com/office/powerpoint/2012/main" xmlns=""/>
     </p:ext>
     <p:ext uri="{2D200454-40CA-4A62-9FC3-DE9A4176ACB9}">
-      <p15:notesGuideLst xmlns="" xmlns:p15="http://schemas.microsoft.com/office/powerpoint/2012/main">
+      <p15:notesGuideLst xmlns:p15="http://schemas.microsoft.com/office/powerpoint/2012/main" xmlns="">
         <p15:guide id="1" orient="horz" pos="2880">
           <p15:clr>
             <a:srgbClr val="A4A3A4"/>
@@ -259,7 +260,7 @@
                 <a:latin typeface="Arial" panose="020B0604020202020204" pitchFamily="34" charset="0"/>
                 <a:cs typeface="Arial" panose="020B0604020202020204" pitchFamily="34" charset="0"/>
               </a:rPr>
-              <a:t>11/08/2014</a:t>
+              <a:t>12/08/2014</a:t>
             </a:fld>
             <a:endParaRPr lang="en-US" dirty="0">
               <a:latin typeface="Arial" panose="020B0604020202020204" pitchFamily="34" charset="0"/>
@@ -414,7 +415,7 @@
             <a:fld id="{BFFFB994-B51A-7449-B85A-B64DF9DCCDDC}" type="datetime1">
               <a:rPr lang="en-CA" smtClean="0"/>
               <a:pPr/>
-              <a:t>11/08/2014</a:t>
+              <a:t>12/08/2014</a:t>
             </a:fld>
             <a:endParaRPr lang="en-US" dirty="0"/>
           </a:p>
@@ -814,11 +815,7 @@
           <a:p>
             <a:r>
               <a:rPr lang="en-US" dirty="0" smtClean="0"/>
-              <a:t>TISMTOWTDI - </a:t>
-            </a:r>
-            <a:r>
-              <a:rPr lang="en-US" dirty="0" smtClean="0"/>
-              <a:t>There's more than one way to do it</a:t>
+              <a:t>TISMTOWTDI - There's more than one way to do it</a:t>
             </a:r>
           </a:p>
           <a:p>
@@ -1415,31 +1412,15 @@
           <a:p>
             <a:r>
               <a:rPr lang="en-US" dirty="0" smtClean="0"/>
-              <a:t>First</a:t>
+              <a:t>This</a:t>
             </a:r>
             <a:r>
               <a:rPr lang="en-US" baseline="0" dirty="0" smtClean="0"/>
-              <a:t> time you can run '</a:t>
-            </a:r>
-            <a:r>
-              <a:rPr lang="en-US" sz="900" dirty="0" err="1" smtClean="0"/>
-              <a:t>git</a:t>
-            </a:r>
-            <a:r>
-              <a:rPr lang="en-US" sz="900" dirty="0" smtClean="0"/>
-              <a:t> push –u origin master',</a:t>
-            </a:r>
-            <a:r>
-              <a:rPr lang="en-US" sz="900" baseline="0" dirty="0" smtClean="0"/>
-              <a:t> then subsequently you can just use '</a:t>
-            </a:r>
-            <a:r>
-              <a:rPr lang="en-US" sz="900" baseline="0" dirty="0" err="1" smtClean="0"/>
-              <a:t>git</a:t>
-            </a:r>
-            <a:r>
-              <a:rPr lang="en-US" sz="900" baseline="0" dirty="0" smtClean="0"/>
-              <a:t> push'</a:t>
+              <a:t> is an alternative approach if students are using </a:t>
+            </a:r>
+            <a:r>
+              <a:rPr lang="en-US" baseline="0" dirty="0" err="1" smtClean="0"/>
+              <a:t>ChefDK</a:t>
             </a:r>
             <a:endParaRPr lang="en-US" dirty="0"/>
           </a:p>
@@ -1463,7 +1444,7 @@
             <a:fld id="{8B263312-38AA-4E1E-B2B5-0F8F122B24FE}" type="slidenum">
               <a:rPr lang="en-US" smtClean="0"/>
               <a:pPr/>
-              <a:t>21</a:t>
+              <a:t>20</a:t>
             </a:fld>
             <a:endParaRPr lang="en-US" dirty="0"/>
           </a:p>
@@ -1514,7 +1495,7 @@
     </p:spTree>
     <p:extLst>
       <p:ext uri="{BB962C8B-B14F-4D97-AF65-F5344CB8AC3E}">
-        <p14:creationId xmlns:p14="http://schemas.microsoft.com/office/powerpoint/2010/main" val="3373923323"/>
+        <p14:creationId xmlns:p14="http://schemas.microsoft.com/office/powerpoint/2010/main" val="4253677193"/>
       </p:ext>
     </p:extLst>
   </p:cSld>
@@ -1568,11 +1549,35 @@
           <a:bodyPr/>
           <a:lstStyle/>
           <a:p>
-            <a:endParaRPr lang="en-US" dirty="0">
-              <a:solidFill>
-                <a:srgbClr val="FF0000"/>
-              </a:solidFill>
-            </a:endParaRPr>
+            <a:r>
+              <a:rPr lang="en-US" dirty="0" smtClean="0"/>
+              <a:t>First</a:t>
+            </a:r>
+            <a:r>
+              <a:rPr lang="en-US" baseline="0" dirty="0" smtClean="0"/>
+              <a:t> time you can run '</a:t>
+            </a:r>
+            <a:r>
+              <a:rPr lang="en-US" sz="900" dirty="0" err="1" smtClean="0"/>
+              <a:t>git</a:t>
+            </a:r>
+            <a:r>
+              <a:rPr lang="en-US" sz="900" dirty="0" smtClean="0"/>
+              <a:t> push –u origin master',</a:t>
+            </a:r>
+            <a:r>
+              <a:rPr lang="en-US" sz="900" baseline="0" dirty="0" smtClean="0"/>
+              <a:t> then subsequently you can just use '</a:t>
+            </a:r>
+            <a:r>
+              <a:rPr lang="en-US" sz="900" baseline="0" dirty="0" err="1" smtClean="0"/>
+              <a:t>git</a:t>
+            </a:r>
+            <a:r>
+              <a:rPr lang="en-US" sz="900" baseline="0" dirty="0" smtClean="0"/>
+              <a:t> push'</a:t>
+            </a:r>
+            <a:endParaRPr lang="en-US" dirty="0"/>
           </a:p>
         </p:txBody>
       </p:sp>
@@ -1645,7 +1650,7 @@
     </p:spTree>
     <p:extLst>
       <p:ext uri="{BB962C8B-B14F-4D97-AF65-F5344CB8AC3E}">
-        <p14:creationId xmlns:p14="http://schemas.microsoft.com/office/powerpoint/2010/main" val="1551952231"/>
+        <p14:creationId xmlns:p14="http://schemas.microsoft.com/office/powerpoint/2010/main" val="3373923323"/>
       </p:ext>
     </p:extLst>
   </p:cSld>
@@ -1699,24 +1704,11 @@
           <a:bodyPr/>
           <a:lstStyle/>
           <a:p>
-            <a:r>
-              <a:rPr lang="en-US" dirty="0" smtClean="0"/>
-              <a:t>Go!</a:t>
-            </a:r>
-          </a:p>
-          <a:p>
-            <a:endParaRPr lang="en-US" dirty="0" smtClean="0"/>
-          </a:p>
-          <a:p>
-            <a:r>
-              <a:rPr lang="en-US" dirty="0" smtClean="0"/>
-              <a:t>Get</a:t>
-            </a:r>
-            <a:r>
-              <a:rPr lang="en-US" baseline="0" dirty="0" smtClean="0"/>
-              <a:t> started on your own, let’s check-in again in 20 minutes or so.</a:t>
-            </a:r>
-            <a:endParaRPr lang="en-US" dirty="0"/>
+            <a:endParaRPr lang="en-US" dirty="0">
+              <a:solidFill>
+                <a:srgbClr val="FF0000"/>
+              </a:solidFill>
+            </a:endParaRPr>
           </a:p>
         </p:txBody>
       </p:sp>
@@ -1738,7 +1730,7 @@
             <a:fld id="{8B263312-38AA-4E1E-B2B5-0F8F122B24FE}" type="slidenum">
               <a:rPr lang="en-US" smtClean="0"/>
               <a:pPr/>
-              <a:t>24</a:t>
+              <a:t>23</a:t>
             </a:fld>
             <a:endParaRPr lang="en-US" dirty="0"/>
           </a:p>
@@ -1789,7 +1781,7 @@
     </p:spTree>
     <p:extLst>
       <p:ext uri="{BB962C8B-B14F-4D97-AF65-F5344CB8AC3E}">
-        <p14:creationId xmlns:p14="http://schemas.microsoft.com/office/powerpoint/2010/main" val="3278519784"/>
+        <p14:creationId xmlns:p14="http://schemas.microsoft.com/office/powerpoint/2010/main" val="1551952231"/>
       </p:ext>
     </p:extLst>
   </p:cSld>
@@ -1845,11 +1837,20 @@
           <a:p>
             <a:r>
               <a:rPr lang="en-US" dirty="0" smtClean="0"/>
-              <a:t>Demo early</a:t>
+              <a:t>Go!</a:t>
+            </a:r>
+          </a:p>
+          <a:p>
+            <a:endParaRPr lang="en-US" dirty="0" smtClean="0"/>
+          </a:p>
+          <a:p>
+            <a:r>
+              <a:rPr lang="en-US" dirty="0" smtClean="0"/>
+              <a:t>Get</a:t>
             </a:r>
             <a:r>
               <a:rPr lang="en-US" baseline="0" dirty="0" smtClean="0"/>
-              <a:t> and demo often!  Have the participants share their progress, maybe every 20-40 minutes have another participant share what they’ve done so far and share with the class.</a:t>
+              <a:t> started on your own, let’s check-in again in 20 minutes or so.</a:t>
             </a:r>
             <a:endParaRPr lang="en-US" dirty="0"/>
           </a:p>
@@ -1924,7 +1925,7 @@
     </p:spTree>
     <p:extLst>
       <p:ext uri="{BB962C8B-B14F-4D97-AF65-F5344CB8AC3E}">
-        <p14:creationId xmlns:p14="http://schemas.microsoft.com/office/powerpoint/2010/main" val="71662303"/>
+        <p14:creationId xmlns:p14="http://schemas.microsoft.com/office/powerpoint/2010/main" val="3278519784"/>
       </p:ext>
     </p:extLst>
   </p:cSld>
@@ -1980,11 +1981,11 @@
           <a:p>
             <a:r>
               <a:rPr lang="en-US" dirty="0" smtClean="0"/>
-              <a:t>Do not show</a:t>
+              <a:t>Demo early</a:t>
             </a:r>
             <a:r>
               <a:rPr lang="en-US" baseline="0" dirty="0" smtClean="0"/>
-              <a:t> these until the participants have had ample time to find and fix them on their own.</a:t>
+              <a:t> and demo often!  Have the participants share their progress, maybe every 20-40 minutes have another participant share what they’ve done so far and share with the class.</a:t>
             </a:r>
             <a:endParaRPr lang="en-US" dirty="0"/>
           </a:p>
@@ -2059,7 +2060,7 @@
     </p:spTree>
     <p:extLst>
       <p:ext uri="{BB962C8B-B14F-4D97-AF65-F5344CB8AC3E}">
-        <p14:creationId xmlns:p14="http://schemas.microsoft.com/office/powerpoint/2010/main" val="2378470727"/>
+        <p14:creationId xmlns:p14="http://schemas.microsoft.com/office/powerpoint/2010/main" val="71662303"/>
       </p:ext>
     </p:extLst>
   </p:cSld>
@@ -2115,20 +2116,11 @@
           <a:p>
             <a:r>
               <a:rPr lang="en-US" dirty="0" smtClean="0"/>
-              <a:t>Go!</a:t>
-            </a:r>
-          </a:p>
-          <a:p>
-            <a:endParaRPr lang="en-US" dirty="0" smtClean="0"/>
-          </a:p>
-          <a:p>
-            <a:r>
-              <a:rPr lang="en-US" dirty="0" smtClean="0"/>
-              <a:t>Get</a:t>
+              <a:t>Do not show</a:t>
             </a:r>
             <a:r>
               <a:rPr lang="en-US" baseline="0" dirty="0" smtClean="0"/>
-              <a:t> started on your own, let’s check-in again in 20 minutes or so.</a:t>
+              <a:t> these until the participants have had ample time to find and fix them on their own.</a:t>
             </a:r>
             <a:endParaRPr lang="en-US" dirty="0"/>
           </a:p>
@@ -2203,7 +2195,7 @@
     </p:spTree>
     <p:extLst>
       <p:ext uri="{BB962C8B-B14F-4D97-AF65-F5344CB8AC3E}">
-        <p14:creationId xmlns:p14="http://schemas.microsoft.com/office/powerpoint/2010/main" val="3278519784"/>
+        <p14:creationId xmlns:p14="http://schemas.microsoft.com/office/powerpoint/2010/main" val="2378470727"/>
       </p:ext>
     </p:extLst>
   </p:cSld>
@@ -2259,11 +2251,20 @@
           <a:p>
             <a:r>
               <a:rPr lang="en-US" dirty="0" smtClean="0"/>
-              <a:t>Demo early</a:t>
+              <a:t>Go!</a:t>
+            </a:r>
+          </a:p>
+          <a:p>
+            <a:endParaRPr lang="en-US" dirty="0" smtClean="0"/>
+          </a:p>
+          <a:p>
+            <a:r>
+              <a:rPr lang="en-US" dirty="0" smtClean="0"/>
+              <a:t>Get</a:t>
             </a:r>
             <a:r>
               <a:rPr lang="en-US" baseline="0" dirty="0" smtClean="0"/>
-              <a:t> and demo often!  Have the participants share their progress, maybe every 20-40 minutes have another participant share what they’ve done so far and share with the class.</a:t>
+              <a:t> started on your own, let’s check-in again in 20 minutes or so.</a:t>
             </a:r>
             <a:endParaRPr lang="en-US" dirty="0"/>
           </a:p>
@@ -2338,7 +2339,7 @@
     </p:spTree>
     <p:extLst>
       <p:ext uri="{BB962C8B-B14F-4D97-AF65-F5344CB8AC3E}">
-        <p14:creationId xmlns:p14="http://schemas.microsoft.com/office/powerpoint/2010/main" val="71662303"/>
+        <p14:creationId xmlns:p14="http://schemas.microsoft.com/office/powerpoint/2010/main" val="3278519784"/>
       </p:ext>
     </p:extLst>
   </p:cSld>
@@ -2529,20 +2530,11 @@
           <a:p>
             <a:r>
               <a:rPr lang="en-US" dirty="0" smtClean="0"/>
-              <a:t>Go!</a:t>
-            </a:r>
-          </a:p>
-          <a:p>
-            <a:endParaRPr lang="en-US" dirty="0" smtClean="0"/>
-          </a:p>
-          <a:p>
-            <a:r>
-              <a:rPr lang="en-US" dirty="0" smtClean="0"/>
-              <a:t>Get</a:t>
+              <a:t>Demo early</a:t>
             </a:r>
             <a:r>
               <a:rPr lang="en-US" baseline="0" dirty="0" smtClean="0"/>
-              <a:t> started on your own, let’s check-in again in 20 minutes or so.</a:t>
+              <a:t> and demo often!  Have the participants share their progress, maybe every 20-40 minutes have another participant share what they’ve done so far and share with the class.</a:t>
             </a:r>
             <a:endParaRPr lang="en-US" dirty="0"/>
           </a:p>
@@ -2566,7 +2558,7 @@
             <a:fld id="{8B263312-38AA-4E1E-B2B5-0F8F122B24FE}" type="slidenum">
               <a:rPr lang="en-US" smtClean="0"/>
               <a:pPr/>
-              <a:t>30</a:t>
+              <a:t>29</a:t>
             </a:fld>
             <a:endParaRPr lang="en-US" dirty="0"/>
           </a:p>
@@ -2617,7 +2609,7 @@
     </p:spTree>
     <p:extLst>
       <p:ext uri="{BB962C8B-B14F-4D97-AF65-F5344CB8AC3E}">
-        <p14:creationId xmlns:p14="http://schemas.microsoft.com/office/powerpoint/2010/main" val="3278519784"/>
+        <p14:creationId xmlns:p14="http://schemas.microsoft.com/office/powerpoint/2010/main" val="71662303"/>
       </p:ext>
     </p:extLst>
   </p:cSld>
@@ -2673,11 +2665,20 @@
           <a:p>
             <a:r>
               <a:rPr lang="en-US" dirty="0" smtClean="0"/>
-              <a:t>Demo early</a:t>
+              <a:t>Go!</a:t>
+            </a:r>
+          </a:p>
+          <a:p>
+            <a:endParaRPr lang="en-US" dirty="0" smtClean="0"/>
+          </a:p>
+          <a:p>
+            <a:r>
+              <a:rPr lang="en-US" dirty="0" smtClean="0"/>
+              <a:t>Get</a:t>
             </a:r>
             <a:r>
               <a:rPr lang="en-US" baseline="0" dirty="0" smtClean="0"/>
-              <a:t> and demo often!  Have the participants share their progress, maybe every 20-40 minutes have another participant share what they’ve done so far and share with the class.</a:t>
+              <a:t> started on your own, let’s check-in again in 20 minutes or so.</a:t>
             </a:r>
             <a:endParaRPr lang="en-US" dirty="0"/>
           </a:p>
@@ -2752,7 +2753,7 @@
     </p:spTree>
     <p:extLst>
       <p:ext uri="{BB962C8B-B14F-4D97-AF65-F5344CB8AC3E}">
-        <p14:creationId xmlns:p14="http://schemas.microsoft.com/office/powerpoint/2010/main" val="71662303"/>
+        <p14:creationId xmlns:p14="http://schemas.microsoft.com/office/powerpoint/2010/main" val="3278519784"/>
       </p:ext>
     </p:extLst>
   </p:cSld>
@@ -2808,20 +2809,11 @@
           <a:p>
             <a:r>
               <a:rPr lang="en-US" dirty="0" smtClean="0"/>
-              <a:t>Go!</a:t>
-            </a:r>
-          </a:p>
-          <a:p>
-            <a:endParaRPr lang="en-US" dirty="0" smtClean="0"/>
-          </a:p>
-          <a:p>
-            <a:r>
-              <a:rPr lang="en-US" dirty="0" smtClean="0"/>
-              <a:t>Get</a:t>
+              <a:t>Demo early</a:t>
             </a:r>
             <a:r>
               <a:rPr lang="en-US" baseline="0" dirty="0" smtClean="0"/>
-              <a:t> started on your own, let’s check-in again in 20 minutes or so.</a:t>
+              <a:t> and demo often!  Have the participants share their progress, maybe every 20-40 minutes have another participant share what they’ve done so far and share with the class.</a:t>
             </a:r>
             <a:endParaRPr lang="en-US" dirty="0"/>
           </a:p>
@@ -2845,7 +2837,7 @@
             <a:fld id="{8B263312-38AA-4E1E-B2B5-0F8F122B24FE}" type="slidenum">
               <a:rPr lang="en-US" smtClean="0"/>
               <a:pPr/>
-              <a:t>33</a:t>
+              <a:t>32</a:t>
             </a:fld>
             <a:endParaRPr lang="en-US" dirty="0"/>
           </a:p>
@@ -2896,7 +2888,7 @@
     </p:spTree>
     <p:extLst>
       <p:ext uri="{BB962C8B-B14F-4D97-AF65-F5344CB8AC3E}">
-        <p14:creationId xmlns:p14="http://schemas.microsoft.com/office/powerpoint/2010/main" val="3278519784"/>
+        <p14:creationId xmlns:p14="http://schemas.microsoft.com/office/powerpoint/2010/main" val="71662303"/>
       </p:ext>
     </p:extLst>
   </p:cSld>
@@ -2952,11 +2944,20 @@
           <a:p>
             <a:r>
               <a:rPr lang="en-US" dirty="0" smtClean="0"/>
-              <a:t>Demo early</a:t>
+              <a:t>Go!</a:t>
+            </a:r>
+          </a:p>
+          <a:p>
+            <a:endParaRPr lang="en-US" dirty="0" smtClean="0"/>
+          </a:p>
+          <a:p>
+            <a:r>
+              <a:rPr lang="en-US" dirty="0" smtClean="0"/>
+              <a:t>Get</a:t>
             </a:r>
             <a:r>
               <a:rPr lang="en-US" baseline="0" dirty="0" smtClean="0"/>
-              <a:t> and demo often!  Have the participants share their progress, maybe every 20-40 minutes have another participant share what they’ve done so far and share with the class.</a:t>
+              <a:t> started on your own, let’s check-in again in 20 minutes or so.</a:t>
             </a:r>
             <a:endParaRPr lang="en-US" dirty="0"/>
           </a:p>
@@ -3031,7 +3032,7 @@
     </p:spTree>
     <p:extLst>
       <p:ext uri="{BB962C8B-B14F-4D97-AF65-F5344CB8AC3E}">
-        <p14:creationId xmlns:p14="http://schemas.microsoft.com/office/powerpoint/2010/main" val="71662303"/>
+        <p14:creationId xmlns:p14="http://schemas.microsoft.com/office/powerpoint/2010/main" val="3278519784"/>
       </p:ext>
     </p:extLst>
   </p:cSld>
@@ -3082,356 +3083,17 @@
         </p:nvSpPr>
         <p:spPr/>
         <p:txBody>
-          <a:bodyPr>
-            <a:normAutofit fontScale="92500" lnSpcReduction="20000"/>
-          </a:bodyPr>
+          <a:bodyPr/>
           <a:lstStyle/>
           <a:p>
             <a:r>
               <a:rPr lang="en-US" dirty="0" smtClean="0"/>
-              <a:t>So many options</a:t>
+              <a:t>Demo early</a:t>
             </a:r>
             <a:r>
               <a:rPr lang="en-US" baseline="0" dirty="0" smtClean="0"/>
-              <a:t> for where to go next with this project!  What will you do?</a:t>
-            </a:r>
-          </a:p>
-          <a:p>
-            <a:endParaRPr lang="en-US" baseline="0" dirty="0" smtClean="0"/>
-          </a:p>
-          <a:p>
-            <a:r>
-              <a:rPr lang="en-US" baseline="0" dirty="0" smtClean="0"/>
-              <a:t>Check https://</a:t>
-            </a:r>
-            <a:r>
-              <a:rPr lang="en-US" baseline="0" dirty="0" err="1" smtClean="0"/>
-              <a:t>github.com</a:t>
-            </a:r>
-            <a:r>
-              <a:rPr lang="en-US" baseline="0" dirty="0" smtClean="0"/>
-              <a:t>/</a:t>
-            </a:r>
-            <a:r>
-              <a:rPr lang="en-US" baseline="0" dirty="0" err="1" smtClean="0"/>
-              <a:t>learnchef</a:t>
-            </a:r>
-            <a:r>
-              <a:rPr lang="en-US" baseline="0" dirty="0" smtClean="0"/>
-              <a:t>/workshops/tree/master/</a:t>
-            </a:r>
-            <a:r>
-              <a:rPr lang="en-US" baseline="0" dirty="0" err="1" smtClean="0"/>
-              <a:t>Awesome_Appliance_Repair</a:t>
-            </a:r>
-            <a:r>
-              <a:rPr lang="en-US" baseline="0" dirty="0" smtClean="0"/>
-              <a:t> for additional ideas and / or additional detail.</a:t>
-            </a:r>
-          </a:p>
-          <a:p>
-            <a:endParaRPr lang="en-US" baseline="0" dirty="0" smtClean="0"/>
-          </a:p>
-          <a:p>
-            <a:r>
-              <a:rPr lang="en-US" baseline="0" dirty="0" smtClean="0"/>
-              <a:t>## Next steps</a:t>
-            </a:r>
-          </a:p>
-          <a:p>
-            <a:endParaRPr lang="en-US" baseline="0" dirty="0" smtClean="0"/>
-          </a:p>
-          <a:p>
-            <a:r>
-              <a:rPr lang="en-US" baseline="0" dirty="0" smtClean="0"/>
-              <a:t>You can take expand on this project a number of ways including:</a:t>
-            </a:r>
-          </a:p>
-          <a:p>
-            <a:endParaRPr lang="en-US" baseline="0" dirty="0" smtClean="0"/>
-          </a:p>
-          <a:p>
-            <a:r>
-              <a:rPr lang="en-US" baseline="0" dirty="0" smtClean="0"/>
-              <a:t>* Testing</a:t>
-            </a:r>
-          </a:p>
-          <a:p>
-            <a:r>
-              <a:rPr lang="en-US" baseline="0" dirty="0" smtClean="0"/>
-              <a:t>  * Use [Test Kitchen](http://</a:t>
-            </a:r>
-            <a:r>
-              <a:rPr lang="en-US" baseline="0" dirty="0" err="1" smtClean="0"/>
-              <a:t>kitchen.ci</a:t>
-            </a:r>
-            <a:r>
-              <a:rPr lang="en-US" baseline="0" dirty="0" smtClean="0"/>
-              <a:t>) to validate your chef-client runs.</a:t>
-            </a:r>
-          </a:p>
-          <a:p>
-            <a:r>
-              <a:rPr lang="en-US" baseline="0" dirty="0" smtClean="0"/>
-              <a:t>  * Add static code analysis using [</a:t>
-            </a:r>
-            <a:r>
-              <a:rPr lang="en-US" baseline="0" dirty="0" err="1" smtClean="0"/>
-              <a:t>Rubocop</a:t>
-            </a:r>
-            <a:r>
-              <a:rPr lang="en-US" baseline="0" dirty="0" smtClean="0"/>
-              <a:t>](https://</a:t>
-            </a:r>
-            <a:r>
-              <a:rPr lang="en-US" baseline="0" dirty="0" err="1" smtClean="0"/>
-              <a:t>github.com</a:t>
-            </a:r>
-            <a:r>
-              <a:rPr lang="en-US" baseline="0" dirty="0" smtClean="0"/>
-              <a:t>/</a:t>
-            </a:r>
-            <a:r>
-              <a:rPr lang="en-US" baseline="0" dirty="0" err="1" smtClean="0"/>
-              <a:t>bbatsov</a:t>
-            </a:r>
-            <a:r>
-              <a:rPr lang="en-US" baseline="0" dirty="0" smtClean="0"/>
-              <a:t>/</a:t>
-            </a:r>
-            <a:r>
-              <a:rPr lang="en-US" baseline="0" dirty="0" err="1" smtClean="0"/>
-              <a:t>rubocop</a:t>
-            </a:r>
-            <a:r>
-              <a:rPr lang="en-US" baseline="0" dirty="0" smtClean="0"/>
-              <a:t>) and [Food Critic](</a:t>
-            </a:r>
-            <a:r>
-              <a:rPr lang="en-US" baseline="0" dirty="0" err="1" smtClean="0"/>
-              <a:t>foodcritic.io</a:t>
-            </a:r>
-            <a:r>
-              <a:rPr lang="en-US" baseline="0" dirty="0" smtClean="0"/>
-              <a:t>).</a:t>
-            </a:r>
-          </a:p>
-          <a:p>
-            <a:r>
-              <a:rPr lang="en-US" baseline="0" dirty="0" smtClean="0"/>
-              <a:t>  * Add [</a:t>
-            </a:r>
-            <a:r>
-              <a:rPr lang="en-US" baseline="0" dirty="0" err="1" smtClean="0"/>
-              <a:t>ChefSpec</a:t>
-            </a:r>
-            <a:r>
-              <a:rPr lang="en-US" baseline="0" dirty="0" smtClean="0"/>
-              <a:t>](http://</a:t>
-            </a:r>
-            <a:r>
-              <a:rPr lang="en-US" baseline="0" dirty="0" err="1" smtClean="0"/>
-              <a:t>sethvargo.github.io</a:t>
-            </a:r>
-            <a:r>
-              <a:rPr lang="en-US" baseline="0" dirty="0" smtClean="0"/>
-              <a:t>/</a:t>
-            </a:r>
-            <a:r>
-              <a:rPr lang="en-US" baseline="0" dirty="0" err="1" smtClean="0"/>
-              <a:t>chefspec</a:t>
-            </a:r>
-            <a:r>
-              <a:rPr lang="en-US" baseline="0" dirty="0" smtClean="0"/>
-              <a:t>/) tests.</a:t>
-            </a:r>
-          </a:p>
-          <a:p>
-            <a:r>
-              <a:rPr lang="en-US" baseline="0" dirty="0" smtClean="0"/>
-              <a:t>  * Add [</a:t>
-            </a:r>
-            <a:r>
-              <a:rPr lang="en-US" baseline="0" dirty="0" err="1" smtClean="0"/>
-              <a:t>Serverspec</a:t>
-            </a:r>
-            <a:r>
-              <a:rPr lang="en-US" baseline="0" dirty="0" smtClean="0"/>
-              <a:t>](http://</a:t>
-            </a:r>
-            <a:r>
-              <a:rPr lang="en-US" baseline="0" dirty="0" err="1" smtClean="0"/>
-              <a:t>serverspec.org</a:t>
-            </a:r>
-            <a:r>
-              <a:rPr lang="en-US" baseline="0" dirty="0" smtClean="0"/>
-              <a:t>/) tests.</a:t>
-            </a:r>
-          </a:p>
-          <a:p>
-            <a:r>
-              <a:rPr lang="en-US" baseline="0" dirty="0" smtClean="0"/>
-              <a:t>  * Add a continuous integration server, such as Jenkins</a:t>
-            </a:r>
-          </a:p>
-          <a:p>
-            <a:r>
-              <a:rPr lang="en-US" baseline="0" dirty="0" smtClean="0"/>
-              <a:t>* Multi-tier implementation</a:t>
-            </a:r>
-          </a:p>
-          <a:p>
-            <a:r>
-              <a:rPr lang="en-US" baseline="0" dirty="0" smtClean="0"/>
-              <a:t>  * move the database to a separate node</a:t>
-            </a:r>
-          </a:p>
-          <a:p>
-            <a:r>
-              <a:rPr lang="en-US" baseline="0" dirty="0" smtClean="0"/>
-              <a:t>  * add a load balancer and additional web server</a:t>
-            </a:r>
-          </a:p>
-          <a:p>
-            <a:r>
-              <a:rPr lang="en-US" baseline="0" dirty="0" smtClean="0"/>
-              <a:t>* Community Cookbooks - What cookbooks in the [Supermarket](http://</a:t>
-            </a:r>
-            <a:r>
-              <a:rPr lang="en-US" baseline="0" dirty="0" err="1" smtClean="0"/>
-              <a:t>supermarket.getchef.com</a:t>
-            </a:r>
-            <a:r>
-              <a:rPr lang="en-US" baseline="0" dirty="0" smtClean="0"/>
-              <a:t>) might help?</a:t>
-            </a:r>
-          </a:p>
-          <a:p>
-            <a:r>
-              <a:rPr lang="en-US" baseline="0" dirty="0" smtClean="0"/>
-              <a:t>* Multi-OS support - what changes are required to deploy the application to </a:t>
-            </a:r>
-            <a:r>
-              <a:rPr lang="en-US" baseline="0" dirty="0" err="1" smtClean="0"/>
-              <a:t>CentOS</a:t>
-            </a:r>
-            <a:r>
-              <a:rPr lang="en-US" baseline="0" dirty="0" smtClean="0"/>
-              <a:t>? </a:t>
-            </a:r>
-          </a:p>
-          <a:p>
-            <a:r>
-              <a:rPr lang="en-US" baseline="0" dirty="0" smtClean="0"/>
-              <a:t>* Cloud deployment</a:t>
-            </a:r>
-          </a:p>
-          <a:p>
-            <a:r>
-              <a:rPr lang="en-US" baseline="0" dirty="0" smtClean="0"/>
-              <a:t>  * Can you deploy this </a:t>
-            </a:r>
-            <a:r>
-              <a:rPr lang="en-US" baseline="0" dirty="0" err="1" smtClean="0"/>
-              <a:t>applicaiton</a:t>
-            </a:r>
-            <a:r>
-              <a:rPr lang="en-US" baseline="0" dirty="0" smtClean="0"/>
-              <a:t> to another infrastructure as a service environment?  (AWS, Azure, Rackspace, Digital Ocean, etc.)</a:t>
-            </a:r>
-          </a:p>
-          <a:p>
-            <a:r>
-              <a:rPr lang="en-US" baseline="0" dirty="0" smtClean="0"/>
-              <a:t>* Operationalize</a:t>
-            </a:r>
-          </a:p>
-          <a:p>
-            <a:r>
-              <a:rPr lang="en-US" baseline="0" dirty="0" smtClean="0"/>
-              <a:t>  * Add monitoring (</a:t>
-            </a:r>
-            <a:r>
-              <a:rPr lang="en-US" baseline="0" dirty="0" err="1" smtClean="0"/>
-              <a:t>nagios</a:t>
-            </a:r>
-            <a:r>
-              <a:rPr lang="en-US" baseline="0" dirty="0" smtClean="0"/>
-              <a:t>, </a:t>
-            </a:r>
-            <a:r>
-              <a:rPr lang="en-US" baseline="0" dirty="0" err="1" smtClean="0"/>
-              <a:t>sensu</a:t>
-            </a:r>
-            <a:r>
-              <a:rPr lang="en-US" baseline="0" dirty="0" smtClean="0"/>
-              <a:t>, etc.)</a:t>
-            </a:r>
-          </a:p>
-          <a:p>
-            <a:r>
-              <a:rPr lang="en-US" baseline="0" dirty="0" smtClean="0"/>
-              <a:t>  * Add central logging (</a:t>
-            </a:r>
-            <a:r>
-              <a:rPr lang="en-US" baseline="0" dirty="0" err="1" smtClean="0"/>
-              <a:t>splunk</a:t>
-            </a:r>
-            <a:r>
-              <a:rPr lang="en-US" baseline="0" dirty="0" smtClean="0"/>
-              <a:t>, </a:t>
-            </a:r>
-            <a:r>
-              <a:rPr lang="en-US" baseline="0" dirty="0" err="1" smtClean="0"/>
-              <a:t>logstash</a:t>
-            </a:r>
-            <a:r>
-              <a:rPr lang="en-US" baseline="0" dirty="0" smtClean="0"/>
-              <a:t>, etc.)</a:t>
-            </a:r>
-          </a:p>
-          <a:p>
-            <a:r>
-              <a:rPr lang="en-US" baseline="0" dirty="0" smtClean="0"/>
-              <a:t>  * Schedule database backups</a:t>
-            </a:r>
-          </a:p>
-          <a:p>
-            <a:r>
-              <a:rPr lang="en-US" baseline="0" dirty="0" smtClean="0"/>
-              <a:t>  * Add an additional database for replication (master / slave)</a:t>
-            </a:r>
-          </a:p>
-          <a:p>
-            <a:r>
-              <a:rPr lang="en-US" baseline="0" dirty="0" smtClean="0"/>
-              <a:t>* </a:t>
-            </a:r>
-            <a:r>
-              <a:rPr lang="en-US" baseline="0" dirty="0" err="1" smtClean="0"/>
-              <a:t>Applicaiton</a:t>
-            </a:r>
-            <a:r>
-              <a:rPr lang="en-US" baseline="0" dirty="0" smtClean="0"/>
-              <a:t> Deployments</a:t>
-            </a:r>
-          </a:p>
-          <a:p>
-            <a:r>
-              <a:rPr lang="en-US" baseline="0" dirty="0" smtClean="0"/>
-              <a:t>  * How do you deploy updates to the Awesome Appliance Repair application?</a:t>
-            </a:r>
-          </a:p>
-          <a:p>
-            <a:endParaRPr lang="en-US" baseline="0" dirty="0" smtClean="0"/>
-          </a:p>
-          <a:p>
-            <a:endParaRPr lang="en-US" baseline="0" dirty="0" smtClean="0"/>
-          </a:p>
-          <a:p>
-            <a:endParaRPr lang="en-US" baseline="0" dirty="0" smtClean="0"/>
-          </a:p>
-          <a:p>
+              <a:t> and demo often!  Have the participants share their progress, maybe every 20-40 minutes have another participant share what they’ve done so far and share with the class.</a:t>
+            </a:r>
             <a:endParaRPr lang="en-US" dirty="0"/>
           </a:p>
         </p:txBody>
@@ -3505,7 +3167,7 @@
     </p:spTree>
     <p:extLst>
       <p:ext uri="{BB962C8B-B14F-4D97-AF65-F5344CB8AC3E}">
-        <p14:creationId xmlns:p14="http://schemas.microsoft.com/office/powerpoint/2010/main" val="4252575558"/>
+        <p14:creationId xmlns:p14="http://schemas.microsoft.com/office/powerpoint/2010/main" val="71662303"/>
       </p:ext>
     </p:extLst>
   </p:cSld>
@@ -3556,26 +3218,356 @@
         </p:nvSpPr>
         <p:spPr/>
         <p:txBody>
-          <a:bodyPr/>
+          <a:bodyPr>
+            <a:normAutofit fontScale="92500" lnSpcReduction="20000"/>
+          </a:bodyPr>
           <a:lstStyle/>
           <a:p>
             <a:r>
               <a:rPr lang="en-US" dirty="0" smtClean="0"/>
-              <a:t>Go!</a:t>
-            </a:r>
-          </a:p>
-          <a:p>
-            <a:endParaRPr lang="en-US" dirty="0" smtClean="0"/>
-          </a:p>
-          <a:p>
-            <a:r>
-              <a:rPr lang="en-US" dirty="0" smtClean="0"/>
-              <a:t>Get</a:t>
+              <a:t>So many options</a:t>
             </a:r>
             <a:r>
               <a:rPr lang="en-US" baseline="0" dirty="0" smtClean="0"/>
-              <a:t> started on your own, let’s check-in again in 20 minutes or so.</a:t>
-            </a:r>
+              <a:t> for where to go next with this project!  What will you do?</a:t>
+            </a:r>
+          </a:p>
+          <a:p>
+            <a:endParaRPr lang="en-US" baseline="0" dirty="0" smtClean="0"/>
+          </a:p>
+          <a:p>
+            <a:r>
+              <a:rPr lang="en-US" baseline="0" dirty="0" smtClean="0"/>
+              <a:t>Check https://</a:t>
+            </a:r>
+            <a:r>
+              <a:rPr lang="en-US" baseline="0" dirty="0" err="1" smtClean="0"/>
+              <a:t>github.com</a:t>
+            </a:r>
+            <a:r>
+              <a:rPr lang="en-US" baseline="0" dirty="0" smtClean="0"/>
+              <a:t>/</a:t>
+            </a:r>
+            <a:r>
+              <a:rPr lang="en-US" baseline="0" dirty="0" err="1" smtClean="0"/>
+              <a:t>learnchef</a:t>
+            </a:r>
+            <a:r>
+              <a:rPr lang="en-US" baseline="0" dirty="0" smtClean="0"/>
+              <a:t>/workshops/tree/master/</a:t>
+            </a:r>
+            <a:r>
+              <a:rPr lang="en-US" baseline="0" dirty="0" err="1" smtClean="0"/>
+              <a:t>Awesome_Appliance_Repair</a:t>
+            </a:r>
+            <a:r>
+              <a:rPr lang="en-US" baseline="0" dirty="0" smtClean="0"/>
+              <a:t> for additional ideas and / or additional detail.</a:t>
+            </a:r>
+          </a:p>
+          <a:p>
+            <a:endParaRPr lang="en-US" baseline="0" dirty="0" smtClean="0"/>
+          </a:p>
+          <a:p>
+            <a:r>
+              <a:rPr lang="en-US" baseline="0" dirty="0" smtClean="0"/>
+              <a:t>## Next steps</a:t>
+            </a:r>
+          </a:p>
+          <a:p>
+            <a:endParaRPr lang="en-US" baseline="0" dirty="0" smtClean="0"/>
+          </a:p>
+          <a:p>
+            <a:r>
+              <a:rPr lang="en-US" baseline="0" dirty="0" smtClean="0"/>
+              <a:t>You can take expand on this project a number of ways including:</a:t>
+            </a:r>
+          </a:p>
+          <a:p>
+            <a:endParaRPr lang="en-US" baseline="0" dirty="0" smtClean="0"/>
+          </a:p>
+          <a:p>
+            <a:r>
+              <a:rPr lang="en-US" baseline="0" dirty="0" smtClean="0"/>
+              <a:t>* Testing</a:t>
+            </a:r>
+          </a:p>
+          <a:p>
+            <a:r>
+              <a:rPr lang="en-US" baseline="0" dirty="0" smtClean="0"/>
+              <a:t>  * Use [Test Kitchen](http://</a:t>
+            </a:r>
+            <a:r>
+              <a:rPr lang="en-US" baseline="0" dirty="0" err="1" smtClean="0"/>
+              <a:t>kitchen.ci</a:t>
+            </a:r>
+            <a:r>
+              <a:rPr lang="en-US" baseline="0" dirty="0" smtClean="0"/>
+              <a:t>) to validate your chef-client runs.</a:t>
+            </a:r>
+          </a:p>
+          <a:p>
+            <a:r>
+              <a:rPr lang="en-US" baseline="0" dirty="0" smtClean="0"/>
+              <a:t>  * Add static code analysis using [</a:t>
+            </a:r>
+            <a:r>
+              <a:rPr lang="en-US" baseline="0" dirty="0" err="1" smtClean="0"/>
+              <a:t>Rubocop</a:t>
+            </a:r>
+            <a:r>
+              <a:rPr lang="en-US" baseline="0" dirty="0" smtClean="0"/>
+              <a:t>](https://</a:t>
+            </a:r>
+            <a:r>
+              <a:rPr lang="en-US" baseline="0" dirty="0" err="1" smtClean="0"/>
+              <a:t>github.com</a:t>
+            </a:r>
+            <a:r>
+              <a:rPr lang="en-US" baseline="0" dirty="0" smtClean="0"/>
+              <a:t>/</a:t>
+            </a:r>
+            <a:r>
+              <a:rPr lang="en-US" baseline="0" dirty="0" err="1" smtClean="0"/>
+              <a:t>bbatsov</a:t>
+            </a:r>
+            <a:r>
+              <a:rPr lang="en-US" baseline="0" dirty="0" smtClean="0"/>
+              <a:t>/</a:t>
+            </a:r>
+            <a:r>
+              <a:rPr lang="en-US" baseline="0" dirty="0" err="1" smtClean="0"/>
+              <a:t>rubocop</a:t>
+            </a:r>
+            <a:r>
+              <a:rPr lang="en-US" baseline="0" dirty="0" smtClean="0"/>
+              <a:t>) and [Food Critic](</a:t>
+            </a:r>
+            <a:r>
+              <a:rPr lang="en-US" baseline="0" dirty="0" err="1" smtClean="0"/>
+              <a:t>foodcritic.io</a:t>
+            </a:r>
+            <a:r>
+              <a:rPr lang="en-US" baseline="0" dirty="0" smtClean="0"/>
+              <a:t>).</a:t>
+            </a:r>
+          </a:p>
+          <a:p>
+            <a:r>
+              <a:rPr lang="en-US" baseline="0" dirty="0" smtClean="0"/>
+              <a:t>  * Add [</a:t>
+            </a:r>
+            <a:r>
+              <a:rPr lang="en-US" baseline="0" dirty="0" err="1" smtClean="0"/>
+              <a:t>ChefSpec</a:t>
+            </a:r>
+            <a:r>
+              <a:rPr lang="en-US" baseline="0" dirty="0" smtClean="0"/>
+              <a:t>](http://</a:t>
+            </a:r>
+            <a:r>
+              <a:rPr lang="en-US" baseline="0" dirty="0" err="1" smtClean="0"/>
+              <a:t>sethvargo.github.io</a:t>
+            </a:r>
+            <a:r>
+              <a:rPr lang="en-US" baseline="0" dirty="0" smtClean="0"/>
+              <a:t>/</a:t>
+            </a:r>
+            <a:r>
+              <a:rPr lang="en-US" baseline="0" dirty="0" err="1" smtClean="0"/>
+              <a:t>chefspec</a:t>
+            </a:r>
+            <a:r>
+              <a:rPr lang="en-US" baseline="0" dirty="0" smtClean="0"/>
+              <a:t>/) tests.</a:t>
+            </a:r>
+          </a:p>
+          <a:p>
+            <a:r>
+              <a:rPr lang="en-US" baseline="0" dirty="0" smtClean="0"/>
+              <a:t>  * Add [</a:t>
+            </a:r>
+            <a:r>
+              <a:rPr lang="en-US" baseline="0" dirty="0" err="1" smtClean="0"/>
+              <a:t>Serverspec</a:t>
+            </a:r>
+            <a:r>
+              <a:rPr lang="en-US" baseline="0" dirty="0" smtClean="0"/>
+              <a:t>](http://</a:t>
+            </a:r>
+            <a:r>
+              <a:rPr lang="en-US" baseline="0" dirty="0" err="1" smtClean="0"/>
+              <a:t>serverspec.org</a:t>
+            </a:r>
+            <a:r>
+              <a:rPr lang="en-US" baseline="0" dirty="0" smtClean="0"/>
+              <a:t>/) tests.</a:t>
+            </a:r>
+          </a:p>
+          <a:p>
+            <a:r>
+              <a:rPr lang="en-US" baseline="0" dirty="0" smtClean="0"/>
+              <a:t>  * Add a continuous integration server, such as Jenkins</a:t>
+            </a:r>
+          </a:p>
+          <a:p>
+            <a:r>
+              <a:rPr lang="en-US" baseline="0" dirty="0" smtClean="0"/>
+              <a:t>* Multi-tier implementation</a:t>
+            </a:r>
+          </a:p>
+          <a:p>
+            <a:r>
+              <a:rPr lang="en-US" baseline="0" dirty="0" smtClean="0"/>
+              <a:t>  * move the database to a separate node</a:t>
+            </a:r>
+          </a:p>
+          <a:p>
+            <a:r>
+              <a:rPr lang="en-US" baseline="0" dirty="0" smtClean="0"/>
+              <a:t>  * add a load balancer and additional web server</a:t>
+            </a:r>
+          </a:p>
+          <a:p>
+            <a:r>
+              <a:rPr lang="en-US" baseline="0" dirty="0" smtClean="0"/>
+              <a:t>* Community Cookbooks - What cookbooks in the [Supermarket](http://</a:t>
+            </a:r>
+            <a:r>
+              <a:rPr lang="en-US" baseline="0" dirty="0" err="1" smtClean="0"/>
+              <a:t>supermarket.getchef.com</a:t>
+            </a:r>
+            <a:r>
+              <a:rPr lang="en-US" baseline="0" dirty="0" smtClean="0"/>
+              <a:t>) might help?</a:t>
+            </a:r>
+          </a:p>
+          <a:p>
+            <a:r>
+              <a:rPr lang="en-US" baseline="0" dirty="0" smtClean="0"/>
+              <a:t>* Multi-OS support - what changes are required to deploy the application to </a:t>
+            </a:r>
+            <a:r>
+              <a:rPr lang="en-US" baseline="0" dirty="0" err="1" smtClean="0"/>
+              <a:t>CentOS</a:t>
+            </a:r>
+            <a:r>
+              <a:rPr lang="en-US" baseline="0" dirty="0" smtClean="0"/>
+              <a:t>? </a:t>
+            </a:r>
+          </a:p>
+          <a:p>
+            <a:r>
+              <a:rPr lang="en-US" baseline="0" dirty="0" smtClean="0"/>
+              <a:t>* Cloud deployment</a:t>
+            </a:r>
+          </a:p>
+          <a:p>
+            <a:r>
+              <a:rPr lang="en-US" baseline="0" dirty="0" smtClean="0"/>
+              <a:t>  * Can you deploy this </a:t>
+            </a:r>
+            <a:r>
+              <a:rPr lang="en-US" baseline="0" dirty="0" err="1" smtClean="0"/>
+              <a:t>applicaiton</a:t>
+            </a:r>
+            <a:r>
+              <a:rPr lang="en-US" baseline="0" dirty="0" smtClean="0"/>
+              <a:t> to another infrastructure as a service environment?  (AWS, Azure, Rackspace, Digital Ocean, etc.)</a:t>
+            </a:r>
+          </a:p>
+          <a:p>
+            <a:r>
+              <a:rPr lang="en-US" baseline="0" dirty="0" smtClean="0"/>
+              <a:t>* Operationalize</a:t>
+            </a:r>
+          </a:p>
+          <a:p>
+            <a:r>
+              <a:rPr lang="en-US" baseline="0" dirty="0" smtClean="0"/>
+              <a:t>  * Add monitoring (</a:t>
+            </a:r>
+            <a:r>
+              <a:rPr lang="en-US" baseline="0" dirty="0" err="1" smtClean="0"/>
+              <a:t>nagios</a:t>
+            </a:r>
+            <a:r>
+              <a:rPr lang="en-US" baseline="0" dirty="0" smtClean="0"/>
+              <a:t>, </a:t>
+            </a:r>
+            <a:r>
+              <a:rPr lang="en-US" baseline="0" dirty="0" err="1" smtClean="0"/>
+              <a:t>sensu</a:t>
+            </a:r>
+            <a:r>
+              <a:rPr lang="en-US" baseline="0" dirty="0" smtClean="0"/>
+              <a:t>, etc.)</a:t>
+            </a:r>
+          </a:p>
+          <a:p>
+            <a:r>
+              <a:rPr lang="en-US" baseline="0" dirty="0" smtClean="0"/>
+              <a:t>  * Add central logging (</a:t>
+            </a:r>
+            <a:r>
+              <a:rPr lang="en-US" baseline="0" dirty="0" err="1" smtClean="0"/>
+              <a:t>splunk</a:t>
+            </a:r>
+            <a:r>
+              <a:rPr lang="en-US" baseline="0" dirty="0" smtClean="0"/>
+              <a:t>, </a:t>
+            </a:r>
+            <a:r>
+              <a:rPr lang="en-US" baseline="0" dirty="0" err="1" smtClean="0"/>
+              <a:t>logstash</a:t>
+            </a:r>
+            <a:r>
+              <a:rPr lang="en-US" baseline="0" dirty="0" smtClean="0"/>
+              <a:t>, etc.)</a:t>
+            </a:r>
+          </a:p>
+          <a:p>
+            <a:r>
+              <a:rPr lang="en-US" baseline="0" dirty="0" smtClean="0"/>
+              <a:t>  * Schedule database backups</a:t>
+            </a:r>
+          </a:p>
+          <a:p>
+            <a:r>
+              <a:rPr lang="en-US" baseline="0" dirty="0" smtClean="0"/>
+              <a:t>  * Add an additional database for replication (master / slave)</a:t>
+            </a:r>
+          </a:p>
+          <a:p>
+            <a:r>
+              <a:rPr lang="en-US" baseline="0" dirty="0" smtClean="0"/>
+              <a:t>* </a:t>
+            </a:r>
+            <a:r>
+              <a:rPr lang="en-US" baseline="0" dirty="0" err="1" smtClean="0"/>
+              <a:t>Applicaiton</a:t>
+            </a:r>
+            <a:r>
+              <a:rPr lang="en-US" baseline="0" dirty="0" smtClean="0"/>
+              <a:t> Deployments</a:t>
+            </a:r>
+          </a:p>
+          <a:p>
+            <a:r>
+              <a:rPr lang="en-US" baseline="0" dirty="0" smtClean="0"/>
+              <a:t>  * How do you deploy updates to the Awesome Appliance Repair application?</a:t>
+            </a:r>
+          </a:p>
+          <a:p>
+            <a:endParaRPr lang="en-US" baseline="0" dirty="0" smtClean="0"/>
+          </a:p>
+          <a:p>
+            <a:endParaRPr lang="en-US" baseline="0" dirty="0" smtClean="0"/>
+          </a:p>
+          <a:p>
+            <a:endParaRPr lang="en-US" baseline="0" dirty="0" smtClean="0"/>
+          </a:p>
+          <a:p>
             <a:endParaRPr lang="en-US" dirty="0"/>
           </a:p>
         </p:txBody>
@@ -3649,7 +3641,7 @@
     </p:spTree>
     <p:extLst>
       <p:ext uri="{BB962C8B-B14F-4D97-AF65-F5344CB8AC3E}">
-        <p14:creationId xmlns:p14="http://schemas.microsoft.com/office/powerpoint/2010/main" val="3278519784"/>
+        <p14:creationId xmlns:p14="http://schemas.microsoft.com/office/powerpoint/2010/main" val="4252575558"/>
       </p:ext>
     </p:extLst>
   </p:cSld>
@@ -3705,11 +3697,20 @@
           <a:p>
             <a:r>
               <a:rPr lang="en-US" dirty="0" smtClean="0"/>
-              <a:t>Demo early</a:t>
+              <a:t>Go!</a:t>
+            </a:r>
+          </a:p>
+          <a:p>
+            <a:endParaRPr lang="en-US" dirty="0" smtClean="0"/>
+          </a:p>
+          <a:p>
+            <a:r>
+              <a:rPr lang="en-US" dirty="0" smtClean="0"/>
+              <a:t>Get</a:t>
             </a:r>
             <a:r>
               <a:rPr lang="en-US" baseline="0" dirty="0" smtClean="0"/>
-              <a:t> and demo often!  Have the participants share their progress, maybe every 20-40 minutes have another participant share what they’ve done so far and share with the class.</a:t>
+              <a:t> started on your own, let’s check-in again in 20 minutes or so.</a:t>
             </a:r>
             <a:endParaRPr lang="en-US" dirty="0"/>
           </a:p>
@@ -3784,7 +3785,7 @@
     </p:spTree>
     <p:extLst>
       <p:ext uri="{BB962C8B-B14F-4D97-AF65-F5344CB8AC3E}">
-        <p14:creationId xmlns:p14="http://schemas.microsoft.com/office/powerpoint/2010/main" val="71662303"/>
+        <p14:creationId xmlns:p14="http://schemas.microsoft.com/office/powerpoint/2010/main" val="3278519784"/>
       </p:ext>
     </p:extLst>
   </p:cSld>
@@ -3840,7 +3841,11 @@
           <a:p>
             <a:r>
               <a:rPr lang="en-US" dirty="0" smtClean="0"/>
-              <a:t>Wrapping up, let’s revisit our objectives.</a:t>
+              <a:t>Demo early</a:t>
+            </a:r>
+            <a:r>
+              <a:rPr lang="en-US" baseline="0" dirty="0" smtClean="0"/>
+              <a:t> and demo often!  Have the participants share their progress, maybe every 20-40 minutes have another participant share what they’ve done so far and share with the class.</a:t>
             </a:r>
             <a:endParaRPr lang="en-US" dirty="0"/>
           </a:p>
@@ -3915,7 +3920,7 @@
     </p:spTree>
     <p:extLst>
       <p:ext uri="{BB962C8B-B14F-4D97-AF65-F5344CB8AC3E}">
-        <p14:creationId xmlns:p14="http://schemas.microsoft.com/office/powerpoint/2010/main" val="1120799086"/>
+        <p14:creationId xmlns:p14="http://schemas.microsoft.com/office/powerpoint/2010/main" val="71662303"/>
       </p:ext>
     </p:extLst>
   </p:cSld>
@@ -3970,59 +3975,8 @@
           <a:lstStyle/>
           <a:p>
             <a:r>
-              <a:rPr lang="en-US" i="0" dirty="0" smtClean="0"/>
-              <a:t>Let’s spend 15 minutes reflecting on</a:t>
-            </a:r>
-            <a:r>
-              <a:rPr lang="en-US" i="0" baseline="0" dirty="0" smtClean="0"/>
-              <a:t> what we’ve learned today.  Give participants some time to reflect and ask a few of them to share some key insights.</a:t>
-            </a:r>
-            <a:endParaRPr lang="en-US" i="0" dirty="0" smtClean="0"/>
-          </a:p>
-          <a:p>
-            <a:endParaRPr lang="en-US" i="1" dirty="0" smtClean="0"/>
-          </a:p>
-          <a:p>
-            <a:r>
-              <a:rPr lang="en-US" i="1" dirty="0" smtClean="0"/>
-              <a:t>Employees</a:t>
-            </a:r>
-            <a:r>
-              <a:rPr lang="en-US" i="1" baseline="0" dirty="0" smtClean="0"/>
-              <a:t> who spent the last 15 minutes of their training period writing and reflecting on what they had learned did 23% better in the final training test than other employees, according to a study by </a:t>
-            </a:r>
-            <a:r>
-              <a:rPr lang="en-US" i="1" baseline="0" dirty="0" err="1" smtClean="0"/>
-              <a:t>Giada</a:t>
-            </a:r>
-            <a:r>
-              <a:rPr lang="en-US" i="1" baseline="0" dirty="0" smtClean="0"/>
-              <a:t> Di Stefano, of HEC Paris; and Bradley </a:t>
-            </a:r>
-            <a:r>
-              <a:rPr lang="en-US" i="1" baseline="0" dirty="0" err="1" smtClean="0"/>
-              <a:t>Staats</a:t>
-            </a:r>
-            <a:r>
-              <a:rPr lang="en-US" i="1" baseline="0" dirty="0" smtClean="0"/>
-              <a:t>, of the University of North Carolina.  “Learning by doing” is more effective when coupled with deliberate reflection, or “learning by thinking,” the study shows.</a:t>
-            </a:r>
-          </a:p>
-          <a:p>
-            <a:endParaRPr lang="en-US" baseline="0" dirty="0" smtClean="0"/>
-          </a:p>
-          <a:p>
-            <a:r>
-              <a:rPr lang="en-US" dirty="0" smtClean="0"/>
-              <a:t>"Stat Watch" </a:t>
-            </a:r>
-            <a:r>
-              <a:rPr lang="en-US" i="1" dirty="0" smtClean="0"/>
-              <a:t>Harvard Business Review </a:t>
-            </a:r>
-            <a:r>
-              <a:rPr lang="en-US" dirty="0" smtClean="0"/>
-              <a:t>July-August 2004: 28. Print.</a:t>
+              <a:rPr lang="en-US" dirty="0" smtClean="0"/>
+              <a:t>Wrapping up, let’s revisit our objectives.</a:t>
             </a:r>
             <a:endParaRPr lang="en-US" dirty="0"/>
           </a:p>
@@ -4097,7 +4051,7 @@
     </p:spTree>
     <p:extLst>
       <p:ext uri="{BB962C8B-B14F-4D97-AF65-F5344CB8AC3E}">
-        <p14:creationId xmlns:p14="http://schemas.microsoft.com/office/powerpoint/2010/main" val="3198240071"/>
+        <p14:creationId xmlns:p14="http://schemas.microsoft.com/office/powerpoint/2010/main" val="1120799086"/>
       </p:ext>
     </p:extLst>
   </p:cSld>
@@ -4152,12 +4106,59 @@
           <a:lstStyle/>
           <a:p>
             <a:r>
-              <a:rPr lang="en-US" dirty="0" smtClean="0"/>
-              <a:t>Provide</a:t>
-            </a:r>
-            <a:r>
-              <a:rPr lang="en-US" baseline="0" dirty="0" smtClean="0"/>
-              <a:t> feedback, share your solutions in the project</a:t>
+              <a:rPr lang="en-US" i="0" dirty="0" smtClean="0"/>
+              <a:t>Let’s spend 15 minutes reflecting on</a:t>
+            </a:r>
+            <a:r>
+              <a:rPr lang="en-US" i="0" baseline="0" dirty="0" smtClean="0"/>
+              <a:t> what we’ve learned today.  Give participants some time to reflect and ask a few of them to share some key insights.</a:t>
+            </a:r>
+            <a:endParaRPr lang="en-US" i="0" dirty="0" smtClean="0"/>
+          </a:p>
+          <a:p>
+            <a:endParaRPr lang="en-US" i="1" dirty="0" smtClean="0"/>
+          </a:p>
+          <a:p>
+            <a:r>
+              <a:rPr lang="en-US" i="1" dirty="0" smtClean="0"/>
+              <a:t>Employees</a:t>
+            </a:r>
+            <a:r>
+              <a:rPr lang="en-US" i="1" baseline="0" dirty="0" smtClean="0"/>
+              <a:t> who spent the last 15 minutes of their training period writing and reflecting on what they had learned did 23% better in the final training test than other employees, according to a study by </a:t>
+            </a:r>
+            <a:r>
+              <a:rPr lang="en-US" i="1" baseline="0" dirty="0" err="1" smtClean="0"/>
+              <a:t>Giada</a:t>
+            </a:r>
+            <a:r>
+              <a:rPr lang="en-US" i="1" baseline="0" dirty="0" smtClean="0"/>
+              <a:t> Di Stefano, of HEC Paris; and Bradley </a:t>
+            </a:r>
+            <a:r>
+              <a:rPr lang="en-US" i="1" baseline="0" dirty="0" err="1" smtClean="0"/>
+              <a:t>Staats</a:t>
+            </a:r>
+            <a:r>
+              <a:rPr lang="en-US" i="1" baseline="0" dirty="0" smtClean="0"/>
+              <a:t>, of the University of North Carolina.  “Learning by doing” is more effective when coupled with deliberate reflection, or “learning by thinking,” the study shows.</a:t>
+            </a:r>
+          </a:p>
+          <a:p>
+            <a:endParaRPr lang="en-US" baseline="0" dirty="0" smtClean="0"/>
+          </a:p>
+          <a:p>
+            <a:r>
+              <a:rPr lang="en-US" dirty="0" smtClean="0"/>
+              <a:t>"Stat Watch" </a:t>
+            </a:r>
+            <a:r>
+              <a:rPr lang="en-US" i="1" dirty="0" smtClean="0"/>
+              <a:t>Harvard Business Review </a:t>
+            </a:r>
+            <a:r>
+              <a:rPr lang="en-US" dirty="0" smtClean="0"/>
+              <a:t>July-August 2004: 28. Print.</a:t>
             </a:r>
             <a:endParaRPr lang="en-US" dirty="0"/>
           </a:p>
@@ -4232,7 +4233,7 @@
     </p:spTree>
     <p:extLst>
       <p:ext uri="{BB962C8B-B14F-4D97-AF65-F5344CB8AC3E}">
-        <p14:creationId xmlns:p14="http://schemas.microsoft.com/office/powerpoint/2010/main" val="2411697106"/>
+        <p14:creationId xmlns:p14="http://schemas.microsoft.com/office/powerpoint/2010/main" val="3198240071"/>
       </p:ext>
     </p:extLst>
   </p:cSld>
@@ -4364,6 +4365,141 @@
     <p:extLst>
       <p:ext uri="{BB962C8B-B14F-4D97-AF65-F5344CB8AC3E}">
         <p14:creationId xmlns:p14="http://schemas.microsoft.com/office/powerpoint/2010/main" val="1708907413"/>
+      </p:ext>
+    </p:extLst>
+  </p:cSld>
+  <p:clrMapOvr>
+    <a:masterClrMapping/>
+  </p:clrMapOvr>
+</p:notes>
+</file>
+
+<file path=ppt/notesSlides/notesSlide30.xml><?xml version="1.0" encoding="utf-8"?>
+<p:notes xmlns:a="http://schemas.openxmlformats.org/drawingml/2006/main" xmlns:r="http://schemas.openxmlformats.org/officeDocument/2006/relationships" xmlns:p="http://schemas.openxmlformats.org/presentationml/2006/main">
+  <p:cSld>
+    <p:spTree>
+      <p:nvGrpSpPr>
+        <p:cNvPr id="1" name=""/>
+        <p:cNvGrpSpPr/>
+        <p:nvPr/>
+      </p:nvGrpSpPr>
+      <p:grpSpPr>
+        <a:xfrm>
+          <a:off x="0" y="0"/>
+          <a:ext cx="0" cy="0"/>
+          <a:chOff x="0" y="0"/>
+          <a:chExt cx="0" cy="0"/>
+        </a:xfrm>
+      </p:grpSpPr>
+      <p:sp>
+        <p:nvSpPr>
+          <p:cNvPr id="2" name="Slide Image Placeholder 1"/>
+          <p:cNvSpPr>
+            <a:spLocks noGrp="1" noRot="1" noChangeAspect="1"/>
+          </p:cNvSpPr>
+          <p:nvPr>
+            <p:ph type="sldImg"/>
+          </p:nvPr>
+        </p:nvSpPr>
+        <p:spPr/>
+      </p:sp>
+      <p:sp>
+        <p:nvSpPr>
+          <p:cNvPr id="3" name="Notes Placeholder 2"/>
+          <p:cNvSpPr>
+            <a:spLocks noGrp="1"/>
+          </p:cNvSpPr>
+          <p:nvPr>
+            <p:ph type="body" idx="1"/>
+          </p:nvPr>
+        </p:nvSpPr>
+        <p:spPr/>
+        <p:txBody>
+          <a:bodyPr/>
+          <a:lstStyle/>
+          <a:p>
+            <a:r>
+              <a:rPr lang="en-US" dirty="0" smtClean="0"/>
+              <a:t>Provide</a:t>
+            </a:r>
+            <a:r>
+              <a:rPr lang="en-US" baseline="0" dirty="0" smtClean="0"/>
+              <a:t> feedback, share your solutions in the project</a:t>
+            </a:r>
+            <a:endParaRPr lang="en-US" dirty="0"/>
+          </a:p>
+        </p:txBody>
+      </p:sp>
+      <p:sp>
+        <p:nvSpPr>
+          <p:cNvPr id="4" name="Slide Number Placeholder 3"/>
+          <p:cNvSpPr>
+            <a:spLocks noGrp="1"/>
+          </p:cNvSpPr>
+          <p:nvPr>
+            <p:ph type="sldNum" sz="quarter" idx="10"/>
+          </p:nvPr>
+        </p:nvSpPr>
+        <p:spPr/>
+        <p:txBody>
+          <a:bodyPr/>
+          <a:lstStyle/>
+          <a:p>
+            <a:fld id="{8B263312-38AA-4E1E-B2B5-0F8F122B24FE}" type="slidenum">
+              <a:rPr lang="en-US" smtClean="0"/>
+              <a:pPr/>
+              <a:t>41</a:t>
+            </a:fld>
+            <a:endParaRPr lang="en-US" dirty="0"/>
+          </a:p>
+        </p:txBody>
+      </p:sp>
+      <p:sp>
+        <p:nvSpPr>
+          <p:cNvPr id="5" name="Header Placeholder 4"/>
+          <p:cNvSpPr>
+            <a:spLocks noGrp="1"/>
+          </p:cNvSpPr>
+          <p:nvPr>
+            <p:ph type="hdr" sz="quarter" idx="11"/>
+          </p:nvPr>
+        </p:nvSpPr>
+        <p:spPr/>
+        <p:txBody>
+          <a:bodyPr/>
+          <a:lstStyle/>
+          <a:p>
+            <a:endParaRPr lang="en-US" dirty="0"/>
+          </a:p>
+        </p:txBody>
+      </p:sp>
+      <p:sp>
+        <p:nvSpPr>
+          <p:cNvPr id="6" name="Footer Placeholder 5"/>
+          <p:cNvSpPr>
+            <a:spLocks noGrp="1"/>
+          </p:cNvSpPr>
+          <p:nvPr>
+            <p:ph type="ftr" sz="quarter" idx="12"/>
+          </p:nvPr>
+        </p:nvSpPr>
+        <p:spPr/>
+        <p:txBody>
+          <a:bodyPr/>
+          <a:lstStyle/>
+          <a:p>
+            <a:endParaRPr lang="en-US" sz="900" dirty="0" smtClean="0">
+              <a:solidFill>
+                <a:srgbClr val="000000"/>
+              </a:solidFill>
+            </a:endParaRPr>
+          </a:p>
+        </p:txBody>
+      </p:sp>
+    </p:spTree>
+    <p:extLst>
+      <p:ext uri="{BB962C8B-B14F-4D97-AF65-F5344CB8AC3E}">
+        <p14:creationId xmlns:p14="http://schemas.microsoft.com/office/powerpoint/2010/main" val="2411697106"/>
       </p:ext>
     </p:extLst>
   </p:cSld>
@@ -13332,7 +13468,7 @@
   </p:txStyles>
   <p:extLst mod="1">
     <p:ext uri="{27BBF7A9-308A-43DC-89C8-2F10F3537804}">
-      <p15:sldGuideLst xmlns="" xmlns:p15="http://schemas.microsoft.com/office/powerpoint/2012/main">
+      <p15:sldGuideLst xmlns:p15="http://schemas.microsoft.com/office/powerpoint/2012/main" xmlns="">
         <p15:guide id="1" pos="3840" userDrawn="1">
           <p15:clr>
             <a:srgbClr val="F26B43"/>
@@ -13443,11 +13579,7 @@
           <a:p>
             <a:r>
               <a:rPr lang="en-US" dirty="0" smtClean="0"/>
-              <a:t>Awesome Appliance </a:t>
-            </a:r>
-            <a:r>
-              <a:rPr lang="en-US" dirty="0" smtClean="0"/>
-              <a:t>Repair </a:t>
+              <a:t>Awesome Appliance Repair </a:t>
             </a:r>
             <a:endParaRPr lang="en-US" dirty="0"/>
           </a:p>
@@ -17261,13 +17393,13 @@
   <p:clrMapOvr>
     <a:masterClrMapping/>
   </p:clrMapOvr>
-  <mc:AlternateContent xmlns:mc="http://schemas.openxmlformats.org/markup-compatibility/2006">
-    <mc:Choice xmlns:p14="http://schemas.microsoft.com/office/powerpoint/2010/main" Requires="p14">
+  <mc:AlternateContent xmlns:mc="http://schemas.openxmlformats.org/markup-compatibility/2006" xmlns:p14="http://schemas.microsoft.com/office/powerpoint/2010/main">
+    <mc:Choice Requires="p14">
       <p:transition spd="med" p14:dur="700">
         <p:fade/>
       </p:transition>
     </mc:Choice>
-    <mc:Fallback>
+    <mc:Fallback xmlns="">
       <p:transition xmlns:p14="http://schemas.microsoft.com/office/powerpoint/2010/main" spd="med">
         <p:fade/>
       </p:transition>
@@ -17318,262 +17450,47 @@
           <a:lstStyle/>
           <a:p>
             <a:r>
-              <a:rPr lang="en-US" sz="1300" dirty="0" smtClean="0"/>
-              <a:t>Compiling </a:t>
-            </a:r>
-            <a:r>
-              <a:rPr lang="en-US" sz="1300" dirty="0"/>
-              <a:t>Cookbooks...</a:t>
-            </a:r>
-          </a:p>
-          <a:p>
-            <a:r>
-              <a:rPr lang="en-US" sz="1300" dirty="0"/>
-              <a:t>Recipe: </a:t>
-            </a:r>
-            <a:r>
-              <a:rPr lang="en-US" sz="1300" dirty="0" err="1"/>
-              <a:t>code_generator</a:t>
-            </a:r>
-            <a:r>
-              <a:rPr lang="en-US" sz="1300" dirty="0"/>
-              <a:t>::cookbook</a:t>
-            </a:r>
-          </a:p>
-          <a:p>
-            <a:r>
-              <a:rPr lang="en-US" sz="1300" dirty="0"/>
-              <a:t>  * directory[/Users</a:t>
-            </a:r>
-            <a:r>
-              <a:rPr lang="en-US" sz="1300" dirty="0" smtClean="0"/>
-              <a:t>/YOU/</a:t>
-            </a:r>
-            <a:r>
-              <a:rPr lang="en-US" sz="1300" dirty="0"/>
-              <a:t>Documents/Scratch/AAR-temp/Awesome-Appliance-Repair/AAR/AAR] action create</a:t>
-            </a:r>
-          </a:p>
-          <a:p>
-            <a:r>
-              <a:rPr lang="en-US" sz="1300" dirty="0"/>
-              <a:t>    - create new directory /Users</a:t>
-            </a:r>
-            <a:r>
-              <a:rPr lang="en-US" sz="1300" dirty="0" smtClean="0"/>
-              <a:t>/</a:t>
-            </a:r>
-            <a:r>
-              <a:rPr lang="en-US" sz="1300" dirty="0"/>
-              <a:t>YOU</a:t>
-            </a:r>
-            <a:r>
-              <a:rPr lang="en-US" sz="1300" dirty="0" smtClean="0"/>
-              <a:t>/</a:t>
-            </a:r>
-            <a:r>
-              <a:rPr lang="en-US" sz="1300" dirty="0"/>
-              <a:t>Documents/Scratch/AAR-temp/Awesome-Appliance-Repair/AAR/AAR</a:t>
-            </a:r>
-          </a:p>
-          <a:p>
-            <a:r>
-              <a:rPr lang="en-US" sz="1300" dirty="0"/>
-              <a:t>  * template[/Users</a:t>
-            </a:r>
-            <a:r>
-              <a:rPr lang="en-US" sz="1300" dirty="0" smtClean="0"/>
-              <a:t>/</a:t>
-            </a:r>
-            <a:r>
-              <a:rPr lang="en-US" sz="1300" dirty="0"/>
-              <a:t>YOU</a:t>
-            </a:r>
-            <a:r>
-              <a:rPr lang="en-US" sz="1300" dirty="0" smtClean="0"/>
-              <a:t>/</a:t>
-            </a:r>
-            <a:r>
-              <a:rPr lang="en-US" sz="1300" dirty="0"/>
-              <a:t>Documents/Scratch/AAR-temp/Awesome-Appliance-Repair/AAR/AAR/</a:t>
-            </a:r>
-            <a:r>
-              <a:rPr lang="en-US" sz="1300" dirty="0" err="1"/>
-              <a:t>metadata.rb</a:t>
-            </a:r>
-            <a:r>
-              <a:rPr lang="en-US" sz="1300" dirty="0"/>
-              <a:t>] action create</a:t>
-            </a:r>
-          </a:p>
-          <a:p>
-            <a:r>
-              <a:rPr lang="en-US" sz="1300" dirty="0"/>
-              <a:t>    - create new file /Users</a:t>
-            </a:r>
-            <a:r>
-              <a:rPr lang="en-US" sz="1300" dirty="0" smtClean="0"/>
-              <a:t>/</a:t>
-            </a:r>
-            <a:r>
-              <a:rPr lang="en-US" sz="1300" dirty="0"/>
-              <a:t>YOU</a:t>
-            </a:r>
-            <a:r>
-              <a:rPr lang="en-US" sz="1300" dirty="0" smtClean="0"/>
-              <a:t>/</a:t>
-            </a:r>
-            <a:r>
-              <a:rPr lang="en-US" sz="1300" dirty="0"/>
-              <a:t>Documents/Scratch/AAR-temp/Awesome-Appliance-Repair/AAR/AAR/</a:t>
-            </a:r>
-            <a:r>
-              <a:rPr lang="en-US" sz="1300" dirty="0" err="1"/>
-              <a:t>metadata.rb</a:t>
-            </a:r>
-            <a:endParaRPr lang="en-US" sz="1300" dirty="0"/>
-          </a:p>
-          <a:p>
-            <a:r>
-              <a:rPr lang="en-US" sz="1300" dirty="0"/>
-              <a:t>    - update content in file /Users</a:t>
-            </a:r>
-            <a:r>
-              <a:rPr lang="en-US" sz="1300" dirty="0" smtClean="0"/>
-              <a:t>/</a:t>
-            </a:r>
-            <a:r>
-              <a:rPr lang="en-US" sz="1300" dirty="0"/>
-              <a:t>YOU</a:t>
-            </a:r>
-            <a:r>
-              <a:rPr lang="en-US" sz="1300" dirty="0" smtClean="0"/>
-              <a:t>/</a:t>
-            </a:r>
-            <a:r>
-              <a:rPr lang="en-US" sz="1300" dirty="0"/>
-              <a:t>Documents/Scratch/AAR-temp/Awesome-Appliance-Repair/AAR/AAR/</a:t>
-            </a:r>
-            <a:r>
-              <a:rPr lang="en-US" sz="1300" dirty="0" err="1"/>
-              <a:t>metadata.rb</a:t>
-            </a:r>
-            <a:r>
-              <a:rPr lang="en-US" sz="1300" dirty="0"/>
-              <a:t> from none to f4bd5e</a:t>
-            </a:r>
-          </a:p>
-          <a:p>
-            <a:r>
-              <a:rPr lang="en-US" sz="1300" dirty="0"/>
-              <a:t>    (diff output suppressed by </a:t>
-            </a:r>
-            <a:r>
-              <a:rPr lang="en-US" sz="1300" dirty="0" err="1"/>
-              <a:t>config</a:t>
-            </a:r>
-            <a:r>
-              <a:rPr lang="en-US" sz="1300" dirty="0"/>
-              <a:t>)</a:t>
-            </a:r>
-          </a:p>
-          <a:p>
-            <a:r>
-              <a:rPr lang="en-US" sz="1300" dirty="0"/>
-              <a:t>  * template[/Users</a:t>
-            </a:r>
-            <a:r>
-              <a:rPr lang="en-US" sz="1300" dirty="0" smtClean="0"/>
-              <a:t>/</a:t>
-            </a:r>
-            <a:r>
-              <a:rPr lang="en-US" sz="1300" dirty="0"/>
-              <a:t>YOU</a:t>
-            </a:r>
-            <a:r>
-              <a:rPr lang="en-US" sz="1300" dirty="0" smtClean="0"/>
-              <a:t>/</a:t>
-            </a:r>
-            <a:r>
-              <a:rPr lang="en-US" sz="1300" dirty="0"/>
-              <a:t>Documents/Scratch/AAR-temp/Awesome-Appliance-Repair/AAR/AAR/</a:t>
-            </a:r>
-            <a:r>
-              <a:rPr lang="en-US" sz="1300" dirty="0" err="1"/>
-              <a:t>README.md</a:t>
-            </a:r>
-            <a:r>
-              <a:rPr lang="en-US" sz="1300" dirty="0"/>
-              <a:t>] action create</a:t>
-            </a:r>
-          </a:p>
-          <a:p>
-            <a:r>
-              <a:rPr lang="en-US" sz="1300" dirty="0"/>
-              <a:t>    - create new file /Users</a:t>
-            </a:r>
-            <a:r>
-              <a:rPr lang="en-US" sz="1300" dirty="0" smtClean="0"/>
-              <a:t>/</a:t>
-            </a:r>
-            <a:r>
-              <a:rPr lang="en-US" sz="1300" dirty="0"/>
-              <a:t>YOU</a:t>
-            </a:r>
-            <a:r>
-              <a:rPr lang="en-US" sz="1300" dirty="0" smtClean="0"/>
-              <a:t>/</a:t>
-            </a:r>
-            <a:r>
-              <a:rPr lang="en-US" sz="1300" dirty="0"/>
-              <a:t>Documents/Scratch/AAR-temp/Awesome-Appliance-Repair/AAR/AAR/</a:t>
-            </a:r>
-            <a:r>
-              <a:rPr lang="en-US" sz="1300" dirty="0" err="1"/>
-              <a:t>README.md</a:t>
-            </a:r>
-            <a:endParaRPr lang="en-US" sz="1300" dirty="0"/>
-          </a:p>
-          <a:p>
-            <a:r>
-              <a:rPr lang="en-US" sz="1300" dirty="0"/>
-              <a:t>    - update content in file /Users</a:t>
-            </a:r>
-            <a:r>
-              <a:rPr lang="en-US" sz="1300" dirty="0" smtClean="0"/>
-              <a:t>/</a:t>
-            </a:r>
-            <a:r>
-              <a:rPr lang="en-US" sz="1300" dirty="0"/>
-              <a:t>YOU</a:t>
-            </a:r>
-            <a:r>
-              <a:rPr lang="en-US" sz="1300" dirty="0" smtClean="0"/>
-              <a:t>/</a:t>
-            </a:r>
-            <a:r>
-              <a:rPr lang="en-US" sz="1300" dirty="0"/>
-              <a:t>Documents/Scratch/AAR-temp/Awesome-Appliance-Repair/AAR/AAR/</a:t>
-            </a:r>
-            <a:r>
-              <a:rPr lang="en-US" sz="1300" dirty="0" err="1"/>
-              <a:t>README.md</a:t>
-            </a:r>
-            <a:r>
-              <a:rPr lang="en-US" sz="1300" dirty="0"/>
-              <a:t> from none to </a:t>
-            </a:r>
-            <a:r>
-              <a:rPr lang="en-US" sz="1300" dirty="0" smtClean="0"/>
-              <a:t>1666ef</a:t>
-            </a:r>
-          </a:p>
-          <a:p>
-            <a:r>
-              <a:rPr lang="en-US" sz="1300" dirty="0" smtClean="0"/>
-              <a:t>...</a:t>
-            </a:r>
-            <a:endParaRPr lang="en-US" sz="1300" dirty="0"/>
+              <a:rPr lang="en-US" sz="2000" dirty="0"/>
+              <a:t>** Creating cookbook </a:t>
+            </a:r>
+            <a:r>
+              <a:rPr lang="en-US" sz="2000" dirty="0" err="1" smtClean="0"/>
+              <a:t>aar</a:t>
+            </a:r>
+            <a:endParaRPr lang="en-US" sz="2000" dirty="0"/>
+          </a:p>
+          <a:p>
+            <a:r>
+              <a:rPr lang="en-US" sz="2000" dirty="0"/>
+              <a:t>** Creating README for cookbook: </a:t>
+            </a:r>
+            <a:r>
+              <a:rPr lang="en-US" sz="2000" dirty="0" err="1" smtClean="0"/>
+              <a:t>aar</a:t>
+            </a:r>
+            <a:endParaRPr lang="en-US" sz="2000" dirty="0"/>
+          </a:p>
+          <a:p>
+            <a:r>
+              <a:rPr lang="en-US" sz="2000" dirty="0"/>
+              <a:t>** Creating CHANGELOG for cookbook: </a:t>
+            </a:r>
+            <a:r>
+              <a:rPr lang="en-US" sz="2000" dirty="0" err="1" smtClean="0"/>
+              <a:t>aar</a:t>
+            </a:r>
+            <a:endParaRPr lang="en-US" sz="2000" dirty="0"/>
+          </a:p>
+          <a:p>
+            <a:r>
+              <a:rPr lang="en-US" sz="2000" dirty="0"/>
+              <a:t>** Creating metadata for cookbook: </a:t>
+            </a:r>
+            <a:r>
+              <a:rPr lang="en-US" sz="2000" dirty="0" err="1" smtClean="0"/>
+              <a:t>aar</a:t>
+            </a:r>
+            <a:endParaRPr lang="en-US" sz="2000" dirty="0"/>
           </a:p>
         </p:txBody>
       </p:sp>
@@ -17590,7 +17507,7 @@
         <p:spPr>
           <a:xfrm>
             <a:off x="457200" y="228599"/>
-            <a:ext cx="11201400" cy="620683"/>
+            <a:ext cx="11614484" cy="1230080"/>
           </a:xfrm>
         </p:spPr>
         <p:txBody>
@@ -17599,7 +17516,15 @@
           <a:p>
             <a:r>
               <a:rPr lang="en-US" dirty="0" smtClean="0"/>
-              <a:t>Exercise: Create AAR cookbook</a:t>
+              <a:t>Exercise: Create </a:t>
+            </a:r>
+            <a:r>
+              <a:rPr lang="en-US" dirty="0" err="1" smtClean="0"/>
+              <a:t>aar</a:t>
+            </a:r>
+            <a:r>
+              <a:rPr lang="en-US" dirty="0" smtClean="0"/>
+              <a:t> cookbook using knife</a:t>
             </a:r>
             <a:endParaRPr lang="en-US" dirty="0"/>
           </a:p>
@@ -17633,11 +17558,11 @@
             </a:r>
             <a:r>
               <a:rPr lang="en-US" sz="2000" dirty="0"/>
-              <a:t>chef generate cookbook </a:t>
-            </a:r>
-            <a:r>
-              <a:rPr lang="en-US" sz="2000" dirty="0" smtClean="0"/>
-              <a:t>AAR</a:t>
+              <a:t>knife cookbook create </a:t>
+            </a:r>
+            <a:r>
+              <a:rPr lang="en-US" sz="2000" dirty="0" err="1" smtClean="0"/>
+              <a:t>aar</a:t>
             </a:r>
             <a:endParaRPr lang="en-US" sz="2000" dirty="0"/>
           </a:p>
@@ -17646,21 +17571,21 @@
     </p:spTree>
     <p:extLst>
       <p:ext uri="{BB962C8B-B14F-4D97-AF65-F5344CB8AC3E}">
-        <p14:creationId xmlns:p14="http://schemas.microsoft.com/office/powerpoint/2010/main" val="941099881"/>
+        <p14:creationId xmlns:p14="http://schemas.microsoft.com/office/powerpoint/2010/main" val="112459316"/>
       </p:ext>
     </p:extLst>
   </p:cSld>
   <p:clrMapOvr>
     <a:masterClrMapping/>
   </p:clrMapOvr>
-  <mc:AlternateContent xmlns:mc="http://schemas.openxmlformats.org/markup-compatibility/2006" xmlns:p14="http://schemas.microsoft.com/office/powerpoint/2010/main">
-    <mc:Choice Requires="p14">
+  <mc:AlternateContent xmlns:mc="http://schemas.openxmlformats.org/markup-compatibility/2006">
+    <mc:Choice xmlns:p14="http://schemas.microsoft.com/office/powerpoint/2010/main" Requires="p14">
       <p:transition spd="med" p14:dur="700">
         <p:fade/>
       </p:transition>
     </mc:Choice>
-    <mc:Fallback xmlns="">
-      <p:transition spd="med">
+    <mc:Fallback>
+      <p:transition xmlns:p14="http://schemas.microsoft.com/office/powerpoint/2010/main" spd="med">
         <p:fade/>
       </p:transition>
     </mc:Fallback>
@@ -17806,7 +17731,7 @@
 </file>
 
 <file path=ppt/slides/slide20.xml><?xml version="1.0" encoding="utf-8"?>
-<p:sld xmlns:a="http://schemas.openxmlformats.org/drawingml/2006/main" xmlns:r="http://schemas.openxmlformats.org/officeDocument/2006/relationships" xmlns:p="http://schemas.openxmlformats.org/presentationml/2006/main">
+<p:sld xmlns:a="http://schemas.openxmlformats.org/drawingml/2006/main" xmlns:r="http://schemas.openxmlformats.org/officeDocument/2006/relationships" xmlns:p="http://schemas.openxmlformats.org/presentationml/2006/main" show="0">
   <p:cSld>
     <p:spTree>
       <p:nvGrpSpPr>
@@ -17824,7 +17749,7 @@
       </p:grpSpPr>
       <p:sp>
         <p:nvSpPr>
-          <p:cNvPr id="6" name="Content Placeholder 5"/>
+          <p:cNvPr id="5" name="Content Placeholder 4"/>
           <p:cNvSpPr>
             <a:spLocks noGrp="1"/>
           </p:cNvSpPr>
@@ -17834,136 +17759,493 @@
         </p:nvSpPr>
         <p:spPr/>
         <p:txBody>
-          <a:bodyPr anchor="t" anchorCtr="0">
+          <a:bodyPr>
             <a:noAutofit/>
           </a:bodyPr>
           <a:lstStyle/>
           <a:p>
             <a:r>
-              <a:rPr lang="en-US" sz="1800" dirty="0" smtClean="0"/>
-              <a:t>$ cd AAR</a:t>
-            </a:r>
-          </a:p>
-          <a:p>
-            <a:r>
-              <a:rPr lang="en-US" sz="1800" dirty="0" smtClean="0"/>
-              <a:t>$ </a:t>
-            </a:r>
-            <a:r>
-              <a:rPr lang="en-US" sz="1800" dirty="0" err="1" smtClean="0"/>
-              <a:t>git</a:t>
-            </a:r>
-            <a:r>
-              <a:rPr lang="en-US" sz="1800" dirty="0" smtClean="0"/>
-              <a:t> add .</a:t>
-            </a:r>
-          </a:p>
-          <a:p>
-            <a:r>
-              <a:rPr lang="en-US" sz="1800" dirty="0" smtClean="0"/>
-              <a:t>$ </a:t>
-            </a:r>
-            <a:r>
-              <a:rPr lang="en-US" sz="1800" dirty="0" err="1"/>
-              <a:t>git</a:t>
-            </a:r>
-            <a:r>
-              <a:rPr lang="en-US" sz="1800" dirty="0"/>
-              <a:t> commit -m "first </a:t>
-            </a:r>
-            <a:r>
-              <a:rPr lang="en-US" sz="1800" dirty="0" smtClean="0"/>
-              <a:t>commit of AAR cookbook"</a:t>
-            </a:r>
-          </a:p>
-          <a:p>
-            <a:r>
-              <a:rPr lang="en-US" sz="1800" dirty="0"/>
-              <a:t>[master (root-commit) 5c162aa] first commit</a:t>
-            </a:r>
-          </a:p>
-          <a:p>
-            <a:r>
-              <a:rPr lang="en-US" sz="1800" dirty="0"/>
-              <a:t> 7 files changed, 151 insertions(+)</a:t>
-            </a:r>
-          </a:p>
-          <a:p>
-            <a:r>
-              <a:rPr lang="en-US" sz="1800" dirty="0"/>
-              <a:t> create mode 100644 .</a:t>
-            </a:r>
-            <a:r>
-              <a:rPr lang="en-US" sz="1800" dirty="0" err="1"/>
-              <a:t>gitignore</a:t>
-            </a:r>
-            <a:endParaRPr lang="en-US" sz="1800" dirty="0"/>
-          </a:p>
-          <a:p>
-            <a:r>
-              <a:rPr lang="en-US" sz="1800" dirty="0"/>
-              <a:t> create mode 100644 .</a:t>
-            </a:r>
-            <a:r>
-              <a:rPr lang="en-US" sz="1800" dirty="0" err="1"/>
-              <a:t>kitchen.yml</a:t>
-            </a:r>
-            <a:endParaRPr lang="en-US" sz="1800" dirty="0"/>
-          </a:p>
-          <a:p>
-            <a:r>
-              <a:rPr lang="en-US" sz="1800" dirty="0"/>
-              <a:t> create mode 100644 </a:t>
-            </a:r>
-            <a:r>
-              <a:rPr lang="en-US" sz="1800" dirty="0" err="1"/>
-              <a:t>Berksfile</a:t>
-            </a:r>
-            <a:endParaRPr lang="en-US" sz="1800" dirty="0"/>
-          </a:p>
-          <a:p>
-            <a:r>
-              <a:rPr lang="en-US" sz="1800" dirty="0"/>
-              <a:t> create mode 100644 </a:t>
-            </a:r>
-            <a:r>
-              <a:rPr lang="en-US" sz="1800" dirty="0" err="1"/>
+              <a:rPr lang="en-US" sz="1300" dirty="0" smtClean="0"/>
+              <a:t>Compiling </a:t>
+            </a:r>
+            <a:r>
+              <a:rPr lang="en-US" sz="1300" dirty="0"/>
+              <a:t>Cookbooks...</a:t>
+            </a:r>
+          </a:p>
+          <a:p>
+            <a:r>
+              <a:rPr lang="en-US" sz="1300" dirty="0"/>
+              <a:t>Recipe: </a:t>
+            </a:r>
+            <a:r>
+              <a:rPr lang="en-US" sz="1300" dirty="0" err="1"/>
+              <a:t>code_generator</a:t>
+            </a:r>
+            <a:r>
+              <a:rPr lang="en-US" sz="1300" dirty="0"/>
+              <a:t>::cookbook</a:t>
+            </a:r>
+          </a:p>
+          <a:p>
+            <a:r>
+              <a:rPr lang="en-US" sz="1300" dirty="0"/>
+              <a:t>  * directory[/Users</a:t>
+            </a:r>
+            <a:r>
+              <a:rPr lang="en-US" sz="1300" dirty="0" smtClean="0"/>
+              <a:t>/YOU/</a:t>
+            </a:r>
+            <a:r>
+              <a:rPr lang="en-US" sz="1300" dirty="0"/>
+              <a:t>Documents</a:t>
+            </a:r>
+            <a:r>
+              <a:rPr lang="en-US" sz="1300" dirty="0" smtClean="0"/>
+              <a:t>/Awesome</a:t>
+            </a:r>
+            <a:r>
+              <a:rPr lang="en-US" sz="1300" dirty="0"/>
+              <a:t>-Appliance-Repair</a:t>
+            </a:r>
+            <a:r>
+              <a:rPr lang="en-US" sz="1300" dirty="0" smtClean="0"/>
+              <a:t>/</a:t>
+            </a:r>
+            <a:r>
+              <a:rPr lang="en-US" sz="1300" dirty="0" err="1" smtClean="0"/>
+              <a:t>aar</a:t>
+            </a:r>
+            <a:r>
+              <a:rPr lang="en-US" sz="1300" dirty="0" smtClean="0"/>
+              <a:t>/</a:t>
+            </a:r>
+            <a:r>
+              <a:rPr lang="en-US" sz="1300" dirty="0" err="1" smtClean="0"/>
+              <a:t>aar</a:t>
+            </a:r>
+            <a:r>
+              <a:rPr lang="en-US" sz="1300" dirty="0" smtClean="0"/>
+              <a:t>] </a:t>
+            </a:r>
+            <a:r>
+              <a:rPr lang="en-US" sz="1300" dirty="0"/>
+              <a:t>action create</a:t>
+            </a:r>
+          </a:p>
+          <a:p>
+            <a:r>
+              <a:rPr lang="en-US" sz="1300" dirty="0"/>
+              <a:t>    - create new directory /Users</a:t>
+            </a:r>
+            <a:r>
+              <a:rPr lang="en-US" sz="1300" dirty="0" smtClean="0"/>
+              <a:t>/</a:t>
+            </a:r>
+            <a:r>
+              <a:rPr lang="en-US" sz="1300" dirty="0"/>
+              <a:t>YOU</a:t>
+            </a:r>
+            <a:r>
+              <a:rPr lang="en-US" sz="1300" dirty="0" smtClean="0"/>
+              <a:t>/</a:t>
+            </a:r>
+            <a:r>
+              <a:rPr lang="en-US" sz="1300" dirty="0"/>
+              <a:t>Documents</a:t>
+            </a:r>
+            <a:r>
+              <a:rPr lang="en-US" sz="1300" dirty="0" smtClean="0"/>
+              <a:t>/Awesome</a:t>
+            </a:r>
+            <a:r>
+              <a:rPr lang="en-US" sz="1300" dirty="0"/>
+              <a:t>-Appliance-Repair</a:t>
+            </a:r>
+            <a:r>
+              <a:rPr lang="en-US" sz="1300" dirty="0" smtClean="0"/>
+              <a:t>/</a:t>
+            </a:r>
+            <a:r>
+              <a:rPr lang="en-US" sz="1300" dirty="0" err="1" smtClean="0"/>
+              <a:t>aar</a:t>
+            </a:r>
+            <a:r>
+              <a:rPr lang="en-US" sz="1300" dirty="0" smtClean="0"/>
+              <a:t>/</a:t>
+            </a:r>
+            <a:r>
+              <a:rPr lang="en-US" sz="1300" dirty="0" err="1" smtClean="0"/>
+              <a:t>aar</a:t>
+            </a:r>
+            <a:endParaRPr lang="en-US" sz="1300" dirty="0"/>
+          </a:p>
+          <a:p>
+            <a:r>
+              <a:rPr lang="en-US" sz="1300" dirty="0"/>
+              <a:t>  * template[/Users</a:t>
+            </a:r>
+            <a:r>
+              <a:rPr lang="en-US" sz="1300" dirty="0" smtClean="0"/>
+              <a:t>/</a:t>
+            </a:r>
+            <a:r>
+              <a:rPr lang="en-US" sz="1300" dirty="0"/>
+              <a:t>YOU</a:t>
+            </a:r>
+            <a:r>
+              <a:rPr lang="en-US" sz="1300" dirty="0" smtClean="0"/>
+              <a:t>/</a:t>
+            </a:r>
+            <a:r>
+              <a:rPr lang="en-US" sz="1300" dirty="0"/>
+              <a:t>Documents</a:t>
+            </a:r>
+            <a:r>
+              <a:rPr lang="en-US" sz="1300" dirty="0" smtClean="0"/>
+              <a:t>/Awesome</a:t>
+            </a:r>
+            <a:r>
+              <a:rPr lang="en-US" sz="1300" dirty="0"/>
+              <a:t>-Appliance-Repair</a:t>
+            </a:r>
+            <a:r>
+              <a:rPr lang="en-US" sz="1300" dirty="0" smtClean="0"/>
+              <a:t>/</a:t>
+            </a:r>
+            <a:r>
+              <a:rPr lang="en-US" sz="1300" dirty="0" err="1" smtClean="0"/>
+              <a:t>aar</a:t>
+            </a:r>
+            <a:r>
+              <a:rPr lang="en-US" sz="1300" dirty="0" smtClean="0"/>
+              <a:t>/</a:t>
+            </a:r>
+            <a:r>
+              <a:rPr lang="en-US" sz="1300" dirty="0" err="1" smtClean="0"/>
+              <a:t>aar</a:t>
+            </a:r>
+            <a:r>
+              <a:rPr lang="en-US" sz="1300" dirty="0" smtClean="0"/>
+              <a:t>/</a:t>
+            </a:r>
+            <a:r>
+              <a:rPr lang="en-US" sz="1300" dirty="0" err="1"/>
+              <a:t>metadata.rb</a:t>
+            </a:r>
+            <a:r>
+              <a:rPr lang="en-US" sz="1300" dirty="0"/>
+              <a:t>] action create</a:t>
+            </a:r>
+          </a:p>
+          <a:p>
+            <a:r>
+              <a:rPr lang="en-US" sz="1300" dirty="0"/>
+              <a:t>    - create new file /Users</a:t>
+            </a:r>
+            <a:r>
+              <a:rPr lang="en-US" sz="1300" dirty="0" smtClean="0"/>
+              <a:t>/</a:t>
+            </a:r>
+            <a:r>
+              <a:rPr lang="en-US" sz="1300" dirty="0"/>
+              <a:t>YOU</a:t>
+            </a:r>
+            <a:r>
+              <a:rPr lang="en-US" sz="1300" dirty="0" smtClean="0"/>
+              <a:t>/</a:t>
+            </a:r>
+            <a:r>
+              <a:rPr lang="en-US" sz="1300" dirty="0"/>
+              <a:t>Documents</a:t>
+            </a:r>
+            <a:r>
+              <a:rPr lang="en-US" sz="1300" dirty="0" smtClean="0"/>
+              <a:t>/Awesome</a:t>
+            </a:r>
+            <a:r>
+              <a:rPr lang="en-US" sz="1300" dirty="0"/>
+              <a:t>-Appliance-Repair</a:t>
+            </a:r>
+            <a:r>
+              <a:rPr lang="en-US" sz="1300" dirty="0" smtClean="0"/>
+              <a:t>/</a:t>
+            </a:r>
+            <a:r>
+              <a:rPr lang="en-US" sz="1300" dirty="0" err="1" smtClean="0"/>
+              <a:t>aar</a:t>
+            </a:r>
+            <a:r>
+              <a:rPr lang="en-US" sz="1300" dirty="0" smtClean="0"/>
+              <a:t>/</a:t>
+            </a:r>
+            <a:r>
+              <a:rPr lang="en-US" sz="1300" dirty="0" err="1" smtClean="0"/>
+              <a:t>aar</a:t>
+            </a:r>
+            <a:r>
+              <a:rPr lang="en-US" sz="1300" dirty="0" smtClean="0"/>
+              <a:t>/</a:t>
+            </a:r>
+            <a:r>
+              <a:rPr lang="en-US" sz="1300" dirty="0" err="1"/>
+              <a:t>metadata.rb</a:t>
+            </a:r>
+            <a:endParaRPr lang="en-US" sz="1300" dirty="0"/>
+          </a:p>
+          <a:p>
+            <a:r>
+              <a:rPr lang="en-US" sz="1300" dirty="0"/>
+              <a:t>    - update content in file /Users</a:t>
+            </a:r>
+            <a:r>
+              <a:rPr lang="en-US" sz="1300" dirty="0" smtClean="0"/>
+              <a:t>/</a:t>
+            </a:r>
+            <a:r>
+              <a:rPr lang="en-US" sz="1300" dirty="0"/>
+              <a:t>YOU</a:t>
+            </a:r>
+            <a:r>
+              <a:rPr lang="en-US" sz="1300" dirty="0" smtClean="0"/>
+              <a:t>/</a:t>
+            </a:r>
+            <a:r>
+              <a:rPr lang="en-US" sz="1300" dirty="0"/>
+              <a:t>Documents</a:t>
+            </a:r>
+            <a:r>
+              <a:rPr lang="en-US" sz="1300" dirty="0" smtClean="0"/>
+              <a:t>/Awesome</a:t>
+            </a:r>
+            <a:r>
+              <a:rPr lang="en-US" sz="1300" dirty="0"/>
+              <a:t>-Appliance-Repair</a:t>
+            </a:r>
+            <a:r>
+              <a:rPr lang="en-US" sz="1300" dirty="0" smtClean="0"/>
+              <a:t>/</a:t>
+            </a:r>
+            <a:r>
+              <a:rPr lang="en-US" sz="1300" dirty="0" err="1" smtClean="0"/>
+              <a:t>aar</a:t>
+            </a:r>
+            <a:r>
+              <a:rPr lang="en-US" sz="1300" dirty="0" smtClean="0"/>
+              <a:t>/</a:t>
+            </a:r>
+            <a:r>
+              <a:rPr lang="en-US" sz="1300" dirty="0" err="1" smtClean="0"/>
+              <a:t>aar</a:t>
+            </a:r>
+            <a:r>
+              <a:rPr lang="en-US" sz="1300" dirty="0" smtClean="0"/>
+              <a:t>/</a:t>
+            </a:r>
+            <a:r>
+              <a:rPr lang="en-US" sz="1300" dirty="0" err="1"/>
+              <a:t>metadata.rb</a:t>
+            </a:r>
+            <a:r>
+              <a:rPr lang="en-US" sz="1300" dirty="0"/>
+              <a:t> from none to f4bd5e</a:t>
+            </a:r>
+          </a:p>
+          <a:p>
+            <a:r>
+              <a:rPr lang="en-US" sz="1300" dirty="0"/>
+              <a:t>    (diff output suppressed by </a:t>
+            </a:r>
+            <a:r>
+              <a:rPr lang="en-US" sz="1300" dirty="0" err="1"/>
+              <a:t>config</a:t>
+            </a:r>
+            <a:r>
+              <a:rPr lang="en-US" sz="1300" dirty="0"/>
+              <a:t>)</a:t>
+            </a:r>
+          </a:p>
+          <a:p>
+            <a:r>
+              <a:rPr lang="en-US" sz="1300" dirty="0"/>
+              <a:t>  * template[/Users</a:t>
+            </a:r>
+            <a:r>
+              <a:rPr lang="en-US" sz="1300" dirty="0" smtClean="0"/>
+              <a:t>/</a:t>
+            </a:r>
+            <a:r>
+              <a:rPr lang="en-US" sz="1300" dirty="0"/>
+              <a:t>YOU</a:t>
+            </a:r>
+            <a:r>
+              <a:rPr lang="en-US" sz="1300" dirty="0" smtClean="0"/>
+              <a:t>/</a:t>
+            </a:r>
+            <a:r>
+              <a:rPr lang="en-US" sz="1300" dirty="0"/>
+              <a:t>Documents</a:t>
+            </a:r>
+            <a:r>
+              <a:rPr lang="en-US" sz="1300" dirty="0" smtClean="0"/>
+              <a:t>/Awesome</a:t>
+            </a:r>
+            <a:r>
+              <a:rPr lang="en-US" sz="1300" dirty="0"/>
+              <a:t>-Appliance-Repair</a:t>
+            </a:r>
+            <a:r>
+              <a:rPr lang="en-US" sz="1300" dirty="0" smtClean="0"/>
+              <a:t>/</a:t>
+            </a:r>
+            <a:r>
+              <a:rPr lang="en-US" sz="1300" dirty="0" err="1" smtClean="0"/>
+              <a:t>aar</a:t>
+            </a:r>
+            <a:r>
+              <a:rPr lang="en-US" sz="1300" dirty="0" smtClean="0"/>
+              <a:t>/</a:t>
+            </a:r>
+            <a:r>
+              <a:rPr lang="en-US" sz="1300" dirty="0" err="1" smtClean="0"/>
+              <a:t>aar</a:t>
+            </a:r>
+            <a:r>
+              <a:rPr lang="en-US" sz="1300" dirty="0" smtClean="0"/>
+              <a:t>/</a:t>
+            </a:r>
+            <a:r>
+              <a:rPr lang="en-US" sz="1300" dirty="0" err="1"/>
               <a:t>README.md</a:t>
             </a:r>
-            <a:endParaRPr lang="en-US" sz="1800" dirty="0"/>
-          </a:p>
-          <a:p>
-            <a:r>
-              <a:rPr lang="en-US" sz="1800" dirty="0"/>
-              <a:t> create mode 100644 </a:t>
-            </a:r>
-            <a:r>
-              <a:rPr lang="en-US" sz="1800" dirty="0" err="1"/>
-              <a:t>chefignore</a:t>
-            </a:r>
-            <a:endParaRPr lang="en-US" sz="1800" dirty="0"/>
-          </a:p>
-          <a:p>
-            <a:r>
-              <a:rPr lang="en-US" sz="1800" dirty="0"/>
-              <a:t> create mode 100644 </a:t>
-            </a:r>
-            <a:r>
-              <a:rPr lang="en-US" sz="1800" dirty="0" err="1"/>
-              <a:t>metadata.rb</a:t>
-            </a:r>
-            <a:endParaRPr lang="en-US" sz="1800" dirty="0"/>
-          </a:p>
-          <a:p>
-            <a:r>
-              <a:rPr lang="en-US" sz="1800" dirty="0"/>
-              <a:t> create mode 100644 recipes/</a:t>
-            </a:r>
-            <a:r>
-              <a:rPr lang="en-US" sz="1800" dirty="0" err="1" smtClean="0"/>
-              <a:t>default.rb</a:t>
-            </a:r>
-            <a:endParaRPr lang="en-US" sz="1800" dirty="0"/>
+            <a:r>
+              <a:rPr lang="en-US" sz="1300" dirty="0"/>
+              <a:t>] action create</a:t>
+            </a:r>
+          </a:p>
+          <a:p>
+            <a:r>
+              <a:rPr lang="en-US" sz="1300" dirty="0"/>
+              <a:t>    - create new file /Users</a:t>
+            </a:r>
+            <a:r>
+              <a:rPr lang="en-US" sz="1300" dirty="0" smtClean="0"/>
+              <a:t>/</a:t>
+            </a:r>
+            <a:r>
+              <a:rPr lang="en-US" sz="1300" dirty="0"/>
+              <a:t>YOU</a:t>
+            </a:r>
+            <a:r>
+              <a:rPr lang="en-US" sz="1300" dirty="0" smtClean="0"/>
+              <a:t>/</a:t>
+            </a:r>
+            <a:r>
+              <a:rPr lang="en-US" sz="1300" dirty="0"/>
+              <a:t>Documents</a:t>
+            </a:r>
+            <a:r>
+              <a:rPr lang="en-US" sz="1300" dirty="0" smtClean="0"/>
+              <a:t>/Awesome</a:t>
+            </a:r>
+            <a:r>
+              <a:rPr lang="en-US" sz="1300" dirty="0"/>
+              <a:t>-Appliance-Repair</a:t>
+            </a:r>
+            <a:r>
+              <a:rPr lang="en-US" sz="1300" dirty="0" smtClean="0"/>
+              <a:t>/</a:t>
+            </a:r>
+            <a:r>
+              <a:rPr lang="en-US" sz="1300" dirty="0" err="1" smtClean="0"/>
+              <a:t>aar</a:t>
+            </a:r>
+            <a:r>
+              <a:rPr lang="en-US" sz="1300" dirty="0" smtClean="0"/>
+              <a:t>/</a:t>
+            </a:r>
+            <a:r>
+              <a:rPr lang="en-US" sz="1300" dirty="0" err="1" smtClean="0"/>
+              <a:t>aar</a:t>
+            </a:r>
+            <a:r>
+              <a:rPr lang="en-US" sz="1300" dirty="0" smtClean="0"/>
+              <a:t>/</a:t>
+            </a:r>
+            <a:r>
+              <a:rPr lang="en-US" sz="1300" dirty="0" err="1"/>
+              <a:t>README.md</a:t>
+            </a:r>
+            <a:endParaRPr lang="en-US" sz="1300" dirty="0"/>
+          </a:p>
+          <a:p>
+            <a:r>
+              <a:rPr lang="en-US" sz="1300" dirty="0"/>
+              <a:t>    - update content in file /Users</a:t>
+            </a:r>
+            <a:r>
+              <a:rPr lang="en-US" sz="1300" dirty="0" smtClean="0"/>
+              <a:t>/</a:t>
+            </a:r>
+            <a:r>
+              <a:rPr lang="en-US" sz="1300" dirty="0"/>
+              <a:t>YOU</a:t>
+            </a:r>
+            <a:r>
+              <a:rPr lang="en-US" sz="1300" dirty="0" smtClean="0"/>
+              <a:t>/</a:t>
+            </a:r>
+            <a:r>
+              <a:rPr lang="en-US" sz="1300" dirty="0"/>
+              <a:t>Documents</a:t>
+            </a:r>
+            <a:r>
+              <a:rPr lang="en-US" sz="1300" dirty="0" smtClean="0"/>
+              <a:t>/Awesome</a:t>
+            </a:r>
+            <a:r>
+              <a:rPr lang="en-US" sz="1300" dirty="0"/>
+              <a:t>-Appliance-Repair</a:t>
+            </a:r>
+            <a:r>
+              <a:rPr lang="en-US" sz="1300" dirty="0" smtClean="0"/>
+              <a:t>/</a:t>
+            </a:r>
+            <a:r>
+              <a:rPr lang="en-US" sz="1300" dirty="0" err="1" smtClean="0"/>
+              <a:t>aar</a:t>
+            </a:r>
+            <a:r>
+              <a:rPr lang="en-US" sz="1300" dirty="0" smtClean="0"/>
+              <a:t>/</a:t>
+            </a:r>
+            <a:r>
+              <a:rPr lang="en-US" sz="1300" dirty="0" err="1" smtClean="0"/>
+              <a:t>aar</a:t>
+            </a:r>
+            <a:r>
+              <a:rPr lang="en-US" sz="1300" dirty="0" smtClean="0"/>
+              <a:t>/</a:t>
+            </a:r>
+            <a:r>
+              <a:rPr lang="en-US" sz="1300" dirty="0" err="1"/>
+              <a:t>README.md</a:t>
+            </a:r>
+            <a:r>
+              <a:rPr lang="en-US" sz="1300" dirty="0"/>
+              <a:t> from none to </a:t>
+            </a:r>
+            <a:r>
+              <a:rPr lang="en-US" sz="1300" dirty="0" smtClean="0"/>
+              <a:t>1666ef</a:t>
+            </a:r>
+          </a:p>
+          <a:p>
+            <a:r>
+              <a:rPr lang="en-US" sz="1300" dirty="0" smtClean="0"/>
+              <a:t>...</a:t>
+            </a:r>
+            <a:endParaRPr lang="en-US" sz="1300" dirty="0"/>
           </a:p>
         </p:txBody>
       </p:sp>
@@ -17979,8 +18261,8 @@
         </p:nvSpPr>
         <p:spPr>
           <a:xfrm>
-            <a:off x="457199" y="228599"/>
-            <a:ext cx="11574379" cy="620683"/>
+            <a:off x="457200" y="228599"/>
+            <a:ext cx="11601116" cy="564257"/>
           </a:xfrm>
         </p:spPr>
         <p:txBody>
@@ -17988,35 +18270,81 @@
           <a:lstStyle/>
           <a:p>
             <a:r>
-              <a:rPr lang="en-US" dirty="0" smtClean="0"/>
-              <a:t>Exercise: Add cookbook to </a:t>
-            </a:r>
-            <a:r>
-              <a:rPr lang="en-US" dirty="0" err="1" smtClean="0"/>
-              <a:t>git</a:t>
-            </a:r>
-            <a:endParaRPr lang="en-US" dirty="0"/>
+              <a:rPr lang="en-US" sz="4000" dirty="0" smtClean="0"/>
+              <a:t>Exercise: Create </a:t>
+            </a:r>
+            <a:r>
+              <a:rPr lang="en-US" sz="4000" dirty="0" err="1" smtClean="0"/>
+              <a:t>aar</a:t>
+            </a:r>
+            <a:r>
+              <a:rPr lang="en-US" sz="4000" dirty="0" smtClean="0"/>
+              <a:t> cookbook using </a:t>
+            </a:r>
+            <a:r>
+              <a:rPr lang="en-US" sz="4000" dirty="0" err="1" smtClean="0"/>
+              <a:t>ChefDK</a:t>
+            </a:r>
+            <a:endParaRPr lang="en-US" sz="4000" dirty="0"/>
+          </a:p>
+        </p:txBody>
+      </p:sp>
+      <p:sp>
+        <p:nvSpPr>
+          <p:cNvPr id="6" name="Content Placeholder 5"/>
+          <p:cNvSpPr>
+            <a:spLocks noGrp="1"/>
+          </p:cNvSpPr>
+          <p:nvPr>
+            <p:ph sz="quarter" idx="12"/>
+          </p:nvPr>
+        </p:nvSpPr>
+        <p:spPr>
+          <a:xfrm>
+            <a:off x="508000" y="1229895"/>
+            <a:ext cx="10855159" cy="662793"/>
+          </a:xfrm>
+        </p:spPr>
+        <p:txBody>
+          <a:bodyPr anchor="ctr" anchorCtr="0">
+            <a:noAutofit/>
+          </a:bodyPr>
+          <a:lstStyle/>
+          <a:p>
+            <a:r>
+              <a:rPr lang="en-US" sz="2000" dirty="0" smtClean="0"/>
+              <a:t>$ </a:t>
+            </a:r>
+            <a:r>
+              <a:rPr lang="en-US" sz="2000" dirty="0"/>
+              <a:t>chef generate cookbook </a:t>
+            </a:r>
+            <a:r>
+              <a:rPr lang="en-US" sz="2000" dirty="0" err="1" smtClean="0"/>
+              <a:t>aar</a:t>
+            </a:r>
+            <a:endParaRPr lang="en-US" sz="2000" dirty="0"/>
           </a:p>
         </p:txBody>
       </p:sp>
     </p:spTree>
     <p:extLst>
       <p:ext uri="{BB962C8B-B14F-4D97-AF65-F5344CB8AC3E}">
-        <p14:creationId xmlns:p14="http://schemas.microsoft.com/office/powerpoint/2010/main" val="1751228570"/>
+        <p14:creationId xmlns:p14="http://schemas.microsoft.com/office/powerpoint/2010/main" val="941099881"/>
       </p:ext>
     </p:extLst>
   </p:cSld>
   <p:clrMapOvr>
     <a:masterClrMapping/>
   </p:clrMapOvr>
-  <mc:AlternateContent xmlns:mc="http://schemas.openxmlformats.org/markup-compatibility/2006" xmlns:p14="http://schemas.microsoft.com/office/powerpoint/2010/main">
-    <mc:Choice Requires="p14">
+  <mc:AlternateContent xmlns:mc="http://schemas.openxmlformats.org/markup-compatibility/2006">
+    <mc:Choice xmlns:p14="http://schemas.microsoft.com/office/powerpoint/2010/main" Requires="p14">
       <p:transition spd="med" p14:dur="700">
         <p:fade/>
       </p:transition>
     </mc:Choice>
-    <mc:Fallback xmlns="">
-      <p:transition spd="med">
+    <mc:Fallback>
+      <p:transition xmlns:p14="http://schemas.microsoft.com/office/powerpoint/2010/main" spd="med">
         <p:fade/>
       </p:transition>
     </mc:Fallback>
@@ -18066,7 +18394,32 @@
           <a:lstStyle/>
           <a:p>
             <a:r>
-              <a:rPr lang="en-US" sz="1800" dirty="0"/>
+              <a:rPr lang="en-US" sz="1800" dirty="0" smtClean="0"/>
+              <a:t>$ cd </a:t>
+            </a:r>
+            <a:r>
+              <a:rPr lang="en-US" sz="1800" dirty="0" err="1" smtClean="0"/>
+              <a:t>aar</a:t>
+            </a:r>
+            <a:endParaRPr lang="en-US" sz="1800" dirty="0" smtClean="0"/>
+          </a:p>
+          <a:p>
+            <a:r>
+              <a:rPr lang="en-US" sz="1800" dirty="0" smtClean="0"/>
+              <a:t>$ </a:t>
+            </a:r>
+            <a:r>
+              <a:rPr lang="en-US" sz="1800" dirty="0" err="1" smtClean="0"/>
+              <a:t>git</a:t>
+            </a:r>
+            <a:r>
+              <a:rPr lang="en-US" sz="1800" dirty="0" smtClean="0"/>
+              <a:t> add .</a:t>
+            </a:r>
+          </a:p>
+          <a:p>
+            <a:r>
+              <a:rPr lang="en-US" sz="1800" dirty="0" smtClean="0"/>
               <a:t>$ </a:t>
             </a:r>
             <a:r>
@@ -18075,119 +18428,111 @@
             </a:r>
             <a:r>
               <a:rPr lang="en-US" sz="1800" dirty="0"/>
-              <a:t> remote add origin </a:t>
+              <a:t> commit -m "first </a:t>
+            </a:r>
+            <a:r>
+              <a:rPr lang="en-US" sz="1800" dirty="0" smtClean="0"/>
+              <a:t>commit of </a:t>
+            </a:r>
+            <a:r>
+              <a:rPr lang="en-US" sz="1800" dirty="0" err="1" smtClean="0"/>
+              <a:t>aar</a:t>
+            </a:r>
+            <a:r>
+              <a:rPr lang="en-US" sz="1800" dirty="0" smtClean="0"/>
+              <a:t> </a:t>
+            </a:r>
+            <a:r>
+              <a:rPr lang="en-US" sz="1800" dirty="0" smtClean="0"/>
+              <a:t>cookbook"</a:t>
+            </a:r>
+          </a:p>
+          <a:p>
+            <a:r>
+              <a:rPr lang="en-US" sz="1800" dirty="0"/>
+              <a:t>[master (root-commit) 5c162aa] first commit</a:t>
+            </a:r>
+          </a:p>
+          <a:p>
+            <a:r>
+              <a:rPr lang="en-US" sz="1800" dirty="0"/>
+              <a:t> 7 files changed, 151 insertions(+)</a:t>
+            </a:r>
+          </a:p>
+          <a:p>
+            <a:r>
+              <a:rPr lang="en-US" sz="1800" dirty="0"/>
+              <a:t> create mode 100644 .</a:t>
             </a:r>
             <a:r>
               <a:rPr lang="en-US" sz="1800" dirty="0" err="1"/>
-              <a:t>git@github.com:YOU</a:t>
-            </a:r>
+              <a:t>gitignore</a:t>
+            </a:r>
+            <a:endParaRPr lang="en-US" sz="1800" dirty="0"/>
+          </a:p>
+          <a:p>
             <a:r>
               <a:rPr lang="en-US" sz="1800" dirty="0"/>
-              <a:t>/my-</a:t>
+              <a:t> create mode 100644 .</a:t>
             </a:r>
             <a:r>
               <a:rPr lang="en-US" sz="1800" dirty="0" err="1"/>
-              <a:t>aar.git</a:t>
+              <a:t>kitchen.yml</a:t>
             </a:r>
             <a:endParaRPr lang="en-US" sz="1800" dirty="0"/>
           </a:p>
           <a:p>
             <a:r>
-              <a:rPr lang="en-US" sz="1800" dirty="0" smtClean="0"/>
-              <a:t>$ </a:t>
+              <a:rPr lang="en-US" sz="1800" dirty="0"/>
+              <a:t> create mode 100644 </a:t>
+            </a:r>
+            <a:r>
+              <a:rPr lang="en-US" sz="1800" dirty="0" err="1"/>
+              <a:t>Berksfile</a:t>
+            </a:r>
+            <a:endParaRPr lang="en-US" sz="1800" dirty="0"/>
+          </a:p>
+          <a:p>
+            <a:r>
+              <a:rPr lang="en-US" sz="1800" dirty="0"/>
+              <a:t> create mode 100644 </a:t>
+            </a:r>
+            <a:r>
+              <a:rPr lang="en-US" sz="1800" dirty="0" err="1"/>
+              <a:t>README.md</a:t>
+            </a:r>
+            <a:endParaRPr lang="en-US" sz="1800" dirty="0"/>
+          </a:p>
+          <a:p>
+            <a:r>
+              <a:rPr lang="en-US" sz="1800" dirty="0"/>
+              <a:t> create mode 100644 </a:t>
+            </a:r>
+            <a:r>
+              <a:rPr lang="en-US" sz="1800" dirty="0" err="1"/>
+              <a:t>chefignore</a:t>
+            </a:r>
+            <a:endParaRPr lang="en-US" sz="1800" dirty="0"/>
+          </a:p>
+          <a:p>
+            <a:r>
+              <a:rPr lang="en-US" sz="1800" dirty="0"/>
+              <a:t> create mode 100644 </a:t>
+            </a:r>
+            <a:r>
+              <a:rPr lang="en-US" sz="1800" dirty="0" err="1"/>
+              <a:t>metadata.rb</a:t>
+            </a:r>
+            <a:endParaRPr lang="en-US" sz="1800" dirty="0"/>
+          </a:p>
+          <a:p>
+            <a:r>
+              <a:rPr lang="en-US" sz="1800" dirty="0"/>
+              <a:t> create mode 100644 recipes/</a:t>
             </a:r>
             <a:r>
               <a:rPr lang="en-US" sz="1800" dirty="0" err="1" smtClean="0"/>
-              <a:t>git</a:t>
-            </a:r>
-            <a:r>
-              <a:rPr lang="en-US" sz="1800" dirty="0" smtClean="0"/>
-              <a:t> push –u origin master</a:t>
-            </a:r>
-          </a:p>
-          <a:p>
-            <a:r>
-              <a:rPr lang="en-US" sz="1800" dirty="0"/>
-              <a:t>Counting objects: 10, done.</a:t>
-            </a:r>
-          </a:p>
-          <a:p>
-            <a:r>
-              <a:rPr lang="en-US" sz="1800" dirty="0"/>
-              <a:t>Delta compression using up to 8 threads.</a:t>
-            </a:r>
-          </a:p>
-          <a:p>
-            <a:r>
-              <a:rPr lang="en-US" sz="1800" dirty="0"/>
-              <a:t>Compressing objects: 100% (8/8), done.</a:t>
-            </a:r>
-          </a:p>
-          <a:p>
-            <a:r>
-              <a:rPr lang="en-US" sz="1800" dirty="0"/>
-              <a:t>Writing objects: 100% (10/10), 1.51 </a:t>
-            </a:r>
-            <a:r>
-              <a:rPr lang="en-US" sz="1800" dirty="0" err="1"/>
-              <a:t>KiB</a:t>
-            </a:r>
-            <a:r>
-              <a:rPr lang="en-US" sz="1800" dirty="0"/>
-              <a:t> | 0 bytes/s, done.</a:t>
-            </a:r>
-          </a:p>
-          <a:p>
-            <a:r>
-              <a:rPr lang="en-US" sz="1800" dirty="0"/>
-              <a:t>Total 10 (delta 0), reused 0 (delta 0)</a:t>
-            </a:r>
-          </a:p>
-          <a:p>
-            <a:r>
-              <a:rPr lang="en-US" sz="1800" dirty="0"/>
-              <a:t>To </a:t>
-            </a:r>
-            <a:r>
-              <a:rPr lang="en-US" sz="1800" dirty="0" err="1"/>
-              <a:t>git@</a:t>
-            </a:r>
-            <a:r>
-              <a:rPr lang="en-US" sz="1800" dirty="0" err="1" smtClean="0"/>
-              <a:t>github.com:</a:t>
-            </a:r>
-            <a:r>
-              <a:rPr lang="en-US" sz="1800" dirty="0" err="1"/>
-              <a:t>YOU</a:t>
-            </a:r>
-            <a:r>
-              <a:rPr lang="en-US" sz="1800" dirty="0" smtClean="0"/>
-              <a:t>/</a:t>
-            </a:r>
-            <a:r>
-              <a:rPr lang="en-US" sz="1800" dirty="0"/>
-              <a:t>my-</a:t>
-            </a:r>
-            <a:r>
-              <a:rPr lang="en-US" sz="1800" dirty="0" err="1"/>
-              <a:t>aar.git</a:t>
-            </a:r>
-            <a:endParaRPr lang="en-US" sz="1800" dirty="0"/>
-          </a:p>
-          <a:p>
-            <a:r>
-              <a:rPr lang="en-US" sz="1800" dirty="0"/>
-              <a:t> * [new branch]      master -&gt; master</a:t>
-            </a:r>
-          </a:p>
-          <a:p>
-            <a:r>
-              <a:rPr lang="en-US" sz="1800" dirty="0"/>
-              <a:t>Branch master set up to track remote branch master from origin</a:t>
-            </a:r>
-            <a:r>
-              <a:rPr lang="en-US" sz="1800" dirty="0" smtClean="0"/>
-              <a:t>.</a:t>
+              <a:t>default.rb</a:t>
             </a:r>
             <a:endParaRPr lang="en-US" sz="1800" dirty="0"/>
           </a:p>
@@ -18215,15 +18560,11 @@
           <a:p>
             <a:r>
               <a:rPr lang="en-US" dirty="0" smtClean="0"/>
-              <a:t>Exercise: Upload cookbook to </a:t>
+              <a:t>Exercise: Add cookbook to </a:t>
             </a:r>
             <a:r>
               <a:rPr lang="en-US" dirty="0" err="1" smtClean="0"/>
-              <a:t>GitHub</a:t>
-            </a:r>
-            <a:r>
-              <a:rPr lang="en-US" dirty="0" smtClean="0"/>
-              <a:t> repo</a:t>
+              <a:t>git</a:t>
             </a:r>
             <a:endParaRPr lang="en-US" dirty="0"/>
           </a:p>
@@ -18232,7 +18573,7 @@
     </p:spTree>
     <p:extLst>
       <p:ext uri="{BB962C8B-B14F-4D97-AF65-F5344CB8AC3E}">
-        <p14:creationId xmlns:p14="http://schemas.microsoft.com/office/powerpoint/2010/main" val="1873912324"/>
+        <p14:creationId xmlns:p14="http://schemas.microsoft.com/office/powerpoint/2010/main" val="1751228570"/>
       </p:ext>
     </p:extLst>
   </p:cSld>
@@ -18278,54 +18619,182 @@
           <a:chExt cx="0" cy="0"/>
         </a:xfrm>
       </p:grpSpPr>
-      <p:pic>
-        <p:nvPicPr>
-          <p:cNvPr id="6" name="Picture 5"/>
-          <p:cNvPicPr>
-            <a:picLocks noChangeAspect="1"/>
-          </p:cNvPicPr>
-          <p:nvPr/>
-        </p:nvPicPr>
-        <p:blipFill>
-          <a:blip r:embed="rId3"/>
-          <a:stretch>
-            <a:fillRect/>
-          </a:stretch>
-        </p:blipFill>
+      <p:sp>
+        <p:nvSpPr>
+          <p:cNvPr id="6" name="Content Placeholder 5"/>
+          <p:cNvSpPr>
+            <a:spLocks noGrp="1"/>
+          </p:cNvSpPr>
+          <p:nvPr>
+            <p:ph sz="quarter" idx="11"/>
+          </p:nvPr>
+        </p:nvSpPr>
+        <p:spPr/>
+        <p:txBody>
+          <a:bodyPr anchor="t" anchorCtr="0">
+            <a:noAutofit/>
+          </a:bodyPr>
+          <a:lstStyle/>
+          <a:p>
+            <a:r>
+              <a:rPr lang="en-US" sz="1800" dirty="0"/>
+              <a:t>$ </a:t>
+            </a:r>
+            <a:r>
+              <a:rPr lang="en-US" sz="1800" dirty="0" err="1"/>
+              <a:t>git</a:t>
+            </a:r>
+            <a:r>
+              <a:rPr lang="en-US" sz="1800" dirty="0"/>
+              <a:t> remote add origin </a:t>
+            </a:r>
+            <a:r>
+              <a:rPr lang="en-US" sz="1800" dirty="0" err="1"/>
+              <a:t>git@github.com:YOU</a:t>
+            </a:r>
+            <a:r>
+              <a:rPr lang="en-US" sz="1800" dirty="0"/>
+              <a:t>/my-</a:t>
+            </a:r>
+            <a:r>
+              <a:rPr lang="en-US" sz="1800" dirty="0" err="1"/>
+              <a:t>aar.git</a:t>
+            </a:r>
+            <a:endParaRPr lang="en-US" sz="1800" dirty="0"/>
+          </a:p>
+          <a:p>
+            <a:r>
+              <a:rPr lang="en-US" sz="1800" dirty="0" smtClean="0"/>
+              <a:t>$ </a:t>
+            </a:r>
+            <a:r>
+              <a:rPr lang="en-US" sz="1800" dirty="0" err="1" smtClean="0"/>
+              <a:t>git</a:t>
+            </a:r>
+            <a:r>
+              <a:rPr lang="en-US" sz="1800" dirty="0" smtClean="0"/>
+              <a:t> push –u origin master</a:t>
+            </a:r>
+          </a:p>
+          <a:p>
+            <a:r>
+              <a:rPr lang="en-US" sz="1800" dirty="0"/>
+              <a:t>Counting objects: 10, done.</a:t>
+            </a:r>
+          </a:p>
+          <a:p>
+            <a:r>
+              <a:rPr lang="en-US" sz="1800" dirty="0"/>
+              <a:t>Delta compression using up to 8 threads.</a:t>
+            </a:r>
+          </a:p>
+          <a:p>
+            <a:r>
+              <a:rPr lang="en-US" sz="1800" dirty="0"/>
+              <a:t>Compressing objects: 100% (8/8), done.</a:t>
+            </a:r>
+          </a:p>
+          <a:p>
+            <a:r>
+              <a:rPr lang="en-US" sz="1800" dirty="0"/>
+              <a:t>Writing objects: 100% (10/10), 1.51 </a:t>
+            </a:r>
+            <a:r>
+              <a:rPr lang="en-US" sz="1800" dirty="0" err="1"/>
+              <a:t>KiB</a:t>
+            </a:r>
+            <a:r>
+              <a:rPr lang="en-US" sz="1800" dirty="0"/>
+              <a:t> | 0 bytes/s, done.</a:t>
+            </a:r>
+          </a:p>
+          <a:p>
+            <a:r>
+              <a:rPr lang="en-US" sz="1800" dirty="0"/>
+              <a:t>Total 10 (delta 0), reused 0 (delta 0)</a:t>
+            </a:r>
+          </a:p>
+          <a:p>
+            <a:r>
+              <a:rPr lang="en-US" sz="1800" dirty="0"/>
+              <a:t>To </a:t>
+            </a:r>
+            <a:r>
+              <a:rPr lang="en-US" sz="1800" dirty="0" err="1"/>
+              <a:t>git@</a:t>
+            </a:r>
+            <a:r>
+              <a:rPr lang="en-US" sz="1800" dirty="0" err="1" smtClean="0"/>
+              <a:t>github.com:</a:t>
+            </a:r>
+            <a:r>
+              <a:rPr lang="en-US" sz="1800" dirty="0" err="1"/>
+              <a:t>YOU</a:t>
+            </a:r>
+            <a:r>
+              <a:rPr lang="en-US" sz="1800" dirty="0" smtClean="0"/>
+              <a:t>/</a:t>
+            </a:r>
+            <a:r>
+              <a:rPr lang="en-US" sz="1800" dirty="0"/>
+              <a:t>my-</a:t>
+            </a:r>
+            <a:r>
+              <a:rPr lang="en-US" sz="1800" dirty="0" err="1"/>
+              <a:t>aar.git</a:t>
+            </a:r>
+            <a:endParaRPr lang="en-US" sz="1800" dirty="0"/>
+          </a:p>
+          <a:p>
+            <a:r>
+              <a:rPr lang="en-US" sz="1800" dirty="0"/>
+              <a:t> * [new branch]      master -&gt; master</a:t>
+            </a:r>
+          </a:p>
+          <a:p>
+            <a:r>
+              <a:rPr lang="en-US" sz="1800" dirty="0"/>
+              <a:t>Branch master set up to track remote branch master from origin</a:t>
+            </a:r>
+            <a:r>
+              <a:rPr lang="en-US" sz="1800" dirty="0" smtClean="0"/>
+              <a:t>.</a:t>
+            </a:r>
+            <a:endParaRPr lang="en-US" sz="1800" dirty="0"/>
+          </a:p>
+        </p:txBody>
+      </p:sp>
+      <p:sp>
+        <p:nvSpPr>
+          <p:cNvPr id="2" name="Title 1"/>
+          <p:cNvSpPr>
+            <a:spLocks noGrp="1"/>
+          </p:cNvSpPr>
+          <p:nvPr>
+            <p:ph type="title"/>
+          </p:nvPr>
+        </p:nvSpPr>
         <p:spPr>
           <a:xfrm>
-            <a:off x="1625551" y="895683"/>
-            <a:ext cx="9409555" cy="5681579"/>
+            <a:off x="457199" y="228599"/>
+            <a:ext cx="11574379" cy="620683"/>
           </a:xfrm>
-          <a:prstGeom prst="rect">
-            <a:avLst/>
-          </a:prstGeom>
         </p:spPr>
-      </p:pic>
-      <p:sp>
-        <p:nvSpPr>
-          <p:cNvPr id="2" name="Title 1"/>
-          <p:cNvSpPr>
-            <a:spLocks noGrp="1"/>
-          </p:cNvSpPr>
-          <p:nvPr>
-            <p:ph type="title"/>
-          </p:nvPr>
-        </p:nvSpPr>
-        <p:spPr/>
-        <p:txBody>
-          <a:bodyPr>
-            <a:normAutofit/>
-          </a:bodyPr>
+        <p:txBody>
+          <a:bodyPr/>
           <a:lstStyle/>
           <a:p>
             <a:r>
               <a:rPr lang="en-US" dirty="0" smtClean="0"/>
-              <a:t>Exercise: View your cookbook in </a:t>
+              <a:t>Exercise: Upload cookbook to </a:t>
             </a:r>
             <a:r>
               <a:rPr lang="en-US" dirty="0" err="1" smtClean="0"/>
               <a:t>GitHub</a:t>
+            </a:r>
+            <a:r>
+              <a:rPr lang="en-US" dirty="0" smtClean="0"/>
+              <a:t> repo</a:t>
             </a:r>
             <a:endParaRPr lang="en-US" dirty="0"/>
           </a:p>
@@ -18334,21 +18803,21 @@
     </p:spTree>
     <p:extLst>
       <p:ext uri="{BB962C8B-B14F-4D97-AF65-F5344CB8AC3E}">
-        <p14:creationId xmlns:p14="http://schemas.microsoft.com/office/powerpoint/2010/main" val="1272547544"/>
+        <p14:creationId xmlns:p14="http://schemas.microsoft.com/office/powerpoint/2010/main" val="1873912324"/>
       </p:ext>
     </p:extLst>
   </p:cSld>
   <p:clrMapOvr>
     <a:masterClrMapping/>
   </p:clrMapOvr>
-  <mc:AlternateContent xmlns:mc="http://schemas.openxmlformats.org/markup-compatibility/2006">
-    <mc:Choice xmlns:p14="http://schemas.microsoft.com/office/powerpoint/2010/main" Requires="p14">
+  <mc:AlternateContent xmlns:mc="http://schemas.openxmlformats.org/markup-compatibility/2006" xmlns:p14="http://schemas.microsoft.com/office/powerpoint/2010/main">
+    <mc:Choice Requires="p14">
       <p:transition spd="med" p14:dur="700">
         <p:fade/>
       </p:transition>
     </mc:Choice>
-    <mc:Fallback>
-      <p:transition xmlns:p14="http://schemas.microsoft.com/office/powerpoint/2010/main" spd="med">
+    <mc:Fallback xmlns="">
+      <p:transition spd="med">
         <p:fade/>
       </p:transition>
     </mc:Fallback>
@@ -18380,6 +18849,108 @@
           <a:chExt cx="0" cy="0"/>
         </a:xfrm>
       </p:grpSpPr>
+      <p:pic>
+        <p:nvPicPr>
+          <p:cNvPr id="6" name="Picture 5"/>
+          <p:cNvPicPr>
+            <a:picLocks noChangeAspect="1"/>
+          </p:cNvPicPr>
+          <p:nvPr/>
+        </p:nvPicPr>
+        <p:blipFill>
+          <a:blip r:embed="rId3"/>
+          <a:stretch>
+            <a:fillRect/>
+          </a:stretch>
+        </p:blipFill>
+        <p:spPr>
+          <a:xfrm>
+            <a:off x="1625551" y="895683"/>
+            <a:ext cx="9409555" cy="5681579"/>
+          </a:xfrm>
+          <a:prstGeom prst="rect">
+            <a:avLst/>
+          </a:prstGeom>
+        </p:spPr>
+      </p:pic>
+      <p:sp>
+        <p:nvSpPr>
+          <p:cNvPr id="2" name="Title 1"/>
+          <p:cNvSpPr>
+            <a:spLocks noGrp="1"/>
+          </p:cNvSpPr>
+          <p:nvPr>
+            <p:ph type="title"/>
+          </p:nvPr>
+        </p:nvSpPr>
+        <p:spPr/>
+        <p:txBody>
+          <a:bodyPr>
+            <a:normAutofit/>
+          </a:bodyPr>
+          <a:lstStyle/>
+          <a:p>
+            <a:r>
+              <a:rPr lang="en-US" dirty="0" smtClean="0"/>
+              <a:t>Exercise: View your cookbook in </a:t>
+            </a:r>
+            <a:r>
+              <a:rPr lang="en-US" dirty="0" err="1" smtClean="0"/>
+              <a:t>GitHub</a:t>
+            </a:r>
+            <a:endParaRPr lang="en-US" dirty="0"/>
+          </a:p>
+        </p:txBody>
+      </p:sp>
+    </p:spTree>
+    <p:extLst>
+      <p:ext uri="{BB962C8B-B14F-4D97-AF65-F5344CB8AC3E}">
+        <p14:creationId xmlns:p14="http://schemas.microsoft.com/office/powerpoint/2010/main" val="1272547544"/>
+      </p:ext>
+    </p:extLst>
+  </p:cSld>
+  <p:clrMapOvr>
+    <a:masterClrMapping/>
+  </p:clrMapOvr>
+  <mc:AlternateContent xmlns:mc="http://schemas.openxmlformats.org/markup-compatibility/2006" xmlns:p14="http://schemas.microsoft.com/office/powerpoint/2010/main">
+    <mc:Choice Requires="p14">
+      <p:transition spd="med" p14:dur="700">
+        <p:fade/>
+      </p:transition>
+    </mc:Choice>
+    <mc:Fallback xmlns="">
+      <p:transition xmlns:p14="http://schemas.microsoft.com/office/powerpoint/2010/main" spd="med">
+        <p:fade/>
+      </p:transition>
+    </mc:Fallback>
+  </mc:AlternateContent>
+  <p:timing>
+    <p:tnLst>
+      <p:par>
+        <p:cTn xmlns:p14="http://schemas.microsoft.com/office/powerpoint/2010/main" id="1" dur="indefinite" restart="never" nodeType="tmRoot"/>
+      </p:par>
+    </p:tnLst>
+  </p:timing>
+</p:sld>
+</file>
+
+<file path=ppt/slides/slide24.xml><?xml version="1.0" encoding="utf-8"?>
+<p:sld xmlns:a="http://schemas.openxmlformats.org/drawingml/2006/main" xmlns:r="http://schemas.openxmlformats.org/officeDocument/2006/relationships" xmlns:p="http://schemas.openxmlformats.org/presentationml/2006/main">
+  <p:cSld>
+    <p:spTree>
+      <p:nvGrpSpPr>
+        <p:cNvPr id="1" name=""/>
+        <p:cNvGrpSpPr/>
+        <p:nvPr/>
+      </p:nvGrpSpPr>
+      <p:grpSpPr>
+        <a:xfrm>
+          <a:off x="0" y="0"/>
+          <a:ext cx="0" cy="0"/>
+          <a:chOff x="0" y="0"/>
+          <a:chExt cx="0" cy="0"/>
+        </a:xfrm>
+      </p:grpSpPr>
       <p:sp>
         <p:nvSpPr>
           <p:cNvPr id="2" name="Title 1"/>
@@ -18494,7 +19065,21 @@
                 <a:latin typeface="Courier"/>
                 <a:cs typeface="Courier"/>
               </a:rPr>
-              <a:t>"commit message here"</a:t>
+              <a:t>"</a:t>
+            </a:r>
+            <a:r>
+              <a:rPr lang="en-US" sz="3200" i="1" dirty="0" smtClean="0">
+                <a:latin typeface="Courier"/>
+                <a:cs typeface="Courier"/>
+              </a:rPr>
+              <a:t>commit message here</a:t>
+            </a:r>
+            <a:r>
+              <a:rPr lang="en-US" sz="3200" dirty="0" smtClean="0">
+                <a:latin typeface="Courier"/>
+                <a:cs typeface="Courier"/>
+              </a:rPr>
+              <a:t>"</a:t>
             </a:r>
           </a:p>
           <a:p>
@@ -18557,141 +19142,6 @@
 </p:sld>
 </file>
 
-<file path=ppt/slides/slide24.xml><?xml version="1.0" encoding="utf-8"?>
-<p:sld xmlns:a="http://schemas.openxmlformats.org/drawingml/2006/main" xmlns:r="http://schemas.openxmlformats.org/officeDocument/2006/relationships" xmlns:p="http://schemas.openxmlformats.org/presentationml/2006/main">
-  <p:cSld>
-    <p:spTree>
-      <p:nvGrpSpPr>
-        <p:cNvPr id="1" name=""/>
-        <p:cNvGrpSpPr/>
-        <p:nvPr/>
-      </p:nvGrpSpPr>
-      <p:grpSpPr>
-        <a:xfrm>
-          <a:off x="0" y="0"/>
-          <a:ext cx="0" cy="0"/>
-          <a:chOff x="0" y="0"/>
-          <a:chExt cx="0" cy="0"/>
-        </a:xfrm>
-      </p:grpSpPr>
-      <p:sp>
-        <p:nvSpPr>
-          <p:cNvPr id="2" name="Title 1"/>
-          <p:cNvSpPr>
-            <a:spLocks noGrp="1"/>
-          </p:cNvSpPr>
-          <p:nvPr>
-            <p:ph type="title"/>
-          </p:nvPr>
-        </p:nvSpPr>
-        <p:spPr/>
-        <p:txBody>
-          <a:bodyPr/>
-          <a:lstStyle/>
-          <a:p>
-            <a:r>
-              <a:rPr lang="en-US" dirty="0" smtClean="0"/>
-              <a:t>Time to hack!</a:t>
-            </a:r>
-            <a:endParaRPr lang="en-US" dirty="0"/>
-          </a:p>
-        </p:txBody>
-      </p:sp>
-      <p:pic>
-        <p:nvPicPr>
-          <p:cNvPr id="6" name="Picture Placeholder 5" descr="424047087_f685546e79_o.jpg"/>
-          <p:cNvPicPr>
-            <a:picLocks noGrp="1" noChangeAspect="1"/>
-          </p:cNvPicPr>
-          <p:nvPr>
-            <p:ph type="pic" sz="quarter" idx="10"/>
-          </p:nvPr>
-        </p:nvPicPr>
-        <p:blipFill>
-          <a:blip r:embed="rId3">
-            <a:extLst>
-              <a:ext uri="{28A0092B-C50C-407E-A947-70E740481C1C}">
-                <a14:useLocalDpi xmlns:a14="http://schemas.microsoft.com/office/drawing/2010/main" val="0"/>
-              </a:ext>
-            </a:extLst>
-          </a:blip>
-          <a:srcRect t="34402" b="34402"/>
-          <a:stretch>
-            <a:fillRect/>
-          </a:stretch>
-        </p:blipFill>
-        <p:spPr/>
-      </p:pic>
-      <p:sp>
-        <p:nvSpPr>
-          <p:cNvPr id="5" name="Content Placeholder 4"/>
-          <p:cNvSpPr>
-            <a:spLocks noGrp="1"/>
-          </p:cNvSpPr>
-          <p:nvPr>
-            <p:ph sz="quarter" idx="11"/>
-          </p:nvPr>
-        </p:nvSpPr>
-        <p:spPr/>
-        <p:txBody>
-          <a:bodyPr/>
-          <a:lstStyle/>
-          <a:p>
-            <a:r>
-              <a:rPr lang="en-US" dirty="0"/>
-              <a:t>https://</a:t>
-            </a:r>
-            <a:r>
-              <a:rPr lang="en-US" dirty="0" err="1"/>
-              <a:t>www.flickr.com</a:t>
-            </a:r>
-            <a:r>
-              <a:rPr lang="en-US" dirty="0"/>
-              <a:t>/photos/</a:t>
-            </a:r>
-            <a:r>
-              <a:rPr lang="en-US" dirty="0" err="1"/>
-              <a:t>peterpearson</a:t>
-            </a:r>
-            <a:r>
-              <a:rPr lang="en-US" dirty="0"/>
-              <a:t>/424047087</a:t>
-            </a:r>
-          </a:p>
-        </p:txBody>
-      </p:sp>
-    </p:spTree>
-    <p:extLst>
-      <p:ext uri="{BB962C8B-B14F-4D97-AF65-F5344CB8AC3E}">
-        <p14:creationId xmlns:p14="http://schemas.microsoft.com/office/powerpoint/2010/main" val="1258448321"/>
-      </p:ext>
-    </p:extLst>
-  </p:cSld>
-  <p:clrMapOvr>
-    <a:masterClrMapping/>
-  </p:clrMapOvr>
-  <mc:AlternateContent xmlns:mc="http://schemas.openxmlformats.org/markup-compatibility/2006" xmlns:p14="http://schemas.microsoft.com/office/powerpoint/2010/main">
-    <mc:Choice Requires="p14">
-      <p:transition spd="med" p14:dur="700">
-        <p:fade/>
-      </p:transition>
-    </mc:Choice>
-    <mc:Fallback xmlns="">
-      <p:transition spd="med">
-        <p:fade/>
-      </p:transition>
-    </mc:Fallback>
-  </mc:AlternateContent>
-  <p:timing>
-    <p:tnLst>
-      <p:par>
-        <p:cTn xmlns:p14="http://schemas.microsoft.com/office/powerpoint/2010/main" id="1" dur="indefinite" restart="never" nodeType="tmRoot"/>
-      </p:par>
-    </p:tnLst>
-  </p:timing>
-</p:sld>
-</file>
-
 <file path=ppt/slides/slide25.xml><?xml version="1.0" encoding="utf-8"?>
 <p:sld xmlns:a="http://schemas.openxmlformats.org/drawingml/2006/main" xmlns:r="http://schemas.openxmlformats.org/officeDocument/2006/relationships" xmlns:p="http://schemas.openxmlformats.org/presentationml/2006/main">
   <p:cSld>
@@ -18726,42 +19176,7 @@
           <a:p>
             <a:r>
               <a:rPr lang="en-US" dirty="0" smtClean="0"/>
-              <a:t>Demo Time!</a:t>
-            </a:r>
-            <a:endParaRPr lang="en-US" dirty="0"/>
-          </a:p>
-        </p:txBody>
-      </p:sp>
-      <p:sp>
-        <p:nvSpPr>
-          <p:cNvPr id="3" name="Text Placeholder 2"/>
-          <p:cNvSpPr>
-            <a:spLocks noGrp="1"/>
-          </p:cNvSpPr>
-          <p:nvPr>
-            <p:ph type="body" sz="quarter" idx="10"/>
-          </p:nvPr>
-        </p:nvSpPr>
-        <p:spPr/>
-        <p:txBody>
-          <a:bodyPr/>
-          <a:lstStyle/>
-          <a:p>
-            <a:r>
-              <a:rPr lang="en-US" dirty="0" smtClean="0"/>
-              <a:t>Show your work</a:t>
-            </a:r>
-          </a:p>
-          <a:p>
-            <a:r>
-              <a:rPr lang="en-US" dirty="0" smtClean="0"/>
-              <a:t>Discuss your choices</a:t>
-            </a:r>
-          </a:p>
-          <a:p>
-            <a:r>
-              <a:rPr lang="en-US" dirty="0" smtClean="0"/>
-              <a:t>Gather feedback and ideas</a:t>
+              <a:t>Time to hack!</a:t>
             </a:r>
             <a:endParaRPr lang="en-US" dirty="0"/>
           </a:p>
@@ -18769,12 +19184,12 @@
       </p:sp>
       <p:pic>
         <p:nvPicPr>
-          <p:cNvPr id="6" name="Picture Placeholder 5" descr="demonstration - Google Search.jpg"/>
+          <p:cNvPr id="6" name="Picture Placeholder 5" descr="424047087_f685546e79_o.jpg"/>
           <p:cNvPicPr>
             <a:picLocks noGrp="1" noChangeAspect="1"/>
           </p:cNvPicPr>
           <p:nvPr>
-            <p:ph type="pic" sz="quarter" idx="13"/>
+            <p:ph type="pic" sz="quarter" idx="10"/>
           </p:nvPr>
         </p:nvPicPr>
         <p:blipFill>
@@ -18785,26 +19200,21 @@
               </a:ext>
             </a:extLst>
           </a:blip>
-          <a:srcRect l="-7012" r="-7012"/>
+          <a:srcRect t="34402" b="34402"/>
           <a:stretch>
             <a:fillRect/>
           </a:stretch>
         </p:blipFill>
-        <p:spPr>
-          <a:xfrm>
-            <a:off x="6181725" y="1143000"/>
-            <a:ext cx="5486400" cy="5257800"/>
-          </a:xfrm>
-        </p:spPr>
+        <p:spPr/>
       </p:pic>
       <p:sp>
         <p:nvSpPr>
-          <p:cNvPr id="4" name="Content Placeholder 3"/>
-          <p:cNvSpPr>
-            <a:spLocks noGrp="1"/>
-          </p:cNvSpPr>
-          <p:nvPr>
-            <p:ph sz="quarter" idx="12"/>
+          <p:cNvPr id="5" name="Content Placeholder 4"/>
+          <p:cNvSpPr>
+            <a:spLocks noGrp="1"/>
+          </p:cNvSpPr>
+          <p:nvPr>
+            <p:ph sz="quarter" idx="11"/>
           </p:nvPr>
         </p:nvSpPr>
         <p:spPr/>
@@ -18818,27 +19228,19 @@
             </a:r>
             <a:r>
               <a:rPr lang="en-US" dirty="0" err="1"/>
-              <a:t>www.google.com</a:t>
+              <a:t>www.flickr.com</a:t>
             </a:r>
             <a:r>
               <a:rPr lang="en-US" dirty="0"/>
-              <a:t>/</a:t>
+              <a:t>/photos/</a:t>
             </a:r>
             <a:r>
               <a:rPr lang="en-US" dirty="0" err="1"/>
-              <a:t>webhp?sourceid</a:t>
+              <a:t>peterpearson</a:t>
             </a:r>
             <a:r>
               <a:rPr lang="en-US" dirty="0"/>
-              <a:t>=</a:t>
-            </a:r>
-            <a:r>
-              <a:rPr lang="en-US" dirty="0" err="1"/>
-              <a:t>chrome-instant&amp;ion</a:t>
-            </a:r>
-            <a:r>
-              <a:rPr lang="en-US" dirty="0"/>
-              <a:t>=1&amp;espv=2&amp;ie=UTF-8#q=demonstration</a:t>
+              <a:t>/424047087</a:t>
             </a:r>
           </a:p>
         </p:txBody>
@@ -18846,7 +19248,7 @@
     </p:spTree>
     <p:extLst>
       <p:ext uri="{BB962C8B-B14F-4D97-AF65-F5344CB8AC3E}">
-        <p14:creationId xmlns:p14="http://schemas.microsoft.com/office/powerpoint/2010/main" val="1089945037"/>
+        <p14:creationId xmlns:p14="http://schemas.microsoft.com/office/powerpoint/2010/main" val="1258448321"/>
       </p:ext>
     </p:extLst>
   </p:cSld>
@@ -18909,7 +19311,7 @@
           <a:p>
             <a:r>
               <a:rPr lang="en-US" dirty="0" smtClean="0"/>
-              <a:t>Hints</a:t>
+              <a:t>Demo Time!</a:t>
             </a:r>
             <a:endParaRPr lang="en-US" dirty="0"/>
           </a:p>
@@ -18922,7 +19324,7 @@
             <a:spLocks noGrp="1"/>
           </p:cNvSpPr>
           <p:nvPr>
-            <p:ph sz="quarter" idx="10"/>
+            <p:ph type="body" sz="quarter" idx="10"/>
           </p:nvPr>
         </p:nvSpPr>
         <p:spPr/>
@@ -18931,32 +19333,55 @@
           <a:lstStyle/>
           <a:p>
             <a:r>
-              <a:rPr lang="en-US" i="1" dirty="0">
-                <a:solidFill>
-                  <a:srgbClr val="408080"/>
-                </a:solidFill>
-              </a:rPr>
-              <a:t># The following script assumes that apache2, </a:t>
-            </a:r>
-            <a:r>
-              <a:rPr lang="en-US" i="1" dirty="0" err="1">
-                <a:solidFill>
-                  <a:srgbClr val="408080"/>
-                </a:solidFill>
-              </a:rPr>
-              <a:t>mysql</a:t>
-            </a:r>
-            <a:r>
-              <a:rPr lang="en-US" i="1" dirty="0">
-                <a:solidFill>
-                  <a:srgbClr val="408080"/>
-                </a:solidFill>
-              </a:rPr>
-              <a:t>, and unzip have been installed.</a:t>
-            </a:r>
-          </a:p>
-        </p:txBody>
-      </p:sp>
+              <a:rPr lang="en-US" dirty="0" smtClean="0"/>
+              <a:t>Show your work</a:t>
+            </a:r>
+          </a:p>
+          <a:p>
+            <a:r>
+              <a:rPr lang="en-US" dirty="0" smtClean="0"/>
+              <a:t>Discuss your choices</a:t>
+            </a:r>
+          </a:p>
+          <a:p>
+            <a:r>
+              <a:rPr lang="en-US" dirty="0" smtClean="0"/>
+              <a:t>Gather feedback and ideas</a:t>
+            </a:r>
+            <a:endParaRPr lang="en-US" dirty="0"/>
+          </a:p>
+        </p:txBody>
+      </p:sp>
+      <p:pic>
+        <p:nvPicPr>
+          <p:cNvPr id="6" name="Picture Placeholder 5" descr="demonstration - Google Search.jpg"/>
+          <p:cNvPicPr>
+            <a:picLocks noGrp="1" noChangeAspect="1"/>
+          </p:cNvPicPr>
+          <p:nvPr>
+            <p:ph type="pic" sz="quarter" idx="13"/>
+          </p:nvPr>
+        </p:nvPicPr>
+        <p:blipFill>
+          <a:blip r:embed="rId3">
+            <a:extLst>
+              <a:ext uri="{28A0092B-C50C-407E-A947-70E740481C1C}">
+                <a14:useLocalDpi xmlns:a14="http://schemas.microsoft.com/office/drawing/2010/main" val="0"/>
+              </a:ext>
+            </a:extLst>
+          </a:blip>
+          <a:srcRect l="-7012" r="-7012"/>
+          <a:stretch>
+            <a:fillRect/>
+          </a:stretch>
+        </p:blipFill>
+        <p:spPr>
+          <a:xfrm>
+            <a:off x="6181725" y="1143000"/>
+            <a:ext cx="5486400" cy="5257800"/>
+          </a:xfrm>
+        </p:spPr>
+      </p:pic>
       <p:sp>
         <p:nvSpPr>
           <p:cNvPr id="4" name="Content Placeholder 3"/>
@@ -18964,7 +19389,7 @@
             <a:spLocks noGrp="1"/>
           </p:cNvSpPr>
           <p:nvPr>
-            <p:ph sz="quarter" idx="11"/>
+            <p:ph sz="quarter" idx="12"/>
           </p:nvPr>
         </p:nvSpPr>
         <p:spPr/>
@@ -18973,31 +19398,40 @@
           <a:lstStyle/>
           <a:p>
             <a:r>
-              <a:rPr lang="en-US" dirty="0" err="1" smtClean="0">
-                <a:latin typeface="Courier"/>
-                <a:cs typeface="Courier"/>
-              </a:rPr>
-              <a:t>mysql</a:t>
-            </a:r>
-            <a:r>
-              <a:rPr lang="en-US" dirty="0" smtClean="0">
-                <a:latin typeface="Courier"/>
-                <a:cs typeface="Courier"/>
-              </a:rPr>
-              <a:t>-server</a:t>
-            </a:r>
-            <a:r>
-              <a:rPr lang="en-US" dirty="0" smtClean="0"/>
-              <a:t> is probably the package you’re looking for.</a:t>
-            </a:r>
-            <a:endParaRPr lang="en-US" dirty="0"/>
+              <a:rPr lang="en-US" dirty="0"/>
+              <a:t>https://</a:t>
+            </a:r>
+            <a:r>
+              <a:rPr lang="en-US" dirty="0" err="1"/>
+              <a:t>www.google.com</a:t>
+            </a:r>
+            <a:r>
+              <a:rPr lang="en-US" dirty="0"/>
+              <a:t>/</a:t>
+            </a:r>
+            <a:r>
+              <a:rPr lang="en-US" dirty="0" err="1"/>
+              <a:t>webhp?sourceid</a:t>
+            </a:r>
+            <a:r>
+              <a:rPr lang="en-US" dirty="0"/>
+              <a:t>=</a:t>
+            </a:r>
+            <a:r>
+              <a:rPr lang="en-US" dirty="0" err="1"/>
+              <a:t>chrome-instant&amp;ion</a:t>
+            </a:r>
+            <a:r>
+              <a:rPr lang="en-US" dirty="0"/>
+              <a:t>=1&amp;espv=2&amp;ie=UTF-8#q=demonstration</a:t>
+            </a:r>
           </a:p>
         </p:txBody>
       </p:sp>
     </p:spTree>
     <p:extLst>
       <p:ext uri="{BB962C8B-B14F-4D97-AF65-F5344CB8AC3E}">
-        <p14:creationId xmlns:p14="http://schemas.microsoft.com/office/powerpoint/2010/main" val="2509635953"/>
+        <p14:creationId xmlns:p14="http://schemas.microsoft.com/office/powerpoint/2010/main" val="1089945037"/>
       </p:ext>
     </p:extLst>
   </p:cSld>
@@ -19060,45 +19494,20 @@
           <a:p>
             <a:r>
               <a:rPr lang="en-US" dirty="0" smtClean="0"/>
-              <a:t>Time to hack!</a:t>
+              <a:t>Hints</a:t>
             </a:r>
             <a:endParaRPr lang="en-US" dirty="0"/>
           </a:p>
         </p:txBody>
       </p:sp>
-      <p:pic>
-        <p:nvPicPr>
-          <p:cNvPr id="6" name="Picture Placeholder 5" descr="424047087_f685546e79_o.jpg"/>
-          <p:cNvPicPr>
-            <a:picLocks noGrp="1" noChangeAspect="1"/>
-          </p:cNvPicPr>
-          <p:nvPr>
-            <p:ph type="pic" sz="quarter" idx="10"/>
-          </p:nvPr>
-        </p:nvPicPr>
-        <p:blipFill>
-          <a:blip r:embed="rId3">
-            <a:extLst>
-              <a:ext uri="{28A0092B-C50C-407E-A947-70E740481C1C}">
-                <a14:useLocalDpi xmlns:a14="http://schemas.microsoft.com/office/drawing/2010/main" val="0"/>
-              </a:ext>
-            </a:extLst>
-          </a:blip>
-          <a:srcRect t="34402" b="34402"/>
-          <a:stretch>
-            <a:fillRect/>
-          </a:stretch>
-        </p:blipFill>
-        <p:spPr/>
-      </p:pic>
-      <p:sp>
-        <p:nvSpPr>
-          <p:cNvPr id="5" name="Content Placeholder 4"/>
-          <p:cNvSpPr>
-            <a:spLocks noGrp="1"/>
-          </p:cNvSpPr>
-          <p:nvPr>
-            <p:ph sz="quarter" idx="11"/>
+      <p:sp>
+        <p:nvSpPr>
+          <p:cNvPr id="3" name="Text Placeholder 2"/>
+          <p:cNvSpPr>
+            <a:spLocks noGrp="1"/>
+          </p:cNvSpPr>
+          <p:nvPr>
+            <p:ph sz="quarter" idx="10"/>
           </p:nvPr>
         </p:nvSpPr>
         <p:spPr/>
@@ -19107,32 +19516,73 @@
           <a:lstStyle/>
           <a:p>
             <a:r>
-              <a:rPr lang="en-US" dirty="0"/>
-              <a:t>https://</a:t>
-            </a:r>
-            <a:r>
-              <a:rPr lang="en-US" dirty="0" err="1"/>
-              <a:t>www.flickr.com</a:t>
-            </a:r>
-            <a:r>
-              <a:rPr lang="en-US" dirty="0"/>
-              <a:t>/photos/</a:t>
-            </a:r>
-            <a:r>
-              <a:rPr lang="en-US" dirty="0" err="1"/>
-              <a:t>peterpearson</a:t>
-            </a:r>
-            <a:r>
-              <a:rPr lang="en-US" dirty="0"/>
-              <a:t>/424047087</a:t>
-            </a:r>
+              <a:rPr lang="en-US" i="1" dirty="0">
+                <a:solidFill>
+                  <a:srgbClr val="408080"/>
+                </a:solidFill>
+              </a:rPr>
+              <a:t># The following script assumes that apache2, </a:t>
+            </a:r>
+            <a:r>
+              <a:rPr lang="en-US" i="1" dirty="0" err="1">
+                <a:solidFill>
+                  <a:srgbClr val="408080"/>
+                </a:solidFill>
+              </a:rPr>
+              <a:t>mysql</a:t>
+            </a:r>
+            <a:r>
+              <a:rPr lang="en-US" i="1" dirty="0">
+                <a:solidFill>
+                  <a:srgbClr val="408080"/>
+                </a:solidFill>
+              </a:rPr>
+              <a:t>, and unzip have been installed.</a:t>
+            </a:r>
+          </a:p>
+        </p:txBody>
+      </p:sp>
+      <p:sp>
+        <p:nvSpPr>
+          <p:cNvPr id="4" name="Content Placeholder 3"/>
+          <p:cNvSpPr>
+            <a:spLocks noGrp="1"/>
+          </p:cNvSpPr>
+          <p:nvPr>
+            <p:ph sz="quarter" idx="11"/>
+          </p:nvPr>
+        </p:nvSpPr>
+        <p:spPr/>
+        <p:txBody>
+          <a:bodyPr/>
+          <a:lstStyle/>
+          <a:p>
+            <a:r>
+              <a:rPr lang="en-US" dirty="0" err="1" smtClean="0">
+                <a:latin typeface="Courier"/>
+                <a:cs typeface="Courier"/>
+              </a:rPr>
+              <a:t>mysql</a:t>
+            </a:r>
+            <a:r>
+              <a:rPr lang="en-US" dirty="0" smtClean="0">
+                <a:latin typeface="Courier"/>
+                <a:cs typeface="Courier"/>
+              </a:rPr>
+              <a:t>-server</a:t>
+            </a:r>
+            <a:r>
+              <a:rPr lang="en-US" dirty="0" smtClean="0"/>
+              <a:t> is probably the package you’re looking for.</a:t>
+            </a:r>
+            <a:endParaRPr lang="en-US" dirty="0"/>
           </a:p>
         </p:txBody>
       </p:sp>
     </p:spTree>
     <p:extLst>
       <p:ext uri="{BB962C8B-B14F-4D97-AF65-F5344CB8AC3E}">
-        <p14:creationId xmlns:p14="http://schemas.microsoft.com/office/powerpoint/2010/main" val="1914539579"/>
+        <p14:creationId xmlns:p14="http://schemas.microsoft.com/office/powerpoint/2010/main" val="2509635953"/>
       </p:ext>
     </p:extLst>
   </p:cSld>
@@ -19195,42 +19645,7 @@
           <a:p>
             <a:r>
               <a:rPr lang="en-US" dirty="0" smtClean="0"/>
-              <a:t>Demo Time!</a:t>
-            </a:r>
-            <a:endParaRPr lang="en-US" dirty="0"/>
-          </a:p>
-        </p:txBody>
-      </p:sp>
-      <p:sp>
-        <p:nvSpPr>
-          <p:cNvPr id="3" name="Text Placeholder 2"/>
-          <p:cNvSpPr>
-            <a:spLocks noGrp="1"/>
-          </p:cNvSpPr>
-          <p:nvPr>
-            <p:ph type="body" sz="quarter" idx="10"/>
-          </p:nvPr>
-        </p:nvSpPr>
-        <p:spPr/>
-        <p:txBody>
-          <a:bodyPr/>
-          <a:lstStyle/>
-          <a:p>
-            <a:r>
-              <a:rPr lang="en-US" dirty="0" smtClean="0"/>
-              <a:t>Show your work</a:t>
-            </a:r>
-          </a:p>
-          <a:p>
-            <a:r>
-              <a:rPr lang="en-US" dirty="0" smtClean="0"/>
-              <a:t>Discuss your choices</a:t>
-            </a:r>
-          </a:p>
-          <a:p>
-            <a:r>
-              <a:rPr lang="en-US" dirty="0" smtClean="0"/>
-              <a:t>Gather feedback and ideas</a:t>
+              <a:t>Time to hack!</a:t>
             </a:r>
             <a:endParaRPr lang="en-US" dirty="0"/>
           </a:p>
@@ -19238,12 +19653,12 @@
       </p:sp>
       <p:pic>
         <p:nvPicPr>
-          <p:cNvPr id="6" name="Picture Placeholder 5" descr="demonstration - Google Search.jpg"/>
+          <p:cNvPr id="6" name="Picture Placeholder 5" descr="424047087_f685546e79_o.jpg"/>
           <p:cNvPicPr>
             <a:picLocks noGrp="1" noChangeAspect="1"/>
           </p:cNvPicPr>
           <p:nvPr>
-            <p:ph type="pic" sz="quarter" idx="13"/>
+            <p:ph type="pic" sz="quarter" idx="10"/>
           </p:nvPr>
         </p:nvPicPr>
         <p:blipFill>
@@ -19254,26 +19669,21 @@
               </a:ext>
             </a:extLst>
           </a:blip>
-          <a:srcRect l="-7012" r="-7012"/>
+          <a:srcRect t="34402" b="34402"/>
           <a:stretch>
             <a:fillRect/>
           </a:stretch>
         </p:blipFill>
-        <p:spPr>
-          <a:xfrm>
-            <a:off x="6181725" y="1143000"/>
-            <a:ext cx="5486400" cy="5257800"/>
-          </a:xfrm>
-        </p:spPr>
+        <p:spPr/>
       </p:pic>
       <p:sp>
         <p:nvSpPr>
-          <p:cNvPr id="4" name="Content Placeholder 3"/>
-          <p:cNvSpPr>
-            <a:spLocks noGrp="1"/>
-          </p:cNvSpPr>
-          <p:nvPr>
-            <p:ph sz="quarter" idx="12"/>
+          <p:cNvPr id="5" name="Content Placeholder 4"/>
+          <p:cNvSpPr>
+            <a:spLocks noGrp="1"/>
+          </p:cNvSpPr>
+          <p:nvPr>
+            <p:ph sz="quarter" idx="11"/>
           </p:nvPr>
         </p:nvSpPr>
         <p:spPr/>
@@ -19287,27 +19697,19 @@
             </a:r>
             <a:r>
               <a:rPr lang="en-US" dirty="0" err="1"/>
-              <a:t>www.google.com</a:t>
+              <a:t>www.flickr.com</a:t>
             </a:r>
             <a:r>
               <a:rPr lang="en-US" dirty="0"/>
-              <a:t>/</a:t>
+              <a:t>/photos/</a:t>
             </a:r>
             <a:r>
               <a:rPr lang="en-US" dirty="0" err="1"/>
-              <a:t>webhp?sourceid</a:t>
+              <a:t>peterpearson</a:t>
             </a:r>
             <a:r>
               <a:rPr lang="en-US" dirty="0"/>
-              <a:t>=</a:t>
-            </a:r>
-            <a:r>
-              <a:rPr lang="en-US" dirty="0" err="1"/>
-              <a:t>chrome-instant&amp;ion</a:t>
-            </a:r>
-            <a:r>
-              <a:rPr lang="en-US" dirty="0"/>
-              <a:t>=1&amp;espv=2&amp;ie=UTF-8#q=demonstration</a:t>
+              <a:t>/424047087</a:t>
             </a:r>
           </a:p>
         </p:txBody>
@@ -19315,7 +19717,7 @@
     </p:spTree>
     <p:extLst>
       <p:ext uri="{BB962C8B-B14F-4D97-AF65-F5344CB8AC3E}">
-        <p14:creationId xmlns:p14="http://schemas.microsoft.com/office/powerpoint/2010/main" val="1089945037"/>
+        <p14:creationId xmlns:p14="http://schemas.microsoft.com/office/powerpoint/2010/main" val="1914539579"/>
       </p:ext>
     </p:extLst>
   </p:cSld>
@@ -19378,7 +19780,7 @@
           <a:p>
             <a:r>
               <a:rPr lang="en-US" dirty="0" smtClean="0"/>
-              <a:t>Hints</a:t>
+              <a:t>Demo Time!</a:t>
             </a:r>
             <a:endParaRPr lang="en-US" dirty="0"/>
           </a:p>
@@ -19386,12 +19788,12 @@
       </p:sp>
       <p:sp>
         <p:nvSpPr>
-          <p:cNvPr id="3" name="Content Placeholder 2"/>
-          <p:cNvSpPr>
-            <a:spLocks noGrp="1"/>
-          </p:cNvSpPr>
-          <p:nvPr>
-            <p:ph sz="quarter" idx="10"/>
+          <p:cNvPr id="3" name="Text Placeholder 2"/>
+          <p:cNvSpPr>
+            <a:spLocks noGrp="1"/>
+          </p:cNvSpPr>
+          <p:nvPr>
+            <p:ph type="body" sz="quarter" idx="10"/>
           </p:nvPr>
         </p:nvSpPr>
         <p:spPr/>
@@ -19400,155 +19802,55 @@
           <a:lstStyle/>
           <a:p>
             <a:r>
-              <a:rPr lang="en-US" i="1" dirty="0">
-                <a:solidFill>
-                  <a:srgbClr val="408080"/>
-                </a:solidFill>
-              </a:rPr>
-              <a:t># 1. </a:t>
-            </a:r>
-            <a:r>
-              <a:rPr lang="en-US" i="1" dirty="0" err="1">
-                <a:solidFill>
-                  <a:srgbClr val="408080"/>
-                </a:solidFill>
-              </a:rPr>
-              <a:t>wget</a:t>
-            </a:r>
-            <a:r>
-              <a:rPr lang="en-US" i="1" dirty="0">
-                <a:solidFill>
-                  <a:srgbClr val="408080"/>
-                </a:solidFill>
-              </a:rPr>
-              <a:t> https://</a:t>
-            </a:r>
-            <a:r>
-              <a:rPr lang="en-US" i="1" dirty="0" err="1">
-                <a:solidFill>
-                  <a:srgbClr val="408080"/>
-                </a:solidFill>
-              </a:rPr>
-              <a:t>github.com</a:t>
-            </a:r>
-            <a:r>
-              <a:rPr lang="en-US" i="1" dirty="0">
-                <a:solidFill>
-                  <a:srgbClr val="408080"/>
-                </a:solidFill>
-              </a:rPr>
-              <a:t>/</a:t>
-            </a:r>
-            <a:r>
-              <a:rPr lang="en-US" i="1" dirty="0" err="1">
-                <a:solidFill>
-                  <a:srgbClr val="408080"/>
-                </a:solidFill>
-              </a:rPr>
-              <a:t>colincam</a:t>
-            </a:r>
-            <a:r>
-              <a:rPr lang="en-US" i="1" dirty="0">
-                <a:solidFill>
-                  <a:srgbClr val="408080"/>
-                </a:solidFill>
-              </a:rPr>
-              <a:t>/Awesome-Appliance-Repair/archive/</a:t>
-            </a:r>
-            <a:r>
-              <a:rPr lang="en-US" i="1" dirty="0" err="1">
-                <a:solidFill>
-                  <a:srgbClr val="408080"/>
-                </a:solidFill>
-              </a:rPr>
-              <a:t>master.zip</a:t>
-            </a:r>
-            <a:endParaRPr lang="en-US" i="1" dirty="0">
-              <a:solidFill>
-                <a:srgbClr val="408080"/>
-              </a:solidFill>
-            </a:endParaRPr>
-          </a:p>
-          <a:p>
-            <a:r>
-              <a:rPr lang="en-US" i="1" dirty="0">
-                <a:solidFill>
-                  <a:srgbClr val="408080"/>
-                </a:solidFill>
-              </a:rPr>
-              <a:t># 2. unzip </a:t>
-            </a:r>
-            <a:r>
-              <a:rPr lang="en-US" i="1" dirty="0" err="1">
-                <a:solidFill>
-                  <a:srgbClr val="408080"/>
-                </a:solidFill>
-              </a:rPr>
-              <a:t>master.zip</a:t>
-            </a:r>
-            <a:endParaRPr lang="en-US" i="1" dirty="0">
-              <a:solidFill>
-                <a:srgbClr val="408080"/>
-              </a:solidFill>
-            </a:endParaRPr>
-          </a:p>
-          <a:p>
-            <a:r>
-              <a:rPr lang="en-US" i="1" dirty="0">
-                <a:solidFill>
-                  <a:srgbClr val="408080"/>
-                </a:solidFill>
-              </a:rPr>
-              <a:t># 3. cd into Awesome-Appliance-Repair</a:t>
-            </a:r>
-          </a:p>
-          <a:p>
-            <a:r>
-              <a:rPr lang="en-US" i="1" dirty="0">
-                <a:solidFill>
-                  <a:srgbClr val="408080"/>
-                </a:solidFill>
-              </a:rPr>
-              <a:t># 4. </a:t>
-            </a:r>
-            <a:r>
-              <a:rPr lang="en-US" i="1" dirty="0" err="1">
-                <a:solidFill>
-                  <a:srgbClr val="408080"/>
-                </a:solidFill>
-              </a:rPr>
-              <a:t>sudo</a:t>
-            </a:r>
-            <a:r>
-              <a:rPr lang="en-US" i="1" dirty="0">
-                <a:solidFill>
-                  <a:srgbClr val="408080"/>
-                </a:solidFill>
-              </a:rPr>
-              <a:t> mv AAR to /</a:t>
-            </a:r>
-            <a:r>
-              <a:rPr lang="en-US" i="1" dirty="0" err="1">
-                <a:solidFill>
-                  <a:srgbClr val="408080"/>
-                </a:solidFill>
-              </a:rPr>
-              <a:t>var</a:t>
-            </a:r>
-            <a:r>
-              <a:rPr lang="en-US" i="1" dirty="0">
-                <a:solidFill>
-                  <a:srgbClr val="408080"/>
-                </a:solidFill>
-              </a:rPr>
-              <a:t>/www/</a:t>
-            </a:r>
-          </a:p>
-          <a:p>
+              <a:rPr lang="en-US" dirty="0" smtClean="0"/>
+              <a:t>Show your work</a:t>
+            </a:r>
+          </a:p>
+          <a:p>
+            <a:r>
+              <a:rPr lang="en-US" dirty="0" smtClean="0"/>
+              <a:t>Discuss your choices</a:t>
+            </a:r>
+          </a:p>
+          <a:p>
+            <a:r>
+              <a:rPr lang="en-US" dirty="0" smtClean="0"/>
+              <a:t>Gather feedback and ideas</a:t>
+            </a:r>
             <a:endParaRPr lang="en-US" dirty="0"/>
           </a:p>
         </p:txBody>
       </p:sp>
+      <p:pic>
+        <p:nvPicPr>
+          <p:cNvPr id="6" name="Picture Placeholder 5" descr="demonstration - Google Search.jpg"/>
+          <p:cNvPicPr>
+            <a:picLocks noGrp="1" noChangeAspect="1"/>
+          </p:cNvPicPr>
+          <p:nvPr>
+            <p:ph type="pic" sz="quarter" idx="13"/>
+          </p:nvPr>
+        </p:nvPicPr>
+        <p:blipFill>
+          <a:blip r:embed="rId3">
+            <a:extLst>
+              <a:ext uri="{28A0092B-C50C-407E-A947-70E740481C1C}">
+                <a14:useLocalDpi xmlns:a14="http://schemas.microsoft.com/office/drawing/2010/main" val="0"/>
+              </a:ext>
+            </a:extLst>
+          </a:blip>
+          <a:srcRect l="-7012" r="-7012"/>
+          <a:stretch>
+            <a:fillRect/>
+          </a:stretch>
+        </p:blipFill>
+        <p:spPr>
+          <a:xfrm>
+            <a:off x="6181725" y="1143000"/>
+            <a:ext cx="5486400" cy="5257800"/>
+          </a:xfrm>
+        </p:spPr>
+      </p:pic>
       <p:sp>
         <p:nvSpPr>
           <p:cNvPr id="4" name="Content Placeholder 3"/>
@@ -19556,7 +19858,7 @@
             <a:spLocks noGrp="1"/>
           </p:cNvSpPr>
           <p:nvPr>
-            <p:ph sz="quarter" idx="11"/>
+            <p:ph sz="quarter" idx="12"/>
           </p:nvPr>
         </p:nvSpPr>
         <p:spPr/>
@@ -19565,23 +19867,40 @@
           <a:lstStyle/>
           <a:p>
             <a:r>
-              <a:rPr lang="en-US" dirty="0" smtClean="0"/>
-              <a:t>Do you need to download every time the chef-client runs?</a:t>
-            </a:r>
-          </a:p>
-          <a:p>
-            <a:r>
-              <a:rPr lang="en-US" dirty="0" smtClean="0"/>
-              <a:t>What are the pros and cons of doing so?</a:t>
-            </a:r>
-            <a:endParaRPr lang="en-US" dirty="0"/>
+              <a:rPr lang="en-US" dirty="0"/>
+              <a:t>https://</a:t>
+            </a:r>
+            <a:r>
+              <a:rPr lang="en-US" dirty="0" err="1"/>
+              <a:t>www.google.com</a:t>
+            </a:r>
+            <a:r>
+              <a:rPr lang="en-US" dirty="0"/>
+              <a:t>/</a:t>
+            </a:r>
+            <a:r>
+              <a:rPr lang="en-US" dirty="0" err="1"/>
+              <a:t>webhp?sourceid</a:t>
+            </a:r>
+            <a:r>
+              <a:rPr lang="en-US" dirty="0"/>
+              <a:t>=</a:t>
+            </a:r>
+            <a:r>
+              <a:rPr lang="en-US" dirty="0" err="1"/>
+              <a:t>chrome-instant&amp;ion</a:t>
+            </a:r>
+            <a:r>
+              <a:rPr lang="en-US" dirty="0"/>
+              <a:t>=1&amp;espv=2&amp;ie=UTF-8#q=demonstration</a:t>
+            </a:r>
           </a:p>
         </p:txBody>
       </p:sp>
     </p:spTree>
     <p:extLst>
       <p:ext uri="{BB962C8B-B14F-4D97-AF65-F5344CB8AC3E}">
-        <p14:creationId xmlns:p14="http://schemas.microsoft.com/office/powerpoint/2010/main" val="1819554793"/>
+        <p14:creationId xmlns:p14="http://schemas.microsoft.com/office/powerpoint/2010/main" val="1089945037"/>
       </p:ext>
     </p:extLst>
   </p:cSld>
@@ -19765,45 +20084,20 @@
           <a:p>
             <a:r>
               <a:rPr lang="en-US" dirty="0" smtClean="0"/>
-              <a:t>Time to hack!</a:t>
+              <a:t>Hints</a:t>
             </a:r>
             <a:endParaRPr lang="en-US" dirty="0"/>
           </a:p>
         </p:txBody>
       </p:sp>
-      <p:pic>
-        <p:nvPicPr>
-          <p:cNvPr id="6" name="Picture Placeholder 5" descr="424047087_f685546e79_o.jpg"/>
-          <p:cNvPicPr>
-            <a:picLocks noGrp="1" noChangeAspect="1"/>
-          </p:cNvPicPr>
-          <p:nvPr>
-            <p:ph type="pic" sz="quarter" idx="10"/>
-          </p:nvPr>
-        </p:nvPicPr>
-        <p:blipFill>
-          <a:blip r:embed="rId3">
-            <a:extLst>
-              <a:ext uri="{28A0092B-C50C-407E-A947-70E740481C1C}">
-                <a14:useLocalDpi xmlns:a14="http://schemas.microsoft.com/office/drawing/2010/main" val="0"/>
-              </a:ext>
-            </a:extLst>
-          </a:blip>
-          <a:srcRect t="34402" b="34402"/>
-          <a:stretch>
-            <a:fillRect/>
-          </a:stretch>
-        </p:blipFill>
-        <p:spPr/>
-      </p:pic>
-      <p:sp>
-        <p:nvSpPr>
-          <p:cNvPr id="5" name="Content Placeholder 4"/>
-          <p:cNvSpPr>
-            <a:spLocks noGrp="1"/>
-          </p:cNvSpPr>
-          <p:nvPr>
-            <p:ph sz="quarter" idx="11"/>
+      <p:sp>
+        <p:nvSpPr>
+          <p:cNvPr id="3" name="Content Placeholder 2"/>
+          <p:cNvSpPr>
+            <a:spLocks noGrp="1"/>
+          </p:cNvSpPr>
+          <p:nvPr>
+            <p:ph sz="quarter" idx="10"/>
           </p:nvPr>
         </p:nvSpPr>
         <p:spPr/>
@@ -19812,32 +20106,188 @@
           <a:lstStyle/>
           <a:p>
             <a:r>
-              <a:rPr lang="en-US" dirty="0"/>
-              <a:t>https://</a:t>
-            </a:r>
-            <a:r>
-              <a:rPr lang="en-US" dirty="0" err="1"/>
-              <a:t>www.flickr.com</a:t>
-            </a:r>
-            <a:r>
-              <a:rPr lang="en-US" dirty="0"/>
-              <a:t>/photos/</a:t>
-            </a:r>
-            <a:r>
-              <a:rPr lang="en-US" dirty="0" err="1"/>
-              <a:t>peterpearson</a:t>
-            </a:r>
-            <a:r>
-              <a:rPr lang="en-US" dirty="0"/>
-              <a:t>/424047087</a:t>
-            </a:r>
+              <a:rPr lang="en-US" i="1" dirty="0">
+                <a:solidFill>
+                  <a:srgbClr val="408080"/>
+                </a:solidFill>
+              </a:rPr>
+              <a:t># 1. </a:t>
+            </a:r>
+            <a:r>
+              <a:rPr lang="en-US" i="1" dirty="0" err="1">
+                <a:solidFill>
+                  <a:srgbClr val="408080"/>
+                </a:solidFill>
+              </a:rPr>
+              <a:t>wget</a:t>
+            </a:r>
+            <a:r>
+              <a:rPr lang="en-US" i="1" dirty="0">
+                <a:solidFill>
+                  <a:srgbClr val="408080"/>
+                </a:solidFill>
+              </a:rPr>
+              <a:t> https://</a:t>
+            </a:r>
+            <a:r>
+              <a:rPr lang="en-US" i="1" dirty="0" err="1">
+                <a:solidFill>
+                  <a:srgbClr val="408080"/>
+                </a:solidFill>
+              </a:rPr>
+              <a:t>github.com</a:t>
+            </a:r>
+            <a:r>
+              <a:rPr lang="en-US" i="1" dirty="0">
+                <a:solidFill>
+                  <a:srgbClr val="408080"/>
+                </a:solidFill>
+              </a:rPr>
+              <a:t>/</a:t>
+            </a:r>
+            <a:r>
+              <a:rPr lang="en-US" i="1" dirty="0" err="1">
+                <a:solidFill>
+                  <a:srgbClr val="408080"/>
+                </a:solidFill>
+              </a:rPr>
+              <a:t>colincam</a:t>
+            </a:r>
+            <a:r>
+              <a:rPr lang="en-US" i="1" dirty="0">
+                <a:solidFill>
+                  <a:srgbClr val="408080"/>
+                </a:solidFill>
+              </a:rPr>
+              <a:t>/Awesome-Appliance-Repair/archive/</a:t>
+            </a:r>
+            <a:r>
+              <a:rPr lang="en-US" i="1" dirty="0" err="1">
+                <a:solidFill>
+                  <a:srgbClr val="408080"/>
+                </a:solidFill>
+              </a:rPr>
+              <a:t>master.zip</a:t>
+            </a:r>
+            <a:endParaRPr lang="en-US" i="1" dirty="0">
+              <a:solidFill>
+                <a:srgbClr val="408080"/>
+              </a:solidFill>
+            </a:endParaRPr>
+          </a:p>
+          <a:p>
+            <a:r>
+              <a:rPr lang="en-US" i="1" dirty="0">
+                <a:solidFill>
+                  <a:srgbClr val="408080"/>
+                </a:solidFill>
+              </a:rPr>
+              <a:t># 2. unzip </a:t>
+            </a:r>
+            <a:r>
+              <a:rPr lang="en-US" i="1" dirty="0" err="1">
+                <a:solidFill>
+                  <a:srgbClr val="408080"/>
+                </a:solidFill>
+              </a:rPr>
+              <a:t>master.zip</a:t>
+            </a:r>
+            <a:endParaRPr lang="en-US" i="1" dirty="0">
+              <a:solidFill>
+                <a:srgbClr val="408080"/>
+              </a:solidFill>
+            </a:endParaRPr>
+          </a:p>
+          <a:p>
+            <a:r>
+              <a:rPr lang="en-US" i="1" dirty="0">
+                <a:solidFill>
+                  <a:srgbClr val="408080"/>
+                </a:solidFill>
+              </a:rPr>
+              <a:t># 3. cd into Awesome-Appliance-Repair</a:t>
+            </a:r>
+          </a:p>
+          <a:p>
+            <a:r>
+              <a:rPr lang="en-US" i="1" dirty="0">
+                <a:solidFill>
+                  <a:srgbClr val="408080"/>
+                </a:solidFill>
+              </a:rPr>
+              <a:t># 4. </a:t>
+            </a:r>
+            <a:r>
+              <a:rPr lang="en-US" i="1" dirty="0" err="1">
+                <a:solidFill>
+                  <a:srgbClr val="408080"/>
+                </a:solidFill>
+              </a:rPr>
+              <a:t>sudo</a:t>
+            </a:r>
+            <a:r>
+              <a:rPr lang="en-US" i="1" dirty="0">
+                <a:solidFill>
+                  <a:srgbClr val="408080"/>
+                </a:solidFill>
+              </a:rPr>
+              <a:t> mv AAR to /</a:t>
+            </a:r>
+            <a:r>
+              <a:rPr lang="en-US" i="1" dirty="0" err="1">
+                <a:solidFill>
+                  <a:srgbClr val="408080"/>
+                </a:solidFill>
+              </a:rPr>
+              <a:t>var</a:t>
+            </a:r>
+            <a:r>
+              <a:rPr lang="en-US" i="1" dirty="0">
+                <a:solidFill>
+                  <a:srgbClr val="408080"/>
+                </a:solidFill>
+              </a:rPr>
+              <a:t>/www/</a:t>
+            </a:r>
+          </a:p>
+          <a:p>
+            <a:endParaRPr lang="en-US" dirty="0"/>
+          </a:p>
+        </p:txBody>
+      </p:sp>
+      <p:sp>
+        <p:nvSpPr>
+          <p:cNvPr id="4" name="Content Placeholder 3"/>
+          <p:cNvSpPr>
+            <a:spLocks noGrp="1"/>
+          </p:cNvSpPr>
+          <p:nvPr>
+            <p:ph sz="quarter" idx="11"/>
+          </p:nvPr>
+        </p:nvSpPr>
+        <p:spPr/>
+        <p:txBody>
+          <a:bodyPr/>
+          <a:lstStyle/>
+          <a:p>
+            <a:r>
+              <a:rPr lang="en-US" dirty="0" smtClean="0"/>
+              <a:t>Do you need to download every time the chef-client runs?</a:t>
+            </a:r>
+          </a:p>
+          <a:p>
+            <a:r>
+              <a:rPr lang="en-US" dirty="0" smtClean="0"/>
+              <a:t>What are the pros and cons of doing so?</a:t>
+            </a:r>
+            <a:endParaRPr lang="en-US" dirty="0"/>
           </a:p>
         </p:txBody>
       </p:sp>
     </p:spTree>
     <p:extLst>
       <p:ext uri="{BB962C8B-B14F-4D97-AF65-F5344CB8AC3E}">
-        <p14:creationId xmlns:p14="http://schemas.microsoft.com/office/powerpoint/2010/main" val="776143540"/>
+        <p14:creationId xmlns:p14="http://schemas.microsoft.com/office/powerpoint/2010/main" val="1819554793"/>
       </p:ext>
     </p:extLst>
   </p:cSld>
@@ -19900,42 +20350,7 @@
           <a:p>
             <a:r>
               <a:rPr lang="en-US" dirty="0" smtClean="0"/>
-              <a:t>Demo Time!</a:t>
-            </a:r>
-            <a:endParaRPr lang="en-US" dirty="0"/>
-          </a:p>
-        </p:txBody>
-      </p:sp>
-      <p:sp>
-        <p:nvSpPr>
-          <p:cNvPr id="3" name="Text Placeholder 2"/>
-          <p:cNvSpPr>
-            <a:spLocks noGrp="1"/>
-          </p:cNvSpPr>
-          <p:nvPr>
-            <p:ph type="body" sz="quarter" idx="10"/>
-          </p:nvPr>
-        </p:nvSpPr>
-        <p:spPr/>
-        <p:txBody>
-          <a:bodyPr/>
-          <a:lstStyle/>
-          <a:p>
-            <a:r>
-              <a:rPr lang="en-US" dirty="0" smtClean="0"/>
-              <a:t>Show your work</a:t>
-            </a:r>
-          </a:p>
-          <a:p>
-            <a:r>
-              <a:rPr lang="en-US" dirty="0" smtClean="0"/>
-              <a:t>Discuss your choices</a:t>
-            </a:r>
-          </a:p>
-          <a:p>
-            <a:r>
-              <a:rPr lang="en-US" dirty="0" smtClean="0"/>
-              <a:t>Gather feedback and ideas</a:t>
+              <a:t>Time to hack!</a:t>
             </a:r>
             <a:endParaRPr lang="en-US" dirty="0"/>
           </a:p>
@@ -19943,12 +20358,12 @@
       </p:sp>
       <p:pic>
         <p:nvPicPr>
-          <p:cNvPr id="6" name="Picture Placeholder 5" descr="demonstration - Google Search.jpg"/>
+          <p:cNvPr id="6" name="Picture Placeholder 5" descr="424047087_f685546e79_o.jpg"/>
           <p:cNvPicPr>
             <a:picLocks noGrp="1" noChangeAspect="1"/>
           </p:cNvPicPr>
           <p:nvPr>
-            <p:ph type="pic" sz="quarter" idx="13"/>
+            <p:ph type="pic" sz="quarter" idx="10"/>
           </p:nvPr>
         </p:nvPicPr>
         <p:blipFill>
@@ -19959,26 +20374,21 @@
               </a:ext>
             </a:extLst>
           </a:blip>
-          <a:srcRect l="-7012" r="-7012"/>
+          <a:srcRect t="34402" b="34402"/>
           <a:stretch>
             <a:fillRect/>
           </a:stretch>
         </p:blipFill>
-        <p:spPr>
-          <a:xfrm>
-            <a:off x="6181725" y="1143000"/>
-            <a:ext cx="5486400" cy="5257800"/>
-          </a:xfrm>
-        </p:spPr>
+        <p:spPr/>
       </p:pic>
       <p:sp>
         <p:nvSpPr>
-          <p:cNvPr id="4" name="Content Placeholder 3"/>
-          <p:cNvSpPr>
-            <a:spLocks noGrp="1"/>
-          </p:cNvSpPr>
-          <p:nvPr>
-            <p:ph sz="quarter" idx="12"/>
+          <p:cNvPr id="5" name="Content Placeholder 4"/>
+          <p:cNvSpPr>
+            <a:spLocks noGrp="1"/>
+          </p:cNvSpPr>
+          <p:nvPr>
+            <p:ph sz="quarter" idx="11"/>
           </p:nvPr>
         </p:nvSpPr>
         <p:spPr/>
@@ -19992,27 +20402,19 @@
             </a:r>
             <a:r>
               <a:rPr lang="en-US" dirty="0" err="1"/>
-              <a:t>www.google.com</a:t>
+              <a:t>www.flickr.com</a:t>
             </a:r>
             <a:r>
               <a:rPr lang="en-US" dirty="0"/>
-              <a:t>/</a:t>
+              <a:t>/photos/</a:t>
             </a:r>
             <a:r>
               <a:rPr lang="en-US" dirty="0" err="1"/>
-              <a:t>webhp?sourceid</a:t>
+              <a:t>peterpearson</a:t>
             </a:r>
             <a:r>
               <a:rPr lang="en-US" dirty="0"/>
-              <a:t>=</a:t>
-            </a:r>
-            <a:r>
-              <a:rPr lang="en-US" dirty="0" err="1"/>
-              <a:t>chrome-instant&amp;ion</a:t>
-            </a:r>
-            <a:r>
-              <a:rPr lang="en-US" dirty="0"/>
-              <a:t>=1&amp;espv=2&amp;ie=UTF-8#q=demonstration</a:t>
+              <a:t>/424047087</a:t>
             </a:r>
           </a:p>
         </p:txBody>
@@ -20020,7 +20422,7 @@
     </p:spTree>
     <p:extLst>
       <p:ext uri="{BB962C8B-B14F-4D97-AF65-F5344CB8AC3E}">
-        <p14:creationId xmlns:p14="http://schemas.microsoft.com/office/powerpoint/2010/main" val="1089945037"/>
+        <p14:creationId xmlns:p14="http://schemas.microsoft.com/office/powerpoint/2010/main" val="776143540"/>
       </p:ext>
     </p:extLst>
   </p:cSld>
@@ -20083,7 +20485,7 @@
           <a:p>
             <a:r>
               <a:rPr lang="en-US" dirty="0" smtClean="0"/>
-              <a:t>Hints</a:t>
+              <a:t>Demo Time!</a:t>
             </a:r>
             <a:endParaRPr lang="en-US" dirty="0"/>
           </a:p>
@@ -20091,696 +20493,12 @@
       </p:sp>
       <p:sp>
         <p:nvSpPr>
-          <p:cNvPr id="3" name="Content Placeholder 2"/>
-          <p:cNvSpPr>
-            <a:spLocks noGrp="1"/>
-          </p:cNvSpPr>
-          <p:nvPr>
-            <p:ph sz="quarter" idx="10"/>
-          </p:nvPr>
-        </p:nvSpPr>
-        <p:spPr/>
-        <p:txBody>
-          <a:bodyPr>
-            <a:normAutofit fontScale="25000" lnSpcReduction="20000"/>
-          </a:bodyPr>
-          <a:lstStyle/>
-          <a:p>
-            <a:r>
-              <a:rPr lang="en-US" i="1" dirty="0">
-                <a:solidFill>
-                  <a:srgbClr val="408080"/>
-                </a:solidFill>
-              </a:rPr>
-              <a:t># Create DB, user, and permissions</a:t>
-            </a:r>
-          </a:p>
-          <a:p>
-            <a:r>
-              <a:rPr lang="en-US" dirty="0"/>
-              <a:t>    </a:t>
-            </a:r>
-            <a:r>
-              <a:rPr lang="en-US" b="1" dirty="0">
-                <a:solidFill>
-                  <a:srgbClr val="008000"/>
-                </a:solidFill>
-              </a:rPr>
-              <a:t>import </a:t>
-            </a:r>
-            <a:r>
-              <a:rPr lang="en-US" b="1" dirty="0" err="1">
-                <a:solidFill>
-                  <a:srgbClr val="0000FF"/>
-                </a:solidFill>
-              </a:rPr>
-              <a:t>MySQLdb</a:t>
-            </a:r>
-            <a:endParaRPr lang="en-US" b="1" dirty="0">
-              <a:solidFill>
-                <a:srgbClr val="0000FF"/>
-              </a:solidFill>
-            </a:endParaRPr>
-          </a:p>
-          <a:p>
-            <a:r>
-              <a:rPr lang="en-US" dirty="0"/>
-              <a:t>    </a:t>
-            </a:r>
-            <a:r>
-              <a:rPr lang="en-US" dirty="0" err="1"/>
-              <a:t>db</a:t>
-            </a:r>
-            <a:r>
-              <a:rPr lang="en-US" dirty="0"/>
-              <a:t> </a:t>
-            </a:r>
-            <a:r>
-              <a:rPr lang="en-US" dirty="0">
-                <a:solidFill>
-                  <a:srgbClr val="666666"/>
-                </a:solidFill>
-              </a:rPr>
-              <a:t>= </a:t>
-            </a:r>
-            <a:r>
-              <a:rPr lang="en-US" dirty="0" err="1">
-                <a:solidFill>
-                  <a:srgbClr val="666666"/>
-                </a:solidFill>
-              </a:rPr>
-              <a:t>MySQLdb.connect</a:t>
-            </a:r>
-            <a:r>
-              <a:rPr lang="en-US" dirty="0">
-                <a:solidFill>
-                  <a:srgbClr val="666666"/>
-                </a:solidFill>
-              </a:rPr>
-              <a:t>(host=</a:t>
-            </a:r>
-            <a:r>
-              <a:rPr lang="en-US" dirty="0">
-                <a:solidFill>
-                  <a:srgbClr val="BA2121"/>
-                </a:solidFill>
-              </a:rPr>
-              <a:t>'</a:t>
-            </a:r>
-            <a:r>
-              <a:rPr lang="en-US" dirty="0" err="1">
-                <a:solidFill>
-                  <a:srgbClr val="BA2121"/>
-                </a:solidFill>
-              </a:rPr>
-              <a:t>localhost</a:t>
-            </a:r>
-            <a:r>
-              <a:rPr lang="en-US" dirty="0">
-                <a:solidFill>
-                  <a:srgbClr val="BA2121"/>
-                </a:solidFill>
-              </a:rPr>
-              <a:t>', user</a:t>
-            </a:r>
-            <a:r>
-              <a:rPr lang="en-US" dirty="0">
-                <a:solidFill>
-                  <a:srgbClr val="666666"/>
-                </a:solidFill>
-              </a:rPr>
-              <a:t>=</a:t>
-            </a:r>
-            <a:r>
-              <a:rPr lang="en-US" dirty="0">
-                <a:solidFill>
-                  <a:srgbClr val="BA2121"/>
-                </a:solidFill>
-              </a:rPr>
-              <a:t>'root', </a:t>
-            </a:r>
-            <a:r>
-              <a:rPr lang="en-US" dirty="0" err="1">
-                <a:solidFill>
-                  <a:srgbClr val="BA2121"/>
-                </a:solidFill>
-              </a:rPr>
-              <a:t>passwd</a:t>
-            </a:r>
-            <a:r>
-              <a:rPr lang="en-US" dirty="0">
-                <a:solidFill>
-                  <a:srgbClr val="666666"/>
-                </a:solidFill>
-              </a:rPr>
-              <a:t>=</a:t>
-            </a:r>
-            <a:r>
-              <a:rPr lang="en-US" dirty="0" err="1">
-                <a:solidFill>
-                  <a:srgbClr val="666666"/>
-                </a:solidFill>
-              </a:rPr>
-              <a:t>root_dbpswd</a:t>
-            </a:r>
-            <a:r>
-              <a:rPr lang="en-US" dirty="0">
-                <a:solidFill>
-                  <a:srgbClr val="666666"/>
-                </a:solidFill>
-              </a:rPr>
-              <a:t>)</a:t>
-            </a:r>
-          </a:p>
-          <a:p>
-            <a:r>
-              <a:rPr lang="en-US" dirty="0"/>
-              <a:t>    </a:t>
-            </a:r>
-            <a:r>
-              <a:rPr lang="en-US" dirty="0" err="1"/>
-              <a:t>sql_script</a:t>
-            </a:r>
-            <a:r>
-              <a:rPr lang="en-US" dirty="0"/>
-              <a:t> </a:t>
-            </a:r>
-            <a:r>
-              <a:rPr lang="en-US" dirty="0">
-                <a:solidFill>
-                  <a:srgbClr val="666666"/>
-                </a:solidFill>
-              </a:rPr>
-              <a:t>= </a:t>
-            </a:r>
-            <a:r>
-              <a:rPr lang="en-US" dirty="0">
-                <a:solidFill>
-                  <a:srgbClr val="008000"/>
-                </a:solidFill>
-              </a:rPr>
-              <a:t>open(</a:t>
-            </a:r>
-            <a:r>
-              <a:rPr lang="en-US" dirty="0">
-                <a:solidFill>
-                  <a:srgbClr val="BA2121"/>
-                </a:solidFill>
-              </a:rPr>
-              <a:t>'</a:t>
-            </a:r>
-            <a:r>
-              <a:rPr lang="en-US" dirty="0" err="1">
-                <a:solidFill>
-                  <a:srgbClr val="BA2121"/>
-                </a:solidFill>
-              </a:rPr>
-              <a:t>make_AARdb.sql</a:t>
-            </a:r>
-            <a:r>
-              <a:rPr lang="en-US" dirty="0">
-                <a:solidFill>
-                  <a:srgbClr val="BA2121"/>
-                </a:solidFill>
-              </a:rPr>
-              <a:t>', 'r')</a:t>
-            </a:r>
-            <a:r>
-              <a:rPr lang="en-US" dirty="0">
-                <a:solidFill>
-                  <a:srgbClr val="666666"/>
-                </a:solidFill>
-              </a:rPr>
-              <a:t>.read()</a:t>
-            </a:r>
-          </a:p>
-          <a:p>
-            <a:r>
-              <a:rPr lang="en-US" dirty="0"/>
-              <a:t>    </a:t>
-            </a:r>
-          </a:p>
-          <a:p>
-            <a:r>
-              <a:rPr lang="es-ES_tradnl" dirty="0"/>
-              <a:t>    </a:t>
-            </a:r>
-            <a:r>
-              <a:rPr lang="es-ES_tradnl" dirty="0" err="1"/>
-              <a:t>cur</a:t>
-            </a:r>
-            <a:r>
-              <a:rPr lang="es-ES_tradnl" dirty="0"/>
-              <a:t> </a:t>
-            </a:r>
-            <a:r>
-              <a:rPr lang="es-ES_tradnl" dirty="0">
-                <a:solidFill>
-                  <a:srgbClr val="666666"/>
-                </a:solidFill>
-              </a:rPr>
-              <a:t>= </a:t>
-            </a:r>
-            <a:r>
-              <a:rPr lang="es-ES_tradnl" dirty="0" err="1">
-                <a:solidFill>
-                  <a:srgbClr val="666666"/>
-                </a:solidFill>
-              </a:rPr>
-              <a:t>db.cursor</a:t>
-            </a:r>
-            <a:r>
-              <a:rPr lang="es-ES_tradnl" dirty="0">
-                <a:solidFill>
-                  <a:srgbClr val="666666"/>
-                </a:solidFill>
-              </a:rPr>
-              <a:t>()</a:t>
-            </a:r>
-          </a:p>
-          <a:p>
-            <a:r>
-              <a:rPr lang="es-ES_tradnl" dirty="0"/>
-              <a:t>    </a:t>
-            </a:r>
-            <a:r>
-              <a:rPr lang="es-ES_tradnl" dirty="0" err="1"/>
-              <a:t>cur</a:t>
-            </a:r>
-            <a:r>
-              <a:rPr lang="es-ES_tradnl" dirty="0" err="1">
-                <a:solidFill>
-                  <a:srgbClr val="666666"/>
-                </a:solidFill>
-              </a:rPr>
-              <a:t>.execute</a:t>
-            </a:r>
-            <a:r>
-              <a:rPr lang="es-ES_tradnl" dirty="0">
-                <a:solidFill>
-                  <a:srgbClr val="666666"/>
-                </a:solidFill>
-              </a:rPr>
-              <a:t>(</a:t>
-            </a:r>
-            <a:r>
-              <a:rPr lang="es-ES_tradnl" dirty="0" err="1">
-                <a:solidFill>
-                  <a:srgbClr val="666666"/>
-                </a:solidFill>
-              </a:rPr>
-              <a:t>sql_script</a:t>
-            </a:r>
-            <a:r>
-              <a:rPr lang="es-ES_tradnl" dirty="0">
-                <a:solidFill>
-                  <a:srgbClr val="666666"/>
-                </a:solidFill>
-              </a:rPr>
-              <a:t>)</a:t>
-            </a:r>
-          </a:p>
-          <a:p>
-            <a:r>
-              <a:rPr lang="en-US" dirty="0"/>
-              <a:t>    </a:t>
-            </a:r>
-            <a:r>
-              <a:rPr lang="en-US" dirty="0" err="1"/>
-              <a:t>cur</a:t>
-            </a:r>
-            <a:r>
-              <a:rPr lang="en-US" dirty="0" err="1">
-                <a:solidFill>
-                  <a:srgbClr val="666666"/>
-                </a:solidFill>
-              </a:rPr>
-              <a:t>.close</a:t>
-            </a:r>
-            <a:r>
-              <a:rPr lang="en-US" dirty="0">
-                <a:solidFill>
-                  <a:srgbClr val="666666"/>
-                </a:solidFill>
-              </a:rPr>
-              <a:t>()</a:t>
-            </a:r>
-          </a:p>
-          <a:p>
-            <a:r>
-              <a:rPr lang="en-US" dirty="0"/>
-              <a:t>        </a:t>
-            </a:r>
-          </a:p>
-          <a:p>
-            <a:r>
-              <a:rPr lang="es-ES_tradnl" dirty="0"/>
-              <a:t>    </a:t>
-            </a:r>
-            <a:r>
-              <a:rPr lang="es-ES_tradnl" dirty="0" err="1"/>
-              <a:t>cur</a:t>
-            </a:r>
-            <a:r>
-              <a:rPr lang="es-ES_tradnl" dirty="0"/>
-              <a:t> </a:t>
-            </a:r>
-            <a:r>
-              <a:rPr lang="es-ES_tradnl" dirty="0">
-                <a:solidFill>
-                  <a:srgbClr val="666666"/>
-                </a:solidFill>
-              </a:rPr>
-              <a:t>= </a:t>
-            </a:r>
-            <a:r>
-              <a:rPr lang="es-ES_tradnl" dirty="0" err="1">
-                <a:solidFill>
-                  <a:srgbClr val="666666"/>
-                </a:solidFill>
-              </a:rPr>
-              <a:t>db.cursor</a:t>
-            </a:r>
-            <a:r>
-              <a:rPr lang="es-ES_tradnl" dirty="0">
-                <a:solidFill>
-                  <a:srgbClr val="666666"/>
-                </a:solidFill>
-              </a:rPr>
-              <a:t>()</a:t>
-            </a:r>
-          </a:p>
-          <a:p>
-            <a:r>
-              <a:rPr lang="es-ES_tradnl" dirty="0"/>
-              <a:t>    </a:t>
-            </a:r>
-            <a:r>
-              <a:rPr lang="es-ES_tradnl" dirty="0" err="1"/>
-              <a:t>cur</a:t>
-            </a:r>
-            <a:r>
-              <a:rPr lang="es-ES_tradnl" dirty="0" err="1">
-                <a:solidFill>
-                  <a:srgbClr val="666666"/>
-                </a:solidFill>
-              </a:rPr>
-              <a:t>.execute</a:t>
-            </a:r>
-            <a:r>
-              <a:rPr lang="es-ES_tradnl" dirty="0">
-                <a:solidFill>
-                  <a:srgbClr val="666666"/>
-                </a:solidFill>
-              </a:rPr>
-              <a:t>(</a:t>
-            </a:r>
-            <a:r>
-              <a:rPr lang="es-ES_tradnl" dirty="0">
-                <a:solidFill>
-                  <a:srgbClr val="BA2121"/>
-                </a:solidFill>
-              </a:rPr>
-              <a:t>'use </a:t>
-            </a:r>
-            <a:r>
-              <a:rPr lang="es-ES_tradnl" dirty="0" err="1">
-                <a:solidFill>
-                  <a:srgbClr val="BA2121"/>
-                </a:solidFill>
-              </a:rPr>
-              <a:t>AARdb</a:t>
-            </a:r>
-            <a:r>
-              <a:rPr lang="es-ES_tradnl" dirty="0">
-                <a:solidFill>
-                  <a:srgbClr val="BA2121"/>
-                </a:solidFill>
-              </a:rPr>
-              <a:t>')</a:t>
-            </a:r>
-          </a:p>
-          <a:p>
-            <a:r>
-              <a:rPr lang="es-ES_tradnl" dirty="0"/>
-              <a:t>    </a:t>
-            </a:r>
-            <a:r>
-              <a:rPr lang="es-ES_tradnl" dirty="0" err="1"/>
-              <a:t>cur</a:t>
-            </a:r>
-            <a:r>
-              <a:rPr lang="es-ES_tradnl" dirty="0" err="1">
-                <a:solidFill>
-                  <a:srgbClr val="666666"/>
-                </a:solidFill>
-              </a:rPr>
-              <a:t>.execute</a:t>
-            </a:r>
-            <a:r>
-              <a:rPr lang="es-ES_tradnl" dirty="0">
-                <a:solidFill>
-                  <a:srgbClr val="666666"/>
-                </a:solidFill>
-              </a:rPr>
-              <a:t>(</a:t>
-            </a:r>
-            <a:r>
-              <a:rPr lang="es-ES_tradnl" dirty="0">
-                <a:solidFill>
-                  <a:srgbClr val="BA2121"/>
-                </a:solidFill>
-              </a:rPr>
-              <a:t>"CREATE USER '</a:t>
-            </a:r>
-            <a:r>
-              <a:rPr lang="es-ES_tradnl" dirty="0" err="1">
-                <a:solidFill>
-                  <a:srgbClr val="BA2121"/>
-                </a:solidFill>
-              </a:rPr>
-              <a:t>aarapp</a:t>
-            </a:r>
-            <a:r>
-              <a:rPr lang="es-ES_tradnl" dirty="0">
-                <a:solidFill>
-                  <a:srgbClr val="BA2121"/>
-                </a:solidFill>
-              </a:rPr>
-              <a:t>'@'</a:t>
-            </a:r>
-            <a:r>
-              <a:rPr lang="es-ES_tradnl" dirty="0" err="1">
-                <a:solidFill>
-                  <a:srgbClr val="BA2121"/>
-                </a:solidFill>
-              </a:rPr>
-              <a:t>localhost</a:t>
-            </a:r>
-            <a:r>
-              <a:rPr lang="es-ES_tradnl" dirty="0">
-                <a:solidFill>
-                  <a:srgbClr val="BA2121"/>
-                </a:solidFill>
-              </a:rPr>
-              <a:t>' IDENTIFIED BY </a:t>
-            </a:r>
-            <a:r>
-              <a:rPr lang="es-ES_tradnl" b="1" dirty="0">
-                <a:solidFill>
-                  <a:srgbClr val="BB6688"/>
-                </a:solidFill>
-              </a:rPr>
-              <a:t>%s</a:t>
-            </a:r>
-            <a:r>
-              <a:rPr lang="es-ES_tradnl" b="1" dirty="0">
-                <a:solidFill>
-                  <a:srgbClr val="BA2121"/>
-                </a:solidFill>
-              </a:rPr>
-              <a:t>", (</a:t>
-            </a:r>
-            <a:r>
-              <a:rPr lang="es-ES_tradnl" b="1" dirty="0" err="1">
-                <a:solidFill>
-                  <a:srgbClr val="BA2121"/>
-                </a:solidFill>
-              </a:rPr>
-              <a:t>appdbpw</a:t>
-            </a:r>
-            <a:r>
-              <a:rPr lang="es-ES_tradnl" b="1" dirty="0">
-                <a:solidFill>
-                  <a:srgbClr val="BA2121"/>
-                </a:solidFill>
-              </a:rPr>
-              <a:t>,))</a:t>
-            </a:r>
-          </a:p>
-          <a:p>
-            <a:r>
-              <a:rPr lang="es-ES_tradnl" dirty="0"/>
-              <a:t>    </a:t>
-            </a:r>
-            <a:r>
-              <a:rPr lang="es-ES_tradnl" dirty="0" err="1"/>
-              <a:t>cur</a:t>
-            </a:r>
-            <a:r>
-              <a:rPr lang="es-ES_tradnl" dirty="0" err="1">
-                <a:solidFill>
-                  <a:srgbClr val="666666"/>
-                </a:solidFill>
-              </a:rPr>
-              <a:t>.execute</a:t>
-            </a:r>
-            <a:r>
-              <a:rPr lang="es-ES_tradnl" dirty="0">
-                <a:solidFill>
-                  <a:srgbClr val="666666"/>
-                </a:solidFill>
-              </a:rPr>
-              <a:t>(</a:t>
-            </a:r>
-            <a:r>
-              <a:rPr lang="es-ES_tradnl" dirty="0">
-                <a:solidFill>
-                  <a:srgbClr val="BA2121"/>
-                </a:solidFill>
-              </a:rPr>
-              <a:t>"GRANT CREATE,INSERT,DELETE,UPDATE,SELECT </a:t>
-            </a:r>
-            <a:r>
-              <a:rPr lang="es-ES_tradnl" dirty="0" err="1">
-                <a:solidFill>
-                  <a:srgbClr val="BA2121"/>
-                </a:solidFill>
-              </a:rPr>
-              <a:t>on</a:t>
-            </a:r>
-            <a:r>
-              <a:rPr lang="es-ES_tradnl" dirty="0">
-                <a:solidFill>
-                  <a:srgbClr val="BA2121"/>
-                </a:solidFill>
-              </a:rPr>
-              <a:t> </a:t>
-            </a:r>
-            <a:r>
-              <a:rPr lang="es-ES_tradnl" dirty="0" err="1">
-                <a:solidFill>
-                  <a:srgbClr val="BA2121"/>
-                </a:solidFill>
-              </a:rPr>
-              <a:t>AARdb</a:t>
-            </a:r>
-            <a:r>
-              <a:rPr lang="es-ES_tradnl" dirty="0">
-                <a:solidFill>
-                  <a:srgbClr val="BA2121"/>
-                </a:solidFill>
-              </a:rPr>
-              <a:t>.* </a:t>
-            </a:r>
-            <a:r>
-              <a:rPr lang="es-ES_tradnl" dirty="0" err="1">
-                <a:solidFill>
-                  <a:srgbClr val="BA2121"/>
-                </a:solidFill>
-              </a:rPr>
-              <a:t>to</a:t>
-            </a:r>
-            <a:r>
-              <a:rPr lang="es-ES_tradnl" dirty="0">
-                <a:solidFill>
-                  <a:srgbClr val="BA2121"/>
-                </a:solidFill>
-              </a:rPr>
-              <a:t> </a:t>
-            </a:r>
-            <a:r>
-              <a:rPr lang="es-ES_tradnl" dirty="0" err="1">
-                <a:solidFill>
-                  <a:srgbClr val="BA2121"/>
-                </a:solidFill>
-              </a:rPr>
-              <a:t>aarapp@localhost</a:t>
-            </a:r>
-            <a:r>
-              <a:rPr lang="es-ES_tradnl" dirty="0">
-                <a:solidFill>
-                  <a:srgbClr val="BA2121"/>
-                </a:solidFill>
-              </a:rPr>
-              <a:t>")</a:t>
-            </a:r>
-          </a:p>
-          <a:p>
-            <a:r>
-              <a:rPr lang="en-US" dirty="0"/>
-              <a:t>    </a:t>
-            </a:r>
-            <a:r>
-              <a:rPr lang="en-US" dirty="0" err="1"/>
-              <a:t>cur</a:t>
-            </a:r>
-            <a:r>
-              <a:rPr lang="en-US" dirty="0" err="1">
-                <a:solidFill>
-                  <a:srgbClr val="666666"/>
-                </a:solidFill>
-              </a:rPr>
-              <a:t>.close</a:t>
-            </a:r>
-            <a:r>
-              <a:rPr lang="en-US" dirty="0">
-                <a:solidFill>
-                  <a:srgbClr val="666666"/>
-                </a:solidFill>
-              </a:rPr>
-              <a:t>()</a:t>
-            </a:r>
-          </a:p>
-          <a:p>
-            <a:r>
-              <a:rPr lang="en-US" dirty="0"/>
-              <a:t>    </a:t>
-            </a:r>
-            <a:r>
-              <a:rPr lang="en-US" dirty="0" err="1"/>
-              <a:t>db</a:t>
-            </a:r>
-            <a:r>
-              <a:rPr lang="en-US" dirty="0" err="1">
-                <a:solidFill>
-                  <a:srgbClr val="666666"/>
-                </a:solidFill>
-              </a:rPr>
-              <a:t>.close</a:t>
-            </a:r>
-            <a:r>
-              <a:rPr lang="en-US" dirty="0">
-                <a:solidFill>
-                  <a:srgbClr val="666666"/>
-                </a:solidFill>
-              </a:rPr>
-              <a:t>()</a:t>
-            </a:r>
-          </a:p>
-          <a:p>
-            <a:endParaRPr lang="en-US" dirty="0"/>
-          </a:p>
-        </p:txBody>
-      </p:sp>
-      <p:sp>
-        <p:nvSpPr>
-          <p:cNvPr id="4" name="Content Placeholder 3"/>
-          <p:cNvSpPr>
-            <a:spLocks noGrp="1"/>
-          </p:cNvSpPr>
-          <p:nvPr>
-            <p:ph sz="quarter" idx="11"/>
+          <p:cNvPr id="3" name="Text Placeholder 2"/>
+          <p:cNvSpPr>
+            <a:spLocks noGrp="1"/>
+          </p:cNvSpPr>
+          <p:nvPr>
+            <p:ph type="body" sz="quarter" idx="10"/>
           </p:nvPr>
         </p:nvSpPr>
         <p:spPr/>
@@ -20790,22 +20508,104 @@
           <a:p>
             <a:r>
               <a:rPr lang="en-US" dirty="0" smtClean="0"/>
-              <a:t>Should you do this every time the chef-client runs?</a:t>
-            </a:r>
-          </a:p>
-          <a:p>
-            <a:r>
-              <a:rPr lang="en-US" dirty="0" smtClean="0"/>
-              <a:t>How would you prevent that from happening?</a:t>
+              <a:t>Show your work</a:t>
+            </a:r>
+          </a:p>
+          <a:p>
+            <a:r>
+              <a:rPr lang="en-US" dirty="0" smtClean="0"/>
+              <a:t>Discuss your choices</a:t>
+            </a:r>
+          </a:p>
+          <a:p>
+            <a:r>
+              <a:rPr lang="en-US" dirty="0" smtClean="0"/>
+              <a:t>Gather feedback and ideas</a:t>
             </a:r>
             <a:endParaRPr lang="en-US" dirty="0"/>
+          </a:p>
+        </p:txBody>
+      </p:sp>
+      <p:pic>
+        <p:nvPicPr>
+          <p:cNvPr id="6" name="Picture Placeholder 5" descr="demonstration - Google Search.jpg"/>
+          <p:cNvPicPr>
+            <a:picLocks noGrp="1" noChangeAspect="1"/>
+          </p:cNvPicPr>
+          <p:nvPr>
+            <p:ph type="pic" sz="quarter" idx="13"/>
+          </p:nvPr>
+        </p:nvPicPr>
+        <p:blipFill>
+          <a:blip r:embed="rId3">
+            <a:extLst>
+              <a:ext uri="{28A0092B-C50C-407E-A947-70E740481C1C}">
+                <a14:useLocalDpi xmlns:a14="http://schemas.microsoft.com/office/drawing/2010/main" val="0"/>
+              </a:ext>
+            </a:extLst>
+          </a:blip>
+          <a:srcRect l="-7012" r="-7012"/>
+          <a:stretch>
+            <a:fillRect/>
+          </a:stretch>
+        </p:blipFill>
+        <p:spPr>
+          <a:xfrm>
+            <a:off x="6181725" y="1143000"/>
+            <a:ext cx="5486400" cy="5257800"/>
+          </a:xfrm>
+        </p:spPr>
+      </p:pic>
+      <p:sp>
+        <p:nvSpPr>
+          <p:cNvPr id="4" name="Content Placeholder 3"/>
+          <p:cNvSpPr>
+            <a:spLocks noGrp="1"/>
+          </p:cNvSpPr>
+          <p:nvPr>
+            <p:ph sz="quarter" idx="12"/>
+          </p:nvPr>
+        </p:nvSpPr>
+        <p:spPr/>
+        <p:txBody>
+          <a:bodyPr/>
+          <a:lstStyle/>
+          <a:p>
+            <a:r>
+              <a:rPr lang="en-US" dirty="0"/>
+              <a:t>https://</a:t>
+            </a:r>
+            <a:r>
+              <a:rPr lang="en-US" dirty="0" err="1"/>
+              <a:t>www.google.com</a:t>
+            </a:r>
+            <a:r>
+              <a:rPr lang="en-US" dirty="0"/>
+              <a:t>/</a:t>
+            </a:r>
+            <a:r>
+              <a:rPr lang="en-US" dirty="0" err="1"/>
+              <a:t>webhp?sourceid</a:t>
+            </a:r>
+            <a:r>
+              <a:rPr lang="en-US" dirty="0"/>
+              <a:t>=</a:t>
+            </a:r>
+            <a:r>
+              <a:rPr lang="en-US" dirty="0" err="1"/>
+              <a:t>chrome-instant&amp;ion</a:t>
+            </a:r>
+            <a:r>
+              <a:rPr lang="en-US" dirty="0"/>
+              <a:t>=1&amp;espv=2&amp;ie=UTF-8#q=demonstration</a:t>
+            </a:r>
           </a:p>
         </p:txBody>
       </p:sp>
     </p:spTree>
     <p:extLst>
       <p:ext uri="{BB962C8B-B14F-4D97-AF65-F5344CB8AC3E}">
-        <p14:creationId xmlns:p14="http://schemas.microsoft.com/office/powerpoint/2010/main" val="2194459015"/>
+        <p14:creationId xmlns:p14="http://schemas.microsoft.com/office/powerpoint/2010/main" val="1089945037"/>
       </p:ext>
     </p:extLst>
   </p:cSld>
@@ -20868,40 +20668,699 @@
           <a:p>
             <a:r>
               <a:rPr lang="en-US" dirty="0" smtClean="0"/>
-              <a:t>Time to hack!</a:t>
+              <a:t>Hints</a:t>
             </a:r>
             <a:endParaRPr lang="en-US" dirty="0"/>
           </a:p>
         </p:txBody>
       </p:sp>
-      <p:pic>
-        <p:nvPicPr>
-          <p:cNvPr id="6" name="Picture Placeholder 5" descr="424047087_f685546e79_o.jpg"/>
-          <p:cNvPicPr>
-            <a:picLocks noGrp="1" noChangeAspect="1"/>
-          </p:cNvPicPr>
-          <p:nvPr>
-            <p:ph type="pic" sz="quarter" idx="10"/>
-          </p:nvPr>
-        </p:nvPicPr>
-        <p:blipFill>
-          <a:blip r:embed="rId3">
-            <a:extLst>
-              <a:ext uri="{28A0092B-C50C-407E-A947-70E740481C1C}">
-                <a14:useLocalDpi xmlns:a14="http://schemas.microsoft.com/office/drawing/2010/main" val="0"/>
-              </a:ext>
-            </a:extLst>
-          </a:blip>
-          <a:srcRect t="34402" b="34402"/>
-          <a:stretch>
-            <a:fillRect/>
-          </a:stretch>
-        </p:blipFill>
+      <p:sp>
+        <p:nvSpPr>
+          <p:cNvPr id="3" name="Content Placeholder 2"/>
+          <p:cNvSpPr>
+            <a:spLocks noGrp="1"/>
+          </p:cNvSpPr>
+          <p:nvPr>
+            <p:ph sz="quarter" idx="10"/>
+          </p:nvPr>
+        </p:nvSpPr>
         <p:spPr/>
-      </p:pic>
-      <p:sp>
-        <p:nvSpPr>
-          <p:cNvPr id="5" name="Content Placeholder 4"/>
+        <p:txBody>
+          <a:bodyPr>
+            <a:normAutofit fontScale="25000" lnSpcReduction="20000"/>
+          </a:bodyPr>
+          <a:lstStyle/>
+          <a:p>
+            <a:r>
+              <a:rPr lang="en-US" i="1" dirty="0">
+                <a:solidFill>
+                  <a:srgbClr val="408080"/>
+                </a:solidFill>
+              </a:rPr>
+              <a:t># Create DB, user, and permissions</a:t>
+            </a:r>
+          </a:p>
+          <a:p>
+            <a:r>
+              <a:rPr lang="en-US" dirty="0"/>
+              <a:t>    </a:t>
+            </a:r>
+            <a:r>
+              <a:rPr lang="en-US" b="1" dirty="0">
+                <a:solidFill>
+                  <a:srgbClr val="008000"/>
+                </a:solidFill>
+              </a:rPr>
+              <a:t>import </a:t>
+            </a:r>
+            <a:r>
+              <a:rPr lang="en-US" b="1" dirty="0" err="1">
+                <a:solidFill>
+                  <a:srgbClr val="0000FF"/>
+                </a:solidFill>
+              </a:rPr>
+              <a:t>MySQLdb</a:t>
+            </a:r>
+            <a:endParaRPr lang="en-US" b="1" dirty="0">
+              <a:solidFill>
+                <a:srgbClr val="0000FF"/>
+              </a:solidFill>
+            </a:endParaRPr>
+          </a:p>
+          <a:p>
+            <a:r>
+              <a:rPr lang="en-US" dirty="0"/>
+              <a:t>    </a:t>
+            </a:r>
+            <a:r>
+              <a:rPr lang="en-US" dirty="0" err="1"/>
+              <a:t>db</a:t>
+            </a:r>
+            <a:r>
+              <a:rPr lang="en-US" dirty="0"/>
+              <a:t> </a:t>
+            </a:r>
+            <a:r>
+              <a:rPr lang="en-US" dirty="0">
+                <a:solidFill>
+                  <a:srgbClr val="666666"/>
+                </a:solidFill>
+              </a:rPr>
+              <a:t>= </a:t>
+            </a:r>
+            <a:r>
+              <a:rPr lang="en-US" dirty="0" err="1">
+                <a:solidFill>
+                  <a:srgbClr val="666666"/>
+                </a:solidFill>
+              </a:rPr>
+              <a:t>MySQLdb.connect</a:t>
+            </a:r>
+            <a:r>
+              <a:rPr lang="en-US" dirty="0">
+                <a:solidFill>
+                  <a:srgbClr val="666666"/>
+                </a:solidFill>
+              </a:rPr>
+              <a:t>(host=</a:t>
+            </a:r>
+            <a:r>
+              <a:rPr lang="en-US" dirty="0">
+                <a:solidFill>
+                  <a:srgbClr val="BA2121"/>
+                </a:solidFill>
+              </a:rPr>
+              <a:t>'</a:t>
+            </a:r>
+            <a:r>
+              <a:rPr lang="en-US" dirty="0" err="1">
+                <a:solidFill>
+                  <a:srgbClr val="BA2121"/>
+                </a:solidFill>
+              </a:rPr>
+              <a:t>localhost</a:t>
+            </a:r>
+            <a:r>
+              <a:rPr lang="en-US" dirty="0">
+                <a:solidFill>
+                  <a:srgbClr val="BA2121"/>
+                </a:solidFill>
+              </a:rPr>
+              <a:t>', user</a:t>
+            </a:r>
+            <a:r>
+              <a:rPr lang="en-US" dirty="0">
+                <a:solidFill>
+                  <a:srgbClr val="666666"/>
+                </a:solidFill>
+              </a:rPr>
+              <a:t>=</a:t>
+            </a:r>
+            <a:r>
+              <a:rPr lang="en-US" dirty="0">
+                <a:solidFill>
+                  <a:srgbClr val="BA2121"/>
+                </a:solidFill>
+              </a:rPr>
+              <a:t>'root', </a:t>
+            </a:r>
+            <a:r>
+              <a:rPr lang="en-US" dirty="0" err="1">
+                <a:solidFill>
+                  <a:srgbClr val="BA2121"/>
+                </a:solidFill>
+              </a:rPr>
+              <a:t>passwd</a:t>
+            </a:r>
+            <a:r>
+              <a:rPr lang="en-US" dirty="0">
+                <a:solidFill>
+                  <a:srgbClr val="666666"/>
+                </a:solidFill>
+              </a:rPr>
+              <a:t>=</a:t>
+            </a:r>
+            <a:r>
+              <a:rPr lang="en-US" dirty="0" err="1">
+                <a:solidFill>
+                  <a:srgbClr val="666666"/>
+                </a:solidFill>
+              </a:rPr>
+              <a:t>root_dbpswd</a:t>
+            </a:r>
+            <a:r>
+              <a:rPr lang="en-US" dirty="0">
+                <a:solidFill>
+                  <a:srgbClr val="666666"/>
+                </a:solidFill>
+              </a:rPr>
+              <a:t>)</a:t>
+            </a:r>
+          </a:p>
+          <a:p>
+            <a:r>
+              <a:rPr lang="en-US" dirty="0"/>
+              <a:t>    </a:t>
+            </a:r>
+            <a:r>
+              <a:rPr lang="en-US" dirty="0" err="1"/>
+              <a:t>sql_script</a:t>
+            </a:r>
+            <a:r>
+              <a:rPr lang="en-US" dirty="0"/>
+              <a:t> </a:t>
+            </a:r>
+            <a:r>
+              <a:rPr lang="en-US" dirty="0">
+                <a:solidFill>
+                  <a:srgbClr val="666666"/>
+                </a:solidFill>
+              </a:rPr>
+              <a:t>= </a:t>
+            </a:r>
+            <a:r>
+              <a:rPr lang="en-US" dirty="0">
+                <a:solidFill>
+                  <a:srgbClr val="008000"/>
+                </a:solidFill>
+              </a:rPr>
+              <a:t>open(</a:t>
+            </a:r>
+            <a:r>
+              <a:rPr lang="en-US" dirty="0">
+                <a:solidFill>
+                  <a:srgbClr val="BA2121"/>
+                </a:solidFill>
+              </a:rPr>
+              <a:t>'</a:t>
+            </a:r>
+            <a:r>
+              <a:rPr lang="en-US" dirty="0" err="1">
+                <a:solidFill>
+                  <a:srgbClr val="BA2121"/>
+                </a:solidFill>
+              </a:rPr>
+              <a:t>make_AARdb.sql</a:t>
+            </a:r>
+            <a:r>
+              <a:rPr lang="en-US" dirty="0">
+                <a:solidFill>
+                  <a:srgbClr val="BA2121"/>
+                </a:solidFill>
+              </a:rPr>
+              <a:t>', 'r')</a:t>
+            </a:r>
+            <a:r>
+              <a:rPr lang="en-US" dirty="0">
+                <a:solidFill>
+                  <a:srgbClr val="666666"/>
+                </a:solidFill>
+              </a:rPr>
+              <a:t>.read()</a:t>
+            </a:r>
+          </a:p>
+          <a:p>
+            <a:r>
+              <a:rPr lang="en-US" dirty="0"/>
+              <a:t>    </a:t>
+            </a:r>
+          </a:p>
+          <a:p>
+            <a:r>
+              <a:rPr lang="es-ES_tradnl" dirty="0"/>
+              <a:t>    </a:t>
+            </a:r>
+            <a:r>
+              <a:rPr lang="es-ES_tradnl" dirty="0" err="1"/>
+              <a:t>cur</a:t>
+            </a:r>
+            <a:r>
+              <a:rPr lang="es-ES_tradnl" dirty="0"/>
+              <a:t> </a:t>
+            </a:r>
+            <a:r>
+              <a:rPr lang="es-ES_tradnl" dirty="0">
+                <a:solidFill>
+                  <a:srgbClr val="666666"/>
+                </a:solidFill>
+              </a:rPr>
+              <a:t>= </a:t>
+            </a:r>
+            <a:r>
+              <a:rPr lang="es-ES_tradnl" dirty="0" err="1">
+                <a:solidFill>
+                  <a:srgbClr val="666666"/>
+                </a:solidFill>
+              </a:rPr>
+              <a:t>db.cursor</a:t>
+            </a:r>
+            <a:r>
+              <a:rPr lang="es-ES_tradnl" dirty="0">
+                <a:solidFill>
+                  <a:srgbClr val="666666"/>
+                </a:solidFill>
+              </a:rPr>
+              <a:t>()</a:t>
+            </a:r>
+          </a:p>
+          <a:p>
+            <a:r>
+              <a:rPr lang="es-ES_tradnl" dirty="0"/>
+              <a:t>    </a:t>
+            </a:r>
+            <a:r>
+              <a:rPr lang="es-ES_tradnl" dirty="0" err="1"/>
+              <a:t>cur</a:t>
+            </a:r>
+            <a:r>
+              <a:rPr lang="es-ES_tradnl" dirty="0" err="1">
+                <a:solidFill>
+                  <a:srgbClr val="666666"/>
+                </a:solidFill>
+              </a:rPr>
+              <a:t>.execute</a:t>
+            </a:r>
+            <a:r>
+              <a:rPr lang="es-ES_tradnl" dirty="0">
+                <a:solidFill>
+                  <a:srgbClr val="666666"/>
+                </a:solidFill>
+              </a:rPr>
+              <a:t>(</a:t>
+            </a:r>
+            <a:r>
+              <a:rPr lang="es-ES_tradnl" dirty="0" err="1">
+                <a:solidFill>
+                  <a:srgbClr val="666666"/>
+                </a:solidFill>
+              </a:rPr>
+              <a:t>sql_script</a:t>
+            </a:r>
+            <a:r>
+              <a:rPr lang="es-ES_tradnl" dirty="0">
+                <a:solidFill>
+                  <a:srgbClr val="666666"/>
+                </a:solidFill>
+              </a:rPr>
+              <a:t>)</a:t>
+            </a:r>
+          </a:p>
+          <a:p>
+            <a:r>
+              <a:rPr lang="en-US" dirty="0"/>
+              <a:t>    </a:t>
+            </a:r>
+            <a:r>
+              <a:rPr lang="en-US" dirty="0" err="1"/>
+              <a:t>cur</a:t>
+            </a:r>
+            <a:r>
+              <a:rPr lang="en-US" dirty="0" err="1">
+                <a:solidFill>
+                  <a:srgbClr val="666666"/>
+                </a:solidFill>
+              </a:rPr>
+              <a:t>.close</a:t>
+            </a:r>
+            <a:r>
+              <a:rPr lang="en-US" dirty="0">
+                <a:solidFill>
+                  <a:srgbClr val="666666"/>
+                </a:solidFill>
+              </a:rPr>
+              <a:t>()</a:t>
+            </a:r>
+          </a:p>
+          <a:p>
+            <a:r>
+              <a:rPr lang="en-US" dirty="0"/>
+              <a:t>        </a:t>
+            </a:r>
+          </a:p>
+          <a:p>
+            <a:r>
+              <a:rPr lang="es-ES_tradnl" dirty="0"/>
+              <a:t>    </a:t>
+            </a:r>
+            <a:r>
+              <a:rPr lang="es-ES_tradnl" dirty="0" err="1"/>
+              <a:t>cur</a:t>
+            </a:r>
+            <a:r>
+              <a:rPr lang="es-ES_tradnl" dirty="0"/>
+              <a:t> </a:t>
+            </a:r>
+            <a:r>
+              <a:rPr lang="es-ES_tradnl" dirty="0">
+                <a:solidFill>
+                  <a:srgbClr val="666666"/>
+                </a:solidFill>
+              </a:rPr>
+              <a:t>= </a:t>
+            </a:r>
+            <a:r>
+              <a:rPr lang="es-ES_tradnl" dirty="0" err="1">
+                <a:solidFill>
+                  <a:srgbClr val="666666"/>
+                </a:solidFill>
+              </a:rPr>
+              <a:t>db.cursor</a:t>
+            </a:r>
+            <a:r>
+              <a:rPr lang="es-ES_tradnl" dirty="0">
+                <a:solidFill>
+                  <a:srgbClr val="666666"/>
+                </a:solidFill>
+              </a:rPr>
+              <a:t>()</a:t>
+            </a:r>
+          </a:p>
+          <a:p>
+            <a:r>
+              <a:rPr lang="es-ES_tradnl" dirty="0"/>
+              <a:t>    </a:t>
+            </a:r>
+            <a:r>
+              <a:rPr lang="es-ES_tradnl" dirty="0" err="1"/>
+              <a:t>cur</a:t>
+            </a:r>
+            <a:r>
+              <a:rPr lang="es-ES_tradnl" dirty="0" err="1">
+                <a:solidFill>
+                  <a:srgbClr val="666666"/>
+                </a:solidFill>
+              </a:rPr>
+              <a:t>.execute</a:t>
+            </a:r>
+            <a:r>
+              <a:rPr lang="es-ES_tradnl" dirty="0">
+                <a:solidFill>
+                  <a:srgbClr val="666666"/>
+                </a:solidFill>
+              </a:rPr>
+              <a:t>(</a:t>
+            </a:r>
+            <a:r>
+              <a:rPr lang="es-ES_tradnl" dirty="0">
+                <a:solidFill>
+                  <a:srgbClr val="BA2121"/>
+                </a:solidFill>
+              </a:rPr>
+              <a:t>'use </a:t>
+            </a:r>
+            <a:r>
+              <a:rPr lang="es-ES_tradnl" dirty="0" err="1">
+                <a:solidFill>
+                  <a:srgbClr val="BA2121"/>
+                </a:solidFill>
+              </a:rPr>
+              <a:t>AARdb</a:t>
+            </a:r>
+            <a:r>
+              <a:rPr lang="es-ES_tradnl" dirty="0">
+                <a:solidFill>
+                  <a:srgbClr val="BA2121"/>
+                </a:solidFill>
+              </a:rPr>
+              <a:t>')</a:t>
+            </a:r>
+          </a:p>
+          <a:p>
+            <a:r>
+              <a:rPr lang="es-ES_tradnl" dirty="0"/>
+              <a:t>    </a:t>
+            </a:r>
+            <a:r>
+              <a:rPr lang="es-ES_tradnl" dirty="0" err="1"/>
+              <a:t>cur</a:t>
+            </a:r>
+            <a:r>
+              <a:rPr lang="es-ES_tradnl" dirty="0" err="1">
+                <a:solidFill>
+                  <a:srgbClr val="666666"/>
+                </a:solidFill>
+              </a:rPr>
+              <a:t>.execute</a:t>
+            </a:r>
+            <a:r>
+              <a:rPr lang="es-ES_tradnl" dirty="0">
+                <a:solidFill>
+                  <a:srgbClr val="666666"/>
+                </a:solidFill>
+              </a:rPr>
+              <a:t>(</a:t>
+            </a:r>
+            <a:r>
+              <a:rPr lang="es-ES_tradnl" dirty="0">
+                <a:solidFill>
+                  <a:srgbClr val="BA2121"/>
+                </a:solidFill>
+              </a:rPr>
+              <a:t>"CREATE USER '</a:t>
+            </a:r>
+            <a:r>
+              <a:rPr lang="es-ES_tradnl" dirty="0" err="1">
+                <a:solidFill>
+                  <a:srgbClr val="BA2121"/>
+                </a:solidFill>
+              </a:rPr>
+              <a:t>aarapp</a:t>
+            </a:r>
+            <a:r>
+              <a:rPr lang="es-ES_tradnl" dirty="0">
+                <a:solidFill>
+                  <a:srgbClr val="BA2121"/>
+                </a:solidFill>
+              </a:rPr>
+              <a:t>'@'</a:t>
+            </a:r>
+            <a:r>
+              <a:rPr lang="es-ES_tradnl" dirty="0" err="1">
+                <a:solidFill>
+                  <a:srgbClr val="BA2121"/>
+                </a:solidFill>
+              </a:rPr>
+              <a:t>localhost</a:t>
+            </a:r>
+            <a:r>
+              <a:rPr lang="es-ES_tradnl" dirty="0">
+                <a:solidFill>
+                  <a:srgbClr val="BA2121"/>
+                </a:solidFill>
+              </a:rPr>
+              <a:t>' IDENTIFIED BY </a:t>
+            </a:r>
+            <a:r>
+              <a:rPr lang="es-ES_tradnl" b="1" dirty="0">
+                <a:solidFill>
+                  <a:srgbClr val="BB6688"/>
+                </a:solidFill>
+              </a:rPr>
+              <a:t>%s</a:t>
+            </a:r>
+            <a:r>
+              <a:rPr lang="es-ES_tradnl" b="1" dirty="0">
+                <a:solidFill>
+                  <a:srgbClr val="BA2121"/>
+                </a:solidFill>
+              </a:rPr>
+              <a:t>", (</a:t>
+            </a:r>
+            <a:r>
+              <a:rPr lang="es-ES_tradnl" b="1" dirty="0" err="1">
+                <a:solidFill>
+                  <a:srgbClr val="BA2121"/>
+                </a:solidFill>
+              </a:rPr>
+              <a:t>appdbpw</a:t>
+            </a:r>
+            <a:r>
+              <a:rPr lang="es-ES_tradnl" b="1" dirty="0">
+                <a:solidFill>
+                  <a:srgbClr val="BA2121"/>
+                </a:solidFill>
+              </a:rPr>
+              <a:t>,))</a:t>
+            </a:r>
+          </a:p>
+          <a:p>
+            <a:r>
+              <a:rPr lang="es-ES_tradnl" dirty="0"/>
+              <a:t>    </a:t>
+            </a:r>
+            <a:r>
+              <a:rPr lang="es-ES_tradnl" dirty="0" err="1"/>
+              <a:t>cur</a:t>
+            </a:r>
+            <a:r>
+              <a:rPr lang="es-ES_tradnl" dirty="0" err="1">
+                <a:solidFill>
+                  <a:srgbClr val="666666"/>
+                </a:solidFill>
+              </a:rPr>
+              <a:t>.execute</a:t>
+            </a:r>
+            <a:r>
+              <a:rPr lang="es-ES_tradnl" dirty="0">
+                <a:solidFill>
+                  <a:srgbClr val="666666"/>
+                </a:solidFill>
+              </a:rPr>
+              <a:t>(</a:t>
+            </a:r>
+            <a:r>
+              <a:rPr lang="es-ES_tradnl" dirty="0">
+                <a:solidFill>
+                  <a:srgbClr val="BA2121"/>
+                </a:solidFill>
+              </a:rPr>
+              <a:t>"GRANT CREATE,INSERT,DELETE,UPDATE,SELECT </a:t>
+            </a:r>
+            <a:r>
+              <a:rPr lang="es-ES_tradnl" dirty="0" err="1">
+                <a:solidFill>
+                  <a:srgbClr val="BA2121"/>
+                </a:solidFill>
+              </a:rPr>
+              <a:t>on</a:t>
+            </a:r>
+            <a:r>
+              <a:rPr lang="es-ES_tradnl" dirty="0">
+                <a:solidFill>
+                  <a:srgbClr val="BA2121"/>
+                </a:solidFill>
+              </a:rPr>
+              <a:t> </a:t>
+            </a:r>
+            <a:r>
+              <a:rPr lang="es-ES_tradnl" dirty="0" err="1">
+                <a:solidFill>
+                  <a:srgbClr val="BA2121"/>
+                </a:solidFill>
+              </a:rPr>
+              <a:t>AARdb</a:t>
+            </a:r>
+            <a:r>
+              <a:rPr lang="es-ES_tradnl" dirty="0">
+                <a:solidFill>
+                  <a:srgbClr val="BA2121"/>
+                </a:solidFill>
+              </a:rPr>
+              <a:t>.* </a:t>
+            </a:r>
+            <a:r>
+              <a:rPr lang="es-ES_tradnl" dirty="0" err="1">
+                <a:solidFill>
+                  <a:srgbClr val="BA2121"/>
+                </a:solidFill>
+              </a:rPr>
+              <a:t>to</a:t>
+            </a:r>
+            <a:r>
+              <a:rPr lang="es-ES_tradnl" dirty="0">
+                <a:solidFill>
+                  <a:srgbClr val="BA2121"/>
+                </a:solidFill>
+              </a:rPr>
+              <a:t> </a:t>
+            </a:r>
+            <a:r>
+              <a:rPr lang="es-ES_tradnl" dirty="0" err="1">
+                <a:solidFill>
+                  <a:srgbClr val="BA2121"/>
+                </a:solidFill>
+              </a:rPr>
+              <a:t>aarapp@localhost</a:t>
+            </a:r>
+            <a:r>
+              <a:rPr lang="es-ES_tradnl" dirty="0">
+                <a:solidFill>
+                  <a:srgbClr val="BA2121"/>
+                </a:solidFill>
+              </a:rPr>
+              <a:t>")</a:t>
+            </a:r>
+          </a:p>
+          <a:p>
+            <a:r>
+              <a:rPr lang="en-US" dirty="0"/>
+              <a:t>    </a:t>
+            </a:r>
+            <a:r>
+              <a:rPr lang="en-US" dirty="0" err="1"/>
+              <a:t>cur</a:t>
+            </a:r>
+            <a:r>
+              <a:rPr lang="en-US" dirty="0" err="1">
+                <a:solidFill>
+                  <a:srgbClr val="666666"/>
+                </a:solidFill>
+              </a:rPr>
+              <a:t>.close</a:t>
+            </a:r>
+            <a:r>
+              <a:rPr lang="en-US" dirty="0">
+                <a:solidFill>
+                  <a:srgbClr val="666666"/>
+                </a:solidFill>
+              </a:rPr>
+              <a:t>()</a:t>
+            </a:r>
+          </a:p>
+          <a:p>
+            <a:r>
+              <a:rPr lang="en-US" dirty="0"/>
+              <a:t>    </a:t>
+            </a:r>
+            <a:r>
+              <a:rPr lang="en-US" dirty="0" err="1"/>
+              <a:t>db</a:t>
+            </a:r>
+            <a:r>
+              <a:rPr lang="en-US" dirty="0" err="1">
+                <a:solidFill>
+                  <a:srgbClr val="666666"/>
+                </a:solidFill>
+              </a:rPr>
+              <a:t>.close</a:t>
+            </a:r>
+            <a:r>
+              <a:rPr lang="en-US" dirty="0">
+                <a:solidFill>
+                  <a:srgbClr val="666666"/>
+                </a:solidFill>
+              </a:rPr>
+              <a:t>()</a:t>
+            </a:r>
+          </a:p>
+          <a:p>
+            <a:endParaRPr lang="en-US" dirty="0"/>
+          </a:p>
+        </p:txBody>
+      </p:sp>
+      <p:sp>
+        <p:nvSpPr>
+          <p:cNvPr id="4" name="Content Placeholder 3"/>
           <p:cNvSpPr>
             <a:spLocks noGrp="1"/>
           </p:cNvSpPr>
@@ -20915,32 +21374,23 @@
           <a:lstStyle/>
           <a:p>
             <a:r>
-              <a:rPr lang="en-US" dirty="0"/>
-              <a:t>https://</a:t>
-            </a:r>
-            <a:r>
-              <a:rPr lang="en-US" dirty="0" err="1"/>
-              <a:t>www.flickr.com</a:t>
-            </a:r>
-            <a:r>
-              <a:rPr lang="en-US" dirty="0"/>
-              <a:t>/photos/</a:t>
-            </a:r>
-            <a:r>
-              <a:rPr lang="en-US" dirty="0" err="1"/>
-              <a:t>peterpearson</a:t>
-            </a:r>
-            <a:r>
-              <a:rPr lang="en-US" dirty="0"/>
-              <a:t>/424047087</a:t>
-            </a:r>
+              <a:rPr lang="en-US" dirty="0" smtClean="0"/>
+              <a:t>Should you do this every time the chef-client runs?</a:t>
+            </a:r>
+          </a:p>
+          <a:p>
+            <a:r>
+              <a:rPr lang="en-US" dirty="0" smtClean="0"/>
+              <a:t>How would you prevent that from happening?</a:t>
+            </a:r>
+            <a:endParaRPr lang="en-US" dirty="0"/>
           </a:p>
         </p:txBody>
       </p:sp>
     </p:spTree>
     <p:extLst>
       <p:ext uri="{BB962C8B-B14F-4D97-AF65-F5344CB8AC3E}">
-        <p14:creationId xmlns:p14="http://schemas.microsoft.com/office/powerpoint/2010/main" val="3284835641"/>
+        <p14:creationId xmlns:p14="http://schemas.microsoft.com/office/powerpoint/2010/main" val="2194459015"/>
       </p:ext>
     </p:extLst>
   </p:cSld>
@@ -21003,42 +21453,7 @@
           <a:p>
             <a:r>
               <a:rPr lang="en-US" dirty="0" smtClean="0"/>
-              <a:t>Demo Time!</a:t>
-            </a:r>
-            <a:endParaRPr lang="en-US" dirty="0"/>
-          </a:p>
-        </p:txBody>
-      </p:sp>
-      <p:sp>
-        <p:nvSpPr>
-          <p:cNvPr id="3" name="Text Placeholder 2"/>
-          <p:cNvSpPr>
-            <a:spLocks noGrp="1"/>
-          </p:cNvSpPr>
-          <p:nvPr>
-            <p:ph type="body" sz="quarter" idx="10"/>
-          </p:nvPr>
-        </p:nvSpPr>
-        <p:spPr/>
-        <p:txBody>
-          <a:bodyPr/>
-          <a:lstStyle/>
-          <a:p>
-            <a:r>
-              <a:rPr lang="en-US" dirty="0" smtClean="0"/>
-              <a:t>Show your work</a:t>
-            </a:r>
-          </a:p>
-          <a:p>
-            <a:r>
-              <a:rPr lang="en-US" dirty="0" smtClean="0"/>
-              <a:t>Discuss your choices</a:t>
-            </a:r>
-          </a:p>
-          <a:p>
-            <a:r>
-              <a:rPr lang="en-US" dirty="0" smtClean="0"/>
-              <a:t>Gather feedback and ideas</a:t>
+              <a:t>Time to hack!</a:t>
             </a:r>
             <a:endParaRPr lang="en-US" dirty="0"/>
           </a:p>
@@ -21046,12 +21461,12 @@
       </p:sp>
       <p:pic>
         <p:nvPicPr>
-          <p:cNvPr id="6" name="Picture Placeholder 5" descr="demonstration - Google Search.jpg"/>
+          <p:cNvPr id="6" name="Picture Placeholder 5" descr="424047087_f685546e79_o.jpg"/>
           <p:cNvPicPr>
             <a:picLocks noGrp="1" noChangeAspect="1"/>
           </p:cNvPicPr>
           <p:nvPr>
-            <p:ph type="pic" sz="quarter" idx="13"/>
+            <p:ph type="pic" sz="quarter" idx="10"/>
           </p:nvPr>
         </p:nvPicPr>
         <p:blipFill>
@@ -21062,26 +21477,21 @@
               </a:ext>
             </a:extLst>
           </a:blip>
-          <a:srcRect l="-7012" r="-7012"/>
+          <a:srcRect t="34402" b="34402"/>
           <a:stretch>
             <a:fillRect/>
           </a:stretch>
         </p:blipFill>
-        <p:spPr>
-          <a:xfrm>
-            <a:off x="6181725" y="1143000"/>
-            <a:ext cx="5486400" cy="5257800"/>
-          </a:xfrm>
-        </p:spPr>
+        <p:spPr/>
       </p:pic>
       <p:sp>
         <p:nvSpPr>
-          <p:cNvPr id="4" name="Content Placeholder 3"/>
-          <p:cNvSpPr>
-            <a:spLocks noGrp="1"/>
-          </p:cNvSpPr>
-          <p:nvPr>
-            <p:ph sz="quarter" idx="12"/>
+          <p:cNvPr id="5" name="Content Placeholder 4"/>
+          <p:cNvSpPr>
+            <a:spLocks noGrp="1"/>
+          </p:cNvSpPr>
+          <p:nvPr>
+            <p:ph sz="quarter" idx="11"/>
           </p:nvPr>
         </p:nvSpPr>
         <p:spPr/>
@@ -21095,27 +21505,19 @@
             </a:r>
             <a:r>
               <a:rPr lang="en-US" dirty="0" err="1"/>
-              <a:t>www.google.com</a:t>
+              <a:t>www.flickr.com</a:t>
             </a:r>
             <a:r>
               <a:rPr lang="en-US" dirty="0"/>
-              <a:t>/</a:t>
+              <a:t>/photos/</a:t>
             </a:r>
             <a:r>
               <a:rPr lang="en-US" dirty="0" err="1"/>
-              <a:t>webhp?sourceid</a:t>
+              <a:t>peterpearson</a:t>
             </a:r>
             <a:r>
               <a:rPr lang="en-US" dirty="0"/>
-              <a:t>=</a:t>
-            </a:r>
-            <a:r>
-              <a:rPr lang="en-US" dirty="0" err="1"/>
-              <a:t>chrome-instant&amp;ion</a:t>
-            </a:r>
-            <a:r>
-              <a:rPr lang="en-US" dirty="0"/>
-              <a:t>=1&amp;espv=2&amp;ie=UTF-8#q=demonstration</a:t>
+              <a:t>/424047087</a:t>
             </a:r>
           </a:p>
         </p:txBody>
@@ -21123,7 +21525,7 @@
     </p:spTree>
     <p:extLst>
       <p:ext uri="{BB962C8B-B14F-4D97-AF65-F5344CB8AC3E}">
-        <p14:creationId xmlns:p14="http://schemas.microsoft.com/office/powerpoint/2010/main" val="3816228750"/>
+        <p14:creationId xmlns:p14="http://schemas.microsoft.com/office/powerpoint/2010/main" val="3284835641"/>
       </p:ext>
     </p:extLst>
   </p:cSld>
@@ -21186,7 +21588,7 @@
           <a:p>
             <a:r>
               <a:rPr lang="en-US" dirty="0" smtClean="0"/>
-              <a:t>Next steps</a:t>
+              <a:t>Demo Time!</a:t>
             </a:r>
             <a:endParaRPr lang="en-US" dirty="0"/>
           </a:p>
@@ -21204,79 +21606,109 @@
         </p:nvSpPr>
         <p:spPr/>
         <p:txBody>
-          <a:bodyPr>
-            <a:normAutofit fontScale="92500" lnSpcReduction="20000"/>
-          </a:bodyPr>
+          <a:bodyPr/>
           <a:lstStyle/>
           <a:p>
             <a:r>
               <a:rPr lang="en-US" dirty="0" smtClean="0"/>
-              <a:t>Refactor</a:t>
-            </a:r>
-          </a:p>
-          <a:p>
-            <a:r>
-              <a:rPr lang="en-US" dirty="0" smtClean="0"/>
-              <a:t>Testing</a:t>
-            </a:r>
-          </a:p>
-          <a:p>
-            <a:r>
-              <a:rPr lang="en-US" dirty="0" smtClean="0"/>
-              <a:t>Multi-tier implementation</a:t>
-            </a:r>
-          </a:p>
-          <a:p>
-            <a:r>
-              <a:rPr lang="en-US" dirty="0" smtClean="0"/>
-              <a:t>Community Cookbooks</a:t>
-            </a:r>
-          </a:p>
-          <a:p>
-            <a:r>
-              <a:rPr lang="en-US" dirty="0" smtClean="0"/>
-              <a:t>Multi-OS Support</a:t>
-            </a:r>
-          </a:p>
-          <a:p>
-            <a:r>
-              <a:rPr lang="en-US" dirty="0" smtClean="0"/>
-              <a:t>Cloud deployment</a:t>
-            </a:r>
-          </a:p>
-          <a:p>
-            <a:r>
-              <a:rPr lang="en-US" dirty="0" smtClean="0"/>
-              <a:t>Operationalize</a:t>
-            </a:r>
-          </a:p>
-          <a:p>
-            <a:pPr lvl="1"/>
-            <a:r>
-              <a:rPr lang="en-US" dirty="0" smtClean="0"/>
-              <a:t>Monitoring</a:t>
-            </a:r>
-          </a:p>
-          <a:p>
-            <a:pPr lvl="1"/>
-            <a:r>
-              <a:rPr lang="en-US" dirty="0" smtClean="0"/>
-              <a:t>Central logging</a:t>
-            </a:r>
-          </a:p>
-          <a:p>
-            <a:r>
-              <a:rPr lang="en-US" dirty="0" smtClean="0"/>
-              <a:t>Application deployments</a:t>
+              <a:t>Show your work</a:t>
+            </a:r>
+          </a:p>
+          <a:p>
+            <a:r>
+              <a:rPr lang="en-US" dirty="0" smtClean="0"/>
+              <a:t>Discuss your choices</a:t>
+            </a:r>
+          </a:p>
+          <a:p>
+            <a:r>
+              <a:rPr lang="en-US" dirty="0" smtClean="0"/>
+              <a:t>Gather feedback and ideas</a:t>
             </a:r>
             <a:endParaRPr lang="en-US" dirty="0"/>
+          </a:p>
+        </p:txBody>
+      </p:sp>
+      <p:pic>
+        <p:nvPicPr>
+          <p:cNvPr id="6" name="Picture Placeholder 5" descr="demonstration - Google Search.jpg"/>
+          <p:cNvPicPr>
+            <a:picLocks noGrp="1" noChangeAspect="1"/>
+          </p:cNvPicPr>
+          <p:nvPr>
+            <p:ph type="pic" sz="quarter" idx="13"/>
+          </p:nvPr>
+        </p:nvPicPr>
+        <p:blipFill>
+          <a:blip r:embed="rId3">
+            <a:extLst>
+              <a:ext uri="{28A0092B-C50C-407E-A947-70E740481C1C}">
+                <a14:useLocalDpi xmlns:a14="http://schemas.microsoft.com/office/drawing/2010/main" val="0"/>
+              </a:ext>
+            </a:extLst>
+          </a:blip>
+          <a:srcRect l="-7012" r="-7012"/>
+          <a:stretch>
+            <a:fillRect/>
+          </a:stretch>
+        </p:blipFill>
+        <p:spPr>
+          <a:xfrm>
+            <a:off x="6181725" y="1143000"/>
+            <a:ext cx="5486400" cy="5257800"/>
+          </a:xfrm>
+        </p:spPr>
+      </p:pic>
+      <p:sp>
+        <p:nvSpPr>
+          <p:cNvPr id="4" name="Content Placeholder 3"/>
+          <p:cNvSpPr>
+            <a:spLocks noGrp="1"/>
+          </p:cNvSpPr>
+          <p:nvPr>
+            <p:ph sz="quarter" idx="12"/>
+          </p:nvPr>
+        </p:nvSpPr>
+        <p:spPr/>
+        <p:txBody>
+          <a:bodyPr/>
+          <a:lstStyle/>
+          <a:p>
+            <a:r>
+              <a:rPr lang="en-US" dirty="0"/>
+              <a:t>https://</a:t>
+            </a:r>
+            <a:r>
+              <a:rPr lang="en-US" dirty="0" err="1"/>
+              <a:t>www.google.com</a:t>
+            </a:r>
+            <a:r>
+              <a:rPr lang="en-US" dirty="0"/>
+              <a:t>/</a:t>
+            </a:r>
+            <a:r>
+              <a:rPr lang="en-US" dirty="0" err="1"/>
+              <a:t>webhp?sourceid</a:t>
+            </a:r>
+            <a:r>
+              <a:rPr lang="en-US" dirty="0"/>
+              <a:t>=</a:t>
+            </a:r>
+            <a:r>
+              <a:rPr lang="en-US" dirty="0" err="1"/>
+              <a:t>chrome-instant&amp;ion</a:t>
+            </a:r>
+            <a:r>
+              <a:rPr lang="en-US" dirty="0"/>
+              <a:t>=1&amp;espv=2&amp;ie=UTF-8#q=demonstration</a:t>
+            </a:r>
           </a:p>
         </p:txBody>
       </p:sp>
     </p:spTree>
     <p:extLst>
       <p:ext uri="{BB962C8B-B14F-4D97-AF65-F5344CB8AC3E}">
-        <p14:creationId xmlns:p14="http://schemas.microsoft.com/office/powerpoint/2010/main" val="1541181296"/>
+        <p14:creationId xmlns:p14="http://schemas.microsoft.com/office/powerpoint/2010/main" val="3816228750"/>
       </p:ext>
     </p:extLst>
   </p:cSld>
@@ -21339,79 +21771,97 @@
           <a:p>
             <a:r>
               <a:rPr lang="en-US" dirty="0" smtClean="0"/>
-              <a:t>Time to hack!</a:t>
+              <a:t>Next steps</a:t>
             </a:r>
             <a:endParaRPr lang="en-US" dirty="0"/>
           </a:p>
         </p:txBody>
       </p:sp>
-      <p:pic>
-        <p:nvPicPr>
-          <p:cNvPr id="6" name="Picture Placeholder 5" descr="424047087_f685546e79_o.jpg"/>
-          <p:cNvPicPr>
-            <a:picLocks noGrp="1" noChangeAspect="1"/>
-          </p:cNvPicPr>
-          <p:nvPr>
-            <p:ph type="pic" sz="quarter" idx="10"/>
-          </p:nvPr>
-        </p:nvPicPr>
-        <p:blipFill>
-          <a:blip r:embed="rId3">
-            <a:extLst>
-              <a:ext uri="{28A0092B-C50C-407E-A947-70E740481C1C}">
-                <a14:useLocalDpi xmlns:a14="http://schemas.microsoft.com/office/drawing/2010/main" val="0"/>
-              </a:ext>
-            </a:extLst>
-          </a:blip>
-          <a:srcRect t="34402" b="34402"/>
-          <a:stretch>
-            <a:fillRect/>
-          </a:stretch>
-        </p:blipFill>
+      <p:sp>
+        <p:nvSpPr>
+          <p:cNvPr id="3" name="Text Placeholder 2"/>
+          <p:cNvSpPr>
+            <a:spLocks noGrp="1"/>
+          </p:cNvSpPr>
+          <p:nvPr>
+            <p:ph type="body" sz="quarter" idx="10"/>
+          </p:nvPr>
+        </p:nvSpPr>
         <p:spPr/>
-      </p:pic>
-      <p:sp>
-        <p:nvSpPr>
-          <p:cNvPr id="5" name="Content Placeholder 4"/>
-          <p:cNvSpPr>
-            <a:spLocks noGrp="1"/>
-          </p:cNvSpPr>
-          <p:nvPr>
-            <p:ph sz="quarter" idx="11"/>
-          </p:nvPr>
-        </p:nvSpPr>
-        <p:spPr/>
-        <p:txBody>
-          <a:bodyPr/>
+        <p:txBody>
+          <a:bodyPr>
+            <a:normAutofit fontScale="92500" lnSpcReduction="20000"/>
+          </a:bodyPr>
           <a:lstStyle/>
           <a:p>
             <a:r>
-              <a:rPr lang="en-US" dirty="0"/>
-              <a:t>https://</a:t>
-            </a:r>
-            <a:r>
-              <a:rPr lang="en-US" dirty="0" err="1"/>
-              <a:t>www.flickr.com</a:t>
-            </a:r>
-            <a:r>
-              <a:rPr lang="en-US" dirty="0"/>
-              <a:t>/photos/</a:t>
-            </a:r>
-            <a:r>
-              <a:rPr lang="en-US" dirty="0" err="1"/>
-              <a:t>peterpearson</a:t>
-            </a:r>
-            <a:r>
-              <a:rPr lang="en-US" dirty="0"/>
-              <a:t>/424047087</a:t>
-            </a:r>
+              <a:rPr lang="en-US" dirty="0" smtClean="0"/>
+              <a:t>Refactor</a:t>
+            </a:r>
+          </a:p>
+          <a:p>
+            <a:r>
+              <a:rPr lang="en-US" dirty="0" smtClean="0"/>
+              <a:t>Testing</a:t>
+            </a:r>
+          </a:p>
+          <a:p>
+            <a:r>
+              <a:rPr lang="en-US" dirty="0" smtClean="0"/>
+              <a:t>Multi-tier implementation</a:t>
+            </a:r>
+          </a:p>
+          <a:p>
+            <a:r>
+              <a:rPr lang="en-US" dirty="0" smtClean="0"/>
+              <a:t>Community Cookbooks</a:t>
+            </a:r>
+          </a:p>
+          <a:p>
+            <a:r>
+              <a:rPr lang="en-US" dirty="0" smtClean="0"/>
+              <a:t>Multi-OS Support</a:t>
+            </a:r>
+          </a:p>
+          <a:p>
+            <a:r>
+              <a:rPr lang="en-US" dirty="0" smtClean="0"/>
+              <a:t>Cloud deployment</a:t>
+            </a:r>
+          </a:p>
+          <a:p>
+            <a:r>
+              <a:rPr lang="en-US" dirty="0" smtClean="0"/>
+              <a:t>Operationalize</a:t>
+            </a:r>
+          </a:p>
+          <a:p>
+            <a:pPr lvl="1"/>
+            <a:r>
+              <a:rPr lang="en-US" dirty="0" smtClean="0"/>
+              <a:t>Monitoring</a:t>
+            </a:r>
+          </a:p>
+          <a:p>
+            <a:pPr lvl="1"/>
+            <a:r>
+              <a:rPr lang="en-US" dirty="0" smtClean="0"/>
+              <a:t>Central logging</a:t>
+            </a:r>
+          </a:p>
+          <a:p>
+            <a:r>
+              <a:rPr lang="en-US" dirty="0" smtClean="0"/>
+              <a:t>Application deployments</a:t>
+            </a:r>
+            <a:endParaRPr lang="en-US" dirty="0"/>
           </a:p>
         </p:txBody>
       </p:sp>
     </p:spTree>
     <p:extLst>
       <p:ext uri="{BB962C8B-B14F-4D97-AF65-F5344CB8AC3E}">
-        <p14:creationId xmlns:p14="http://schemas.microsoft.com/office/powerpoint/2010/main" val="3005142962"/>
+        <p14:creationId xmlns:p14="http://schemas.microsoft.com/office/powerpoint/2010/main" val="1541181296"/>
       </p:ext>
     </p:extLst>
   </p:cSld>
@@ -21474,42 +21924,7 @@
           <a:p>
             <a:r>
               <a:rPr lang="en-US" dirty="0" smtClean="0"/>
-              <a:t>Demo Time!</a:t>
-            </a:r>
-            <a:endParaRPr lang="en-US" dirty="0"/>
-          </a:p>
-        </p:txBody>
-      </p:sp>
-      <p:sp>
-        <p:nvSpPr>
-          <p:cNvPr id="3" name="Text Placeholder 2"/>
-          <p:cNvSpPr>
-            <a:spLocks noGrp="1"/>
-          </p:cNvSpPr>
-          <p:nvPr>
-            <p:ph type="body" sz="quarter" idx="10"/>
-          </p:nvPr>
-        </p:nvSpPr>
-        <p:spPr/>
-        <p:txBody>
-          <a:bodyPr/>
-          <a:lstStyle/>
-          <a:p>
-            <a:r>
-              <a:rPr lang="en-US" dirty="0" smtClean="0"/>
-              <a:t>Show your work</a:t>
-            </a:r>
-          </a:p>
-          <a:p>
-            <a:r>
-              <a:rPr lang="en-US" dirty="0" smtClean="0"/>
-              <a:t>Discuss your choices</a:t>
-            </a:r>
-          </a:p>
-          <a:p>
-            <a:r>
-              <a:rPr lang="en-US" dirty="0" smtClean="0"/>
-              <a:t>Gather feedback and ideas</a:t>
+              <a:t>Time to hack!</a:t>
             </a:r>
             <a:endParaRPr lang="en-US" dirty="0"/>
           </a:p>
@@ -21517,12 +21932,12 @@
       </p:sp>
       <p:pic>
         <p:nvPicPr>
-          <p:cNvPr id="6" name="Picture Placeholder 5" descr="demonstration - Google Search.jpg"/>
+          <p:cNvPr id="6" name="Picture Placeholder 5" descr="424047087_f685546e79_o.jpg"/>
           <p:cNvPicPr>
             <a:picLocks noGrp="1" noChangeAspect="1"/>
           </p:cNvPicPr>
           <p:nvPr>
-            <p:ph type="pic" sz="quarter" idx="13"/>
+            <p:ph type="pic" sz="quarter" idx="10"/>
           </p:nvPr>
         </p:nvPicPr>
         <p:blipFill>
@@ -21533,26 +21948,21 @@
               </a:ext>
             </a:extLst>
           </a:blip>
-          <a:srcRect l="-7012" r="-7012"/>
+          <a:srcRect t="34402" b="34402"/>
           <a:stretch>
             <a:fillRect/>
           </a:stretch>
         </p:blipFill>
-        <p:spPr>
-          <a:xfrm>
-            <a:off x="6181725" y="1143000"/>
-            <a:ext cx="5486400" cy="5257800"/>
-          </a:xfrm>
-        </p:spPr>
+        <p:spPr/>
       </p:pic>
       <p:sp>
         <p:nvSpPr>
-          <p:cNvPr id="4" name="Content Placeholder 3"/>
-          <p:cNvSpPr>
-            <a:spLocks noGrp="1"/>
-          </p:cNvSpPr>
-          <p:nvPr>
-            <p:ph sz="quarter" idx="12"/>
+          <p:cNvPr id="5" name="Content Placeholder 4"/>
+          <p:cNvSpPr>
+            <a:spLocks noGrp="1"/>
+          </p:cNvSpPr>
+          <p:nvPr>
+            <p:ph sz="quarter" idx="11"/>
           </p:nvPr>
         </p:nvSpPr>
         <p:spPr/>
@@ -21566,27 +21976,19 @@
             </a:r>
             <a:r>
               <a:rPr lang="en-US" dirty="0" err="1"/>
-              <a:t>www.google.com</a:t>
+              <a:t>www.flickr.com</a:t>
             </a:r>
             <a:r>
               <a:rPr lang="en-US" dirty="0"/>
-              <a:t>/</a:t>
+              <a:t>/photos/</a:t>
             </a:r>
             <a:r>
               <a:rPr lang="en-US" dirty="0" err="1"/>
-              <a:t>webhp?sourceid</a:t>
+              <a:t>peterpearson</a:t>
             </a:r>
             <a:r>
               <a:rPr lang="en-US" dirty="0"/>
-              <a:t>=</a:t>
-            </a:r>
-            <a:r>
-              <a:rPr lang="en-US" dirty="0" err="1"/>
-              <a:t>chrome-instant&amp;ion</a:t>
-            </a:r>
-            <a:r>
-              <a:rPr lang="en-US" dirty="0"/>
-              <a:t>=1&amp;espv=2&amp;ie=UTF-8#q=demonstration</a:t>
+              <a:t>/424047087</a:t>
             </a:r>
           </a:p>
         </p:txBody>
@@ -21594,7 +21996,7 @@
     </p:spTree>
     <p:extLst>
       <p:ext uri="{BB962C8B-B14F-4D97-AF65-F5344CB8AC3E}">
-        <p14:creationId xmlns:p14="http://schemas.microsoft.com/office/powerpoint/2010/main" val="2138724818"/>
+        <p14:creationId xmlns:p14="http://schemas.microsoft.com/office/powerpoint/2010/main" val="3005142962"/>
       </p:ext>
     </p:extLst>
   </p:cSld>
@@ -21657,7 +22059,7 @@
           <a:p>
             <a:r>
               <a:rPr lang="en-US" dirty="0" smtClean="0"/>
-              <a:t>Objectives</a:t>
+              <a:t>Demo Time!</a:t>
             </a:r>
             <a:endParaRPr lang="en-US" dirty="0"/>
           </a:p>
@@ -21679,35 +22081,97 @@
           <a:lstStyle/>
           <a:p>
             <a:r>
+              <a:rPr lang="en-US" dirty="0" smtClean="0"/>
+              <a:t>Show your work</a:t>
+            </a:r>
+          </a:p>
+          <a:p>
+            <a:r>
+              <a:rPr lang="en-US" dirty="0" smtClean="0"/>
+              <a:t>Discuss your choices</a:t>
+            </a:r>
+          </a:p>
+          <a:p>
+            <a:r>
+              <a:rPr lang="en-US" dirty="0" smtClean="0"/>
+              <a:t>Gather feedback and ideas</a:t>
+            </a:r>
+            <a:endParaRPr lang="en-US" dirty="0"/>
+          </a:p>
+        </p:txBody>
+      </p:sp>
+      <p:pic>
+        <p:nvPicPr>
+          <p:cNvPr id="6" name="Picture Placeholder 5" descr="demonstration - Google Search.jpg"/>
+          <p:cNvPicPr>
+            <a:picLocks noGrp="1" noChangeAspect="1"/>
+          </p:cNvPicPr>
+          <p:nvPr>
+            <p:ph type="pic" sz="quarter" idx="13"/>
+          </p:nvPr>
+        </p:nvPicPr>
+        <p:blipFill>
+          <a:blip r:embed="rId3">
+            <a:extLst>
+              <a:ext uri="{28A0092B-C50C-407E-A947-70E740481C1C}">
+                <a14:useLocalDpi xmlns:a14="http://schemas.microsoft.com/office/drawing/2010/main" val="0"/>
+              </a:ext>
+            </a:extLst>
+          </a:blip>
+          <a:srcRect l="-7012" r="-7012"/>
+          <a:stretch>
+            <a:fillRect/>
+          </a:stretch>
+        </p:blipFill>
+        <p:spPr>
+          <a:xfrm>
+            <a:off x="6181725" y="1143000"/>
+            <a:ext cx="5486400" cy="5257800"/>
+          </a:xfrm>
+        </p:spPr>
+      </p:pic>
+      <p:sp>
+        <p:nvSpPr>
+          <p:cNvPr id="4" name="Content Placeholder 3"/>
+          <p:cNvSpPr>
+            <a:spLocks noGrp="1"/>
+          </p:cNvSpPr>
+          <p:nvPr>
+            <p:ph sz="quarter" idx="12"/>
+          </p:nvPr>
+        </p:nvSpPr>
+        <p:spPr/>
+        <p:txBody>
+          <a:bodyPr/>
+          <a:lstStyle/>
+          <a:p>
+            <a:r>
               <a:rPr lang="en-US" dirty="0"/>
-              <a:t>Build something in Chef with very little guidance</a:t>
-            </a:r>
-          </a:p>
-          <a:p>
-            <a:r>
-              <a:rPr lang="en-US" dirty="0" smtClean="0"/>
-              <a:t>Write custom Chef recipes</a:t>
-            </a:r>
-          </a:p>
-          <a:p>
+              <a:t>https://</a:t>
+            </a:r>
+            <a:r>
+              <a:rPr lang="en-US" dirty="0" err="1"/>
+              <a:t>www.google.com</a:t>
+            </a:r>
             <a:r>
               <a:rPr lang="en-US" dirty="0"/>
-              <a:t>Use the Chef Documentation to identify and use resources that will help you model the desired state of your </a:t>
-            </a:r>
-            <a:r>
-              <a:rPr lang="en-US" dirty="0" smtClean="0"/>
-              <a:t>infrastructure</a:t>
-            </a:r>
-            <a:endParaRPr lang="en-US" dirty="0"/>
-          </a:p>
-          <a:p>
+              <a:t>/</a:t>
+            </a:r>
+            <a:r>
+              <a:rPr lang="en-US" dirty="0" err="1"/>
+              <a:t>webhp?sourceid</a:t>
+            </a:r>
             <a:r>
               <a:rPr lang="en-US" dirty="0"/>
-              <a:t>Include guards in Chef </a:t>
-            </a:r>
-            <a:r>
-              <a:rPr lang="en-US" dirty="0" smtClean="0"/>
-              <a:t>resources</a:t>
+              <a:t>=</a:t>
+            </a:r>
+            <a:r>
+              <a:rPr lang="en-US" dirty="0" err="1"/>
+              <a:t>chrome-instant&amp;ion</a:t>
+            </a:r>
+            <a:r>
+              <a:rPr lang="en-US" dirty="0"/>
+              <a:t>=1&amp;espv=2&amp;ie=UTF-8#q=demonstration</a:t>
             </a:r>
           </a:p>
         </p:txBody>
@@ -21715,7 +22179,7 @@
     </p:spTree>
     <p:extLst>
       <p:ext uri="{BB962C8B-B14F-4D97-AF65-F5344CB8AC3E}">
-        <p14:creationId xmlns:p14="http://schemas.microsoft.com/office/powerpoint/2010/main" val="27556649"/>
+        <p14:creationId xmlns:p14="http://schemas.microsoft.com/office/powerpoint/2010/main" val="2138724818"/>
       </p:ext>
     </p:extLst>
   </p:cSld>
@@ -21778,7 +22242,7 @@
           <a:p>
             <a:r>
               <a:rPr lang="en-US" dirty="0" smtClean="0"/>
-              <a:t>Your Objectives</a:t>
+              <a:t>Objectives</a:t>
             </a:r>
             <a:endParaRPr lang="en-US" dirty="0"/>
           </a:p>
@@ -21800,30 +22264,43 @@
           <a:lstStyle/>
           <a:p>
             <a:r>
-              <a:rPr lang="en-US" dirty="0" smtClean="0"/>
-              <a:t>Review the objectives you set for yourself at the beginning of the workshop.</a:t>
-            </a:r>
-          </a:p>
-          <a:p>
-            <a:r>
-              <a:rPr lang="en-US" dirty="0" smtClean="0"/>
-              <a:t>Have you met them?</a:t>
+              <a:rPr lang="en-US" dirty="0"/>
+              <a:t>Build something in Chef with very little guidance</a:t>
+            </a:r>
+          </a:p>
+          <a:p>
+            <a:r>
+              <a:rPr lang="en-US" dirty="0" smtClean="0"/>
+              <a:t>Write custom Chef recipes</a:t>
+            </a:r>
+          </a:p>
+          <a:p>
+            <a:r>
+              <a:rPr lang="en-US" dirty="0"/>
+              <a:t>Use the Chef Documentation to identify and use resources that will help you model the desired state of your </a:t>
+            </a:r>
+            <a:r>
+              <a:rPr lang="en-US" dirty="0" smtClean="0"/>
+              <a:t>infrastructure</a:t>
             </a:r>
             <a:endParaRPr lang="en-US" dirty="0"/>
           </a:p>
           <a:p>
             <a:r>
-              <a:rPr lang="en-US" dirty="0" smtClean="0"/>
-              <a:t>Take a few minutes to reflect on what you’ve learned today.</a:t>
-            </a:r>
-            <a:endParaRPr lang="en-US" dirty="0"/>
+              <a:rPr lang="en-US" dirty="0"/>
+              <a:t>Include guards in Chef </a:t>
+            </a:r>
+            <a:r>
+              <a:rPr lang="en-US" dirty="0" smtClean="0"/>
+              <a:t>resources</a:t>
+            </a:r>
           </a:p>
         </p:txBody>
       </p:sp>
     </p:spTree>
     <p:extLst>
       <p:ext uri="{BB962C8B-B14F-4D97-AF65-F5344CB8AC3E}">
-        <p14:creationId xmlns:p14="http://schemas.microsoft.com/office/powerpoint/2010/main" val="3048288434"/>
+        <p14:creationId xmlns:p14="http://schemas.microsoft.com/office/powerpoint/2010/main" val="27556649"/>
       </p:ext>
     </p:extLst>
   </p:cSld>
@@ -21842,6 +22319,13 @@
       </p:transition>
     </mc:Fallback>
   </mc:AlternateContent>
+  <p:timing>
+    <p:tnLst>
+      <p:par>
+        <p:cTn xmlns:p14="http://schemas.microsoft.com/office/powerpoint/2010/main" id="1" dur="indefinite" restart="never" nodeType="tmRoot"/>
+      </p:par>
+    </p:tnLst>
+  </p:timing>
 </p:sld>
 </file>
 
@@ -21919,13 +22403,8 @@
           <a:p>
             <a:r>
               <a:rPr lang="en-US" dirty="0" smtClean="0"/>
-              <a:t>Has an install </a:t>
-            </a:r>
-            <a:r>
-              <a:rPr lang="en-US" dirty="0" smtClean="0"/>
-              <a:t>script</a:t>
-            </a:r>
-            <a:endParaRPr lang="en-US" dirty="0" smtClean="0"/>
+              <a:t>Has an install script</a:t>
+            </a:r>
           </a:p>
         </p:txBody>
       </p:sp>
@@ -22043,13 +22522,6 @@
               </a:rPr>
               <a:t> </a:t>
             </a:r>
-            <a:endParaRPr lang="en-US" sz="3200" dirty="0" smtClean="0">
-              <a:solidFill>
-                <a:schemeClr val="accent3">
-                  <a:lumMod val="50000"/>
-                </a:schemeClr>
-              </a:solidFill>
-            </a:endParaRPr>
           </a:p>
         </p:txBody>
       </p:sp>
@@ -22119,6 +22591,107 @@
           <a:p>
             <a:r>
               <a:rPr lang="en-US" dirty="0" smtClean="0"/>
+              <a:t>Your Objectives</a:t>
+            </a:r>
+            <a:endParaRPr lang="en-US" dirty="0"/>
+          </a:p>
+        </p:txBody>
+      </p:sp>
+      <p:sp>
+        <p:nvSpPr>
+          <p:cNvPr id="3" name="Text Placeholder 2"/>
+          <p:cNvSpPr>
+            <a:spLocks noGrp="1"/>
+          </p:cNvSpPr>
+          <p:nvPr>
+            <p:ph type="body" sz="quarter" idx="10"/>
+          </p:nvPr>
+        </p:nvSpPr>
+        <p:spPr/>
+        <p:txBody>
+          <a:bodyPr/>
+          <a:lstStyle/>
+          <a:p>
+            <a:r>
+              <a:rPr lang="en-US" dirty="0" smtClean="0"/>
+              <a:t>Review the objectives you set for yourself at the beginning of the workshop.</a:t>
+            </a:r>
+          </a:p>
+          <a:p>
+            <a:r>
+              <a:rPr lang="en-US" dirty="0" smtClean="0"/>
+              <a:t>Have you met them?</a:t>
+            </a:r>
+            <a:endParaRPr lang="en-US" dirty="0"/>
+          </a:p>
+          <a:p>
+            <a:r>
+              <a:rPr lang="en-US" dirty="0" smtClean="0"/>
+              <a:t>Take a few minutes to reflect on what you’ve learned today.</a:t>
+            </a:r>
+            <a:endParaRPr lang="en-US" dirty="0"/>
+          </a:p>
+        </p:txBody>
+      </p:sp>
+    </p:spTree>
+    <p:extLst>
+      <p:ext uri="{BB962C8B-B14F-4D97-AF65-F5344CB8AC3E}">
+        <p14:creationId xmlns:p14="http://schemas.microsoft.com/office/powerpoint/2010/main" val="3048288434"/>
+      </p:ext>
+    </p:extLst>
+  </p:cSld>
+  <p:clrMapOvr>
+    <a:masterClrMapping/>
+  </p:clrMapOvr>
+  <mc:AlternateContent xmlns:mc="http://schemas.openxmlformats.org/markup-compatibility/2006" xmlns:p14="http://schemas.microsoft.com/office/powerpoint/2010/main">
+    <mc:Choice Requires="p14">
+      <p:transition spd="med" p14:dur="700">
+        <p:fade/>
+      </p:transition>
+    </mc:Choice>
+    <mc:Fallback xmlns="">
+      <p:transition spd="med">
+        <p:fade/>
+      </p:transition>
+    </mc:Fallback>
+  </mc:AlternateContent>
+</p:sld>
+</file>
+
+<file path=ppt/slides/slide41.xml><?xml version="1.0" encoding="utf-8"?>
+<p:sld xmlns:a="http://schemas.openxmlformats.org/drawingml/2006/main" xmlns:r="http://schemas.openxmlformats.org/officeDocument/2006/relationships" xmlns:p="http://schemas.openxmlformats.org/presentationml/2006/main">
+  <p:cSld>
+    <p:spTree>
+      <p:nvGrpSpPr>
+        <p:cNvPr id="1" name=""/>
+        <p:cNvGrpSpPr/>
+        <p:nvPr/>
+      </p:nvGrpSpPr>
+      <p:grpSpPr>
+        <a:xfrm>
+          <a:off x="0" y="0"/>
+          <a:ext cx="0" cy="0"/>
+          <a:chOff x="0" y="0"/>
+          <a:chExt cx="0" cy="0"/>
+        </a:xfrm>
+      </p:grpSpPr>
+      <p:sp>
+        <p:nvSpPr>
+          <p:cNvPr id="2" name="Title 1"/>
+          <p:cNvSpPr>
+            <a:spLocks noGrp="1"/>
+          </p:cNvSpPr>
+          <p:nvPr>
+            <p:ph type="title"/>
+          </p:nvPr>
+        </p:nvSpPr>
+        <p:spPr/>
+        <p:txBody>
+          <a:bodyPr/>
+          <a:lstStyle/>
+          <a:p>
+            <a:r>
+              <a:rPr lang="en-US" dirty="0" smtClean="0"/>
               <a:t>Thank you!</a:t>
             </a:r>
             <a:endParaRPr lang="en-US" dirty="0"/>
@@ -22264,9 +22837,10 @@
               <a:t>Defining Success - </a:t>
             </a:r>
             <a:r>
-              <a:rPr lang="en-US" dirty="0"/>
-              <a:t>TISMTOWTDI</a:t>
-            </a:r>
+              <a:rPr lang="en-US" dirty="0" smtClean="0"/>
+              <a:t>TIMTOWTDI</a:t>
+            </a:r>
+            <a:endParaRPr lang="en-US" dirty="0"/>
           </a:p>
         </p:txBody>
       </p:sp>
@@ -23236,7 +23810,7 @@
   <a:extraClrSchemeLst/>
   <a:extLst>
     <a:ext uri="{05A4C25C-085E-4340-85A3-A5531E510DB2}">
-      <thm15:themeFamily xmlns="" xmlns:thm15="http://schemas.microsoft.com/office/thememl/2012/main" name="Chef-TemplateComps_v09-16x9-Light.potx" id="{078CEFDB-FA7A-4E36-9964-13EF367585CB}" vid="{8B87B0F3-7308-43D5-8388-E1B49EA02652}"/>
+      <thm15:themeFamily xmlns:thm15="http://schemas.microsoft.com/office/thememl/2012/main" xmlns="" name="Chef-TemplateComps_v09-16x9-Light.potx" id="{078CEFDB-FA7A-4E36-9964-13EF367585CB}" vid="{8B87B0F3-7308-43D5-8388-E1B49EA02652}"/>
     </a:ext>
   </a:extLst>
 </a:theme>

--- a/Awesome_Appliance_Repair/AwesomeApplicanceRepair.pptx
+++ b/Awesome_Appliance_Repair/AwesomeApplicanceRepair.pptx
@@ -5,10 +5,10 @@
     <p:sldMasterId id="2147483705" r:id="rId5"/>
   </p:sldMasterIdLst>
   <p:notesMasterIdLst>
-    <p:notesMasterId r:id="rId47"/>
+    <p:notesMasterId r:id="rId50"/>
   </p:notesMasterIdLst>
   <p:handoutMasterIdLst>
-    <p:handoutMasterId r:id="rId48"/>
+    <p:handoutMasterId r:id="rId51"/>
   </p:handoutMasterIdLst>
   <p:sldIdLst>
     <p:sldId id="256" r:id="rId6"/>
@@ -30,28 +30,31 @@
     <p:sldId id="273" r:id="rId22"/>
     <p:sldId id="302" r:id="rId23"/>
     <p:sldId id="307" r:id="rId24"/>
-    <p:sldId id="300" r:id="rId25"/>
-    <p:sldId id="304" r:id="rId26"/>
-    <p:sldId id="303" r:id="rId27"/>
-    <p:sldId id="305" r:id="rId28"/>
-    <p:sldId id="306" r:id="rId29"/>
-    <p:sldId id="280" r:id="rId30"/>
-    <p:sldId id="276" r:id="rId31"/>
-    <p:sldId id="262" r:id="rId32"/>
-    <p:sldId id="290" r:id="rId33"/>
-    <p:sldId id="277" r:id="rId34"/>
-    <p:sldId id="274" r:id="rId35"/>
-    <p:sldId id="288" r:id="rId36"/>
-    <p:sldId id="278" r:id="rId37"/>
-    <p:sldId id="275" r:id="rId38"/>
-    <p:sldId id="283" r:id="rId39"/>
-    <p:sldId id="285" r:id="rId40"/>
-    <p:sldId id="263" r:id="rId41"/>
-    <p:sldId id="291" r:id="rId42"/>
-    <p:sldId id="292" r:id="rId43"/>
-    <p:sldId id="287" r:id="rId44"/>
-    <p:sldId id="294" r:id="rId45"/>
-    <p:sldId id="286" r:id="rId46"/>
+    <p:sldId id="304" r:id="rId25"/>
+    <p:sldId id="303" r:id="rId26"/>
+    <p:sldId id="305" r:id="rId27"/>
+    <p:sldId id="300" r:id="rId28"/>
+    <p:sldId id="308" r:id="rId29"/>
+    <p:sldId id="309" r:id="rId30"/>
+    <p:sldId id="310" r:id="rId31"/>
+    <p:sldId id="306" r:id="rId32"/>
+    <p:sldId id="280" r:id="rId33"/>
+    <p:sldId id="276" r:id="rId34"/>
+    <p:sldId id="262" r:id="rId35"/>
+    <p:sldId id="290" r:id="rId36"/>
+    <p:sldId id="277" r:id="rId37"/>
+    <p:sldId id="274" r:id="rId38"/>
+    <p:sldId id="288" r:id="rId39"/>
+    <p:sldId id="278" r:id="rId40"/>
+    <p:sldId id="275" r:id="rId41"/>
+    <p:sldId id="283" r:id="rId42"/>
+    <p:sldId id="285" r:id="rId43"/>
+    <p:sldId id="263" r:id="rId44"/>
+    <p:sldId id="291" r:id="rId45"/>
+    <p:sldId id="292" r:id="rId46"/>
+    <p:sldId id="287" r:id="rId47"/>
+    <p:sldId id="294" r:id="rId48"/>
+    <p:sldId id="286" r:id="rId49"/>
   </p:sldIdLst>
   <p:sldSz cx="12192000" cy="6858000"/>
   <p:notesSz cx="6858000" cy="9144000"/>
@@ -151,11 +154,71 @@
     </a:lvl9pPr>
   </p:defaultTextStyle>
   <p:extLst>
+    <p:ext uri="{521415D9-36F7-43E2-AB2F-B90AF26B5E84}">
+      <p14:sectionLst xmlns:p14="http://schemas.microsoft.com/office/powerpoint/2010/main">
+        <p14:section name="Default Section" id="{EF0585F5-F41F-724C-A4A3-FB7F6C5EFFDF}">
+          <p14:sldIdLst>
+            <p14:sldId id="256"/>
+            <p14:sldId id="257"/>
+            <p14:sldId id="258"/>
+            <p14:sldId id="297"/>
+            <p14:sldId id="295"/>
+            <p14:sldId id="293"/>
+            <p14:sldId id="259"/>
+            <p14:sldId id="260"/>
+            <p14:sldId id="261"/>
+            <p14:sldId id="266"/>
+            <p14:sldId id="267"/>
+            <p14:sldId id="268"/>
+            <p14:sldId id="269"/>
+            <p14:sldId id="270"/>
+            <p14:sldId id="271"/>
+            <p14:sldId id="272"/>
+            <p14:sldId id="273"/>
+            <p14:sldId id="302"/>
+            <p14:sldId id="307"/>
+            <p14:sldId id="304"/>
+            <p14:sldId id="303"/>
+            <p14:sldId id="305"/>
+          </p14:sldIdLst>
+        </p14:section>
+        <p14:section name="chef-dk" id="{4FCC8E7C-AB3C-FA40-9CF2-E7D057BFE6AC}">
+          <p14:sldIdLst>
+            <p14:sldId id="300"/>
+            <p14:sldId id="308"/>
+            <p14:sldId id="309"/>
+            <p14:sldId id="310"/>
+          </p14:sldIdLst>
+        </p14:section>
+        <p14:section name="Back to the Hack" id="{1E2299B2-A143-9A48-95AD-5C8FC9E93686}">
+          <p14:sldIdLst>
+            <p14:sldId id="306"/>
+            <p14:sldId id="280"/>
+            <p14:sldId id="276"/>
+            <p14:sldId id="262"/>
+            <p14:sldId id="290"/>
+            <p14:sldId id="277"/>
+            <p14:sldId id="274"/>
+            <p14:sldId id="288"/>
+            <p14:sldId id="278"/>
+            <p14:sldId id="275"/>
+            <p14:sldId id="283"/>
+            <p14:sldId id="285"/>
+            <p14:sldId id="263"/>
+            <p14:sldId id="291"/>
+            <p14:sldId id="292"/>
+            <p14:sldId id="287"/>
+            <p14:sldId id="294"/>
+            <p14:sldId id="286"/>
+          </p14:sldIdLst>
+        </p14:section>
+      </p14:sectionLst>
+    </p:ext>
     <p:ext uri="{EFAFB233-063F-42B5-8137-9DF3F51BA10A}">
-      <p15:sldGuideLst xmlns:p15="http://schemas.microsoft.com/office/powerpoint/2012/main" xmlns=""/>
+      <p15:sldGuideLst xmlns="" xmlns:p15="http://schemas.microsoft.com/office/powerpoint/2012/main"/>
     </p:ext>
     <p:ext uri="{2D200454-40CA-4A62-9FC3-DE9A4176ACB9}">
-      <p15:notesGuideLst xmlns:p15="http://schemas.microsoft.com/office/powerpoint/2012/main" xmlns="">
+      <p15:notesGuideLst xmlns="" xmlns:p15="http://schemas.microsoft.com/office/powerpoint/2012/main">
         <p15:guide id="1" orient="horz" pos="2880">
           <p15:clr>
             <a:srgbClr val="A4A3A4"/>
@@ -260,7 +323,7 @@
                 <a:latin typeface="Arial" panose="020B0604020202020204" pitchFamily="34" charset="0"/>
                 <a:cs typeface="Arial" panose="020B0604020202020204" pitchFamily="34" charset="0"/>
               </a:rPr>
-              <a:t>12/08/2014</a:t>
+              <a:t>8/14/14</a:t>
             </a:fld>
             <a:endParaRPr lang="en-US" dirty="0">
               <a:latin typeface="Arial" panose="020B0604020202020204" pitchFamily="34" charset="0"/>
@@ -415,7 +478,7 @@
             <a:fld id="{BFFFB994-B51A-7449-B85A-B64DF9DCCDDC}" type="datetime1">
               <a:rPr lang="en-CA" smtClean="0"/>
               <a:pPr/>
-              <a:t>12/08/2014</a:t>
+              <a:t>8/14/14</a:t>
             </a:fld>
             <a:endParaRPr lang="en-US" dirty="0"/>
           </a:p>
@@ -1412,15 +1475,31 @@
           <a:p>
             <a:r>
               <a:rPr lang="en-US" dirty="0" smtClean="0"/>
-              <a:t>This</a:t>
+              <a:t>First</a:t>
             </a:r>
             <a:r>
               <a:rPr lang="en-US" baseline="0" dirty="0" smtClean="0"/>
-              <a:t> is an alternative approach if students are using </a:t>
-            </a:r>
-            <a:r>
-              <a:rPr lang="en-US" baseline="0" dirty="0" err="1" smtClean="0"/>
-              <a:t>ChefDK</a:t>
+              <a:t> time you can run '</a:t>
+            </a:r>
+            <a:r>
+              <a:rPr lang="en-US" sz="900" dirty="0" err="1" smtClean="0"/>
+              <a:t>git</a:t>
+            </a:r>
+            <a:r>
+              <a:rPr lang="en-US" sz="900" dirty="0" smtClean="0"/>
+              <a:t> push –u origin master',</a:t>
+            </a:r>
+            <a:r>
+              <a:rPr lang="en-US" sz="900" baseline="0" dirty="0" smtClean="0"/>
+              <a:t> then subsequently you can just use '</a:t>
+            </a:r>
+            <a:r>
+              <a:rPr lang="en-US" sz="900" baseline="0" dirty="0" err="1" smtClean="0"/>
+              <a:t>git</a:t>
+            </a:r>
+            <a:r>
+              <a:rPr lang="en-US" sz="900" baseline="0" dirty="0" smtClean="0"/>
+              <a:t> push'</a:t>
             </a:r>
             <a:endParaRPr lang="en-US" dirty="0"/>
           </a:p>
@@ -1444,7 +1523,7 @@
             <a:fld id="{8B263312-38AA-4E1E-B2B5-0F8F122B24FE}" type="slidenum">
               <a:rPr lang="en-US" smtClean="0"/>
               <a:pPr/>
-              <a:t>20</a:t>
+              <a:t>21</a:t>
             </a:fld>
             <a:endParaRPr lang="en-US" dirty="0"/>
           </a:p>
@@ -1495,7 +1574,7 @@
     </p:spTree>
     <p:extLst>
       <p:ext uri="{BB962C8B-B14F-4D97-AF65-F5344CB8AC3E}">
-        <p14:creationId xmlns:p14="http://schemas.microsoft.com/office/powerpoint/2010/main" val="4253677193"/>
+        <p14:creationId xmlns:p14="http://schemas.microsoft.com/office/powerpoint/2010/main" val="3373923323"/>
       </p:ext>
     </p:extLst>
   </p:cSld>
@@ -1549,35 +1628,11 @@
           <a:bodyPr/>
           <a:lstStyle/>
           <a:p>
-            <a:r>
-              <a:rPr lang="en-US" dirty="0" smtClean="0"/>
-              <a:t>First</a:t>
-            </a:r>
-            <a:r>
-              <a:rPr lang="en-US" baseline="0" dirty="0" smtClean="0"/>
-              <a:t> time you can run '</a:t>
-            </a:r>
-            <a:r>
-              <a:rPr lang="en-US" sz="900" dirty="0" err="1" smtClean="0"/>
-              <a:t>git</a:t>
-            </a:r>
-            <a:r>
-              <a:rPr lang="en-US" sz="900" dirty="0" smtClean="0"/>
-              <a:t> push –u origin master',</a:t>
-            </a:r>
-            <a:r>
-              <a:rPr lang="en-US" sz="900" baseline="0" dirty="0" smtClean="0"/>
-              <a:t> then subsequently you can just use '</a:t>
-            </a:r>
-            <a:r>
-              <a:rPr lang="en-US" sz="900" baseline="0" dirty="0" err="1" smtClean="0"/>
-              <a:t>git</a:t>
-            </a:r>
-            <a:r>
-              <a:rPr lang="en-US" sz="900" baseline="0" dirty="0" smtClean="0"/>
-              <a:t> push'</a:t>
-            </a:r>
-            <a:endParaRPr lang="en-US" dirty="0"/>
+            <a:endParaRPr lang="en-US" dirty="0">
+              <a:solidFill>
+                <a:srgbClr val="FF0000"/>
+              </a:solidFill>
+            </a:endParaRPr>
           </a:p>
         </p:txBody>
       </p:sp>
@@ -1650,7 +1705,7 @@
     </p:spTree>
     <p:extLst>
       <p:ext uri="{BB962C8B-B14F-4D97-AF65-F5344CB8AC3E}">
-        <p14:creationId xmlns:p14="http://schemas.microsoft.com/office/powerpoint/2010/main" val="3373923323"/>
+        <p14:creationId xmlns:p14="http://schemas.microsoft.com/office/powerpoint/2010/main" val="1551952231"/>
       </p:ext>
     </p:extLst>
   </p:cSld>
@@ -1704,11 +1759,19 @@
           <a:bodyPr/>
           <a:lstStyle/>
           <a:p>
-            <a:endParaRPr lang="en-US" dirty="0">
-              <a:solidFill>
-                <a:srgbClr val="FF0000"/>
-              </a:solidFill>
-            </a:endParaRPr>
+            <a:r>
+              <a:rPr lang="en-US" dirty="0" smtClean="0"/>
+              <a:t>This</a:t>
+            </a:r>
+            <a:r>
+              <a:rPr lang="en-US" baseline="0" dirty="0" smtClean="0"/>
+              <a:t> is an alternative approach if students are using </a:t>
+            </a:r>
+            <a:r>
+              <a:rPr lang="en-US" baseline="0" dirty="0" err="1" smtClean="0"/>
+              <a:t>ChefDK</a:t>
+            </a:r>
+            <a:endParaRPr lang="en-US" dirty="0"/>
           </a:p>
         </p:txBody>
       </p:sp>
@@ -1781,7 +1844,7 @@
     </p:spTree>
     <p:extLst>
       <p:ext uri="{BB962C8B-B14F-4D97-AF65-F5344CB8AC3E}">
-        <p14:creationId xmlns:p14="http://schemas.microsoft.com/office/powerpoint/2010/main" val="1551952231"/>
+        <p14:creationId xmlns:p14="http://schemas.microsoft.com/office/powerpoint/2010/main" val="4253677193"/>
       </p:ext>
     </p:extLst>
   </p:cSld>
@@ -1837,20 +1900,31 @@
           <a:p>
             <a:r>
               <a:rPr lang="en-US" dirty="0" smtClean="0"/>
-              <a:t>Go!</a:t>
-            </a:r>
-          </a:p>
-          <a:p>
-            <a:endParaRPr lang="en-US" dirty="0" smtClean="0"/>
-          </a:p>
-          <a:p>
-            <a:r>
-              <a:rPr lang="en-US" dirty="0" smtClean="0"/>
-              <a:t>Get</a:t>
+              <a:t>First</a:t>
             </a:r>
             <a:r>
               <a:rPr lang="en-US" baseline="0" dirty="0" smtClean="0"/>
-              <a:t> started on your own, let’s check-in again in 20 minutes or so.</a:t>
+              <a:t> time you can run '</a:t>
+            </a:r>
+            <a:r>
+              <a:rPr lang="en-US" sz="900" dirty="0" err="1" smtClean="0"/>
+              <a:t>git</a:t>
+            </a:r>
+            <a:r>
+              <a:rPr lang="en-US" sz="900" dirty="0" smtClean="0"/>
+              <a:t> push –u origin master',</a:t>
+            </a:r>
+            <a:r>
+              <a:rPr lang="en-US" sz="900" baseline="0" dirty="0" smtClean="0"/>
+              <a:t> then subsequently you can just use '</a:t>
+            </a:r>
+            <a:r>
+              <a:rPr lang="en-US" sz="900" baseline="0" dirty="0" err="1" smtClean="0"/>
+              <a:t>git</a:t>
+            </a:r>
+            <a:r>
+              <a:rPr lang="en-US" sz="900" baseline="0" dirty="0" smtClean="0"/>
+              <a:t> push'</a:t>
             </a:r>
             <a:endParaRPr lang="en-US" dirty="0"/>
           </a:p>
@@ -1925,7 +1999,7 @@
     </p:spTree>
     <p:extLst>
       <p:ext uri="{BB962C8B-B14F-4D97-AF65-F5344CB8AC3E}">
-        <p14:creationId xmlns:p14="http://schemas.microsoft.com/office/powerpoint/2010/main" val="3278519784"/>
+        <p14:creationId xmlns:p14="http://schemas.microsoft.com/office/powerpoint/2010/main" val="3373923323"/>
       </p:ext>
     </p:extLst>
   </p:cSld>
@@ -1979,15 +2053,11 @@
           <a:bodyPr/>
           <a:lstStyle/>
           <a:p>
-            <a:r>
-              <a:rPr lang="en-US" dirty="0" smtClean="0"/>
-              <a:t>Demo early</a:t>
-            </a:r>
-            <a:r>
-              <a:rPr lang="en-US" baseline="0" dirty="0" smtClean="0"/>
-              <a:t> and demo often!  Have the participants share their progress, maybe every 20-40 minutes have another participant share what they’ve done so far and share with the class.</a:t>
-            </a:r>
-            <a:endParaRPr lang="en-US" dirty="0"/>
+            <a:endParaRPr lang="en-US" dirty="0">
+              <a:solidFill>
+                <a:srgbClr val="FF0000"/>
+              </a:solidFill>
+            </a:endParaRPr>
           </a:p>
         </p:txBody>
       </p:sp>
@@ -2060,7 +2130,7 @@
     </p:spTree>
     <p:extLst>
       <p:ext uri="{BB962C8B-B14F-4D97-AF65-F5344CB8AC3E}">
-        <p14:creationId xmlns:p14="http://schemas.microsoft.com/office/powerpoint/2010/main" val="71662303"/>
+        <p14:creationId xmlns:p14="http://schemas.microsoft.com/office/powerpoint/2010/main" val="1551952231"/>
       </p:ext>
     </p:extLst>
   </p:cSld>
@@ -2116,11 +2186,20 @@
           <a:p>
             <a:r>
               <a:rPr lang="en-US" dirty="0" smtClean="0"/>
-              <a:t>Do not show</a:t>
+              <a:t>Go!</a:t>
+            </a:r>
+          </a:p>
+          <a:p>
+            <a:endParaRPr lang="en-US" dirty="0" smtClean="0"/>
+          </a:p>
+          <a:p>
+            <a:r>
+              <a:rPr lang="en-US" dirty="0" smtClean="0"/>
+              <a:t>Get</a:t>
             </a:r>
             <a:r>
               <a:rPr lang="en-US" baseline="0" dirty="0" smtClean="0"/>
-              <a:t> these until the participants have had ample time to find and fix them on their own.</a:t>
+              <a:t> started on your own, let’s check-in again in 20 minutes or so.</a:t>
             </a:r>
             <a:endParaRPr lang="en-US" dirty="0"/>
           </a:p>
@@ -2144,7 +2223,7 @@
             <a:fld id="{8B263312-38AA-4E1E-B2B5-0F8F122B24FE}" type="slidenum">
               <a:rPr lang="en-US" smtClean="0"/>
               <a:pPr/>
-              <a:t>27</a:t>
+              <a:t>28</a:t>
             </a:fld>
             <a:endParaRPr lang="en-US" dirty="0"/>
           </a:p>
@@ -2195,7 +2274,7 @@
     </p:spTree>
     <p:extLst>
       <p:ext uri="{BB962C8B-B14F-4D97-AF65-F5344CB8AC3E}">
-        <p14:creationId xmlns:p14="http://schemas.microsoft.com/office/powerpoint/2010/main" val="2378470727"/>
+        <p14:creationId xmlns:p14="http://schemas.microsoft.com/office/powerpoint/2010/main" val="3278519784"/>
       </p:ext>
     </p:extLst>
   </p:cSld>
@@ -2251,20 +2330,11 @@
           <a:p>
             <a:r>
               <a:rPr lang="en-US" dirty="0" smtClean="0"/>
-              <a:t>Go!</a:t>
-            </a:r>
-          </a:p>
-          <a:p>
-            <a:endParaRPr lang="en-US" dirty="0" smtClean="0"/>
-          </a:p>
-          <a:p>
-            <a:r>
-              <a:rPr lang="en-US" dirty="0" smtClean="0"/>
-              <a:t>Get</a:t>
+              <a:t>Demo early</a:t>
             </a:r>
             <a:r>
               <a:rPr lang="en-US" baseline="0" dirty="0" smtClean="0"/>
-              <a:t> started on your own, let’s check-in again in 20 minutes or so.</a:t>
+              <a:t> and demo often!  Have the participants share their progress, maybe every 20-40 minutes have another participant share what they’ve done so far and share with the class.</a:t>
             </a:r>
             <a:endParaRPr lang="en-US" dirty="0"/>
           </a:p>
@@ -2288,7 +2358,7 @@
             <a:fld id="{8B263312-38AA-4E1E-B2B5-0F8F122B24FE}" type="slidenum">
               <a:rPr lang="en-US" smtClean="0"/>
               <a:pPr/>
-              <a:t>28</a:t>
+              <a:t>29</a:t>
             </a:fld>
             <a:endParaRPr lang="en-US" dirty="0"/>
           </a:p>
@@ -2339,7 +2409,7 @@
     </p:spTree>
     <p:extLst>
       <p:ext uri="{BB962C8B-B14F-4D97-AF65-F5344CB8AC3E}">
-        <p14:creationId xmlns:p14="http://schemas.microsoft.com/office/powerpoint/2010/main" val="3278519784"/>
+        <p14:creationId xmlns:p14="http://schemas.microsoft.com/office/powerpoint/2010/main" val="71662303"/>
       </p:ext>
     </p:extLst>
   </p:cSld>
@@ -2530,11 +2600,11 @@
           <a:p>
             <a:r>
               <a:rPr lang="en-US" dirty="0" smtClean="0"/>
-              <a:t>Demo early</a:t>
+              <a:t>Do not show</a:t>
             </a:r>
             <a:r>
               <a:rPr lang="en-US" baseline="0" dirty="0" smtClean="0"/>
-              <a:t> and demo often!  Have the participants share their progress, maybe every 20-40 minutes have another participant share what they’ve done so far and share with the class.</a:t>
+              <a:t> these until the participants have had ample time to find and fix them on their own.</a:t>
             </a:r>
             <a:endParaRPr lang="en-US" dirty="0"/>
           </a:p>
@@ -2558,7 +2628,7 @@
             <a:fld id="{8B263312-38AA-4E1E-B2B5-0F8F122B24FE}" type="slidenum">
               <a:rPr lang="en-US" smtClean="0"/>
               <a:pPr/>
-              <a:t>29</a:t>
+              <a:t>30</a:t>
             </a:fld>
             <a:endParaRPr lang="en-US" dirty="0"/>
           </a:p>
@@ -2609,7 +2679,7 @@
     </p:spTree>
     <p:extLst>
       <p:ext uri="{BB962C8B-B14F-4D97-AF65-F5344CB8AC3E}">
-        <p14:creationId xmlns:p14="http://schemas.microsoft.com/office/powerpoint/2010/main" val="71662303"/>
+        <p14:creationId xmlns:p14="http://schemas.microsoft.com/office/powerpoint/2010/main" val="2378470727"/>
       </p:ext>
     </p:extLst>
   </p:cSld>
@@ -3218,356 +3288,26 @@
         </p:nvSpPr>
         <p:spPr/>
         <p:txBody>
-          <a:bodyPr>
-            <a:normAutofit fontScale="92500" lnSpcReduction="20000"/>
-          </a:bodyPr>
-          <a:lstStyle/>
-          <a:p>
-            <a:r>
-              <a:rPr lang="en-US" dirty="0" smtClean="0"/>
-              <a:t>So many options</a:t>
+          <a:bodyPr/>
+          <a:lstStyle/>
+          <a:p>
+            <a:r>
+              <a:rPr lang="en-US" dirty="0" smtClean="0"/>
+              <a:t>Go!</a:t>
+            </a:r>
+          </a:p>
+          <a:p>
+            <a:endParaRPr lang="en-US" dirty="0" smtClean="0"/>
+          </a:p>
+          <a:p>
+            <a:r>
+              <a:rPr lang="en-US" dirty="0" smtClean="0"/>
+              <a:t>Get</a:t>
             </a:r>
             <a:r>
               <a:rPr lang="en-US" baseline="0" dirty="0" smtClean="0"/>
-              <a:t> for where to go next with this project!  What will you do?</a:t>
-            </a:r>
-          </a:p>
-          <a:p>
-            <a:endParaRPr lang="en-US" baseline="0" dirty="0" smtClean="0"/>
-          </a:p>
-          <a:p>
-            <a:r>
-              <a:rPr lang="en-US" baseline="0" dirty="0" smtClean="0"/>
-              <a:t>Check https://</a:t>
-            </a:r>
-            <a:r>
-              <a:rPr lang="en-US" baseline="0" dirty="0" err="1" smtClean="0"/>
-              <a:t>github.com</a:t>
-            </a:r>
-            <a:r>
-              <a:rPr lang="en-US" baseline="0" dirty="0" smtClean="0"/>
-              <a:t>/</a:t>
-            </a:r>
-            <a:r>
-              <a:rPr lang="en-US" baseline="0" dirty="0" err="1" smtClean="0"/>
-              <a:t>learnchef</a:t>
-            </a:r>
-            <a:r>
-              <a:rPr lang="en-US" baseline="0" dirty="0" smtClean="0"/>
-              <a:t>/workshops/tree/master/</a:t>
-            </a:r>
-            <a:r>
-              <a:rPr lang="en-US" baseline="0" dirty="0" err="1" smtClean="0"/>
-              <a:t>Awesome_Appliance_Repair</a:t>
-            </a:r>
-            <a:r>
-              <a:rPr lang="en-US" baseline="0" dirty="0" smtClean="0"/>
-              <a:t> for additional ideas and / or additional detail.</a:t>
-            </a:r>
-          </a:p>
-          <a:p>
-            <a:endParaRPr lang="en-US" baseline="0" dirty="0" smtClean="0"/>
-          </a:p>
-          <a:p>
-            <a:r>
-              <a:rPr lang="en-US" baseline="0" dirty="0" smtClean="0"/>
-              <a:t>## Next steps</a:t>
-            </a:r>
-          </a:p>
-          <a:p>
-            <a:endParaRPr lang="en-US" baseline="0" dirty="0" smtClean="0"/>
-          </a:p>
-          <a:p>
-            <a:r>
-              <a:rPr lang="en-US" baseline="0" dirty="0" smtClean="0"/>
-              <a:t>You can take expand on this project a number of ways including:</a:t>
-            </a:r>
-          </a:p>
-          <a:p>
-            <a:endParaRPr lang="en-US" baseline="0" dirty="0" smtClean="0"/>
-          </a:p>
-          <a:p>
-            <a:r>
-              <a:rPr lang="en-US" baseline="0" dirty="0" smtClean="0"/>
-              <a:t>* Testing</a:t>
-            </a:r>
-          </a:p>
-          <a:p>
-            <a:r>
-              <a:rPr lang="en-US" baseline="0" dirty="0" smtClean="0"/>
-              <a:t>  * Use [Test Kitchen](http://</a:t>
-            </a:r>
-            <a:r>
-              <a:rPr lang="en-US" baseline="0" dirty="0" err="1" smtClean="0"/>
-              <a:t>kitchen.ci</a:t>
-            </a:r>
-            <a:r>
-              <a:rPr lang="en-US" baseline="0" dirty="0" smtClean="0"/>
-              <a:t>) to validate your chef-client runs.</a:t>
-            </a:r>
-          </a:p>
-          <a:p>
-            <a:r>
-              <a:rPr lang="en-US" baseline="0" dirty="0" smtClean="0"/>
-              <a:t>  * Add static code analysis using [</a:t>
-            </a:r>
-            <a:r>
-              <a:rPr lang="en-US" baseline="0" dirty="0" err="1" smtClean="0"/>
-              <a:t>Rubocop</a:t>
-            </a:r>
-            <a:r>
-              <a:rPr lang="en-US" baseline="0" dirty="0" smtClean="0"/>
-              <a:t>](https://</a:t>
-            </a:r>
-            <a:r>
-              <a:rPr lang="en-US" baseline="0" dirty="0" err="1" smtClean="0"/>
-              <a:t>github.com</a:t>
-            </a:r>
-            <a:r>
-              <a:rPr lang="en-US" baseline="0" dirty="0" smtClean="0"/>
-              <a:t>/</a:t>
-            </a:r>
-            <a:r>
-              <a:rPr lang="en-US" baseline="0" dirty="0" err="1" smtClean="0"/>
-              <a:t>bbatsov</a:t>
-            </a:r>
-            <a:r>
-              <a:rPr lang="en-US" baseline="0" dirty="0" smtClean="0"/>
-              <a:t>/</a:t>
-            </a:r>
-            <a:r>
-              <a:rPr lang="en-US" baseline="0" dirty="0" err="1" smtClean="0"/>
-              <a:t>rubocop</a:t>
-            </a:r>
-            <a:r>
-              <a:rPr lang="en-US" baseline="0" dirty="0" smtClean="0"/>
-              <a:t>) and [Food Critic](</a:t>
-            </a:r>
-            <a:r>
-              <a:rPr lang="en-US" baseline="0" dirty="0" err="1" smtClean="0"/>
-              <a:t>foodcritic.io</a:t>
-            </a:r>
-            <a:r>
-              <a:rPr lang="en-US" baseline="0" dirty="0" smtClean="0"/>
-              <a:t>).</a:t>
-            </a:r>
-          </a:p>
-          <a:p>
-            <a:r>
-              <a:rPr lang="en-US" baseline="0" dirty="0" smtClean="0"/>
-              <a:t>  * Add [</a:t>
-            </a:r>
-            <a:r>
-              <a:rPr lang="en-US" baseline="0" dirty="0" err="1" smtClean="0"/>
-              <a:t>ChefSpec</a:t>
-            </a:r>
-            <a:r>
-              <a:rPr lang="en-US" baseline="0" dirty="0" smtClean="0"/>
-              <a:t>](http://</a:t>
-            </a:r>
-            <a:r>
-              <a:rPr lang="en-US" baseline="0" dirty="0" err="1" smtClean="0"/>
-              <a:t>sethvargo.github.io</a:t>
-            </a:r>
-            <a:r>
-              <a:rPr lang="en-US" baseline="0" dirty="0" smtClean="0"/>
-              <a:t>/</a:t>
-            </a:r>
-            <a:r>
-              <a:rPr lang="en-US" baseline="0" dirty="0" err="1" smtClean="0"/>
-              <a:t>chefspec</a:t>
-            </a:r>
-            <a:r>
-              <a:rPr lang="en-US" baseline="0" dirty="0" smtClean="0"/>
-              <a:t>/) tests.</a:t>
-            </a:r>
-          </a:p>
-          <a:p>
-            <a:r>
-              <a:rPr lang="en-US" baseline="0" dirty="0" smtClean="0"/>
-              <a:t>  * Add [</a:t>
-            </a:r>
-            <a:r>
-              <a:rPr lang="en-US" baseline="0" dirty="0" err="1" smtClean="0"/>
-              <a:t>Serverspec</a:t>
-            </a:r>
-            <a:r>
-              <a:rPr lang="en-US" baseline="0" dirty="0" smtClean="0"/>
-              <a:t>](http://</a:t>
-            </a:r>
-            <a:r>
-              <a:rPr lang="en-US" baseline="0" dirty="0" err="1" smtClean="0"/>
-              <a:t>serverspec.org</a:t>
-            </a:r>
-            <a:r>
-              <a:rPr lang="en-US" baseline="0" dirty="0" smtClean="0"/>
-              <a:t>/) tests.</a:t>
-            </a:r>
-          </a:p>
-          <a:p>
-            <a:r>
-              <a:rPr lang="en-US" baseline="0" dirty="0" smtClean="0"/>
-              <a:t>  * Add a continuous integration server, such as Jenkins</a:t>
-            </a:r>
-          </a:p>
-          <a:p>
-            <a:r>
-              <a:rPr lang="en-US" baseline="0" dirty="0" smtClean="0"/>
-              <a:t>* Multi-tier implementation</a:t>
-            </a:r>
-          </a:p>
-          <a:p>
-            <a:r>
-              <a:rPr lang="en-US" baseline="0" dirty="0" smtClean="0"/>
-              <a:t>  * move the database to a separate node</a:t>
-            </a:r>
-          </a:p>
-          <a:p>
-            <a:r>
-              <a:rPr lang="en-US" baseline="0" dirty="0" smtClean="0"/>
-              <a:t>  * add a load balancer and additional web server</a:t>
-            </a:r>
-          </a:p>
-          <a:p>
-            <a:r>
-              <a:rPr lang="en-US" baseline="0" dirty="0" smtClean="0"/>
-              <a:t>* Community Cookbooks - What cookbooks in the [Supermarket](http://</a:t>
-            </a:r>
-            <a:r>
-              <a:rPr lang="en-US" baseline="0" dirty="0" err="1" smtClean="0"/>
-              <a:t>supermarket.getchef.com</a:t>
-            </a:r>
-            <a:r>
-              <a:rPr lang="en-US" baseline="0" dirty="0" smtClean="0"/>
-              <a:t>) might help?</a:t>
-            </a:r>
-          </a:p>
-          <a:p>
-            <a:r>
-              <a:rPr lang="en-US" baseline="0" dirty="0" smtClean="0"/>
-              <a:t>* Multi-OS support - what changes are required to deploy the application to </a:t>
-            </a:r>
-            <a:r>
-              <a:rPr lang="en-US" baseline="0" dirty="0" err="1" smtClean="0"/>
-              <a:t>CentOS</a:t>
-            </a:r>
-            <a:r>
-              <a:rPr lang="en-US" baseline="0" dirty="0" smtClean="0"/>
-              <a:t>? </a:t>
-            </a:r>
-          </a:p>
-          <a:p>
-            <a:r>
-              <a:rPr lang="en-US" baseline="0" dirty="0" smtClean="0"/>
-              <a:t>* Cloud deployment</a:t>
-            </a:r>
-          </a:p>
-          <a:p>
-            <a:r>
-              <a:rPr lang="en-US" baseline="0" dirty="0" smtClean="0"/>
-              <a:t>  * Can you deploy this </a:t>
-            </a:r>
-            <a:r>
-              <a:rPr lang="en-US" baseline="0" dirty="0" err="1" smtClean="0"/>
-              <a:t>applicaiton</a:t>
-            </a:r>
-            <a:r>
-              <a:rPr lang="en-US" baseline="0" dirty="0" smtClean="0"/>
-              <a:t> to another infrastructure as a service environment?  (AWS, Azure, Rackspace, Digital Ocean, etc.)</a:t>
-            </a:r>
-          </a:p>
-          <a:p>
-            <a:r>
-              <a:rPr lang="en-US" baseline="0" dirty="0" smtClean="0"/>
-              <a:t>* Operationalize</a:t>
-            </a:r>
-          </a:p>
-          <a:p>
-            <a:r>
-              <a:rPr lang="en-US" baseline="0" dirty="0" smtClean="0"/>
-              <a:t>  * Add monitoring (</a:t>
-            </a:r>
-            <a:r>
-              <a:rPr lang="en-US" baseline="0" dirty="0" err="1" smtClean="0"/>
-              <a:t>nagios</a:t>
-            </a:r>
-            <a:r>
-              <a:rPr lang="en-US" baseline="0" dirty="0" smtClean="0"/>
-              <a:t>, </a:t>
-            </a:r>
-            <a:r>
-              <a:rPr lang="en-US" baseline="0" dirty="0" err="1" smtClean="0"/>
-              <a:t>sensu</a:t>
-            </a:r>
-            <a:r>
-              <a:rPr lang="en-US" baseline="0" dirty="0" smtClean="0"/>
-              <a:t>, etc.)</a:t>
-            </a:r>
-          </a:p>
-          <a:p>
-            <a:r>
-              <a:rPr lang="en-US" baseline="0" dirty="0" smtClean="0"/>
-              <a:t>  * Add central logging (</a:t>
-            </a:r>
-            <a:r>
-              <a:rPr lang="en-US" baseline="0" dirty="0" err="1" smtClean="0"/>
-              <a:t>splunk</a:t>
-            </a:r>
-            <a:r>
-              <a:rPr lang="en-US" baseline="0" dirty="0" smtClean="0"/>
-              <a:t>, </a:t>
-            </a:r>
-            <a:r>
-              <a:rPr lang="en-US" baseline="0" dirty="0" err="1" smtClean="0"/>
-              <a:t>logstash</a:t>
-            </a:r>
-            <a:r>
-              <a:rPr lang="en-US" baseline="0" dirty="0" smtClean="0"/>
-              <a:t>, etc.)</a:t>
-            </a:r>
-          </a:p>
-          <a:p>
-            <a:r>
-              <a:rPr lang="en-US" baseline="0" dirty="0" smtClean="0"/>
-              <a:t>  * Schedule database backups</a:t>
-            </a:r>
-          </a:p>
-          <a:p>
-            <a:r>
-              <a:rPr lang="en-US" baseline="0" dirty="0" smtClean="0"/>
-              <a:t>  * Add an additional database for replication (master / slave)</a:t>
-            </a:r>
-          </a:p>
-          <a:p>
-            <a:r>
-              <a:rPr lang="en-US" baseline="0" dirty="0" smtClean="0"/>
-              <a:t>* </a:t>
-            </a:r>
-            <a:r>
-              <a:rPr lang="en-US" baseline="0" dirty="0" err="1" smtClean="0"/>
-              <a:t>Applicaiton</a:t>
-            </a:r>
-            <a:r>
-              <a:rPr lang="en-US" baseline="0" dirty="0" smtClean="0"/>
-              <a:t> Deployments</a:t>
-            </a:r>
-          </a:p>
-          <a:p>
-            <a:r>
-              <a:rPr lang="en-US" baseline="0" dirty="0" smtClean="0"/>
-              <a:t>  * How do you deploy updates to the Awesome Appliance Repair application?</a:t>
-            </a:r>
-          </a:p>
-          <a:p>
-            <a:endParaRPr lang="en-US" baseline="0" dirty="0" smtClean="0"/>
-          </a:p>
-          <a:p>
-            <a:endParaRPr lang="en-US" baseline="0" dirty="0" smtClean="0"/>
-          </a:p>
-          <a:p>
-            <a:endParaRPr lang="en-US" baseline="0" dirty="0" smtClean="0"/>
-          </a:p>
-          <a:p>
+              <a:t> started on your own, let’s check-in again in 20 minutes or so.</a:t>
+            </a:r>
             <a:endParaRPr lang="en-US" dirty="0"/>
           </a:p>
         </p:txBody>
@@ -3590,7 +3330,7 @@
             <a:fld id="{8B263312-38AA-4E1E-B2B5-0F8F122B24FE}" type="slidenum">
               <a:rPr lang="en-US" smtClean="0"/>
               <a:pPr/>
-              <a:t>36</a:t>
+              <a:t>37</a:t>
             </a:fld>
             <a:endParaRPr lang="en-US" dirty="0"/>
           </a:p>
@@ -3641,7 +3381,7 @@
     </p:spTree>
     <p:extLst>
       <p:ext uri="{BB962C8B-B14F-4D97-AF65-F5344CB8AC3E}">
-        <p14:creationId xmlns:p14="http://schemas.microsoft.com/office/powerpoint/2010/main" val="4252575558"/>
+        <p14:creationId xmlns:p14="http://schemas.microsoft.com/office/powerpoint/2010/main" val="3278519784"/>
       </p:ext>
     </p:extLst>
   </p:cSld>
@@ -3697,20 +3437,11 @@
           <a:p>
             <a:r>
               <a:rPr lang="en-US" dirty="0" smtClean="0"/>
-              <a:t>Go!</a:t>
-            </a:r>
-          </a:p>
-          <a:p>
-            <a:endParaRPr lang="en-US" dirty="0" smtClean="0"/>
-          </a:p>
-          <a:p>
-            <a:r>
-              <a:rPr lang="en-US" dirty="0" smtClean="0"/>
-              <a:t>Get</a:t>
+              <a:t>Demo early</a:t>
             </a:r>
             <a:r>
               <a:rPr lang="en-US" baseline="0" dirty="0" smtClean="0"/>
-              <a:t> started on your own, let’s check-in again in 20 minutes or so.</a:t>
+              <a:t> and demo often!  Have the participants share their progress, maybe every 20-40 minutes have another participant share what they’ve done so far and share with the class.</a:t>
             </a:r>
             <a:endParaRPr lang="en-US" dirty="0"/>
           </a:p>
@@ -3734,7 +3465,7 @@
             <a:fld id="{8B263312-38AA-4E1E-B2B5-0F8F122B24FE}" type="slidenum">
               <a:rPr lang="en-US" smtClean="0"/>
               <a:pPr/>
-              <a:t>37</a:t>
+              <a:t>38</a:t>
             </a:fld>
             <a:endParaRPr lang="en-US" dirty="0"/>
           </a:p>
@@ -3785,7 +3516,7 @@
     </p:spTree>
     <p:extLst>
       <p:ext uri="{BB962C8B-B14F-4D97-AF65-F5344CB8AC3E}">
-        <p14:creationId xmlns:p14="http://schemas.microsoft.com/office/powerpoint/2010/main" val="3278519784"/>
+        <p14:creationId xmlns:p14="http://schemas.microsoft.com/office/powerpoint/2010/main" val="71662303"/>
       </p:ext>
     </p:extLst>
   </p:cSld>
@@ -3836,17 +3567,356 @@
         </p:nvSpPr>
         <p:spPr/>
         <p:txBody>
-          <a:bodyPr/>
-          <a:lstStyle/>
-          <a:p>
-            <a:r>
-              <a:rPr lang="en-US" dirty="0" smtClean="0"/>
-              <a:t>Demo early</a:t>
+          <a:bodyPr>
+            <a:normAutofit fontScale="92500" lnSpcReduction="20000"/>
+          </a:bodyPr>
+          <a:lstStyle/>
+          <a:p>
+            <a:r>
+              <a:rPr lang="en-US" dirty="0" smtClean="0"/>
+              <a:t>So many options</a:t>
             </a:r>
             <a:r>
               <a:rPr lang="en-US" baseline="0" dirty="0" smtClean="0"/>
-              <a:t> and demo often!  Have the participants share their progress, maybe every 20-40 minutes have another participant share what they’ve done so far and share with the class.</a:t>
-            </a:r>
+              <a:t> for where to go next with this project!  What will you do?</a:t>
+            </a:r>
+          </a:p>
+          <a:p>
+            <a:endParaRPr lang="en-US" baseline="0" dirty="0" smtClean="0"/>
+          </a:p>
+          <a:p>
+            <a:r>
+              <a:rPr lang="en-US" baseline="0" dirty="0" smtClean="0"/>
+              <a:t>Check https://</a:t>
+            </a:r>
+            <a:r>
+              <a:rPr lang="en-US" baseline="0" dirty="0" err="1" smtClean="0"/>
+              <a:t>github.com</a:t>
+            </a:r>
+            <a:r>
+              <a:rPr lang="en-US" baseline="0" dirty="0" smtClean="0"/>
+              <a:t>/</a:t>
+            </a:r>
+            <a:r>
+              <a:rPr lang="en-US" baseline="0" dirty="0" err="1" smtClean="0"/>
+              <a:t>learnchef</a:t>
+            </a:r>
+            <a:r>
+              <a:rPr lang="en-US" baseline="0" dirty="0" smtClean="0"/>
+              <a:t>/workshops/tree/master/</a:t>
+            </a:r>
+            <a:r>
+              <a:rPr lang="en-US" baseline="0" dirty="0" err="1" smtClean="0"/>
+              <a:t>Awesome_Appliance_Repair</a:t>
+            </a:r>
+            <a:r>
+              <a:rPr lang="en-US" baseline="0" dirty="0" smtClean="0"/>
+              <a:t> for additional ideas and / or additional detail.</a:t>
+            </a:r>
+          </a:p>
+          <a:p>
+            <a:endParaRPr lang="en-US" baseline="0" dirty="0" smtClean="0"/>
+          </a:p>
+          <a:p>
+            <a:r>
+              <a:rPr lang="en-US" baseline="0" dirty="0" smtClean="0"/>
+              <a:t>## Next steps</a:t>
+            </a:r>
+          </a:p>
+          <a:p>
+            <a:endParaRPr lang="en-US" baseline="0" dirty="0" smtClean="0"/>
+          </a:p>
+          <a:p>
+            <a:r>
+              <a:rPr lang="en-US" baseline="0" dirty="0" smtClean="0"/>
+              <a:t>You can take expand on this project a number of ways including:</a:t>
+            </a:r>
+          </a:p>
+          <a:p>
+            <a:endParaRPr lang="en-US" baseline="0" dirty="0" smtClean="0"/>
+          </a:p>
+          <a:p>
+            <a:r>
+              <a:rPr lang="en-US" baseline="0" dirty="0" smtClean="0"/>
+              <a:t>* Testing</a:t>
+            </a:r>
+          </a:p>
+          <a:p>
+            <a:r>
+              <a:rPr lang="en-US" baseline="0" dirty="0" smtClean="0"/>
+              <a:t>  * Use [Test Kitchen](http://</a:t>
+            </a:r>
+            <a:r>
+              <a:rPr lang="en-US" baseline="0" dirty="0" err="1" smtClean="0"/>
+              <a:t>kitchen.ci</a:t>
+            </a:r>
+            <a:r>
+              <a:rPr lang="en-US" baseline="0" dirty="0" smtClean="0"/>
+              <a:t>) to validate your chef-client runs.</a:t>
+            </a:r>
+          </a:p>
+          <a:p>
+            <a:r>
+              <a:rPr lang="en-US" baseline="0" dirty="0" smtClean="0"/>
+              <a:t>  * Add static code analysis using [</a:t>
+            </a:r>
+            <a:r>
+              <a:rPr lang="en-US" baseline="0" dirty="0" err="1" smtClean="0"/>
+              <a:t>Rubocop</a:t>
+            </a:r>
+            <a:r>
+              <a:rPr lang="en-US" baseline="0" dirty="0" smtClean="0"/>
+              <a:t>](https://</a:t>
+            </a:r>
+            <a:r>
+              <a:rPr lang="en-US" baseline="0" dirty="0" err="1" smtClean="0"/>
+              <a:t>github.com</a:t>
+            </a:r>
+            <a:r>
+              <a:rPr lang="en-US" baseline="0" dirty="0" smtClean="0"/>
+              <a:t>/</a:t>
+            </a:r>
+            <a:r>
+              <a:rPr lang="en-US" baseline="0" dirty="0" err="1" smtClean="0"/>
+              <a:t>bbatsov</a:t>
+            </a:r>
+            <a:r>
+              <a:rPr lang="en-US" baseline="0" dirty="0" smtClean="0"/>
+              <a:t>/</a:t>
+            </a:r>
+            <a:r>
+              <a:rPr lang="en-US" baseline="0" dirty="0" err="1" smtClean="0"/>
+              <a:t>rubocop</a:t>
+            </a:r>
+            <a:r>
+              <a:rPr lang="en-US" baseline="0" dirty="0" smtClean="0"/>
+              <a:t>) and [Food Critic](</a:t>
+            </a:r>
+            <a:r>
+              <a:rPr lang="en-US" baseline="0" dirty="0" err="1" smtClean="0"/>
+              <a:t>foodcritic.io</a:t>
+            </a:r>
+            <a:r>
+              <a:rPr lang="en-US" baseline="0" dirty="0" smtClean="0"/>
+              <a:t>).</a:t>
+            </a:r>
+          </a:p>
+          <a:p>
+            <a:r>
+              <a:rPr lang="en-US" baseline="0" dirty="0" smtClean="0"/>
+              <a:t>  * Add [</a:t>
+            </a:r>
+            <a:r>
+              <a:rPr lang="en-US" baseline="0" dirty="0" err="1" smtClean="0"/>
+              <a:t>ChefSpec</a:t>
+            </a:r>
+            <a:r>
+              <a:rPr lang="en-US" baseline="0" dirty="0" smtClean="0"/>
+              <a:t>](http://</a:t>
+            </a:r>
+            <a:r>
+              <a:rPr lang="en-US" baseline="0" dirty="0" err="1" smtClean="0"/>
+              <a:t>sethvargo.github.io</a:t>
+            </a:r>
+            <a:r>
+              <a:rPr lang="en-US" baseline="0" dirty="0" smtClean="0"/>
+              <a:t>/</a:t>
+            </a:r>
+            <a:r>
+              <a:rPr lang="en-US" baseline="0" dirty="0" err="1" smtClean="0"/>
+              <a:t>chefspec</a:t>
+            </a:r>
+            <a:r>
+              <a:rPr lang="en-US" baseline="0" dirty="0" smtClean="0"/>
+              <a:t>/) tests.</a:t>
+            </a:r>
+          </a:p>
+          <a:p>
+            <a:r>
+              <a:rPr lang="en-US" baseline="0" dirty="0" smtClean="0"/>
+              <a:t>  * Add [</a:t>
+            </a:r>
+            <a:r>
+              <a:rPr lang="en-US" baseline="0" dirty="0" err="1" smtClean="0"/>
+              <a:t>Serverspec</a:t>
+            </a:r>
+            <a:r>
+              <a:rPr lang="en-US" baseline="0" dirty="0" smtClean="0"/>
+              <a:t>](http://</a:t>
+            </a:r>
+            <a:r>
+              <a:rPr lang="en-US" baseline="0" dirty="0" err="1" smtClean="0"/>
+              <a:t>serverspec.org</a:t>
+            </a:r>
+            <a:r>
+              <a:rPr lang="en-US" baseline="0" dirty="0" smtClean="0"/>
+              <a:t>/) tests.</a:t>
+            </a:r>
+          </a:p>
+          <a:p>
+            <a:r>
+              <a:rPr lang="en-US" baseline="0" dirty="0" smtClean="0"/>
+              <a:t>  * Add a continuous integration server, such as Jenkins</a:t>
+            </a:r>
+          </a:p>
+          <a:p>
+            <a:r>
+              <a:rPr lang="en-US" baseline="0" dirty="0" smtClean="0"/>
+              <a:t>* Multi-tier implementation</a:t>
+            </a:r>
+          </a:p>
+          <a:p>
+            <a:r>
+              <a:rPr lang="en-US" baseline="0" dirty="0" smtClean="0"/>
+              <a:t>  * move the database to a separate node</a:t>
+            </a:r>
+          </a:p>
+          <a:p>
+            <a:r>
+              <a:rPr lang="en-US" baseline="0" dirty="0" smtClean="0"/>
+              <a:t>  * add a load balancer and additional web server</a:t>
+            </a:r>
+          </a:p>
+          <a:p>
+            <a:r>
+              <a:rPr lang="en-US" baseline="0" dirty="0" smtClean="0"/>
+              <a:t>* Community Cookbooks - What cookbooks in the [Supermarket](http://</a:t>
+            </a:r>
+            <a:r>
+              <a:rPr lang="en-US" baseline="0" dirty="0" err="1" smtClean="0"/>
+              <a:t>supermarket.getchef.com</a:t>
+            </a:r>
+            <a:r>
+              <a:rPr lang="en-US" baseline="0" dirty="0" smtClean="0"/>
+              <a:t>) might help?</a:t>
+            </a:r>
+          </a:p>
+          <a:p>
+            <a:r>
+              <a:rPr lang="en-US" baseline="0" dirty="0" smtClean="0"/>
+              <a:t>* Multi-OS support - what changes are required to deploy the application to </a:t>
+            </a:r>
+            <a:r>
+              <a:rPr lang="en-US" baseline="0" dirty="0" err="1" smtClean="0"/>
+              <a:t>CentOS</a:t>
+            </a:r>
+            <a:r>
+              <a:rPr lang="en-US" baseline="0" dirty="0" smtClean="0"/>
+              <a:t>? </a:t>
+            </a:r>
+          </a:p>
+          <a:p>
+            <a:r>
+              <a:rPr lang="en-US" baseline="0" dirty="0" smtClean="0"/>
+              <a:t>* Cloud deployment</a:t>
+            </a:r>
+          </a:p>
+          <a:p>
+            <a:r>
+              <a:rPr lang="en-US" baseline="0" dirty="0" smtClean="0"/>
+              <a:t>  * Can you deploy this </a:t>
+            </a:r>
+            <a:r>
+              <a:rPr lang="en-US" baseline="0" dirty="0" err="1" smtClean="0"/>
+              <a:t>applicaiton</a:t>
+            </a:r>
+            <a:r>
+              <a:rPr lang="en-US" baseline="0" dirty="0" smtClean="0"/>
+              <a:t> to another infrastructure as a service environment?  (AWS, Azure, Rackspace, Digital Ocean, etc.)</a:t>
+            </a:r>
+          </a:p>
+          <a:p>
+            <a:r>
+              <a:rPr lang="en-US" baseline="0" dirty="0" smtClean="0"/>
+              <a:t>* Operationalize</a:t>
+            </a:r>
+          </a:p>
+          <a:p>
+            <a:r>
+              <a:rPr lang="en-US" baseline="0" dirty="0" smtClean="0"/>
+              <a:t>  * Add monitoring (</a:t>
+            </a:r>
+            <a:r>
+              <a:rPr lang="en-US" baseline="0" dirty="0" err="1" smtClean="0"/>
+              <a:t>nagios</a:t>
+            </a:r>
+            <a:r>
+              <a:rPr lang="en-US" baseline="0" dirty="0" smtClean="0"/>
+              <a:t>, </a:t>
+            </a:r>
+            <a:r>
+              <a:rPr lang="en-US" baseline="0" dirty="0" err="1" smtClean="0"/>
+              <a:t>sensu</a:t>
+            </a:r>
+            <a:r>
+              <a:rPr lang="en-US" baseline="0" dirty="0" smtClean="0"/>
+              <a:t>, etc.)</a:t>
+            </a:r>
+          </a:p>
+          <a:p>
+            <a:r>
+              <a:rPr lang="en-US" baseline="0" dirty="0" smtClean="0"/>
+              <a:t>  * Add central logging (</a:t>
+            </a:r>
+            <a:r>
+              <a:rPr lang="en-US" baseline="0" dirty="0" err="1" smtClean="0"/>
+              <a:t>splunk</a:t>
+            </a:r>
+            <a:r>
+              <a:rPr lang="en-US" baseline="0" dirty="0" smtClean="0"/>
+              <a:t>, </a:t>
+            </a:r>
+            <a:r>
+              <a:rPr lang="en-US" baseline="0" dirty="0" err="1" smtClean="0"/>
+              <a:t>logstash</a:t>
+            </a:r>
+            <a:r>
+              <a:rPr lang="en-US" baseline="0" dirty="0" smtClean="0"/>
+              <a:t>, etc.)</a:t>
+            </a:r>
+          </a:p>
+          <a:p>
+            <a:r>
+              <a:rPr lang="en-US" baseline="0" dirty="0" smtClean="0"/>
+              <a:t>  * Schedule database backups</a:t>
+            </a:r>
+          </a:p>
+          <a:p>
+            <a:r>
+              <a:rPr lang="en-US" baseline="0" dirty="0" smtClean="0"/>
+              <a:t>  * Add an additional database for replication (master / slave)</a:t>
+            </a:r>
+          </a:p>
+          <a:p>
+            <a:r>
+              <a:rPr lang="en-US" baseline="0" dirty="0" smtClean="0"/>
+              <a:t>* </a:t>
+            </a:r>
+            <a:r>
+              <a:rPr lang="en-US" baseline="0" dirty="0" err="1" smtClean="0"/>
+              <a:t>Applicaiton</a:t>
+            </a:r>
+            <a:r>
+              <a:rPr lang="en-US" baseline="0" dirty="0" smtClean="0"/>
+              <a:t> Deployments</a:t>
+            </a:r>
+          </a:p>
+          <a:p>
+            <a:r>
+              <a:rPr lang="en-US" baseline="0" dirty="0" smtClean="0"/>
+              <a:t>  * How do you deploy updates to the Awesome Appliance Repair application?</a:t>
+            </a:r>
+          </a:p>
+          <a:p>
+            <a:endParaRPr lang="en-US" baseline="0" dirty="0" smtClean="0"/>
+          </a:p>
+          <a:p>
+            <a:endParaRPr lang="en-US" baseline="0" dirty="0" smtClean="0"/>
+          </a:p>
+          <a:p>
+            <a:endParaRPr lang="en-US" baseline="0" dirty="0" smtClean="0"/>
+          </a:p>
+          <a:p>
             <a:endParaRPr lang="en-US" dirty="0"/>
           </a:p>
         </p:txBody>
@@ -3869,7 +3939,7 @@
             <a:fld id="{8B263312-38AA-4E1E-B2B5-0F8F122B24FE}" type="slidenum">
               <a:rPr lang="en-US" smtClean="0"/>
               <a:pPr/>
-              <a:t>38</a:t>
+              <a:t>39</a:t>
             </a:fld>
             <a:endParaRPr lang="en-US" dirty="0"/>
           </a:p>
@@ -3920,7 +3990,7 @@
     </p:spTree>
     <p:extLst>
       <p:ext uri="{BB962C8B-B14F-4D97-AF65-F5344CB8AC3E}">
-        <p14:creationId xmlns:p14="http://schemas.microsoft.com/office/powerpoint/2010/main" val="71662303"/>
+        <p14:creationId xmlns:p14="http://schemas.microsoft.com/office/powerpoint/2010/main" val="4252575558"/>
       </p:ext>
     </p:extLst>
   </p:cSld>
@@ -3976,7 +4046,20 @@
           <a:p>
             <a:r>
               <a:rPr lang="en-US" dirty="0" smtClean="0"/>
-              <a:t>Wrapping up, let’s revisit our objectives.</a:t>
+              <a:t>Go!</a:t>
+            </a:r>
+          </a:p>
+          <a:p>
+            <a:endParaRPr lang="en-US" dirty="0" smtClean="0"/>
+          </a:p>
+          <a:p>
+            <a:r>
+              <a:rPr lang="en-US" dirty="0" smtClean="0"/>
+              <a:t>Get</a:t>
+            </a:r>
+            <a:r>
+              <a:rPr lang="en-US" baseline="0" dirty="0" smtClean="0"/>
+              <a:t> started on your own, let’s check-in again in 20 minutes or so.</a:t>
             </a:r>
             <a:endParaRPr lang="en-US" dirty="0"/>
           </a:p>
@@ -4000,7 +4083,7 @@
             <a:fld id="{8B263312-38AA-4E1E-B2B5-0F8F122B24FE}" type="slidenum">
               <a:rPr lang="en-US" smtClean="0"/>
               <a:pPr/>
-              <a:t>39</a:t>
+              <a:t>40</a:t>
             </a:fld>
             <a:endParaRPr lang="en-US" dirty="0"/>
           </a:p>
@@ -4051,7 +4134,7 @@
     </p:spTree>
     <p:extLst>
       <p:ext uri="{BB962C8B-B14F-4D97-AF65-F5344CB8AC3E}">
-        <p14:creationId xmlns:p14="http://schemas.microsoft.com/office/powerpoint/2010/main" val="1120799086"/>
+        <p14:creationId xmlns:p14="http://schemas.microsoft.com/office/powerpoint/2010/main" val="3278519784"/>
       </p:ext>
     </p:extLst>
   </p:cSld>
@@ -4106,59 +4189,12 @@
           <a:lstStyle/>
           <a:p>
             <a:r>
-              <a:rPr lang="en-US" i="0" dirty="0" smtClean="0"/>
-              <a:t>Let’s spend 15 minutes reflecting on</a:t>
-            </a:r>
-            <a:r>
-              <a:rPr lang="en-US" i="0" baseline="0" dirty="0" smtClean="0"/>
-              <a:t> what we’ve learned today.  Give participants some time to reflect and ask a few of them to share some key insights.</a:t>
-            </a:r>
-            <a:endParaRPr lang="en-US" i="0" dirty="0" smtClean="0"/>
-          </a:p>
-          <a:p>
-            <a:endParaRPr lang="en-US" i="1" dirty="0" smtClean="0"/>
-          </a:p>
-          <a:p>
-            <a:r>
-              <a:rPr lang="en-US" i="1" dirty="0" smtClean="0"/>
-              <a:t>Employees</a:t>
-            </a:r>
-            <a:r>
-              <a:rPr lang="en-US" i="1" baseline="0" dirty="0" smtClean="0"/>
-              <a:t> who spent the last 15 minutes of their training period writing and reflecting on what they had learned did 23% better in the final training test than other employees, according to a study by </a:t>
-            </a:r>
-            <a:r>
-              <a:rPr lang="en-US" i="1" baseline="0" dirty="0" err="1" smtClean="0"/>
-              <a:t>Giada</a:t>
-            </a:r>
-            <a:r>
-              <a:rPr lang="en-US" i="1" baseline="0" dirty="0" smtClean="0"/>
-              <a:t> Di Stefano, of HEC Paris; and Bradley </a:t>
-            </a:r>
-            <a:r>
-              <a:rPr lang="en-US" i="1" baseline="0" dirty="0" err="1" smtClean="0"/>
-              <a:t>Staats</a:t>
-            </a:r>
-            <a:r>
-              <a:rPr lang="en-US" i="1" baseline="0" dirty="0" smtClean="0"/>
-              <a:t>, of the University of North Carolina.  “Learning by doing” is more effective when coupled with deliberate reflection, or “learning by thinking,” the study shows.</a:t>
-            </a:r>
-          </a:p>
-          <a:p>
-            <a:endParaRPr lang="en-US" baseline="0" dirty="0" smtClean="0"/>
-          </a:p>
-          <a:p>
-            <a:r>
-              <a:rPr lang="en-US" dirty="0" smtClean="0"/>
-              <a:t>"Stat Watch" </a:t>
-            </a:r>
-            <a:r>
-              <a:rPr lang="en-US" i="1" dirty="0" smtClean="0"/>
-              <a:t>Harvard Business Review </a:t>
-            </a:r>
-            <a:r>
-              <a:rPr lang="en-US" dirty="0" smtClean="0"/>
-              <a:t>July-August 2004: 28. Print.</a:t>
+              <a:rPr lang="en-US" dirty="0" smtClean="0"/>
+              <a:t>Demo early</a:t>
+            </a:r>
+            <a:r>
+              <a:rPr lang="en-US" baseline="0" dirty="0" smtClean="0"/>
+              <a:t> and demo often!  Have the participants share their progress, maybe every 20-40 minutes have another participant share what they’ve done so far and share with the class.</a:t>
             </a:r>
             <a:endParaRPr lang="en-US" dirty="0"/>
           </a:p>
@@ -4182,7 +4218,7 @@
             <a:fld id="{8B263312-38AA-4E1E-B2B5-0F8F122B24FE}" type="slidenum">
               <a:rPr lang="en-US" smtClean="0"/>
               <a:pPr/>
-              <a:t>40</a:t>
+              <a:t>41</a:t>
             </a:fld>
             <a:endParaRPr lang="en-US" dirty="0"/>
           </a:p>
@@ -4233,7 +4269,7 @@
     </p:spTree>
     <p:extLst>
       <p:ext uri="{BB962C8B-B14F-4D97-AF65-F5344CB8AC3E}">
-        <p14:creationId xmlns:p14="http://schemas.microsoft.com/office/powerpoint/2010/main" val="3198240071"/>
+        <p14:creationId xmlns:p14="http://schemas.microsoft.com/office/powerpoint/2010/main" val="71662303"/>
       </p:ext>
     </p:extLst>
   </p:cSld>
@@ -4420,11 +4456,7 @@
           <a:p>
             <a:r>
               <a:rPr lang="en-US" dirty="0" smtClean="0"/>
-              <a:t>Provide</a:t>
-            </a:r>
-            <a:r>
-              <a:rPr lang="en-US" baseline="0" dirty="0" smtClean="0"/>
-              <a:t> feedback, share your solutions in the project</a:t>
+              <a:t>Wrapping up, let’s revisit our objectives.</a:t>
             </a:r>
             <a:endParaRPr lang="en-US" dirty="0"/>
           </a:p>
@@ -4448,7 +4480,324 @@
             <a:fld id="{8B263312-38AA-4E1E-B2B5-0F8F122B24FE}" type="slidenum">
               <a:rPr lang="en-US" smtClean="0"/>
               <a:pPr/>
-              <a:t>41</a:t>
+              <a:t>42</a:t>
+            </a:fld>
+            <a:endParaRPr lang="en-US" dirty="0"/>
+          </a:p>
+        </p:txBody>
+      </p:sp>
+      <p:sp>
+        <p:nvSpPr>
+          <p:cNvPr id="5" name="Header Placeholder 4"/>
+          <p:cNvSpPr>
+            <a:spLocks noGrp="1"/>
+          </p:cNvSpPr>
+          <p:nvPr>
+            <p:ph type="hdr" sz="quarter" idx="11"/>
+          </p:nvPr>
+        </p:nvSpPr>
+        <p:spPr/>
+        <p:txBody>
+          <a:bodyPr/>
+          <a:lstStyle/>
+          <a:p>
+            <a:endParaRPr lang="en-US" dirty="0"/>
+          </a:p>
+        </p:txBody>
+      </p:sp>
+      <p:sp>
+        <p:nvSpPr>
+          <p:cNvPr id="6" name="Footer Placeholder 5"/>
+          <p:cNvSpPr>
+            <a:spLocks noGrp="1"/>
+          </p:cNvSpPr>
+          <p:nvPr>
+            <p:ph type="ftr" sz="quarter" idx="12"/>
+          </p:nvPr>
+        </p:nvSpPr>
+        <p:spPr/>
+        <p:txBody>
+          <a:bodyPr/>
+          <a:lstStyle/>
+          <a:p>
+            <a:endParaRPr lang="en-US" sz="900" dirty="0" smtClean="0">
+              <a:solidFill>
+                <a:srgbClr val="000000"/>
+              </a:solidFill>
+            </a:endParaRPr>
+          </a:p>
+        </p:txBody>
+      </p:sp>
+    </p:spTree>
+    <p:extLst>
+      <p:ext uri="{BB962C8B-B14F-4D97-AF65-F5344CB8AC3E}">
+        <p14:creationId xmlns:p14="http://schemas.microsoft.com/office/powerpoint/2010/main" val="1120799086"/>
+      </p:ext>
+    </p:extLst>
+  </p:cSld>
+  <p:clrMapOvr>
+    <a:masterClrMapping/>
+  </p:clrMapOvr>
+</p:notes>
+</file>
+
+<file path=ppt/notesSlides/notesSlide31.xml><?xml version="1.0" encoding="utf-8"?>
+<p:notes xmlns:a="http://schemas.openxmlformats.org/drawingml/2006/main" xmlns:r="http://schemas.openxmlformats.org/officeDocument/2006/relationships" xmlns:p="http://schemas.openxmlformats.org/presentationml/2006/main">
+  <p:cSld>
+    <p:spTree>
+      <p:nvGrpSpPr>
+        <p:cNvPr id="1" name=""/>
+        <p:cNvGrpSpPr/>
+        <p:nvPr/>
+      </p:nvGrpSpPr>
+      <p:grpSpPr>
+        <a:xfrm>
+          <a:off x="0" y="0"/>
+          <a:ext cx="0" cy="0"/>
+          <a:chOff x="0" y="0"/>
+          <a:chExt cx="0" cy="0"/>
+        </a:xfrm>
+      </p:grpSpPr>
+      <p:sp>
+        <p:nvSpPr>
+          <p:cNvPr id="2" name="Slide Image Placeholder 1"/>
+          <p:cNvSpPr>
+            <a:spLocks noGrp="1" noRot="1" noChangeAspect="1"/>
+          </p:cNvSpPr>
+          <p:nvPr>
+            <p:ph type="sldImg"/>
+          </p:nvPr>
+        </p:nvSpPr>
+        <p:spPr/>
+      </p:sp>
+      <p:sp>
+        <p:nvSpPr>
+          <p:cNvPr id="3" name="Notes Placeholder 2"/>
+          <p:cNvSpPr>
+            <a:spLocks noGrp="1"/>
+          </p:cNvSpPr>
+          <p:nvPr>
+            <p:ph type="body" idx="1"/>
+          </p:nvPr>
+        </p:nvSpPr>
+        <p:spPr/>
+        <p:txBody>
+          <a:bodyPr/>
+          <a:lstStyle/>
+          <a:p>
+            <a:r>
+              <a:rPr lang="en-US" i="0" dirty="0" smtClean="0"/>
+              <a:t>Let’s spend 15 minutes reflecting on</a:t>
+            </a:r>
+            <a:r>
+              <a:rPr lang="en-US" i="0" baseline="0" dirty="0" smtClean="0"/>
+              <a:t> what we’ve learned today.  Give participants some time to reflect and ask a few of them to share some key insights.</a:t>
+            </a:r>
+            <a:endParaRPr lang="en-US" i="0" dirty="0" smtClean="0"/>
+          </a:p>
+          <a:p>
+            <a:endParaRPr lang="en-US" i="1" dirty="0" smtClean="0"/>
+          </a:p>
+          <a:p>
+            <a:r>
+              <a:rPr lang="en-US" i="1" dirty="0" smtClean="0"/>
+              <a:t>Employees</a:t>
+            </a:r>
+            <a:r>
+              <a:rPr lang="en-US" i="1" baseline="0" dirty="0" smtClean="0"/>
+              <a:t> who spent the last 15 minutes of their training period writing and reflecting on what they had learned did 23% better in the final training test than other employees, according to a study by </a:t>
+            </a:r>
+            <a:r>
+              <a:rPr lang="en-US" i="1" baseline="0" dirty="0" err="1" smtClean="0"/>
+              <a:t>Giada</a:t>
+            </a:r>
+            <a:r>
+              <a:rPr lang="en-US" i="1" baseline="0" dirty="0" smtClean="0"/>
+              <a:t> Di Stefano, of HEC Paris; and Bradley </a:t>
+            </a:r>
+            <a:r>
+              <a:rPr lang="en-US" i="1" baseline="0" dirty="0" err="1" smtClean="0"/>
+              <a:t>Staats</a:t>
+            </a:r>
+            <a:r>
+              <a:rPr lang="en-US" i="1" baseline="0" dirty="0" smtClean="0"/>
+              <a:t>, of the University of North Carolina.  “Learning by doing” is more effective when coupled with deliberate reflection, or “learning by thinking,” the study shows.</a:t>
+            </a:r>
+          </a:p>
+          <a:p>
+            <a:endParaRPr lang="en-US" baseline="0" dirty="0" smtClean="0"/>
+          </a:p>
+          <a:p>
+            <a:r>
+              <a:rPr lang="en-US" dirty="0" smtClean="0"/>
+              <a:t>"Stat Watch" </a:t>
+            </a:r>
+            <a:r>
+              <a:rPr lang="en-US" i="1" dirty="0" smtClean="0"/>
+              <a:t>Harvard Business Review </a:t>
+            </a:r>
+            <a:r>
+              <a:rPr lang="en-US" dirty="0" smtClean="0"/>
+              <a:t>July-August 2004: 28. Print.</a:t>
+            </a:r>
+            <a:endParaRPr lang="en-US" dirty="0"/>
+          </a:p>
+        </p:txBody>
+      </p:sp>
+      <p:sp>
+        <p:nvSpPr>
+          <p:cNvPr id="4" name="Slide Number Placeholder 3"/>
+          <p:cNvSpPr>
+            <a:spLocks noGrp="1"/>
+          </p:cNvSpPr>
+          <p:nvPr>
+            <p:ph type="sldNum" sz="quarter" idx="10"/>
+          </p:nvPr>
+        </p:nvSpPr>
+        <p:spPr/>
+        <p:txBody>
+          <a:bodyPr/>
+          <a:lstStyle/>
+          <a:p>
+            <a:fld id="{8B263312-38AA-4E1E-B2B5-0F8F122B24FE}" type="slidenum">
+              <a:rPr lang="en-US" smtClean="0"/>
+              <a:pPr/>
+              <a:t>43</a:t>
+            </a:fld>
+            <a:endParaRPr lang="en-US" dirty="0"/>
+          </a:p>
+        </p:txBody>
+      </p:sp>
+      <p:sp>
+        <p:nvSpPr>
+          <p:cNvPr id="5" name="Header Placeholder 4"/>
+          <p:cNvSpPr>
+            <a:spLocks noGrp="1"/>
+          </p:cNvSpPr>
+          <p:nvPr>
+            <p:ph type="hdr" sz="quarter" idx="11"/>
+          </p:nvPr>
+        </p:nvSpPr>
+        <p:spPr/>
+        <p:txBody>
+          <a:bodyPr/>
+          <a:lstStyle/>
+          <a:p>
+            <a:endParaRPr lang="en-US" dirty="0"/>
+          </a:p>
+        </p:txBody>
+      </p:sp>
+      <p:sp>
+        <p:nvSpPr>
+          <p:cNvPr id="6" name="Footer Placeholder 5"/>
+          <p:cNvSpPr>
+            <a:spLocks noGrp="1"/>
+          </p:cNvSpPr>
+          <p:nvPr>
+            <p:ph type="ftr" sz="quarter" idx="12"/>
+          </p:nvPr>
+        </p:nvSpPr>
+        <p:spPr/>
+        <p:txBody>
+          <a:bodyPr/>
+          <a:lstStyle/>
+          <a:p>
+            <a:endParaRPr lang="en-US" sz="900" dirty="0" smtClean="0">
+              <a:solidFill>
+                <a:srgbClr val="000000"/>
+              </a:solidFill>
+            </a:endParaRPr>
+          </a:p>
+        </p:txBody>
+      </p:sp>
+    </p:spTree>
+    <p:extLst>
+      <p:ext uri="{BB962C8B-B14F-4D97-AF65-F5344CB8AC3E}">
+        <p14:creationId xmlns:p14="http://schemas.microsoft.com/office/powerpoint/2010/main" val="3198240071"/>
+      </p:ext>
+    </p:extLst>
+  </p:cSld>
+  <p:clrMapOvr>
+    <a:masterClrMapping/>
+  </p:clrMapOvr>
+</p:notes>
+</file>
+
+<file path=ppt/notesSlides/notesSlide32.xml><?xml version="1.0" encoding="utf-8"?>
+<p:notes xmlns:a="http://schemas.openxmlformats.org/drawingml/2006/main" xmlns:r="http://schemas.openxmlformats.org/officeDocument/2006/relationships" xmlns:p="http://schemas.openxmlformats.org/presentationml/2006/main">
+  <p:cSld>
+    <p:spTree>
+      <p:nvGrpSpPr>
+        <p:cNvPr id="1" name=""/>
+        <p:cNvGrpSpPr/>
+        <p:nvPr/>
+      </p:nvGrpSpPr>
+      <p:grpSpPr>
+        <a:xfrm>
+          <a:off x="0" y="0"/>
+          <a:ext cx="0" cy="0"/>
+          <a:chOff x="0" y="0"/>
+          <a:chExt cx="0" cy="0"/>
+        </a:xfrm>
+      </p:grpSpPr>
+      <p:sp>
+        <p:nvSpPr>
+          <p:cNvPr id="2" name="Slide Image Placeholder 1"/>
+          <p:cNvSpPr>
+            <a:spLocks noGrp="1" noRot="1" noChangeAspect="1"/>
+          </p:cNvSpPr>
+          <p:nvPr>
+            <p:ph type="sldImg"/>
+          </p:nvPr>
+        </p:nvSpPr>
+        <p:spPr/>
+      </p:sp>
+      <p:sp>
+        <p:nvSpPr>
+          <p:cNvPr id="3" name="Notes Placeholder 2"/>
+          <p:cNvSpPr>
+            <a:spLocks noGrp="1"/>
+          </p:cNvSpPr>
+          <p:nvPr>
+            <p:ph type="body" idx="1"/>
+          </p:nvPr>
+        </p:nvSpPr>
+        <p:spPr/>
+        <p:txBody>
+          <a:bodyPr/>
+          <a:lstStyle/>
+          <a:p>
+            <a:r>
+              <a:rPr lang="en-US" dirty="0" smtClean="0"/>
+              <a:t>Provide</a:t>
+            </a:r>
+            <a:r>
+              <a:rPr lang="en-US" baseline="0" dirty="0" smtClean="0"/>
+              <a:t> feedback, share your solutions in the project</a:t>
+            </a:r>
+            <a:endParaRPr lang="en-US" dirty="0"/>
+          </a:p>
+        </p:txBody>
+      </p:sp>
+      <p:sp>
+        <p:nvSpPr>
+          <p:cNvPr id="4" name="Slide Number Placeholder 3"/>
+          <p:cNvSpPr>
+            <a:spLocks noGrp="1"/>
+          </p:cNvSpPr>
+          <p:nvPr>
+            <p:ph type="sldNum" sz="quarter" idx="10"/>
+          </p:nvPr>
+        </p:nvSpPr>
+        <p:spPr/>
+        <p:txBody>
+          <a:bodyPr/>
+          <a:lstStyle/>
+          <a:p>
+            <a:fld id="{8B263312-38AA-4E1E-B2B5-0F8F122B24FE}" type="slidenum">
+              <a:rPr lang="en-US" smtClean="0"/>
+              <a:pPr/>
+              <a:t>44</a:t>
             </a:fld>
             <a:endParaRPr lang="en-US" dirty="0"/>
           </a:p>
@@ -13468,7 +13817,7 @@
   </p:txStyles>
   <p:extLst mod="1">
     <p:ext uri="{27BBF7A9-308A-43DC-89C8-2F10F3537804}">
-      <p15:sldGuideLst xmlns:p15="http://schemas.microsoft.com/office/powerpoint/2012/main" xmlns="">
+      <p15:sldGuideLst xmlns="" xmlns:p15="http://schemas.microsoft.com/office/powerpoint/2012/main">
         <p15:guide id="1" pos="3840" userDrawn="1">
           <p15:clr>
             <a:srgbClr val="F26B43"/>
@@ -17359,29 +17708,49 @@
           </a:p>
         </p:txBody>
       </p:sp>
+      <p:sp>
+        <p:nvSpPr>
+          <p:cNvPr id="5" name="Content Placeholder 4"/>
+          <p:cNvSpPr>
+            <a:spLocks noGrp="1"/>
+          </p:cNvSpPr>
+          <p:nvPr>
+            <p:ph sz="quarter" idx="11"/>
+          </p:nvPr>
+        </p:nvSpPr>
+        <p:spPr/>
+        <p:txBody>
+          <a:bodyPr/>
+          <a:lstStyle/>
+          <a:p>
+            <a:endParaRPr lang="en-US"/>
+          </a:p>
+        </p:txBody>
+      </p:sp>
       <p:pic>
         <p:nvPicPr>
-          <p:cNvPr id="3" name="Picture 2"/>
+          <p:cNvPr id="8" name="Picture Placeholder 7" descr="Create a New Repository.jpg"/>
           <p:cNvPicPr>
-            <a:picLocks noChangeAspect="1"/>
+            <a:picLocks noGrp="1" noChangeAspect="1"/>
           </p:cNvPicPr>
-          <p:nvPr/>
+          <p:nvPr>
+            <p:ph type="pic" sz="quarter" idx="10"/>
+          </p:nvPr>
         </p:nvPicPr>
         <p:blipFill>
-          <a:blip r:embed="rId3"/>
+          <a:blip r:embed="rId3">
+            <a:extLst>
+              <a:ext uri="{28A0092B-C50C-407E-A947-70E740481C1C}">
+                <a14:useLocalDpi xmlns:a14="http://schemas.microsoft.com/office/drawing/2010/main" val="0"/>
+              </a:ext>
+            </a:extLst>
+          </a:blip>
+          <a:srcRect l="-17611" r="-17611"/>
           <a:stretch>
             <a:fillRect/>
           </a:stretch>
         </p:blipFill>
-        <p:spPr>
-          <a:xfrm>
-            <a:off x="2412046" y="1296736"/>
-            <a:ext cx="7686117" cy="4879474"/>
-          </a:xfrm>
-          <a:prstGeom prst="rect">
-            <a:avLst/>
-          </a:prstGeom>
-        </p:spPr>
+        <p:spPr/>
       </p:pic>
     </p:spTree>
     <p:extLst>
@@ -17445,52 +17814,52 @@
         <p:spPr/>
         <p:txBody>
           <a:bodyPr>
-            <a:noAutofit/>
+            <a:normAutofit/>
           </a:bodyPr>
           <a:lstStyle/>
           <a:p>
             <a:r>
-              <a:rPr lang="en-US" sz="2000" dirty="0"/>
+              <a:rPr lang="en-US" sz="3600" dirty="0"/>
               <a:t>** Creating cookbook </a:t>
             </a:r>
             <a:r>
-              <a:rPr lang="en-US" sz="2000" dirty="0" err="1" smtClean="0"/>
+              <a:rPr lang="en-US" sz="3600" dirty="0" err="1" smtClean="0"/>
               <a:t>aar</a:t>
             </a:r>
-            <a:endParaRPr lang="en-US" sz="2000" dirty="0"/>
-          </a:p>
-          <a:p>
-            <a:r>
-              <a:rPr lang="en-US" sz="2000" dirty="0"/>
+            <a:endParaRPr lang="en-US" sz="3600" dirty="0"/>
+          </a:p>
+          <a:p>
+            <a:r>
+              <a:rPr lang="en-US" sz="3600" dirty="0"/>
               <a:t>** Creating README for cookbook: </a:t>
             </a:r>
             <a:r>
-              <a:rPr lang="en-US" sz="2000" dirty="0" err="1" smtClean="0"/>
+              <a:rPr lang="en-US" sz="3600" dirty="0" err="1" smtClean="0"/>
               <a:t>aar</a:t>
             </a:r>
-            <a:endParaRPr lang="en-US" sz="2000" dirty="0"/>
-          </a:p>
-          <a:p>
-            <a:r>
-              <a:rPr lang="en-US" sz="2000" dirty="0"/>
+            <a:endParaRPr lang="en-US" sz="3600" dirty="0"/>
+          </a:p>
+          <a:p>
+            <a:r>
+              <a:rPr lang="en-US" sz="3600" dirty="0"/>
               <a:t>** Creating CHANGELOG for cookbook: </a:t>
             </a:r>
             <a:r>
-              <a:rPr lang="en-US" sz="2000" dirty="0" err="1" smtClean="0"/>
+              <a:rPr lang="en-US" sz="3600" dirty="0" err="1" smtClean="0"/>
               <a:t>aar</a:t>
             </a:r>
-            <a:endParaRPr lang="en-US" sz="2000" dirty="0"/>
-          </a:p>
-          <a:p>
-            <a:r>
-              <a:rPr lang="en-US" sz="2000" dirty="0"/>
+            <a:endParaRPr lang="en-US" sz="3600" dirty="0"/>
+          </a:p>
+          <a:p>
+            <a:r>
+              <a:rPr lang="en-US" sz="3600" dirty="0"/>
               <a:t>** Creating metadata for cookbook: </a:t>
             </a:r>
             <a:r>
-              <a:rPr lang="en-US" sz="2000" dirty="0" err="1" smtClean="0"/>
+              <a:rPr lang="en-US" sz="3600" dirty="0" err="1" smtClean="0"/>
               <a:t>aar</a:t>
             </a:r>
-            <a:endParaRPr lang="en-US" sz="2000" dirty="0"/>
+            <a:endParaRPr lang="en-US" sz="3600" dirty="0"/>
           </a:p>
         </p:txBody>
       </p:sp>
@@ -17504,14 +17873,11 @@
             <p:ph type="title"/>
           </p:nvPr>
         </p:nvSpPr>
-        <p:spPr>
-          <a:xfrm>
-            <a:off x="457200" y="228599"/>
-            <a:ext cx="11614484" cy="1230080"/>
-          </a:xfrm>
-        </p:spPr>
-        <p:txBody>
-          <a:bodyPr/>
+        <p:spPr/>
+        <p:txBody>
+          <a:bodyPr>
+            <a:normAutofit fontScale="90000"/>
+          </a:bodyPr>
           <a:lstStyle/>
           <a:p>
             <a:r>
@@ -17540,12 +17906,7 @@
             <p:ph sz="quarter" idx="12"/>
           </p:nvPr>
         </p:nvSpPr>
-        <p:spPr>
-          <a:xfrm>
-            <a:off x="508000" y="1229895"/>
-            <a:ext cx="10855159" cy="662793"/>
-          </a:xfrm>
-        </p:spPr>
+        <p:spPr/>
         <p:txBody>
           <a:bodyPr anchor="ctr" anchorCtr="0">
             <a:noAutofit/>
@@ -17553,18 +17914,18 @@
           <a:lstStyle/>
           <a:p>
             <a:r>
-              <a:rPr lang="en-US" sz="2000" dirty="0" smtClean="0"/>
+              <a:rPr lang="en-US" sz="3700" dirty="0" smtClean="0"/>
               <a:t>$ </a:t>
             </a:r>
             <a:r>
-              <a:rPr lang="en-US" sz="2000" dirty="0"/>
+              <a:rPr lang="en-US" sz="3700" dirty="0"/>
               <a:t>knife cookbook create </a:t>
             </a:r>
             <a:r>
-              <a:rPr lang="en-US" sz="2000" dirty="0" err="1" smtClean="0"/>
+              <a:rPr lang="en-US" sz="3700" dirty="0" err="1" smtClean="0"/>
               <a:t>aar</a:t>
             </a:r>
-            <a:endParaRPr lang="en-US" sz="2000" dirty="0"/>
+            <a:endParaRPr lang="en-US" sz="3700" dirty="0"/>
           </a:p>
         </p:txBody>
       </p:sp>
@@ -17578,13 +17939,13 @@
   <p:clrMapOvr>
     <a:masterClrMapping/>
   </p:clrMapOvr>
-  <mc:AlternateContent xmlns:mc="http://schemas.openxmlformats.org/markup-compatibility/2006">
-    <mc:Choice xmlns:p14="http://schemas.microsoft.com/office/powerpoint/2010/main" Requires="p14">
+  <mc:AlternateContent xmlns:mc="http://schemas.openxmlformats.org/markup-compatibility/2006" xmlns:p14="http://schemas.microsoft.com/office/powerpoint/2010/main">
+    <mc:Choice Requires="p14">
       <p:transition spd="med" p14:dur="700">
         <p:fade/>
       </p:transition>
     </mc:Choice>
-    <mc:Fallback>
+    <mc:Fallback xmlns="">
       <p:transition xmlns:p14="http://schemas.microsoft.com/office/powerpoint/2010/main" spd="med">
         <p:fade/>
       </p:transition>
@@ -17731,7 +18092,7 @@
 </file>
 
 <file path=ppt/slides/slide20.xml><?xml version="1.0" encoding="utf-8"?>
-<p:sld xmlns:a="http://schemas.openxmlformats.org/drawingml/2006/main" xmlns:r="http://schemas.openxmlformats.org/officeDocument/2006/relationships" xmlns:p="http://schemas.openxmlformats.org/presentationml/2006/main" show="0">
+<p:sld xmlns:a="http://schemas.openxmlformats.org/drawingml/2006/main" xmlns:r="http://schemas.openxmlformats.org/officeDocument/2006/relationships" xmlns:p="http://schemas.openxmlformats.org/presentationml/2006/main">
   <p:cSld>
     <p:spTree>
       <p:nvGrpSpPr>
@@ -17749,7 +18110,7 @@
       </p:grpSpPr>
       <p:sp>
         <p:nvSpPr>
-          <p:cNvPr id="5" name="Content Placeholder 4"/>
+          <p:cNvPr id="6" name="Content Placeholder 5"/>
           <p:cNvSpPr>
             <a:spLocks noGrp="1"/>
           </p:cNvSpPr>
@@ -17759,493 +18120,164 @@
         </p:nvSpPr>
         <p:spPr/>
         <p:txBody>
-          <a:bodyPr>
-            <a:noAutofit/>
+          <a:bodyPr anchor="t" anchorCtr="0">
+            <a:normAutofit fontScale="62500" lnSpcReduction="20000"/>
           </a:bodyPr>
           <a:lstStyle/>
           <a:p>
             <a:r>
-              <a:rPr lang="en-US" sz="1300" dirty="0" smtClean="0"/>
-              <a:t>Compiling </a:t>
-            </a:r>
-            <a:r>
-              <a:rPr lang="en-US" sz="1300" dirty="0"/>
-              <a:t>Cookbooks...</a:t>
-            </a:r>
-          </a:p>
-          <a:p>
-            <a:r>
-              <a:rPr lang="en-US" sz="1300" dirty="0"/>
-              <a:t>Recipe: </a:t>
-            </a:r>
-            <a:r>
-              <a:rPr lang="en-US" sz="1300" dirty="0" err="1"/>
-              <a:t>code_generator</a:t>
-            </a:r>
-            <a:r>
-              <a:rPr lang="en-US" sz="1300" dirty="0"/>
-              <a:t>::cookbook</a:t>
-            </a:r>
-          </a:p>
-          <a:p>
-            <a:r>
-              <a:rPr lang="en-US" sz="1300" dirty="0"/>
-              <a:t>  * directory[/Users</a:t>
-            </a:r>
-            <a:r>
-              <a:rPr lang="en-US" sz="1300" dirty="0" smtClean="0"/>
-              <a:t>/YOU/</a:t>
-            </a:r>
-            <a:r>
-              <a:rPr lang="en-US" sz="1300" dirty="0"/>
-              <a:t>Documents</a:t>
-            </a:r>
-            <a:r>
-              <a:rPr lang="en-US" sz="1300" dirty="0" smtClean="0"/>
-              <a:t>/Awesome</a:t>
-            </a:r>
-            <a:r>
-              <a:rPr lang="en-US" sz="1300" dirty="0"/>
-              <a:t>-Appliance-Repair</a:t>
-            </a:r>
-            <a:r>
-              <a:rPr lang="en-US" sz="1300" dirty="0" smtClean="0"/>
+              <a:rPr lang="en-US" dirty="0"/>
+              <a:t>$ cd cookbooks/</a:t>
+            </a:r>
+            <a:r>
+              <a:rPr lang="en-US" dirty="0" err="1"/>
+              <a:t>aar</a:t>
+            </a:r>
+            <a:endParaRPr lang="en-US" dirty="0"/>
+          </a:p>
+          <a:p>
+            <a:r>
+              <a:rPr lang="en-US" dirty="0"/>
+              <a:t>$ </a:t>
+            </a:r>
+            <a:r>
+              <a:rPr lang="en-US" dirty="0" err="1"/>
+              <a:t>git</a:t>
+            </a:r>
+            <a:r>
+              <a:rPr lang="en-US" dirty="0"/>
+              <a:t> </a:t>
+            </a:r>
+            <a:r>
+              <a:rPr lang="en-US" dirty="0" err="1"/>
+              <a:t>init</a:t>
+            </a:r>
+            <a:r>
+              <a:rPr lang="en-US" dirty="0"/>
+              <a:t> .</a:t>
+            </a:r>
+          </a:p>
+          <a:p>
+            <a:r>
+              <a:rPr lang="en-US" dirty="0"/>
+              <a:t>Initialized empty </a:t>
+            </a:r>
+            <a:r>
+              <a:rPr lang="en-US" dirty="0" err="1"/>
+              <a:t>Git</a:t>
+            </a:r>
+            <a:r>
+              <a:rPr lang="en-US" dirty="0"/>
+              <a:t> repository in /Users</a:t>
+            </a:r>
+            <a:r>
+              <a:rPr lang="en-US" dirty="0" smtClean="0"/>
+              <a:t>/henry/</a:t>
+            </a:r>
+            <a:r>
+              <a:rPr lang="en-US" dirty="0"/>
+              <a:t>chef-repo/cookbooks/</a:t>
+            </a:r>
+            <a:r>
+              <a:rPr lang="en-US" dirty="0" err="1"/>
+              <a:t>aar</a:t>
+            </a:r>
+            <a:r>
+              <a:rPr lang="en-US" dirty="0"/>
+              <a:t>/.</a:t>
+            </a:r>
+            <a:r>
+              <a:rPr lang="en-US" dirty="0" err="1"/>
+              <a:t>git</a:t>
+            </a:r>
+            <a:r>
+              <a:rPr lang="en-US" dirty="0"/>
               <a:t>/</a:t>
             </a:r>
-            <a:r>
-              <a:rPr lang="en-US" sz="1300" dirty="0" err="1" smtClean="0"/>
-              <a:t>aar</a:t>
-            </a:r>
-            <a:r>
-              <a:rPr lang="en-US" sz="1300" dirty="0" smtClean="0"/>
-              <a:t>/</a:t>
-            </a:r>
-            <a:r>
-              <a:rPr lang="en-US" sz="1300" dirty="0" err="1" smtClean="0"/>
-              <a:t>aar</a:t>
-            </a:r>
-            <a:r>
-              <a:rPr lang="en-US" sz="1300" dirty="0" smtClean="0"/>
-              <a:t>] </a:t>
-            </a:r>
-            <a:r>
-              <a:rPr lang="en-US" sz="1300" dirty="0"/>
-              <a:t>action create</a:t>
-            </a:r>
-          </a:p>
-          <a:p>
-            <a:r>
-              <a:rPr lang="en-US" sz="1300" dirty="0"/>
-              <a:t>    - create new directory /Users</a:t>
-            </a:r>
-            <a:r>
-              <a:rPr lang="en-US" sz="1300" dirty="0" smtClean="0"/>
-              <a:t>/</a:t>
-            </a:r>
-            <a:r>
-              <a:rPr lang="en-US" sz="1300" dirty="0"/>
-              <a:t>YOU</a:t>
-            </a:r>
-            <a:r>
-              <a:rPr lang="en-US" sz="1300" dirty="0" smtClean="0"/>
-              <a:t>/</a:t>
-            </a:r>
-            <a:r>
-              <a:rPr lang="en-US" sz="1300" dirty="0"/>
-              <a:t>Documents</a:t>
-            </a:r>
-            <a:r>
-              <a:rPr lang="en-US" sz="1300" dirty="0" smtClean="0"/>
-              <a:t>/Awesome</a:t>
-            </a:r>
-            <a:r>
-              <a:rPr lang="en-US" sz="1300" dirty="0"/>
-              <a:t>-Appliance-Repair</a:t>
-            </a:r>
-            <a:r>
-              <a:rPr lang="en-US" sz="1300" dirty="0" smtClean="0"/>
-              <a:t>/</a:t>
-            </a:r>
-            <a:r>
-              <a:rPr lang="en-US" sz="1300" dirty="0" err="1" smtClean="0"/>
-              <a:t>aar</a:t>
-            </a:r>
-            <a:r>
-              <a:rPr lang="en-US" sz="1300" dirty="0" smtClean="0"/>
-              <a:t>/</a:t>
-            </a:r>
-            <a:r>
-              <a:rPr lang="en-US" sz="1300" dirty="0" err="1" smtClean="0"/>
-              <a:t>aar</a:t>
-            </a:r>
-            <a:endParaRPr lang="en-US" sz="1300" dirty="0"/>
-          </a:p>
-          <a:p>
-            <a:r>
-              <a:rPr lang="en-US" sz="1300" dirty="0"/>
-              <a:t>  * template[/Users</a:t>
-            </a:r>
-            <a:r>
-              <a:rPr lang="en-US" sz="1300" dirty="0" smtClean="0"/>
-              <a:t>/</a:t>
-            </a:r>
-            <a:r>
-              <a:rPr lang="en-US" sz="1300" dirty="0"/>
-              <a:t>YOU</a:t>
-            </a:r>
-            <a:r>
-              <a:rPr lang="en-US" sz="1300" dirty="0" smtClean="0"/>
-              <a:t>/</a:t>
-            </a:r>
-            <a:r>
-              <a:rPr lang="en-US" sz="1300" dirty="0"/>
-              <a:t>Documents</a:t>
-            </a:r>
-            <a:r>
-              <a:rPr lang="en-US" sz="1300" dirty="0" smtClean="0"/>
-              <a:t>/Awesome</a:t>
-            </a:r>
-            <a:r>
-              <a:rPr lang="en-US" sz="1300" dirty="0"/>
-              <a:t>-Appliance-Repair</a:t>
-            </a:r>
-            <a:r>
-              <a:rPr lang="en-US" sz="1300" dirty="0" smtClean="0"/>
-              <a:t>/</a:t>
-            </a:r>
-            <a:r>
-              <a:rPr lang="en-US" sz="1300" dirty="0" err="1" smtClean="0"/>
-              <a:t>aar</a:t>
-            </a:r>
-            <a:r>
-              <a:rPr lang="en-US" sz="1300" dirty="0" smtClean="0"/>
-              <a:t>/</a:t>
-            </a:r>
-            <a:r>
-              <a:rPr lang="en-US" sz="1300" dirty="0" err="1" smtClean="0"/>
-              <a:t>aar</a:t>
-            </a:r>
-            <a:r>
-              <a:rPr lang="en-US" sz="1300" dirty="0" smtClean="0"/>
-              <a:t>/</a:t>
-            </a:r>
-            <a:r>
-              <a:rPr lang="en-US" sz="1300" dirty="0" err="1"/>
+          </a:p>
+          <a:p>
+            <a:r>
+              <a:rPr lang="en-US" dirty="0"/>
+              <a:t>$ </a:t>
+            </a:r>
+            <a:r>
+              <a:rPr lang="en-US" dirty="0" err="1"/>
+              <a:t>git</a:t>
+            </a:r>
+            <a:r>
+              <a:rPr lang="en-US" dirty="0"/>
+              <a:t> add .</a:t>
+            </a:r>
+          </a:p>
+          <a:p>
+            <a:r>
+              <a:rPr lang="en-US" dirty="0"/>
+              <a:t>$ </a:t>
+            </a:r>
+            <a:r>
+              <a:rPr lang="en-US" dirty="0" err="1"/>
+              <a:t>git</a:t>
+            </a:r>
+            <a:r>
+              <a:rPr lang="en-US" dirty="0"/>
+              <a:t> commit -m "Scaffold of the cookbook created by knife"</a:t>
+            </a:r>
+          </a:p>
+          <a:p>
+            <a:r>
+              <a:rPr lang="en-US" dirty="0"/>
+              <a:t>[master (root-commit) b3d606c] Scaffold of the cookbook created by knife</a:t>
+            </a:r>
+          </a:p>
+          <a:p>
+            <a:r>
+              <a:rPr lang="en-US" dirty="0"/>
+              <a:t> 4 files changed, 96 insertions(+)</a:t>
+            </a:r>
+          </a:p>
+          <a:p>
+            <a:r>
+              <a:rPr lang="en-US" dirty="0"/>
+              <a:t> create mode 100644 </a:t>
+            </a:r>
+            <a:r>
+              <a:rPr lang="en-US" dirty="0" err="1"/>
+              <a:t>CHANGELOG.md</a:t>
+            </a:r>
+            <a:endParaRPr lang="en-US" dirty="0"/>
+          </a:p>
+          <a:p>
+            <a:r>
+              <a:rPr lang="en-US" dirty="0"/>
+              <a:t> create mode 100644 </a:t>
+            </a:r>
+            <a:r>
+              <a:rPr lang="en-US" dirty="0" err="1"/>
+              <a:t>README.md</a:t>
+            </a:r>
+            <a:endParaRPr lang="en-US" dirty="0"/>
+          </a:p>
+          <a:p>
+            <a:r>
+              <a:rPr lang="en-US" dirty="0"/>
+              <a:t> create mode 100644 </a:t>
+            </a:r>
+            <a:r>
+              <a:rPr lang="en-US" dirty="0" err="1"/>
               <a:t>metadata.rb</a:t>
             </a:r>
-            <a:r>
-              <a:rPr lang="en-US" sz="1300" dirty="0"/>
-              <a:t>] action create</a:t>
-            </a:r>
-          </a:p>
-          <a:p>
-            <a:r>
-              <a:rPr lang="en-US" sz="1300" dirty="0"/>
-              <a:t>    - create new file /Users</a:t>
-            </a:r>
-            <a:r>
-              <a:rPr lang="en-US" sz="1300" dirty="0" smtClean="0"/>
-              <a:t>/</a:t>
-            </a:r>
-            <a:r>
-              <a:rPr lang="en-US" sz="1300" dirty="0"/>
-              <a:t>YOU</a:t>
-            </a:r>
-            <a:r>
-              <a:rPr lang="en-US" sz="1300" dirty="0" smtClean="0"/>
-              <a:t>/</a:t>
-            </a:r>
-            <a:r>
-              <a:rPr lang="en-US" sz="1300" dirty="0"/>
-              <a:t>Documents</a:t>
-            </a:r>
-            <a:r>
-              <a:rPr lang="en-US" sz="1300" dirty="0" smtClean="0"/>
-              <a:t>/Awesome</a:t>
-            </a:r>
-            <a:r>
-              <a:rPr lang="en-US" sz="1300" dirty="0"/>
-              <a:t>-Appliance-Repair</a:t>
-            </a:r>
-            <a:r>
-              <a:rPr lang="en-US" sz="1300" dirty="0" smtClean="0"/>
-              <a:t>/</a:t>
-            </a:r>
-            <a:r>
-              <a:rPr lang="en-US" sz="1300" dirty="0" err="1" smtClean="0"/>
-              <a:t>aar</a:t>
-            </a:r>
-            <a:r>
-              <a:rPr lang="en-US" sz="1300" dirty="0" smtClean="0"/>
-              <a:t>/</a:t>
-            </a:r>
-            <a:r>
-              <a:rPr lang="en-US" sz="1300" dirty="0" err="1" smtClean="0"/>
-              <a:t>aar</a:t>
-            </a:r>
-            <a:r>
-              <a:rPr lang="en-US" sz="1300" dirty="0" smtClean="0"/>
-              <a:t>/</a:t>
-            </a:r>
-            <a:r>
-              <a:rPr lang="en-US" sz="1300" dirty="0" err="1"/>
-              <a:t>metadata.rb</a:t>
-            </a:r>
-            <a:endParaRPr lang="en-US" sz="1300" dirty="0"/>
-          </a:p>
-          <a:p>
-            <a:r>
-              <a:rPr lang="en-US" sz="1300" dirty="0"/>
-              <a:t>    - update content in file /Users</a:t>
-            </a:r>
-            <a:r>
-              <a:rPr lang="en-US" sz="1300" dirty="0" smtClean="0"/>
-              <a:t>/</a:t>
-            </a:r>
-            <a:r>
-              <a:rPr lang="en-US" sz="1300" dirty="0"/>
-              <a:t>YOU</a:t>
-            </a:r>
-            <a:r>
-              <a:rPr lang="en-US" sz="1300" dirty="0" smtClean="0"/>
-              <a:t>/</a:t>
-            </a:r>
-            <a:r>
-              <a:rPr lang="en-US" sz="1300" dirty="0"/>
-              <a:t>Documents</a:t>
-            </a:r>
-            <a:r>
-              <a:rPr lang="en-US" sz="1300" dirty="0" smtClean="0"/>
-              <a:t>/Awesome</a:t>
-            </a:r>
-            <a:r>
-              <a:rPr lang="en-US" sz="1300" dirty="0"/>
-              <a:t>-Appliance-Repair</a:t>
-            </a:r>
-            <a:r>
-              <a:rPr lang="en-US" sz="1300" dirty="0" smtClean="0"/>
-              <a:t>/</a:t>
-            </a:r>
-            <a:r>
-              <a:rPr lang="en-US" sz="1300" dirty="0" err="1" smtClean="0"/>
-              <a:t>aar</a:t>
-            </a:r>
-            <a:r>
-              <a:rPr lang="en-US" sz="1300" dirty="0" smtClean="0"/>
-              <a:t>/</a:t>
-            </a:r>
-            <a:r>
-              <a:rPr lang="en-US" sz="1300" dirty="0" err="1" smtClean="0"/>
-              <a:t>aar</a:t>
-            </a:r>
-            <a:r>
-              <a:rPr lang="en-US" sz="1300" dirty="0" smtClean="0"/>
-              <a:t>/</a:t>
-            </a:r>
-            <a:r>
-              <a:rPr lang="en-US" sz="1300" dirty="0" err="1"/>
-              <a:t>metadata.rb</a:t>
-            </a:r>
-            <a:r>
-              <a:rPr lang="en-US" sz="1300" dirty="0"/>
-              <a:t> from none to f4bd5e</a:t>
-            </a:r>
-          </a:p>
-          <a:p>
-            <a:r>
-              <a:rPr lang="en-US" sz="1300" dirty="0"/>
-              <a:t>    (diff output suppressed by </a:t>
-            </a:r>
-            <a:r>
-              <a:rPr lang="en-US" sz="1300" dirty="0" err="1"/>
-              <a:t>config</a:t>
-            </a:r>
-            <a:r>
-              <a:rPr lang="en-US" sz="1300" dirty="0"/>
-              <a:t>)</a:t>
-            </a:r>
-          </a:p>
-          <a:p>
-            <a:r>
-              <a:rPr lang="en-US" sz="1300" dirty="0"/>
-              <a:t>  * template[/Users</a:t>
-            </a:r>
-            <a:r>
-              <a:rPr lang="en-US" sz="1300" dirty="0" smtClean="0"/>
-              <a:t>/</a:t>
-            </a:r>
-            <a:r>
-              <a:rPr lang="en-US" sz="1300" dirty="0"/>
-              <a:t>YOU</a:t>
-            </a:r>
-            <a:r>
-              <a:rPr lang="en-US" sz="1300" dirty="0" smtClean="0"/>
-              <a:t>/</a:t>
-            </a:r>
-            <a:r>
-              <a:rPr lang="en-US" sz="1300" dirty="0"/>
-              <a:t>Documents</a:t>
-            </a:r>
-            <a:r>
-              <a:rPr lang="en-US" sz="1300" dirty="0" smtClean="0"/>
-              <a:t>/Awesome</a:t>
-            </a:r>
-            <a:r>
-              <a:rPr lang="en-US" sz="1300" dirty="0"/>
-              <a:t>-Appliance-Repair</a:t>
-            </a:r>
-            <a:r>
-              <a:rPr lang="en-US" sz="1300" dirty="0" smtClean="0"/>
-              <a:t>/</a:t>
-            </a:r>
-            <a:r>
-              <a:rPr lang="en-US" sz="1300" dirty="0" err="1" smtClean="0"/>
-              <a:t>aar</a:t>
-            </a:r>
-            <a:r>
-              <a:rPr lang="en-US" sz="1300" dirty="0" smtClean="0"/>
-              <a:t>/</a:t>
-            </a:r>
-            <a:r>
-              <a:rPr lang="en-US" sz="1300" dirty="0" err="1" smtClean="0"/>
-              <a:t>aar</a:t>
-            </a:r>
-            <a:r>
-              <a:rPr lang="en-US" sz="1300" dirty="0" smtClean="0"/>
-              <a:t>/</a:t>
-            </a:r>
-            <a:r>
-              <a:rPr lang="en-US" sz="1300" dirty="0" err="1"/>
-              <a:t>README.md</a:t>
-            </a:r>
-            <a:r>
-              <a:rPr lang="en-US" sz="1300" dirty="0"/>
-              <a:t>] action create</a:t>
-            </a:r>
-          </a:p>
-          <a:p>
-            <a:r>
-              <a:rPr lang="en-US" sz="1300" dirty="0"/>
-              <a:t>    - create new file /Users</a:t>
-            </a:r>
-            <a:r>
-              <a:rPr lang="en-US" sz="1300" dirty="0" smtClean="0"/>
-              <a:t>/</a:t>
-            </a:r>
-            <a:r>
-              <a:rPr lang="en-US" sz="1300" dirty="0"/>
-              <a:t>YOU</a:t>
-            </a:r>
-            <a:r>
-              <a:rPr lang="en-US" sz="1300" dirty="0" smtClean="0"/>
-              <a:t>/</a:t>
-            </a:r>
-            <a:r>
-              <a:rPr lang="en-US" sz="1300" dirty="0"/>
-              <a:t>Documents</a:t>
-            </a:r>
-            <a:r>
-              <a:rPr lang="en-US" sz="1300" dirty="0" smtClean="0"/>
-              <a:t>/Awesome</a:t>
-            </a:r>
-            <a:r>
-              <a:rPr lang="en-US" sz="1300" dirty="0"/>
-              <a:t>-Appliance-Repair</a:t>
-            </a:r>
-            <a:r>
-              <a:rPr lang="en-US" sz="1300" dirty="0" smtClean="0"/>
-              <a:t>/</a:t>
-            </a:r>
-            <a:r>
-              <a:rPr lang="en-US" sz="1300" dirty="0" err="1" smtClean="0"/>
-              <a:t>aar</a:t>
-            </a:r>
-            <a:r>
-              <a:rPr lang="en-US" sz="1300" dirty="0" smtClean="0"/>
-              <a:t>/</a:t>
-            </a:r>
-            <a:r>
-              <a:rPr lang="en-US" sz="1300" dirty="0" err="1" smtClean="0"/>
-              <a:t>aar</a:t>
-            </a:r>
-            <a:r>
-              <a:rPr lang="en-US" sz="1300" dirty="0" smtClean="0"/>
-              <a:t>/</a:t>
-            </a:r>
-            <a:r>
-              <a:rPr lang="en-US" sz="1300" dirty="0" err="1"/>
-              <a:t>README.md</a:t>
-            </a:r>
-            <a:endParaRPr lang="en-US" sz="1300" dirty="0"/>
-          </a:p>
-          <a:p>
-            <a:r>
-              <a:rPr lang="en-US" sz="1300" dirty="0"/>
-              <a:t>    - update content in file /Users</a:t>
-            </a:r>
-            <a:r>
-              <a:rPr lang="en-US" sz="1300" dirty="0" smtClean="0"/>
-              <a:t>/</a:t>
-            </a:r>
-            <a:r>
-              <a:rPr lang="en-US" sz="1300" dirty="0"/>
-              <a:t>YOU</a:t>
-            </a:r>
-            <a:r>
-              <a:rPr lang="en-US" sz="1300" dirty="0" smtClean="0"/>
-              <a:t>/</a:t>
-            </a:r>
-            <a:r>
-              <a:rPr lang="en-US" sz="1300" dirty="0"/>
-              <a:t>Documents</a:t>
-            </a:r>
-            <a:r>
-              <a:rPr lang="en-US" sz="1300" dirty="0" smtClean="0"/>
-              <a:t>/Awesome</a:t>
-            </a:r>
-            <a:r>
-              <a:rPr lang="en-US" sz="1300" dirty="0"/>
-              <a:t>-Appliance-Repair</a:t>
-            </a:r>
-            <a:r>
-              <a:rPr lang="en-US" sz="1300" dirty="0" smtClean="0"/>
-              <a:t>/</a:t>
-            </a:r>
-            <a:r>
-              <a:rPr lang="en-US" sz="1300" dirty="0" err="1" smtClean="0"/>
-              <a:t>aar</a:t>
-            </a:r>
-            <a:r>
-              <a:rPr lang="en-US" sz="1300" dirty="0" smtClean="0"/>
-              <a:t>/</a:t>
-            </a:r>
-            <a:r>
-              <a:rPr lang="en-US" sz="1300" dirty="0" err="1" smtClean="0"/>
-              <a:t>aar</a:t>
-            </a:r>
-            <a:r>
-              <a:rPr lang="en-US" sz="1300" dirty="0" smtClean="0"/>
-              <a:t>/</a:t>
-            </a:r>
-            <a:r>
-              <a:rPr lang="en-US" sz="1300" dirty="0" err="1"/>
-              <a:t>README.md</a:t>
-            </a:r>
-            <a:r>
-              <a:rPr lang="en-US" sz="1300" dirty="0"/>
-              <a:t> from none to </a:t>
-            </a:r>
-            <a:r>
-              <a:rPr lang="en-US" sz="1300" dirty="0" smtClean="0"/>
-              <a:t>1666ef</a:t>
-            </a:r>
-          </a:p>
-          <a:p>
-            <a:r>
-              <a:rPr lang="en-US" sz="1300" dirty="0" smtClean="0"/>
-              <a:t>...</a:t>
-            </a:r>
-            <a:endParaRPr lang="en-US" sz="1300" dirty="0"/>
+            <a:endParaRPr lang="en-US" dirty="0"/>
+          </a:p>
+          <a:p>
+            <a:r>
+              <a:rPr lang="en-US" dirty="0"/>
+              <a:t> create mode 100644 recipes/</a:t>
+            </a:r>
+            <a:r>
+              <a:rPr lang="en-US" dirty="0" err="1"/>
+              <a:t>default.rb</a:t>
+            </a:r>
+            <a:endParaRPr lang="en-US" dirty="0"/>
           </a:p>
         </p:txBody>
       </p:sp>
@@ -18259,92 +18291,41 @@
             <p:ph type="title"/>
           </p:nvPr>
         </p:nvSpPr>
-        <p:spPr>
-          <a:xfrm>
-            <a:off x="457200" y="228599"/>
-            <a:ext cx="11601116" cy="564257"/>
-          </a:xfrm>
-        </p:spPr>
+        <p:spPr/>
         <p:txBody>
           <a:bodyPr/>
           <a:lstStyle/>
           <a:p>
             <a:r>
-              <a:rPr lang="en-US" sz="4000" dirty="0" smtClean="0"/>
-              <a:t>Exercise: Create </a:t>
-            </a:r>
-            <a:r>
-              <a:rPr lang="en-US" sz="4000" dirty="0" err="1" smtClean="0"/>
-              <a:t>aar</a:t>
-            </a:r>
-            <a:r>
-              <a:rPr lang="en-US" sz="4000" dirty="0" smtClean="0"/>
-              <a:t> cookbook using </a:t>
-            </a:r>
-            <a:r>
-              <a:rPr lang="en-US" sz="4000" dirty="0" err="1" smtClean="0"/>
-              <a:t>ChefDK</a:t>
-            </a:r>
-            <a:endParaRPr lang="en-US" sz="4000" dirty="0"/>
-          </a:p>
-        </p:txBody>
-      </p:sp>
-      <p:sp>
-        <p:nvSpPr>
-          <p:cNvPr id="6" name="Content Placeholder 5"/>
-          <p:cNvSpPr>
-            <a:spLocks noGrp="1"/>
-          </p:cNvSpPr>
-          <p:nvPr>
-            <p:ph sz="quarter" idx="12"/>
-          </p:nvPr>
-        </p:nvSpPr>
-        <p:spPr>
-          <a:xfrm>
-            <a:off x="508000" y="1229895"/>
-            <a:ext cx="10855159" cy="662793"/>
-          </a:xfrm>
-        </p:spPr>
-        <p:txBody>
-          <a:bodyPr anchor="ctr" anchorCtr="0">
-            <a:noAutofit/>
-          </a:bodyPr>
-          <a:lstStyle/>
-          <a:p>
-            <a:r>
-              <a:rPr lang="en-US" sz="2000" dirty="0" smtClean="0"/>
-              <a:t>$ </a:t>
-            </a:r>
-            <a:r>
-              <a:rPr lang="en-US" sz="2000" dirty="0"/>
-              <a:t>chef generate cookbook </a:t>
-            </a:r>
-            <a:r>
-              <a:rPr lang="en-US" sz="2000" dirty="0" err="1" smtClean="0"/>
-              <a:t>aar</a:t>
-            </a:r>
-            <a:endParaRPr lang="en-US" sz="2000" dirty="0"/>
+              <a:rPr lang="en-US" dirty="0" smtClean="0"/>
+              <a:t>Exercise: Add cookbook to </a:t>
+            </a:r>
+            <a:r>
+              <a:rPr lang="en-US" dirty="0" err="1" smtClean="0"/>
+              <a:t>git</a:t>
+            </a:r>
+            <a:endParaRPr lang="en-US" dirty="0"/>
           </a:p>
         </p:txBody>
       </p:sp>
     </p:spTree>
     <p:extLst>
       <p:ext uri="{BB962C8B-B14F-4D97-AF65-F5344CB8AC3E}">
-        <p14:creationId xmlns:p14="http://schemas.microsoft.com/office/powerpoint/2010/main" val="941099881"/>
+        <p14:creationId xmlns:p14="http://schemas.microsoft.com/office/powerpoint/2010/main" val="1751228570"/>
       </p:ext>
     </p:extLst>
   </p:cSld>
   <p:clrMapOvr>
     <a:masterClrMapping/>
   </p:clrMapOvr>
-  <mc:AlternateContent xmlns:mc="http://schemas.openxmlformats.org/markup-compatibility/2006">
-    <mc:Choice xmlns:p14="http://schemas.microsoft.com/office/powerpoint/2010/main" Requires="p14">
+  <mc:AlternateContent xmlns:mc="http://schemas.openxmlformats.org/markup-compatibility/2006" xmlns:p14="http://schemas.microsoft.com/office/powerpoint/2010/main">
+    <mc:Choice Requires="p14">
       <p:transition spd="med" p14:dur="700">
         <p:fade/>
       </p:transition>
     </mc:Choice>
-    <mc:Fallback>
-      <p:transition xmlns:p14="http://schemas.microsoft.com/office/powerpoint/2010/main" spd="med">
+    <mc:Fallback xmlns="">
+      <p:transition spd="med">
         <p:fade/>
       </p:transition>
     </mc:Fallback>
@@ -18389,152 +18370,123 @@
         <p:spPr/>
         <p:txBody>
           <a:bodyPr anchor="t" anchorCtr="0">
-            <a:noAutofit/>
+            <a:normAutofit/>
           </a:bodyPr>
           <a:lstStyle/>
           <a:p>
             <a:r>
-              <a:rPr lang="en-US" sz="1800" dirty="0" smtClean="0"/>
-              <a:t>$ cd </a:t>
-            </a:r>
-            <a:r>
-              <a:rPr lang="en-US" sz="1800" dirty="0" err="1" smtClean="0"/>
-              <a:t>aar</a:t>
-            </a:r>
-            <a:endParaRPr lang="en-US" sz="1800" dirty="0" smtClean="0"/>
-          </a:p>
-          <a:p>
-            <a:r>
-              <a:rPr lang="en-US" sz="1800" dirty="0" smtClean="0"/>
+              <a:rPr lang="en-US" sz="2400" dirty="0"/>
               <a:t>$ </a:t>
             </a:r>
             <a:r>
-              <a:rPr lang="en-US" sz="1800" dirty="0" err="1" smtClean="0"/>
+              <a:rPr lang="en-US" sz="2400" dirty="0" err="1"/>
               <a:t>git</a:t>
             </a:r>
             <a:r>
-              <a:rPr lang="en-US" sz="1800" dirty="0" smtClean="0"/>
-              <a:t> add .</a:t>
-            </a:r>
-          </a:p>
-          <a:p>
-            <a:r>
-              <a:rPr lang="en-US" sz="1800" dirty="0" smtClean="0"/>
+              <a:rPr lang="en-US" sz="2400" dirty="0"/>
+              <a:t> remote add origin </a:t>
+            </a:r>
+            <a:r>
+              <a:rPr lang="en-US" sz="2400" dirty="0" err="1"/>
+              <a:t>git@github.com:henrythecow</a:t>
+            </a:r>
+            <a:r>
+              <a:rPr lang="en-US" sz="2400" dirty="0"/>
+              <a:t>/</a:t>
+            </a:r>
+            <a:r>
+              <a:rPr lang="en-US" sz="2400" dirty="0" err="1"/>
+              <a:t>aar.git</a:t>
+            </a:r>
+            <a:endParaRPr lang="en-US" sz="2400" dirty="0"/>
+          </a:p>
+          <a:p>
+            <a:r>
+              <a:rPr lang="en-US" sz="2400" dirty="0"/>
               <a:t>$ </a:t>
             </a:r>
             <a:r>
-              <a:rPr lang="en-US" sz="1800" dirty="0" err="1"/>
+              <a:rPr lang="en-US" sz="2400" dirty="0" err="1"/>
               <a:t>git</a:t>
             </a:r>
             <a:r>
-              <a:rPr lang="en-US" sz="1800" dirty="0"/>
-              <a:t> commit -m "first </a:t>
-            </a:r>
-            <a:r>
-              <a:rPr lang="en-US" sz="1800" dirty="0" smtClean="0"/>
-              <a:t>commit of </a:t>
-            </a:r>
-            <a:r>
-              <a:rPr lang="en-US" sz="1800" dirty="0" err="1" smtClean="0"/>
-              <a:t>aar</a:t>
-            </a:r>
-            <a:r>
-              <a:rPr lang="en-US" sz="1800" dirty="0" smtClean="0"/>
-              <a:t> </a:t>
-            </a:r>
-            <a:r>
-              <a:rPr lang="en-US" sz="1800" dirty="0" smtClean="0"/>
-              <a:t>cookbook"</a:t>
-            </a:r>
-          </a:p>
-          <a:p>
-            <a:r>
-              <a:rPr lang="en-US" sz="1800" dirty="0"/>
-              <a:t>[master (root-commit) 5c162aa] first commit</a:t>
-            </a:r>
-          </a:p>
-          <a:p>
-            <a:r>
-              <a:rPr lang="en-US" sz="1800" dirty="0"/>
-              <a:t> 7 files changed, 151 insertions(+)</a:t>
-            </a:r>
-          </a:p>
-          <a:p>
-            <a:r>
-              <a:rPr lang="en-US" sz="1800" dirty="0"/>
-              <a:t> create mode 100644 .</a:t>
-            </a:r>
-            <a:r>
-              <a:rPr lang="en-US" sz="1800" dirty="0" err="1"/>
-              <a:t>gitignore</a:t>
-            </a:r>
-            <a:endParaRPr lang="en-US" sz="1800" dirty="0"/>
-          </a:p>
-          <a:p>
-            <a:r>
-              <a:rPr lang="en-US" sz="1800" dirty="0"/>
-              <a:t> create mode 100644 .</a:t>
-            </a:r>
-            <a:r>
-              <a:rPr lang="en-US" sz="1800" dirty="0" err="1"/>
-              <a:t>kitchen.yml</a:t>
-            </a:r>
-            <a:endParaRPr lang="en-US" sz="1800" dirty="0"/>
-          </a:p>
-          <a:p>
-            <a:r>
-              <a:rPr lang="en-US" sz="1800" dirty="0"/>
-              <a:t> create mode 100644 </a:t>
-            </a:r>
-            <a:r>
-              <a:rPr lang="en-US" sz="1800" dirty="0" err="1"/>
-              <a:t>Berksfile</a:t>
-            </a:r>
-            <a:endParaRPr lang="en-US" sz="1800" dirty="0"/>
-          </a:p>
-          <a:p>
-            <a:r>
-              <a:rPr lang="en-US" sz="1800" dirty="0"/>
-              <a:t> create mode 100644 </a:t>
-            </a:r>
-            <a:r>
-              <a:rPr lang="en-US" sz="1800" dirty="0" err="1"/>
-              <a:t>README.md</a:t>
-            </a:r>
-            <a:endParaRPr lang="en-US" sz="1800" dirty="0"/>
-          </a:p>
-          <a:p>
-            <a:r>
-              <a:rPr lang="en-US" sz="1800" dirty="0"/>
-              <a:t> create mode 100644 </a:t>
-            </a:r>
-            <a:r>
-              <a:rPr lang="en-US" sz="1800" dirty="0" err="1"/>
-              <a:t>chefignore</a:t>
-            </a:r>
-            <a:endParaRPr lang="en-US" sz="1800" dirty="0"/>
-          </a:p>
-          <a:p>
-            <a:r>
-              <a:rPr lang="en-US" sz="1800" dirty="0"/>
-              <a:t> create mode 100644 </a:t>
-            </a:r>
-            <a:r>
-              <a:rPr lang="en-US" sz="1800" dirty="0" err="1"/>
-              <a:t>metadata.rb</a:t>
-            </a:r>
-            <a:endParaRPr lang="en-US" sz="1800" dirty="0"/>
-          </a:p>
-          <a:p>
-            <a:r>
-              <a:rPr lang="en-US" sz="1800" dirty="0"/>
-              <a:t> create mode 100644 recipes/</a:t>
-            </a:r>
-            <a:r>
-              <a:rPr lang="en-US" sz="1800" dirty="0" err="1" smtClean="0"/>
-              <a:t>default.rb</a:t>
-            </a:r>
-            <a:endParaRPr lang="en-US" sz="1800" dirty="0"/>
+              <a:rPr lang="en-US" sz="2400" dirty="0"/>
+              <a:t> push -u origin </a:t>
+            </a:r>
+            <a:r>
+              <a:rPr lang="en-US" sz="2400" dirty="0" smtClean="0"/>
+              <a:t>master</a:t>
+            </a:r>
+          </a:p>
+          <a:p>
+            <a:r>
+              <a:rPr lang="en-US" sz="2400" dirty="0"/>
+              <a:t>Counting objects: 7, done.</a:t>
+            </a:r>
+          </a:p>
+          <a:p>
+            <a:r>
+              <a:rPr lang="en-US" sz="2400" dirty="0"/>
+              <a:t>Delta compression using up to 8 threads.</a:t>
+            </a:r>
+          </a:p>
+          <a:p>
+            <a:r>
+              <a:rPr lang="en-US" sz="2400" dirty="0"/>
+              <a:t>Compressing objects: 100% (6/6), done.</a:t>
+            </a:r>
+          </a:p>
+          <a:p>
+            <a:r>
+              <a:rPr lang="en-US" sz="2400" dirty="0"/>
+              <a:t>Writing objects: 100% (7/7), 1.63 </a:t>
+            </a:r>
+            <a:r>
+              <a:rPr lang="en-US" sz="2400" dirty="0" err="1"/>
+              <a:t>KiB</a:t>
+            </a:r>
+            <a:r>
+              <a:rPr lang="en-US" sz="2400" dirty="0"/>
+              <a:t>, done.</a:t>
+            </a:r>
+          </a:p>
+          <a:p>
+            <a:r>
+              <a:rPr lang="en-US" sz="2400" dirty="0"/>
+              <a:t>Total 7 (delta 0), reused 0 (delta 0)</a:t>
+            </a:r>
+          </a:p>
+          <a:p>
+            <a:r>
+              <a:rPr lang="en-US" sz="2400" dirty="0"/>
+              <a:t>To </a:t>
+            </a:r>
+            <a:r>
+              <a:rPr lang="en-US" sz="2400" dirty="0" err="1"/>
+              <a:t>git@github.com:henrythecow</a:t>
+            </a:r>
+            <a:r>
+              <a:rPr lang="en-US" sz="2400" dirty="0"/>
+              <a:t>/</a:t>
+            </a:r>
+            <a:r>
+              <a:rPr lang="en-US" sz="2400" dirty="0" err="1"/>
+              <a:t>aar.git</a:t>
+            </a:r>
+            <a:endParaRPr lang="en-US" sz="2400" dirty="0"/>
+          </a:p>
+          <a:p>
+            <a:r>
+              <a:rPr lang="en-US" sz="2400" dirty="0"/>
+              <a:t> * [new branch]      master -&gt; master</a:t>
+            </a:r>
+          </a:p>
+          <a:p>
+            <a:r>
+              <a:rPr lang="en-US" sz="2400" dirty="0"/>
+              <a:t>Branch master set up to track remote branch master from origin.</a:t>
+            </a:r>
+            <a:endParaRPr lang="en-US" sz="2400" dirty="0"/>
           </a:p>
         </p:txBody>
       </p:sp>
@@ -18560,11 +18512,15 @@
           <a:p>
             <a:r>
               <a:rPr lang="en-US" dirty="0" smtClean="0"/>
-              <a:t>Exercise: Add cookbook to </a:t>
+              <a:t>Exercise: Upload cookbook to </a:t>
             </a:r>
             <a:r>
               <a:rPr lang="en-US" dirty="0" err="1" smtClean="0"/>
-              <a:t>git</a:t>
+              <a:t>GitHub</a:t>
+            </a:r>
+            <a:r>
+              <a:rPr lang="en-US" dirty="0" smtClean="0"/>
+              <a:t> repo</a:t>
             </a:r>
             <a:endParaRPr lang="en-US" dirty="0"/>
           </a:p>
@@ -18573,7 +18529,7 @@
     </p:spTree>
     <p:extLst>
       <p:ext uri="{BB962C8B-B14F-4D97-AF65-F5344CB8AC3E}">
-        <p14:creationId xmlns:p14="http://schemas.microsoft.com/office/powerpoint/2010/main" val="1751228570"/>
+        <p14:creationId xmlns:p14="http://schemas.microsoft.com/office/powerpoint/2010/main" val="1873912324"/>
       </p:ext>
     </p:extLst>
   </p:cSld>
@@ -18621,284 +18577,74 @@
       </p:grpSpPr>
       <p:sp>
         <p:nvSpPr>
-          <p:cNvPr id="6" name="Content Placeholder 5"/>
-          <p:cNvSpPr>
-            <a:spLocks noGrp="1"/>
-          </p:cNvSpPr>
-          <p:nvPr>
-            <p:ph sz="quarter" idx="11"/>
-          </p:nvPr>
-        </p:nvSpPr>
-        <p:spPr/>
-        <p:txBody>
-          <a:bodyPr anchor="t" anchorCtr="0">
-            <a:noAutofit/>
+          <p:cNvPr id="2" name="Title 1"/>
+          <p:cNvSpPr>
+            <a:spLocks noGrp="1"/>
+          </p:cNvSpPr>
+          <p:nvPr>
+            <p:ph type="title"/>
+          </p:nvPr>
+        </p:nvSpPr>
+        <p:spPr/>
+        <p:txBody>
+          <a:bodyPr>
+            <a:normAutofit/>
           </a:bodyPr>
           <a:lstStyle/>
           <a:p>
             <a:r>
-              <a:rPr lang="en-US" sz="1800" dirty="0"/>
-              <a:t>$ </a:t>
-            </a:r>
-            <a:r>
-              <a:rPr lang="en-US" sz="1800" dirty="0" err="1"/>
-              <a:t>git</a:t>
-            </a:r>
-            <a:r>
-              <a:rPr lang="en-US" sz="1800" dirty="0"/>
-              <a:t> remote add origin </a:t>
-            </a:r>
-            <a:r>
-              <a:rPr lang="en-US" sz="1800" dirty="0" err="1"/>
-              <a:t>git@github.com:YOU</a:t>
-            </a:r>
-            <a:r>
-              <a:rPr lang="en-US" sz="1800" dirty="0"/>
-              <a:t>/my-</a:t>
-            </a:r>
-            <a:r>
-              <a:rPr lang="en-US" sz="1800" dirty="0" err="1"/>
-              <a:t>aar.git</a:t>
-            </a:r>
-            <a:endParaRPr lang="en-US" sz="1800" dirty="0"/>
-          </a:p>
-          <a:p>
-            <a:r>
-              <a:rPr lang="en-US" sz="1800" dirty="0" smtClean="0"/>
-              <a:t>$ </a:t>
-            </a:r>
-            <a:r>
-              <a:rPr lang="en-US" sz="1800" dirty="0" err="1" smtClean="0"/>
-              <a:t>git</a:t>
-            </a:r>
-            <a:r>
-              <a:rPr lang="en-US" sz="1800" dirty="0" smtClean="0"/>
-              <a:t> push –u origin master</a:t>
-            </a:r>
-          </a:p>
-          <a:p>
-            <a:r>
-              <a:rPr lang="en-US" sz="1800" dirty="0"/>
-              <a:t>Counting objects: 10, done.</a:t>
-            </a:r>
-          </a:p>
-          <a:p>
-            <a:r>
-              <a:rPr lang="en-US" sz="1800" dirty="0"/>
-              <a:t>Delta compression using up to 8 threads.</a:t>
-            </a:r>
-          </a:p>
-          <a:p>
-            <a:r>
-              <a:rPr lang="en-US" sz="1800" dirty="0"/>
-              <a:t>Compressing objects: 100% (8/8), done.</a:t>
-            </a:r>
-          </a:p>
-          <a:p>
-            <a:r>
-              <a:rPr lang="en-US" sz="1800" dirty="0"/>
-              <a:t>Writing objects: 100% (10/10), 1.51 </a:t>
-            </a:r>
-            <a:r>
-              <a:rPr lang="en-US" sz="1800" dirty="0" err="1"/>
-              <a:t>KiB</a:t>
-            </a:r>
-            <a:r>
-              <a:rPr lang="en-US" sz="1800" dirty="0"/>
-              <a:t> | 0 bytes/s, done.</a:t>
-            </a:r>
-          </a:p>
-          <a:p>
-            <a:r>
-              <a:rPr lang="en-US" sz="1800" dirty="0"/>
-              <a:t>Total 10 (delta 0), reused 0 (delta 0)</a:t>
-            </a:r>
-          </a:p>
-          <a:p>
-            <a:r>
-              <a:rPr lang="en-US" sz="1800" dirty="0"/>
-              <a:t>To </a:t>
-            </a:r>
-            <a:r>
-              <a:rPr lang="en-US" sz="1800" dirty="0" err="1"/>
-              <a:t>git@</a:t>
-            </a:r>
-            <a:r>
-              <a:rPr lang="en-US" sz="1800" dirty="0" err="1" smtClean="0"/>
-              <a:t>github.com:</a:t>
-            </a:r>
-            <a:r>
-              <a:rPr lang="en-US" sz="1800" dirty="0" err="1"/>
-              <a:t>YOU</a:t>
-            </a:r>
-            <a:r>
-              <a:rPr lang="en-US" sz="1800" dirty="0" smtClean="0"/>
-              <a:t>/</a:t>
-            </a:r>
-            <a:r>
-              <a:rPr lang="en-US" sz="1800" dirty="0"/>
-              <a:t>my-</a:t>
-            </a:r>
-            <a:r>
-              <a:rPr lang="en-US" sz="1800" dirty="0" err="1"/>
-              <a:t>aar.git</a:t>
-            </a:r>
-            <a:endParaRPr lang="en-US" sz="1800" dirty="0"/>
-          </a:p>
-          <a:p>
-            <a:r>
-              <a:rPr lang="en-US" sz="1800" dirty="0"/>
-              <a:t> * [new branch]      master -&gt; master</a:t>
-            </a:r>
-          </a:p>
-          <a:p>
-            <a:r>
-              <a:rPr lang="en-US" sz="1800" dirty="0"/>
-              <a:t>Branch master set up to track remote branch master from origin</a:t>
-            </a:r>
-            <a:r>
-              <a:rPr lang="en-US" sz="1800" dirty="0" smtClean="0"/>
-              <a:t>.</a:t>
-            </a:r>
-            <a:endParaRPr lang="en-US" sz="1800" dirty="0"/>
-          </a:p>
-        </p:txBody>
-      </p:sp>
-      <p:sp>
-        <p:nvSpPr>
-          <p:cNvPr id="2" name="Title 1"/>
-          <p:cNvSpPr>
-            <a:spLocks noGrp="1"/>
-          </p:cNvSpPr>
-          <p:nvPr>
-            <p:ph type="title"/>
-          </p:nvPr>
-        </p:nvSpPr>
-        <p:spPr>
-          <a:xfrm>
-            <a:off x="457199" y="228599"/>
-            <a:ext cx="11574379" cy="620683"/>
-          </a:xfrm>
-        </p:spPr>
-        <p:txBody>
-          <a:bodyPr/>
-          <a:lstStyle/>
-          <a:p>
-            <a:r>
-              <a:rPr lang="en-US" dirty="0" smtClean="0"/>
-              <a:t>Exercise: Upload cookbook to </a:t>
+              <a:rPr lang="en-US" dirty="0" smtClean="0"/>
+              <a:t>Exercise: View your cookbook in </a:t>
             </a:r>
             <a:r>
               <a:rPr lang="en-US" dirty="0" err="1" smtClean="0"/>
               <a:t>GitHub</a:t>
             </a:r>
-            <a:r>
-              <a:rPr lang="en-US" dirty="0" smtClean="0"/>
-              <a:t> repo</a:t>
-            </a:r>
             <a:endParaRPr lang="en-US" dirty="0"/>
           </a:p>
         </p:txBody>
       </p:sp>
-    </p:spTree>
-    <p:extLst>
-      <p:ext uri="{BB962C8B-B14F-4D97-AF65-F5344CB8AC3E}">
-        <p14:creationId xmlns:p14="http://schemas.microsoft.com/office/powerpoint/2010/main" val="1873912324"/>
-      </p:ext>
-    </p:extLst>
-  </p:cSld>
-  <p:clrMapOvr>
-    <a:masterClrMapping/>
-  </p:clrMapOvr>
-  <mc:AlternateContent xmlns:mc="http://schemas.openxmlformats.org/markup-compatibility/2006" xmlns:p14="http://schemas.microsoft.com/office/powerpoint/2010/main">
-    <mc:Choice Requires="p14">
-      <p:transition spd="med" p14:dur="700">
-        <p:fade/>
-      </p:transition>
-    </mc:Choice>
-    <mc:Fallback xmlns="">
-      <p:transition spd="med">
-        <p:fade/>
-      </p:transition>
-    </mc:Fallback>
-  </mc:AlternateContent>
-  <p:timing>
-    <p:tnLst>
-      <p:par>
-        <p:cTn xmlns:p14="http://schemas.microsoft.com/office/powerpoint/2010/main" id="1" dur="indefinite" restart="never" nodeType="tmRoot"/>
-      </p:par>
-    </p:tnLst>
-  </p:timing>
-</p:sld>
-</file>
-
-<file path=ppt/slides/slide23.xml><?xml version="1.0" encoding="utf-8"?>
-<p:sld xmlns:a="http://schemas.openxmlformats.org/drawingml/2006/main" xmlns:r="http://schemas.openxmlformats.org/officeDocument/2006/relationships" xmlns:p="http://schemas.openxmlformats.org/presentationml/2006/main">
-  <p:cSld>
-    <p:spTree>
-      <p:nvGrpSpPr>
-        <p:cNvPr id="1" name=""/>
-        <p:cNvGrpSpPr/>
-        <p:nvPr/>
-      </p:nvGrpSpPr>
-      <p:grpSpPr>
-        <a:xfrm>
-          <a:off x="0" y="0"/>
-          <a:ext cx="0" cy="0"/>
-          <a:chOff x="0" y="0"/>
-          <a:chExt cx="0" cy="0"/>
-        </a:xfrm>
-      </p:grpSpPr>
       <p:pic>
         <p:nvPicPr>
-          <p:cNvPr id="6" name="Picture 5"/>
+          <p:cNvPr id="5" name="Picture Placeholder 4" descr="nathenharvey_aar.jpg"/>
           <p:cNvPicPr>
-            <a:picLocks noChangeAspect="1"/>
+            <a:picLocks noGrp="1" noChangeAspect="1"/>
           </p:cNvPicPr>
-          <p:nvPr/>
+          <p:nvPr>
+            <p:ph type="pic" sz="quarter" idx="10"/>
+          </p:nvPr>
         </p:nvPicPr>
         <p:blipFill>
-          <a:blip r:embed="rId3"/>
+          <a:blip r:embed="rId3">
+            <a:extLst>
+              <a:ext uri="{28A0092B-C50C-407E-A947-70E740481C1C}">
+                <a14:useLocalDpi xmlns:a14="http://schemas.microsoft.com/office/drawing/2010/main" val="0"/>
+              </a:ext>
+            </a:extLst>
+          </a:blip>
+          <a:srcRect t="13921" b="13921"/>
           <a:stretch>
             <a:fillRect/>
           </a:stretch>
         </p:blipFill>
-        <p:spPr>
-          <a:xfrm>
-            <a:off x="1625551" y="895683"/>
-            <a:ext cx="9409555" cy="5681579"/>
-          </a:xfrm>
-          <a:prstGeom prst="rect">
-            <a:avLst/>
-          </a:prstGeom>
-        </p:spPr>
+        <p:spPr/>
       </p:pic>
       <p:sp>
         <p:nvSpPr>
-          <p:cNvPr id="2" name="Title 1"/>
-          <p:cNvSpPr>
-            <a:spLocks noGrp="1"/>
-          </p:cNvSpPr>
-          <p:nvPr>
-            <p:ph type="title"/>
-          </p:nvPr>
-        </p:nvSpPr>
-        <p:spPr/>
-        <p:txBody>
-          <a:bodyPr>
-            <a:normAutofit/>
-          </a:bodyPr>
-          <a:lstStyle/>
-          <a:p>
-            <a:r>
-              <a:rPr lang="en-US" dirty="0" smtClean="0"/>
-              <a:t>Exercise: View your cookbook in </a:t>
-            </a:r>
-            <a:r>
-              <a:rPr lang="en-US" dirty="0" err="1" smtClean="0"/>
-              <a:t>GitHub</a:t>
-            </a:r>
-            <a:endParaRPr lang="en-US" dirty="0"/>
+          <p:cNvPr id="4" name="Content Placeholder 3"/>
+          <p:cNvSpPr>
+            <a:spLocks noGrp="1"/>
+          </p:cNvSpPr>
+          <p:nvPr>
+            <p:ph sz="quarter" idx="11"/>
+          </p:nvPr>
+        </p:nvSpPr>
+        <p:spPr/>
+        <p:txBody>
+          <a:bodyPr/>
+          <a:lstStyle/>
+          <a:p>
+            <a:endParaRPr lang="en-US"/>
           </a:p>
         </p:txBody>
       </p:sp>
@@ -18934,8 +18680,8 @@
 </p:sld>
 </file>
 
-<file path=ppt/slides/slide24.xml><?xml version="1.0" encoding="utf-8"?>
-<p:sld xmlns:a="http://schemas.openxmlformats.org/drawingml/2006/main" xmlns:r="http://schemas.openxmlformats.org/officeDocument/2006/relationships" xmlns:p="http://schemas.openxmlformats.org/presentationml/2006/main">
+<file path=ppt/slides/slide23.xml><?xml version="1.0" encoding="utf-8"?>
+<p:sld xmlns:a="http://schemas.openxmlformats.org/drawingml/2006/main" xmlns:r="http://schemas.openxmlformats.org/officeDocument/2006/relationships" xmlns:p="http://schemas.openxmlformats.org/presentationml/2006/main" show="0">
   <p:cSld>
     <p:spTree>
       <p:nvGrpSpPr>
@@ -18953,41 +18699,520 @@
       </p:grpSpPr>
       <p:sp>
         <p:nvSpPr>
+          <p:cNvPr id="5" name="Content Placeholder 4"/>
+          <p:cNvSpPr>
+            <a:spLocks noGrp="1"/>
+          </p:cNvSpPr>
+          <p:nvPr>
+            <p:ph sz="quarter" idx="11"/>
+          </p:nvPr>
+        </p:nvSpPr>
+        <p:spPr/>
+        <p:txBody>
+          <a:bodyPr>
+            <a:normAutofit fontScale="40000" lnSpcReduction="20000"/>
+          </a:bodyPr>
+          <a:lstStyle/>
+          <a:p>
+            <a:r>
+              <a:rPr lang="en-US" dirty="0" smtClean="0"/>
+              <a:t>Compiling </a:t>
+            </a:r>
+            <a:r>
+              <a:rPr lang="en-US" dirty="0"/>
+              <a:t>Cookbooks...</a:t>
+            </a:r>
+          </a:p>
+          <a:p>
+            <a:r>
+              <a:rPr lang="en-US" dirty="0"/>
+              <a:t>Recipe: </a:t>
+            </a:r>
+            <a:r>
+              <a:rPr lang="en-US" dirty="0" err="1"/>
+              <a:t>code_generator</a:t>
+            </a:r>
+            <a:r>
+              <a:rPr lang="en-US" dirty="0"/>
+              <a:t>::cookbook</a:t>
+            </a:r>
+          </a:p>
+          <a:p>
+            <a:r>
+              <a:rPr lang="en-US" dirty="0"/>
+              <a:t>  * directory[/Users</a:t>
+            </a:r>
+            <a:r>
+              <a:rPr lang="en-US" dirty="0" smtClean="0"/>
+              <a:t>/YOU/</a:t>
+            </a:r>
+            <a:r>
+              <a:rPr lang="en-US" dirty="0"/>
+              <a:t>Documents</a:t>
+            </a:r>
+            <a:r>
+              <a:rPr lang="en-US" dirty="0" smtClean="0"/>
+              <a:t>/Awesome</a:t>
+            </a:r>
+            <a:r>
+              <a:rPr lang="en-US" dirty="0"/>
+              <a:t>-Appliance-Repair</a:t>
+            </a:r>
+            <a:r>
+              <a:rPr lang="en-US" dirty="0" smtClean="0"/>
+              <a:t>/</a:t>
+            </a:r>
+            <a:r>
+              <a:rPr lang="en-US" dirty="0" err="1" smtClean="0"/>
+              <a:t>aar</a:t>
+            </a:r>
+            <a:r>
+              <a:rPr lang="en-US" dirty="0" smtClean="0"/>
+              <a:t>/</a:t>
+            </a:r>
+            <a:r>
+              <a:rPr lang="en-US" dirty="0" err="1" smtClean="0"/>
+              <a:t>aar</a:t>
+            </a:r>
+            <a:r>
+              <a:rPr lang="en-US" dirty="0" smtClean="0"/>
+              <a:t>] </a:t>
+            </a:r>
+            <a:r>
+              <a:rPr lang="en-US" dirty="0"/>
+              <a:t>action create</a:t>
+            </a:r>
+          </a:p>
+          <a:p>
+            <a:r>
+              <a:rPr lang="en-US" dirty="0"/>
+              <a:t>    - create new directory /Users</a:t>
+            </a:r>
+            <a:r>
+              <a:rPr lang="en-US" dirty="0" smtClean="0"/>
+              <a:t>/</a:t>
+            </a:r>
+            <a:r>
+              <a:rPr lang="en-US" dirty="0"/>
+              <a:t>YOU</a:t>
+            </a:r>
+            <a:r>
+              <a:rPr lang="en-US" dirty="0" smtClean="0"/>
+              <a:t>/</a:t>
+            </a:r>
+            <a:r>
+              <a:rPr lang="en-US" dirty="0"/>
+              <a:t>Documents</a:t>
+            </a:r>
+            <a:r>
+              <a:rPr lang="en-US" dirty="0" smtClean="0"/>
+              <a:t>/Awesome</a:t>
+            </a:r>
+            <a:r>
+              <a:rPr lang="en-US" dirty="0"/>
+              <a:t>-Appliance-Repair</a:t>
+            </a:r>
+            <a:r>
+              <a:rPr lang="en-US" dirty="0" smtClean="0"/>
+              <a:t>/</a:t>
+            </a:r>
+            <a:r>
+              <a:rPr lang="en-US" dirty="0" err="1" smtClean="0"/>
+              <a:t>aar</a:t>
+            </a:r>
+            <a:r>
+              <a:rPr lang="en-US" dirty="0" smtClean="0"/>
+              <a:t>/</a:t>
+            </a:r>
+            <a:r>
+              <a:rPr lang="en-US" dirty="0" err="1" smtClean="0"/>
+              <a:t>aar</a:t>
+            </a:r>
+            <a:endParaRPr lang="en-US" dirty="0"/>
+          </a:p>
+          <a:p>
+            <a:r>
+              <a:rPr lang="en-US" dirty="0"/>
+              <a:t>  * template[/Users</a:t>
+            </a:r>
+            <a:r>
+              <a:rPr lang="en-US" dirty="0" smtClean="0"/>
+              <a:t>/</a:t>
+            </a:r>
+            <a:r>
+              <a:rPr lang="en-US" dirty="0"/>
+              <a:t>YOU</a:t>
+            </a:r>
+            <a:r>
+              <a:rPr lang="en-US" dirty="0" smtClean="0"/>
+              <a:t>/</a:t>
+            </a:r>
+            <a:r>
+              <a:rPr lang="en-US" dirty="0"/>
+              <a:t>Documents</a:t>
+            </a:r>
+            <a:r>
+              <a:rPr lang="en-US" dirty="0" smtClean="0"/>
+              <a:t>/Awesome</a:t>
+            </a:r>
+            <a:r>
+              <a:rPr lang="en-US" dirty="0"/>
+              <a:t>-Appliance-Repair</a:t>
+            </a:r>
+            <a:r>
+              <a:rPr lang="en-US" dirty="0" smtClean="0"/>
+              <a:t>/</a:t>
+            </a:r>
+            <a:r>
+              <a:rPr lang="en-US" dirty="0" err="1" smtClean="0"/>
+              <a:t>aar</a:t>
+            </a:r>
+            <a:r>
+              <a:rPr lang="en-US" dirty="0" smtClean="0"/>
+              <a:t>/</a:t>
+            </a:r>
+            <a:r>
+              <a:rPr lang="en-US" dirty="0" err="1" smtClean="0"/>
+              <a:t>aar</a:t>
+            </a:r>
+            <a:r>
+              <a:rPr lang="en-US" dirty="0" smtClean="0"/>
+              <a:t>/</a:t>
+            </a:r>
+            <a:r>
+              <a:rPr lang="en-US" dirty="0" err="1"/>
+              <a:t>metadata.rb</a:t>
+            </a:r>
+            <a:r>
+              <a:rPr lang="en-US" dirty="0"/>
+              <a:t>] action create</a:t>
+            </a:r>
+          </a:p>
+          <a:p>
+            <a:r>
+              <a:rPr lang="en-US" dirty="0"/>
+              <a:t>    - create new file /Users</a:t>
+            </a:r>
+            <a:r>
+              <a:rPr lang="en-US" dirty="0" smtClean="0"/>
+              <a:t>/</a:t>
+            </a:r>
+            <a:r>
+              <a:rPr lang="en-US" dirty="0"/>
+              <a:t>YOU</a:t>
+            </a:r>
+            <a:r>
+              <a:rPr lang="en-US" dirty="0" smtClean="0"/>
+              <a:t>/</a:t>
+            </a:r>
+            <a:r>
+              <a:rPr lang="en-US" dirty="0"/>
+              <a:t>Documents</a:t>
+            </a:r>
+            <a:r>
+              <a:rPr lang="en-US" dirty="0" smtClean="0"/>
+              <a:t>/Awesome</a:t>
+            </a:r>
+            <a:r>
+              <a:rPr lang="en-US" dirty="0"/>
+              <a:t>-Appliance-Repair</a:t>
+            </a:r>
+            <a:r>
+              <a:rPr lang="en-US" dirty="0" smtClean="0"/>
+              <a:t>/</a:t>
+            </a:r>
+            <a:r>
+              <a:rPr lang="en-US" dirty="0" err="1" smtClean="0"/>
+              <a:t>aar</a:t>
+            </a:r>
+            <a:r>
+              <a:rPr lang="en-US" dirty="0" smtClean="0"/>
+              <a:t>/</a:t>
+            </a:r>
+            <a:r>
+              <a:rPr lang="en-US" dirty="0" err="1" smtClean="0"/>
+              <a:t>aar</a:t>
+            </a:r>
+            <a:r>
+              <a:rPr lang="en-US" dirty="0" smtClean="0"/>
+              <a:t>/</a:t>
+            </a:r>
+            <a:r>
+              <a:rPr lang="en-US" dirty="0" err="1"/>
+              <a:t>metadata.rb</a:t>
+            </a:r>
+            <a:endParaRPr lang="en-US" dirty="0"/>
+          </a:p>
+          <a:p>
+            <a:r>
+              <a:rPr lang="en-US" dirty="0"/>
+              <a:t>    - update content in file /Users</a:t>
+            </a:r>
+            <a:r>
+              <a:rPr lang="en-US" dirty="0" smtClean="0"/>
+              <a:t>/</a:t>
+            </a:r>
+            <a:r>
+              <a:rPr lang="en-US" dirty="0"/>
+              <a:t>YOU</a:t>
+            </a:r>
+            <a:r>
+              <a:rPr lang="en-US" dirty="0" smtClean="0"/>
+              <a:t>/</a:t>
+            </a:r>
+            <a:r>
+              <a:rPr lang="en-US" dirty="0"/>
+              <a:t>Documents</a:t>
+            </a:r>
+            <a:r>
+              <a:rPr lang="en-US" dirty="0" smtClean="0"/>
+              <a:t>/Awesome</a:t>
+            </a:r>
+            <a:r>
+              <a:rPr lang="en-US" dirty="0"/>
+              <a:t>-Appliance-Repair</a:t>
+            </a:r>
+            <a:r>
+              <a:rPr lang="en-US" dirty="0" smtClean="0"/>
+              <a:t>/</a:t>
+            </a:r>
+            <a:r>
+              <a:rPr lang="en-US" dirty="0" err="1" smtClean="0"/>
+              <a:t>aar</a:t>
+            </a:r>
+            <a:r>
+              <a:rPr lang="en-US" dirty="0" smtClean="0"/>
+              <a:t>/</a:t>
+            </a:r>
+            <a:r>
+              <a:rPr lang="en-US" dirty="0" err="1" smtClean="0"/>
+              <a:t>aar</a:t>
+            </a:r>
+            <a:r>
+              <a:rPr lang="en-US" dirty="0" smtClean="0"/>
+              <a:t>/</a:t>
+            </a:r>
+            <a:r>
+              <a:rPr lang="en-US" dirty="0" err="1"/>
+              <a:t>metadata.rb</a:t>
+            </a:r>
+            <a:r>
+              <a:rPr lang="en-US" dirty="0"/>
+              <a:t> from none to f4bd5e</a:t>
+            </a:r>
+          </a:p>
+          <a:p>
+            <a:r>
+              <a:rPr lang="en-US" dirty="0"/>
+              <a:t>    (diff output suppressed by </a:t>
+            </a:r>
+            <a:r>
+              <a:rPr lang="en-US" dirty="0" err="1"/>
+              <a:t>config</a:t>
+            </a:r>
+            <a:r>
+              <a:rPr lang="en-US" dirty="0"/>
+              <a:t>)</a:t>
+            </a:r>
+          </a:p>
+          <a:p>
+            <a:r>
+              <a:rPr lang="en-US" dirty="0"/>
+              <a:t>  * template[/Users</a:t>
+            </a:r>
+            <a:r>
+              <a:rPr lang="en-US" dirty="0" smtClean="0"/>
+              <a:t>/</a:t>
+            </a:r>
+            <a:r>
+              <a:rPr lang="en-US" dirty="0"/>
+              <a:t>YOU</a:t>
+            </a:r>
+            <a:r>
+              <a:rPr lang="en-US" dirty="0" smtClean="0"/>
+              <a:t>/</a:t>
+            </a:r>
+            <a:r>
+              <a:rPr lang="en-US" dirty="0"/>
+              <a:t>Documents</a:t>
+            </a:r>
+            <a:r>
+              <a:rPr lang="en-US" dirty="0" smtClean="0"/>
+              <a:t>/Awesome</a:t>
+            </a:r>
+            <a:r>
+              <a:rPr lang="en-US" dirty="0"/>
+              <a:t>-Appliance-Repair</a:t>
+            </a:r>
+            <a:r>
+              <a:rPr lang="en-US" dirty="0" smtClean="0"/>
+              <a:t>/</a:t>
+            </a:r>
+            <a:r>
+              <a:rPr lang="en-US" dirty="0" err="1" smtClean="0"/>
+              <a:t>aar</a:t>
+            </a:r>
+            <a:r>
+              <a:rPr lang="en-US" dirty="0" smtClean="0"/>
+              <a:t>/</a:t>
+            </a:r>
+            <a:r>
+              <a:rPr lang="en-US" dirty="0" err="1" smtClean="0"/>
+              <a:t>aar</a:t>
+            </a:r>
+            <a:r>
+              <a:rPr lang="en-US" dirty="0" smtClean="0"/>
+              <a:t>/</a:t>
+            </a:r>
+            <a:r>
+              <a:rPr lang="en-US" dirty="0" err="1"/>
+              <a:t>README.md</a:t>
+            </a:r>
+            <a:r>
+              <a:rPr lang="en-US" dirty="0"/>
+              <a:t>] action create</a:t>
+            </a:r>
+          </a:p>
+          <a:p>
+            <a:r>
+              <a:rPr lang="en-US" dirty="0"/>
+              <a:t>    - create new file /Users</a:t>
+            </a:r>
+            <a:r>
+              <a:rPr lang="en-US" dirty="0" smtClean="0"/>
+              <a:t>/</a:t>
+            </a:r>
+            <a:r>
+              <a:rPr lang="en-US" dirty="0"/>
+              <a:t>YOU</a:t>
+            </a:r>
+            <a:r>
+              <a:rPr lang="en-US" dirty="0" smtClean="0"/>
+              <a:t>/</a:t>
+            </a:r>
+            <a:r>
+              <a:rPr lang="en-US" dirty="0"/>
+              <a:t>Documents</a:t>
+            </a:r>
+            <a:r>
+              <a:rPr lang="en-US" dirty="0" smtClean="0"/>
+              <a:t>/Awesome</a:t>
+            </a:r>
+            <a:r>
+              <a:rPr lang="en-US" dirty="0"/>
+              <a:t>-Appliance-Repair</a:t>
+            </a:r>
+            <a:r>
+              <a:rPr lang="en-US" dirty="0" smtClean="0"/>
+              <a:t>/</a:t>
+            </a:r>
+            <a:r>
+              <a:rPr lang="en-US" dirty="0" err="1" smtClean="0"/>
+              <a:t>aar</a:t>
+            </a:r>
+            <a:r>
+              <a:rPr lang="en-US" dirty="0" smtClean="0"/>
+              <a:t>/</a:t>
+            </a:r>
+            <a:r>
+              <a:rPr lang="en-US" dirty="0" err="1" smtClean="0"/>
+              <a:t>aar</a:t>
+            </a:r>
+            <a:r>
+              <a:rPr lang="en-US" dirty="0" smtClean="0"/>
+              <a:t>/</a:t>
+            </a:r>
+            <a:r>
+              <a:rPr lang="en-US" dirty="0" err="1"/>
+              <a:t>README.md</a:t>
+            </a:r>
+            <a:endParaRPr lang="en-US" dirty="0"/>
+          </a:p>
+          <a:p>
+            <a:r>
+              <a:rPr lang="en-US" dirty="0"/>
+              <a:t>    - update content in file /Users</a:t>
+            </a:r>
+            <a:r>
+              <a:rPr lang="en-US" dirty="0" smtClean="0"/>
+              <a:t>/</a:t>
+            </a:r>
+            <a:r>
+              <a:rPr lang="en-US" dirty="0"/>
+              <a:t>YOU</a:t>
+            </a:r>
+            <a:r>
+              <a:rPr lang="en-US" dirty="0" smtClean="0"/>
+              <a:t>/</a:t>
+            </a:r>
+            <a:r>
+              <a:rPr lang="en-US" dirty="0"/>
+              <a:t>Documents</a:t>
+            </a:r>
+            <a:r>
+              <a:rPr lang="en-US" dirty="0" smtClean="0"/>
+              <a:t>/Awesome</a:t>
+            </a:r>
+            <a:r>
+              <a:rPr lang="en-US" dirty="0"/>
+              <a:t>-Appliance-Repair</a:t>
+            </a:r>
+            <a:r>
+              <a:rPr lang="en-US" dirty="0" smtClean="0"/>
+              <a:t>/</a:t>
+            </a:r>
+            <a:r>
+              <a:rPr lang="en-US" dirty="0" err="1" smtClean="0"/>
+              <a:t>aar</a:t>
+            </a:r>
+            <a:r>
+              <a:rPr lang="en-US" dirty="0" smtClean="0"/>
+              <a:t>/</a:t>
+            </a:r>
+            <a:r>
+              <a:rPr lang="en-US" dirty="0" err="1" smtClean="0"/>
+              <a:t>aar</a:t>
+            </a:r>
+            <a:r>
+              <a:rPr lang="en-US" dirty="0" smtClean="0"/>
+              <a:t>/</a:t>
+            </a:r>
+            <a:r>
+              <a:rPr lang="en-US" dirty="0" err="1"/>
+              <a:t>README.md</a:t>
+            </a:r>
+            <a:r>
+              <a:rPr lang="en-US" dirty="0"/>
+              <a:t> from none to </a:t>
+            </a:r>
+            <a:r>
+              <a:rPr lang="en-US" dirty="0" smtClean="0"/>
+              <a:t>1666ef</a:t>
+            </a:r>
+          </a:p>
+          <a:p>
+            <a:r>
+              <a:rPr lang="en-US" dirty="0" smtClean="0"/>
+              <a:t>...</a:t>
+            </a:r>
+            <a:endParaRPr lang="en-US" dirty="0"/>
+          </a:p>
+        </p:txBody>
+      </p:sp>
+      <p:sp>
+        <p:nvSpPr>
           <p:cNvPr id="2" name="Title 1"/>
           <p:cNvSpPr>
             <a:spLocks noGrp="1"/>
           </p:cNvSpPr>
           <p:nvPr>
             <p:ph type="title"/>
-          </p:nvPr>
-        </p:nvSpPr>
-        <p:spPr/>
-        <p:txBody>
-          <a:bodyPr/>
-          <a:lstStyle/>
-          <a:p>
-            <a:r>
-              <a:rPr lang="en-US" dirty="0" smtClean="0"/>
-              <a:t>Getting started tips…</a:t>
-            </a:r>
-            <a:endParaRPr lang="en-US" dirty="0"/>
-          </a:p>
-        </p:txBody>
-      </p:sp>
-      <p:sp>
-        <p:nvSpPr>
-          <p:cNvPr id="5" name="Text Placeholder 4"/>
-          <p:cNvSpPr>
-            <a:spLocks noGrp="1"/>
-          </p:cNvSpPr>
-          <p:nvPr>
-            <p:ph type="body" sz="quarter" idx="10"/>
           </p:nvPr>
         </p:nvSpPr>
         <p:spPr>
           <a:xfrm>
-            <a:off x="457200" y="1143000"/>
-            <a:ext cx="11547642" cy="5257800"/>
+            <a:off x="457200" y="228599"/>
+            <a:ext cx="11601116" cy="564257"/>
           </a:xfrm>
         </p:spPr>
         <p:txBody>
@@ -18995,132 +19220,67 @@
           <a:lstStyle/>
           <a:p>
             <a:r>
-              <a:rPr lang="en-US" sz="3800" dirty="0" smtClean="0"/>
-              <a:t>You </a:t>
-            </a:r>
-            <a:r>
-              <a:rPr lang="en-US" sz="3800" dirty="0"/>
-              <a:t>can start with the default recipe, </a:t>
-            </a:r>
-            <a:r>
-              <a:rPr lang="en-US" sz="3800" dirty="0" err="1">
-                <a:latin typeface="Courier"/>
-                <a:cs typeface="Courier"/>
-              </a:rPr>
-              <a:t>default.rb</a:t>
-            </a:r>
-            <a:endParaRPr lang="en-US" sz="3800" dirty="0" smtClean="0"/>
-          </a:p>
-          <a:p>
-            <a:endParaRPr lang="en-US" sz="3800" dirty="0" smtClean="0"/>
-          </a:p>
-          <a:p>
-            <a:r>
-              <a:rPr lang="en-US" sz="3800" dirty="0" smtClean="0"/>
-              <a:t>Backup to </a:t>
-            </a:r>
-            <a:r>
-              <a:rPr lang="en-US" sz="3800" dirty="0" err="1" smtClean="0"/>
-              <a:t>GitHub</a:t>
-            </a:r>
-            <a:r>
-              <a:rPr lang="en-US" sz="3800" dirty="0" smtClean="0"/>
-              <a:t> regularly</a:t>
-            </a:r>
-          </a:p>
-          <a:p>
-            <a:pPr marL="225425" lvl="1" indent="0">
-              <a:buNone/>
-            </a:pPr>
-            <a:r>
-              <a:rPr lang="en-US" sz="3200" dirty="0" smtClean="0">
-                <a:latin typeface="Courier"/>
-                <a:cs typeface="Courier"/>
-              </a:rPr>
+              <a:rPr lang="en-US" sz="4000" dirty="0" smtClean="0"/>
+              <a:t>Exercise: Create </a:t>
+            </a:r>
+            <a:r>
+              <a:rPr lang="en-US" sz="4000" dirty="0" err="1" smtClean="0"/>
+              <a:t>aar</a:t>
+            </a:r>
+            <a:r>
+              <a:rPr lang="en-US" sz="4000" dirty="0" smtClean="0"/>
+              <a:t> cookbook using </a:t>
+            </a:r>
+            <a:r>
+              <a:rPr lang="en-US" sz="4000" dirty="0" err="1" smtClean="0"/>
+              <a:t>ChefDK</a:t>
+            </a:r>
+            <a:endParaRPr lang="en-US" sz="4000" dirty="0"/>
+          </a:p>
+        </p:txBody>
+      </p:sp>
+      <p:sp>
+        <p:nvSpPr>
+          <p:cNvPr id="6" name="Content Placeholder 5"/>
+          <p:cNvSpPr>
+            <a:spLocks noGrp="1"/>
+          </p:cNvSpPr>
+          <p:nvPr>
+            <p:ph sz="quarter" idx="12"/>
+          </p:nvPr>
+        </p:nvSpPr>
+        <p:spPr>
+          <a:xfrm>
+            <a:off x="508000" y="1229895"/>
+            <a:ext cx="10855159" cy="662793"/>
+          </a:xfrm>
+        </p:spPr>
+        <p:txBody>
+          <a:bodyPr anchor="ctr" anchorCtr="0">
+            <a:noAutofit/>
+          </a:bodyPr>
+          <a:lstStyle/>
+          <a:p>
+            <a:r>
+              <a:rPr lang="en-US" sz="3700" dirty="0" smtClean="0"/>
               <a:t>$ </a:t>
             </a:r>
             <a:r>
-              <a:rPr lang="en-US" sz="3200" dirty="0" err="1" smtClean="0">
-                <a:latin typeface="Courier"/>
-                <a:cs typeface="Courier"/>
-              </a:rPr>
-              <a:t>git</a:t>
-            </a:r>
-            <a:r>
-              <a:rPr lang="en-US" sz="3200" dirty="0" smtClean="0">
-                <a:latin typeface="Courier"/>
-                <a:cs typeface="Courier"/>
-              </a:rPr>
-              <a:t> </a:t>
-            </a:r>
-            <a:r>
-              <a:rPr lang="en-US" sz="3200" dirty="0">
-                <a:latin typeface="Courier"/>
-                <a:cs typeface="Courier"/>
-              </a:rPr>
-              <a:t>commit -am </a:t>
-            </a:r>
-            <a:r>
-              <a:rPr lang="en-US" sz="3200" dirty="0" smtClean="0">
-                <a:latin typeface="Courier"/>
-                <a:cs typeface="Courier"/>
-              </a:rPr>
-              <a:t>"</a:t>
-            </a:r>
-            <a:r>
-              <a:rPr lang="en-US" sz="3200" i="1" dirty="0" smtClean="0">
-                <a:latin typeface="Courier"/>
-                <a:cs typeface="Courier"/>
-              </a:rPr>
-              <a:t>commit message here</a:t>
-            </a:r>
-            <a:r>
-              <a:rPr lang="en-US" sz="3200" dirty="0" smtClean="0">
-                <a:latin typeface="Courier"/>
-                <a:cs typeface="Courier"/>
-              </a:rPr>
-              <a:t>"</a:t>
-            </a:r>
-          </a:p>
-          <a:p>
-            <a:pPr marL="225425" lvl="1" indent="0">
-              <a:buNone/>
-            </a:pPr>
-            <a:r>
-              <a:rPr lang="en-US" sz="3200" dirty="0" smtClean="0">
-                <a:latin typeface="Courier"/>
-                <a:cs typeface="Courier"/>
-              </a:rPr>
-              <a:t>$ </a:t>
-            </a:r>
-            <a:r>
-              <a:rPr lang="en-US" sz="3200" dirty="0" err="1" smtClean="0">
-                <a:latin typeface="Courier"/>
-                <a:cs typeface="Courier"/>
-              </a:rPr>
-              <a:t>git</a:t>
-            </a:r>
-            <a:r>
-              <a:rPr lang="en-US" sz="3200" dirty="0" smtClean="0">
-                <a:latin typeface="Courier"/>
-                <a:cs typeface="Courier"/>
-              </a:rPr>
-              <a:t> push</a:t>
-            </a:r>
-            <a:endParaRPr lang="en-US" sz="3200" dirty="0">
-              <a:latin typeface="Courier"/>
-              <a:cs typeface="Courier"/>
-            </a:endParaRPr>
-          </a:p>
-          <a:p>
-            <a:endParaRPr lang="en-US" sz="3800" dirty="0" smtClean="0"/>
+              <a:rPr lang="en-US" sz="3700" dirty="0"/>
+              <a:t>chef generate cookbook </a:t>
+            </a:r>
+            <a:r>
+              <a:rPr lang="en-US" sz="3700" dirty="0" err="1" smtClean="0"/>
+              <a:t>aar</a:t>
+            </a:r>
+            <a:endParaRPr lang="en-US" sz="3700" dirty="0"/>
           </a:p>
         </p:txBody>
       </p:sp>
     </p:spTree>
     <p:extLst>
       <p:ext uri="{BB962C8B-B14F-4D97-AF65-F5344CB8AC3E}">
-        <p14:creationId xmlns:p14="http://schemas.microsoft.com/office/powerpoint/2010/main" val="2820955247"/>
+        <p14:creationId xmlns:p14="http://schemas.microsoft.com/office/powerpoint/2010/main" val="941099881"/>
       </p:ext>
     </p:extLst>
   </p:cSld>
@@ -19134,16 +19294,23 @@
       </p:transition>
     </mc:Choice>
     <mc:Fallback xmlns="">
-      <p:transition spd="med">
+      <p:transition xmlns:p14="http://schemas.microsoft.com/office/powerpoint/2010/main" spd="med">
         <p:fade/>
       </p:transition>
     </mc:Fallback>
   </mc:AlternateContent>
+  <p:timing>
+    <p:tnLst>
+      <p:par>
+        <p:cTn xmlns:p14="http://schemas.microsoft.com/office/powerpoint/2010/main" id="1" dur="indefinite" restart="never" nodeType="tmRoot"/>
+      </p:par>
+    </p:tnLst>
+  </p:timing>
 </p:sld>
 </file>
 
-<file path=ppt/slides/slide25.xml><?xml version="1.0" encoding="utf-8"?>
-<p:sld xmlns:a="http://schemas.openxmlformats.org/drawingml/2006/main" xmlns:r="http://schemas.openxmlformats.org/officeDocument/2006/relationships" xmlns:p="http://schemas.openxmlformats.org/presentationml/2006/main">
+<file path=ppt/slides/slide24.xml><?xml version="1.0" encoding="utf-8"?>
+<p:sld xmlns:a="http://schemas.openxmlformats.org/drawingml/2006/main" xmlns:r="http://schemas.openxmlformats.org/officeDocument/2006/relationships" xmlns:p="http://schemas.openxmlformats.org/presentationml/2006/main" show="0">
   <p:cSld>
     <p:spTree>
       <p:nvGrpSpPr>
@@ -19161,6 +19328,152 @@
       </p:grpSpPr>
       <p:sp>
         <p:nvSpPr>
+          <p:cNvPr id="3" name="Content Placeholder 2"/>
+          <p:cNvSpPr>
+            <a:spLocks noGrp="1"/>
+          </p:cNvSpPr>
+          <p:nvPr>
+            <p:ph sz="quarter" idx="11"/>
+          </p:nvPr>
+        </p:nvSpPr>
+        <p:spPr/>
+        <p:txBody>
+          <a:bodyPr>
+            <a:noAutofit/>
+          </a:bodyPr>
+          <a:lstStyle/>
+          <a:p>
+            <a:r>
+              <a:rPr lang="en-US" sz="2400" dirty="0"/>
+              <a:t>$ cd </a:t>
+            </a:r>
+            <a:r>
+              <a:rPr lang="en-US" sz="2400" dirty="0" err="1"/>
+              <a:t>aar</a:t>
+            </a:r>
+            <a:endParaRPr lang="en-US" sz="2400" dirty="0"/>
+          </a:p>
+          <a:p>
+            <a:r>
+              <a:rPr lang="en-US" sz="2400" dirty="0"/>
+              <a:t>$ </a:t>
+            </a:r>
+            <a:r>
+              <a:rPr lang="en-US" sz="2400" dirty="0" err="1"/>
+              <a:t>git</a:t>
+            </a:r>
+            <a:r>
+              <a:rPr lang="en-US" sz="2400" dirty="0"/>
+              <a:t> add .</a:t>
+            </a:r>
+          </a:p>
+          <a:p>
+            <a:r>
+              <a:rPr lang="en-US" sz="2400" dirty="0"/>
+              <a:t>$ </a:t>
+            </a:r>
+            <a:r>
+              <a:rPr lang="en-US" sz="2400" dirty="0" err="1"/>
+              <a:t>git</a:t>
+            </a:r>
+            <a:r>
+              <a:rPr lang="en-US" sz="2400" dirty="0"/>
+              <a:t> commit -m "Scaffold of the cookbook created by chef"</a:t>
+            </a:r>
+          </a:p>
+          <a:p>
+            <a:r>
+              <a:rPr lang="en-US" sz="2400" dirty="0"/>
+              <a:t>[master (root-commit) b1db9ac] Scaffold of the cookbook created by chef</a:t>
+            </a:r>
+          </a:p>
+          <a:p>
+            <a:r>
+              <a:rPr lang="en-US" sz="2400" dirty="0"/>
+              <a:t> 7 files changed, 151 insertions(+)</a:t>
+            </a:r>
+          </a:p>
+          <a:p>
+            <a:r>
+              <a:rPr lang="en-US" sz="2400" dirty="0"/>
+              <a:t> create mode 100644 .</a:t>
+            </a:r>
+            <a:r>
+              <a:rPr lang="en-US" sz="2400" dirty="0" err="1"/>
+              <a:t>gitignore</a:t>
+            </a:r>
+            <a:endParaRPr lang="en-US" sz="2400" dirty="0"/>
+          </a:p>
+          <a:p>
+            <a:r>
+              <a:rPr lang="en-US" sz="2400" dirty="0"/>
+              <a:t> create mode 100644 .</a:t>
+            </a:r>
+            <a:r>
+              <a:rPr lang="en-US" sz="2400" dirty="0" err="1"/>
+              <a:t>kitchen.yml</a:t>
+            </a:r>
+            <a:endParaRPr lang="en-US" sz="2400" dirty="0"/>
+          </a:p>
+          <a:p>
+            <a:r>
+              <a:rPr lang="en-US" sz="2400" dirty="0"/>
+              <a:t> create mode 100644 </a:t>
+            </a:r>
+            <a:r>
+              <a:rPr lang="en-US" sz="2400" dirty="0" err="1"/>
+              <a:t>Berksfile</a:t>
+            </a:r>
+            <a:endParaRPr lang="en-US" sz="2400" dirty="0"/>
+          </a:p>
+          <a:p>
+            <a:r>
+              <a:rPr lang="en-US" sz="2400" dirty="0"/>
+              <a:t> create mode 100644 </a:t>
+            </a:r>
+            <a:r>
+              <a:rPr lang="en-US" sz="2400" dirty="0" err="1"/>
+              <a:t>README.md</a:t>
+            </a:r>
+            <a:endParaRPr lang="en-US" sz="2400" dirty="0"/>
+          </a:p>
+          <a:p>
+            <a:r>
+              <a:rPr lang="en-US" sz="2400" dirty="0"/>
+              <a:t> create mode 100644 </a:t>
+            </a:r>
+            <a:r>
+              <a:rPr lang="en-US" sz="2400" dirty="0" err="1"/>
+              <a:t>chefignore</a:t>
+            </a:r>
+            <a:endParaRPr lang="en-US" sz="2400" dirty="0"/>
+          </a:p>
+          <a:p>
+            <a:r>
+              <a:rPr lang="en-US" sz="2400" dirty="0"/>
+              <a:t> create mode 100644 </a:t>
+            </a:r>
+            <a:r>
+              <a:rPr lang="en-US" sz="2400" dirty="0" err="1"/>
+              <a:t>metadata.rb</a:t>
+            </a:r>
+            <a:endParaRPr lang="en-US" sz="2400" dirty="0"/>
+          </a:p>
+          <a:p>
+            <a:r>
+              <a:rPr lang="en-US" sz="2400" dirty="0"/>
+              <a:t> create mode 100644 recipes/</a:t>
+            </a:r>
+            <a:r>
+              <a:rPr lang="en-US" sz="2400" dirty="0" err="1"/>
+              <a:t>default.rb</a:t>
+            </a:r>
+            <a:endParaRPr lang="en-US" sz="2400" dirty="0"/>
+          </a:p>
+        </p:txBody>
+      </p:sp>
+      <p:sp>
+        <p:nvSpPr>
           <p:cNvPr id="2" name="Title 1"/>
           <p:cNvSpPr>
             <a:spLocks noGrp="1"/>
@@ -19176,93 +19489,252 @@
           <a:p>
             <a:r>
               <a:rPr lang="en-US" dirty="0" smtClean="0"/>
-              <a:t>Time to hack!</a:t>
+              <a:t>Exercise: Add cookbook to </a:t>
+            </a:r>
+            <a:r>
+              <a:rPr lang="en-US" dirty="0" err="1" smtClean="0"/>
+              <a:t>git</a:t>
             </a:r>
             <a:endParaRPr lang="en-US" dirty="0"/>
-          </a:p>
-        </p:txBody>
-      </p:sp>
-      <p:pic>
-        <p:nvPicPr>
-          <p:cNvPr id="6" name="Picture Placeholder 5" descr="424047087_f685546e79_o.jpg"/>
-          <p:cNvPicPr>
-            <a:picLocks noGrp="1" noChangeAspect="1"/>
-          </p:cNvPicPr>
-          <p:nvPr>
-            <p:ph type="pic" sz="quarter" idx="10"/>
-          </p:nvPr>
-        </p:nvPicPr>
-        <p:blipFill>
-          <a:blip r:embed="rId3">
-            <a:extLst>
-              <a:ext uri="{28A0092B-C50C-407E-A947-70E740481C1C}">
-                <a14:useLocalDpi xmlns:a14="http://schemas.microsoft.com/office/drawing/2010/main" val="0"/>
-              </a:ext>
-            </a:extLst>
-          </a:blip>
-          <a:srcRect t="34402" b="34402"/>
-          <a:stretch>
-            <a:fillRect/>
-          </a:stretch>
-        </p:blipFill>
-        <p:spPr/>
-      </p:pic>
-      <p:sp>
-        <p:nvSpPr>
-          <p:cNvPr id="5" name="Content Placeholder 4"/>
-          <p:cNvSpPr>
-            <a:spLocks noGrp="1"/>
-          </p:cNvSpPr>
-          <p:nvPr>
-            <p:ph sz="quarter" idx="11"/>
-          </p:nvPr>
-        </p:nvSpPr>
-        <p:spPr/>
-        <p:txBody>
-          <a:bodyPr/>
-          <a:lstStyle/>
-          <a:p>
-            <a:r>
-              <a:rPr lang="en-US" dirty="0"/>
-              <a:t>https://</a:t>
-            </a:r>
-            <a:r>
-              <a:rPr lang="en-US" dirty="0" err="1"/>
-              <a:t>www.flickr.com</a:t>
-            </a:r>
-            <a:r>
-              <a:rPr lang="en-US" dirty="0"/>
-              <a:t>/photos/</a:t>
-            </a:r>
-            <a:r>
-              <a:rPr lang="en-US" dirty="0" err="1"/>
-              <a:t>peterpearson</a:t>
-            </a:r>
-            <a:r>
-              <a:rPr lang="en-US" dirty="0"/>
-              <a:t>/424047087</a:t>
-            </a:r>
           </a:p>
         </p:txBody>
       </p:sp>
     </p:spTree>
     <p:extLst>
       <p:ext uri="{BB962C8B-B14F-4D97-AF65-F5344CB8AC3E}">
-        <p14:creationId xmlns:p14="http://schemas.microsoft.com/office/powerpoint/2010/main" val="1258448321"/>
+        <p14:creationId xmlns:p14="http://schemas.microsoft.com/office/powerpoint/2010/main" val="917743240"/>
       </p:ext>
     </p:extLst>
   </p:cSld>
   <p:clrMapOvr>
     <a:masterClrMapping/>
   </p:clrMapOvr>
-  <mc:AlternateContent xmlns:mc="http://schemas.openxmlformats.org/markup-compatibility/2006" xmlns:p14="http://schemas.microsoft.com/office/powerpoint/2010/main">
-    <mc:Choice Requires="p14">
+  <mc:AlternateContent xmlns:mc="http://schemas.openxmlformats.org/markup-compatibility/2006">
+    <mc:Choice xmlns:p14="http://schemas.microsoft.com/office/powerpoint/2010/main" Requires="p14">
       <p:transition spd="med" p14:dur="700">
         <p:fade/>
       </p:transition>
     </mc:Choice>
-    <mc:Fallback xmlns="">
-      <p:transition spd="med">
+    <mc:Fallback>
+      <p:transition xmlns:p14="http://schemas.microsoft.com/office/powerpoint/2010/main" spd="med">
+        <p:fade/>
+      </p:transition>
+    </mc:Fallback>
+  </mc:AlternateContent>
+  <p:timing>
+    <p:tnLst>
+      <p:par>
+        <p:cTn xmlns:p14="http://schemas.microsoft.com/office/powerpoint/2010/main" id="1" dur="indefinite" restart="never" nodeType="tmRoot"/>
+      </p:par>
+    </p:tnLst>
+  </p:timing>
+</p:sld>
+</file>
+
+<file path=ppt/slides/slide25.xml><?xml version="1.0" encoding="utf-8"?>
+<p:sld xmlns:a="http://schemas.openxmlformats.org/drawingml/2006/main" xmlns:r="http://schemas.openxmlformats.org/officeDocument/2006/relationships" xmlns:p="http://schemas.openxmlformats.org/presentationml/2006/main" show="0">
+  <p:cSld>
+    <p:spTree>
+      <p:nvGrpSpPr>
+        <p:cNvPr id="1" name=""/>
+        <p:cNvGrpSpPr/>
+        <p:nvPr/>
+      </p:nvGrpSpPr>
+      <p:grpSpPr>
+        <a:xfrm>
+          <a:off x="0" y="0"/>
+          <a:ext cx="0" cy="0"/>
+          <a:chOff x="0" y="0"/>
+          <a:chExt cx="0" cy="0"/>
+        </a:xfrm>
+      </p:grpSpPr>
+      <p:sp>
+        <p:nvSpPr>
+          <p:cNvPr id="6" name="Content Placeholder 5"/>
+          <p:cNvSpPr>
+            <a:spLocks noGrp="1"/>
+          </p:cNvSpPr>
+          <p:nvPr>
+            <p:ph sz="quarter" idx="11"/>
+          </p:nvPr>
+        </p:nvSpPr>
+        <p:spPr/>
+        <p:txBody>
+          <a:bodyPr anchor="t" anchorCtr="0">
+            <a:noAutofit/>
+          </a:bodyPr>
+          <a:lstStyle/>
+          <a:p>
+            <a:r>
+              <a:rPr lang="en-US" sz="2400" dirty="0"/>
+              <a:t>$ </a:t>
+            </a:r>
+            <a:r>
+              <a:rPr lang="en-US" sz="2400" dirty="0" err="1"/>
+              <a:t>git</a:t>
+            </a:r>
+            <a:r>
+              <a:rPr lang="en-US" sz="2400" dirty="0"/>
+              <a:t> remote add origin </a:t>
+            </a:r>
+            <a:r>
+              <a:rPr lang="en-US" sz="2400" dirty="0" err="1"/>
+              <a:t>git@github.com:henrythecow</a:t>
+            </a:r>
+            <a:r>
+              <a:rPr lang="en-US" sz="2400" dirty="0"/>
+              <a:t>/</a:t>
+            </a:r>
+            <a:r>
+              <a:rPr lang="en-US" sz="2400" dirty="0" err="1"/>
+              <a:t>aar.git</a:t>
+            </a:r>
+            <a:endParaRPr lang="en-US" sz="2400" dirty="0"/>
+          </a:p>
+          <a:p>
+            <a:r>
+              <a:rPr lang="en-US" sz="2400" dirty="0"/>
+              <a:t>$ </a:t>
+            </a:r>
+            <a:r>
+              <a:rPr lang="en-US" sz="2400" dirty="0" err="1"/>
+              <a:t>git</a:t>
+            </a:r>
+            <a:r>
+              <a:rPr lang="en-US" sz="2400" dirty="0"/>
+              <a:t> push -u origin </a:t>
+            </a:r>
+            <a:r>
+              <a:rPr lang="en-US" sz="2400" dirty="0" smtClean="0"/>
+              <a:t>master</a:t>
+            </a:r>
+          </a:p>
+          <a:p>
+            <a:r>
+              <a:rPr lang="en-US" sz="2400" dirty="0"/>
+              <a:t>Counting objects: 7, done.</a:t>
+            </a:r>
+          </a:p>
+          <a:p>
+            <a:r>
+              <a:rPr lang="en-US" sz="2400" dirty="0"/>
+              <a:t>Delta compression using up to 8 threads.</a:t>
+            </a:r>
+          </a:p>
+          <a:p>
+            <a:r>
+              <a:rPr lang="en-US" sz="2400" dirty="0"/>
+              <a:t>Compressing objects: 100% (6/6), done.</a:t>
+            </a:r>
+          </a:p>
+          <a:p>
+            <a:r>
+              <a:rPr lang="en-US" sz="2400" dirty="0"/>
+              <a:t>Writing objects: 100% (7/7), 1.63 </a:t>
+            </a:r>
+            <a:r>
+              <a:rPr lang="en-US" sz="2400" dirty="0" err="1"/>
+              <a:t>KiB</a:t>
+            </a:r>
+            <a:r>
+              <a:rPr lang="en-US" sz="2400" dirty="0"/>
+              <a:t>, done.</a:t>
+            </a:r>
+          </a:p>
+          <a:p>
+            <a:r>
+              <a:rPr lang="en-US" sz="2400" dirty="0"/>
+              <a:t>Total 7 (delta 0), reused 0 (delta 0)</a:t>
+            </a:r>
+          </a:p>
+          <a:p>
+            <a:r>
+              <a:rPr lang="en-US" sz="2400" dirty="0"/>
+              <a:t>To </a:t>
+            </a:r>
+            <a:r>
+              <a:rPr lang="en-US" sz="2400" dirty="0" err="1"/>
+              <a:t>git@github.com:henrythecow</a:t>
+            </a:r>
+            <a:r>
+              <a:rPr lang="en-US" sz="2400" dirty="0"/>
+              <a:t>/</a:t>
+            </a:r>
+            <a:r>
+              <a:rPr lang="en-US" sz="2400" dirty="0" err="1"/>
+              <a:t>aar.git</a:t>
+            </a:r>
+            <a:endParaRPr lang="en-US" sz="2400" dirty="0"/>
+          </a:p>
+          <a:p>
+            <a:r>
+              <a:rPr lang="en-US" sz="2400" dirty="0"/>
+              <a:t> * [new branch]      master -&gt; master</a:t>
+            </a:r>
+          </a:p>
+          <a:p>
+            <a:r>
+              <a:rPr lang="en-US" sz="2400" dirty="0"/>
+              <a:t>Branch master set up to track remote branch master from origin.</a:t>
+            </a:r>
+            <a:endParaRPr lang="en-US" sz="2400" dirty="0"/>
+          </a:p>
+        </p:txBody>
+      </p:sp>
+      <p:sp>
+        <p:nvSpPr>
+          <p:cNvPr id="2" name="Title 1"/>
+          <p:cNvSpPr>
+            <a:spLocks noGrp="1"/>
+          </p:cNvSpPr>
+          <p:nvPr>
+            <p:ph type="title"/>
+          </p:nvPr>
+        </p:nvSpPr>
+        <p:spPr>
+          <a:xfrm>
+            <a:off x="457199" y="228599"/>
+            <a:ext cx="11574379" cy="620683"/>
+          </a:xfrm>
+        </p:spPr>
+        <p:txBody>
+          <a:bodyPr/>
+          <a:lstStyle/>
+          <a:p>
+            <a:r>
+              <a:rPr lang="en-US" dirty="0" smtClean="0"/>
+              <a:t>Exercise: Upload cookbook to </a:t>
+            </a:r>
+            <a:r>
+              <a:rPr lang="en-US" dirty="0" err="1" smtClean="0"/>
+              <a:t>GitHub</a:t>
+            </a:r>
+            <a:r>
+              <a:rPr lang="en-US" dirty="0" smtClean="0"/>
+              <a:t> repo</a:t>
+            </a:r>
+            <a:endParaRPr lang="en-US" dirty="0"/>
+          </a:p>
+        </p:txBody>
+      </p:sp>
+    </p:spTree>
+    <p:extLst>
+      <p:ext uri="{BB962C8B-B14F-4D97-AF65-F5344CB8AC3E}">
+        <p14:creationId xmlns:p14="http://schemas.microsoft.com/office/powerpoint/2010/main" val="1661465839"/>
+      </p:ext>
+    </p:extLst>
+  </p:cSld>
+  <p:clrMapOvr>
+    <a:masterClrMapping/>
+  </p:clrMapOvr>
+  <mc:AlternateContent xmlns:mc="http://schemas.openxmlformats.org/markup-compatibility/2006">
+    <mc:Choice xmlns:p14="http://schemas.microsoft.com/office/powerpoint/2010/main" Requires="p14">
+      <p:transition spd="med" p14:dur="700">
+        <p:fade/>
+      </p:transition>
+    </mc:Choice>
+    <mc:Fallback>
+      <p:transition xmlns:p14="http://schemas.microsoft.com/office/powerpoint/2010/main" spd="med">
         <p:fade/>
       </p:transition>
     </mc:Fallback>
@@ -19278,7 +19750,7 @@
 </file>
 
 <file path=ppt/slides/slide26.xml><?xml version="1.0" encoding="utf-8"?>
-<p:sld xmlns:a="http://schemas.openxmlformats.org/drawingml/2006/main" xmlns:r="http://schemas.openxmlformats.org/officeDocument/2006/relationships" xmlns:p="http://schemas.openxmlformats.org/presentationml/2006/main">
+<p:sld xmlns:a="http://schemas.openxmlformats.org/drawingml/2006/main" xmlns:r="http://schemas.openxmlformats.org/officeDocument/2006/relationships" xmlns:p="http://schemas.openxmlformats.org/presentationml/2006/main" show="0">
   <p:cSld>
     <p:spTree>
       <p:nvGrpSpPr>
@@ -19306,60 +19778,50 @@
         </p:nvSpPr>
         <p:spPr/>
         <p:txBody>
+          <a:bodyPr>
+            <a:normAutofit/>
+          </a:bodyPr>
+          <a:lstStyle/>
+          <a:p>
+            <a:r>
+              <a:rPr lang="en-US" dirty="0" smtClean="0"/>
+              <a:t>Exercise: View your cookbook in </a:t>
+            </a:r>
+            <a:r>
+              <a:rPr lang="en-US" dirty="0" err="1" smtClean="0"/>
+              <a:t>GitHub</a:t>
+            </a:r>
+            <a:endParaRPr lang="en-US" dirty="0"/>
+          </a:p>
+        </p:txBody>
+      </p:sp>
+      <p:sp>
+        <p:nvSpPr>
+          <p:cNvPr id="4" name="Content Placeholder 3"/>
+          <p:cNvSpPr>
+            <a:spLocks noGrp="1"/>
+          </p:cNvSpPr>
+          <p:nvPr>
+            <p:ph sz="quarter" idx="11"/>
+          </p:nvPr>
+        </p:nvSpPr>
+        <p:spPr/>
+        <p:txBody>
           <a:bodyPr/>
           <a:lstStyle/>
           <a:p>
-            <a:r>
-              <a:rPr lang="en-US" dirty="0" smtClean="0"/>
-              <a:t>Demo Time!</a:t>
-            </a:r>
-            <a:endParaRPr lang="en-US" dirty="0"/>
-          </a:p>
-        </p:txBody>
-      </p:sp>
-      <p:sp>
-        <p:nvSpPr>
-          <p:cNvPr id="3" name="Text Placeholder 2"/>
-          <p:cNvSpPr>
-            <a:spLocks noGrp="1"/>
-          </p:cNvSpPr>
-          <p:nvPr>
-            <p:ph type="body" sz="quarter" idx="10"/>
-          </p:nvPr>
-        </p:nvSpPr>
-        <p:spPr/>
-        <p:txBody>
-          <a:bodyPr/>
-          <a:lstStyle/>
-          <a:p>
-            <a:r>
-              <a:rPr lang="en-US" dirty="0" smtClean="0"/>
-              <a:t>Show your work</a:t>
-            </a:r>
-          </a:p>
-          <a:p>
-            <a:r>
-              <a:rPr lang="en-US" dirty="0" smtClean="0"/>
-              <a:t>Discuss your choices</a:t>
-            </a:r>
-          </a:p>
-          <a:p>
-            <a:r>
-              <a:rPr lang="en-US" dirty="0" smtClean="0"/>
-              <a:t>Gather feedback and ideas</a:t>
-            </a:r>
-            <a:endParaRPr lang="en-US" dirty="0"/>
+            <a:endParaRPr lang="en-US"/>
           </a:p>
         </p:txBody>
       </p:sp>
       <p:pic>
         <p:nvPicPr>
-          <p:cNvPr id="6" name="Picture Placeholder 5" descr="demonstration - Google Search.jpg"/>
+          <p:cNvPr id="6" name="Picture Placeholder 5" descr="nathenharvey_aar-1.jpg"/>
           <p:cNvPicPr>
             <a:picLocks noGrp="1" noChangeAspect="1"/>
           </p:cNvPicPr>
           <p:nvPr>
-            <p:ph type="pic" sz="quarter" idx="13"/>
+            <p:ph type="pic" sz="quarter" idx="10"/>
           </p:nvPr>
         </p:nvPicPr>
         <p:blipFill>
@@ -19370,82 +19832,31 @@
               </a:ext>
             </a:extLst>
           </a:blip>
-          <a:srcRect l="-7012" r="-7012"/>
+          <a:srcRect t="11555" b="11555"/>
           <a:stretch>
             <a:fillRect/>
           </a:stretch>
         </p:blipFill>
-        <p:spPr>
-          <a:xfrm>
-            <a:off x="6181725" y="1143000"/>
-            <a:ext cx="5486400" cy="5257800"/>
-          </a:xfrm>
-        </p:spPr>
+        <p:spPr/>
       </p:pic>
-      <p:sp>
-        <p:nvSpPr>
-          <p:cNvPr id="4" name="Content Placeholder 3"/>
-          <p:cNvSpPr>
-            <a:spLocks noGrp="1"/>
-          </p:cNvSpPr>
-          <p:nvPr>
-            <p:ph sz="quarter" idx="12"/>
-          </p:nvPr>
-        </p:nvSpPr>
-        <p:spPr/>
-        <p:txBody>
-          <a:bodyPr/>
-          <a:lstStyle/>
-          <a:p>
-            <a:r>
-              <a:rPr lang="en-US" dirty="0"/>
-              <a:t>https://</a:t>
-            </a:r>
-            <a:r>
-              <a:rPr lang="en-US" dirty="0" err="1"/>
-              <a:t>www.google.com</a:t>
-            </a:r>
-            <a:r>
-              <a:rPr lang="en-US" dirty="0"/>
-              <a:t>/</a:t>
-            </a:r>
-            <a:r>
-              <a:rPr lang="en-US" dirty="0" err="1"/>
-              <a:t>webhp?sourceid</a:t>
-            </a:r>
-            <a:r>
-              <a:rPr lang="en-US" dirty="0"/>
-              <a:t>=</a:t>
-            </a:r>
-            <a:r>
-              <a:rPr lang="en-US" dirty="0" err="1"/>
-              <a:t>chrome-instant&amp;ion</a:t>
-            </a:r>
-            <a:r>
-              <a:rPr lang="en-US" dirty="0"/>
-              <a:t>=1&amp;espv=2&amp;ie=UTF-8#q=demonstration</a:t>
-            </a:r>
-          </a:p>
-        </p:txBody>
-      </p:sp>
     </p:spTree>
     <p:extLst>
       <p:ext uri="{BB962C8B-B14F-4D97-AF65-F5344CB8AC3E}">
-        <p14:creationId xmlns:p14="http://schemas.microsoft.com/office/powerpoint/2010/main" val="1089945037"/>
+        <p14:creationId xmlns:p14="http://schemas.microsoft.com/office/powerpoint/2010/main" val="2771755733"/>
       </p:ext>
     </p:extLst>
   </p:cSld>
   <p:clrMapOvr>
     <a:masterClrMapping/>
   </p:clrMapOvr>
-  <mc:AlternateContent xmlns:mc="http://schemas.openxmlformats.org/markup-compatibility/2006" xmlns:p14="http://schemas.microsoft.com/office/powerpoint/2010/main">
-    <mc:Choice Requires="p14">
+  <mc:AlternateContent xmlns:mc="http://schemas.openxmlformats.org/markup-compatibility/2006">
+    <mc:Choice xmlns:p14="http://schemas.microsoft.com/office/powerpoint/2010/main" Requires="p14">
       <p:transition spd="med" p14:dur="700">
         <p:fade/>
       </p:transition>
     </mc:Choice>
-    <mc:Fallback xmlns="">
-      <p:transition spd="med">
+    <mc:Fallback>
+      <p:transition xmlns:p14="http://schemas.microsoft.com/office/powerpoint/2010/main" spd="med">
         <p:fade/>
       </p:transition>
     </mc:Fallback>
@@ -19494,7 +19905,7 @@
           <a:p>
             <a:r>
               <a:rPr lang="en-US" dirty="0" smtClean="0"/>
-              <a:t>Hints</a:t>
+              <a:t>Getting started tips…</a:t>
             </a:r>
             <a:endParaRPr lang="en-US" dirty="0"/>
           </a:p>
@@ -19502,87 +19913,151 @@
       </p:sp>
       <p:sp>
         <p:nvSpPr>
-          <p:cNvPr id="3" name="Text Placeholder 2"/>
-          <p:cNvSpPr>
-            <a:spLocks noGrp="1"/>
-          </p:cNvSpPr>
-          <p:nvPr>
-            <p:ph sz="quarter" idx="10"/>
-          </p:nvPr>
-        </p:nvSpPr>
-        <p:spPr/>
+          <p:cNvPr id="5" name="Text Placeholder 4"/>
+          <p:cNvSpPr>
+            <a:spLocks noGrp="1"/>
+          </p:cNvSpPr>
+          <p:nvPr>
+            <p:ph type="body" sz="quarter" idx="10"/>
+          </p:nvPr>
+        </p:nvSpPr>
+        <p:spPr>
+          <a:xfrm>
+            <a:off x="457200" y="1143000"/>
+            <a:ext cx="11547642" cy="5257800"/>
+          </a:xfrm>
+        </p:spPr>
         <p:txBody>
           <a:bodyPr/>
           <a:lstStyle/>
           <a:p>
             <a:r>
-              <a:rPr lang="en-US" i="1" dirty="0">
-                <a:solidFill>
-                  <a:srgbClr val="408080"/>
-                </a:solidFill>
-              </a:rPr>
-              <a:t># The following script assumes that apache2, </a:t>
-            </a:r>
-            <a:r>
-              <a:rPr lang="en-US" i="1" dirty="0" err="1">
-                <a:solidFill>
-                  <a:srgbClr val="408080"/>
-                </a:solidFill>
-              </a:rPr>
-              <a:t>mysql</a:t>
-            </a:r>
-            <a:r>
-              <a:rPr lang="en-US" i="1" dirty="0">
-                <a:solidFill>
-                  <a:srgbClr val="408080"/>
-                </a:solidFill>
-              </a:rPr>
-              <a:t>, and unzip have been installed.</a:t>
-            </a:r>
-          </a:p>
-        </p:txBody>
-      </p:sp>
-      <p:sp>
-        <p:nvSpPr>
-          <p:cNvPr id="4" name="Content Placeholder 3"/>
-          <p:cNvSpPr>
-            <a:spLocks noGrp="1"/>
-          </p:cNvSpPr>
-          <p:nvPr>
-            <p:ph sz="quarter" idx="11"/>
-          </p:nvPr>
-        </p:nvSpPr>
-        <p:spPr/>
-        <p:txBody>
-          <a:bodyPr/>
-          <a:lstStyle/>
-          <a:p>
-            <a:r>
-              <a:rPr lang="en-US" dirty="0" err="1" smtClean="0">
+              <a:rPr lang="en-US" sz="3800" dirty="0" smtClean="0"/>
+              <a:t>You </a:t>
+            </a:r>
+            <a:r>
+              <a:rPr lang="en-US" sz="3800" dirty="0"/>
+              <a:t>can start with the default recipe, </a:t>
+            </a:r>
+            <a:r>
+              <a:rPr lang="en-US" sz="3800" dirty="0" err="1">
                 <a:latin typeface="Courier"/>
                 <a:cs typeface="Courier"/>
               </a:rPr>
-              <a:t>mysql</a:t>
-            </a:r>
-            <a:r>
-              <a:rPr lang="en-US" dirty="0" smtClean="0">
+              <a:t>default.rb</a:t>
+            </a:r>
+            <a:endParaRPr lang="en-US" sz="3800" dirty="0" smtClean="0"/>
+          </a:p>
+          <a:p>
+            <a:endParaRPr lang="en-US" sz="3800" dirty="0" smtClean="0"/>
+          </a:p>
+          <a:p>
+            <a:r>
+              <a:rPr lang="en-US" sz="3800" dirty="0" smtClean="0"/>
+              <a:t>Backup to </a:t>
+            </a:r>
+            <a:r>
+              <a:rPr lang="en-US" sz="3800" dirty="0" err="1" smtClean="0"/>
+              <a:t>GitHub</a:t>
+            </a:r>
+            <a:r>
+              <a:rPr lang="en-US" sz="3800" dirty="0" smtClean="0"/>
+              <a:t> regularly</a:t>
+            </a:r>
+          </a:p>
+          <a:p>
+            <a:pPr marL="225425" lvl="1" indent="0">
+              <a:buNone/>
+            </a:pPr>
+            <a:r>
+              <a:rPr lang="en-US" sz="3200" dirty="0" smtClean="0">
                 <a:latin typeface="Courier"/>
                 <a:cs typeface="Courier"/>
               </a:rPr>
-              <a:t>-server</a:t>
-            </a:r>
-            <a:r>
-              <a:rPr lang="en-US" dirty="0" smtClean="0"/>
-              <a:t> is probably the package you’re looking for.</a:t>
-            </a:r>
-            <a:endParaRPr lang="en-US" dirty="0"/>
+              <a:t>$ </a:t>
+            </a:r>
+            <a:r>
+              <a:rPr lang="en-US" sz="3200" dirty="0" err="1" smtClean="0">
+                <a:latin typeface="Courier"/>
+                <a:cs typeface="Courier"/>
+              </a:rPr>
+              <a:t>git</a:t>
+            </a:r>
+            <a:r>
+              <a:rPr lang="en-US" sz="3200" dirty="0" smtClean="0">
+                <a:latin typeface="Courier"/>
+                <a:cs typeface="Courier"/>
+              </a:rPr>
+              <a:t> </a:t>
+            </a:r>
+            <a:r>
+              <a:rPr lang="en-US" sz="3200" dirty="0">
+                <a:latin typeface="Courier"/>
+                <a:cs typeface="Courier"/>
+              </a:rPr>
+              <a:t>commit -am </a:t>
+            </a:r>
+            <a:r>
+              <a:rPr lang="en-US" sz="3200" dirty="0" smtClean="0">
+                <a:latin typeface="Courier"/>
+                <a:cs typeface="Courier"/>
+              </a:rPr>
+              <a:t>"</a:t>
+            </a:r>
+            <a:r>
+              <a:rPr lang="en-US" sz="3200" i="1" dirty="0" smtClean="0">
+                <a:latin typeface="Courier"/>
+                <a:cs typeface="Courier"/>
+              </a:rPr>
+              <a:t>commit message here</a:t>
+            </a:r>
+            <a:r>
+              <a:rPr lang="en-US" sz="3200" dirty="0" smtClean="0">
+                <a:latin typeface="Courier"/>
+                <a:cs typeface="Courier"/>
+              </a:rPr>
+              <a:t>"</a:t>
+            </a:r>
+          </a:p>
+          <a:p>
+            <a:pPr marL="225425" lvl="1" indent="0">
+              <a:buNone/>
+            </a:pPr>
+            <a:r>
+              <a:rPr lang="en-US" sz="3200" dirty="0" smtClean="0">
+                <a:latin typeface="Courier"/>
+                <a:cs typeface="Courier"/>
+              </a:rPr>
+              <a:t>$ </a:t>
+            </a:r>
+            <a:r>
+              <a:rPr lang="en-US" sz="3200" dirty="0" err="1" smtClean="0">
+                <a:latin typeface="Courier"/>
+                <a:cs typeface="Courier"/>
+              </a:rPr>
+              <a:t>git</a:t>
+            </a:r>
+            <a:r>
+              <a:rPr lang="en-US" sz="3200" dirty="0" smtClean="0">
+                <a:latin typeface="Courier"/>
+                <a:cs typeface="Courier"/>
+              </a:rPr>
+              <a:t> push</a:t>
+            </a:r>
+            <a:endParaRPr lang="en-US" sz="3200" dirty="0">
+              <a:latin typeface="Courier"/>
+              <a:cs typeface="Courier"/>
+            </a:endParaRPr>
+          </a:p>
+          <a:p>
+            <a:endParaRPr lang="en-US" sz="3800" dirty="0" smtClean="0"/>
           </a:p>
         </p:txBody>
       </p:sp>
     </p:spTree>
     <p:extLst>
       <p:ext uri="{BB962C8B-B14F-4D97-AF65-F5344CB8AC3E}">
-        <p14:creationId xmlns:p14="http://schemas.microsoft.com/office/powerpoint/2010/main" val="2509635953"/>
+        <p14:creationId xmlns:p14="http://schemas.microsoft.com/office/powerpoint/2010/main" val="2820955247"/>
       </p:ext>
     </p:extLst>
   </p:cSld>
@@ -19717,7 +20192,7 @@
     </p:spTree>
     <p:extLst>
       <p:ext uri="{BB962C8B-B14F-4D97-AF65-F5344CB8AC3E}">
-        <p14:creationId xmlns:p14="http://schemas.microsoft.com/office/powerpoint/2010/main" val="1914539579"/>
+        <p14:creationId xmlns:p14="http://schemas.microsoft.com/office/powerpoint/2010/main" val="1258448321"/>
       </p:ext>
     </p:extLst>
   </p:cSld>
@@ -20092,7 +20567,7 @@
       </p:sp>
       <p:sp>
         <p:nvSpPr>
-          <p:cNvPr id="3" name="Content Placeholder 2"/>
+          <p:cNvPr id="3" name="Text Placeholder 2"/>
           <p:cNvSpPr>
             <a:spLocks noGrp="1"/>
           </p:cNvSpPr>
@@ -20111,7 +20586,7 @@
                   <a:srgbClr val="408080"/>
                 </a:solidFill>
               </a:rPr>
-              <a:t># 1. </a:t>
+              <a:t># The following script assumes that apache2, </a:t>
             </a:r>
             <a:r>
               <a:rPr lang="en-US" i="1" dirty="0" err="1">
@@ -20119,7 +20594,7 @@
                   <a:srgbClr val="408080"/>
                 </a:solidFill>
               </a:rPr>
-              <a:t>wget</a:t>
+              <a:t>mysql</a:t>
             </a:r>
             <a:r>
               <a:rPr lang="en-US" i="1" dirty="0">
@@ -20127,131 +20602,8 @@
                   <a:srgbClr val="408080"/>
                 </a:solidFill>
               </a:rPr>
-              <a:t> https://</a:t>
-            </a:r>
-            <a:r>
-              <a:rPr lang="en-US" i="1" dirty="0" err="1">
-                <a:solidFill>
-                  <a:srgbClr val="408080"/>
-                </a:solidFill>
-              </a:rPr>
-              <a:t>github.com</a:t>
-            </a:r>
-            <a:r>
-              <a:rPr lang="en-US" i="1" dirty="0">
-                <a:solidFill>
-                  <a:srgbClr val="408080"/>
-                </a:solidFill>
-              </a:rPr>
-              <a:t>/</a:t>
-            </a:r>
-            <a:r>
-              <a:rPr lang="en-US" i="1" dirty="0" err="1">
-                <a:solidFill>
-                  <a:srgbClr val="408080"/>
-                </a:solidFill>
-              </a:rPr>
-              <a:t>colincam</a:t>
-            </a:r>
-            <a:r>
-              <a:rPr lang="en-US" i="1" dirty="0">
-                <a:solidFill>
-                  <a:srgbClr val="408080"/>
-                </a:solidFill>
-              </a:rPr>
-              <a:t>/Awesome-Appliance-Repair/archive/</a:t>
-            </a:r>
-            <a:r>
-              <a:rPr lang="en-US" i="1" dirty="0" err="1">
-                <a:solidFill>
-                  <a:srgbClr val="408080"/>
-                </a:solidFill>
-              </a:rPr>
-              <a:t>master.zip</a:t>
-            </a:r>
-            <a:endParaRPr lang="en-US" i="1" dirty="0">
-              <a:solidFill>
-                <a:srgbClr val="408080"/>
-              </a:solidFill>
-            </a:endParaRPr>
-          </a:p>
-          <a:p>
-            <a:r>
-              <a:rPr lang="en-US" i="1" dirty="0">
-                <a:solidFill>
-                  <a:srgbClr val="408080"/>
-                </a:solidFill>
-              </a:rPr>
-              <a:t># 2. unzip </a:t>
-            </a:r>
-            <a:r>
-              <a:rPr lang="en-US" i="1" dirty="0" err="1">
-                <a:solidFill>
-                  <a:srgbClr val="408080"/>
-                </a:solidFill>
-              </a:rPr>
-              <a:t>master.zip</a:t>
-            </a:r>
-            <a:endParaRPr lang="en-US" i="1" dirty="0">
-              <a:solidFill>
-                <a:srgbClr val="408080"/>
-              </a:solidFill>
-            </a:endParaRPr>
-          </a:p>
-          <a:p>
-            <a:r>
-              <a:rPr lang="en-US" i="1" dirty="0">
-                <a:solidFill>
-                  <a:srgbClr val="408080"/>
-                </a:solidFill>
-              </a:rPr>
-              <a:t># 3. cd into Awesome-Appliance-Repair</a:t>
-            </a:r>
-          </a:p>
-          <a:p>
-            <a:r>
-              <a:rPr lang="en-US" i="1" dirty="0">
-                <a:solidFill>
-                  <a:srgbClr val="408080"/>
-                </a:solidFill>
-              </a:rPr>
-              <a:t># 4. </a:t>
-            </a:r>
-            <a:r>
-              <a:rPr lang="en-US" i="1" dirty="0" err="1">
-                <a:solidFill>
-                  <a:srgbClr val="408080"/>
-                </a:solidFill>
-              </a:rPr>
-              <a:t>sudo</a:t>
-            </a:r>
-            <a:r>
-              <a:rPr lang="en-US" i="1" dirty="0">
-                <a:solidFill>
-                  <a:srgbClr val="408080"/>
-                </a:solidFill>
-              </a:rPr>
-              <a:t> mv AAR to /</a:t>
-            </a:r>
-            <a:r>
-              <a:rPr lang="en-US" i="1" dirty="0" err="1">
-                <a:solidFill>
-                  <a:srgbClr val="408080"/>
-                </a:solidFill>
-              </a:rPr>
-              <a:t>var</a:t>
-            </a:r>
-            <a:r>
-              <a:rPr lang="en-US" i="1" dirty="0">
-                <a:solidFill>
-                  <a:srgbClr val="408080"/>
-                </a:solidFill>
-              </a:rPr>
-              <a:t>/www/</a:t>
-            </a:r>
-          </a:p>
-          <a:p>
-            <a:endParaRPr lang="en-US" dirty="0"/>
+              <a:t>, and unzip have been installed.</a:t>
+            </a:r>
           </a:p>
         </p:txBody>
       </p:sp>
@@ -20271,14 +20623,22 @@
           <a:lstStyle/>
           <a:p>
             <a:r>
-              <a:rPr lang="en-US" dirty="0" smtClean="0"/>
-              <a:t>Do you need to download every time the chef-client runs?</a:t>
-            </a:r>
-          </a:p>
-          <a:p>
-            <a:r>
-              <a:rPr lang="en-US" dirty="0" smtClean="0"/>
-              <a:t>What are the pros and cons of doing so?</a:t>
+              <a:rPr lang="en-US" dirty="0" err="1" smtClean="0">
+                <a:latin typeface="Courier"/>
+                <a:cs typeface="Courier"/>
+              </a:rPr>
+              <a:t>mysql</a:t>
+            </a:r>
+            <a:r>
+              <a:rPr lang="en-US" dirty="0" smtClean="0">
+                <a:latin typeface="Courier"/>
+                <a:cs typeface="Courier"/>
+              </a:rPr>
+              <a:t>-server</a:t>
+            </a:r>
+            <a:r>
+              <a:rPr lang="en-US" dirty="0" smtClean="0"/>
+              <a:t> is probably the package you’re looking for.</a:t>
             </a:r>
             <a:endParaRPr lang="en-US" dirty="0"/>
           </a:p>
@@ -20287,7 +20647,7 @@
     </p:spTree>
     <p:extLst>
       <p:ext uri="{BB962C8B-B14F-4D97-AF65-F5344CB8AC3E}">
-        <p14:creationId xmlns:p14="http://schemas.microsoft.com/office/powerpoint/2010/main" val="1819554793"/>
+        <p14:creationId xmlns:p14="http://schemas.microsoft.com/office/powerpoint/2010/main" val="2509635953"/>
       </p:ext>
     </p:extLst>
   </p:cSld>
@@ -20422,7 +20782,7 @@
     </p:spTree>
     <p:extLst>
       <p:ext uri="{BB962C8B-B14F-4D97-AF65-F5344CB8AC3E}">
-        <p14:creationId xmlns:p14="http://schemas.microsoft.com/office/powerpoint/2010/main" val="776143540"/>
+        <p14:creationId xmlns:p14="http://schemas.microsoft.com/office/powerpoint/2010/main" val="1914539579"/>
       </p:ext>
     </p:extLst>
   </p:cSld>
@@ -20686,9 +21046,7 @@
         </p:nvSpPr>
         <p:spPr/>
         <p:txBody>
-          <a:bodyPr>
-            <a:normAutofit fontScale="25000" lnSpcReduction="20000"/>
-          </a:bodyPr>
+          <a:bodyPr/>
           <a:lstStyle/>
           <a:p>
             <a:r>
@@ -20697,660 +21055,143 @@
                   <a:srgbClr val="408080"/>
                 </a:solidFill>
               </a:rPr>
-              <a:t># Create DB, user, and permissions</a:t>
-            </a:r>
-          </a:p>
-          <a:p>
-            <a:r>
-              <a:rPr lang="en-US" dirty="0"/>
-              <a:t>    </a:t>
-            </a:r>
-            <a:r>
-              <a:rPr lang="en-US" b="1" dirty="0">
-                <a:solidFill>
-                  <a:srgbClr val="008000"/>
-                </a:solidFill>
-              </a:rPr>
-              <a:t>import </a:t>
-            </a:r>
-            <a:r>
-              <a:rPr lang="en-US" b="1" dirty="0" err="1">
-                <a:solidFill>
-                  <a:srgbClr val="0000FF"/>
-                </a:solidFill>
-              </a:rPr>
-              <a:t>MySQLdb</a:t>
-            </a:r>
-            <a:endParaRPr lang="en-US" b="1" dirty="0">
+              <a:t># 1. </a:t>
+            </a:r>
+            <a:r>
+              <a:rPr lang="en-US" i="1" dirty="0" err="1">
+                <a:solidFill>
+                  <a:srgbClr val="408080"/>
+                </a:solidFill>
+              </a:rPr>
+              <a:t>wget</a:t>
+            </a:r>
+            <a:r>
+              <a:rPr lang="en-US" i="1" dirty="0">
+                <a:solidFill>
+                  <a:srgbClr val="408080"/>
+                </a:solidFill>
+              </a:rPr>
+              <a:t> https://</a:t>
+            </a:r>
+            <a:r>
+              <a:rPr lang="en-US" i="1" dirty="0" err="1">
+                <a:solidFill>
+                  <a:srgbClr val="408080"/>
+                </a:solidFill>
+              </a:rPr>
+              <a:t>github.com</a:t>
+            </a:r>
+            <a:r>
+              <a:rPr lang="en-US" i="1" dirty="0">
+                <a:solidFill>
+                  <a:srgbClr val="408080"/>
+                </a:solidFill>
+              </a:rPr>
+              <a:t>/</a:t>
+            </a:r>
+            <a:r>
+              <a:rPr lang="en-US" i="1" dirty="0" err="1">
+                <a:solidFill>
+                  <a:srgbClr val="408080"/>
+                </a:solidFill>
+              </a:rPr>
+              <a:t>colincam</a:t>
+            </a:r>
+            <a:r>
+              <a:rPr lang="en-US" i="1" dirty="0">
+                <a:solidFill>
+                  <a:srgbClr val="408080"/>
+                </a:solidFill>
+              </a:rPr>
+              <a:t>/Awesome-Appliance-Repair/archive/</a:t>
+            </a:r>
+            <a:r>
+              <a:rPr lang="en-US" i="1" dirty="0" err="1">
+                <a:solidFill>
+                  <a:srgbClr val="408080"/>
+                </a:solidFill>
+              </a:rPr>
+              <a:t>master.zip</a:t>
+            </a:r>
+            <a:endParaRPr lang="en-US" i="1" dirty="0">
               <a:solidFill>
-                <a:srgbClr val="0000FF"/>
+                <a:srgbClr val="408080"/>
               </a:solidFill>
             </a:endParaRPr>
           </a:p>
           <a:p>
             <a:r>
-              <a:rPr lang="en-US" dirty="0"/>
-              <a:t>    </a:t>
-            </a:r>
-            <a:r>
-              <a:rPr lang="en-US" dirty="0" err="1"/>
-              <a:t>db</a:t>
-            </a:r>
-            <a:r>
-              <a:rPr lang="en-US" dirty="0"/>
-              <a:t> </a:t>
-            </a:r>
-            <a:r>
-              <a:rPr lang="en-US" dirty="0">
-                <a:solidFill>
-                  <a:srgbClr val="666666"/>
-                </a:solidFill>
-              </a:rPr>
-              <a:t>= </a:t>
-            </a:r>
-            <a:r>
-              <a:rPr lang="en-US" dirty="0" err="1">
-                <a:solidFill>
-                  <a:srgbClr val="666666"/>
-                </a:solidFill>
-              </a:rPr>
-              <a:t>MySQLdb.connect</a:t>
-            </a:r>
-            <a:r>
-              <a:rPr lang="en-US" dirty="0">
-                <a:solidFill>
-                  <a:srgbClr val="666666"/>
-                </a:solidFill>
-              </a:rPr>
-              <a:t>(host=</a:t>
-            </a:r>
-            <a:r>
-              <a:rPr lang="en-US" dirty="0">
-                <a:solidFill>
-                  <a:srgbClr val="BA2121"/>
-                </a:solidFill>
-              </a:rPr>
-              <a:t>'</a:t>
-            </a:r>
-            <a:r>
-              <a:rPr lang="en-US" dirty="0" err="1">
-                <a:solidFill>
-                  <a:srgbClr val="BA2121"/>
-                </a:solidFill>
-              </a:rPr>
-              <a:t>localhost</a:t>
-            </a:r>
-            <a:r>
-              <a:rPr lang="en-US" dirty="0">
-                <a:solidFill>
-                  <a:srgbClr val="BA2121"/>
-                </a:solidFill>
-              </a:rPr>
-              <a:t>', user</a:t>
-            </a:r>
-            <a:r>
-              <a:rPr lang="en-US" dirty="0">
-                <a:solidFill>
-                  <a:srgbClr val="666666"/>
-                </a:solidFill>
-              </a:rPr>
-              <a:t>=</a:t>
-            </a:r>
-            <a:r>
-              <a:rPr lang="en-US" dirty="0">
-                <a:solidFill>
-                  <a:srgbClr val="BA2121"/>
-                </a:solidFill>
-              </a:rPr>
-              <a:t>'root', </a:t>
-            </a:r>
-            <a:r>
-              <a:rPr lang="en-US" dirty="0" err="1">
-                <a:solidFill>
-                  <a:srgbClr val="BA2121"/>
-                </a:solidFill>
-              </a:rPr>
-              <a:t>passwd</a:t>
-            </a:r>
-            <a:r>
-              <a:rPr lang="en-US" dirty="0">
-                <a:solidFill>
-                  <a:srgbClr val="666666"/>
-                </a:solidFill>
-              </a:rPr>
-              <a:t>=</a:t>
-            </a:r>
-            <a:r>
-              <a:rPr lang="en-US" dirty="0" err="1">
-                <a:solidFill>
-                  <a:srgbClr val="666666"/>
-                </a:solidFill>
-              </a:rPr>
-              <a:t>root_dbpswd</a:t>
-            </a:r>
-            <a:r>
-              <a:rPr lang="en-US" dirty="0">
-                <a:solidFill>
-                  <a:srgbClr val="666666"/>
-                </a:solidFill>
-              </a:rPr>
-              <a:t>)</a:t>
-            </a:r>
-          </a:p>
-          <a:p>
-            <a:r>
-              <a:rPr lang="en-US" dirty="0"/>
-              <a:t>    </a:t>
-            </a:r>
-            <a:r>
-              <a:rPr lang="en-US" dirty="0" err="1"/>
-              <a:t>sql_script</a:t>
-            </a:r>
-            <a:r>
-              <a:rPr lang="en-US" dirty="0"/>
-              <a:t> </a:t>
-            </a:r>
-            <a:r>
-              <a:rPr lang="en-US" dirty="0">
-                <a:solidFill>
-                  <a:srgbClr val="666666"/>
-                </a:solidFill>
-              </a:rPr>
-              <a:t>= </a:t>
-            </a:r>
-            <a:r>
-              <a:rPr lang="en-US" dirty="0">
-                <a:solidFill>
-                  <a:srgbClr val="008000"/>
-                </a:solidFill>
-              </a:rPr>
-              <a:t>open(</a:t>
-            </a:r>
-            <a:r>
-              <a:rPr lang="en-US" dirty="0">
-                <a:solidFill>
-                  <a:srgbClr val="BA2121"/>
-                </a:solidFill>
-              </a:rPr>
-              <a:t>'</a:t>
-            </a:r>
-            <a:r>
-              <a:rPr lang="en-US" dirty="0" err="1">
-                <a:solidFill>
-                  <a:srgbClr val="BA2121"/>
-                </a:solidFill>
-              </a:rPr>
-              <a:t>make_AARdb.sql</a:t>
-            </a:r>
-            <a:r>
-              <a:rPr lang="en-US" dirty="0">
-                <a:solidFill>
-                  <a:srgbClr val="BA2121"/>
-                </a:solidFill>
-              </a:rPr>
-              <a:t>', 'r')</a:t>
-            </a:r>
-            <a:r>
-              <a:rPr lang="en-US" dirty="0">
-                <a:solidFill>
-                  <a:srgbClr val="666666"/>
-                </a:solidFill>
-              </a:rPr>
-              <a:t>.read()</a:t>
-            </a:r>
-          </a:p>
-          <a:p>
-            <a:r>
-              <a:rPr lang="en-US" dirty="0"/>
-              <a:t>    </a:t>
-            </a:r>
-          </a:p>
-          <a:p>
-            <a:r>
-              <a:rPr lang="es-ES_tradnl" dirty="0"/>
-              <a:t>    </a:t>
-            </a:r>
-            <a:r>
-              <a:rPr lang="es-ES_tradnl" dirty="0" err="1"/>
-              <a:t>cur</a:t>
-            </a:r>
-            <a:r>
-              <a:rPr lang="es-ES_tradnl" dirty="0"/>
-              <a:t> </a:t>
-            </a:r>
-            <a:r>
-              <a:rPr lang="es-ES_tradnl" dirty="0">
-                <a:solidFill>
-                  <a:srgbClr val="666666"/>
-                </a:solidFill>
-              </a:rPr>
-              <a:t>= </a:t>
-            </a:r>
-            <a:r>
-              <a:rPr lang="es-ES_tradnl" dirty="0" err="1">
-                <a:solidFill>
-                  <a:srgbClr val="666666"/>
-                </a:solidFill>
-              </a:rPr>
-              <a:t>db.cursor</a:t>
-            </a:r>
-            <a:r>
-              <a:rPr lang="es-ES_tradnl" dirty="0">
-                <a:solidFill>
-                  <a:srgbClr val="666666"/>
-                </a:solidFill>
-              </a:rPr>
-              <a:t>()</a:t>
-            </a:r>
-          </a:p>
-          <a:p>
-            <a:r>
-              <a:rPr lang="es-ES_tradnl" dirty="0"/>
-              <a:t>    </a:t>
-            </a:r>
-            <a:r>
-              <a:rPr lang="es-ES_tradnl" dirty="0" err="1"/>
-              <a:t>cur</a:t>
-            </a:r>
-            <a:r>
-              <a:rPr lang="es-ES_tradnl" dirty="0" err="1">
-                <a:solidFill>
-                  <a:srgbClr val="666666"/>
-                </a:solidFill>
-              </a:rPr>
-              <a:t>.execute</a:t>
-            </a:r>
-            <a:r>
-              <a:rPr lang="es-ES_tradnl" dirty="0">
-                <a:solidFill>
-                  <a:srgbClr val="666666"/>
-                </a:solidFill>
-              </a:rPr>
-              <a:t>(</a:t>
-            </a:r>
-            <a:r>
-              <a:rPr lang="es-ES_tradnl" dirty="0" err="1">
-                <a:solidFill>
-                  <a:srgbClr val="666666"/>
-                </a:solidFill>
-              </a:rPr>
-              <a:t>sql_script</a:t>
-            </a:r>
-            <a:r>
-              <a:rPr lang="es-ES_tradnl" dirty="0">
-                <a:solidFill>
-                  <a:srgbClr val="666666"/>
-                </a:solidFill>
-              </a:rPr>
-              <a:t>)</a:t>
-            </a:r>
-          </a:p>
-          <a:p>
-            <a:r>
-              <a:rPr lang="en-US" dirty="0"/>
-              <a:t>    </a:t>
-            </a:r>
-            <a:r>
-              <a:rPr lang="en-US" dirty="0" err="1"/>
-              <a:t>cur</a:t>
-            </a:r>
-            <a:r>
-              <a:rPr lang="en-US" dirty="0" err="1">
-                <a:solidFill>
-                  <a:srgbClr val="666666"/>
-                </a:solidFill>
-              </a:rPr>
-              <a:t>.close</a:t>
-            </a:r>
-            <a:r>
-              <a:rPr lang="en-US" dirty="0">
-                <a:solidFill>
-                  <a:srgbClr val="666666"/>
-                </a:solidFill>
-              </a:rPr>
-              <a:t>()</a:t>
-            </a:r>
-          </a:p>
-          <a:p>
-            <a:r>
-              <a:rPr lang="en-US" dirty="0"/>
-              <a:t>        </a:t>
-            </a:r>
-          </a:p>
-          <a:p>
-            <a:r>
-              <a:rPr lang="es-ES_tradnl" dirty="0"/>
-              <a:t>    </a:t>
-            </a:r>
-            <a:r>
-              <a:rPr lang="es-ES_tradnl" dirty="0" err="1"/>
-              <a:t>cur</a:t>
-            </a:r>
-            <a:r>
-              <a:rPr lang="es-ES_tradnl" dirty="0"/>
-              <a:t> </a:t>
-            </a:r>
-            <a:r>
-              <a:rPr lang="es-ES_tradnl" dirty="0">
-                <a:solidFill>
-                  <a:srgbClr val="666666"/>
-                </a:solidFill>
-              </a:rPr>
-              <a:t>= </a:t>
-            </a:r>
-            <a:r>
-              <a:rPr lang="es-ES_tradnl" dirty="0" err="1">
-                <a:solidFill>
-                  <a:srgbClr val="666666"/>
-                </a:solidFill>
-              </a:rPr>
-              <a:t>db.cursor</a:t>
-            </a:r>
-            <a:r>
-              <a:rPr lang="es-ES_tradnl" dirty="0">
-                <a:solidFill>
-                  <a:srgbClr val="666666"/>
-                </a:solidFill>
-              </a:rPr>
-              <a:t>()</a:t>
-            </a:r>
-          </a:p>
-          <a:p>
-            <a:r>
-              <a:rPr lang="es-ES_tradnl" dirty="0"/>
-              <a:t>    </a:t>
-            </a:r>
-            <a:r>
-              <a:rPr lang="es-ES_tradnl" dirty="0" err="1"/>
-              <a:t>cur</a:t>
-            </a:r>
-            <a:r>
-              <a:rPr lang="es-ES_tradnl" dirty="0" err="1">
-                <a:solidFill>
-                  <a:srgbClr val="666666"/>
-                </a:solidFill>
-              </a:rPr>
-              <a:t>.execute</a:t>
-            </a:r>
-            <a:r>
-              <a:rPr lang="es-ES_tradnl" dirty="0">
-                <a:solidFill>
-                  <a:srgbClr val="666666"/>
-                </a:solidFill>
-              </a:rPr>
-              <a:t>(</a:t>
-            </a:r>
-            <a:r>
-              <a:rPr lang="es-ES_tradnl" dirty="0">
-                <a:solidFill>
-                  <a:srgbClr val="BA2121"/>
-                </a:solidFill>
-              </a:rPr>
-              <a:t>'use </a:t>
-            </a:r>
-            <a:r>
-              <a:rPr lang="es-ES_tradnl" dirty="0" err="1">
-                <a:solidFill>
-                  <a:srgbClr val="BA2121"/>
-                </a:solidFill>
-              </a:rPr>
-              <a:t>AARdb</a:t>
-            </a:r>
-            <a:r>
-              <a:rPr lang="es-ES_tradnl" dirty="0">
-                <a:solidFill>
-                  <a:srgbClr val="BA2121"/>
-                </a:solidFill>
-              </a:rPr>
-              <a:t>')</a:t>
-            </a:r>
-          </a:p>
-          <a:p>
-            <a:r>
-              <a:rPr lang="es-ES_tradnl" dirty="0"/>
-              <a:t>    </a:t>
-            </a:r>
-            <a:r>
-              <a:rPr lang="es-ES_tradnl" dirty="0" err="1"/>
-              <a:t>cur</a:t>
-            </a:r>
-            <a:r>
-              <a:rPr lang="es-ES_tradnl" dirty="0" err="1">
-                <a:solidFill>
-                  <a:srgbClr val="666666"/>
-                </a:solidFill>
-              </a:rPr>
-              <a:t>.execute</a:t>
-            </a:r>
-            <a:r>
-              <a:rPr lang="es-ES_tradnl" dirty="0">
-                <a:solidFill>
-                  <a:srgbClr val="666666"/>
-                </a:solidFill>
-              </a:rPr>
-              <a:t>(</a:t>
-            </a:r>
-            <a:r>
-              <a:rPr lang="es-ES_tradnl" dirty="0">
-                <a:solidFill>
-                  <a:srgbClr val="BA2121"/>
-                </a:solidFill>
-              </a:rPr>
-              <a:t>"CREATE USER '</a:t>
-            </a:r>
-            <a:r>
-              <a:rPr lang="es-ES_tradnl" dirty="0" err="1">
-                <a:solidFill>
-                  <a:srgbClr val="BA2121"/>
-                </a:solidFill>
-              </a:rPr>
-              <a:t>aarapp</a:t>
-            </a:r>
-            <a:r>
-              <a:rPr lang="es-ES_tradnl" dirty="0">
-                <a:solidFill>
-                  <a:srgbClr val="BA2121"/>
-                </a:solidFill>
-              </a:rPr>
-              <a:t>'@'</a:t>
-            </a:r>
-            <a:r>
-              <a:rPr lang="es-ES_tradnl" dirty="0" err="1">
-                <a:solidFill>
-                  <a:srgbClr val="BA2121"/>
-                </a:solidFill>
-              </a:rPr>
-              <a:t>localhost</a:t>
-            </a:r>
-            <a:r>
-              <a:rPr lang="es-ES_tradnl" dirty="0">
-                <a:solidFill>
-                  <a:srgbClr val="BA2121"/>
-                </a:solidFill>
-              </a:rPr>
-              <a:t>' IDENTIFIED BY </a:t>
-            </a:r>
-            <a:r>
-              <a:rPr lang="es-ES_tradnl" b="1" dirty="0">
-                <a:solidFill>
-                  <a:srgbClr val="BB6688"/>
-                </a:solidFill>
-              </a:rPr>
-              <a:t>%s</a:t>
-            </a:r>
-            <a:r>
-              <a:rPr lang="es-ES_tradnl" b="1" dirty="0">
-                <a:solidFill>
-                  <a:srgbClr val="BA2121"/>
-                </a:solidFill>
-              </a:rPr>
-              <a:t>", (</a:t>
-            </a:r>
-            <a:r>
-              <a:rPr lang="es-ES_tradnl" b="1" dirty="0" err="1">
-                <a:solidFill>
-                  <a:srgbClr val="BA2121"/>
-                </a:solidFill>
-              </a:rPr>
-              <a:t>appdbpw</a:t>
-            </a:r>
-            <a:r>
-              <a:rPr lang="es-ES_tradnl" b="1" dirty="0">
-                <a:solidFill>
-                  <a:srgbClr val="BA2121"/>
-                </a:solidFill>
-              </a:rPr>
-              <a:t>,))</a:t>
-            </a:r>
-          </a:p>
-          <a:p>
-            <a:r>
-              <a:rPr lang="es-ES_tradnl" dirty="0"/>
-              <a:t>    </a:t>
-            </a:r>
-            <a:r>
-              <a:rPr lang="es-ES_tradnl" dirty="0" err="1"/>
-              <a:t>cur</a:t>
-            </a:r>
-            <a:r>
-              <a:rPr lang="es-ES_tradnl" dirty="0" err="1">
-                <a:solidFill>
-                  <a:srgbClr val="666666"/>
-                </a:solidFill>
-              </a:rPr>
-              <a:t>.execute</a:t>
-            </a:r>
-            <a:r>
-              <a:rPr lang="es-ES_tradnl" dirty="0">
-                <a:solidFill>
-                  <a:srgbClr val="666666"/>
-                </a:solidFill>
-              </a:rPr>
-              <a:t>(</a:t>
-            </a:r>
-            <a:r>
-              <a:rPr lang="es-ES_tradnl" dirty="0">
-                <a:solidFill>
-                  <a:srgbClr val="BA2121"/>
-                </a:solidFill>
-              </a:rPr>
-              <a:t>"GRANT CREATE,INSERT,DELETE,UPDATE,SELECT </a:t>
-            </a:r>
-            <a:r>
-              <a:rPr lang="es-ES_tradnl" dirty="0" err="1">
-                <a:solidFill>
-                  <a:srgbClr val="BA2121"/>
-                </a:solidFill>
-              </a:rPr>
-              <a:t>on</a:t>
-            </a:r>
-            <a:r>
-              <a:rPr lang="es-ES_tradnl" dirty="0">
-                <a:solidFill>
-                  <a:srgbClr val="BA2121"/>
-                </a:solidFill>
-              </a:rPr>
-              <a:t> </a:t>
-            </a:r>
-            <a:r>
-              <a:rPr lang="es-ES_tradnl" dirty="0" err="1">
-                <a:solidFill>
-                  <a:srgbClr val="BA2121"/>
-                </a:solidFill>
-              </a:rPr>
-              <a:t>AARdb</a:t>
-            </a:r>
-            <a:r>
-              <a:rPr lang="es-ES_tradnl" dirty="0">
-                <a:solidFill>
-                  <a:srgbClr val="BA2121"/>
-                </a:solidFill>
-              </a:rPr>
-              <a:t>.* </a:t>
-            </a:r>
-            <a:r>
-              <a:rPr lang="es-ES_tradnl" dirty="0" err="1">
-                <a:solidFill>
-                  <a:srgbClr val="BA2121"/>
-                </a:solidFill>
-              </a:rPr>
-              <a:t>to</a:t>
-            </a:r>
-            <a:r>
-              <a:rPr lang="es-ES_tradnl" dirty="0">
-                <a:solidFill>
-                  <a:srgbClr val="BA2121"/>
-                </a:solidFill>
-              </a:rPr>
-              <a:t> </a:t>
-            </a:r>
-            <a:r>
-              <a:rPr lang="es-ES_tradnl" dirty="0" err="1">
-                <a:solidFill>
-                  <a:srgbClr val="BA2121"/>
-                </a:solidFill>
-              </a:rPr>
-              <a:t>aarapp@localhost</a:t>
-            </a:r>
-            <a:r>
-              <a:rPr lang="es-ES_tradnl" dirty="0">
-                <a:solidFill>
-                  <a:srgbClr val="BA2121"/>
-                </a:solidFill>
-              </a:rPr>
-              <a:t>")</a:t>
-            </a:r>
-          </a:p>
-          <a:p>
-            <a:r>
-              <a:rPr lang="en-US" dirty="0"/>
-              <a:t>    </a:t>
-            </a:r>
-            <a:r>
-              <a:rPr lang="en-US" dirty="0" err="1"/>
-              <a:t>cur</a:t>
-            </a:r>
-            <a:r>
-              <a:rPr lang="en-US" dirty="0" err="1">
-                <a:solidFill>
-                  <a:srgbClr val="666666"/>
-                </a:solidFill>
-              </a:rPr>
-              <a:t>.close</a:t>
-            </a:r>
-            <a:r>
-              <a:rPr lang="en-US" dirty="0">
-                <a:solidFill>
-                  <a:srgbClr val="666666"/>
-                </a:solidFill>
-              </a:rPr>
-              <a:t>()</a:t>
-            </a:r>
-          </a:p>
-          <a:p>
-            <a:r>
-              <a:rPr lang="en-US" dirty="0"/>
-              <a:t>    </a:t>
-            </a:r>
-            <a:r>
-              <a:rPr lang="en-US" dirty="0" err="1"/>
-              <a:t>db</a:t>
-            </a:r>
-            <a:r>
-              <a:rPr lang="en-US" dirty="0" err="1">
-                <a:solidFill>
-                  <a:srgbClr val="666666"/>
-                </a:solidFill>
-              </a:rPr>
-              <a:t>.close</a:t>
-            </a:r>
-            <a:r>
-              <a:rPr lang="en-US" dirty="0">
-                <a:solidFill>
-                  <a:srgbClr val="666666"/>
-                </a:solidFill>
-              </a:rPr>
-              <a:t>()</a:t>
+              <a:rPr lang="en-US" i="1" dirty="0">
+                <a:solidFill>
+                  <a:srgbClr val="408080"/>
+                </a:solidFill>
+              </a:rPr>
+              <a:t># 2. unzip </a:t>
+            </a:r>
+            <a:r>
+              <a:rPr lang="en-US" i="1" dirty="0" err="1">
+                <a:solidFill>
+                  <a:srgbClr val="408080"/>
+                </a:solidFill>
+              </a:rPr>
+              <a:t>master.zip</a:t>
+            </a:r>
+            <a:endParaRPr lang="en-US" i="1" dirty="0">
+              <a:solidFill>
+                <a:srgbClr val="408080"/>
+              </a:solidFill>
+            </a:endParaRPr>
+          </a:p>
+          <a:p>
+            <a:r>
+              <a:rPr lang="en-US" i="1" dirty="0">
+                <a:solidFill>
+                  <a:srgbClr val="408080"/>
+                </a:solidFill>
+              </a:rPr>
+              <a:t># 3. cd into Awesome-Appliance-Repair</a:t>
+            </a:r>
+          </a:p>
+          <a:p>
+            <a:r>
+              <a:rPr lang="en-US" i="1" dirty="0">
+                <a:solidFill>
+                  <a:srgbClr val="408080"/>
+                </a:solidFill>
+              </a:rPr>
+              <a:t># 4. </a:t>
+            </a:r>
+            <a:r>
+              <a:rPr lang="en-US" i="1" dirty="0" err="1">
+                <a:solidFill>
+                  <a:srgbClr val="408080"/>
+                </a:solidFill>
+              </a:rPr>
+              <a:t>sudo</a:t>
+            </a:r>
+            <a:r>
+              <a:rPr lang="en-US" i="1" dirty="0">
+                <a:solidFill>
+                  <a:srgbClr val="408080"/>
+                </a:solidFill>
+              </a:rPr>
+              <a:t> mv AAR to /</a:t>
+            </a:r>
+            <a:r>
+              <a:rPr lang="en-US" i="1" dirty="0" err="1">
+                <a:solidFill>
+                  <a:srgbClr val="408080"/>
+                </a:solidFill>
+              </a:rPr>
+              <a:t>var</a:t>
+            </a:r>
+            <a:r>
+              <a:rPr lang="en-US" i="1" dirty="0">
+                <a:solidFill>
+                  <a:srgbClr val="408080"/>
+                </a:solidFill>
+              </a:rPr>
+              <a:t>/www/</a:t>
             </a:r>
           </a:p>
           <a:p>
@@ -21375,13 +21216,13 @@
           <a:p>
             <a:r>
               <a:rPr lang="en-US" dirty="0" smtClean="0"/>
-              <a:t>Should you do this every time the chef-client runs?</a:t>
-            </a:r>
-          </a:p>
-          <a:p>
-            <a:r>
-              <a:rPr lang="en-US" dirty="0" smtClean="0"/>
-              <a:t>How would you prevent that from happening?</a:t>
+              <a:t>Do you need to download every time the chef-client runs?</a:t>
+            </a:r>
+          </a:p>
+          <a:p>
+            <a:r>
+              <a:rPr lang="en-US" dirty="0" smtClean="0"/>
+              <a:t>What are the pros and cons of doing so?</a:t>
             </a:r>
             <a:endParaRPr lang="en-US" dirty="0"/>
           </a:p>
@@ -21390,7 +21231,7 @@
     </p:spTree>
     <p:extLst>
       <p:ext uri="{BB962C8B-B14F-4D97-AF65-F5344CB8AC3E}">
-        <p14:creationId xmlns:p14="http://schemas.microsoft.com/office/powerpoint/2010/main" val="2194459015"/>
+        <p14:creationId xmlns:p14="http://schemas.microsoft.com/office/powerpoint/2010/main" val="1819554793"/>
       </p:ext>
     </p:extLst>
   </p:cSld>
@@ -21525,7 +21366,7 @@
     </p:spTree>
     <p:extLst>
       <p:ext uri="{BB962C8B-B14F-4D97-AF65-F5344CB8AC3E}">
-        <p14:creationId xmlns:p14="http://schemas.microsoft.com/office/powerpoint/2010/main" val="3284835641"/>
+        <p14:creationId xmlns:p14="http://schemas.microsoft.com/office/powerpoint/2010/main" val="776143540"/>
       </p:ext>
     </p:extLst>
   </p:cSld>
@@ -21708,7 +21549,7 @@
     </p:spTree>
     <p:extLst>
       <p:ext uri="{BB962C8B-B14F-4D97-AF65-F5344CB8AC3E}">
-        <p14:creationId xmlns:p14="http://schemas.microsoft.com/office/powerpoint/2010/main" val="3816228750"/>
+        <p14:creationId xmlns:p14="http://schemas.microsoft.com/office/powerpoint/2010/main" val="1089945037"/>
       </p:ext>
     </p:extLst>
   </p:cSld>
@@ -21771,7 +21612,7 @@
           <a:p>
             <a:r>
               <a:rPr lang="en-US" dirty="0" smtClean="0"/>
-              <a:t>Next steps</a:t>
+              <a:t>Hints</a:t>
             </a:r>
             <a:endParaRPr lang="en-US" dirty="0"/>
           </a:p>
@@ -21779,80 +21620,712 @@
       </p:sp>
       <p:sp>
         <p:nvSpPr>
-          <p:cNvPr id="3" name="Text Placeholder 2"/>
-          <p:cNvSpPr>
-            <a:spLocks noGrp="1"/>
-          </p:cNvSpPr>
-          <p:nvPr>
-            <p:ph type="body" sz="quarter" idx="10"/>
+          <p:cNvPr id="3" name="Content Placeholder 2"/>
+          <p:cNvSpPr>
+            <a:spLocks noGrp="1"/>
+          </p:cNvSpPr>
+          <p:nvPr>
+            <p:ph sz="quarter" idx="10"/>
           </p:nvPr>
         </p:nvSpPr>
         <p:spPr/>
         <p:txBody>
           <a:bodyPr>
-            <a:normAutofit fontScale="92500" lnSpcReduction="20000"/>
+            <a:normAutofit fontScale="25000" lnSpcReduction="20000"/>
           </a:bodyPr>
           <a:lstStyle/>
           <a:p>
             <a:r>
-              <a:rPr lang="en-US" dirty="0" smtClean="0"/>
-              <a:t>Refactor</a:t>
-            </a:r>
-          </a:p>
-          <a:p>
-            <a:r>
-              <a:rPr lang="en-US" dirty="0" smtClean="0"/>
-              <a:t>Testing</a:t>
-            </a:r>
-          </a:p>
-          <a:p>
-            <a:r>
-              <a:rPr lang="en-US" dirty="0" smtClean="0"/>
-              <a:t>Multi-tier implementation</a:t>
-            </a:r>
-          </a:p>
-          <a:p>
-            <a:r>
-              <a:rPr lang="en-US" dirty="0" smtClean="0"/>
-              <a:t>Community Cookbooks</a:t>
-            </a:r>
-          </a:p>
-          <a:p>
-            <a:r>
-              <a:rPr lang="en-US" dirty="0" smtClean="0"/>
-              <a:t>Multi-OS Support</a:t>
-            </a:r>
-          </a:p>
-          <a:p>
-            <a:r>
-              <a:rPr lang="en-US" dirty="0" smtClean="0"/>
-              <a:t>Cloud deployment</a:t>
-            </a:r>
-          </a:p>
-          <a:p>
-            <a:r>
-              <a:rPr lang="en-US" dirty="0" smtClean="0"/>
-              <a:t>Operationalize</a:t>
-            </a:r>
-          </a:p>
-          <a:p>
-            <a:pPr lvl="1"/>
-            <a:r>
-              <a:rPr lang="en-US" dirty="0" smtClean="0"/>
-              <a:t>Monitoring</a:t>
-            </a:r>
-          </a:p>
-          <a:p>
-            <a:pPr lvl="1"/>
-            <a:r>
-              <a:rPr lang="en-US" dirty="0" smtClean="0"/>
-              <a:t>Central logging</a:t>
-            </a:r>
-          </a:p>
-          <a:p>
-            <a:r>
-              <a:rPr lang="en-US" dirty="0" smtClean="0"/>
-              <a:t>Application deployments</a:t>
+              <a:rPr lang="en-US" i="1" dirty="0">
+                <a:solidFill>
+                  <a:srgbClr val="408080"/>
+                </a:solidFill>
+              </a:rPr>
+              <a:t># Create DB, user, and permissions</a:t>
+            </a:r>
+          </a:p>
+          <a:p>
+            <a:r>
+              <a:rPr lang="en-US" dirty="0"/>
+              <a:t>    </a:t>
+            </a:r>
+            <a:r>
+              <a:rPr lang="en-US" b="1" dirty="0">
+                <a:solidFill>
+                  <a:srgbClr val="008000"/>
+                </a:solidFill>
+              </a:rPr>
+              <a:t>import </a:t>
+            </a:r>
+            <a:r>
+              <a:rPr lang="en-US" b="1" dirty="0" err="1">
+                <a:solidFill>
+                  <a:srgbClr val="0000FF"/>
+                </a:solidFill>
+              </a:rPr>
+              <a:t>MySQLdb</a:t>
+            </a:r>
+            <a:endParaRPr lang="en-US" b="1" dirty="0">
+              <a:solidFill>
+                <a:srgbClr val="0000FF"/>
+              </a:solidFill>
+            </a:endParaRPr>
+          </a:p>
+          <a:p>
+            <a:r>
+              <a:rPr lang="en-US" dirty="0"/>
+              <a:t>    </a:t>
+            </a:r>
+            <a:r>
+              <a:rPr lang="en-US" dirty="0" err="1"/>
+              <a:t>db</a:t>
+            </a:r>
+            <a:r>
+              <a:rPr lang="en-US" dirty="0"/>
+              <a:t> </a:t>
+            </a:r>
+            <a:r>
+              <a:rPr lang="en-US" dirty="0">
+                <a:solidFill>
+                  <a:srgbClr val="666666"/>
+                </a:solidFill>
+              </a:rPr>
+              <a:t>= </a:t>
+            </a:r>
+            <a:r>
+              <a:rPr lang="en-US" dirty="0" err="1">
+                <a:solidFill>
+                  <a:srgbClr val="666666"/>
+                </a:solidFill>
+              </a:rPr>
+              <a:t>MySQLdb.connect</a:t>
+            </a:r>
+            <a:r>
+              <a:rPr lang="en-US" dirty="0">
+                <a:solidFill>
+                  <a:srgbClr val="666666"/>
+                </a:solidFill>
+              </a:rPr>
+              <a:t>(host=</a:t>
+            </a:r>
+            <a:r>
+              <a:rPr lang="en-US" dirty="0">
+                <a:solidFill>
+                  <a:srgbClr val="BA2121"/>
+                </a:solidFill>
+              </a:rPr>
+              <a:t>'</a:t>
+            </a:r>
+            <a:r>
+              <a:rPr lang="en-US" dirty="0" err="1">
+                <a:solidFill>
+                  <a:srgbClr val="BA2121"/>
+                </a:solidFill>
+              </a:rPr>
+              <a:t>localhost</a:t>
+            </a:r>
+            <a:r>
+              <a:rPr lang="en-US" dirty="0">
+                <a:solidFill>
+                  <a:srgbClr val="BA2121"/>
+                </a:solidFill>
+              </a:rPr>
+              <a:t>', user</a:t>
+            </a:r>
+            <a:r>
+              <a:rPr lang="en-US" dirty="0">
+                <a:solidFill>
+                  <a:srgbClr val="666666"/>
+                </a:solidFill>
+              </a:rPr>
+              <a:t>=</a:t>
+            </a:r>
+            <a:r>
+              <a:rPr lang="en-US" dirty="0">
+                <a:solidFill>
+                  <a:srgbClr val="BA2121"/>
+                </a:solidFill>
+              </a:rPr>
+              <a:t>'root', </a:t>
+            </a:r>
+            <a:r>
+              <a:rPr lang="en-US" dirty="0" err="1">
+                <a:solidFill>
+                  <a:srgbClr val="BA2121"/>
+                </a:solidFill>
+              </a:rPr>
+              <a:t>passwd</a:t>
+            </a:r>
+            <a:r>
+              <a:rPr lang="en-US" dirty="0">
+                <a:solidFill>
+                  <a:srgbClr val="666666"/>
+                </a:solidFill>
+              </a:rPr>
+              <a:t>=</a:t>
+            </a:r>
+            <a:r>
+              <a:rPr lang="en-US" dirty="0" err="1">
+                <a:solidFill>
+                  <a:srgbClr val="666666"/>
+                </a:solidFill>
+              </a:rPr>
+              <a:t>root_dbpswd</a:t>
+            </a:r>
+            <a:r>
+              <a:rPr lang="en-US" dirty="0">
+                <a:solidFill>
+                  <a:srgbClr val="666666"/>
+                </a:solidFill>
+              </a:rPr>
+              <a:t>)</a:t>
+            </a:r>
+          </a:p>
+          <a:p>
+            <a:r>
+              <a:rPr lang="en-US" dirty="0"/>
+              <a:t>    </a:t>
+            </a:r>
+            <a:r>
+              <a:rPr lang="en-US" dirty="0" err="1"/>
+              <a:t>sql_script</a:t>
+            </a:r>
+            <a:r>
+              <a:rPr lang="en-US" dirty="0"/>
+              <a:t> </a:t>
+            </a:r>
+            <a:r>
+              <a:rPr lang="en-US" dirty="0">
+                <a:solidFill>
+                  <a:srgbClr val="666666"/>
+                </a:solidFill>
+              </a:rPr>
+              <a:t>= </a:t>
+            </a:r>
+            <a:r>
+              <a:rPr lang="en-US" dirty="0">
+                <a:solidFill>
+                  <a:srgbClr val="008000"/>
+                </a:solidFill>
+              </a:rPr>
+              <a:t>open(</a:t>
+            </a:r>
+            <a:r>
+              <a:rPr lang="en-US" dirty="0">
+                <a:solidFill>
+                  <a:srgbClr val="BA2121"/>
+                </a:solidFill>
+              </a:rPr>
+              <a:t>'</a:t>
+            </a:r>
+            <a:r>
+              <a:rPr lang="en-US" dirty="0" err="1">
+                <a:solidFill>
+                  <a:srgbClr val="BA2121"/>
+                </a:solidFill>
+              </a:rPr>
+              <a:t>make_AARdb.sql</a:t>
+            </a:r>
+            <a:r>
+              <a:rPr lang="en-US" dirty="0">
+                <a:solidFill>
+                  <a:srgbClr val="BA2121"/>
+                </a:solidFill>
+              </a:rPr>
+              <a:t>', 'r')</a:t>
+            </a:r>
+            <a:r>
+              <a:rPr lang="en-US" dirty="0">
+                <a:solidFill>
+                  <a:srgbClr val="666666"/>
+                </a:solidFill>
+              </a:rPr>
+              <a:t>.read()</a:t>
+            </a:r>
+          </a:p>
+          <a:p>
+            <a:r>
+              <a:rPr lang="en-US" dirty="0"/>
+              <a:t>    </a:t>
+            </a:r>
+          </a:p>
+          <a:p>
+            <a:r>
+              <a:rPr lang="es-ES_tradnl" dirty="0"/>
+              <a:t>    </a:t>
+            </a:r>
+            <a:r>
+              <a:rPr lang="es-ES_tradnl" dirty="0" err="1"/>
+              <a:t>cur</a:t>
+            </a:r>
+            <a:r>
+              <a:rPr lang="es-ES_tradnl" dirty="0"/>
+              <a:t> </a:t>
+            </a:r>
+            <a:r>
+              <a:rPr lang="es-ES_tradnl" dirty="0">
+                <a:solidFill>
+                  <a:srgbClr val="666666"/>
+                </a:solidFill>
+              </a:rPr>
+              <a:t>= </a:t>
+            </a:r>
+            <a:r>
+              <a:rPr lang="es-ES_tradnl" dirty="0" err="1">
+                <a:solidFill>
+                  <a:srgbClr val="666666"/>
+                </a:solidFill>
+              </a:rPr>
+              <a:t>db.cursor</a:t>
+            </a:r>
+            <a:r>
+              <a:rPr lang="es-ES_tradnl" dirty="0">
+                <a:solidFill>
+                  <a:srgbClr val="666666"/>
+                </a:solidFill>
+              </a:rPr>
+              <a:t>()</a:t>
+            </a:r>
+          </a:p>
+          <a:p>
+            <a:r>
+              <a:rPr lang="es-ES_tradnl" dirty="0"/>
+              <a:t>    </a:t>
+            </a:r>
+            <a:r>
+              <a:rPr lang="es-ES_tradnl" dirty="0" err="1"/>
+              <a:t>cur</a:t>
+            </a:r>
+            <a:r>
+              <a:rPr lang="es-ES_tradnl" dirty="0" err="1">
+                <a:solidFill>
+                  <a:srgbClr val="666666"/>
+                </a:solidFill>
+              </a:rPr>
+              <a:t>.execute</a:t>
+            </a:r>
+            <a:r>
+              <a:rPr lang="es-ES_tradnl" dirty="0">
+                <a:solidFill>
+                  <a:srgbClr val="666666"/>
+                </a:solidFill>
+              </a:rPr>
+              <a:t>(</a:t>
+            </a:r>
+            <a:r>
+              <a:rPr lang="es-ES_tradnl" dirty="0" err="1">
+                <a:solidFill>
+                  <a:srgbClr val="666666"/>
+                </a:solidFill>
+              </a:rPr>
+              <a:t>sql_script</a:t>
+            </a:r>
+            <a:r>
+              <a:rPr lang="es-ES_tradnl" dirty="0">
+                <a:solidFill>
+                  <a:srgbClr val="666666"/>
+                </a:solidFill>
+              </a:rPr>
+              <a:t>)</a:t>
+            </a:r>
+          </a:p>
+          <a:p>
+            <a:r>
+              <a:rPr lang="en-US" dirty="0"/>
+              <a:t>    </a:t>
+            </a:r>
+            <a:r>
+              <a:rPr lang="en-US" dirty="0" err="1"/>
+              <a:t>cur</a:t>
+            </a:r>
+            <a:r>
+              <a:rPr lang="en-US" dirty="0" err="1">
+                <a:solidFill>
+                  <a:srgbClr val="666666"/>
+                </a:solidFill>
+              </a:rPr>
+              <a:t>.close</a:t>
+            </a:r>
+            <a:r>
+              <a:rPr lang="en-US" dirty="0">
+                <a:solidFill>
+                  <a:srgbClr val="666666"/>
+                </a:solidFill>
+              </a:rPr>
+              <a:t>()</a:t>
+            </a:r>
+          </a:p>
+          <a:p>
+            <a:r>
+              <a:rPr lang="en-US" dirty="0"/>
+              <a:t>        </a:t>
+            </a:r>
+          </a:p>
+          <a:p>
+            <a:r>
+              <a:rPr lang="es-ES_tradnl" dirty="0"/>
+              <a:t>    </a:t>
+            </a:r>
+            <a:r>
+              <a:rPr lang="es-ES_tradnl" dirty="0" err="1"/>
+              <a:t>cur</a:t>
+            </a:r>
+            <a:r>
+              <a:rPr lang="es-ES_tradnl" dirty="0"/>
+              <a:t> </a:t>
+            </a:r>
+            <a:r>
+              <a:rPr lang="es-ES_tradnl" dirty="0">
+                <a:solidFill>
+                  <a:srgbClr val="666666"/>
+                </a:solidFill>
+              </a:rPr>
+              <a:t>= </a:t>
+            </a:r>
+            <a:r>
+              <a:rPr lang="es-ES_tradnl" dirty="0" err="1">
+                <a:solidFill>
+                  <a:srgbClr val="666666"/>
+                </a:solidFill>
+              </a:rPr>
+              <a:t>db.cursor</a:t>
+            </a:r>
+            <a:r>
+              <a:rPr lang="es-ES_tradnl" dirty="0">
+                <a:solidFill>
+                  <a:srgbClr val="666666"/>
+                </a:solidFill>
+              </a:rPr>
+              <a:t>()</a:t>
+            </a:r>
+          </a:p>
+          <a:p>
+            <a:r>
+              <a:rPr lang="es-ES_tradnl" dirty="0"/>
+              <a:t>    </a:t>
+            </a:r>
+            <a:r>
+              <a:rPr lang="es-ES_tradnl" dirty="0" err="1"/>
+              <a:t>cur</a:t>
+            </a:r>
+            <a:r>
+              <a:rPr lang="es-ES_tradnl" dirty="0" err="1">
+                <a:solidFill>
+                  <a:srgbClr val="666666"/>
+                </a:solidFill>
+              </a:rPr>
+              <a:t>.execute</a:t>
+            </a:r>
+            <a:r>
+              <a:rPr lang="es-ES_tradnl" dirty="0">
+                <a:solidFill>
+                  <a:srgbClr val="666666"/>
+                </a:solidFill>
+              </a:rPr>
+              <a:t>(</a:t>
+            </a:r>
+            <a:r>
+              <a:rPr lang="es-ES_tradnl" dirty="0">
+                <a:solidFill>
+                  <a:srgbClr val="BA2121"/>
+                </a:solidFill>
+              </a:rPr>
+              <a:t>'use </a:t>
+            </a:r>
+            <a:r>
+              <a:rPr lang="es-ES_tradnl" dirty="0" err="1">
+                <a:solidFill>
+                  <a:srgbClr val="BA2121"/>
+                </a:solidFill>
+              </a:rPr>
+              <a:t>AARdb</a:t>
+            </a:r>
+            <a:r>
+              <a:rPr lang="es-ES_tradnl" dirty="0">
+                <a:solidFill>
+                  <a:srgbClr val="BA2121"/>
+                </a:solidFill>
+              </a:rPr>
+              <a:t>')</a:t>
+            </a:r>
+          </a:p>
+          <a:p>
+            <a:r>
+              <a:rPr lang="es-ES_tradnl" dirty="0"/>
+              <a:t>    </a:t>
+            </a:r>
+            <a:r>
+              <a:rPr lang="es-ES_tradnl" dirty="0" err="1"/>
+              <a:t>cur</a:t>
+            </a:r>
+            <a:r>
+              <a:rPr lang="es-ES_tradnl" dirty="0" err="1">
+                <a:solidFill>
+                  <a:srgbClr val="666666"/>
+                </a:solidFill>
+              </a:rPr>
+              <a:t>.execute</a:t>
+            </a:r>
+            <a:r>
+              <a:rPr lang="es-ES_tradnl" dirty="0">
+                <a:solidFill>
+                  <a:srgbClr val="666666"/>
+                </a:solidFill>
+              </a:rPr>
+              <a:t>(</a:t>
+            </a:r>
+            <a:r>
+              <a:rPr lang="es-ES_tradnl" dirty="0">
+                <a:solidFill>
+                  <a:srgbClr val="BA2121"/>
+                </a:solidFill>
+              </a:rPr>
+              <a:t>"CREATE USER '</a:t>
+            </a:r>
+            <a:r>
+              <a:rPr lang="es-ES_tradnl" dirty="0" err="1">
+                <a:solidFill>
+                  <a:srgbClr val="BA2121"/>
+                </a:solidFill>
+              </a:rPr>
+              <a:t>aarapp</a:t>
+            </a:r>
+            <a:r>
+              <a:rPr lang="es-ES_tradnl" dirty="0">
+                <a:solidFill>
+                  <a:srgbClr val="BA2121"/>
+                </a:solidFill>
+              </a:rPr>
+              <a:t>'@'</a:t>
+            </a:r>
+            <a:r>
+              <a:rPr lang="es-ES_tradnl" dirty="0" err="1">
+                <a:solidFill>
+                  <a:srgbClr val="BA2121"/>
+                </a:solidFill>
+              </a:rPr>
+              <a:t>localhost</a:t>
+            </a:r>
+            <a:r>
+              <a:rPr lang="es-ES_tradnl" dirty="0">
+                <a:solidFill>
+                  <a:srgbClr val="BA2121"/>
+                </a:solidFill>
+              </a:rPr>
+              <a:t>' IDENTIFIED BY </a:t>
+            </a:r>
+            <a:r>
+              <a:rPr lang="es-ES_tradnl" b="1" dirty="0">
+                <a:solidFill>
+                  <a:srgbClr val="BB6688"/>
+                </a:solidFill>
+              </a:rPr>
+              <a:t>%s</a:t>
+            </a:r>
+            <a:r>
+              <a:rPr lang="es-ES_tradnl" b="1" dirty="0">
+                <a:solidFill>
+                  <a:srgbClr val="BA2121"/>
+                </a:solidFill>
+              </a:rPr>
+              <a:t>", (</a:t>
+            </a:r>
+            <a:r>
+              <a:rPr lang="es-ES_tradnl" b="1" dirty="0" err="1">
+                <a:solidFill>
+                  <a:srgbClr val="BA2121"/>
+                </a:solidFill>
+              </a:rPr>
+              <a:t>appdbpw</a:t>
+            </a:r>
+            <a:r>
+              <a:rPr lang="es-ES_tradnl" b="1" dirty="0">
+                <a:solidFill>
+                  <a:srgbClr val="BA2121"/>
+                </a:solidFill>
+              </a:rPr>
+              <a:t>,))</a:t>
+            </a:r>
+          </a:p>
+          <a:p>
+            <a:r>
+              <a:rPr lang="es-ES_tradnl" dirty="0"/>
+              <a:t>    </a:t>
+            </a:r>
+            <a:r>
+              <a:rPr lang="es-ES_tradnl" dirty="0" err="1"/>
+              <a:t>cur</a:t>
+            </a:r>
+            <a:r>
+              <a:rPr lang="es-ES_tradnl" dirty="0" err="1">
+                <a:solidFill>
+                  <a:srgbClr val="666666"/>
+                </a:solidFill>
+              </a:rPr>
+              <a:t>.execute</a:t>
+            </a:r>
+            <a:r>
+              <a:rPr lang="es-ES_tradnl" dirty="0">
+                <a:solidFill>
+                  <a:srgbClr val="666666"/>
+                </a:solidFill>
+              </a:rPr>
+              <a:t>(</a:t>
+            </a:r>
+            <a:r>
+              <a:rPr lang="es-ES_tradnl" dirty="0">
+                <a:solidFill>
+                  <a:srgbClr val="BA2121"/>
+                </a:solidFill>
+              </a:rPr>
+              <a:t>"GRANT CREATE,INSERT,DELETE,UPDATE,SELECT </a:t>
+            </a:r>
+            <a:r>
+              <a:rPr lang="es-ES_tradnl" dirty="0" err="1">
+                <a:solidFill>
+                  <a:srgbClr val="BA2121"/>
+                </a:solidFill>
+              </a:rPr>
+              <a:t>on</a:t>
+            </a:r>
+            <a:r>
+              <a:rPr lang="es-ES_tradnl" dirty="0">
+                <a:solidFill>
+                  <a:srgbClr val="BA2121"/>
+                </a:solidFill>
+              </a:rPr>
+              <a:t> </a:t>
+            </a:r>
+            <a:r>
+              <a:rPr lang="es-ES_tradnl" dirty="0" err="1">
+                <a:solidFill>
+                  <a:srgbClr val="BA2121"/>
+                </a:solidFill>
+              </a:rPr>
+              <a:t>AARdb</a:t>
+            </a:r>
+            <a:r>
+              <a:rPr lang="es-ES_tradnl" dirty="0">
+                <a:solidFill>
+                  <a:srgbClr val="BA2121"/>
+                </a:solidFill>
+              </a:rPr>
+              <a:t>.* </a:t>
+            </a:r>
+            <a:r>
+              <a:rPr lang="es-ES_tradnl" dirty="0" err="1">
+                <a:solidFill>
+                  <a:srgbClr val="BA2121"/>
+                </a:solidFill>
+              </a:rPr>
+              <a:t>to</a:t>
+            </a:r>
+            <a:r>
+              <a:rPr lang="es-ES_tradnl" dirty="0">
+                <a:solidFill>
+                  <a:srgbClr val="BA2121"/>
+                </a:solidFill>
+              </a:rPr>
+              <a:t> </a:t>
+            </a:r>
+            <a:r>
+              <a:rPr lang="es-ES_tradnl" dirty="0" err="1">
+                <a:solidFill>
+                  <a:srgbClr val="BA2121"/>
+                </a:solidFill>
+              </a:rPr>
+              <a:t>aarapp@localhost</a:t>
+            </a:r>
+            <a:r>
+              <a:rPr lang="es-ES_tradnl" dirty="0">
+                <a:solidFill>
+                  <a:srgbClr val="BA2121"/>
+                </a:solidFill>
+              </a:rPr>
+              <a:t>")</a:t>
+            </a:r>
+          </a:p>
+          <a:p>
+            <a:r>
+              <a:rPr lang="en-US" dirty="0"/>
+              <a:t>    </a:t>
+            </a:r>
+            <a:r>
+              <a:rPr lang="en-US" dirty="0" err="1"/>
+              <a:t>cur</a:t>
+            </a:r>
+            <a:r>
+              <a:rPr lang="en-US" dirty="0" err="1">
+                <a:solidFill>
+                  <a:srgbClr val="666666"/>
+                </a:solidFill>
+              </a:rPr>
+              <a:t>.close</a:t>
+            </a:r>
+            <a:r>
+              <a:rPr lang="en-US" dirty="0">
+                <a:solidFill>
+                  <a:srgbClr val="666666"/>
+                </a:solidFill>
+              </a:rPr>
+              <a:t>()</a:t>
+            </a:r>
+          </a:p>
+          <a:p>
+            <a:r>
+              <a:rPr lang="en-US" dirty="0"/>
+              <a:t>    </a:t>
+            </a:r>
+            <a:r>
+              <a:rPr lang="en-US" dirty="0" err="1"/>
+              <a:t>db</a:t>
+            </a:r>
+            <a:r>
+              <a:rPr lang="en-US" dirty="0" err="1">
+                <a:solidFill>
+                  <a:srgbClr val="666666"/>
+                </a:solidFill>
+              </a:rPr>
+              <a:t>.close</a:t>
+            </a:r>
+            <a:r>
+              <a:rPr lang="en-US" dirty="0">
+                <a:solidFill>
+                  <a:srgbClr val="666666"/>
+                </a:solidFill>
+              </a:rPr>
+              <a:t>()</a:t>
+            </a:r>
+          </a:p>
+          <a:p>
+            <a:endParaRPr lang="en-US" dirty="0"/>
+          </a:p>
+        </p:txBody>
+      </p:sp>
+      <p:sp>
+        <p:nvSpPr>
+          <p:cNvPr id="4" name="Content Placeholder 3"/>
+          <p:cNvSpPr>
+            <a:spLocks noGrp="1"/>
+          </p:cNvSpPr>
+          <p:nvPr>
+            <p:ph sz="quarter" idx="11"/>
+          </p:nvPr>
+        </p:nvSpPr>
+        <p:spPr/>
+        <p:txBody>
+          <a:bodyPr/>
+          <a:lstStyle/>
+          <a:p>
+            <a:r>
+              <a:rPr lang="en-US" dirty="0" smtClean="0"/>
+              <a:t>Should you do this every time the chef-client runs?</a:t>
+            </a:r>
+          </a:p>
+          <a:p>
+            <a:r>
+              <a:rPr lang="en-US" dirty="0" smtClean="0"/>
+              <a:t>How would you prevent that from happening?</a:t>
             </a:r>
             <a:endParaRPr lang="en-US" dirty="0"/>
           </a:p>
@@ -21861,7 +22334,7 @@
     </p:spTree>
     <p:extLst>
       <p:ext uri="{BB962C8B-B14F-4D97-AF65-F5344CB8AC3E}">
-        <p14:creationId xmlns:p14="http://schemas.microsoft.com/office/powerpoint/2010/main" val="1541181296"/>
+        <p14:creationId xmlns:p14="http://schemas.microsoft.com/office/powerpoint/2010/main" val="2194459015"/>
       </p:ext>
     </p:extLst>
   </p:cSld>
@@ -21996,7 +22469,7 @@
     </p:spTree>
     <p:extLst>
       <p:ext uri="{BB962C8B-B14F-4D97-AF65-F5344CB8AC3E}">
-        <p14:creationId xmlns:p14="http://schemas.microsoft.com/office/powerpoint/2010/main" val="3005142962"/>
+        <p14:creationId xmlns:p14="http://schemas.microsoft.com/office/powerpoint/2010/main" val="3284835641"/>
       </p:ext>
     </p:extLst>
   </p:cSld>
@@ -22179,7 +22652,7 @@
     </p:spTree>
     <p:extLst>
       <p:ext uri="{BB962C8B-B14F-4D97-AF65-F5344CB8AC3E}">
-        <p14:creationId xmlns:p14="http://schemas.microsoft.com/office/powerpoint/2010/main" val="2138724818"/>
+        <p14:creationId xmlns:p14="http://schemas.microsoft.com/office/powerpoint/2010/main" val="3816228750"/>
       </p:ext>
     </p:extLst>
   </p:cSld>
@@ -22242,7 +22715,7 @@
           <a:p>
             <a:r>
               <a:rPr lang="en-US" dirty="0" smtClean="0"/>
-              <a:t>Objectives</a:t>
+              <a:t>Next steps</a:t>
             </a:r>
             <a:endParaRPr lang="en-US" dirty="0"/>
           </a:p>
@@ -22260,47 +22733,79 @@
         </p:nvSpPr>
         <p:spPr/>
         <p:txBody>
-          <a:bodyPr/>
-          <a:lstStyle/>
-          <a:p>
-            <a:r>
-              <a:rPr lang="en-US" dirty="0"/>
-              <a:t>Build something in Chef with very little guidance</a:t>
-            </a:r>
-          </a:p>
-          <a:p>
-            <a:r>
-              <a:rPr lang="en-US" dirty="0" smtClean="0"/>
-              <a:t>Write custom Chef recipes</a:t>
-            </a:r>
-          </a:p>
-          <a:p>
-            <a:r>
-              <a:rPr lang="en-US" dirty="0"/>
-              <a:t>Use the Chef Documentation to identify and use resources that will help you model the desired state of your </a:t>
-            </a:r>
-            <a:r>
-              <a:rPr lang="en-US" dirty="0" smtClean="0"/>
-              <a:t>infrastructure</a:t>
+          <a:bodyPr>
+            <a:normAutofit fontScale="92500" lnSpcReduction="20000"/>
+          </a:bodyPr>
+          <a:lstStyle/>
+          <a:p>
+            <a:r>
+              <a:rPr lang="en-US" dirty="0" smtClean="0"/>
+              <a:t>Refactor</a:t>
+            </a:r>
+          </a:p>
+          <a:p>
+            <a:r>
+              <a:rPr lang="en-US" dirty="0" smtClean="0"/>
+              <a:t>Testing</a:t>
+            </a:r>
+          </a:p>
+          <a:p>
+            <a:r>
+              <a:rPr lang="en-US" dirty="0" smtClean="0"/>
+              <a:t>Multi-tier implementation</a:t>
+            </a:r>
+          </a:p>
+          <a:p>
+            <a:r>
+              <a:rPr lang="en-US" dirty="0" smtClean="0"/>
+              <a:t>Community Cookbooks</a:t>
+            </a:r>
+          </a:p>
+          <a:p>
+            <a:r>
+              <a:rPr lang="en-US" dirty="0" smtClean="0"/>
+              <a:t>Multi-OS Support</a:t>
+            </a:r>
+          </a:p>
+          <a:p>
+            <a:r>
+              <a:rPr lang="en-US" dirty="0" smtClean="0"/>
+              <a:t>Cloud deployment</a:t>
+            </a:r>
+          </a:p>
+          <a:p>
+            <a:r>
+              <a:rPr lang="en-US" dirty="0" smtClean="0"/>
+              <a:t>Operationalize</a:t>
+            </a:r>
+          </a:p>
+          <a:p>
+            <a:pPr lvl="1"/>
+            <a:r>
+              <a:rPr lang="en-US" dirty="0" smtClean="0"/>
+              <a:t>Monitoring</a:t>
+            </a:r>
+          </a:p>
+          <a:p>
+            <a:pPr lvl="1"/>
+            <a:r>
+              <a:rPr lang="en-US" dirty="0" smtClean="0"/>
+              <a:t>Central logging</a:t>
+            </a:r>
+          </a:p>
+          <a:p>
+            <a:r>
+              <a:rPr lang="en-US" dirty="0" smtClean="0"/>
+              <a:t>Application deployments</a:t>
             </a:r>
             <a:endParaRPr lang="en-US" dirty="0"/>
-          </a:p>
-          <a:p>
-            <a:r>
-              <a:rPr lang="en-US" dirty="0"/>
-              <a:t>Include guards in Chef </a:t>
-            </a:r>
-            <a:r>
-              <a:rPr lang="en-US" dirty="0" smtClean="0"/>
-              <a:t>resources</a:t>
-            </a:r>
           </a:p>
         </p:txBody>
       </p:sp>
     </p:spTree>
     <p:extLst>
       <p:ext uri="{BB962C8B-B14F-4D97-AF65-F5344CB8AC3E}">
-        <p14:creationId xmlns:p14="http://schemas.microsoft.com/office/powerpoint/2010/main" val="27556649"/>
+        <p14:creationId xmlns:p14="http://schemas.microsoft.com/office/powerpoint/2010/main" val="1541181296"/>
       </p:ext>
     </p:extLst>
   </p:cSld>
@@ -22591,6 +23096,445 @@
           <a:p>
             <a:r>
               <a:rPr lang="en-US" dirty="0" smtClean="0"/>
+              <a:t>Time to hack!</a:t>
+            </a:r>
+            <a:endParaRPr lang="en-US" dirty="0"/>
+          </a:p>
+        </p:txBody>
+      </p:sp>
+      <p:pic>
+        <p:nvPicPr>
+          <p:cNvPr id="6" name="Picture Placeholder 5" descr="424047087_f685546e79_o.jpg"/>
+          <p:cNvPicPr>
+            <a:picLocks noGrp="1" noChangeAspect="1"/>
+          </p:cNvPicPr>
+          <p:nvPr>
+            <p:ph type="pic" sz="quarter" idx="10"/>
+          </p:nvPr>
+        </p:nvPicPr>
+        <p:blipFill>
+          <a:blip r:embed="rId3">
+            <a:extLst>
+              <a:ext uri="{28A0092B-C50C-407E-A947-70E740481C1C}">
+                <a14:useLocalDpi xmlns:a14="http://schemas.microsoft.com/office/drawing/2010/main" val="0"/>
+              </a:ext>
+            </a:extLst>
+          </a:blip>
+          <a:srcRect t="34402" b="34402"/>
+          <a:stretch>
+            <a:fillRect/>
+          </a:stretch>
+        </p:blipFill>
+        <p:spPr/>
+      </p:pic>
+      <p:sp>
+        <p:nvSpPr>
+          <p:cNvPr id="5" name="Content Placeholder 4"/>
+          <p:cNvSpPr>
+            <a:spLocks noGrp="1"/>
+          </p:cNvSpPr>
+          <p:nvPr>
+            <p:ph sz="quarter" idx="11"/>
+          </p:nvPr>
+        </p:nvSpPr>
+        <p:spPr/>
+        <p:txBody>
+          <a:bodyPr/>
+          <a:lstStyle/>
+          <a:p>
+            <a:r>
+              <a:rPr lang="en-US" dirty="0"/>
+              <a:t>https://</a:t>
+            </a:r>
+            <a:r>
+              <a:rPr lang="en-US" dirty="0" err="1"/>
+              <a:t>www.flickr.com</a:t>
+            </a:r>
+            <a:r>
+              <a:rPr lang="en-US" dirty="0"/>
+              <a:t>/photos/</a:t>
+            </a:r>
+            <a:r>
+              <a:rPr lang="en-US" dirty="0" err="1"/>
+              <a:t>peterpearson</a:t>
+            </a:r>
+            <a:r>
+              <a:rPr lang="en-US" dirty="0"/>
+              <a:t>/424047087</a:t>
+            </a:r>
+          </a:p>
+        </p:txBody>
+      </p:sp>
+    </p:spTree>
+    <p:extLst>
+      <p:ext uri="{BB962C8B-B14F-4D97-AF65-F5344CB8AC3E}">
+        <p14:creationId xmlns:p14="http://schemas.microsoft.com/office/powerpoint/2010/main" val="3005142962"/>
+      </p:ext>
+    </p:extLst>
+  </p:cSld>
+  <p:clrMapOvr>
+    <a:masterClrMapping/>
+  </p:clrMapOvr>
+  <mc:AlternateContent xmlns:mc="http://schemas.openxmlformats.org/markup-compatibility/2006" xmlns:p14="http://schemas.microsoft.com/office/powerpoint/2010/main">
+    <mc:Choice Requires="p14">
+      <p:transition spd="med" p14:dur="700">
+        <p:fade/>
+      </p:transition>
+    </mc:Choice>
+    <mc:Fallback xmlns="">
+      <p:transition spd="med">
+        <p:fade/>
+      </p:transition>
+    </mc:Fallback>
+  </mc:AlternateContent>
+  <p:timing>
+    <p:tnLst>
+      <p:par>
+        <p:cTn xmlns:p14="http://schemas.microsoft.com/office/powerpoint/2010/main" id="1" dur="indefinite" restart="never" nodeType="tmRoot"/>
+      </p:par>
+    </p:tnLst>
+  </p:timing>
+</p:sld>
+</file>
+
+<file path=ppt/slides/slide41.xml><?xml version="1.0" encoding="utf-8"?>
+<p:sld xmlns:a="http://schemas.openxmlformats.org/drawingml/2006/main" xmlns:r="http://schemas.openxmlformats.org/officeDocument/2006/relationships" xmlns:p="http://schemas.openxmlformats.org/presentationml/2006/main">
+  <p:cSld>
+    <p:spTree>
+      <p:nvGrpSpPr>
+        <p:cNvPr id="1" name=""/>
+        <p:cNvGrpSpPr/>
+        <p:nvPr/>
+      </p:nvGrpSpPr>
+      <p:grpSpPr>
+        <a:xfrm>
+          <a:off x="0" y="0"/>
+          <a:ext cx="0" cy="0"/>
+          <a:chOff x="0" y="0"/>
+          <a:chExt cx="0" cy="0"/>
+        </a:xfrm>
+      </p:grpSpPr>
+      <p:sp>
+        <p:nvSpPr>
+          <p:cNvPr id="2" name="Title 1"/>
+          <p:cNvSpPr>
+            <a:spLocks noGrp="1"/>
+          </p:cNvSpPr>
+          <p:nvPr>
+            <p:ph type="title"/>
+          </p:nvPr>
+        </p:nvSpPr>
+        <p:spPr/>
+        <p:txBody>
+          <a:bodyPr/>
+          <a:lstStyle/>
+          <a:p>
+            <a:r>
+              <a:rPr lang="en-US" dirty="0" smtClean="0"/>
+              <a:t>Demo Time!</a:t>
+            </a:r>
+            <a:endParaRPr lang="en-US" dirty="0"/>
+          </a:p>
+        </p:txBody>
+      </p:sp>
+      <p:sp>
+        <p:nvSpPr>
+          <p:cNvPr id="3" name="Text Placeholder 2"/>
+          <p:cNvSpPr>
+            <a:spLocks noGrp="1"/>
+          </p:cNvSpPr>
+          <p:nvPr>
+            <p:ph type="body" sz="quarter" idx="10"/>
+          </p:nvPr>
+        </p:nvSpPr>
+        <p:spPr/>
+        <p:txBody>
+          <a:bodyPr/>
+          <a:lstStyle/>
+          <a:p>
+            <a:r>
+              <a:rPr lang="en-US" dirty="0" smtClean="0"/>
+              <a:t>Show your work</a:t>
+            </a:r>
+          </a:p>
+          <a:p>
+            <a:r>
+              <a:rPr lang="en-US" dirty="0" smtClean="0"/>
+              <a:t>Discuss your choices</a:t>
+            </a:r>
+          </a:p>
+          <a:p>
+            <a:r>
+              <a:rPr lang="en-US" dirty="0" smtClean="0"/>
+              <a:t>Gather feedback and ideas</a:t>
+            </a:r>
+            <a:endParaRPr lang="en-US" dirty="0"/>
+          </a:p>
+        </p:txBody>
+      </p:sp>
+      <p:pic>
+        <p:nvPicPr>
+          <p:cNvPr id="6" name="Picture Placeholder 5" descr="demonstration - Google Search.jpg"/>
+          <p:cNvPicPr>
+            <a:picLocks noGrp="1" noChangeAspect="1"/>
+          </p:cNvPicPr>
+          <p:nvPr>
+            <p:ph type="pic" sz="quarter" idx="13"/>
+          </p:nvPr>
+        </p:nvPicPr>
+        <p:blipFill>
+          <a:blip r:embed="rId3">
+            <a:extLst>
+              <a:ext uri="{28A0092B-C50C-407E-A947-70E740481C1C}">
+                <a14:useLocalDpi xmlns:a14="http://schemas.microsoft.com/office/drawing/2010/main" val="0"/>
+              </a:ext>
+            </a:extLst>
+          </a:blip>
+          <a:srcRect l="-7012" r="-7012"/>
+          <a:stretch>
+            <a:fillRect/>
+          </a:stretch>
+        </p:blipFill>
+        <p:spPr>
+          <a:xfrm>
+            <a:off x="6181725" y="1143000"/>
+            <a:ext cx="5486400" cy="5257800"/>
+          </a:xfrm>
+        </p:spPr>
+      </p:pic>
+      <p:sp>
+        <p:nvSpPr>
+          <p:cNvPr id="4" name="Content Placeholder 3"/>
+          <p:cNvSpPr>
+            <a:spLocks noGrp="1"/>
+          </p:cNvSpPr>
+          <p:nvPr>
+            <p:ph sz="quarter" idx="12"/>
+          </p:nvPr>
+        </p:nvSpPr>
+        <p:spPr/>
+        <p:txBody>
+          <a:bodyPr/>
+          <a:lstStyle/>
+          <a:p>
+            <a:r>
+              <a:rPr lang="en-US" dirty="0"/>
+              <a:t>https://</a:t>
+            </a:r>
+            <a:r>
+              <a:rPr lang="en-US" dirty="0" err="1"/>
+              <a:t>www.google.com</a:t>
+            </a:r>
+            <a:r>
+              <a:rPr lang="en-US" dirty="0"/>
+              <a:t>/</a:t>
+            </a:r>
+            <a:r>
+              <a:rPr lang="en-US" dirty="0" err="1"/>
+              <a:t>webhp?sourceid</a:t>
+            </a:r>
+            <a:r>
+              <a:rPr lang="en-US" dirty="0"/>
+              <a:t>=</a:t>
+            </a:r>
+            <a:r>
+              <a:rPr lang="en-US" dirty="0" err="1"/>
+              <a:t>chrome-instant&amp;ion</a:t>
+            </a:r>
+            <a:r>
+              <a:rPr lang="en-US" dirty="0"/>
+              <a:t>=1&amp;espv=2&amp;ie=UTF-8#q=demonstration</a:t>
+            </a:r>
+          </a:p>
+        </p:txBody>
+      </p:sp>
+    </p:spTree>
+    <p:extLst>
+      <p:ext uri="{BB962C8B-B14F-4D97-AF65-F5344CB8AC3E}">
+        <p14:creationId xmlns:p14="http://schemas.microsoft.com/office/powerpoint/2010/main" val="2138724818"/>
+      </p:ext>
+    </p:extLst>
+  </p:cSld>
+  <p:clrMapOvr>
+    <a:masterClrMapping/>
+  </p:clrMapOvr>
+  <mc:AlternateContent xmlns:mc="http://schemas.openxmlformats.org/markup-compatibility/2006" xmlns:p14="http://schemas.microsoft.com/office/powerpoint/2010/main">
+    <mc:Choice Requires="p14">
+      <p:transition spd="med" p14:dur="700">
+        <p:fade/>
+      </p:transition>
+    </mc:Choice>
+    <mc:Fallback xmlns="">
+      <p:transition spd="med">
+        <p:fade/>
+      </p:transition>
+    </mc:Fallback>
+  </mc:AlternateContent>
+  <p:timing>
+    <p:tnLst>
+      <p:par>
+        <p:cTn xmlns:p14="http://schemas.microsoft.com/office/powerpoint/2010/main" id="1" dur="indefinite" restart="never" nodeType="tmRoot"/>
+      </p:par>
+    </p:tnLst>
+  </p:timing>
+</p:sld>
+</file>
+
+<file path=ppt/slides/slide42.xml><?xml version="1.0" encoding="utf-8"?>
+<p:sld xmlns:a="http://schemas.openxmlformats.org/drawingml/2006/main" xmlns:r="http://schemas.openxmlformats.org/officeDocument/2006/relationships" xmlns:p="http://schemas.openxmlformats.org/presentationml/2006/main">
+  <p:cSld>
+    <p:spTree>
+      <p:nvGrpSpPr>
+        <p:cNvPr id="1" name=""/>
+        <p:cNvGrpSpPr/>
+        <p:nvPr/>
+      </p:nvGrpSpPr>
+      <p:grpSpPr>
+        <a:xfrm>
+          <a:off x="0" y="0"/>
+          <a:ext cx="0" cy="0"/>
+          <a:chOff x="0" y="0"/>
+          <a:chExt cx="0" cy="0"/>
+        </a:xfrm>
+      </p:grpSpPr>
+      <p:sp>
+        <p:nvSpPr>
+          <p:cNvPr id="2" name="Title 1"/>
+          <p:cNvSpPr>
+            <a:spLocks noGrp="1"/>
+          </p:cNvSpPr>
+          <p:nvPr>
+            <p:ph type="title"/>
+          </p:nvPr>
+        </p:nvSpPr>
+        <p:spPr/>
+        <p:txBody>
+          <a:bodyPr/>
+          <a:lstStyle/>
+          <a:p>
+            <a:r>
+              <a:rPr lang="en-US" dirty="0" smtClean="0"/>
+              <a:t>Objectives</a:t>
+            </a:r>
+            <a:endParaRPr lang="en-US" dirty="0"/>
+          </a:p>
+        </p:txBody>
+      </p:sp>
+      <p:sp>
+        <p:nvSpPr>
+          <p:cNvPr id="3" name="Text Placeholder 2"/>
+          <p:cNvSpPr>
+            <a:spLocks noGrp="1"/>
+          </p:cNvSpPr>
+          <p:nvPr>
+            <p:ph type="body" sz="quarter" idx="10"/>
+          </p:nvPr>
+        </p:nvSpPr>
+        <p:spPr/>
+        <p:txBody>
+          <a:bodyPr/>
+          <a:lstStyle/>
+          <a:p>
+            <a:r>
+              <a:rPr lang="en-US" dirty="0"/>
+              <a:t>Build something in Chef with very little guidance</a:t>
+            </a:r>
+          </a:p>
+          <a:p>
+            <a:r>
+              <a:rPr lang="en-US" dirty="0" smtClean="0"/>
+              <a:t>Write custom Chef recipes</a:t>
+            </a:r>
+          </a:p>
+          <a:p>
+            <a:r>
+              <a:rPr lang="en-US" dirty="0"/>
+              <a:t>Use the Chef Documentation to identify and use resources that will help you model the desired state of your </a:t>
+            </a:r>
+            <a:r>
+              <a:rPr lang="en-US" dirty="0" smtClean="0"/>
+              <a:t>infrastructure</a:t>
+            </a:r>
+            <a:endParaRPr lang="en-US" dirty="0"/>
+          </a:p>
+          <a:p>
+            <a:r>
+              <a:rPr lang="en-US" dirty="0"/>
+              <a:t>Include guards in Chef </a:t>
+            </a:r>
+            <a:r>
+              <a:rPr lang="en-US" dirty="0" smtClean="0"/>
+              <a:t>resources</a:t>
+            </a:r>
+          </a:p>
+        </p:txBody>
+      </p:sp>
+    </p:spTree>
+    <p:extLst>
+      <p:ext uri="{BB962C8B-B14F-4D97-AF65-F5344CB8AC3E}">
+        <p14:creationId xmlns:p14="http://schemas.microsoft.com/office/powerpoint/2010/main" val="27556649"/>
+      </p:ext>
+    </p:extLst>
+  </p:cSld>
+  <p:clrMapOvr>
+    <a:masterClrMapping/>
+  </p:clrMapOvr>
+  <mc:AlternateContent xmlns:mc="http://schemas.openxmlformats.org/markup-compatibility/2006" xmlns:p14="http://schemas.microsoft.com/office/powerpoint/2010/main">
+    <mc:Choice Requires="p14">
+      <p:transition spd="med" p14:dur="700">
+        <p:fade/>
+      </p:transition>
+    </mc:Choice>
+    <mc:Fallback xmlns="">
+      <p:transition spd="med">
+        <p:fade/>
+      </p:transition>
+    </mc:Fallback>
+  </mc:AlternateContent>
+  <p:timing>
+    <p:tnLst>
+      <p:par>
+        <p:cTn xmlns:p14="http://schemas.microsoft.com/office/powerpoint/2010/main" id="1" dur="indefinite" restart="never" nodeType="tmRoot"/>
+      </p:par>
+    </p:tnLst>
+  </p:timing>
+</p:sld>
+</file>
+
+<file path=ppt/slides/slide43.xml><?xml version="1.0" encoding="utf-8"?>
+<p:sld xmlns:a="http://schemas.openxmlformats.org/drawingml/2006/main" xmlns:r="http://schemas.openxmlformats.org/officeDocument/2006/relationships" xmlns:p="http://schemas.openxmlformats.org/presentationml/2006/main">
+  <p:cSld>
+    <p:spTree>
+      <p:nvGrpSpPr>
+        <p:cNvPr id="1" name=""/>
+        <p:cNvGrpSpPr/>
+        <p:nvPr/>
+      </p:nvGrpSpPr>
+      <p:grpSpPr>
+        <a:xfrm>
+          <a:off x="0" y="0"/>
+          <a:ext cx="0" cy="0"/>
+          <a:chOff x="0" y="0"/>
+          <a:chExt cx="0" cy="0"/>
+        </a:xfrm>
+      </p:grpSpPr>
+      <p:sp>
+        <p:nvSpPr>
+          <p:cNvPr id="2" name="Title 1"/>
+          <p:cNvSpPr>
+            <a:spLocks noGrp="1"/>
+          </p:cNvSpPr>
+          <p:nvPr>
+            <p:ph type="title"/>
+          </p:nvPr>
+        </p:nvSpPr>
+        <p:spPr/>
+        <p:txBody>
+          <a:bodyPr/>
+          <a:lstStyle/>
+          <a:p>
+            <a:r>
+              <a:rPr lang="en-US" dirty="0" smtClean="0"/>
               <a:t>Your Objectives</a:t>
             </a:r>
             <a:endParaRPr lang="en-US" dirty="0"/>
@@ -22655,10 +23599,17 @@
       </p:transition>
     </mc:Fallback>
   </mc:AlternateContent>
+  <p:timing>
+    <p:tnLst>
+      <p:par>
+        <p:cTn xmlns:p14="http://schemas.microsoft.com/office/powerpoint/2010/main" id="1" dur="indefinite" restart="never" nodeType="tmRoot"/>
+      </p:par>
+    </p:tnLst>
+  </p:timing>
 </p:sld>
 </file>
 
-<file path=ppt/slides/slide41.xml><?xml version="1.0" encoding="utf-8"?>
+<file path=ppt/slides/slide44.xml><?xml version="1.0" encoding="utf-8"?>
 <p:sld xmlns:a="http://schemas.openxmlformats.org/drawingml/2006/main" xmlns:r="http://schemas.openxmlformats.org/officeDocument/2006/relationships" xmlns:p="http://schemas.openxmlformats.org/presentationml/2006/main">
   <p:cSld>
     <p:spTree>
@@ -22744,24 +23695,52 @@
           <a:p>
             <a:r>
               <a:rPr lang="en-US" dirty="0" smtClean="0"/>
-              <a:t>Share your solutions – http://</a:t>
-            </a:r>
-            <a:r>
-              <a:rPr lang="en-US" dirty="0" err="1" smtClean="0"/>
+              <a:t>Share your </a:t>
+            </a:r>
+            <a:r>
+              <a:rPr lang="en-US" dirty="0" smtClean="0"/>
+              <a:t>solutions</a:t>
+            </a:r>
+          </a:p>
+          <a:p>
+            <a:pPr lvl="1"/>
+            <a:r>
+              <a:rPr lang="en-US" dirty="0" smtClean="0">
+                <a:hlinkClick r:id="rId3"/>
+              </a:rPr>
+              <a:t>http</a:t>
+            </a:r>
+            <a:r>
+              <a:rPr lang="en-US" dirty="0" smtClean="0">
+                <a:hlinkClick r:id="rId3"/>
+              </a:rPr>
+              <a:t>://</a:t>
+            </a:r>
+            <a:r>
+              <a:rPr lang="en-US" dirty="0" err="1" smtClean="0">
+                <a:hlinkClick r:id="rId3"/>
+              </a:rPr>
               <a:t>github.com</a:t>
             </a:r>
             <a:r>
-              <a:rPr lang="en-US" dirty="0" smtClean="0"/>
+              <a:rPr lang="en-US" dirty="0" smtClean="0">
+                <a:hlinkClick r:id="rId3"/>
+              </a:rPr>
               <a:t>/</a:t>
             </a:r>
             <a:r>
-              <a:rPr lang="en-US" dirty="0" err="1" smtClean="0"/>
+              <a:rPr lang="en-US" dirty="0" err="1" smtClean="0">
+                <a:hlinkClick r:id="rId3"/>
+              </a:rPr>
               <a:t>learnchef</a:t>
             </a:r>
             <a:r>
-              <a:rPr lang="en-US" dirty="0" smtClean="0"/>
+              <a:rPr lang="en-US" dirty="0" smtClean="0">
+                <a:hlinkClick r:id="rId3"/>
+              </a:rPr>
               <a:t>/workshops</a:t>
             </a:r>
+            <a:endParaRPr lang="en-US" dirty="0" smtClean="0"/>
           </a:p>
           <a:p>
             <a:endParaRPr lang="en-US" dirty="0"/>
@@ -22834,11 +23813,7 @@
           <a:p>
             <a:r>
               <a:rPr lang="en-US" dirty="0" smtClean="0"/>
-              <a:t>Defining Success - </a:t>
-            </a:r>
-            <a:r>
-              <a:rPr lang="en-US" dirty="0" smtClean="0"/>
-              <a:t>TIMTOWTDI</a:t>
+              <a:t>Defining Success - TIMTOWTDI</a:t>
             </a:r>
             <a:endParaRPr lang="en-US" dirty="0"/>
           </a:p>
@@ -22946,6 +23921,13 @@
       </p:transition>
     </mc:Fallback>
   </mc:AlternateContent>
+  <p:timing>
+    <p:tnLst>
+      <p:par>
+        <p:cTn xmlns:p14="http://schemas.microsoft.com/office/powerpoint/2010/main" id="1" dur="indefinite" restart="never" nodeType="tmRoot"/>
+      </p:par>
+    </p:tnLst>
+  </p:timing>
 </p:sld>
 </file>
 
@@ -23060,6 +24042,13 @@
       </p:transition>
     </mc:Fallback>
   </mc:AlternateContent>
+  <p:timing>
+    <p:tnLst>
+      <p:par>
+        <p:cTn xmlns:p14="http://schemas.microsoft.com/office/powerpoint/2010/main" id="1" dur="indefinite" restart="never" nodeType="tmRoot"/>
+      </p:par>
+    </p:tnLst>
+  </p:timing>
 </p:sld>
 </file>
 
@@ -23810,7 +24799,7 @@
   <a:extraClrSchemeLst/>
   <a:extLst>
     <a:ext uri="{05A4C25C-085E-4340-85A3-A5531E510DB2}">
-      <thm15:themeFamily xmlns:thm15="http://schemas.microsoft.com/office/thememl/2012/main" xmlns="" name="Chef-TemplateComps_v09-16x9-Light.potx" id="{078CEFDB-FA7A-4E36-9964-13EF367585CB}" vid="{8B87B0F3-7308-43D5-8388-E1B49EA02652}"/>
+      <thm15:themeFamily xmlns="" xmlns:thm15="http://schemas.microsoft.com/office/thememl/2012/main" name="Chef-TemplateComps_v09-16x9-Light.potx" id="{078CEFDB-FA7A-4E36-9964-13EF367585CB}" vid="{8B87B0F3-7308-43D5-8388-E1B49EA02652}"/>
     </a:ext>
   </a:extLst>
 </a:theme>

--- a/Awesome_Appliance_Repair/AwesomeApplicanceRepair.pptx
+++ b/Awesome_Appliance_Repair/AwesomeApplicanceRepair.pptx
@@ -5,10 +5,10 @@
     <p:sldMasterId id="2147483705" r:id="rId5"/>
   </p:sldMasterIdLst>
   <p:notesMasterIdLst>
-    <p:notesMasterId r:id="rId50"/>
+    <p:notesMasterId r:id="rId57"/>
   </p:notesMasterIdLst>
   <p:handoutMasterIdLst>
-    <p:handoutMasterId r:id="rId51"/>
+    <p:handoutMasterId r:id="rId58"/>
   </p:handoutMasterIdLst>
   <p:sldIdLst>
     <p:sldId id="256" r:id="rId6"/>
@@ -30,31 +30,38 @@
     <p:sldId id="273" r:id="rId22"/>
     <p:sldId id="302" r:id="rId23"/>
     <p:sldId id="307" r:id="rId24"/>
-    <p:sldId id="304" r:id="rId25"/>
-    <p:sldId id="303" r:id="rId26"/>
-    <p:sldId id="305" r:id="rId27"/>
-    <p:sldId id="300" r:id="rId28"/>
-    <p:sldId id="308" r:id="rId29"/>
-    <p:sldId id="309" r:id="rId30"/>
-    <p:sldId id="310" r:id="rId31"/>
-    <p:sldId id="306" r:id="rId32"/>
-    <p:sldId id="280" r:id="rId33"/>
-    <p:sldId id="276" r:id="rId34"/>
-    <p:sldId id="262" r:id="rId35"/>
-    <p:sldId id="290" r:id="rId36"/>
-    <p:sldId id="277" r:id="rId37"/>
-    <p:sldId id="274" r:id="rId38"/>
-    <p:sldId id="288" r:id="rId39"/>
-    <p:sldId id="278" r:id="rId40"/>
-    <p:sldId id="275" r:id="rId41"/>
-    <p:sldId id="283" r:id="rId42"/>
-    <p:sldId id="285" r:id="rId43"/>
-    <p:sldId id="263" r:id="rId44"/>
-    <p:sldId id="291" r:id="rId45"/>
-    <p:sldId id="292" r:id="rId46"/>
-    <p:sldId id="287" r:id="rId47"/>
-    <p:sldId id="294" r:id="rId48"/>
-    <p:sldId id="286" r:id="rId49"/>
+    <p:sldId id="311" r:id="rId25"/>
+    <p:sldId id="312" r:id="rId26"/>
+    <p:sldId id="313" r:id="rId27"/>
+    <p:sldId id="314" r:id="rId28"/>
+    <p:sldId id="303" r:id="rId29"/>
+    <p:sldId id="315" r:id="rId30"/>
+    <p:sldId id="305" r:id="rId31"/>
+    <p:sldId id="300" r:id="rId32"/>
+    <p:sldId id="316" r:id="rId33"/>
+    <p:sldId id="308" r:id="rId34"/>
+    <p:sldId id="317" r:id="rId35"/>
+    <p:sldId id="309" r:id="rId36"/>
+    <p:sldId id="318" r:id="rId37"/>
+    <p:sldId id="310" r:id="rId38"/>
+    <p:sldId id="306" r:id="rId39"/>
+    <p:sldId id="280" r:id="rId40"/>
+    <p:sldId id="276" r:id="rId41"/>
+    <p:sldId id="262" r:id="rId42"/>
+    <p:sldId id="290" r:id="rId43"/>
+    <p:sldId id="277" r:id="rId44"/>
+    <p:sldId id="274" r:id="rId45"/>
+    <p:sldId id="288" r:id="rId46"/>
+    <p:sldId id="278" r:id="rId47"/>
+    <p:sldId id="275" r:id="rId48"/>
+    <p:sldId id="283" r:id="rId49"/>
+    <p:sldId id="285" r:id="rId50"/>
+    <p:sldId id="263" r:id="rId51"/>
+    <p:sldId id="291" r:id="rId52"/>
+    <p:sldId id="292" r:id="rId53"/>
+    <p:sldId id="287" r:id="rId54"/>
+    <p:sldId id="294" r:id="rId55"/>
+    <p:sldId id="286" r:id="rId56"/>
   </p:sldIdLst>
   <p:sldSz cx="12192000" cy="6858000"/>
   <p:notesSz cx="6858000" cy="9144000"/>
@@ -177,16 +184,23 @@
             <p14:sldId id="273"/>
             <p14:sldId id="302"/>
             <p14:sldId id="307"/>
-            <p14:sldId id="304"/>
+            <p14:sldId id="311"/>
+            <p14:sldId id="312"/>
+            <p14:sldId id="313"/>
+            <p14:sldId id="314"/>
             <p14:sldId id="303"/>
+            <p14:sldId id="315"/>
             <p14:sldId id="305"/>
           </p14:sldIdLst>
         </p14:section>
         <p14:section name="chef-dk" id="{4FCC8E7C-AB3C-FA40-9CF2-E7D057BFE6AC}">
           <p14:sldIdLst>
             <p14:sldId id="300"/>
+            <p14:sldId id="316"/>
             <p14:sldId id="308"/>
+            <p14:sldId id="317"/>
             <p14:sldId id="309"/>
+            <p14:sldId id="318"/>
             <p14:sldId id="310"/>
           </p14:sldIdLst>
         </p14:section>
@@ -215,10 +229,10 @@
       </p14:sectionLst>
     </p:ext>
     <p:ext uri="{EFAFB233-063F-42B5-8137-9DF3F51BA10A}">
-      <p15:sldGuideLst xmlns="" xmlns:p15="http://schemas.microsoft.com/office/powerpoint/2012/main"/>
+      <p15:sldGuideLst xmlns:p15="http://schemas.microsoft.com/office/powerpoint/2012/main" xmlns=""/>
     </p:ext>
     <p:ext uri="{2D200454-40CA-4A62-9FC3-DE9A4176ACB9}">
-      <p15:notesGuideLst xmlns="" xmlns:p15="http://schemas.microsoft.com/office/powerpoint/2012/main">
+      <p15:notesGuideLst xmlns:p15="http://schemas.microsoft.com/office/powerpoint/2012/main" xmlns="">
         <p15:guide id="1" orient="horz" pos="2880">
           <p15:clr>
             <a:srgbClr val="A4A3A4"/>
@@ -323,7 +337,7 @@
                 <a:latin typeface="Arial" panose="020B0604020202020204" pitchFamily="34" charset="0"/>
                 <a:cs typeface="Arial" panose="020B0604020202020204" pitchFamily="34" charset="0"/>
               </a:rPr>
-              <a:t>8/14/14</a:t>
+              <a:t>8/15/14</a:t>
             </a:fld>
             <a:endParaRPr lang="en-US" dirty="0">
               <a:latin typeface="Arial" panose="020B0604020202020204" pitchFamily="34" charset="0"/>
@@ -478,7 +492,7 @@
             <a:fld id="{BFFFB994-B51A-7449-B85A-B64DF9DCCDDC}" type="datetime1">
               <a:rPr lang="en-CA" smtClean="0"/>
               <a:pPr/>
-              <a:t>8/14/14</a:t>
+              <a:t>8/15/14</a:t>
             </a:fld>
             <a:endParaRPr lang="en-US" dirty="0"/>
           </a:p>
@@ -1523,7 +1537,7 @@
             <a:fld id="{8B263312-38AA-4E1E-B2B5-0F8F122B24FE}" type="slidenum">
               <a:rPr lang="en-US" smtClean="0"/>
               <a:pPr/>
-              <a:t>21</a:t>
+              <a:t>24</a:t>
             </a:fld>
             <a:endParaRPr lang="en-US" dirty="0"/>
           </a:p>
@@ -1628,11 +1642,35 @@
           <a:bodyPr/>
           <a:lstStyle/>
           <a:p>
-            <a:endParaRPr lang="en-US" dirty="0">
-              <a:solidFill>
-                <a:srgbClr val="FF0000"/>
-              </a:solidFill>
-            </a:endParaRPr>
+            <a:r>
+              <a:rPr lang="en-US" dirty="0" smtClean="0"/>
+              <a:t>First</a:t>
+            </a:r>
+            <a:r>
+              <a:rPr lang="en-US" baseline="0" dirty="0" smtClean="0"/>
+              <a:t> time you can run '</a:t>
+            </a:r>
+            <a:r>
+              <a:rPr lang="en-US" sz="900" dirty="0" err="1" smtClean="0"/>
+              <a:t>git</a:t>
+            </a:r>
+            <a:r>
+              <a:rPr lang="en-US" sz="900" dirty="0" smtClean="0"/>
+              <a:t> push –u origin master',</a:t>
+            </a:r>
+            <a:r>
+              <a:rPr lang="en-US" sz="900" baseline="0" dirty="0" smtClean="0"/>
+              <a:t> then subsequently you can just use '</a:t>
+            </a:r>
+            <a:r>
+              <a:rPr lang="en-US" sz="900" baseline="0" dirty="0" err="1" smtClean="0"/>
+              <a:t>git</a:t>
+            </a:r>
+            <a:r>
+              <a:rPr lang="en-US" sz="900" baseline="0" dirty="0" smtClean="0"/>
+              <a:t> push'</a:t>
+            </a:r>
+            <a:endParaRPr lang="en-US" dirty="0"/>
           </a:p>
         </p:txBody>
       </p:sp>
@@ -1654,7 +1692,7 @@
             <a:fld id="{8B263312-38AA-4E1E-B2B5-0F8F122B24FE}" type="slidenum">
               <a:rPr lang="en-US" smtClean="0"/>
               <a:pPr/>
-              <a:t>22</a:t>
+              <a:t>25</a:t>
             </a:fld>
             <a:endParaRPr lang="en-US" dirty="0"/>
           </a:p>
@@ -1705,7 +1743,7 @@
     </p:spTree>
     <p:extLst>
       <p:ext uri="{BB962C8B-B14F-4D97-AF65-F5344CB8AC3E}">
-        <p14:creationId xmlns:p14="http://schemas.microsoft.com/office/powerpoint/2010/main" val="1551952231"/>
+        <p14:creationId xmlns:p14="http://schemas.microsoft.com/office/powerpoint/2010/main" val="3373923323"/>
       </p:ext>
     </p:extLst>
   </p:cSld>
@@ -1759,19 +1797,11 @@
           <a:bodyPr/>
           <a:lstStyle/>
           <a:p>
-            <a:r>
-              <a:rPr lang="en-US" dirty="0" smtClean="0"/>
-              <a:t>This</a:t>
-            </a:r>
-            <a:r>
-              <a:rPr lang="en-US" baseline="0" dirty="0" smtClean="0"/>
-              <a:t> is an alternative approach if students are using </a:t>
-            </a:r>
-            <a:r>
-              <a:rPr lang="en-US" baseline="0" dirty="0" err="1" smtClean="0"/>
-              <a:t>ChefDK</a:t>
-            </a:r>
-            <a:endParaRPr lang="en-US" dirty="0"/>
+            <a:endParaRPr lang="en-US" dirty="0">
+              <a:solidFill>
+                <a:srgbClr val="FF0000"/>
+              </a:solidFill>
+            </a:endParaRPr>
           </a:p>
         </p:txBody>
       </p:sp>
@@ -1793,7 +1823,7 @@
             <a:fld id="{8B263312-38AA-4E1E-B2B5-0F8F122B24FE}" type="slidenum">
               <a:rPr lang="en-US" smtClean="0"/>
               <a:pPr/>
-              <a:t>23</a:t>
+              <a:t>26</a:t>
             </a:fld>
             <a:endParaRPr lang="en-US" dirty="0"/>
           </a:p>
@@ -1844,7 +1874,7 @@
     </p:spTree>
     <p:extLst>
       <p:ext uri="{BB962C8B-B14F-4D97-AF65-F5344CB8AC3E}">
-        <p14:creationId xmlns:p14="http://schemas.microsoft.com/office/powerpoint/2010/main" val="4253677193"/>
+        <p14:creationId xmlns:p14="http://schemas.microsoft.com/office/powerpoint/2010/main" val="1551952231"/>
       </p:ext>
     </p:extLst>
   </p:cSld>
@@ -1900,31 +1930,15 @@
           <a:p>
             <a:r>
               <a:rPr lang="en-US" dirty="0" smtClean="0"/>
-              <a:t>First</a:t>
+              <a:t>This</a:t>
             </a:r>
             <a:r>
               <a:rPr lang="en-US" baseline="0" dirty="0" smtClean="0"/>
-              <a:t> time you can run '</a:t>
-            </a:r>
-            <a:r>
-              <a:rPr lang="en-US" sz="900" dirty="0" err="1" smtClean="0"/>
-              <a:t>git</a:t>
-            </a:r>
-            <a:r>
-              <a:rPr lang="en-US" sz="900" dirty="0" smtClean="0"/>
-              <a:t> push –u origin master',</a:t>
-            </a:r>
-            <a:r>
-              <a:rPr lang="en-US" sz="900" baseline="0" dirty="0" smtClean="0"/>
-              <a:t> then subsequently you can just use '</a:t>
-            </a:r>
-            <a:r>
-              <a:rPr lang="en-US" sz="900" baseline="0" dirty="0" err="1" smtClean="0"/>
-              <a:t>git</a:t>
-            </a:r>
-            <a:r>
-              <a:rPr lang="en-US" sz="900" baseline="0" dirty="0" smtClean="0"/>
-              <a:t> push'</a:t>
+              <a:t> is an alternative approach if students are using </a:t>
+            </a:r>
+            <a:r>
+              <a:rPr lang="en-US" baseline="0" dirty="0" err="1" smtClean="0"/>
+              <a:t>ChefDK</a:t>
             </a:r>
             <a:endParaRPr lang="en-US" dirty="0"/>
           </a:p>
@@ -1948,7 +1962,7 @@
             <a:fld id="{8B263312-38AA-4E1E-B2B5-0F8F122B24FE}" type="slidenum">
               <a:rPr lang="en-US" smtClean="0"/>
               <a:pPr/>
-              <a:t>25</a:t>
+              <a:t>27</a:t>
             </a:fld>
             <a:endParaRPr lang="en-US" dirty="0"/>
           </a:p>
@@ -1999,7 +2013,7 @@
     </p:spTree>
     <p:extLst>
       <p:ext uri="{BB962C8B-B14F-4D97-AF65-F5344CB8AC3E}">
-        <p14:creationId xmlns:p14="http://schemas.microsoft.com/office/powerpoint/2010/main" val="3373923323"/>
+        <p14:creationId xmlns:p14="http://schemas.microsoft.com/office/powerpoint/2010/main" val="4253677193"/>
       </p:ext>
     </p:extLst>
   </p:cSld>
@@ -2053,11 +2067,35 @@
           <a:bodyPr/>
           <a:lstStyle/>
           <a:p>
-            <a:endParaRPr lang="en-US" dirty="0">
-              <a:solidFill>
-                <a:srgbClr val="FF0000"/>
-              </a:solidFill>
-            </a:endParaRPr>
+            <a:r>
+              <a:rPr lang="en-US" dirty="0" smtClean="0"/>
+              <a:t>First</a:t>
+            </a:r>
+            <a:r>
+              <a:rPr lang="en-US" baseline="0" dirty="0" smtClean="0"/>
+              <a:t> time you can run '</a:t>
+            </a:r>
+            <a:r>
+              <a:rPr lang="en-US" sz="900" dirty="0" err="1" smtClean="0"/>
+              <a:t>git</a:t>
+            </a:r>
+            <a:r>
+              <a:rPr lang="en-US" sz="900" dirty="0" smtClean="0"/>
+              <a:t> push –u origin master',</a:t>
+            </a:r>
+            <a:r>
+              <a:rPr lang="en-US" sz="900" baseline="0" dirty="0" smtClean="0"/>
+              <a:t> then subsequently you can just use '</a:t>
+            </a:r>
+            <a:r>
+              <a:rPr lang="en-US" sz="900" baseline="0" dirty="0" err="1" smtClean="0"/>
+              <a:t>git</a:t>
+            </a:r>
+            <a:r>
+              <a:rPr lang="en-US" sz="900" baseline="0" dirty="0" smtClean="0"/>
+              <a:t> push'</a:t>
+            </a:r>
+            <a:endParaRPr lang="en-US" dirty="0"/>
           </a:p>
         </p:txBody>
       </p:sp>
@@ -2079,7 +2117,7 @@
             <a:fld id="{8B263312-38AA-4E1E-B2B5-0F8F122B24FE}" type="slidenum">
               <a:rPr lang="en-US" smtClean="0"/>
               <a:pPr/>
-              <a:t>26</a:t>
+              <a:t>31</a:t>
             </a:fld>
             <a:endParaRPr lang="en-US" dirty="0"/>
           </a:p>
@@ -2130,7 +2168,7 @@
     </p:spTree>
     <p:extLst>
       <p:ext uri="{BB962C8B-B14F-4D97-AF65-F5344CB8AC3E}">
-        <p14:creationId xmlns:p14="http://schemas.microsoft.com/office/powerpoint/2010/main" val="1551952231"/>
+        <p14:creationId xmlns:p14="http://schemas.microsoft.com/office/powerpoint/2010/main" val="3373923323"/>
       </p:ext>
     </p:extLst>
   </p:cSld>
@@ -2186,20 +2224,31 @@
           <a:p>
             <a:r>
               <a:rPr lang="en-US" dirty="0" smtClean="0"/>
-              <a:t>Go!</a:t>
-            </a:r>
-          </a:p>
-          <a:p>
-            <a:endParaRPr lang="en-US" dirty="0" smtClean="0"/>
-          </a:p>
-          <a:p>
-            <a:r>
-              <a:rPr lang="en-US" dirty="0" smtClean="0"/>
-              <a:t>Get</a:t>
+              <a:t>First</a:t>
             </a:r>
             <a:r>
               <a:rPr lang="en-US" baseline="0" dirty="0" smtClean="0"/>
-              <a:t> started on your own, let’s check-in again in 20 minutes or so.</a:t>
+              <a:t> time you can run '</a:t>
+            </a:r>
+            <a:r>
+              <a:rPr lang="en-US" sz="900" dirty="0" err="1" smtClean="0"/>
+              <a:t>git</a:t>
+            </a:r>
+            <a:r>
+              <a:rPr lang="en-US" sz="900" dirty="0" smtClean="0"/>
+              <a:t> push –u origin master',</a:t>
+            </a:r>
+            <a:r>
+              <a:rPr lang="en-US" sz="900" baseline="0" dirty="0" smtClean="0"/>
+              <a:t> then subsequently you can just use '</a:t>
+            </a:r>
+            <a:r>
+              <a:rPr lang="en-US" sz="900" baseline="0" dirty="0" err="1" smtClean="0"/>
+              <a:t>git</a:t>
+            </a:r>
+            <a:r>
+              <a:rPr lang="en-US" sz="900" baseline="0" dirty="0" smtClean="0"/>
+              <a:t> push'</a:t>
             </a:r>
             <a:endParaRPr lang="en-US" dirty="0"/>
           </a:p>
@@ -2223,7 +2272,7 @@
             <a:fld id="{8B263312-38AA-4E1E-B2B5-0F8F122B24FE}" type="slidenum">
               <a:rPr lang="en-US" smtClean="0"/>
               <a:pPr/>
-              <a:t>28</a:t>
+              <a:t>32</a:t>
             </a:fld>
             <a:endParaRPr lang="en-US" dirty="0"/>
           </a:p>
@@ -2274,7 +2323,7 @@
     </p:spTree>
     <p:extLst>
       <p:ext uri="{BB962C8B-B14F-4D97-AF65-F5344CB8AC3E}">
-        <p14:creationId xmlns:p14="http://schemas.microsoft.com/office/powerpoint/2010/main" val="3278519784"/>
+        <p14:creationId xmlns:p14="http://schemas.microsoft.com/office/powerpoint/2010/main" val="3373923323"/>
       </p:ext>
     </p:extLst>
   </p:cSld>
@@ -2328,15 +2377,11 @@
           <a:bodyPr/>
           <a:lstStyle/>
           <a:p>
-            <a:r>
-              <a:rPr lang="en-US" dirty="0" smtClean="0"/>
-              <a:t>Demo early</a:t>
-            </a:r>
-            <a:r>
-              <a:rPr lang="en-US" baseline="0" dirty="0" smtClean="0"/>
-              <a:t> and demo often!  Have the participants share their progress, maybe every 20-40 minutes have another participant share what they’ve done so far and share with the class.</a:t>
-            </a:r>
-            <a:endParaRPr lang="en-US" dirty="0"/>
+            <a:endParaRPr lang="en-US" dirty="0">
+              <a:solidFill>
+                <a:srgbClr val="FF0000"/>
+              </a:solidFill>
+            </a:endParaRPr>
           </a:p>
         </p:txBody>
       </p:sp>
@@ -2358,7 +2403,7 @@
             <a:fld id="{8B263312-38AA-4E1E-B2B5-0F8F122B24FE}" type="slidenum">
               <a:rPr lang="en-US" smtClean="0"/>
               <a:pPr/>
-              <a:t>29</a:t>
+              <a:t>33</a:t>
             </a:fld>
             <a:endParaRPr lang="en-US" dirty="0"/>
           </a:p>
@@ -2409,7 +2454,7 @@
     </p:spTree>
     <p:extLst>
       <p:ext uri="{BB962C8B-B14F-4D97-AF65-F5344CB8AC3E}">
-        <p14:creationId xmlns:p14="http://schemas.microsoft.com/office/powerpoint/2010/main" val="71662303"/>
+        <p14:creationId xmlns:p14="http://schemas.microsoft.com/office/powerpoint/2010/main" val="1551952231"/>
       </p:ext>
     </p:extLst>
   </p:cSld>
@@ -2600,11 +2645,20 @@
           <a:p>
             <a:r>
               <a:rPr lang="en-US" dirty="0" smtClean="0"/>
-              <a:t>Do not show</a:t>
+              <a:t>Go!</a:t>
+            </a:r>
+          </a:p>
+          <a:p>
+            <a:endParaRPr lang="en-US" dirty="0" smtClean="0"/>
+          </a:p>
+          <a:p>
+            <a:r>
+              <a:rPr lang="en-US" dirty="0" smtClean="0"/>
+              <a:t>Get</a:t>
             </a:r>
             <a:r>
               <a:rPr lang="en-US" baseline="0" dirty="0" smtClean="0"/>
-              <a:t> these until the participants have had ample time to find and fix them on their own.</a:t>
+              <a:t> started on your own, let’s check-in again in 20 minutes or so.</a:t>
             </a:r>
             <a:endParaRPr lang="en-US" dirty="0"/>
           </a:p>
@@ -2628,7 +2682,7 @@
             <a:fld id="{8B263312-38AA-4E1E-B2B5-0F8F122B24FE}" type="slidenum">
               <a:rPr lang="en-US" smtClean="0"/>
               <a:pPr/>
-              <a:t>30</a:t>
+              <a:t>35</a:t>
             </a:fld>
             <a:endParaRPr lang="en-US" dirty="0"/>
           </a:p>
@@ -2679,7 +2733,7 @@
     </p:spTree>
     <p:extLst>
       <p:ext uri="{BB962C8B-B14F-4D97-AF65-F5344CB8AC3E}">
-        <p14:creationId xmlns:p14="http://schemas.microsoft.com/office/powerpoint/2010/main" val="2378470727"/>
+        <p14:creationId xmlns:p14="http://schemas.microsoft.com/office/powerpoint/2010/main" val="3278519784"/>
       </p:ext>
     </p:extLst>
   </p:cSld>
@@ -2735,20 +2789,11 @@
           <a:p>
             <a:r>
               <a:rPr lang="en-US" dirty="0" smtClean="0"/>
-              <a:t>Go!</a:t>
-            </a:r>
-          </a:p>
-          <a:p>
-            <a:endParaRPr lang="en-US" dirty="0" smtClean="0"/>
-          </a:p>
-          <a:p>
-            <a:r>
-              <a:rPr lang="en-US" dirty="0" smtClean="0"/>
-              <a:t>Get</a:t>
+              <a:t>Demo early</a:t>
             </a:r>
             <a:r>
               <a:rPr lang="en-US" baseline="0" dirty="0" smtClean="0"/>
-              <a:t> started on your own, let’s check-in again in 20 minutes or so.</a:t>
+              <a:t> and demo often!  Have the participants share their progress, maybe every 20-40 minutes have another participant share what they’ve done so far and share with the class.</a:t>
             </a:r>
             <a:endParaRPr lang="en-US" dirty="0"/>
           </a:p>
@@ -2772,7 +2817,7 @@
             <a:fld id="{8B263312-38AA-4E1E-B2B5-0F8F122B24FE}" type="slidenum">
               <a:rPr lang="en-US" smtClean="0"/>
               <a:pPr/>
-              <a:t>31</a:t>
+              <a:t>36</a:t>
             </a:fld>
             <a:endParaRPr lang="en-US" dirty="0"/>
           </a:p>
@@ -2823,7 +2868,7 @@
     </p:spTree>
     <p:extLst>
       <p:ext uri="{BB962C8B-B14F-4D97-AF65-F5344CB8AC3E}">
-        <p14:creationId xmlns:p14="http://schemas.microsoft.com/office/powerpoint/2010/main" val="3278519784"/>
+        <p14:creationId xmlns:p14="http://schemas.microsoft.com/office/powerpoint/2010/main" val="71662303"/>
       </p:ext>
     </p:extLst>
   </p:cSld>
@@ -2879,11 +2924,11 @@
           <a:p>
             <a:r>
               <a:rPr lang="en-US" dirty="0" smtClean="0"/>
-              <a:t>Demo early</a:t>
+              <a:t>Do not show</a:t>
             </a:r>
             <a:r>
               <a:rPr lang="en-US" baseline="0" dirty="0" smtClean="0"/>
-              <a:t> and demo often!  Have the participants share their progress, maybe every 20-40 minutes have another participant share what they’ve done so far and share with the class.</a:t>
+              <a:t> these until the participants have had ample time to find and fix them on their own.</a:t>
             </a:r>
             <a:endParaRPr lang="en-US" dirty="0"/>
           </a:p>
@@ -2907,7 +2952,7 @@
             <a:fld id="{8B263312-38AA-4E1E-B2B5-0F8F122B24FE}" type="slidenum">
               <a:rPr lang="en-US" smtClean="0"/>
               <a:pPr/>
-              <a:t>32</a:t>
+              <a:t>37</a:t>
             </a:fld>
             <a:endParaRPr lang="en-US" dirty="0"/>
           </a:p>
@@ -2958,7 +3003,7 @@
     </p:spTree>
     <p:extLst>
       <p:ext uri="{BB962C8B-B14F-4D97-AF65-F5344CB8AC3E}">
-        <p14:creationId xmlns:p14="http://schemas.microsoft.com/office/powerpoint/2010/main" val="71662303"/>
+        <p14:creationId xmlns:p14="http://schemas.microsoft.com/office/powerpoint/2010/main" val="2378470727"/>
       </p:ext>
     </p:extLst>
   </p:cSld>
@@ -3051,7 +3096,7 @@
             <a:fld id="{8B263312-38AA-4E1E-B2B5-0F8F122B24FE}" type="slidenum">
               <a:rPr lang="en-US" smtClean="0"/>
               <a:pPr/>
-              <a:t>34</a:t>
+              <a:t>38</a:t>
             </a:fld>
             <a:endParaRPr lang="en-US" dirty="0"/>
           </a:p>
@@ -3186,7 +3231,7 @@
             <a:fld id="{8B263312-38AA-4E1E-B2B5-0F8F122B24FE}" type="slidenum">
               <a:rPr lang="en-US" smtClean="0"/>
               <a:pPr/>
-              <a:t>35</a:t>
+              <a:t>39</a:t>
             </a:fld>
             <a:endParaRPr lang="en-US" dirty="0"/>
           </a:p>
@@ -3330,7 +3375,7 @@
             <a:fld id="{8B263312-38AA-4E1E-B2B5-0F8F122B24FE}" type="slidenum">
               <a:rPr lang="en-US" smtClean="0"/>
               <a:pPr/>
-              <a:t>37</a:t>
+              <a:t>41</a:t>
             </a:fld>
             <a:endParaRPr lang="en-US" dirty="0"/>
           </a:p>
@@ -3465,7 +3510,7 @@
             <a:fld id="{8B263312-38AA-4E1E-B2B5-0F8F122B24FE}" type="slidenum">
               <a:rPr lang="en-US" smtClean="0"/>
               <a:pPr/>
-              <a:t>38</a:t>
+              <a:t>42</a:t>
             </a:fld>
             <a:endParaRPr lang="en-US" dirty="0"/>
           </a:p>
@@ -3567,356 +3612,26 @@
         </p:nvSpPr>
         <p:spPr/>
         <p:txBody>
-          <a:bodyPr>
-            <a:normAutofit fontScale="92500" lnSpcReduction="20000"/>
-          </a:bodyPr>
-          <a:lstStyle/>
-          <a:p>
-            <a:r>
-              <a:rPr lang="en-US" dirty="0" smtClean="0"/>
-              <a:t>So many options</a:t>
+          <a:bodyPr/>
+          <a:lstStyle/>
+          <a:p>
+            <a:r>
+              <a:rPr lang="en-US" dirty="0" smtClean="0"/>
+              <a:t>Go!</a:t>
+            </a:r>
+          </a:p>
+          <a:p>
+            <a:endParaRPr lang="en-US" dirty="0" smtClean="0"/>
+          </a:p>
+          <a:p>
+            <a:r>
+              <a:rPr lang="en-US" dirty="0" smtClean="0"/>
+              <a:t>Get</a:t>
             </a:r>
             <a:r>
               <a:rPr lang="en-US" baseline="0" dirty="0" smtClean="0"/>
-              <a:t> for where to go next with this project!  What will you do?</a:t>
-            </a:r>
-          </a:p>
-          <a:p>
-            <a:endParaRPr lang="en-US" baseline="0" dirty="0" smtClean="0"/>
-          </a:p>
-          <a:p>
-            <a:r>
-              <a:rPr lang="en-US" baseline="0" dirty="0" smtClean="0"/>
-              <a:t>Check https://</a:t>
-            </a:r>
-            <a:r>
-              <a:rPr lang="en-US" baseline="0" dirty="0" err="1" smtClean="0"/>
-              <a:t>github.com</a:t>
-            </a:r>
-            <a:r>
-              <a:rPr lang="en-US" baseline="0" dirty="0" smtClean="0"/>
-              <a:t>/</a:t>
-            </a:r>
-            <a:r>
-              <a:rPr lang="en-US" baseline="0" dirty="0" err="1" smtClean="0"/>
-              <a:t>learnchef</a:t>
-            </a:r>
-            <a:r>
-              <a:rPr lang="en-US" baseline="0" dirty="0" smtClean="0"/>
-              <a:t>/workshops/tree/master/</a:t>
-            </a:r>
-            <a:r>
-              <a:rPr lang="en-US" baseline="0" dirty="0" err="1" smtClean="0"/>
-              <a:t>Awesome_Appliance_Repair</a:t>
-            </a:r>
-            <a:r>
-              <a:rPr lang="en-US" baseline="0" dirty="0" smtClean="0"/>
-              <a:t> for additional ideas and / or additional detail.</a:t>
-            </a:r>
-          </a:p>
-          <a:p>
-            <a:endParaRPr lang="en-US" baseline="0" dirty="0" smtClean="0"/>
-          </a:p>
-          <a:p>
-            <a:r>
-              <a:rPr lang="en-US" baseline="0" dirty="0" smtClean="0"/>
-              <a:t>## Next steps</a:t>
-            </a:r>
-          </a:p>
-          <a:p>
-            <a:endParaRPr lang="en-US" baseline="0" dirty="0" smtClean="0"/>
-          </a:p>
-          <a:p>
-            <a:r>
-              <a:rPr lang="en-US" baseline="0" dirty="0" smtClean="0"/>
-              <a:t>You can take expand on this project a number of ways including:</a:t>
-            </a:r>
-          </a:p>
-          <a:p>
-            <a:endParaRPr lang="en-US" baseline="0" dirty="0" smtClean="0"/>
-          </a:p>
-          <a:p>
-            <a:r>
-              <a:rPr lang="en-US" baseline="0" dirty="0" smtClean="0"/>
-              <a:t>* Testing</a:t>
-            </a:r>
-          </a:p>
-          <a:p>
-            <a:r>
-              <a:rPr lang="en-US" baseline="0" dirty="0" smtClean="0"/>
-              <a:t>  * Use [Test Kitchen](http://</a:t>
-            </a:r>
-            <a:r>
-              <a:rPr lang="en-US" baseline="0" dirty="0" err="1" smtClean="0"/>
-              <a:t>kitchen.ci</a:t>
-            </a:r>
-            <a:r>
-              <a:rPr lang="en-US" baseline="0" dirty="0" smtClean="0"/>
-              <a:t>) to validate your chef-client runs.</a:t>
-            </a:r>
-          </a:p>
-          <a:p>
-            <a:r>
-              <a:rPr lang="en-US" baseline="0" dirty="0" smtClean="0"/>
-              <a:t>  * Add static code analysis using [</a:t>
-            </a:r>
-            <a:r>
-              <a:rPr lang="en-US" baseline="0" dirty="0" err="1" smtClean="0"/>
-              <a:t>Rubocop</a:t>
-            </a:r>
-            <a:r>
-              <a:rPr lang="en-US" baseline="0" dirty="0" smtClean="0"/>
-              <a:t>](https://</a:t>
-            </a:r>
-            <a:r>
-              <a:rPr lang="en-US" baseline="0" dirty="0" err="1" smtClean="0"/>
-              <a:t>github.com</a:t>
-            </a:r>
-            <a:r>
-              <a:rPr lang="en-US" baseline="0" dirty="0" smtClean="0"/>
-              <a:t>/</a:t>
-            </a:r>
-            <a:r>
-              <a:rPr lang="en-US" baseline="0" dirty="0" err="1" smtClean="0"/>
-              <a:t>bbatsov</a:t>
-            </a:r>
-            <a:r>
-              <a:rPr lang="en-US" baseline="0" dirty="0" smtClean="0"/>
-              <a:t>/</a:t>
-            </a:r>
-            <a:r>
-              <a:rPr lang="en-US" baseline="0" dirty="0" err="1" smtClean="0"/>
-              <a:t>rubocop</a:t>
-            </a:r>
-            <a:r>
-              <a:rPr lang="en-US" baseline="0" dirty="0" smtClean="0"/>
-              <a:t>) and [Food Critic](</a:t>
-            </a:r>
-            <a:r>
-              <a:rPr lang="en-US" baseline="0" dirty="0" err="1" smtClean="0"/>
-              <a:t>foodcritic.io</a:t>
-            </a:r>
-            <a:r>
-              <a:rPr lang="en-US" baseline="0" dirty="0" smtClean="0"/>
-              <a:t>).</a:t>
-            </a:r>
-          </a:p>
-          <a:p>
-            <a:r>
-              <a:rPr lang="en-US" baseline="0" dirty="0" smtClean="0"/>
-              <a:t>  * Add [</a:t>
-            </a:r>
-            <a:r>
-              <a:rPr lang="en-US" baseline="0" dirty="0" err="1" smtClean="0"/>
-              <a:t>ChefSpec</a:t>
-            </a:r>
-            <a:r>
-              <a:rPr lang="en-US" baseline="0" dirty="0" smtClean="0"/>
-              <a:t>](http://</a:t>
-            </a:r>
-            <a:r>
-              <a:rPr lang="en-US" baseline="0" dirty="0" err="1" smtClean="0"/>
-              <a:t>sethvargo.github.io</a:t>
-            </a:r>
-            <a:r>
-              <a:rPr lang="en-US" baseline="0" dirty="0" smtClean="0"/>
-              <a:t>/</a:t>
-            </a:r>
-            <a:r>
-              <a:rPr lang="en-US" baseline="0" dirty="0" err="1" smtClean="0"/>
-              <a:t>chefspec</a:t>
-            </a:r>
-            <a:r>
-              <a:rPr lang="en-US" baseline="0" dirty="0" smtClean="0"/>
-              <a:t>/) tests.</a:t>
-            </a:r>
-          </a:p>
-          <a:p>
-            <a:r>
-              <a:rPr lang="en-US" baseline="0" dirty="0" smtClean="0"/>
-              <a:t>  * Add [</a:t>
-            </a:r>
-            <a:r>
-              <a:rPr lang="en-US" baseline="0" dirty="0" err="1" smtClean="0"/>
-              <a:t>Serverspec</a:t>
-            </a:r>
-            <a:r>
-              <a:rPr lang="en-US" baseline="0" dirty="0" smtClean="0"/>
-              <a:t>](http://</a:t>
-            </a:r>
-            <a:r>
-              <a:rPr lang="en-US" baseline="0" dirty="0" err="1" smtClean="0"/>
-              <a:t>serverspec.org</a:t>
-            </a:r>
-            <a:r>
-              <a:rPr lang="en-US" baseline="0" dirty="0" smtClean="0"/>
-              <a:t>/) tests.</a:t>
-            </a:r>
-          </a:p>
-          <a:p>
-            <a:r>
-              <a:rPr lang="en-US" baseline="0" dirty="0" smtClean="0"/>
-              <a:t>  * Add a continuous integration server, such as Jenkins</a:t>
-            </a:r>
-          </a:p>
-          <a:p>
-            <a:r>
-              <a:rPr lang="en-US" baseline="0" dirty="0" smtClean="0"/>
-              <a:t>* Multi-tier implementation</a:t>
-            </a:r>
-          </a:p>
-          <a:p>
-            <a:r>
-              <a:rPr lang="en-US" baseline="0" dirty="0" smtClean="0"/>
-              <a:t>  * move the database to a separate node</a:t>
-            </a:r>
-          </a:p>
-          <a:p>
-            <a:r>
-              <a:rPr lang="en-US" baseline="0" dirty="0" smtClean="0"/>
-              <a:t>  * add a load balancer and additional web server</a:t>
-            </a:r>
-          </a:p>
-          <a:p>
-            <a:r>
-              <a:rPr lang="en-US" baseline="0" dirty="0" smtClean="0"/>
-              <a:t>* Community Cookbooks - What cookbooks in the [Supermarket](http://</a:t>
-            </a:r>
-            <a:r>
-              <a:rPr lang="en-US" baseline="0" dirty="0" err="1" smtClean="0"/>
-              <a:t>supermarket.getchef.com</a:t>
-            </a:r>
-            <a:r>
-              <a:rPr lang="en-US" baseline="0" dirty="0" smtClean="0"/>
-              <a:t>) might help?</a:t>
-            </a:r>
-          </a:p>
-          <a:p>
-            <a:r>
-              <a:rPr lang="en-US" baseline="0" dirty="0" smtClean="0"/>
-              <a:t>* Multi-OS support - what changes are required to deploy the application to </a:t>
-            </a:r>
-            <a:r>
-              <a:rPr lang="en-US" baseline="0" dirty="0" err="1" smtClean="0"/>
-              <a:t>CentOS</a:t>
-            </a:r>
-            <a:r>
-              <a:rPr lang="en-US" baseline="0" dirty="0" smtClean="0"/>
-              <a:t>? </a:t>
-            </a:r>
-          </a:p>
-          <a:p>
-            <a:r>
-              <a:rPr lang="en-US" baseline="0" dirty="0" smtClean="0"/>
-              <a:t>* Cloud deployment</a:t>
-            </a:r>
-          </a:p>
-          <a:p>
-            <a:r>
-              <a:rPr lang="en-US" baseline="0" dirty="0" smtClean="0"/>
-              <a:t>  * Can you deploy this </a:t>
-            </a:r>
-            <a:r>
-              <a:rPr lang="en-US" baseline="0" dirty="0" err="1" smtClean="0"/>
-              <a:t>applicaiton</a:t>
-            </a:r>
-            <a:r>
-              <a:rPr lang="en-US" baseline="0" dirty="0" smtClean="0"/>
-              <a:t> to another infrastructure as a service environment?  (AWS, Azure, Rackspace, Digital Ocean, etc.)</a:t>
-            </a:r>
-          </a:p>
-          <a:p>
-            <a:r>
-              <a:rPr lang="en-US" baseline="0" dirty="0" smtClean="0"/>
-              <a:t>* Operationalize</a:t>
-            </a:r>
-          </a:p>
-          <a:p>
-            <a:r>
-              <a:rPr lang="en-US" baseline="0" dirty="0" smtClean="0"/>
-              <a:t>  * Add monitoring (</a:t>
-            </a:r>
-            <a:r>
-              <a:rPr lang="en-US" baseline="0" dirty="0" err="1" smtClean="0"/>
-              <a:t>nagios</a:t>
-            </a:r>
-            <a:r>
-              <a:rPr lang="en-US" baseline="0" dirty="0" smtClean="0"/>
-              <a:t>, </a:t>
-            </a:r>
-            <a:r>
-              <a:rPr lang="en-US" baseline="0" dirty="0" err="1" smtClean="0"/>
-              <a:t>sensu</a:t>
-            </a:r>
-            <a:r>
-              <a:rPr lang="en-US" baseline="0" dirty="0" smtClean="0"/>
-              <a:t>, etc.)</a:t>
-            </a:r>
-          </a:p>
-          <a:p>
-            <a:r>
-              <a:rPr lang="en-US" baseline="0" dirty="0" smtClean="0"/>
-              <a:t>  * Add central logging (</a:t>
-            </a:r>
-            <a:r>
-              <a:rPr lang="en-US" baseline="0" dirty="0" err="1" smtClean="0"/>
-              <a:t>splunk</a:t>
-            </a:r>
-            <a:r>
-              <a:rPr lang="en-US" baseline="0" dirty="0" smtClean="0"/>
-              <a:t>, </a:t>
-            </a:r>
-            <a:r>
-              <a:rPr lang="en-US" baseline="0" dirty="0" err="1" smtClean="0"/>
-              <a:t>logstash</a:t>
-            </a:r>
-            <a:r>
-              <a:rPr lang="en-US" baseline="0" dirty="0" smtClean="0"/>
-              <a:t>, etc.)</a:t>
-            </a:r>
-          </a:p>
-          <a:p>
-            <a:r>
-              <a:rPr lang="en-US" baseline="0" dirty="0" smtClean="0"/>
-              <a:t>  * Schedule database backups</a:t>
-            </a:r>
-          </a:p>
-          <a:p>
-            <a:r>
-              <a:rPr lang="en-US" baseline="0" dirty="0" smtClean="0"/>
-              <a:t>  * Add an additional database for replication (master / slave)</a:t>
-            </a:r>
-          </a:p>
-          <a:p>
-            <a:r>
-              <a:rPr lang="en-US" baseline="0" dirty="0" smtClean="0"/>
-              <a:t>* </a:t>
-            </a:r>
-            <a:r>
-              <a:rPr lang="en-US" baseline="0" dirty="0" err="1" smtClean="0"/>
-              <a:t>Applicaiton</a:t>
-            </a:r>
-            <a:r>
-              <a:rPr lang="en-US" baseline="0" dirty="0" smtClean="0"/>
-              <a:t> Deployments</a:t>
-            </a:r>
-          </a:p>
-          <a:p>
-            <a:r>
-              <a:rPr lang="en-US" baseline="0" dirty="0" smtClean="0"/>
-              <a:t>  * How do you deploy updates to the Awesome Appliance Repair application?</a:t>
-            </a:r>
-          </a:p>
-          <a:p>
-            <a:endParaRPr lang="en-US" baseline="0" dirty="0" smtClean="0"/>
-          </a:p>
-          <a:p>
-            <a:endParaRPr lang="en-US" baseline="0" dirty="0" smtClean="0"/>
-          </a:p>
-          <a:p>
-            <a:endParaRPr lang="en-US" baseline="0" dirty="0" smtClean="0"/>
-          </a:p>
-          <a:p>
+              <a:t> started on your own, let’s check-in again in 20 minutes or so.</a:t>
+            </a:r>
             <a:endParaRPr lang="en-US" dirty="0"/>
           </a:p>
         </p:txBody>
@@ -3939,7 +3654,7 @@
             <a:fld id="{8B263312-38AA-4E1E-B2B5-0F8F122B24FE}" type="slidenum">
               <a:rPr lang="en-US" smtClean="0"/>
               <a:pPr/>
-              <a:t>39</a:t>
+              <a:t>44</a:t>
             </a:fld>
             <a:endParaRPr lang="en-US" dirty="0"/>
           </a:p>
@@ -3990,7 +3705,7 @@
     </p:spTree>
     <p:extLst>
       <p:ext uri="{BB962C8B-B14F-4D97-AF65-F5344CB8AC3E}">
-        <p14:creationId xmlns:p14="http://schemas.microsoft.com/office/powerpoint/2010/main" val="4252575558"/>
+        <p14:creationId xmlns:p14="http://schemas.microsoft.com/office/powerpoint/2010/main" val="3278519784"/>
       </p:ext>
     </p:extLst>
   </p:cSld>
@@ -4046,20 +3761,11 @@
           <a:p>
             <a:r>
               <a:rPr lang="en-US" dirty="0" smtClean="0"/>
-              <a:t>Go!</a:t>
-            </a:r>
-          </a:p>
-          <a:p>
-            <a:endParaRPr lang="en-US" dirty="0" smtClean="0"/>
-          </a:p>
-          <a:p>
-            <a:r>
-              <a:rPr lang="en-US" dirty="0" smtClean="0"/>
-              <a:t>Get</a:t>
+              <a:t>Demo early</a:t>
             </a:r>
             <a:r>
               <a:rPr lang="en-US" baseline="0" dirty="0" smtClean="0"/>
-              <a:t> started on your own, let’s check-in again in 20 minutes or so.</a:t>
+              <a:t> and demo often!  Have the participants share their progress, maybe every 20-40 minutes have another participant share what they’ve done so far and share with the class.</a:t>
             </a:r>
             <a:endParaRPr lang="en-US" dirty="0"/>
           </a:p>
@@ -4083,7 +3789,7 @@
             <a:fld id="{8B263312-38AA-4E1E-B2B5-0F8F122B24FE}" type="slidenum">
               <a:rPr lang="en-US" smtClean="0"/>
               <a:pPr/>
-              <a:t>40</a:t>
+              <a:t>45</a:t>
             </a:fld>
             <a:endParaRPr lang="en-US" dirty="0"/>
           </a:p>
@@ -4134,7 +3840,7 @@
     </p:spTree>
     <p:extLst>
       <p:ext uri="{BB962C8B-B14F-4D97-AF65-F5344CB8AC3E}">
-        <p14:creationId xmlns:p14="http://schemas.microsoft.com/office/powerpoint/2010/main" val="3278519784"/>
+        <p14:creationId xmlns:p14="http://schemas.microsoft.com/office/powerpoint/2010/main" val="71662303"/>
       </p:ext>
     </p:extLst>
   </p:cSld>
@@ -4185,17 +3891,356 @@
         </p:nvSpPr>
         <p:spPr/>
         <p:txBody>
-          <a:bodyPr/>
-          <a:lstStyle/>
-          <a:p>
-            <a:r>
-              <a:rPr lang="en-US" dirty="0" smtClean="0"/>
-              <a:t>Demo early</a:t>
+          <a:bodyPr>
+            <a:normAutofit fontScale="92500" lnSpcReduction="20000"/>
+          </a:bodyPr>
+          <a:lstStyle/>
+          <a:p>
+            <a:r>
+              <a:rPr lang="en-US" dirty="0" smtClean="0"/>
+              <a:t>So many options</a:t>
             </a:r>
             <a:r>
               <a:rPr lang="en-US" baseline="0" dirty="0" smtClean="0"/>
-              <a:t> and demo often!  Have the participants share their progress, maybe every 20-40 minutes have another participant share what they’ve done so far and share with the class.</a:t>
-            </a:r>
+              <a:t> for where to go next with this project!  What will you do?</a:t>
+            </a:r>
+          </a:p>
+          <a:p>
+            <a:endParaRPr lang="en-US" baseline="0" dirty="0" smtClean="0"/>
+          </a:p>
+          <a:p>
+            <a:r>
+              <a:rPr lang="en-US" baseline="0" dirty="0" smtClean="0"/>
+              <a:t>Check https://</a:t>
+            </a:r>
+            <a:r>
+              <a:rPr lang="en-US" baseline="0" dirty="0" err="1" smtClean="0"/>
+              <a:t>github.com</a:t>
+            </a:r>
+            <a:r>
+              <a:rPr lang="en-US" baseline="0" dirty="0" smtClean="0"/>
+              <a:t>/</a:t>
+            </a:r>
+            <a:r>
+              <a:rPr lang="en-US" baseline="0" dirty="0" err="1" smtClean="0"/>
+              <a:t>learnchef</a:t>
+            </a:r>
+            <a:r>
+              <a:rPr lang="en-US" baseline="0" dirty="0" smtClean="0"/>
+              <a:t>/workshops/tree/master/</a:t>
+            </a:r>
+            <a:r>
+              <a:rPr lang="en-US" baseline="0" dirty="0" err="1" smtClean="0"/>
+              <a:t>Awesome_Appliance_Repair</a:t>
+            </a:r>
+            <a:r>
+              <a:rPr lang="en-US" baseline="0" dirty="0" smtClean="0"/>
+              <a:t> for additional ideas and / or additional detail.</a:t>
+            </a:r>
+          </a:p>
+          <a:p>
+            <a:endParaRPr lang="en-US" baseline="0" dirty="0" smtClean="0"/>
+          </a:p>
+          <a:p>
+            <a:r>
+              <a:rPr lang="en-US" baseline="0" dirty="0" smtClean="0"/>
+              <a:t>## Next steps</a:t>
+            </a:r>
+          </a:p>
+          <a:p>
+            <a:endParaRPr lang="en-US" baseline="0" dirty="0" smtClean="0"/>
+          </a:p>
+          <a:p>
+            <a:r>
+              <a:rPr lang="en-US" baseline="0" dirty="0" smtClean="0"/>
+              <a:t>You can take expand on this project a number of ways including:</a:t>
+            </a:r>
+          </a:p>
+          <a:p>
+            <a:endParaRPr lang="en-US" baseline="0" dirty="0" smtClean="0"/>
+          </a:p>
+          <a:p>
+            <a:r>
+              <a:rPr lang="en-US" baseline="0" dirty="0" smtClean="0"/>
+              <a:t>* Testing</a:t>
+            </a:r>
+          </a:p>
+          <a:p>
+            <a:r>
+              <a:rPr lang="en-US" baseline="0" dirty="0" smtClean="0"/>
+              <a:t>  * Use [Test Kitchen](http://</a:t>
+            </a:r>
+            <a:r>
+              <a:rPr lang="en-US" baseline="0" dirty="0" err="1" smtClean="0"/>
+              <a:t>kitchen.ci</a:t>
+            </a:r>
+            <a:r>
+              <a:rPr lang="en-US" baseline="0" dirty="0" smtClean="0"/>
+              <a:t>) to validate your chef-client runs.</a:t>
+            </a:r>
+          </a:p>
+          <a:p>
+            <a:r>
+              <a:rPr lang="en-US" baseline="0" dirty="0" smtClean="0"/>
+              <a:t>  * Add static code analysis using [</a:t>
+            </a:r>
+            <a:r>
+              <a:rPr lang="en-US" baseline="0" dirty="0" err="1" smtClean="0"/>
+              <a:t>Rubocop</a:t>
+            </a:r>
+            <a:r>
+              <a:rPr lang="en-US" baseline="0" dirty="0" smtClean="0"/>
+              <a:t>](https://</a:t>
+            </a:r>
+            <a:r>
+              <a:rPr lang="en-US" baseline="0" dirty="0" err="1" smtClean="0"/>
+              <a:t>github.com</a:t>
+            </a:r>
+            <a:r>
+              <a:rPr lang="en-US" baseline="0" dirty="0" smtClean="0"/>
+              <a:t>/</a:t>
+            </a:r>
+            <a:r>
+              <a:rPr lang="en-US" baseline="0" dirty="0" err="1" smtClean="0"/>
+              <a:t>bbatsov</a:t>
+            </a:r>
+            <a:r>
+              <a:rPr lang="en-US" baseline="0" dirty="0" smtClean="0"/>
+              <a:t>/</a:t>
+            </a:r>
+            <a:r>
+              <a:rPr lang="en-US" baseline="0" dirty="0" err="1" smtClean="0"/>
+              <a:t>rubocop</a:t>
+            </a:r>
+            <a:r>
+              <a:rPr lang="en-US" baseline="0" dirty="0" smtClean="0"/>
+              <a:t>) and [Food Critic](</a:t>
+            </a:r>
+            <a:r>
+              <a:rPr lang="en-US" baseline="0" dirty="0" err="1" smtClean="0"/>
+              <a:t>foodcritic.io</a:t>
+            </a:r>
+            <a:r>
+              <a:rPr lang="en-US" baseline="0" dirty="0" smtClean="0"/>
+              <a:t>).</a:t>
+            </a:r>
+          </a:p>
+          <a:p>
+            <a:r>
+              <a:rPr lang="en-US" baseline="0" dirty="0" smtClean="0"/>
+              <a:t>  * Add [</a:t>
+            </a:r>
+            <a:r>
+              <a:rPr lang="en-US" baseline="0" dirty="0" err="1" smtClean="0"/>
+              <a:t>ChefSpec</a:t>
+            </a:r>
+            <a:r>
+              <a:rPr lang="en-US" baseline="0" dirty="0" smtClean="0"/>
+              <a:t>](http://</a:t>
+            </a:r>
+            <a:r>
+              <a:rPr lang="en-US" baseline="0" dirty="0" err="1" smtClean="0"/>
+              <a:t>sethvargo.github.io</a:t>
+            </a:r>
+            <a:r>
+              <a:rPr lang="en-US" baseline="0" dirty="0" smtClean="0"/>
+              <a:t>/</a:t>
+            </a:r>
+            <a:r>
+              <a:rPr lang="en-US" baseline="0" dirty="0" err="1" smtClean="0"/>
+              <a:t>chefspec</a:t>
+            </a:r>
+            <a:r>
+              <a:rPr lang="en-US" baseline="0" dirty="0" smtClean="0"/>
+              <a:t>/) tests.</a:t>
+            </a:r>
+          </a:p>
+          <a:p>
+            <a:r>
+              <a:rPr lang="en-US" baseline="0" dirty="0" smtClean="0"/>
+              <a:t>  * Add [</a:t>
+            </a:r>
+            <a:r>
+              <a:rPr lang="en-US" baseline="0" dirty="0" err="1" smtClean="0"/>
+              <a:t>Serverspec</a:t>
+            </a:r>
+            <a:r>
+              <a:rPr lang="en-US" baseline="0" dirty="0" smtClean="0"/>
+              <a:t>](http://</a:t>
+            </a:r>
+            <a:r>
+              <a:rPr lang="en-US" baseline="0" dirty="0" err="1" smtClean="0"/>
+              <a:t>serverspec.org</a:t>
+            </a:r>
+            <a:r>
+              <a:rPr lang="en-US" baseline="0" dirty="0" smtClean="0"/>
+              <a:t>/) tests.</a:t>
+            </a:r>
+          </a:p>
+          <a:p>
+            <a:r>
+              <a:rPr lang="en-US" baseline="0" dirty="0" smtClean="0"/>
+              <a:t>  * Add a continuous integration server, such as Jenkins</a:t>
+            </a:r>
+          </a:p>
+          <a:p>
+            <a:r>
+              <a:rPr lang="en-US" baseline="0" dirty="0" smtClean="0"/>
+              <a:t>* Multi-tier implementation</a:t>
+            </a:r>
+          </a:p>
+          <a:p>
+            <a:r>
+              <a:rPr lang="en-US" baseline="0" dirty="0" smtClean="0"/>
+              <a:t>  * move the database to a separate node</a:t>
+            </a:r>
+          </a:p>
+          <a:p>
+            <a:r>
+              <a:rPr lang="en-US" baseline="0" dirty="0" smtClean="0"/>
+              <a:t>  * add a load balancer and additional web server</a:t>
+            </a:r>
+          </a:p>
+          <a:p>
+            <a:r>
+              <a:rPr lang="en-US" baseline="0" dirty="0" smtClean="0"/>
+              <a:t>* Community Cookbooks - What cookbooks in the [Supermarket](http://</a:t>
+            </a:r>
+            <a:r>
+              <a:rPr lang="en-US" baseline="0" dirty="0" err="1" smtClean="0"/>
+              <a:t>supermarket.getchef.com</a:t>
+            </a:r>
+            <a:r>
+              <a:rPr lang="en-US" baseline="0" dirty="0" smtClean="0"/>
+              <a:t>) might help?</a:t>
+            </a:r>
+          </a:p>
+          <a:p>
+            <a:r>
+              <a:rPr lang="en-US" baseline="0" dirty="0" smtClean="0"/>
+              <a:t>* Multi-OS support - what changes are required to deploy the application to </a:t>
+            </a:r>
+            <a:r>
+              <a:rPr lang="en-US" baseline="0" dirty="0" err="1" smtClean="0"/>
+              <a:t>CentOS</a:t>
+            </a:r>
+            <a:r>
+              <a:rPr lang="en-US" baseline="0" dirty="0" smtClean="0"/>
+              <a:t>? </a:t>
+            </a:r>
+          </a:p>
+          <a:p>
+            <a:r>
+              <a:rPr lang="en-US" baseline="0" dirty="0" smtClean="0"/>
+              <a:t>* Cloud deployment</a:t>
+            </a:r>
+          </a:p>
+          <a:p>
+            <a:r>
+              <a:rPr lang="en-US" baseline="0" dirty="0" smtClean="0"/>
+              <a:t>  * Can you deploy this </a:t>
+            </a:r>
+            <a:r>
+              <a:rPr lang="en-US" baseline="0" dirty="0" err="1" smtClean="0"/>
+              <a:t>applicaiton</a:t>
+            </a:r>
+            <a:r>
+              <a:rPr lang="en-US" baseline="0" dirty="0" smtClean="0"/>
+              <a:t> to another infrastructure as a service environment?  (AWS, Azure, Rackspace, Digital Ocean, etc.)</a:t>
+            </a:r>
+          </a:p>
+          <a:p>
+            <a:r>
+              <a:rPr lang="en-US" baseline="0" dirty="0" smtClean="0"/>
+              <a:t>* Operationalize</a:t>
+            </a:r>
+          </a:p>
+          <a:p>
+            <a:r>
+              <a:rPr lang="en-US" baseline="0" dirty="0" smtClean="0"/>
+              <a:t>  * Add monitoring (</a:t>
+            </a:r>
+            <a:r>
+              <a:rPr lang="en-US" baseline="0" dirty="0" err="1" smtClean="0"/>
+              <a:t>nagios</a:t>
+            </a:r>
+            <a:r>
+              <a:rPr lang="en-US" baseline="0" dirty="0" smtClean="0"/>
+              <a:t>, </a:t>
+            </a:r>
+            <a:r>
+              <a:rPr lang="en-US" baseline="0" dirty="0" err="1" smtClean="0"/>
+              <a:t>sensu</a:t>
+            </a:r>
+            <a:r>
+              <a:rPr lang="en-US" baseline="0" dirty="0" smtClean="0"/>
+              <a:t>, etc.)</a:t>
+            </a:r>
+          </a:p>
+          <a:p>
+            <a:r>
+              <a:rPr lang="en-US" baseline="0" dirty="0" smtClean="0"/>
+              <a:t>  * Add central logging (</a:t>
+            </a:r>
+            <a:r>
+              <a:rPr lang="en-US" baseline="0" dirty="0" err="1" smtClean="0"/>
+              <a:t>splunk</a:t>
+            </a:r>
+            <a:r>
+              <a:rPr lang="en-US" baseline="0" dirty="0" smtClean="0"/>
+              <a:t>, </a:t>
+            </a:r>
+            <a:r>
+              <a:rPr lang="en-US" baseline="0" dirty="0" err="1" smtClean="0"/>
+              <a:t>logstash</a:t>
+            </a:r>
+            <a:r>
+              <a:rPr lang="en-US" baseline="0" dirty="0" smtClean="0"/>
+              <a:t>, etc.)</a:t>
+            </a:r>
+          </a:p>
+          <a:p>
+            <a:r>
+              <a:rPr lang="en-US" baseline="0" dirty="0" smtClean="0"/>
+              <a:t>  * Schedule database backups</a:t>
+            </a:r>
+          </a:p>
+          <a:p>
+            <a:r>
+              <a:rPr lang="en-US" baseline="0" dirty="0" smtClean="0"/>
+              <a:t>  * Add an additional database for replication (master / slave)</a:t>
+            </a:r>
+          </a:p>
+          <a:p>
+            <a:r>
+              <a:rPr lang="en-US" baseline="0" dirty="0" smtClean="0"/>
+              <a:t>* </a:t>
+            </a:r>
+            <a:r>
+              <a:rPr lang="en-US" baseline="0" dirty="0" err="1" smtClean="0"/>
+              <a:t>Applicaiton</a:t>
+            </a:r>
+            <a:r>
+              <a:rPr lang="en-US" baseline="0" dirty="0" smtClean="0"/>
+              <a:t> Deployments</a:t>
+            </a:r>
+          </a:p>
+          <a:p>
+            <a:r>
+              <a:rPr lang="en-US" baseline="0" dirty="0" smtClean="0"/>
+              <a:t>  * How do you deploy updates to the Awesome Appliance Repair application?</a:t>
+            </a:r>
+          </a:p>
+          <a:p>
+            <a:endParaRPr lang="en-US" baseline="0" dirty="0" smtClean="0"/>
+          </a:p>
+          <a:p>
+            <a:endParaRPr lang="en-US" baseline="0" dirty="0" smtClean="0"/>
+          </a:p>
+          <a:p>
+            <a:endParaRPr lang="en-US" baseline="0" dirty="0" smtClean="0"/>
+          </a:p>
+          <a:p>
             <a:endParaRPr lang="en-US" dirty="0"/>
           </a:p>
         </p:txBody>
@@ -4218,7 +4263,7 @@
             <a:fld id="{8B263312-38AA-4E1E-B2B5-0F8F122B24FE}" type="slidenum">
               <a:rPr lang="en-US" smtClean="0"/>
               <a:pPr/>
-              <a:t>41</a:t>
+              <a:t>46</a:t>
             </a:fld>
             <a:endParaRPr lang="en-US" dirty="0"/>
           </a:p>
@@ -4269,7 +4314,7 @@
     </p:spTree>
     <p:extLst>
       <p:ext uri="{BB962C8B-B14F-4D97-AF65-F5344CB8AC3E}">
-        <p14:creationId xmlns:p14="http://schemas.microsoft.com/office/powerpoint/2010/main" val="71662303"/>
+        <p14:creationId xmlns:p14="http://schemas.microsoft.com/office/powerpoint/2010/main" val="4252575558"/>
       </p:ext>
     </p:extLst>
   </p:cSld>
@@ -4456,7 +4501,20 @@
           <a:p>
             <a:r>
               <a:rPr lang="en-US" dirty="0" smtClean="0"/>
-              <a:t>Wrapping up, let’s revisit our objectives.</a:t>
+              <a:t>Go!</a:t>
+            </a:r>
+          </a:p>
+          <a:p>
+            <a:endParaRPr lang="en-US" dirty="0" smtClean="0"/>
+          </a:p>
+          <a:p>
+            <a:r>
+              <a:rPr lang="en-US" dirty="0" smtClean="0"/>
+              <a:t>Get</a:t>
+            </a:r>
+            <a:r>
+              <a:rPr lang="en-US" baseline="0" dirty="0" smtClean="0"/>
+              <a:t> started on your own, let’s check-in again in 20 minutes or so.</a:t>
             </a:r>
             <a:endParaRPr lang="en-US" dirty="0"/>
           </a:p>
@@ -4480,7 +4538,7 @@
             <a:fld id="{8B263312-38AA-4E1E-B2B5-0F8F122B24FE}" type="slidenum">
               <a:rPr lang="en-US" smtClean="0"/>
               <a:pPr/>
-              <a:t>42</a:t>
+              <a:t>47</a:t>
             </a:fld>
             <a:endParaRPr lang="en-US" dirty="0"/>
           </a:p>
@@ -4531,7 +4589,7 @@
     </p:spTree>
     <p:extLst>
       <p:ext uri="{BB962C8B-B14F-4D97-AF65-F5344CB8AC3E}">
-        <p14:creationId xmlns:p14="http://schemas.microsoft.com/office/powerpoint/2010/main" val="1120799086"/>
+        <p14:creationId xmlns:p14="http://schemas.microsoft.com/office/powerpoint/2010/main" val="3278519784"/>
       </p:ext>
     </p:extLst>
   </p:cSld>
@@ -4586,59 +4644,12 @@
           <a:lstStyle/>
           <a:p>
             <a:r>
-              <a:rPr lang="en-US" i="0" dirty="0" smtClean="0"/>
-              <a:t>Let’s spend 15 minutes reflecting on</a:t>
-            </a:r>
-            <a:r>
-              <a:rPr lang="en-US" i="0" baseline="0" dirty="0" smtClean="0"/>
-              <a:t> what we’ve learned today.  Give participants some time to reflect and ask a few of them to share some key insights.</a:t>
-            </a:r>
-            <a:endParaRPr lang="en-US" i="0" dirty="0" smtClean="0"/>
-          </a:p>
-          <a:p>
-            <a:endParaRPr lang="en-US" i="1" dirty="0" smtClean="0"/>
-          </a:p>
-          <a:p>
-            <a:r>
-              <a:rPr lang="en-US" i="1" dirty="0" smtClean="0"/>
-              <a:t>Employees</a:t>
-            </a:r>
-            <a:r>
-              <a:rPr lang="en-US" i="1" baseline="0" dirty="0" smtClean="0"/>
-              <a:t> who spent the last 15 minutes of their training period writing and reflecting on what they had learned did 23% better in the final training test than other employees, according to a study by </a:t>
-            </a:r>
-            <a:r>
-              <a:rPr lang="en-US" i="1" baseline="0" dirty="0" err="1" smtClean="0"/>
-              <a:t>Giada</a:t>
-            </a:r>
-            <a:r>
-              <a:rPr lang="en-US" i="1" baseline="0" dirty="0" smtClean="0"/>
-              <a:t> Di Stefano, of HEC Paris; and Bradley </a:t>
-            </a:r>
-            <a:r>
-              <a:rPr lang="en-US" i="1" baseline="0" dirty="0" err="1" smtClean="0"/>
-              <a:t>Staats</a:t>
-            </a:r>
-            <a:r>
-              <a:rPr lang="en-US" i="1" baseline="0" dirty="0" smtClean="0"/>
-              <a:t>, of the University of North Carolina.  “Learning by doing” is more effective when coupled with deliberate reflection, or “learning by thinking,” the study shows.</a:t>
-            </a:r>
-          </a:p>
-          <a:p>
-            <a:endParaRPr lang="en-US" baseline="0" dirty="0" smtClean="0"/>
-          </a:p>
-          <a:p>
-            <a:r>
-              <a:rPr lang="en-US" dirty="0" smtClean="0"/>
-              <a:t>"Stat Watch" </a:t>
-            </a:r>
-            <a:r>
-              <a:rPr lang="en-US" i="1" dirty="0" smtClean="0"/>
-              <a:t>Harvard Business Review </a:t>
-            </a:r>
-            <a:r>
-              <a:rPr lang="en-US" dirty="0" smtClean="0"/>
-              <a:t>July-August 2004: 28. Print.</a:t>
+              <a:rPr lang="en-US" dirty="0" smtClean="0"/>
+              <a:t>Demo early</a:t>
+            </a:r>
+            <a:r>
+              <a:rPr lang="en-US" baseline="0" dirty="0" smtClean="0"/>
+              <a:t> and demo often!  Have the participants share their progress, maybe every 20-40 minutes have another participant share what they’ve done so far and share with the class.</a:t>
             </a:r>
             <a:endParaRPr lang="en-US" dirty="0"/>
           </a:p>
@@ -4662,7 +4673,7 @@
             <a:fld id="{8B263312-38AA-4E1E-B2B5-0F8F122B24FE}" type="slidenum">
               <a:rPr lang="en-US" smtClean="0"/>
               <a:pPr/>
-              <a:t>43</a:t>
+              <a:t>48</a:t>
             </a:fld>
             <a:endParaRPr lang="en-US" dirty="0"/>
           </a:p>
@@ -4713,7 +4724,7 @@
     </p:spTree>
     <p:extLst>
       <p:ext uri="{BB962C8B-B14F-4D97-AF65-F5344CB8AC3E}">
-        <p14:creationId xmlns:p14="http://schemas.microsoft.com/office/powerpoint/2010/main" val="3198240071"/>
+        <p14:creationId xmlns:p14="http://schemas.microsoft.com/office/powerpoint/2010/main" val="71662303"/>
       </p:ext>
     </p:extLst>
   </p:cSld>
@@ -4769,11 +4780,7 @@
           <a:p>
             <a:r>
               <a:rPr lang="en-US" dirty="0" smtClean="0"/>
-              <a:t>Provide</a:t>
-            </a:r>
-            <a:r>
-              <a:rPr lang="en-US" baseline="0" dirty="0" smtClean="0"/>
-              <a:t> feedback, share your solutions in the project</a:t>
+              <a:t>Wrapping up, let’s revisit our objectives.</a:t>
             </a:r>
             <a:endParaRPr lang="en-US" dirty="0"/>
           </a:p>
@@ -4797,7 +4804,324 @@
             <a:fld id="{8B263312-38AA-4E1E-B2B5-0F8F122B24FE}" type="slidenum">
               <a:rPr lang="en-US" smtClean="0"/>
               <a:pPr/>
-              <a:t>44</a:t>
+              <a:t>49</a:t>
+            </a:fld>
+            <a:endParaRPr lang="en-US" dirty="0"/>
+          </a:p>
+        </p:txBody>
+      </p:sp>
+      <p:sp>
+        <p:nvSpPr>
+          <p:cNvPr id="5" name="Header Placeholder 4"/>
+          <p:cNvSpPr>
+            <a:spLocks noGrp="1"/>
+          </p:cNvSpPr>
+          <p:nvPr>
+            <p:ph type="hdr" sz="quarter" idx="11"/>
+          </p:nvPr>
+        </p:nvSpPr>
+        <p:spPr/>
+        <p:txBody>
+          <a:bodyPr/>
+          <a:lstStyle/>
+          <a:p>
+            <a:endParaRPr lang="en-US" dirty="0"/>
+          </a:p>
+        </p:txBody>
+      </p:sp>
+      <p:sp>
+        <p:nvSpPr>
+          <p:cNvPr id="6" name="Footer Placeholder 5"/>
+          <p:cNvSpPr>
+            <a:spLocks noGrp="1"/>
+          </p:cNvSpPr>
+          <p:nvPr>
+            <p:ph type="ftr" sz="quarter" idx="12"/>
+          </p:nvPr>
+        </p:nvSpPr>
+        <p:spPr/>
+        <p:txBody>
+          <a:bodyPr/>
+          <a:lstStyle/>
+          <a:p>
+            <a:endParaRPr lang="en-US" sz="900" dirty="0" smtClean="0">
+              <a:solidFill>
+                <a:srgbClr val="000000"/>
+              </a:solidFill>
+            </a:endParaRPr>
+          </a:p>
+        </p:txBody>
+      </p:sp>
+    </p:spTree>
+    <p:extLst>
+      <p:ext uri="{BB962C8B-B14F-4D97-AF65-F5344CB8AC3E}">
+        <p14:creationId xmlns:p14="http://schemas.microsoft.com/office/powerpoint/2010/main" val="1120799086"/>
+      </p:ext>
+    </p:extLst>
+  </p:cSld>
+  <p:clrMapOvr>
+    <a:masterClrMapping/>
+  </p:clrMapOvr>
+</p:notes>
+</file>
+
+<file path=ppt/notesSlides/notesSlide33.xml><?xml version="1.0" encoding="utf-8"?>
+<p:notes xmlns:a="http://schemas.openxmlformats.org/drawingml/2006/main" xmlns:r="http://schemas.openxmlformats.org/officeDocument/2006/relationships" xmlns:p="http://schemas.openxmlformats.org/presentationml/2006/main">
+  <p:cSld>
+    <p:spTree>
+      <p:nvGrpSpPr>
+        <p:cNvPr id="1" name=""/>
+        <p:cNvGrpSpPr/>
+        <p:nvPr/>
+      </p:nvGrpSpPr>
+      <p:grpSpPr>
+        <a:xfrm>
+          <a:off x="0" y="0"/>
+          <a:ext cx="0" cy="0"/>
+          <a:chOff x="0" y="0"/>
+          <a:chExt cx="0" cy="0"/>
+        </a:xfrm>
+      </p:grpSpPr>
+      <p:sp>
+        <p:nvSpPr>
+          <p:cNvPr id="2" name="Slide Image Placeholder 1"/>
+          <p:cNvSpPr>
+            <a:spLocks noGrp="1" noRot="1" noChangeAspect="1"/>
+          </p:cNvSpPr>
+          <p:nvPr>
+            <p:ph type="sldImg"/>
+          </p:nvPr>
+        </p:nvSpPr>
+        <p:spPr/>
+      </p:sp>
+      <p:sp>
+        <p:nvSpPr>
+          <p:cNvPr id="3" name="Notes Placeholder 2"/>
+          <p:cNvSpPr>
+            <a:spLocks noGrp="1"/>
+          </p:cNvSpPr>
+          <p:nvPr>
+            <p:ph type="body" idx="1"/>
+          </p:nvPr>
+        </p:nvSpPr>
+        <p:spPr/>
+        <p:txBody>
+          <a:bodyPr/>
+          <a:lstStyle/>
+          <a:p>
+            <a:r>
+              <a:rPr lang="en-US" i="0" dirty="0" smtClean="0"/>
+              <a:t>Let’s spend 15 minutes reflecting on</a:t>
+            </a:r>
+            <a:r>
+              <a:rPr lang="en-US" i="0" baseline="0" dirty="0" smtClean="0"/>
+              <a:t> what we’ve learned today.  Give participants some time to reflect and ask a few of them to share some key insights.</a:t>
+            </a:r>
+            <a:endParaRPr lang="en-US" i="0" dirty="0" smtClean="0"/>
+          </a:p>
+          <a:p>
+            <a:endParaRPr lang="en-US" i="1" dirty="0" smtClean="0"/>
+          </a:p>
+          <a:p>
+            <a:r>
+              <a:rPr lang="en-US" i="1" dirty="0" smtClean="0"/>
+              <a:t>Employees</a:t>
+            </a:r>
+            <a:r>
+              <a:rPr lang="en-US" i="1" baseline="0" dirty="0" smtClean="0"/>
+              <a:t> who spent the last 15 minutes of their training period writing and reflecting on what they had learned did 23% better in the final training test than other employees, according to a study by </a:t>
+            </a:r>
+            <a:r>
+              <a:rPr lang="en-US" i="1" baseline="0" dirty="0" err="1" smtClean="0"/>
+              <a:t>Giada</a:t>
+            </a:r>
+            <a:r>
+              <a:rPr lang="en-US" i="1" baseline="0" dirty="0" smtClean="0"/>
+              <a:t> Di Stefano, of HEC Paris; and Bradley </a:t>
+            </a:r>
+            <a:r>
+              <a:rPr lang="en-US" i="1" baseline="0" dirty="0" err="1" smtClean="0"/>
+              <a:t>Staats</a:t>
+            </a:r>
+            <a:r>
+              <a:rPr lang="en-US" i="1" baseline="0" dirty="0" smtClean="0"/>
+              <a:t>, of the University of North Carolina.  “Learning by doing” is more effective when coupled with deliberate reflection, or “learning by thinking,” the study shows.</a:t>
+            </a:r>
+          </a:p>
+          <a:p>
+            <a:endParaRPr lang="en-US" baseline="0" dirty="0" smtClean="0"/>
+          </a:p>
+          <a:p>
+            <a:r>
+              <a:rPr lang="en-US" dirty="0" smtClean="0"/>
+              <a:t>"Stat Watch" </a:t>
+            </a:r>
+            <a:r>
+              <a:rPr lang="en-US" i="1" dirty="0" smtClean="0"/>
+              <a:t>Harvard Business Review </a:t>
+            </a:r>
+            <a:r>
+              <a:rPr lang="en-US" dirty="0" smtClean="0"/>
+              <a:t>July-August 2004: 28. Print.</a:t>
+            </a:r>
+            <a:endParaRPr lang="en-US" dirty="0"/>
+          </a:p>
+        </p:txBody>
+      </p:sp>
+      <p:sp>
+        <p:nvSpPr>
+          <p:cNvPr id="4" name="Slide Number Placeholder 3"/>
+          <p:cNvSpPr>
+            <a:spLocks noGrp="1"/>
+          </p:cNvSpPr>
+          <p:nvPr>
+            <p:ph type="sldNum" sz="quarter" idx="10"/>
+          </p:nvPr>
+        </p:nvSpPr>
+        <p:spPr/>
+        <p:txBody>
+          <a:bodyPr/>
+          <a:lstStyle/>
+          <a:p>
+            <a:fld id="{8B263312-38AA-4E1E-B2B5-0F8F122B24FE}" type="slidenum">
+              <a:rPr lang="en-US" smtClean="0"/>
+              <a:pPr/>
+              <a:t>50</a:t>
+            </a:fld>
+            <a:endParaRPr lang="en-US" dirty="0"/>
+          </a:p>
+        </p:txBody>
+      </p:sp>
+      <p:sp>
+        <p:nvSpPr>
+          <p:cNvPr id="5" name="Header Placeholder 4"/>
+          <p:cNvSpPr>
+            <a:spLocks noGrp="1"/>
+          </p:cNvSpPr>
+          <p:nvPr>
+            <p:ph type="hdr" sz="quarter" idx="11"/>
+          </p:nvPr>
+        </p:nvSpPr>
+        <p:spPr/>
+        <p:txBody>
+          <a:bodyPr/>
+          <a:lstStyle/>
+          <a:p>
+            <a:endParaRPr lang="en-US" dirty="0"/>
+          </a:p>
+        </p:txBody>
+      </p:sp>
+      <p:sp>
+        <p:nvSpPr>
+          <p:cNvPr id="6" name="Footer Placeholder 5"/>
+          <p:cNvSpPr>
+            <a:spLocks noGrp="1"/>
+          </p:cNvSpPr>
+          <p:nvPr>
+            <p:ph type="ftr" sz="quarter" idx="12"/>
+          </p:nvPr>
+        </p:nvSpPr>
+        <p:spPr/>
+        <p:txBody>
+          <a:bodyPr/>
+          <a:lstStyle/>
+          <a:p>
+            <a:endParaRPr lang="en-US" sz="900" dirty="0" smtClean="0">
+              <a:solidFill>
+                <a:srgbClr val="000000"/>
+              </a:solidFill>
+            </a:endParaRPr>
+          </a:p>
+        </p:txBody>
+      </p:sp>
+    </p:spTree>
+    <p:extLst>
+      <p:ext uri="{BB962C8B-B14F-4D97-AF65-F5344CB8AC3E}">
+        <p14:creationId xmlns:p14="http://schemas.microsoft.com/office/powerpoint/2010/main" val="3198240071"/>
+      </p:ext>
+    </p:extLst>
+  </p:cSld>
+  <p:clrMapOvr>
+    <a:masterClrMapping/>
+  </p:clrMapOvr>
+</p:notes>
+</file>
+
+<file path=ppt/notesSlides/notesSlide34.xml><?xml version="1.0" encoding="utf-8"?>
+<p:notes xmlns:a="http://schemas.openxmlformats.org/drawingml/2006/main" xmlns:r="http://schemas.openxmlformats.org/officeDocument/2006/relationships" xmlns:p="http://schemas.openxmlformats.org/presentationml/2006/main">
+  <p:cSld>
+    <p:spTree>
+      <p:nvGrpSpPr>
+        <p:cNvPr id="1" name=""/>
+        <p:cNvGrpSpPr/>
+        <p:nvPr/>
+      </p:nvGrpSpPr>
+      <p:grpSpPr>
+        <a:xfrm>
+          <a:off x="0" y="0"/>
+          <a:ext cx="0" cy="0"/>
+          <a:chOff x="0" y="0"/>
+          <a:chExt cx="0" cy="0"/>
+        </a:xfrm>
+      </p:grpSpPr>
+      <p:sp>
+        <p:nvSpPr>
+          <p:cNvPr id="2" name="Slide Image Placeholder 1"/>
+          <p:cNvSpPr>
+            <a:spLocks noGrp="1" noRot="1" noChangeAspect="1"/>
+          </p:cNvSpPr>
+          <p:nvPr>
+            <p:ph type="sldImg"/>
+          </p:nvPr>
+        </p:nvSpPr>
+        <p:spPr/>
+      </p:sp>
+      <p:sp>
+        <p:nvSpPr>
+          <p:cNvPr id="3" name="Notes Placeholder 2"/>
+          <p:cNvSpPr>
+            <a:spLocks noGrp="1"/>
+          </p:cNvSpPr>
+          <p:nvPr>
+            <p:ph type="body" idx="1"/>
+          </p:nvPr>
+        </p:nvSpPr>
+        <p:spPr/>
+        <p:txBody>
+          <a:bodyPr/>
+          <a:lstStyle/>
+          <a:p>
+            <a:r>
+              <a:rPr lang="en-US" dirty="0" smtClean="0"/>
+              <a:t>Provide</a:t>
+            </a:r>
+            <a:r>
+              <a:rPr lang="en-US" baseline="0" dirty="0" smtClean="0"/>
+              <a:t> feedback, share your solutions in the project</a:t>
+            </a:r>
+            <a:endParaRPr lang="en-US" dirty="0"/>
+          </a:p>
+        </p:txBody>
+      </p:sp>
+      <p:sp>
+        <p:nvSpPr>
+          <p:cNvPr id="4" name="Slide Number Placeholder 3"/>
+          <p:cNvSpPr>
+            <a:spLocks noGrp="1"/>
+          </p:cNvSpPr>
+          <p:nvPr>
+            <p:ph type="sldNum" sz="quarter" idx="10"/>
+          </p:nvPr>
+        </p:nvSpPr>
+        <p:spPr/>
+        <p:txBody>
+          <a:bodyPr/>
+          <a:lstStyle/>
+          <a:p>
+            <a:fld id="{8B263312-38AA-4E1E-B2B5-0F8F122B24FE}" type="slidenum">
+              <a:rPr lang="en-US" smtClean="0"/>
+              <a:pPr/>
+              <a:t>51</a:t>
             </a:fld>
             <a:endParaRPr lang="en-US" dirty="0"/>
           </a:p>
@@ -6757,8 +7081,8 @@
                     <a:lumMod val="50000"/>
                   </a:schemeClr>
                 </a:solidFill>
-                <a:latin typeface="Courier"/>
-                <a:cs typeface="Courier"/>
+                <a:latin typeface="Courier New"/>
+                <a:cs typeface="Courier New"/>
               </a:defRPr>
             </a:lvl1pPr>
             <a:lvl2pPr>
@@ -6812,6 +7136,49 @@
               <a:rPr lang="en-US" dirty="0" smtClean="0"/>
               <a:t>Code</a:t>
             </a:r>
+            <a:endParaRPr lang="en-US" sz="4000" kern="1200" baseline="0" dirty="0">
+              <a:solidFill>
+                <a:schemeClr val="accent3">
+                  <a:lumMod val="50000"/>
+                </a:schemeClr>
+              </a:solidFill>
+              <a:latin typeface="Courier New"/>
+              <a:ea typeface="+mn-ea"/>
+              <a:cs typeface="Courier New"/>
+            </a:endParaRPr>
+          </a:p>
+          <a:p>
+            <a:pPr lvl="0"/>
+            <a:r>
+              <a:rPr lang="en-US" sz="4000" kern="1200" baseline="0" dirty="0" smtClean="0">
+                <a:solidFill>
+                  <a:schemeClr val="accent3">
+                    <a:lumMod val="50000"/>
+                  </a:schemeClr>
+                </a:solidFill>
+                <a:latin typeface="Courier New"/>
+                <a:ea typeface="+mn-ea"/>
+                <a:cs typeface="Courier New"/>
+              </a:rPr>
+              <a:t>Code</a:t>
+            </a:r>
+          </a:p>
+          <a:p>
+            <a:pPr lvl="0"/>
+            <a:r>
+              <a:rPr lang="en-US" sz="4000" kern="1200" baseline="0" dirty="0" smtClean="0">
+                <a:solidFill>
+                  <a:schemeClr val="accent3">
+                    <a:lumMod val="50000"/>
+                  </a:schemeClr>
+                </a:solidFill>
+                <a:latin typeface="Courier New"/>
+                <a:ea typeface="+mn-ea"/>
+                <a:cs typeface="Courier New"/>
+              </a:rPr>
+              <a:t>Code</a:t>
+            </a:r>
+            <a:endParaRPr lang="en-US" dirty="0" smtClean="0"/>
           </a:p>
         </p:txBody>
       </p:sp>
@@ -6939,8 +7306,8 @@
               <a:buNone/>
               <a:tabLst/>
               <a:defRPr sz="2800">
-                <a:latin typeface="Courier"/>
-                <a:cs typeface="Courier"/>
+                <a:latin typeface="Courier New"/>
+                <a:cs typeface="Courier New"/>
               </a:defRPr>
             </a:lvl1pPr>
             <a:lvl2pPr marL="231775" indent="0">
@@ -7194,8 +7561,8 @@
               <a:buNone/>
               <a:tabLst/>
               <a:defRPr sz="2800">
-                <a:latin typeface="Courier"/>
-                <a:cs typeface="Courier"/>
+                <a:latin typeface="Courier New"/>
+                <a:cs typeface="Courier New"/>
               </a:defRPr>
             </a:lvl1pPr>
             <a:lvl2pPr marL="231775" indent="0">
@@ -7887,8 +8254,8 @@
               <a:buNone/>
               <a:tabLst/>
               <a:defRPr sz="2800">
-                <a:latin typeface="Courier"/>
-                <a:cs typeface="Courier"/>
+                <a:latin typeface="Courier New"/>
+                <a:cs typeface="Courier New"/>
               </a:defRPr>
             </a:lvl1pPr>
           </a:lstStyle>
@@ -8054,8 +8421,8 @@
             <a:lvl1pPr marL="0" indent="0">
               <a:buNone/>
               <a:defRPr sz="3200">
-                <a:latin typeface="Courier"/>
-                <a:cs typeface="Courier"/>
+                <a:latin typeface="Courier New"/>
+                <a:cs typeface="Courier New"/>
               </a:defRPr>
             </a:lvl1pPr>
           </a:lstStyle>
@@ -8311,8 +8678,8 @@
               <a:buNone/>
               <a:tabLst/>
               <a:defRPr sz="2800">
-                <a:latin typeface="Courier"/>
-                <a:cs typeface="Courier"/>
+                <a:latin typeface="Courier New"/>
+                <a:cs typeface="Courier New"/>
               </a:defRPr>
             </a:lvl1pPr>
           </a:lstStyle>
@@ -8441,8 +8808,8 @@
             <a:lvl1pPr marL="0" indent="0">
               <a:buNone/>
               <a:defRPr sz="3200">
-                <a:latin typeface="Courier"/>
-                <a:cs typeface="Courier"/>
+                <a:latin typeface="Courier New"/>
+                <a:cs typeface="Courier New"/>
               </a:defRPr>
             </a:lvl1pPr>
           </a:lstStyle>
@@ -8874,8 +9241,8 @@
               <a:buNone/>
               <a:tabLst/>
               <a:defRPr sz="2800">
-                <a:latin typeface="Courier"/>
-                <a:cs typeface="Courier"/>
+                <a:latin typeface="Courier New"/>
+                <a:cs typeface="Courier New"/>
               </a:defRPr>
             </a:lvl1pPr>
           </a:lstStyle>
@@ -9057,8 +9424,8 @@
             <a:lvl1pPr marL="0" indent="0">
               <a:buNone/>
               <a:defRPr sz="3200">
-                <a:latin typeface="Courier"/>
-                <a:cs typeface="Courier"/>
+                <a:latin typeface="Courier New"/>
+                <a:cs typeface="Courier New"/>
               </a:defRPr>
             </a:lvl1pPr>
           </a:lstStyle>
@@ -9196,8 +9563,8 @@
               <a:buNone/>
               <a:tabLst/>
               <a:defRPr sz="2800">
-                <a:latin typeface="Courier"/>
-                <a:cs typeface="Courier"/>
+                <a:latin typeface="Courier New"/>
+                <a:cs typeface="Courier New"/>
               </a:defRPr>
             </a:lvl1pPr>
             <a:lvl2pPr marL="231775" indent="0">
@@ -9478,8 +9845,8 @@
             <a:lvl1pPr marL="0" indent="0">
               <a:buNone/>
               <a:defRPr sz="3200">
-                <a:latin typeface="Courier"/>
-                <a:cs typeface="Courier"/>
+                <a:latin typeface="Courier New"/>
+                <a:cs typeface="Courier New"/>
               </a:defRPr>
             </a:lvl1pPr>
           </a:lstStyle>
@@ -9544,7 +9911,121 @@
       </p:grpSpPr>
       <p:sp>
         <p:nvSpPr>
-          <p:cNvPr id="7" name="TextBox 6"/>
+          <p:cNvPr id="5" name="Content Placeholder 4"/>
+          <p:cNvSpPr>
+            <a:spLocks noGrp="1"/>
+          </p:cNvSpPr>
+          <p:nvPr>
+            <p:ph sz="quarter" idx="11" hasCustomPrompt="1"/>
+          </p:nvPr>
+        </p:nvSpPr>
+        <p:spPr>
+          <a:xfrm>
+            <a:off x="457200" y="2011680"/>
+            <a:ext cx="11201400" cy="4297680"/>
+          </a:xfrm>
+          <a:solidFill>
+            <a:schemeClr val="tx2"/>
+          </a:solidFill>
+          <a:ln>
+            <a:solidFill>
+              <a:schemeClr val="tx1"/>
+            </a:solidFill>
+            <a:prstDash val="dash"/>
+          </a:ln>
+        </p:spPr>
+        <p:txBody>
+          <a:bodyPr lIns="91440" tIns="45720" rIns="91440" bIns="45720" anchor="t" anchorCtr="0">
+            <a:normAutofit/>
+          </a:bodyPr>
+          <a:lstStyle>
+            <a:lvl1pPr marL="0" indent="53975">
+              <a:buNone/>
+              <a:defRPr sz="4000">
+                <a:solidFill>
+                  <a:schemeClr val="bg1"/>
+                </a:solidFill>
+                <a:latin typeface="Courier New"/>
+                <a:cs typeface="Courier New"/>
+              </a:defRPr>
+            </a:lvl1pPr>
+          </a:lstStyle>
+          <a:p>
+            <a:pPr lvl="0"/>
+            <a:r>
+              <a:rPr lang="en-US" dirty="0" smtClean="0"/>
+              <a:t>$ Body Level One</a:t>
+            </a:r>
+          </a:p>
+          <a:p>
+            <a:pPr lvl="0"/>
+            <a:r>
+              <a:rPr lang="en-US" dirty="0" smtClean="0"/>
+              <a:t>$ Body Level Two</a:t>
+            </a:r>
+          </a:p>
+          <a:p>
+            <a:pPr lvl="0"/>
+            <a:r>
+              <a:rPr lang="en-US" dirty="0" smtClean="0"/>
+              <a:t>$ Body Level Three</a:t>
+            </a:r>
+          </a:p>
+          <a:p>
+            <a:pPr lvl="0"/>
+            <a:r>
+              <a:rPr lang="en-US" dirty="0" smtClean="0"/>
+              <a:t>$ Body Level Four</a:t>
+            </a:r>
+          </a:p>
+          <a:p>
+            <a:pPr lvl="0"/>
+            <a:r>
+              <a:rPr lang="en-US" dirty="0" smtClean="0"/>
+              <a:t>$ Body Level Five</a:t>
+            </a:r>
+            <a:endParaRPr lang="en-US" dirty="0"/>
+          </a:p>
+        </p:txBody>
+      </p:sp>
+      <p:sp>
+        <p:nvSpPr>
+          <p:cNvPr id="6" name="Title 2"/>
+          <p:cNvSpPr>
+            <a:spLocks noGrp="1"/>
+          </p:cNvSpPr>
+          <p:nvPr>
+            <p:ph type="title" hasCustomPrompt="1"/>
+          </p:nvPr>
+        </p:nvSpPr>
+        <p:spPr>
+          <a:xfrm>
+            <a:off x="457200" y="228599"/>
+            <a:ext cx="11201400" cy="620683"/>
+          </a:xfrm>
+        </p:spPr>
+        <p:txBody>
+          <a:bodyPr vert="horz" wrap="square" lIns="0" tIns="0" rIns="0" bIns="0" rtlCol="0" anchor="t" anchorCtr="0">
+            <a:spAutoFit/>
+          </a:bodyPr>
+          <a:lstStyle>
+            <a:lvl1pPr>
+              <a:defRPr lang="en-US" sz="4400" dirty="0"/>
+            </a:lvl1pPr>
+          </a:lstStyle>
+          <a:p>
+            <a:pPr lvl="0"/>
+            <a:r>
+              <a:rPr lang="en-US" dirty="0" smtClean="0"/>
+              <a:t>Code with Command</a:t>
+            </a:r>
+            <a:endParaRPr lang="en-US" dirty="0"/>
+          </a:p>
+        </p:txBody>
+      </p:sp>
+      <p:sp>
+        <p:nvSpPr>
+          <p:cNvPr id="8" name="TextBox 7"/>
           <p:cNvSpPr txBox="1"/>
           <p:nvPr userDrawn="1"/>
         </p:nvSpPr>
@@ -9567,153 +10048,42 @@
           </a:ln>
         </p:spPr>
         <p:txBody>
-          <a:bodyPr wrap="square" lIns="91440" tIns="45720" rIns="91440" bIns="45720" rtlCol="0" anchor="ctr" anchorCtr="0">
+          <a:bodyPr wrap="square" lIns="91440" tIns="45720" rIns="91440" bIns="45720" rtlCol="0">
             <a:noAutofit/>
           </a:bodyPr>
           <a:lstStyle/>
           <a:p>
-            <a:endParaRPr lang="en-US" sz="4000" dirty="0" smtClean="0">
-              <a:solidFill>
-                <a:srgbClr val="FFFFFF"/>
-              </a:solidFill>
-              <a:latin typeface="Courier"/>
-              <a:cs typeface="Courier"/>
-            </a:endParaRPr>
-          </a:p>
-        </p:txBody>
-      </p:sp>
-      <p:sp>
-        <p:nvSpPr>
-          <p:cNvPr id="5" name="Content Placeholder 4"/>
-          <p:cNvSpPr>
-            <a:spLocks noGrp="1"/>
-          </p:cNvSpPr>
-          <p:nvPr>
-            <p:ph sz="quarter" idx="11" hasCustomPrompt="1"/>
+            <a:r>
+              <a:rPr lang="en-US" sz="4000" dirty="0" smtClean="0">
+                <a:solidFill>
+                  <a:srgbClr val="FFFFFF"/>
+                </a:solidFill>
+                <a:latin typeface="Courier"/>
+                <a:cs typeface="Courier"/>
+              </a:rPr>
+              <a:t>$</a:t>
+            </a:r>
+          </a:p>
+        </p:txBody>
+      </p:sp>
+      <p:sp>
+        <p:nvSpPr>
+          <p:cNvPr id="9" name="Content Placeholder 2"/>
+          <p:cNvSpPr>
+            <a:spLocks noGrp="1"/>
+          </p:cNvSpPr>
+          <p:nvPr>
+            <p:ph sz="quarter" idx="12" hasCustomPrompt="1"/>
           </p:nvPr>
         </p:nvSpPr>
         <p:spPr>
           <a:xfrm>
-            <a:off x="457200" y="2011680"/>
-            <a:ext cx="11201400" cy="4297680"/>
-          </a:xfrm>
-          <a:solidFill>
-            <a:schemeClr val="tx2"/>
-          </a:solidFill>
-          <a:ln>
-            <a:solidFill>
-              <a:schemeClr val="tx1"/>
-            </a:solidFill>
-            <a:prstDash val="dash"/>
-          </a:ln>
-        </p:spPr>
-        <p:txBody>
-          <a:bodyPr lIns="91440" tIns="45720" rIns="91440" bIns="45720" anchor="t" anchorCtr="0">
-            <a:normAutofit/>
-          </a:bodyPr>
-          <a:lstStyle>
-            <a:lvl1pPr marL="0" indent="53975">
-              <a:buNone/>
-              <a:defRPr sz="4000">
-                <a:solidFill>
-                  <a:schemeClr val="bg1"/>
-                </a:solidFill>
-                <a:latin typeface="Courier"/>
-                <a:cs typeface="Courier"/>
-              </a:defRPr>
-            </a:lvl1pPr>
-          </a:lstStyle>
-          <a:p>
-            <a:pPr lvl="0"/>
-            <a:r>
-              <a:rPr lang="en-US" dirty="0" smtClean="0"/>
-              <a:t>$ Body Level One</a:t>
-            </a:r>
-          </a:p>
-          <a:p>
-            <a:pPr lvl="0"/>
-            <a:r>
-              <a:rPr lang="en-US" dirty="0" smtClean="0"/>
-              <a:t>$ Body Level Two</a:t>
-            </a:r>
-          </a:p>
-          <a:p>
-            <a:pPr lvl="0"/>
-            <a:r>
-              <a:rPr lang="en-US" dirty="0" smtClean="0"/>
-              <a:t>$ Body Level Three</a:t>
-            </a:r>
-          </a:p>
-          <a:p>
-            <a:pPr lvl="0"/>
-            <a:r>
-              <a:rPr lang="en-US" dirty="0" smtClean="0"/>
-              <a:t>$ Body Level Four</a:t>
-            </a:r>
-          </a:p>
-          <a:p>
-            <a:pPr lvl="0"/>
-            <a:r>
-              <a:rPr lang="en-US" dirty="0" smtClean="0"/>
-              <a:t>$ Body Level Five</a:t>
-            </a:r>
-            <a:endParaRPr lang="en-US" dirty="0"/>
-          </a:p>
-        </p:txBody>
-      </p:sp>
-      <p:sp>
-        <p:nvSpPr>
-          <p:cNvPr id="6" name="Title 2"/>
-          <p:cNvSpPr>
-            <a:spLocks noGrp="1"/>
-          </p:cNvSpPr>
-          <p:nvPr>
-            <p:ph type="title" hasCustomPrompt="1"/>
-          </p:nvPr>
-        </p:nvSpPr>
-        <p:spPr>
-          <a:xfrm>
-            <a:off x="457200" y="228599"/>
-            <a:ext cx="11201400" cy="620683"/>
+            <a:off x="1054341" y="1225296"/>
+            <a:ext cx="10571163" cy="547077"/>
           </a:xfrm>
         </p:spPr>
         <p:txBody>
-          <a:bodyPr vert="horz" wrap="square" lIns="0" tIns="0" rIns="0" bIns="0" rtlCol="0" anchor="t" anchorCtr="0">
-            <a:spAutoFit/>
-          </a:bodyPr>
-          <a:lstStyle>
-            <a:lvl1pPr>
-              <a:defRPr lang="en-US" sz="4400" dirty="0"/>
-            </a:lvl1pPr>
-          </a:lstStyle>
-          <a:p>
-            <a:pPr lvl="0"/>
-            <a:r>
-              <a:rPr lang="en-US" dirty="0" smtClean="0"/>
-              <a:t>Code with Command</a:t>
-            </a:r>
-            <a:endParaRPr lang="en-US" dirty="0"/>
-          </a:p>
-        </p:txBody>
-      </p:sp>
-      <p:sp>
-        <p:nvSpPr>
-          <p:cNvPr id="3" name="Content Placeholder 2"/>
-          <p:cNvSpPr>
-            <a:spLocks noGrp="1"/>
-          </p:cNvSpPr>
-          <p:nvPr>
-            <p:ph sz="quarter" idx="12" hasCustomPrompt="1"/>
-          </p:nvPr>
-        </p:nvSpPr>
-        <p:spPr>
-          <a:xfrm>
-            <a:off x="655053" y="1225296"/>
-            <a:ext cx="10970451" cy="547077"/>
-          </a:xfrm>
-        </p:spPr>
-        <p:txBody>
-          <a:bodyPr lIns="91440" tIns="0" rIns="91440" bIns="0"/>
+          <a:bodyPr lIns="91440" tIns="0" rIns="91440" bIns="0" anchor="ctr" anchorCtr="0"/>
           <a:lstStyle>
             <a:lvl1pPr marL="0" indent="0">
               <a:buNone/>
@@ -9721,8 +10091,8 @@
                 <a:solidFill>
                   <a:srgbClr val="FFFFFF"/>
                 </a:solidFill>
-                <a:latin typeface="Courier"/>
-                <a:cs typeface="Courier"/>
+                <a:latin typeface="Courier New"/>
+                <a:cs typeface="Courier New"/>
               </a:defRPr>
             </a:lvl1pPr>
             <a:lvl2pPr>
@@ -10339,8 +10709,8 @@
                 <a:solidFill>
                   <a:schemeClr val="bg1"/>
                 </a:solidFill>
-                <a:latin typeface="Courier"/>
-                <a:cs typeface="Courier"/>
+                <a:latin typeface="Courier New"/>
+                <a:cs typeface="Courier New"/>
               </a:defRPr>
             </a:lvl1pPr>
           </a:lstStyle>
@@ -10434,7 +10804,7 @@
           </a:xfrm>
         </p:spPr>
         <p:txBody>
-          <a:bodyPr lIns="91440" tIns="0" rIns="91440" bIns="0"/>
+          <a:bodyPr lIns="91440" tIns="0" rIns="91440" bIns="0" anchor="ctr" anchorCtr="0"/>
           <a:lstStyle>
             <a:lvl1pPr marL="0" indent="0">
               <a:buNone/>
@@ -10442,8 +10812,8 @@
                 <a:solidFill>
                   <a:srgbClr val="FFFFFF"/>
                 </a:solidFill>
-                <a:latin typeface="Courier"/>
-                <a:cs typeface="Courier"/>
+                <a:latin typeface="Courier New"/>
+                <a:cs typeface="Courier New"/>
               </a:defRPr>
             </a:lvl1pPr>
             <a:lvl2pPr>
@@ -10775,8 +11145,8 @@
                 <a:solidFill>
                   <a:schemeClr val="bg1"/>
                 </a:solidFill>
-                <a:latin typeface="Courier"/>
-                <a:cs typeface="Courier"/>
+                <a:latin typeface="Courier New"/>
+                <a:cs typeface="Courier New"/>
               </a:defRPr>
             </a:lvl1pPr>
           </a:lstStyle>
@@ -12691,8 +13061,8 @@
             <a:lvl1pPr marL="0" indent="0">
               <a:buNone/>
               <a:defRPr sz="2800">
-                <a:latin typeface="Courier"/>
-                <a:cs typeface="Courier"/>
+                <a:latin typeface="Courier New"/>
+                <a:cs typeface="Courier New"/>
               </a:defRPr>
             </a:lvl1pPr>
             <a:lvl2pPr marL="231775" indent="0">
@@ -13817,7 +14187,7 @@
   </p:txStyles>
   <p:extLst mod="1">
     <p:ext uri="{27BBF7A9-308A-43DC-89C8-2F10F3537804}">
-      <p15:sldGuideLst xmlns="" xmlns:p15="http://schemas.microsoft.com/office/powerpoint/2012/main">
+      <p15:sldGuideLst xmlns:p15="http://schemas.microsoft.com/office/powerpoint/2012/main" xmlns="">
         <p15:guide id="1" pos="3840" userDrawn="1">
           <p15:clr>
             <a:srgbClr val="F26B43"/>
@@ -17898,7 +18268,7 @@
       </p:sp>
       <p:sp>
         <p:nvSpPr>
-          <p:cNvPr id="6" name="Content Placeholder 5"/>
+          <p:cNvPr id="3" name="Content Placeholder 2"/>
           <p:cNvSpPr>
             <a:spLocks noGrp="1"/>
           </p:cNvSpPr>
@@ -17908,24 +18278,20 @@
         </p:nvSpPr>
         <p:spPr/>
         <p:txBody>
-          <a:bodyPr anchor="ctr" anchorCtr="0">
-            <a:noAutofit/>
+          <a:bodyPr>
+            <a:normAutofit fontScale="92500" lnSpcReduction="10000"/>
           </a:bodyPr>
           <a:lstStyle/>
           <a:p>
             <a:r>
-              <a:rPr lang="en-US" sz="3700" dirty="0" smtClean="0"/>
-              <a:t>$ </a:t>
-            </a:r>
-            <a:r>
-              <a:rPr lang="en-US" sz="3700" dirty="0"/>
+              <a:rPr lang="en-US" dirty="0" smtClean="0"/>
               <a:t>knife cookbook create </a:t>
             </a:r>
             <a:r>
-              <a:rPr lang="en-US" sz="3700" dirty="0" err="1" smtClean="0"/>
+              <a:rPr lang="en-US" dirty="0" err="1" smtClean="0"/>
               <a:t>aar</a:t>
             </a:r>
-            <a:endParaRPr lang="en-US" sz="3700" dirty="0"/>
+            <a:endParaRPr lang="en-US" dirty="0"/>
           </a:p>
         </p:txBody>
       </p:sp>
@@ -18120,170 +18486,16 @@
         </p:nvSpPr>
         <p:spPr/>
         <p:txBody>
-          <a:bodyPr anchor="t" anchorCtr="0">
-            <a:normAutofit fontScale="62500" lnSpcReduction="20000"/>
-          </a:bodyPr>
-          <a:lstStyle/>
-          <a:p>
-            <a:r>
-              <a:rPr lang="en-US" dirty="0"/>
-              <a:t>$ cd cookbooks/</a:t>
-            </a:r>
-            <a:r>
-              <a:rPr lang="en-US" dirty="0" err="1"/>
-              <a:t>aar</a:t>
-            </a:r>
+          <a:bodyPr/>
+          <a:lstStyle/>
+          <a:p>
             <a:endParaRPr lang="en-US" dirty="0"/>
           </a:p>
-          <a:p>
-            <a:r>
-              <a:rPr lang="en-US" dirty="0"/>
-              <a:t>$ </a:t>
-            </a:r>
-            <a:r>
-              <a:rPr lang="en-US" dirty="0" err="1"/>
-              <a:t>git</a:t>
-            </a:r>
-            <a:r>
-              <a:rPr lang="en-US" dirty="0"/>
-              <a:t> </a:t>
-            </a:r>
-            <a:r>
-              <a:rPr lang="en-US" dirty="0" err="1"/>
-              <a:t>init</a:t>
-            </a:r>
-            <a:r>
-              <a:rPr lang="en-US" dirty="0"/>
-              <a:t> .</a:t>
-            </a:r>
-          </a:p>
-          <a:p>
-            <a:r>
-              <a:rPr lang="en-US" dirty="0"/>
-              <a:t>Initialized empty </a:t>
-            </a:r>
-            <a:r>
-              <a:rPr lang="en-US" dirty="0" err="1"/>
-              <a:t>Git</a:t>
-            </a:r>
-            <a:r>
-              <a:rPr lang="en-US" dirty="0"/>
-              <a:t> repository in /Users</a:t>
-            </a:r>
-            <a:r>
-              <a:rPr lang="en-US" dirty="0" smtClean="0"/>
-              <a:t>/henry/</a:t>
-            </a:r>
-            <a:r>
-              <a:rPr lang="en-US" dirty="0"/>
-              <a:t>chef-repo/cookbooks/</a:t>
-            </a:r>
-            <a:r>
-              <a:rPr lang="en-US" dirty="0" err="1"/>
-              <a:t>aar</a:t>
-            </a:r>
-            <a:r>
-              <a:rPr lang="en-US" dirty="0"/>
-              <a:t>/.</a:t>
-            </a:r>
-            <a:r>
-              <a:rPr lang="en-US" dirty="0" err="1"/>
-              <a:t>git</a:t>
-            </a:r>
-            <a:r>
-              <a:rPr lang="en-US" dirty="0"/>
-              <a:t>/</a:t>
-            </a:r>
-          </a:p>
-          <a:p>
-            <a:r>
-              <a:rPr lang="en-US" dirty="0"/>
-              <a:t>$ </a:t>
-            </a:r>
-            <a:r>
-              <a:rPr lang="en-US" dirty="0" err="1"/>
-              <a:t>git</a:t>
-            </a:r>
-            <a:r>
-              <a:rPr lang="en-US" dirty="0"/>
-              <a:t> add .</a:t>
-            </a:r>
-          </a:p>
-          <a:p>
-            <a:r>
-              <a:rPr lang="en-US" dirty="0"/>
-              <a:t>$ </a:t>
-            </a:r>
-            <a:r>
-              <a:rPr lang="en-US" dirty="0" err="1"/>
-              <a:t>git</a:t>
-            </a:r>
-            <a:r>
-              <a:rPr lang="en-US" dirty="0"/>
-              <a:t> commit -m "Scaffold of the cookbook created by knife"</a:t>
-            </a:r>
-          </a:p>
-          <a:p>
-            <a:r>
-              <a:rPr lang="en-US" dirty="0"/>
-              <a:t>[master (root-commit) b3d606c] Scaffold of the cookbook created by knife</a:t>
-            </a:r>
-          </a:p>
-          <a:p>
-            <a:r>
-              <a:rPr lang="en-US" dirty="0"/>
-              <a:t> 4 files changed, 96 insertions(+)</a:t>
-            </a:r>
-          </a:p>
-          <a:p>
-            <a:r>
-              <a:rPr lang="en-US" dirty="0"/>
-              <a:t> create mode 100644 </a:t>
-            </a:r>
-            <a:r>
-              <a:rPr lang="en-US" dirty="0" err="1"/>
-              <a:t>CHANGELOG.md</a:t>
-            </a:r>
-            <a:endParaRPr lang="en-US" dirty="0"/>
-          </a:p>
-          <a:p>
-            <a:r>
-              <a:rPr lang="en-US" dirty="0"/>
-              <a:t> create mode 100644 </a:t>
-            </a:r>
-            <a:r>
-              <a:rPr lang="en-US" dirty="0" err="1"/>
-              <a:t>README.md</a:t>
-            </a:r>
-            <a:endParaRPr lang="en-US" dirty="0"/>
-          </a:p>
-          <a:p>
-            <a:r>
-              <a:rPr lang="en-US" dirty="0"/>
-              <a:t> create mode 100644 </a:t>
-            </a:r>
-            <a:r>
-              <a:rPr lang="en-US" dirty="0" err="1"/>
-              <a:t>metadata.rb</a:t>
-            </a:r>
-            <a:endParaRPr lang="en-US" dirty="0"/>
-          </a:p>
-          <a:p>
-            <a:r>
-              <a:rPr lang="en-US" dirty="0"/>
-              <a:t> create mode 100644 recipes/</a:t>
-            </a:r>
-            <a:r>
-              <a:rPr lang="en-US" dirty="0" err="1"/>
-              <a:t>default.rb</a:t>
-            </a:r>
-            <a:endParaRPr lang="en-US" dirty="0"/>
-          </a:p>
-        </p:txBody>
-      </p:sp>
-      <p:sp>
-        <p:nvSpPr>
-          <p:cNvPr id="2" name="Title 1"/>
+        </p:txBody>
+      </p:sp>
+      <p:sp>
+        <p:nvSpPr>
+          <p:cNvPr id="5" name="Title 4"/>
           <p:cNvSpPr>
             <a:spLocks noGrp="1"/>
           </p:cNvSpPr>
@@ -18298,11 +18510,40 @@
           <a:p>
             <a:r>
               <a:rPr lang="en-US" dirty="0" smtClean="0"/>
-              <a:t>Exercise: Add cookbook to </a:t>
+              <a:t>Exercise:  add cookbook to </a:t>
             </a:r>
             <a:r>
               <a:rPr lang="en-US" dirty="0" err="1" smtClean="0"/>
               <a:t>git</a:t>
+            </a:r>
+            <a:endParaRPr lang="en-US" dirty="0"/>
+          </a:p>
+        </p:txBody>
+      </p:sp>
+      <p:sp>
+        <p:nvSpPr>
+          <p:cNvPr id="7" name="Content Placeholder 6"/>
+          <p:cNvSpPr>
+            <a:spLocks noGrp="1"/>
+          </p:cNvSpPr>
+          <p:nvPr>
+            <p:ph sz="quarter" idx="12"/>
+          </p:nvPr>
+        </p:nvSpPr>
+        <p:spPr/>
+        <p:txBody>
+          <a:bodyPr>
+            <a:normAutofit fontScale="92500" lnSpcReduction="10000"/>
+          </a:bodyPr>
+          <a:lstStyle/>
+          <a:p>
+            <a:r>
+              <a:rPr lang="en-US" dirty="0" smtClean="0"/>
+              <a:t>cd cookbooks/</a:t>
+            </a:r>
+            <a:r>
+              <a:rPr lang="en-US" dirty="0" err="1" smtClean="0"/>
+              <a:t>aar</a:t>
             </a:r>
             <a:endParaRPr lang="en-US" dirty="0"/>
           </a:p>
@@ -18311,7 +18552,7 @@
     </p:spTree>
     <p:extLst>
       <p:ext uri="{BB962C8B-B14F-4D97-AF65-F5344CB8AC3E}">
-        <p14:creationId xmlns:p14="http://schemas.microsoft.com/office/powerpoint/2010/main" val="1751228570"/>
+        <p14:creationId xmlns:p14="http://schemas.microsoft.com/office/powerpoint/2010/main" val="970285641"/>
       </p:ext>
     </p:extLst>
   </p:cSld>
@@ -18359,7 +18600,7 @@
       </p:grpSpPr>
       <p:sp>
         <p:nvSpPr>
-          <p:cNvPr id="6" name="Content Placeholder 5"/>
+          <p:cNvPr id="2" name="Content Placeholder 1"/>
           <p:cNvSpPr>
             <a:spLocks noGrp="1"/>
           </p:cNvSpPr>
@@ -18369,158 +18610,99 @@
         </p:nvSpPr>
         <p:spPr/>
         <p:txBody>
-          <a:bodyPr anchor="t" anchorCtr="0">
-            <a:normAutofit/>
+          <a:bodyPr/>
+          <a:lstStyle/>
+          <a:p>
+            <a:r>
+              <a:rPr lang="en-US" dirty="0"/>
+              <a:t>Initialized empty </a:t>
+            </a:r>
+            <a:r>
+              <a:rPr lang="en-US" dirty="0" err="1"/>
+              <a:t>Git</a:t>
+            </a:r>
+            <a:r>
+              <a:rPr lang="en-US" dirty="0"/>
+              <a:t> repository in /Users/henry/chef-repo/cookbooks/</a:t>
+            </a:r>
+            <a:r>
+              <a:rPr lang="en-US" dirty="0" err="1"/>
+              <a:t>aar</a:t>
+            </a:r>
+            <a:r>
+              <a:rPr lang="en-US" dirty="0"/>
+              <a:t>/.</a:t>
+            </a:r>
+            <a:r>
+              <a:rPr lang="en-US" dirty="0" err="1"/>
+              <a:t>git</a:t>
+            </a:r>
+            <a:r>
+              <a:rPr lang="en-US" dirty="0"/>
+              <a:t>/</a:t>
+            </a:r>
+          </a:p>
+        </p:txBody>
+      </p:sp>
+      <p:sp>
+        <p:nvSpPr>
+          <p:cNvPr id="3" name="Title 2"/>
+          <p:cNvSpPr>
+            <a:spLocks noGrp="1"/>
+          </p:cNvSpPr>
+          <p:nvPr>
+            <p:ph type="title"/>
+          </p:nvPr>
+        </p:nvSpPr>
+        <p:spPr/>
+        <p:txBody>
+          <a:bodyPr/>
+          <a:lstStyle/>
+          <a:p>
+            <a:r>
+              <a:rPr lang="en-US" dirty="0"/>
+              <a:t>Exercise:  add cookbook to </a:t>
+            </a:r>
+            <a:r>
+              <a:rPr lang="en-US" dirty="0" err="1"/>
+              <a:t>git</a:t>
+            </a:r>
+            <a:endParaRPr lang="en-US" dirty="0"/>
+          </a:p>
+        </p:txBody>
+      </p:sp>
+      <p:sp>
+        <p:nvSpPr>
+          <p:cNvPr id="4" name="Content Placeholder 3"/>
+          <p:cNvSpPr>
+            <a:spLocks noGrp="1"/>
+          </p:cNvSpPr>
+          <p:nvPr>
+            <p:ph sz="quarter" idx="12"/>
+          </p:nvPr>
+        </p:nvSpPr>
+        <p:spPr/>
+        <p:txBody>
+          <a:bodyPr>
+            <a:normAutofit fontScale="92500" lnSpcReduction="10000"/>
           </a:bodyPr>
           <a:lstStyle/>
           <a:p>
             <a:r>
-              <a:rPr lang="en-US" sz="2400" dirty="0"/>
-              <a:t>$ </a:t>
-            </a:r>
-            <a:r>
-              <a:rPr lang="en-US" sz="2400" dirty="0" err="1"/>
+              <a:rPr lang="en-US" dirty="0" err="1" smtClean="0"/>
               <a:t>git</a:t>
             </a:r>
             <a:r>
-              <a:rPr lang="en-US" sz="2400" dirty="0"/>
-              <a:t> remote add origin </a:t>
-            </a:r>
-            <a:r>
-              <a:rPr lang="en-US" sz="2400" dirty="0" err="1"/>
-              <a:t>git@github.com:henrythecow</a:t>
-            </a:r>
-            <a:r>
-              <a:rPr lang="en-US" sz="2400" dirty="0"/>
-              <a:t>/</a:t>
-            </a:r>
-            <a:r>
-              <a:rPr lang="en-US" sz="2400" dirty="0" err="1"/>
-              <a:t>aar.git</a:t>
-            </a:r>
-            <a:endParaRPr lang="en-US" sz="2400" dirty="0"/>
-          </a:p>
-          <a:p>
-            <a:r>
-              <a:rPr lang="en-US" sz="2400" dirty="0"/>
-              <a:t>$ </a:t>
-            </a:r>
-            <a:r>
-              <a:rPr lang="en-US" sz="2400" dirty="0" err="1"/>
-              <a:t>git</a:t>
-            </a:r>
-            <a:r>
-              <a:rPr lang="en-US" sz="2400" dirty="0"/>
-              <a:t> push -u origin </a:t>
-            </a:r>
-            <a:r>
-              <a:rPr lang="en-US" sz="2400" dirty="0" smtClean="0"/>
-              <a:t>master</a:t>
-            </a:r>
-          </a:p>
-          <a:p>
-            <a:r>
-              <a:rPr lang="en-US" sz="2400" dirty="0"/>
-              <a:t>Counting objects: 7, done.</a:t>
-            </a:r>
-          </a:p>
-          <a:p>
-            <a:r>
-              <a:rPr lang="en-US" sz="2400" dirty="0"/>
-              <a:t>Delta compression using up to 8 threads.</a:t>
-            </a:r>
-          </a:p>
-          <a:p>
-            <a:r>
-              <a:rPr lang="en-US" sz="2400" dirty="0"/>
-              <a:t>Compressing objects: 100% (6/6), done.</a:t>
-            </a:r>
-          </a:p>
-          <a:p>
-            <a:r>
-              <a:rPr lang="en-US" sz="2400" dirty="0"/>
-              <a:t>Writing objects: 100% (7/7), 1.63 </a:t>
-            </a:r>
-            <a:r>
-              <a:rPr lang="en-US" sz="2400" dirty="0" err="1"/>
-              <a:t>KiB</a:t>
-            </a:r>
-            <a:r>
-              <a:rPr lang="en-US" sz="2400" dirty="0"/>
-              <a:t>, done.</a:t>
-            </a:r>
-          </a:p>
-          <a:p>
-            <a:r>
-              <a:rPr lang="en-US" sz="2400" dirty="0"/>
-              <a:t>Total 7 (delta 0), reused 0 (delta 0)</a:t>
-            </a:r>
-          </a:p>
-          <a:p>
-            <a:r>
-              <a:rPr lang="en-US" sz="2400" dirty="0"/>
-              <a:t>To </a:t>
-            </a:r>
-            <a:r>
-              <a:rPr lang="en-US" sz="2400" dirty="0" err="1"/>
-              <a:t>git@github.com:henrythecow</a:t>
-            </a:r>
-            <a:r>
-              <a:rPr lang="en-US" sz="2400" dirty="0"/>
-              <a:t>/</a:t>
-            </a:r>
-            <a:r>
-              <a:rPr lang="en-US" sz="2400" dirty="0" err="1"/>
-              <a:t>aar.git</a:t>
-            </a:r>
-            <a:endParaRPr lang="en-US" sz="2400" dirty="0"/>
-          </a:p>
-          <a:p>
-            <a:r>
-              <a:rPr lang="en-US" sz="2400" dirty="0"/>
-              <a:t> * [new branch]      master -&gt; master</a:t>
-            </a:r>
-          </a:p>
-          <a:p>
-            <a:r>
-              <a:rPr lang="en-US" sz="2400" dirty="0"/>
-              <a:t>Branch master set up to track remote branch master from origin.</a:t>
-            </a:r>
-            <a:endParaRPr lang="en-US" sz="2400" dirty="0"/>
-          </a:p>
-        </p:txBody>
-      </p:sp>
-      <p:sp>
-        <p:nvSpPr>
-          <p:cNvPr id="2" name="Title 1"/>
-          <p:cNvSpPr>
-            <a:spLocks noGrp="1"/>
-          </p:cNvSpPr>
-          <p:nvPr>
-            <p:ph type="title"/>
-          </p:nvPr>
-        </p:nvSpPr>
-        <p:spPr>
-          <a:xfrm>
-            <a:off x="457199" y="228599"/>
-            <a:ext cx="11574379" cy="620683"/>
-          </a:xfrm>
-        </p:spPr>
-        <p:txBody>
-          <a:bodyPr/>
-          <a:lstStyle/>
-          <a:p>
-            <a:r>
-              <a:rPr lang="en-US" dirty="0" smtClean="0"/>
-              <a:t>Exercise: Upload cookbook to </a:t>
+              <a:rPr lang="en-US" dirty="0" smtClean="0"/>
+              <a:t> </a:t>
             </a:r>
             <a:r>
               <a:rPr lang="en-US" dirty="0" err="1" smtClean="0"/>
-              <a:t>GitHub</a:t>
-            </a:r>
-            <a:r>
-              <a:rPr lang="en-US" dirty="0" smtClean="0"/>
-              <a:t> repo</a:t>
+              <a:t>init</a:t>
+            </a:r>
+            <a:r>
+              <a:rPr lang="en-US" dirty="0" smtClean="0"/>
+              <a:t> .</a:t>
             </a:r>
             <a:endParaRPr lang="en-US" dirty="0"/>
           </a:p>
@@ -18529,7 +18711,7 @@
     </p:spTree>
     <p:extLst>
       <p:ext uri="{BB962C8B-B14F-4D97-AF65-F5344CB8AC3E}">
-        <p14:creationId xmlns:p14="http://schemas.microsoft.com/office/powerpoint/2010/main" val="1873912324"/>
+        <p14:creationId xmlns:p14="http://schemas.microsoft.com/office/powerpoint/2010/main" val="1938147763"/>
       </p:ext>
     </p:extLst>
   </p:cSld>
@@ -18577,6 +18759,673 @@
       </p:grpSpPr>
       <p:sp>
         <p:nvSpPr>
+          <p:cNvPr id="6" name="Content Placeholder 5"/>
+          <p:cNvSpPr>
+            <a:spLocks noGrp="1"/>
+          </p:cNvSpPr>
+          <p:nvPr>
+            <p:ph sz="quarter" idx="11"/>
+          </p:nvPr>
+        </p:nvSpPr>
+        <p:spPr/>
+        <p:txBody>
+          <a:bodyPr/>
+          <a:lstStyle/>
+          <a:p>
+            <a:endParaRPr lang="en-US" dirty="0"/>
+          </a:p>
+        </p:txBody>
+      </p:sp>
+      <p:sp>
+        <p:nvSpPr>
+          <p:cNvPr id="5" name="Title 4"/>
+          <p:cNvSpPr>
+            <a:spLocks noGrp="1"/>
+          </p:cNvSpPr>
+          <p:nvPr>
+            <p:ph type="title"/>
+          </p:nvPr>
+        </p:nvSpPr>
+        <p:spPr/>
+        <p:txBody>
+          <a:bodyPr/>
+          <a:lstStyle/>
+          <a:p>
+            <a:r>
+              <a:rPr lang="en-US" dirty="0" smtClean="0"/>
+              <a:t>Exercise:  add cookbook to </a:t>
+            </a:r>
+            <a:r>
+              <a:rPr lang="en-US" dirty="0" err="1" smtClean="0"/>
+              <a:t>git</a:t>
+            </a:r>
+            <a:endParaRPr lang="en-US" dirty="0"/>
+          </a:p>
+        </p:txBody>
+      </p:sp>
+      <p:sp>
+        <p:nvSpPr>
+          <p:cNvPr id="7" name="Content Placeholder 6"/>
+          <p:cNvSpPr>
+            <a:spLocks noGrp="1"/>
+          </p:cNvSpPr>
+          <p:nvPr>
+            <p:ph sz="quarter" idx="12"/>
+          </p:nvPr>
+        </p:nvSpPr>
+        <p:spPr/>
+        <p:txBody>
+          <a:bodyPr>
+            <a:normAutofit fontScale="92500" lnSpcReduction="10000"/>
+          </a:bodyPr>
+          <a:lstStyle/>
+          <a:p>
+            <a:r>
+              <a:rPr lang="en-US" dirty="0" err="1" smtClean="0"/>
+              <a:t>git</a:t>
+            </a:r>
+            <a:r>
+              <a:rPr lang="en-US" dirty="0" smtClean="0"/>
+              <a:t> add .</a:t>
+            </a:r>
+            <a:endParaRPr lang="en-US" dirty="0"/>
+          </a:p>
+        </p:txBody>
+      </p:sp>
+    </p:spTree>
+    <p:extLst>
+      <p:ext uri="{BB962C8B-B14F-4D97-AF65-F5344CB8AC3E}">
+        <p14:creationId xmlns:p14="http://schemas.microsoft.com/office/powerpoint/2010/main" val="1970990102"/>
+      </p:ext>
+    </p:extLst>
+  </p:cSld>
+  <p:clrMapOvr>
+    <a:masterClrMapping/>
+  </p:clrMapOvr>
+  <mc:AlternateContent xmlns:mc="http://schemas.openxmlformats.org/markup-compatibility/2006" xmlns:p14="http://schemas.microsoft.com/office/powerpoint/2010/main">
+    <mc:Choice Requires="p14">
+      <p:transition spd="med" p14:dur="700">
+        <p:fade/>
+      </p:transition>
+    </mc:Choice>
+    <mc:Fallback xmlns="">
+      <p:transition spd="med">
+        <p:fade/>
+      </p:transition>
+    </mc:Fallback>
+  </mc:AlternateContent>
+  <p:timing>
+    <p:tnLst>
+      <p:par>
+        <p:cTn xmlns:p14="http://schemas.microsoft.com/office/powerpoint/2010/main" id="1" dur="indefinite" restart="never" nodeType="tmRoot"/>
+      </p:par>
+    </p:tnLst>
+  </p:timing>
+</p:sld>
+</file>
+
+<file path=ppt/slides/slide23.xml><?xml version="1.0" encoding="utf-8"?>
+<p:sld xmlns:a="http://schemas.openxmlformats.org/drawingml/2006/main" xmlns:r="http://schemas.openxmlformats.org/officeDocument/2006/relationships" xmlns:p="http://schemas.openxmlformats.org/presentationml/2006/main">
+  <p:cSld>
+    <p:spTree>
+      <p:nvGrpSpPr>
+        <p:cNvPr id="1" name=""/>
+        <p:cNvGrpSpPr/>
+        <p:nvPr/>
+      </p:nvGrpSpPr>
+      <p:grpSpPr>
+        <a:xfrm>
+          <a:off x="0" y="0"/>
+          <a:ext cx="0" cy="0"/>
+          <a:chOff x="0" y="0"/>
+          <a:chExt cx="0" cy="0"/>
+        </a:xfrm>
+      </p:grpSpPr>
+      <p:sp>
+        <p:nvSpPr>
+          <p:cNvPr id="6" name="Content Placeholder 5"/>
+          <p:cNvSpPr>
+            <a:spLocks noGrp="1"/>
+          </p:cNvSpPr>
+          <p:nvPr>
+            <p:ph sz="quarter" idx="11"/>
+          </p:nvPr>
+        </p:nvSpPr>
+        <p:spPr/>
+        <p:txBody>
+          <a:bodyPr>
+            <a:normAutofit fontScale="92500" lnSpcReduction="20000"/>
+          </a:bodyPr>
+          <a:lstStyle/>
+          <a:p>
+            <a:r>
+              <a:rPr lang="en-US" dirty="0"/>
+              <a:t>[master (root-commit) b3d606c] Scaffold of the cookbook created by </a:t>
+            </a:r>
+            <a:r>
+              <a:rPr lang="en-US" dirty="0" smtClean="0"/>
+              <a:t>knife</a:t>
+            </a:r>
+            <a:endParaRPr lang="en-US" dirty="0"/>
+          </a:p>
+          <a:p>
+            <a:r>
+              <a:rPr lang="en-US" dirty="0"/>
+              <a:t> 4 files changed, 96 insertions(+</a:t>
+            </a:r>
+            <a:r>
+              <a:rPr lang="en-US" dirty="0" smtClean="0"/>
+              <a:t>)</a:t>
+            </a:r>
+            <a:endParaRPr lang="en-US" dirty="0"/>
+          </a:p>
+          <a:p>
+            <a:r>
+              <a:rPr lang="en-US" dirty="0"/>
+              <a:t> create mode 100644 </a:t>
+            </a:r>
+            <a:r>
+              <a:rPr lang="en-US" dirty="0" err="1" smtClean="0"/>
+              <a:t>CHANGELOG.md</a:t>
+            </a:r>
+            <a:endParaRPr lang="en-US" dirty="0"/>
+          </a:p>
+          <a:p>
+            <a:r>
+              <a:rPr lang="en-US" dirty="0"/>
+              <a:t> create mode 100644 </a:t>
+            </a:r>
+            <a:r>
+              <a:rPr lang="en-US" dirty="0" err="1" smtClean="0"/>
+              <a:t>README.md</a:t>
+            </a:r>
+            <a:endParaRPr lang="en-US" dirty="0"/>
+          </a:p>
+          <a:p>
+            <a:r>
+              <a:rPr lang="en-US" dirty="0"/>
+              <a:t> create mode 100644 </a:t>
+            </a:r>
+            <a:r>
+              <a:rPr lang="en-US" dirty="0" err="1" smtClean="0"/>
+              <a:t>metadata.rb</a:t>
+            </a:r>
+            <a:endParaRPr lang="en-US" dirty="0"/>
+          </a:p>
+          <a:p>
+            <a:r>
+              <a:rPr lang="en-US" dirty="0"/>
+              <a:t> create mode 100644 recipes/</a:t>
+            </a:r>
+            <a:r>
+              <a:rPr lang="en-US" dirty="0" err="1"/>
+              <a:t>default.rb</a:t>
+            </a:r>
+            <a:endParaRPr lang="en-US" dirty="0"/>
+          </a:p>
+          <a:p>
+            <a:endParaRPr lang="en-US" dirty="0"/>
+          </a:p>
+          <a:p>
+            <a:endParaRPr lang="en-US" dirty="0"/>
+          </a:p>
+        </p:txBody>
+      </p:sp>
+      <p:sp>
+        <p:nvSpPr>
+          <p:cNvPr id="5" name="Title 4"/>
+          <p:cNvSpPr>
+            <a:spLocks noGrp="1"/>
+          </p:cNvSpPr>
+          <p:nvPr>
+            <p:ph type="title"/>
+          </p:nvPr>
+        </p:nvSpPr>
+        <p:spPr/>
+        <p:txBody>
+          <a:bodyPr/>
+          <a:lstStyle/>
+          <a:p>
+            <a:r>
+              <a:rPr lang="en-US" dirty="0" smtClean="0"/>
+              <a:t>Exercise:  add cookbook to </a:t>
+            </a:r>
+            <a:r>
+              <a:rPr lang="en-US" dirty="0" err="1" smtClean="0"/>
+              <a:t>git</a:t>
+            </a:r>
+            <a:endParaRPr lang="en-US" dirty="0"/>
+          </a:p>
+        </p:txBody>
+      </p:sp>
+      <p:sp>
+        <p:nvSpPr>
+          <p:cNvPr id="7" name="Content Placeholder 6"/>
+          <p:cNvSpPr>
+            <a:spLocks noGrp="1"/>
+          </p:cNvSpPr>
+          <p:nvPr>
+            <p:ph sz="quarter" idx="12"/>
+          </p:nvPr>
+        </p:nvSpPr>
+        <p:spPr/>
+        <p:txBody>
+          <a:bodyPr>
+            <a:normAutofit fontScale="55000" lnSpcReduction="20000"/>
+          </a:bodyPr>
+          <a:lstStyle/>
+          <a:p>
+            <a:r>
+              <a:rPr lang="en-US" dirty="0" err="1" smtClean="0"/>
+              <a:t>git</a:t>
+            </a:r>
+            <a:r>
+              <a:rPr lang="en-US" dirty="0" smtClean="0"/>
+              <a:t> commit –m "</a:t>
+            </a:r>
+            <a:r>
+              <a:rPr lang="en-US" dirty="0"/>
+              <a:t>Scaffold of the cookbook created by knife"</a:t>
+            </a:r>
+          </a:p>
+        </p:txBody>
+      </p:sp>
+    </p:spTree>
+    <p:extLst>
+      <p:ext uri="{BB962C8B-B14F-4D97-AF65-F5344CB8AC3E}">
+        <p14:creationId xmlns:p14="http://schemas.microsoft.com/office/powerpoint/2010/main" val="3640634762"/>
+      </p:ext>
+    </p:extLst>
+  </p:cSld>
+  <p:clrMapOvr>
+    <a:masterClrMapping/>
+  </p:clrMapOvr>
+  <mc:AlternateContent xmlns:mc="http://schemas.openxmlformats.org/markup-compatibility/2006" xmlns:p14="http://schemas.microsoft.com/office/powerpoint/2010/main">
+    <mc:Choice Requires="p14">
+      <p:transition spd="med" p14:dur="700">
+        <p:fade/>
+      </p:transition>
+    </mc:Choice>
+    <mc:Fallback xmlns="">
+      <p:transition spd="med">
+        <p:fade/>
+      </p:transition>
+    </mc:Fallback>
+  </mc:AlternateContent>
+  <p:timing>
+    <p:tnLst>
+      <p:par>
+        <p:cTn xmlns:p14="http://schemas.microsoft.com/office/powerpoint/2010/main" id="1" dur="indefinite" restart="never" nodeType="tmRoot"/>
+      </p:par>
+    </p:tnLst>
+  </p:timing>
+</p:sld>
+</file>
+
+<file path=ppt/slides/slide24.xml><?xml version="1.0" encoding="utf-8"?>
+<p:sld xmlns:a="http://schemas.openxmlformats.org/drawingml/2006/main" xmlns:r="http://schemas.openxmlformats.org/officeDocument/2006/relationships" xmlns:p="http://schemas.openxmlformats.org/presentationml/2006/main">
+  <p:cSld>
+    <p:spTree>
+      <p:nvGrpSpPr>
+        <p:cNvPr id="1" name=""/>
+        <p:cNvGrpSpPr/>
+        <p:nvPr/>
+      </p:nvGrpSpPr>
+      <p:grpSpPr>
+        <a:xfrm>
+          <a:off x="0" y="0"/>
+          <a:ext cx="0" cy="0"/>
+          <a:chOff x="0" y="0"/>
+          <a:chExt cx="0" cy="0"/>
+        </a:xfrm>
+      </p:grpSpPr>
+      <p:sp>
+        <p:nvSpPr>
+          <p:cNvPr id="6" name="Content Placeholder 5"/>
+          <p:cNvSpPr>
+            <a:spLocks noGrp="1"/>
+          </p:cNvSpPr>
+          <p:nvPr>
+            <p:ph sz="quarter" idx="11"/>
+          </p:nvPr>
+        </p:nvSpPr>
+        <p:spPr/>
+        <p:txBody>
+          <a:bodyPr anchor="t" anchorCtr="0">
+            <a:normAutofit/>
+          </a:bodyPr>
+          <a:lstStyle/>
+          <a:p>
+            <a:endParaRPr lang="en-US" sz="2400" dirty="0"/>
+          </a:p>
+        </p:txBody>
+      </p:sp>
+      <p:sp>
+        <p:nvSpPr>
+          <p:cNvPr id="2" name="Title 1"/>
+          <p:cNvSpPr>
+            <a:spLocks noGrp="1"/>
+          </p:cNvSpPr>
+          <p:nvPr>
+            <p:ph type="title"/>
+          </p:nvPr>
+        </p:nvSpPr>
+        <p:spPr/>
+        <p:txBody>
+          <a:bodyPr>
+            <a:normAutofit fontScale="90000"/>
+          </a:bodyPr>
+          <a:lstStyle/>
+          <a:p>
+            <a:r>
+              <a:rPr lang="en-US" dirty="0" smtClean="0"/>
+              <a:t>Exercise: Upload cookbook to </a:t>
+            </a:r>
+            <a:r>
+              <a:rPr lang="en-US" dirty="0" err="1" smtClean="0"/>
+              <a:t>GitHub</a:t>
+            </a:r>
+            <a:r>
+              <a:rPr lang="en-US" dirty="0" smtClean="0"/>
+              <a:t> repo</a:t>
+            </a:r>
+            <a:endParaRPr lang="en-US" dirty="0"/>
+          </a:p>
+        </p:txBody>
+      </p:sp>
+      <p:sp>
+        <p:nvSpPr>
+          <p:cNvPr id="3" name="Content Placeholder 2"/>
+          <p:cNvSpPr>
+            <a:spLocks noGrp="1"/>
+          </p:cNvSpPr>
+          <p:nvPr>
+            <p:ph sz="quarter" idx="12"/>
+          </p:nvPr>
+        </p:nvSpPr>
+        <p:spPr/>
+        <p:txBody>
+          <a:bodyPr>
+            <a:normAutofit fontScale="55000" lnSpcReduction="20000"/>
+          </a:bodyPr>
+          <a:lstStyle/>
+          <a:p>
+            <a:r>
+              <a:rPr lang="en-US" dirty="0" err="1"/>
+              <a:t>git</a:t>
+            </a:r>
+            <a:r>
+              <a:rPr lang="en-US" dirty="0"/>
+              <a:t> remote add origin </a:t>
+            </a:r>
+            <a:r>
+              <a:rPr lang="en-US" dirty="0" err="1"/>
+              <a:t>git@github.com:henrythecow</a:t>
+            </a:r>
+            <a:r>
+              <a:rPr lang="en-US" dirty="0"/>
+              <a:t>/</a:t>
+            </a:r>
+            <a:r>
+              <a:rPr lang="en-US" dirty="0" err="1" smtClean="0"/>
+              <a:t>aar.git</a:t>
+            </a:r>
+            <a:endParaRPr lang="en-US" dirty="0"/>
+          </a:p>
+        </p:txBody>
+      </p:sp>
+    </p:spTree>
+    <p:extLst>
+      <p:ext uri="{BB962C8B-B14F-4D97-AF65-F5344CB8AC3E}">
+        <p14:creationId xmlns:p14="http://schemas.microsoft.com/office/powerpoint/2010/main" val="1873912324"/>
+      </p:ext>
+    </p:extLst>
+  </p:cSld>
+  <p:clrMapOvr>
+    <a:masterClrMapping/>
+  </p:clrMapOvr>
+  <mc:AlternateContent xmlns:mc="http://schemas.openxmlformats.org/markup-compatibility/2006" xmlns:p14="http://schemas.microsoft.com/office/powerpoint/2010/main">
+    <mc:Choice Requires="p14">
+      <p:transition spd="med" p14:dur="700">
+        <p:fade/>
+      </p:transition>
+    </mc:Choice>
+    <mc:Fallback xmlns="">
+      <p:transition spd="med">
+        <p:fade/>
+      </p:transition>
+    </mc:Fallback>
+  </mc:AlternateContent>
+  <p:timing>
+    <p:tnLst>
+      <p:par>
+        <p:cTn xmlns:p14="http://schemas.microsoft.com/office/powerpoint/2010/main" id="1" dur="indefinite" restart="never" nodeType="tmRoot"/>
+      </p:par>
+    </p:tnLst>
+  </p:timing>
+</p:sld>
+</file>
+
+<file path=ppt/slides/slide25.xml><?xml version="1.0" encoding="utf-8"?>
+<p:sld xmlns:a="http://schemas.openxmlformats.org/drawingml/2006/main" xmlns:r="http://schemas.openxmlformats.org/officeDocument/2006/relationships" xmlns:p="http://schemas.openxmlformats.org/presentationml/2006/main">
+  <p:cSld>
+    <p:spTree>
+      <p:nvGrpSpPr>
+        <p:cNvPr id="1" name=""/>
+        <p:cNvGrpSpPr/>
+        <p:nvPr/>
+      </p:nvGrpSpPr>
+      <p:grpSpPr>
+        <a:xfrm>
+          <a:off x="0" y="0"/>
+          <a:ext cx="0" cy="0"/>
+          <a:chOff x="0" y="0"/>
+          <a:chExt cx="0" cy="0"/>
+        </a:xfrm>
+      </p:grpSpPr>
+      <p:sp>
+        <p:nvSpPr>
+          <p:cNvPr id="6" name="Content Placeholder 5"/>
+          <p:cNvSpPr>
+            <a:spLocks noGrp="1"/>
+          </p:cNvSpPr>
+          <p:nvPr>
+            <p:ph sz="quarter" idx="11"/>
+          </p:nvPr>
+        </p:nvSpPr>
+        <p:spPr/>
+        <p:txBody>
+          <a:bodyPr anchor="t" anchorCtr="0">
+            <a:normAutofit/>
+          </a:bodyPr>
+          <a:lstStyle/>
+          <a:p>
+            <a:r>
+              <a:rPr lang="en-US" sz="2400" dirty="0" smtClean="0"/>
+              <a:t>Counting </a:t>
+            </a:r>
+            <a:r>
+              <a:rPr lang="en-US" sz="2400" dirty="0"/>
+              <a:t>objects: 7, done.</a:t>
+            </a:r>
+          </a:p>
+          <a:p>
+            <a:r>
+              <a:rPr lang="en-US" sz="2400" dirty="0"/>
+              <a:t>Delta compression using up to 8 threads.</a:t>
+            </a:r>
+          </a:p>
+          <a:p>
+            <a:r>
+              <a:rPr lang="en-US" sz="2400" dirty="0"/>
+              <a:t>Compressing objects: 100% (6/6), done.</a:t>
+            </a:r>
+          </a:p>
+          <a:p>
+            <a:r>
+              <a:rPr lang="en-US" sz="2400" dirty="0"/>
+              <a:t>Writing objects: 100% (7/7), 1.63 </a:t>
+            </a:r>
+            <a:r>
+              <a:rPr lang="en-US" sz="2400" dirty="0" err="1"/>
+              <a:t>KiB</a:t>
+            </a:r>
+            <a:r>
+              <a:rPr lang="en-US" sz="2400" dirty="0"/>
+              <a:t>, done.</a:t>
+            </a:r>
+          </a:p>
+          <a:p>
+            <a:r>
+              <a:rPr lang="en-US" sz="2400" dirty="0"/>
+              <a:t>Total 7 (delta 0), reused 0 (delta 0)</a:t>
+            </a:r>
+          </a:p>
+          <a:p>
+            <a:r>
+              <a:rPr lang="en-US" sz="2400" dirty="0"/>
+              <a:t>To </a:t>
+            </a:r>
+            <a:r>
+              <a:rPr lang="en-US" sz="2400" dirty="0" err="1"/>
+              <a:t>git@github.com:henrythecow</a:t>
+            </a:r>
+            <a:r>
+              <a:rPr lang="en-US" sz="2400" dirty="0"/>
+              <a:t>/</a:t>
+            </a:r>
+            <a:r>
+              <a:rPr lang="en-US" sz="2400" dirty="0" err="1"/>
+              <a:t>aar.git</a:t>
+            </a:r>
+            <a:endParaRPr lang="en-US" sz="2400" dirty="0"/>
+          </a:p>
+          <a:p>
+            <a:r>
+              <a:rPr lang="en-US" sz="2400" dirty="0"/>
+              <a:t> * [new branch]      master -&gt; master</a:t>
+            </a:r>
+          </a:p>
+          <a:p>
+            <a:r>
+              <a:rPr lang="en-US" sz="2400" dirty="0"/>
+              <a:t>Branch master set up to track remote branch master from origin.</a:t>
+            </a:r>
+          </a:p>
+        </p:txBody>
+      </p:sp>
+      <p:sp>
+        <p:nvSpPr>
+          <p:cNvPr id="2" name="Title 1"/>
+          <p:cNvSpPr>
+            <a:spLocks noGrp="1"/>
+          </p:cNvSpPr>
+          <p:nvPr>
+            <p:ph type="title"/>
+          </p:nvPr>
+        </p:nvSpPr>
+        <p:spPr/>
+        <p:txBody>
+          <a:bodyPr>
+            <a:normAutofit fontScale="90000"/>
+          </a:bodyPr>
+          <a:lstStyle/>
+          <a:p>
+            <a:r>
+              <a:rPr lang="en-US" dirty="0" smtClean="0"/>
+              <a:t>Exercise: Upload cookbook to </a:t>
+            </a:r>
+            <a:r>
+              <a:rPr lang="en-US" dirty="0" err="1" smtClean="0"/>
+              <a:t>GitHub</a:t>
+            </a:r>
+            <a:r>
+              <a:rPr lang="en-US" dirty="0" smtClean="0"/>
+              <a:t> repo</a:t>
+            </a:r>
+            <a:endParaRPr lang="en-US" dirty="0"/>
+          </a:p>
+        </p:txBody>
+      </p:sp>
+      <p:sp>
+        <p:nvSpPr>
+          <p:cNvPr id="3" name="Content Placeholder 2"/>
+          <p:cNvSpPr>
+            <a:spLocks noGrp="1"/>
+          </p:cNvSpPr>
+          <p:nvPr>
+            <p:ph sz="quarter" idx="12"/>
+          </p:nvPr>
+        </p:nvSpPr>
+        <p:spPr/>
+        <p:txBody>
+          <a:bodyPr>
+            <a:normAutofit fontScale="92500" lnSpcReduction="10000"/>
+          </a:bodyPr>
+          <a:lstStyle/>
+          <a:p>
+            <a:r>
+              <a:rPr lang="en-US" dirty="0" err="1"/>
+              <a:t>git</a:t>
+            </a:r>
+            <a:r>
+              <a:rPr lang="en-US" dirty="0"/>
+              <a:t> push -u origin master</a:t>
+            </a:r>
+          </a:p>
+        </p:txBody>
+      </p:sp>
+    </p:spTree>
+    <p:extLst>
+      <p:ext uri="{BB962C8B-B14F-4D97-AF65-F5344CB8AC3E}">
+        <p14:creationId xmlns:p14="http://schemas.microsoft.com/office/powerpoint/2010/main" val="948562455"/>
+      </p:ext>
+    </p:extLst>
+  </p:cSld>
+  <p:clrMapOvr>
+    <a:masterClrMapping/>
+  </p:clrMapOvr>
+  <mc:AlternateContent xmlns:mc="http://schemas.openxmlformats.org/markup-compatibility/2006" xmlns:p14="http://schemas.microsoft.com/office/powerpoint/2010/main">
+    <mc:Choice Requires="p14">
+      <p:transition spd="med" p14:dur="700">
+        <p:fade/>
+      </p:transition>
+    </mc:Choice>
+    <mc:Fallback xmlns="">
+      <p:transition spd="med">
+        <p:fade/>
+      </p:transition>
+    </mc:Fallback>
+  </mc:AlternateContent>
+  <p:timing>
+    <p:tnLst>
+      <p:par>
+        <p:cTn xmlns:p14="http://schemas.microsoft.com/office/powerpoint/2010/main" id="1" dur="indefinite" restart="never" nodeType="tmRoot"/>
+      </p:par>
+    </p:tnLst>
+  </p:timing>
+</p:sld>
+</file>
+
+<file path=ppt/slides/slide26.xml><?xml version="1.0" encoding="utf-8"?>
+<p:sld xmlns:a="http://schemas.openxmlformats.org/drawingml/2006/main" xmlns:r="http://schemas.openxmlformats.org/officeDocument/2006/relationships" xmlns:p="http://schemas.openxmlformats.org/presentationml/2006/main">
+  <p:cSld>
+    <p:spTree>
+      <p:nvGrpSpPr>
+        <p:cNvPr id="1" name=""/>
+        <p:cNvGrpSpPr/>
+        <p:nvPr/>
+      </p:nvGrpSpPr>
+      <p:grpSpPr>
+        <a:xfrm>
+          <a:off x="0" y="0"/>
+          <a:ext cx="0" cy="0"/>
+          <a:chOff x="0" y="0"/>
+          <a:chExt cx="0" cy="0"/>
+        </a:xfrm>
+      </p:grpSpPr>
+      <p:sp>
+        <p:nvSpPr>
           <p:cNvPr id="2" name="Title 1"/>
           <p:cNvSpPr>
             <a:spLocks noGrp="1"/>
@@ -18680,7 +19529,7 @@
 </p:sld>
 </file>
 
-<file path=ppt/slides/slide23.xml><?xml version="1.0" encoding="utf-8"?>
+<file path=ppt/slides/slide27.xml><?xml version="1.0" encoding="utf-8"?>
 <p:sld xmlns:a="http://schemas.openxmlformats.org/drawingml/2006/main" xmlns:r="http://schemas.openxmlformats.org/officeDocument/2006/relationships" xmlns:p="http://schemas.openxmlformats.org/presentationml/2006/main" show="0">
   <p:cSld>
     <p:spTree>
@@ -19209,12 +20058,7 @@
             <p:ph type="title"/>
           </p:nvPr>
         </p:nvSpPr>
-        <p:spPr>
-          <a:xfrm>
-            <a:off x="457200" y="228599"/>
-            <a:ext cx="11601116" cy="564257"/>
-          </a:xfrm>
-        </p:spPr>
+        <p:spPr/>
         <p:txBody>
           <a:bodyPr/>
           <a:lstStyle/>
@@ -19249,12 +20093,7 @@
             <p:ph sz="quarter" idx="12"/>
           </p:nvPr>
         </p:nvSpPr>
-        <p:spPr>
-          <a:xfrm>
-            <a:off x="508000" y="1229895"/>
-            <a:ext cx="10855159" cy="662793"/>
-          </a:xfrm>
-        </p:spPr>
+        <p:spPr/>
         <p:txBody>
           <a:bodyPr anchor="ctr" anchorCtr="0">
             <a:noAutofit/>
@@ -19263,11 +20102,11 @@
           <a:p>
             <a:r>
               <a:rPr lang="en-US" sz="3700" dirty="0" smtClean="0"/>
-              <a:t>$ </a:t>
+              <a:t>chef </a:t>
             </a:r>
             <a:r>
               <a:rPr lang="en-US" sz="3700" dirty="0"/>
-              <a:t>chef generate cookbook </a:t>
+              <a:t>generate cookbook </a:t>
             </a:r>
             <a:r>
               <a:rPr lang="en-US" sz="3700" dirty="0" err="1" smtClean="0"/>
@@ -19309,7 +20148,7 @@
 </p:sld>
 </file>
 
-<file path=ppt/slides/slide24.xml><?xml version="1.0" encoding="utf-8"?>
+<file path=ppt/slides/slide28.xml><?xml version="1.0" encoding="utf-8"?>
 <p:sld xmlns:a="http://schemas.openxmlformats.org/drawingml/2006/main" xmlns:r="http://schemas.openxmlformats.org/officeDocument/2006/relationships" xmlns:p="http://schemas.openxmlformats.org/presentationml/2006/main" show="0">
   <p:cSld>
     <p:spTree>
@@ -19343,131 +20182,6 @@
           </a:bodyPr>
           <a:lstStyle/>
           <a:p>
-            <a:r>
-              <a:rPr lang="en-US" sz="2400" dirty="0"/>
-              <a:t>$ cd </a:t>
-            </a:r>
-            <a:r>
-              <a:rPr lang="en-US" sz="2400" dirty="0" err="1"/>
-              <a:t>aar</a:t>
-            </a:r>
-            <a:endParaRPr lang="en-US" sz="2400" dirty="0"/>
-          </a:p>
-          <a:p>
-            <a:r>
-              <a:rPr lang="en-US" sz="2400" dirty="0"/>
-              <a:t>$ </a:t>
-            </a:r>
-            <a:r>
-              <a:rPr lang="en-US" sz="2400" dirty="0" err="1"/>
-              <a:t>git</a:t>
-            </a:r>
-            <a:r>
-              <a:rPr lang="en-US" sz="2400" dirty="0"/>
-              <a:t> add .</a:t>
-            </a:r>
-          </a:p>
-          <a:p>
-            <a:r>
-              <a:rPr lang="en-US" sz="2400" dirty="0"/>
-              <a:t>$ </a:t>
-            </a:r>
-            <a:r>
-              <a:rPr lang="en-US" sz="2400" dirty="0" err="1"/>
-              <a:t>git</a:t>
-            </a:r>
-            <a:r>
-              <a:rPr lang="en-US" sz="2400" dirty="0"/>
-              <a:t> commit -m "Scaffold of the cookbook created by chef"</a:t>
-            </a:r>
-          </a:p>
-          <a:p>
-            <a:r>
-              <a:rPr lang="en-US" sz="2400" dirty="0"/>
-              <a:t>[master (root-commit) b1db9ac] Scaffold of the cookbook created by chef</a:t>
-            </a:r>
-          </a:p>
-          <a:p>
-            <a:r>
-              <a:rPr lang="en-US" sz="2400" dirty="0"/>
-              <a:t> 7 files changed, 151 insertions(+)</a:t>
-            </a:r>
-          </a:p>
-          <a:p>
-            <a:r>
-              <a:rPr lang="en-US" sz="2400" dirty="0"/>
-              <a:t> create mode 100644 .</a:t>
-            </a:r>
-            <a:r>
-              <a:rPr lang="en-US" sz="2400" dirty="0" err="1"/>
-              <a:t>gitignore</a:t>
-            </a:r>
-            <a:endParaRPr lang="en-US" sz="2400" dirty="0"/>
-          </a:p>
-          <a:p>
-            <a:r>
-              <a:rPr lang="en-US" sz="2400" dirty="0"/>
-              <a:t> create mode 100644 .</a:t>
-            </a:r>
-            <a:r>
-              <a:rPr lang="en-US" sz="2400" dirty="0" err="1"/>
-              <a:t>kitchen.yml</a:t>
-            </a:r>
-            <a:endParaRPr lang="en-US" sz="2400" dirty="0"/>
-          </a:p>
-          <a:p>
-            <a:r>
-              <a:rPr lang="en-US" sz="2400" dirty="0"/>
-              <a:t> create mode 100644 </a:t>
-            </a:r>
-            <a:r>
-              <a:rPr lang="en-US" sz="2400" dirty="0" err="1"/>
-              <a:t>Berksfile</a:t>
-            </a:r>
-            <a:endParaRPr lang="en-US" sz="2400" dirty="0"/>
-          </a:p>
-          <a:p>
-            <a:r>
-              <a:rPr lang="en-US" sz="2400" dirty="0"/>
-              <a:t> create mode 100644 </a:t>
-            </a:r>
-            <a:r>
-              <a:rPr lang="en-US" sz="2400" dirty="0" err="1"/>
-              <a:t>README.md</a:t>
-            </a:r>
-            <a:endParaRPr lang="en-US" sz="2400" dirty="0"/>
-          </a:p>
-          <a:p>
-            <a:r>
-              <a:rPr lang="en-US" sz="2400" dirty="0"/>
-              <a:t> create mode 100644 </a:t>
-            </a:r>
-            <a:r>
-              <a:rPr lang="en-US" sz="2400" dirty="0" err="1"/>
-              <a:t>chefignore</a:t>
-            </a:r>
-            <a:endParaRPr lang="en-US" sz="2400" dirty="0"/>
-          </a:p>
-          <a:p>
-            <a:r>
-              <a:rPr lang="en-US" sz="2400" dirty="0"/>
-              <a:t> create mode 100644 </a:t>
-            </a:r>
-            <a:r>
-              <a:rPr lang="en-US" sz="2400" dirty="0" err="1"/>
-              <a:t>metadata.rb</a:t>
-            </a:r>
-            <a:endParaRPr lang="en-US" sz="2400" dirty="0"/>
-          </a:p>
-          <a:p>
-            <a:r>
-              <a:rPr lang="en-US" sz="2400" dirty="0"/>
-              <a:t> create mode 100644 recipes/</a:t>
-            </a:r>
-            <a:r>
-              <a:rPr lang="en-US" sz="2400" dirty="0" err="1"/>
-              <a:t>default.rb</a:t>
-            </a:r>
             <a:endParaRPr lang="en-US" sz="2400" dirty="0"/>
           </a:p>
         </p:txBody>
@@ -19494,6 +20208,39 @@
             <a:r>
               <a:rPr lang="en-US" dirty="0" err="1" smtClean="0"/>
               <a:t>git</a:t>
+            </a:r>
+            <a:endParaRPr lang="en-US" dirty="0"/>
+          </a:p>
+        </p:txBody>
+      </p:sp>
+      <p:sp>
+        <p:nvSpPr>
+          <p:cNvPr id="4" name="Content Placeholder 3"/>
+          <p:cNvSpPr>
+            <a:spLocks noGrp="1"/>
+          </p:cNvSpPr>
+          <p:nvPr>
+            <p:ph sz="quarter" idx="12"/>
+          </p:nvPr>
+        </p:nvSpPr>
+        <p:spPr/>
+        <p:txBody>
+          <a:bodyPr>
+            <a:normAutofit fontScale="92500" lnSpcReduction="10000"/>
+          </a:bodyPr>
+          <a:lstStyle/>
+          <a:p>
+            <a:r>
+              <a:rPr lang="en-US" dirty="0"/>
+              <a:t>c</a:t>
+            </a:r>
+            <a:r>
+              <a:rPr lang="en-US" dirty="0" smtClean="0"/>
+              <a:t>d </a:t>
+            </a:r>
+            <a:r>
+              <a:rPr lang="en-US" dirty="0" err="1" smtClean="0"/>
+              <a:t>aar</a:t>
             </a:r>
             <a:endParaRPr lang="en-US" dirty="0"/>
           </a:p>
@@ -19502,20 +20249,20 @@
     </p:spTree>
     <p:extLst>
       <p:ext uri="{BB962C8B-B14F-4D97-AF65-F5344CB8AC3E}">
-        <p14:creationId xmlns:p14="http://schemas.microsoft.com/office/powerpoint/2010/main" val="917743240"/>
+        <p14:creationId xmlns:p14="http://schemas.microsoft.com/office/powerpoint/2010/main" val="505802510"/>
       </p:ext>
     </p:extLst>
   </p:cSld>
   <p:clrMapOvr>
     <a:masterClrMapping/>
   </p:clrMapOvr>
-  <mc:AlternateContent xmlns:mc="http://schemas.openxmlformats.org/markup-compatibility/2006">
-    <mc:Choice xmlns:p14="http://schemas.microsoft.com/office/powerpoint/2010/main" Requires="p14">
+  <mc:AlternateContent xmlns:mc="http://schemas.openxmlformats.org/markup-compatibility/2006" xmlns:p14="http://schemas.microsoft.com/office/powerpoint/2010/main">
+    <mc:Choice Requires="p14">
       <p:transition spd="med" p14:dur="700">
         <p:fade/>
       </p:transition>
     </mc:Choice>
-    <mc:Fallback>
+    <mc:Fallback xmlns="">
       <p:transition xmlns:p14="http://schemas.microsoft.com/office/powerpoint/2010/main" spd="med">
         <p:fade/>
       </p:transition>
@@ -19531,7 +20278,7 @@
 </p:sld>
 </file>
 
-<file path=ppt/slides/slide25.xml><?xml version="1.0" encoding="utf-8"?>
+<file path=ppt/slides/slide29.xml><?xml version="1.0" encoding="utf-8"?>
 <p:sld xmlns:a="http://schemas.openxmlformats.org/drawingml/2006/main" xmlns:r="http://schemas.openxmlformats.org/officeDocument/2006/relationships" xmlns:p="http://schemas.openxmlformats.org/presentationml/2006/main" show="0">
   <p:cSld>
     <p:spTree>
@@ -19550,7 +20297,7 @@
       </p:grpSpPr>
       <p:sp>
         <p:nvSpPr>
-          <p:cNvPr id="6" name="Content Placeholder 5"/>
+          <p:cNvPr id="3" name="Content Placeholder 2"/>
           <p:cNvSpPr>
             <a:spLocks noGrp="1"/>
           </p:cNvSpPr>
@@ -19560,158 +20307,66 @@
         </p:nvSpPr>
         <p:spPr/>
         <p:txBody>
-          <a:bodyPr anchor="t" anchorCtr="0">
+          <a:bodyPr>
             <a:noAutofit/>
           </a:bodyPr>
           <a:lstStyle/>
           <a:p>
-            <a:r>
-              <a:rPr lang="en-US" sz="2400" dirty="0"/>
-              <a:t>$ </a:t>
-            </a:r>
-            <a:r>
-              <a:rPr lang="en-US" sz="2400" dirty="0" err="1"/>
+            <a:endParaRPr lang="en-US" sz="2400" dirty="0"/>
+          </a:p>
+        </p:txBody>
+      </p:sp>
+      <p:sp>
+        <p:nvSpPr>
+          <p:cNvPr id="2" name="Title 1"/>
+          <p:cNvSpPr>
+            <a:spLocks noGrp="1"/>
+          </p:cNvSpPr>
+          <p:nvPr>
+            <p:ph type="title"/>
+          </p:nvPr>
+        </p:nvSpPr>
+        <p:spPr/>
+        <p:txBody>
+          <a:bodyPr/>
+          <a:lstStyle/>
+          <a:p>
+            <a:r>
+              <a:rPr lang="en-US" dirty="0" smtClean="0"/>
+              <a:t>Exercise: Add cookbook to </a:t>
+            </a:r>
+            <a:r>
+              <a:rPr lang="en-US" dirty="0" err="1" smtClean="0"/>
               <a:t>git</a:t>
             </a:r>
-            <a:r>
-              <a:rPr lang="en-US" sz="2400" dirty="0"/>
-              <a:t> remote add origin </a:t>
-            </a:r>
-            <a:r>
-              <a:rPr lang="en-US" sz="2400" dirty="0" err="1"/>
-              <a:t>git@github.com:henrythecow</a:t>
-            </a:r>
-            <a:r>
-              <a:rPr lang="en-US" sz="2400" dirty="0"/>
-              <a:t>/</a:t>
-            </a:r>
-            <a:r>
-              <a:rPr lang="en-US" sz="2400" dirty="0" err="1"/>
-              <a:t>aar.git</a:t>
-            </a:r>
-            <a:endParaRPr lang="en-US" sz="2400" dirty="0"/>
-          </a:p>
-          <a:p>
-            <a:r>
-              <a:rPr lang="en-US" sz="2400" dirty="0"/>
-              <a:t>$ </a:t>
-            </a:r>
-            <a:r>
-              <a:rPr lang="en-US" sz="2400" dirty="0" err="1"/>
+            <a:endParaRPr lang="en-US" dirty="0"/>
+          </a:p>
+        </p:txBody>
+      </p:sp>
+      <p:sp>
+        <p:nvSpPr>
+          <p:cNvPr id="4" name="Content Placeholder 3"/>
+          <p:cNvSpPr>
+            <a:spLocks noGrp="1"/>
+          </p:cNvSpPr>
+          <p:nvPr>
+            <p:ph sz="quarter" idx="12"/>
+          </p:nvPr>
+        </p:nvSpPr>
+        <p:spPr/>
+        <p:txBody>
+          <a:bodyPr>
+            <a:normAutofit fontScale="92500" lnSpcReduction="10000"/>
+          </a:bodyPr>
+          <a:lstStyle/>
+          <a:p>
+            <a:r>
+              <a:rPr lang="en-US" dirty="0" err="1" smtClean="0"/>
               <a:t>git</a:t>
             </a:r>
             <a:r>
-              <a:rPr lang="en-US" sz="2400" dirty="0"/>
-              <a:t> push -u origin </a:t>
-            </a:r>
-            <a:r>
-              <a:rPr lang="en-US" sz="2400" dirty="0" smtClean="0"/>
-              <a:t>master</a:t>
-            </a:r>
-          </a:p>
-          <a:p>
-            <a:r>
-              <a:rPr lang="en-US" sz="2400" dirty="0"/>
-              <a:t>Counting objects: 7, done.</a:t>
-            </a:r>
-          </a:p>
-          <a:p>
-            <a:r>
-              <a:rPr lang="en-US" sz="2400" dirty="0"/>
-              <a:t>Delta compression using up to 8 threads.</a:t>
-            </a:r>
-          </a:p>
-          <a:p>
-            <a:r>
-              <a:rPr lang="en-US" sz="2400" dirty="0"/>
-              <a:t>Compressing objects: 100% (6/6), done.</a:t>
-            </a:r>
-          </a:p>
-          <a:p>
-            <a:r>
-              <a:rPr lang="en-US" sz="2400" dirty="0"/>
-              <a:t>Writing objects: 100% (7/7), 1.63 </a:t>
-            </a:r>
-            <a:r>
-              <a:rPr lang="en-US" sz="2400" dirty="0" err="1"/>
-              <a:t>KiB</a:t>
-            </a:r>
-            <a:r>
-              <a:rPr lang="en-US" sz="2400" dirty="0"/>
-              <a:t>, done.</a:t>
-            </a:r>
-          </a:p>
-          <a:p>
-            <a:r>
-              <a:rPr lang="en-US" sz="2400" dirty="0"/>
-              <a:t>Total 7 (delta 0), reused 0 (delta 0)</a:t>
-            </a:r>
-          </a:p>
-          <a:p>
-            <a:r>
-              <a:rPr lang="en-US" sz="2400" dirty="0"/>
-              <a:t>To </a:t>
-            </a:r>
-            <a:r>
-              <a:rPr lang="en-US" sz="2400" dirty="0" err="1"/>
-              <a:t>git@github.com:henrythecow</a:t>
-            </a:r>
-            <a:r>
-              <a:rPr lang="en-US" sz="2400" dirty="0"/>
-              <a:t>/</a:t>
-            </a:r>
-            <a:r>
-              <a:rPr lang="en-US" sz="2400" dirty="0" err="1"/>
-              <a:t>aar.git</a:t>
-            </a:r>
-            <a:endParaRPr lang="en-US" sz="2400" dirty="0"/>
-          </a:p>
-          <a:p>
-            <a:r>
-              <a:rPr lang="en-US" sz="2400" dirty="0"/>
-              <a:t> * [new branch]      master -&gt; master</a:t>
-            </a:r>
-          </a:p>
-          <a:p>
-            <a:r>
-              <a:rPr lang="en-US" sz="2400" dirty="0"/>
-              <a:t>Branch master set up to track remote branch master from origin.</a:t>
-            </a:r>
-            <a:endParaRPr lang="en-US" sz="2400" dirty="0"/>
-          </a:p>
-        </p:txBody>
-      </p:sp>
-      <p:sp>
-        <p:nvSpPr>
-          <p:cNvPr id="2" name="Title 1"/>
-          <p:cNvSpPr>
-            <a:spLocks noGrp="1"/>
-          </p:cNvSpPr>
-          <p:nvPr>
-            <p:ph type="title"/>
-          </p:nvPr>
-        </p:nvSpPr>
-        <p:spPr>
-          <a:xfrm>
-            <a:off x="457199" y="228599"/>
-            <a:ext cx="11574379" cy="620683"/>
-          </a:xfrm>
-        </p:spPr>
-        <p:txBody>
-          <a:bodyPr/>
-          <a:lstStyle/>
-          <a:p>
-            <a:r>
-              <a:rPr lang="en-US" dirty="0" smtClean="0"/>
-              <a:t>Exercise: Upload cookbook to </a:t>
-            </a:r>
-            <a:r>
-              <a:rPr lang="en-US" dirty="0" err="1" smtClean="0"/>
-              <a:t>GitHub</a:t>
-            </a:r>
-            <a:r>
-              <a:rPr lang="en-US" dirty="0" smtClean="0"/>
-              <a:t> repo</a:t>
+              <a:rPr lang="en-US" dirty="0" smtClean="0"/>
+              <a:t> add .</a:t>
             </a:r>
             <a:endParaRPr lang="en-US" dirty="0"/>
           </a:p>
@@ -19720,344 +20375,7 @@
     </p:spTree>
     <p:extLst>
       <p:ext uri="{BB962C8B-B14F-4D97-AF65-F5344CB8AC3E}">
-        <p14:creationId xmlns:p14="http://schemas.microsoft.com/office/powerpoint/2010/main" val="1661465839"/>
-      </p:ext>
-    </p:extLst>
-  </p:cSld>
-  <p:clrMapOvr>
-    <a:masterClrMapping/>
-  </p:clrMapOvr>
-  <mc:AlternateContent xmlns:mc="http://schemas.openxmlformats.org/markup-compatibility/2006">
-    <mc:Choice xmlns:p14="http://schemas.microsoft.com/office/powerpoint/2010/main" Requires="p14">
-      <p:transition spd="med" p14:dur="700">
-        <p:fade/>
-      </p:transition>
-    </mc:Choice>
-    <mc:Fallback>
-      <p:transition xmlns:p14="http://schemas.microsoft.com/office/powerpoint/2010/main" spd="med">
-        <p:fade/>
-      </p:transition>
-    </mc:Fallback>
-  </mc:AlternateContent>
-  <p:timing>
-    <p:tnLst>
-      <p:par>
-        <p:cTn xmlns:p14="http://schemas.microsoft.com/office/powerpoint/2010/main" id="1" dur="indefinite" restart="never" nodeType="tmRoot"/>
-      </p:par>
-    </p:tnLst>
-  </p:timing>
-</p:sld>
-</file>
-
-<file path=ppt/slides/slide26.xml><?xml version="1.0" encoding="utf-8"?>
-<p:sld xmlns:a="http://schemas.openxmlformats.org/drawingml/2006/main" xmlns:r="http://schemas.openxmlformats.org/officeDocument/2006/relationships" xmlns:p="http://schemas.openxmlformats.org/presentationml/2006/main" show="0">
-  <p:cSld>
-    <p:spTree>
-      <p:nvGrpSpPr>
-        <p:cNvPr id="1" name=""/>
-        <p:cNvGrpSpPr/>
-        <p:nvPr/>
-      </p:nvGrpSpPr>
-      <p:grpSpPr>
-        <a:xfrm>
-          <a:off x="0" y="0"/>
-          <a:ext cx="0" cy="0"/>
-          <a:chOff x="0" y="0"/>
-          <a:chExt cx="0" cy="0"/>
-        </a:xfrm>
-      </p:grpSpPr>
-      <p:sp>
-        <p:nvSpPr>
-          <p:cNvPr id="2" name="Title 1"/>
-          <p:cNvSpPr>
-            <a:spLocks noGrp="1"/>
-          </p:cNvSpPr>
-          <p:nvPr>
-            <p:ph type="title"/>
-          </p:nvPr>
-        </p:nvSpPr>
-        <p:spPr/>
-        <p:txBody>
-          <a:bodyPr>
-            <a:normAutofit/>
-          </a:bodyPr>
-          <a:lstStyle/>
-          <a:p>
-            <a:r>
-              <a:rPr lang="en-US" dirty="0" smtClean="0"/>
-              <a:t>Exercise: View your cookbook in </a:t>
-            </a:r>
-            <a:r>
-              <a:rPr lang="en-US" dirty="0" err="1" smtClean="0"/>
-              <a:t>GitHub</a:t>
-            </a:r>
-            <a:endParaRPr lang="en-US" dirty="0"/>
-          </a:p>
-        </p:txBody>
-      </p:sp>
-      <p:sp>
-        <p:nvSpPr>
-          <p:cNvPr id="4" name="Content Placeholder 3"/>
-          <p:cNvSpPr>
-            <a:spLocks noGrp="1"/>
-          </p:cNvSpPr>
-          <p:nvPr>
-            <p:ph sz="quarter" idx="11"/>
-          </p:nvPr>
-        </p:nvSpPr>
-        <p:spPr/>
-        <p:txBody>
-          <a:bodyPr/>
-          <a:lstStyle/>
-          <a:p>
-            <a:endParaRPr lang="en-US"/>
-          </a:p>
-        </p:txBody>
-      </p:sp>
-      <p:pic>
-        <p:nvPicPr>
-          <p:cNvPr id="6" name="Picture Placeholder 5" descr="nathenharvey_aar-1.jpg"/>
-          <p:cNvPicPr>
-            <a:picLocks noGrp="1" noChangeAspect="1"/>
-          </p:cNvPicPr>
-          <p:nvPr>
-            <p:ph type="pic" sz="quarter" idx="10"/>
-          </p:nvPr>
-        </p:nvPicPr>
-        <p:blipFill>
-          <a:blip r:embed="rId3">
-            <a:extLst>
-              <a:ext uri="{28A0092B-C50C-407E-A947-70E740481C1C}">
-                <a14:useLocalDpi xmlns:a14="http://schemas.microsoft.com/office/drawing/2010/main" val="0"/>
-              </a:ext>
-            </a:extLst>
-          </a:blip>
-          <a:srcRect t="11555" b="11555"/>
-          <a:stretch>
-            <a:fillRect/>
-          </a:stretch>
-        </p:blipFill>
-        <p:spPr/>
-      </p:pic>
-    </p:spTree>
-    <p:extLst>
-      <p:ext uri="{BB962C8B-B14F-4D97-AF65-F5344CB8AC3E}">
-        <p14:creationId xmlns:p14="http://schemas.microsoft.com/office/powerpoint/2010/main" val="2771755733"/>
-      </p:ext>
-    </p:extLst>
-  </p:cSld>
-  <p:clrMapOvr>
-    <a:masterClrMapping/>
-  </p:clrMapOvr>
-  <mc:AlternateContent xmlns:mc="http://schemas.openxmlformats.org/markup-compatibility/2006">
-    <mc:Choice xmlns:p14="http://schemas.microsoft.com/office/powerpoint/2010/main" Requires="p14">
-      <p:transition spd="med" p14:dur="700">
-        <p:fade/>
-      </p:transition>
-    </mc:Choice>
-    <mc:Fallback>
-      <p:transition xmlns:p14="http://schemas.microsoft.com/office/powerpoint/2010/main" spd="med">
-        <p:fade/>
-      </p:transition>
-    </mc:Fallback>
-  </mc:AlternateContent>
-  <p:timing>
-    <p:tnLst>
-      <p:par>
-        <p:cTn xmlns:p14="http://schemas.microsoft.com/office/powerpoint/2010/main" id="1" dur="indefinite" restart="never" nodeType="tmRoot"/>
-      </p:par>
-    </p:tnLst>
-  </p:timing>
-</p:sld>
-</file>
-
-<file path=ppt/slides/slide27.xml><?xml version="1.0" encoding="utf-8"?>
-<p:sld xmlns:a="http://schemas.openxmlformats.org/drawingml/2006/main" xmlns:r="http://schemas.openxmlformats.org/officeDocument/2006/relationships" xmlns:p="http://schemas.openxmlformats.org/presentationml/2006/main">
-  <p:cSld>
-    <p:spTree>
-      <p:nvGrpSpPr>
-        <p:cNvPr id="1" name=""/>
-        <p:cNvGrpSpPr/>
-        <p:nvPr/>
-      </p:nvGrpSpPr>
-      <p:grpSpPr>
-        <a:xfrm>
-          <a:off x="0" y="0"/>
-          <a:ext cx="0" cy="0"/>
-          <a:chOff x="0" y="0"/>
-          <a:chExt cx="0" cy="0"/>
-        </a:xfrm>
-      </p:grpSpPr>
-      <p:sp>
-        <p:nvSpPr>
-          <p:cNvPr id="2" name="Title 1"/>
-          <p:cNvSpPr>
-            <a:spLocks noGrp="1"/>
-          </p:cNvSpPr>
-          <p:nvPr>
-            <p:ph type="title"/>
-          </p:nvPr>
-        </p:nvSpPr>
-        <p:spPr/>
-        <p:txBody>
-          <a:bodyPr/>
-          <a:lstStyle/>
-          <a:p>
-            <a:r>
-              <a:rPr lang="en-US" dirty="0" smtClean="0"/>
-              <a:t>Getting started tips…</a:t>
-            </a:r>
-            <a:endParaRPr lang="en-US" dirty="0"/>
-          </a:p>
-        </p:txBody>
-      </p:sp>
-      <p:sp>
-        <p:nvSpPr>
-          <p:cNvPr id="5" name="Text Placeholder 4"/>
-          <p:cNvSpPr>
-            <a:spLocks noGrp="1"/>
-          </p:cNvSpPr>
-          <p:nvPr>
-            <p:ph type="body" sz="quarter" idx="10"/>
-          </p:nvPr>
-        </p:nvSpPr>
-        <p:spPr>
-          <a:xfrm>
-            <a:off x="457200" y="1143000"/>
-            <a:ext cx="11547642" cy="5257800"/>
-          </a:xfrm>
-        </p:spPr>
-        <p:txBody>
-          <a:bodyPr/>
-          <a:lstStyle/>
-          <a:p>
-            <a:r>
-              <a:rPr lang="en-US" sz="3800" dirty="0" smtClean="0"/>
-              <a:t>You </a:t>
-            </a:r>
-            <a:r>
-              <a:rPr lang="en-US" sz="3800" dirty="0"/>
-              <a:t>can start with the default recipe, </a:t>
-            </a:r>
-            <a:r>
-              <a:rPr lang="en-US" sz="3800" dirty="0" err="1">
-                <a:latin typeface="Courier"/>
-                <a:cs typeface="Courier"/>
-              </a:rPr>
-              <a:t>default.rb</a:t>
-            </a:r>
-            <a:endParaRPr lang="en-US" sz="3800" dirty="0" smtClean="0"/>
-          </a:p>
-          <a:p>
-            <a:endParaRPr lang="en-US" sz="3800" dirty="0" smtClean="0"/>
-          </a:p>
-          <a:p>
-            <a:r>
-              <a:rPr lang="en-US" sz="3800" dirty="0" smtClean="0"/>
-              <a:t>Backup to </a:t>
-            </a:r>
-            <a:r>
-              <a:rPr lang="en-US" sz="3800" dirty="0" err="1" smtClean="0"/>
-              <a:t>GitHub</a:t>
-            </a:r>
-            <a:r>
-              <a:rPr lang="en-US" sz="3800" dirty="0" smtClean="0"/>
-              <a:t> regularly</a:t>
-            </a:r>
-          </a:p>
-          <a:p>
-            <a:pPr marL="225425" lvl="1" indent="0">
-              <a:buNone/>
-            </a:pPr>
-            <a:r>
-              <a:rPr lang="en-US" sz="3200" dirty="0" smtClean="0">
-                <a:latin typeface="Courier"/>
-                <a:cs typeface="Courier"/>
-              </a:rPr>
-              <a:t>$ </a:t>
-            </a:r>
-            <a:r>
-              <a:rPr lang="en-US" sz="3200" dirty="0" err="1" smtClean="0">
-                <a:latin typeface="Courier"/>
-                <a:cs typeface="Courier"/>
-              </a:rPr>
-              <a:t>git</a:t>
-            </a:r>
-            <a:r>
-              <a:rPr lang="en-US" sz="3200" dirty="0" smtClean="0">
-                <a:latin typeface="Courier"/>
-                <a:cs typeface="Courier"/>
-              </a:rPr>
-              <a:t> </a:t>
-            </a:r>
-            <a:r>
-              <a:rPr lang="en-US" sz="3200" dirty="0">
-                <a:latin typeface="Courier"/>
-                <a:cs typeface="Courier"/>
-              </a:rPr>
-              <a:t>commit -am </a:t>
-            </a:r>
-            <a:r>
-              <a:rPr lang="en-US" sz="3200" dirty="0" smtClean="0">
-                <a:latin typeface="Courier"/>
-                <a:cs typeface="Courier"/>
-              </a:rPr>
-              <a:t>"</a:t>
-            </a:r>
-            <a:r>
-              <a:rPr lang="en-US" sz="3200" i="1" dirty="0" smtClean="0">
-                <a:latin typeface="Courier"/>
-                <a:cs typeface="Courier"/>
-              </a:rPr>
-              <a:t>commit message here</a:t>
-            </a:r>
-            <a:r>
-              <a:rPr lang="en-US" sz="3200" dirty="0" smtClean="0">
-                <a:latin typeface="Courier"/>
-                <a:cs typeface="Courier"/>
-              </a:rPr>
-              <a:t>"</a:t>
-            </a:r>
-          </a:p>
-          <a:p>
-            <a:pPr marL="225425" lvl="1" indent="0">
-              <a:buNone/>
-            </a:pPr>
-            <a:r>
-              <a:rPr lang="en-US" sz="3200" dirty="0" smtClean="0">
-                <a:latin typeface="Courier"/>
-                <a:cs typeface="Courier"/>
-              </a:rPr>
-              <a:t>$ </a:t>
-            </a:r>
-            <a:r>
-              <a:rPr lang="en-US" sz="3200" dirty="0" err="1" smtClean="0">
-                <a:latin typeface="Courier"/>
-                <a:cs typeface="Courier"/>
-              </a:rPr>
-              <a:t>git</a:t>
-            </a:r>
-            <a:r>
-              <a:rPr lang="en-US" sz="3200" dirty="0" smtClean="0">
-                <a:latin typeface="Courier"/>
-                <a:cs typeface="Courier"/>
-              </a:rPr>
-              <a:t> push</a:t>
-            </a:r>
-            <a:endParaRPr lang="en-US" sz="3200" dirty="0">
-              <a:latin typeface="Courier"/>
-              <a:cs typeface="Courier"/>
-            </a:endParaRPr>
-          </a:p>
-          <a:p>
-            <a:endParaRPr lang="en-US" sz="3800" dirty="0" smtClean="0"/>
-          </a:p>
-        </p:txBody>
-      </p:sp>
-    </p:spTree>
-    <p:extLst>
-      <p:ext uri="{BB962C8B-B14F-4D97-AF65-F5344CB8AC3E}">
-        <p14:creationId xmlns:p14="http://schemas.microsoft.com/office/powerpoint/2010/main" val="2820955247"/>
+        <p14:creationId xmlns:p14="http://schemas.microsoft.com/office/powerpoint/2010/main" val="917743240"/>
       </p:ext>
     </p:extLst>
   </p:cSld>
@@ -20071,325 +20389,7 @@
       </p:transition>
     </mc:Choice>
     <mc:Fallback xmlns="">
-      <p:transition spd="med">
-        <p:fade/>
-      </p:transition>
-    </mc:Fallback>
-  </mc:AlternateContent>
-  <p:timing>
-    <p:tnLst>
-      <p:par>
-        <p:cTn xmlns:p14="http://schemas.microsoft.com/office/powerpoint/2010/main" id="1" dur="indefinite" restart="never" nodeType="tmRoot"/>
-      </p:par>
-    </p:tnLst>
-  </p:timing>
-</p:sld>
-</file>
-
-<file path=ppt/slides/slide28.xml><?xml version="1.0" encoding="utf-8"?>
-<p:sld xmlns:a="http://schemas.openxmlformats.org/drawingml/2006/main" xmlns:r="http://schemas.openxmlformats.org/officeDocument/2006/relationships" xmlns:p="http://schemas.openxmlformats.org/presentationml/2006/main">
-  <p:cSld>
-    <p:spTree>
-      <p:nvGrpSpPr>
-        <p:cNvPr id="1" name=""/>
-        <p:cNvGrpSpPr/>
-        <p:nvPr/>
-      </p:nvGrpSpPr>
-      <p:grpSpPr>
-        <a:xfrm>
-          <a:off x="0" y="0"/>
-          <a:ext cx="0" cy="0"/>
-          <a:chOff x="0" y="0"/>
-          <a:chExt cx="0" cy="0"/>
-        </a:xfrm>
-      </p:grpSpPr>
-      <p:sp>
-        <p:nvSpPr>
-          <p:cNvPr id="2" name="Title 1"/>
-          <p:cNvSpPr>
-            <a:spLocks noGrp="1"/>
-          </p:cNvSpPr>
-          <p:nvPr>
-            <p:ph type="title"/>
-          </p:nvPr>
-        </p:nvSpPr>
-        <p:spPr/>
-        <p:txBody>
-          <a:bodyPr/>
-          <a:lstStyle/>
-          <a:p>
-            <a:r>
-              <a:rPr lang="en-US" dirty="0" smtClean="0"/>
-              <a:t>Time to hack!</a:t>
-            </a:r>
-            <a:endParaRPr lang="en-US" dirty="0"/>
-          </a:p>
-        </p:txBody>
-      </p:sp>
-      <p:pic>
-        <p:nvPicPr>
-          <p:cNvPr id="6" name="Picture Placeholder 5" descr="424047087_f685546e79_o.jpg"/>
-          <p:cNvPicPr>
-            <a:picLocks noGrp="1" noChangeAspect="1"/>
-          </p:cNvPicPr>
-          <p:nvPr>
-            <p:ph type="pic" sz="quarter" idx="10"/>
-          </p:nvPr>
-        </p:nvPicPr>
-        <p:blipFill>
-          <a:blip r:embed="rId3">
-            <a:extLst>
-              <a:ext uri="{28A0092B-C50C-407E-A947-70E740481C1C}">
-                <a14:useLocalDpi xmlns:a14="http://schemas.microsoft.com/office/drawing/2010/main" val="0"/>
-              </a:ext>
-            </a:extLst>
-          </a:blip>
-          <a:srcRect t="34402" b="34402"/>
-          <a:stretch>
-            <a:fillRect/>
-          </a:stretch>
-        </p:blipFill>
-        <p:spPr/>
-      </p:pic>
-      <p:sp>
-        <p:nvSpPr>
-          <p:cNvPr id="5" name="Content Placeholder 4"/>
-          <p:cNvSpPr>
-            <a:spLocks noGrp="1"/>
-          </p:cNvSpPr>
-          <p:nvPr>
-            <p:ph sz="quarter" idx="11"/>
-          </p:nvPr>
-        </p:nvSpPr>
-        <p:spPr/>
-        <p:txBody>
-          <a:bodyPr/>
-          <a:lstStyle/>
-          <a:p>
-            <a:r>
-              <a:rPr lang="en-US" dirty="0"/>
-              <a:t>https://</a:t>
-            </a:r>
-            <a:r>
-              <a:rPr lang="en-US" dirty="0" err="1"/>
-              <a:t>www.flickr.com</a:t>
-            </a:r>
-            <a:r>
-              <a:rPr lang="en-US" dirty="0"/>
-              <a:t>/photos/</a:t>
-            </a:r>
-            <a:r>
-              <a:rPr lang="en-US" dirty="0" err="1"/>
-              <a:t>peterpearson</a:t>
-            </a:r>
-            <a:r>
-              <a:rPr lang="en-US" dirty="0"/>
-              <a:t>/424047087</a:t>
-            </a:r>
-          </a:p>
-        </p:txBody>
-      </p:sp>
-    </p:spTree>
-    <p:extLst>
-      <p:ext uri="{BB962C8B-B14F-4D97-AF65-F5344CB8AC3E}">
-        <p14:creationId xmlns:p14="http://schemas.microsoft.com/office/powerpoint/2010/main" val="1258448321"/>
-      </p:ext>
-    </p:extLst>
-  </p:cSld>
-  <p:clrMapOvr>
-    <a:masterClrMapping/>
-  </p:clrMapOvr>
-  <mc:AlternateContent xmlns:mc="http://schemas.openxmlformats.org/markup-compatibility/2006" xmlns:p14="http://schemas.microsoft.com/office/powerpoint/2010/main">
-    <mc:Choice Requires="p14">
-      <p:transition spd="med" p14:dur="700">
-        <p:fade/>
-      </p:transition>
-    </mc:Choice>
-    <mc:Fallback xmlns="">
-      <p:transition spd="med">
-        <p:fade/>
-      </p:transition>
-    </mc:Fallback>
-  </mc:AlternateContent>
-  <p:timing>
-    <p:tnLst>
-      <p:par>
-        <p:cTn xmlns:p14="http://schemas.microsoft.com/office/powerpoint/2010/main" id="1" dur="indefinite" restart="never" nodeType="tmRoot"/>
-      </p:par>
-    </p:tnLst>
-  </p:timing>
-</p:sld>
-</file>
-
-<file path=ppt/slides/slide29.xml><?xml version="1.0" encoding="utf-8"?>
-<p:sld xmlns:a="http://schemas.openxmlformats.org/drawingml/2006/main" xmlns:r="http://schemas.openxmlformats.org/officeDocument/2006/relationships" xmlns:p="http://schemas.openxmlformats.org/presentationml/2006/main">
-  <p:cSld>
-    <p:spTree>
-      <p:nvGrpSpPr>
-        <p:cNvPr id="1" name=""/>
-        <p:cNvGrpSpPr/>
-        <p:nvPr/>
-      </p:nvGrpSpPr>
-      <p:grpSpPr>
-        <a:xfrm>
-          <a:off x="0" y="0"/>
-          <a:ext cx="0" cy="0"/>
-          <a:chOff x="0" y="0"/>
-          <a:chExt cx="0" cy="0"/>
-        </a:xfrm>
-      </p:grpSpPr>
-      <p:sp>
-        <p:nvSpPr>
-          <p:cNvPr id="2" name="Title 1"/>
-          <p:cNvSpPr>
-            <a:spLocks noGrp="1"/>
-          </p:cNvSpPr>
-          <p:nvPr>
-            <p:ph type="title"/>
-          </p:nvPr>
-        </p:nvSpPr>
-        <p:spPr/>
-        <p:txBody>
-          <a:bodyPr/>
-          <a:lstStyle/>
-          <a:p>
-            <a:r>
-              <a:rPr lang="en-US" dirty="0" smtClean="0"/>
-              <a:t>Demo Time!</a:t>
-            </a:r>
-            <a:endParaRPr lang="en-US" dirty="0"/>
-          </a:p>
-        </p:txBody>
-      </p:sp>
-      <p:sp>
-        <p:nvSpPr>
-          <p:cNvPr id="3" name="Text Placeholder 2"/>
-          <p:cNvSpPr>
-            <a:spLocks noGrp="1"/>
-          </p:cNvSpPr>
-          <p:nvPr>
-            <p:ph type="body" sz="quarter" idx="10"/>
-          </p:nvPr>
-        </p:nvSpPr>
-        <p:spPr/>
-        <p:txBody>
-          <a:bodyPr/>
-          <a:lstStyle/>
-          <a:p>
-            <a:r>
-              <a:rPr lang="en-US" dirty="0" smtClean="0"/>
-              <a:t>Show your work</a:t>
-            </a:r>
-          </a:p>
-          <a:p>
-            <a:r>
-              <a:rPr lang="en-US" dirty="0" smtClean="0"/>
-              <a:t>Discuss your choices</a:t>
-            </a:r>
-          </a:p>
-          <a:p>
-            <a:r>
-              <a:rPr lang="en-US" dirty="0" smtClean="0"/>
-              <a:t>Gather feedback and ideas</a:t>
-            </a:r>
-            <a:endParaRPr lang="en-US" dirty="0"/>
-          </a:p>
-        </p:txBody>
-      </p:sp>
-      <p:pic>
-        <p:nvPicPr>
-          <p:cNvPr id="6" name="Picture Placeholder 5" descr="demonstration - Google Search.jpg"/>
-          <p:cNvPicPr>
-            <a:picLocks noGrp="1" noChangeAspect="1"/>
-          </p:cNvPicPr>
-          <p:nvPr>
-            <p:ph type="pic" sz="quarter" idx="13"/>
-          </p:nvPr>
-        </p:nvPicPr>
-        <p:blipFill>
-          <a:blip r:embed="rId3">
-            <a:extLst>
-              <a:ext uri="{28A0092B-C50C-407E-A947-70E740481C1C}">
-                <a14:useLocalDpi xmlns:a14="http://schemas.microsoft.com/office/drawing/2010/main" val="0"/>
-              </a:ext>
-            </a:extLst>
-          </a:blip>
-          <a:srcRect l="-7012" r="-7012"/>
-          <a:stretch>
-            <a:fillRect/>
-          </a:stretch>
-        </p:blipFill>
-        <p:spPr>
-          <a:xfrm>
-            <a:off x="6181725" y="1143000"/>
-            <a:ext cx="5486400" cy="5257800"/>
-          </a:xfrm>
-        </p:spPr>
-      </p:pic>
-      <p:sp>
-        <p:nvSpPr>
-          <p:cNvPr id="4" name="Content Placeholder 3"/>
-          <p:cNvSpPr>
-            <a:spLocks noGrp="1"/>
-          </p:cNvSpPr>
-          <p:nvPr>
-            <p:ph sz="quarter" idx="12"/>
-          </p:nvPr>
-        </p:nvSpPr>
-        <p:spPr/>
-        <p:txBody>
-          <a:bodyPr/>
-          <a:lstStyle/>
-          <a:p>
-            <a:r>
-              <a:rPr lang="en-US" dirty="0"/>
-              <a:t>https://</a:t>
-            </a:r>
-            <a:r>
-              <a:rPr lang="en-US" dirty="0" err="1"/>
-              <a:t>www.google.com</a:t>
-            </a:r>
-            <a:r>
-              <a:rPr lang="en-US" dirty="0"/>
-              <a:t>/</a:t>
-            </a:r>
-            <a:r>
-              <a:rPr lang="en-US" dirty="0" err="1"/>
-              <a:t>webhp?sourceid</a:t>
-            </a:r>
-            <a:r>
-              <a:rPr lang="en-US" dirty="0"/>
-              <a:t>=</a:t>
-            </a:r>
-            <a:r>
-              <a:rPr lang="en-US" dirty="0" err="1"/>
-              <a:t>chrome-instant&amp;ion</a:t>
-            </a:r>
-            <a:r>
-              <a:rPr lang="en-US" dirty="0"/>
-              <a:t>=1&amp;espv=2&amp;ie=UTF-8#q=demonstration</a:t>
-            </a:r>
-          </a:p>
-        </p:txBody>
-      </p:sp>
-    </p:spTree>
-    <p:extLst>
-      <p:ext uri="{BB962C8B-B14F-4D97-AF65-F5344CB8AC3E}">
-        <p14:creationId xmlns:p14="http://schemas.microsoft.com/office/powerpoint/2010/main" val="1089945037"/>
-      </p:ext>
-    </p:extLst>
-  </p:cSld>
-  <p:clrMapOvr>
-    <a:masterClrMapping/>
-  </p:clrMapOvr>
-  <mc:AlternateContent xmlns:mc="http://schemas.openxmlformats.org/markup-compatibility/2006" xmlns:p14="http://schemas.microsoft.com/office/powerpoint/2010/main">
-    <mc:Choice Requires="p14">
-      <p:transition spd="med" p14:dur="700">
-        <p:fade/>
-      </p:transition>
-    </mc:Choice>
-    <mc:Fallback xmlns="">
-      <p:transition spd="med">
+      <p:transition xmlns:p14="http://schemas.microsoft.com/office/powerpoint/2010/main" spd="med">
         <p:fade/>
       </p:transition>
     </mc:Fallback>
@@ -20526,7 +20526,7 @@
 </file>
 
 <file path=ppt/slides/slide30.xml><?xml version="1.0" encoding="utf-8"?>
-<p:sld xmlns:a="http://schemas.openxmlformats.org/drawingml/2006/main" xmlns:r="http://schemas.openxmlformats.org/officeDocument/2006/relationships" xmlns:p="http://schemas.openxmlformats.org/presentationml/2006/main">
+<p:sld xmlns:a="http://schemas.openxmlformats.org/drawingml/2006/main" xmlns:r="http://schemas.openxmlformats.org/officeDocument/2006/relationships" xmlns:p="http://schemas.openxmlformats.org/presentationml/2006/main" show="0">
   <p:cSld>
     <p:spTree>
       <p:nvGrpSpPr>
@@ -20544,6 +20544,126 @@
       </p:grpSpPr>
       <p:sp>
         <p:nvSpPr>
+          <p:cNvPr id="3" name="Content Placeholder 2"/>
+          <p:cNvSpPr>
+            <a:spLocks noGrp="1"/>
+          </p:cNvSpPr>
+          <p:nvPr>
+            <p:ph sz="quarter" idx="11"/>
+          </p:nvPr>
+        </p:nvSpPr>
+        <p:spPr/>
+        <p:txBody>
+          <a:bodyPr>
+            <a:normAutofit/>
+          </a:bodyPr>
+          <a:lstStyle/>
+          <a:p>
+            <a:r>
+              <a:rPr lang="en-US" sz="2000" dirty="0"/>
+              <a:t>[master (root-commit) b1db9ac] Scaffold of the cookbook created by </a:t>
+            </a:r>
+            <a:r>
+              <a:rPr lang="en-US" sz="2000" dirty="0" smtClean="0"/>
+              <a:t>chef</a:t>
+            </a:r>
+            <a:endParaRPr lang="en-US" sz="2000" dirty="0"/>
+          </a:p>
+          <a:p>
+            <a:r>
+              <a:rPr lang="en-US" sz="2000" dirty="0"/>
+              <a:t> 7 files changed, 151 insertions(+</a:t>
+            </a:r>
+            <a:r>
+              <a:rPr lang="en-US" sz="2000" dirty="0" smtClean="0"/>
+              <a:t>)</a:t>
+            </a:r>
+            <a:endParaRPr lang="en-US" sz="2000" dirty="0"/>
+          </a:p>
+          <a:p>
+            <a:r>
+              <a:rPr lang="en-US" sz="2000" dirty="0"/>
+              <a:t> create mode 100644 .</a:t>
+            </a:r>
+            <a:r>
+              <a:rPr lang="en-US" sz="2000" dirty="0" err="1" smtClean="0"/>
+              <a:t>gitignore</a:t>
+            </a:r>
+            <a:endParaRPr lang="en-US" sz="2000" dirty="0"/>
+          </a:p>
+          <a:p>
+            <a:r>
+              <a:rPr lang="en-US" sz="2000" dirty="0"/>
+              <a:t> create mode 100644 .</a:t>
+            </a:r>
+            <a:r>
+              <a:rPr lang="en-US" sz="2000" dirty="0" err="1" smtClean="0"/>
+              <a:t>kitchen.yml</a:t>
+            </a:r>
+            <a:endParaRPr lang="en-US" sz="2000" dirty="0"/>
+          </a:p>
+          <a:p>
+            <a:r>
+              <a:rPr lang="en-US" sz="2000" dirty="0"/>
+              <a:t> create mode 100644 </a:t>
+            </a:r>
+            <a:r>
+              <a:rPr lang="en-US" sz="2000" dirty="0" err="1" smtClean="0"/>
+              <a:t>Berksfile</a:t>
+            </a:r>
+            <a:endParaRPr lang="en-US" sz="2000" dirty="0"/>
+          </a:p>
+          <a:p>
+            <a:r>
+              <a:rPr lang="en-US" sz="2000" dirty="0"/>
+              <a:t> create mode 100644 </a:t>
+            </a:r>
+            <a:r>
+              <a:rPr lang="en-US" sz="2000" dirty="0" err="1" smtClean="0"/>
+              <a:t>README.md</a:t>
+            </a:r>
+            <a:endParaRPr lang="en-US" sz="2000" dirty="0"/>
+          </a:p>
+          <a:p>
+            <a:r>
+              <a:rPr lang="en-US" sz="2000" dirty="0"/>
+              <a:t> create mode 100644 </a:t>
+            </a:r>
+            <a:r>
+              <a:rPr lang="en-US" sz="2000" dirty="0" err="1" smtClean="0"/>
+              <a:t>chefignore</a:t>
+            </a:r>
+            <a:endParaRPr lang="en-US" sz="2000" dirty="0"/>
+          </a:p>
+          <a:p>
+            <a:r>
+              <a:rPr lang="en-US" sz="2000" dirty="0"/>
+              <a:t> create mode 100644 </a:t>
+            </a:r>
+            <a:r>
+              <a:rPr lang="en-US" sz="2000" dirty="0" err="1" smtClean="0"/>
+              <a:t>metadata.rb</a:t>
+            </a:r>
+            <a:endParaRPr lang="en-US" sz="2000" dirty="0"/>
+          </a:p>
+          <a:p>
+            <a:r>
+              <a:rPr lang="en-US" sz="2000" dirty="0"/>
+              <a:t> create mode 100644 recipes/</a:t>
+            </a:r>
+            <a:r>
+              <a:rPr lang="en-US" sz="2000" dirty="0" err="1"/>
+              <a:t>default.rb</a:t>
+            </a:r>
+            <a:endParaRPr lang="en-US" sz="2000" dirty="0"/>
+          </a:p>
+          <a:p>
+            <a:endParaRPr lang="en-US" sz="2000" dirty="0"/>
+          </a:p>
+        </p:txBody>
+      </p:sp>
+      <p:sp>
+        <p:nvSpPr>
           <p:cNvPr id="2" name="Title 1"/>
           <p:cNvSpPr>
             <a:spLocks noGrp="1"/>
@@ -20559,7 +20679,11 @@
           <a:p>
             <a:r>
               <a:rPr lang="en-US" dirty="0" smtClean="0"/>
-              <a:t>Hints</a:t>
+              <a:t>Exercise: Add cookbook to </a:t>
+            </a:r>
+            <a:r>
+              <a:rPr lang="en-US" dirty="0" err="1" smtClean="0"/>
+              <a:t>git</a:t>
             </a:r>
             <a:endParaRPr lang="en-US" dirty="0"/>
           </a:p>
@@ -20567,78 +20691,28 @@
       </p:sp>
       <p:sp>
         <p:nvSpPr>
-          <p:cNvPr id="3" name="Text Placeholder 2"/>
-          <p:cNvSpPr>
-            <a:spLocks noGrp="1"/>
-          </p:cNvSpPr>
-          <p:nvPr>
-            <p:ph sz="quarter" idx="10"/>
-          </p:nvPr>
-        </p:nvSpPr>
-        <p:spPr/>
-        <p:txBody>
-          <a:bodyPr/>
-          <a:lstStyle/>
-          <a:p>
-            <a:r>
-              <a:rPr lang="en-US" i="1" dirty="0">
-                <a:solidFill>
-                  <a:srgbClr val="408080"/>
-                </a:solidFill>
-              </a:rPr>
-              <a:t># The following script assumes that apache2, </a:t>
-            </a:r>
-            <a:r>
-              <a:rPr lang="en-US" i="1" dirty="0" err="1">
-                <a:solidFill>
-                  <a:srgbClr val="408080"/>
-                </a:solidFill>
-              </a:rPr>
-              <a:t>mysql</a:t>
-            </a:r>
-            <a:r>
-              <a:rPr lang="en-US" i="1" dirty="0">
-                <a:solidFill>
-                  <a:srgbClr val="408080"/>
-                </a:solidFill>
-              </a:rPr>
-              <a:t>, and unzip have been installed.</a:t>
-            </a:r>
-          </a:p>
-        </p:txBody>
-      </p:sp>
-      <p:sp>
-        <p:nvSpPr>
           <p:cNvPr id="4" name="Content Placeholder 3"/>
           <p:cNvSpPr>
             <a:spLocks noGrp="1"/>
           </p:cNvSpPr>
           <p:nvPr>
-            <p:ph sz="quarter" idx="11"/>
-          </p:nvPr>
-        </p:nvSpPr>
-        <p:spPr/>
-        <p:txBody>
-          <a:bodyPr/>
-          <a:lstStyle/>
-          <a:p>
-            <a:r>
-              <a:rPr lang="en-US" dirty="0" err="1" smtClean="0">
-                <a:latin typeface="Courier"/>
-                <a:cs typeface="Courier"/>
-              </a:rPr>
-              <a:t>mysql</a:t>
-            </a:r>
-            <a:r>
-              <a:rPr lang="en-US" dirty="0" smtClean="0">
-                <a:latin typeface="Courier"/>
-                <a:cs typeface="Courier"/>
-              </a:rPr>
-              <a:t>-server</a:t>
-            </a:r>
-            <a:r>
-              <a:rPr lang="en-US" dirty="0" smtClean="0"/>
-              <a:t> is probably the package you’re looking for.</a:t>
+            <p:ph sz="quarter" idx="12"/>
+          </p:nvPr>
+        </p:nvSpPr>
+        <p:spPr/>
+        <p:txBody>
+          <a:bodyPr>
+            <a:normAutofit fontScale="55000" lnSpcReduction="20000"/>
+          </a:bodyPr>
+          <a:lstStyle/>
+          <a:p>
+            <a:r>
+              <a:rPr lang="en-US" dirty="0" err="1"/>
+              <a:t>git</a:t>
+            </a:r>
+            <a:r>
+              <a:rPr lang="en-US" dirty="0"/>
+              <a:t> commit -m "Scaffold of the cookbook created by chef"</a:t>
             </a:r>
             <a:endParaRPr lang="en-US" dirty="0"/>
           </a:p>
@@ -20647,7 +20721,7 @@
     </p:spTree>
     <p:extLst>
       <p:ext uri="{BB962C8B-B14F-4D97-AF65-F5344CB8AC3E}">
-        <p14:creationId xmlns:p14="http://schemas.microsoft.com/office/powerpoint/2010/main" val="2509635953"/>
+        <p14:creationId xmlns:p14="http://schemas.microsoft.com/office/powerpoint/2010/main" val="4036900409"/>
       </p:ext>
     </p:extLst>
   </p:cSld>
@@ -20661,7 +20735,7 @@
       </p:transition>
     </mc:Choice>
     <mc:Fallback xmlns="">
-      <p:transition spd="med">
+      <p:transition xmlns:p14="http://schemas.microsoft.com/office/powerpoint/2010/main" spd="med">
         <p:fade/>
       </p:transition>
     </mc:Fallback>
@@ -20677,7 +20751,7 @@
 </file>
 
 <file path=ppt/slides/slide31.xml><?xml version="1.0" encoding="utf-8"?>
-<p:sld xmlns:a="http://schemas.openxmlformats.org/drawingml/2006/main" xmlns:r="http://schemas.openxmlformats.org/officeDocument/2006/relationships" xmlns:p="http://schemas.openxmlformats.org/presentationml/2006/main">
+<p:sld xmlns:a="http://schemas.openxmlformats.org/drawingml/2006/main" xmlns:r="http://schemas.openxmlformats.org/officeDocument/2006/relationships" xmlns:p="http://schemas.openxmlformats.org/presentationml/2006/main" show="0">
   <p:cSld>
     <p:spTree>
       <p:nvGrpSpPr>
@@ -20695,6 +20769,27 @@
       </p:grpSpPr>
       <p:sp>
         <p:nvSpPr>
+          <p:cNvPr id="6" name="Content Placeholder 5"/>
+          <p:cNvSpPr>
+            <a:spLocks noGrp="1"/>
+          </p:cNvSpPr>
+          <p:nvPr>
+            <p:ph sz="quarter" idx="11"/>
+          </p:nvPr>
+        </p:nvSpPr>
+        <p:spPr/>
+        <p:txBody>
+          <a:bodyPr anchor="t" anchorCtr="0">
+            <a:noAutofit/>
+          </a:bodyPr>
+          <a:lstStyle/>
+          <a:p>
+            <a:endParaRPr lang="en-US" sz="2400" dirty="0"/>
+          </a:p>
+        </p:txBody>
+      </p:sp>
+      <p:sp>
+        <p:nvSpPr>
           <p:cNvPr id="2" name="Title 1"/>
           <p:cNvSpPr>
             <a:spLocks noGrp="1"/>
@@ -20705,84 +20800,72 @@
         </p:nvSpPr>
         <p:spPr/>
         <p:txBody>
-          <a:bodyPr/>
-          <a:lstStyle/>
-          <a:p>
-            <a:r>
-              <a:rPr lang="en-US" dirty="0" smtClean="0"/>
-              <a:t>Time to hack!</a:t>
+          <a:bodyPr>
+            <a:normAutofit fontScale="90000"/>
+          </a:bodyPr>
+          <a:lstStyle/>
+          <a:p>
+            <a:r>
+              <a:rPr lang="en-US" dirty="0" smtClean="0"/>
+              <a:t>Exercise: Upload cookbook to </a:t>
+            </a:r>
+            <a:r>
+              <a:rPr lang="en-US" dirty="0" err="1" smtClean="0"/>
+              <a:t>GitHub</a:t>
+            </a:r>
+            <a:r>
+              <a:rPr lang="en-US" dirty="0" smtClean="0"/>
+              <a:t> repo</a:t>
             </a:r>
             <a:endParaRPr lang="en-US" dirty="0"/>
           </a:p>
         </p:txBody>
       </p:sp>
-      <p:pic>
-        <p:nvPicPr>
-          <p:cNvPr id="6" name="Picture Placeholder 5" descr="424047087_f685546e79_o.jpg"/>
-          <p:cNvPicPr>
-            <a:picLocks noGrp="1" noChangeAspect="1"/>
-          </p:cNvPicPr>
-          <p:nvPr>
-            <p:ph type="pic" sz="quarter" idx="10"/>
-          </p:nvPr>
-        </p:nvPicPr>
-        <p:blipFill>
-          <a:blip r:embed="rId3">
-            <a:extLst>
-              <a:ext uri="{28A0092B-C50C-407E-A947-70E740481C1C}">
-                <a14:useLocalDpi xmlns:a14="http://schemas.microsoft.com/office/drawing/2010/main" val="0"/>
-              </a:ext>
-            </a:extLst>
-          </a:blip>
-          <a:srcRect t="34402" b="34402"/>
-          <a:stretch>
-            <a:fillRect/>
-          </a:stretch>
-        </p:blipFill>
-        <p:spPr/>
-      </p:pic>
-      <p:sp>
-        <p:nvSpPr>
-          <p:cNvPr id="5" name="Content Placeholder 4"/>
-          <p:cNvSpPr>
-            <a:spLocks noGrp="1"/>
-          </p:cNvSpPr>
-          <p:nvPr>
-            <p:ph sz="quarter" idx="11"/>
-          </p:nvPr>
-        </p:nvSpPr>
-        <p:spPr/>
-        <p:txBody>
-          <a:bodyPr/>
-          <a:lstStyle/>
-          <a:p>
+      <p:sp>
+        <p:nvSpPr>
+          <p:cNvPr id="3" name="Content Placeholder 2"/>
+          <p:cNvSpPr>
+            <a:spLocks noGrp="1"/>
+          </p:cNvSpPr>
+          <p:nvPr>
+            <p:ph sz="quarter" idx="12"/>
+          </p:nvPr>
+        </p:nvSpPr>
+        <p:spPr/>
+        <p:txBody>
+          <a:bodyPr>
+            <a:normAutofit fontScale="55000" lnSpcReduction="20000"/>
+          </a:bodyPr>
+          <a:lstStyle/>
+          <a:p>
+            <a:r>
+              <a:rPr lang="en-US" dirty="0" err="1"/>
+              <a:t>git</a:t>
+            </a:r>
             <a:r>
               <a:rPr lang="en-US" dirty="0"/>
-              <a:t>https://</a:t>
+              <a:t> remote add origin </a:t>
             </a:r>
             <a:r>
               <a:rPr lang="en-US" dirty="0" err="1"/>
-              <a:t>www.flickr.com</a:t>
+              <a:t>git@github.com:henrythecow</a:t>
             </a:r>
             <a:r>
               <a:rPr lang="en-US" dirty="0"/>
-              <a:t>/photos/</a:t>
-            </a:r>
-            <a:r>
-              <a:rPr lang="en-US" dirty="0" err="1"/>
-              <a:t>peterpearson</a:t>
-            </a:r>
-            <a:r>
-              <a:rPr lang="en-US" dirty="0"/>
-              <a:t>/424047087</a:t>
-            </a:r>
+              <a:t>/</a:t>
+            </a:r>
+            <a:r>
+              <a:rPr lang="en-US" dirty="0" err="1" smtClean="0"/>
+              <a:t>aar.git</a:t>
+            </a:r>
+            <a:endParaRPr lang="en-US" dirty="0"/>
           </a:p>
         </p:txBody>
       </p:sp>
     </p:spTree>
     <p:extLst>
       <p:ext uri="{BB962C8B-B14F-4D97-AF65-F5344CB8AC3E}">
-        <p14:creationId xmlns:p14="http://schemas.microsoft.com/office/powerpoint/2010/main" val="1914539579"/>
+        <p14:creationId xmlns:p14="http://schemas.microsoft.com/office/powerpoint/2010/main" val="1661465839"/>
       </p:ext>
     </p:extLst>
   </p:cSld>
@@ -20796,7 +20879,7 @@
       </p:transition>
     </mc:Choice>
     <mc:Fallback xmlns="">
-      <p:transition spd="med">
+      <p:transition xmlns:p14="http://schemas.microsoft.com/office/powerpoint/2010/main" spd="med">
         <p:fade/>
       </p:transition>
     </mc:Fallback>
@@ -20812,7 +20895,7 @@
 </file>
 
 <file path=ppt/slides/slide32.xml><?xml version="1.0" encoding="utf-8"?>
-<p:sld xmlns:a="http://schemas.openxmlformats.org/drawingml/2006/main" xmlns:r="http://schemas.openxmlformats.org/officeDocument/2006/relationships" xmlns:p="http://schemas.openxmlformats.org/presentationml/2006/main">
+<p:sld xmlns:a="http://schemas.openxmlformats.org/drawingml/2006/main" xmlns:r="http://schemas.openxmlformats.org/officeDocument/2006/relationships" xmlns:p="http://schemas.openxmlformats.org/presentationml/2006/main" show="0">
   <p:cSld>
     <p:spTree>
       <p:nvGrpSpPr>
@@ -20830,6 +20913,124 @@
       </p:grpSpPr>
       <p:sp>
         <p:nvSpPr>
+          <p:cNvPr id="6" name="Content Placeholder 5"/>
+          <p:cNvSpPr>
+            <a:spLocks noGrp="1"/>
+          </p:cNvSpPr>
+          <p:nvPr>
+            <p:ph sz="quarter" idx="11"/>
+          </p:nvPr>
+        </p:nvSpPr>
+        <p:spPr/>
+        <p:txBody>
+          <a:bodyPr anchor="t" anchorCtr="0">
+            <a:noAutofit/>
+          </a:bodyPr>
+          <a:lstStyle/>
+          <a:p>
+            <a:r>
+              <a:rPr lang="en-US" sz="2400" dirty="0"/>
+              <a:t>Counting objects: 7, done</a:t>
+            </a:r>
+            <a:r>
+              <a:rPr lang="en-US" sz="2400" dirty="0" smtClean="0"/>
+              <a:t>.</a:t>
+            </a:r>
+            <a:endParaRPr lang="en-US" sz="2400" dirty="0"/>
+          </a:p>
+          <a:p>
+            <a:r>
+              <a:rPr lang="en-US" sz="2400" dirty="0"/>
+              <a:t>Delta compression using up to 8 threads</a:t>
+            </a:r>
+            <a:r>
+              <a:rPr lang="en-US" sz="2400" dirty="0" smtClean="0"/>
+              <a:t>.</a:t>
+            </a:r>
+            <a:endParaRPr lang="en-US" sz="2400" dirty="0"/>
+          </a:p>
+          <a:p>
+            <a:r>
+              <a:rPr lang="en-US" sz="2400" dirty="0"/>
+              <a:t>Compressing objects: 100% (6/6), done</a:t>
+            </a:r>
+            <a:r>
+              <a:rPr lang="en-US" sz="2400" dirty="0" smtClean="0"/>
+              <a:t>.</a:t>
+            </a:r>
+            <a:endParaRPr lang="en-US" sz="2400" dirty="0"/>
+          </a:p>
+          <a:p>
+            <a:r>
+              <a:rPr lang="en-US" sz="2400" dirty="0"/>
+              <a:t>Writing objects: 100% (7/7), 1.63 </a:t>
+            </a:r>
+            <a:r>
+              <a:rPr lang="en-US" sz="2400" dirty="0" err="1"/>
+              <a:t>KiB</a:t>
+            </a:r>
+            <a:r>
+              <a:rPr lang="en-US" sz="2400" dirty="0"/>
+              <a:t>, done</a:t>
+            </a:r>
+            <a:r>
+              <a:rPr lang="en-US" sz="2400" dirty="0" smtClean="0"/>
+              <a:t>.</a:t>
+            </a:r>
+            <a:endParaRPr lang="en-US" sz="2400" dirty="0"/>
+          </a:p>
+          <a:p>
+            <a:r>
+              <a:rPr lang="en-US" sz="2400" dirty="0"/>
+              <a:t>Total 7 (delta 0), reused 0 (delta 0</a:t>
+            </a:r>
+            <a:r>
+              <a:rPr lang="en-US" sz="2400" dirty="0" smtClean="0"/>
+              <a:t>)</a:t>
+            </a:r>
+            <a:endParaRPr lang="en-US" sz="2400" dirty="0"/>
+          </a:p>
+          <a:p>
+            <a:r>
+              <a:rPr lang="en-US" sz="2400" dirty="0"/>
+              <a:t>To </a:t>
+            </a:r>
+            <a:r>
+              <a:rPr lang="en-US" sz="2400" dirty="0" err="1"/>
+              <a:t>git@github.com:henrythecow</a:t>
+            </a:r>
+            <a:r>
+              <a:rPr lang="en-US" sz="2400" dirty="0"/>
+              <a:t>/</a:t>
+            </a:r>
+            <a:r>
+              <a:rPr lang="en-US" sz="2400" dirty="0" err="1" smtClean="0"/>
+              <a:t>aar.git</a:t>
+            </a:r>
+            <a:endParaRPr lang="en-US" sz="2400" dirty="0"/>
+          </a:p>
+          <a:p>
+            <a:r>
+              <a:rPr lang="en-US" sz="2400" dirty="0"/>
+              <a:t> * [new branch]      master -&gt; </a:t>
+            </a:r>
+            <a:r>
+              <a:rPr lang="en-US" sz="2400" dirty="0" smtClean="0"/>
+              <a:t>master</a:t>
+            </a:r>
+            <a:endParaRPr lang="en-US" sz="2400" dirty="0"/>
+          </a:p>
+          <a:p>
+            <a:r>
+              <a:rPr lang="en-US" sz="2400" dirty="0"/>
+              <a:t>Branch master set up to track remote branch master from origin.</a:t>
+            </a:r>
+            <a:endParaRPr lang="en-US" sz="2400" dirty="0"/>
+          </a:p>
+        </p:txBody>
+      </p:sp>
+      <p:sp>
+        <p:nvSpPr>
           <p:cNvPr id="2" name="Title 1"/>
           <p:cNvSpPr>
             <a:spLocks noGrp="1"/>
@@ -20840,12 +21041,22 @@
         </p:nvSpPr>
         <p:spPr/>
         <p:txBody>
-          <a:bodyPr/>
-          <a:lstStyle/>
-          <a:p>
-            <a:r>
-              <a:rPr lang="en-US" dirty="0" smtClean="0"/>
-              <a:t>Demo Time!</a:t>
+          <a:bodyPr>
+            <a:normAutofit fontScale="90000"/>
+          </a:bodyPr>
+          <a:lstStyle/>
+          <a:p>
+            <a:r>
+              <a:rPr lang="en-US" dirty="0" smtClean="0"/>
+              <a:t>Exercise: Upload cookbook to </a:t>
+            </a:r>
+            <a:r>
+              <a:rPr lang="en-US" dirty="0" err="1" smtClean="0"/>
+              <a:t>GitHub</a:t>
+            </a:r>
+            <a:r>
+              <a:rPr lang="en-US" dirty="0" smtClean="0"/>
+              <a:t> repo</a:t>
             </a:r>
             <a:endParaRPr lang="en-US" dirty="0"/>
           </a:p>
@@ -20853,119 +21064,49 @@
       </p:sp>
       <p:sp>
         <p:nvSpPr>
-          <p:cNvPr id="3" name="Text Placeholder 2"/>
-          <p:cNvSpPr>
-            <a:spLocks noGrp="1"/>
-          </p:cNvSpPr>
-          <p:nvPr>
-            <p:ph type="body" sz="quarter" idx="10"/>
-          </p:nvPr>
-        </p:nvSpPr>
-        <p:spPr/>
-        <p:txBody>
-          <a:bodyPr/>
-          <a:lstStyle/>
-          <a:p>
-            <a:r>
-              <a:rPr lang="en-US" dirty="0" smtClean="0"/>
-              <a:t>Show your work</a:t>
-            </a:r>
-          </a:p>
-          <a:p>
-            <a:r>
-              <a:rPr lang="en-US" dirty="0" smtClean="0"/>
-              <a:t>Discuss your choices</a:t>
-            </a:r>
-          </a:p>
-          <a:p>
-            <a:r>
-              <a:rPr lang="en-US" dirty="0" smtClean="0"/>
-              <a:t>Gather feedback and ideas</a:t>
+          <p:cNvPr id="3" name="Content Placeholder 2"/>
+          <p:cNvSpPr>
+            <a:spLocks noGrp="1"/>
+          </p:cNvSpPr>
+          <p:nvPr>
+            <p:ph sz="quarter" idx="12"/>
+          </p:nvPr>
+        </p:nvSpPr>
+        <p:spPr/>
+        <p:txBody>
+          <a:bodyPr>
+            <a:normAutofit fontScale="92500" lnSpcReduction="10000"/>
+          </a:bodyPr>
+          <a:lstStyle/>
+          <a:p>
+            <a:r>
+              <a:rPr lang="en-US" dirty="0" err="1"/>
+              <a:t>git</a:t>
+            </a:r>
+            <a:r>
+              <a:rPr lang="en-US" dirty="0"/>
+              <a:t> </a:t>
+            </a:r>
+            <a:r>
+              <a:rPr lang="en-US" dirty="0" smtClean="0"/>
+              <a:t>push </a:t>
+            </a:r>
+            <a:r>
+              <a:rPr lang="en-US" dirty="0"/>
+              <a:t>-u origin </a:t>
+            </a:r>
+            <a:r>
+              <a:rPr lang="en-US" dirty="0" smtClean="0"/>
+              <a:t>master</a:t>
             </a:r>
             <a:endParaRPr lang="en-US" dirty="0"/>
-          </a:p>
-        </p:txBody>
-      </p:sp>
-      <p:pic>
-        <p:nvPicPr>
-          <p:cNvPr id="6" name="Picture Placeholder 5" descr="demonstration - Google Search.jpg"/>
-          <p:cNvPicPr>
-            <a:picLocks noGrp="1" noChangeAspect="1"/>
-          </p:cNvPicPr>
-          <p:nvPr>
-            <p:ph type="pic" sz="quarter" idx="13"/>
-          </p:nvPr>
-        </p:nvPicPr>
-        <p:blipFill>
-          <a:blip r:embed="rId3">
-            <a:extLst>
-              <a:ext uri="{28A0092B-C50C-407E-A947-70E740481C1C}">
-                <a14:useLocalDpi xmlns:a14="http://schemas.microsoft.com/office/drawing/2010/main" val="0"/>
-              </a:ext>
-            </a:extLst>
-          </a:blip>
-          <a:srcRect l="-7012" r="-7012"/>
-          <a:stretch>
-            <a:fillRect/>
-          </a:stretch>
-        </p:blipFill>
-        <p:spPr>
-          <a:xfrm>
-            <a:off x="6181725" y="1143000"/>
-            <a:ext cx="5486400" cy="5257800"/>
-          </a:xfrm>
-        </p:spPr>
-      </p:pic>
-      <p:sp>
-        <p:nvSpPr>
-          <p:cNvPr id="4" name="Content Placeholder 3"/>
-          <p:cNvSpPr>
-            <a:spLocks noGrp="1"/>
-          </p:cNvSpPr>
-          <p:nvPr>
-            <p:ph sz="quarter" idx="12"/>
-          </p:nvPr>
-        </p:nvSpPr>
-        <p:spPr/>
-        <p:txBody>
-          <a:bodyPr/>
-          <a:lstStyle/>
-          <a:p>
-            <a:r>
-              <a:rPr lang="en-US" dirty="0"/>
-              <a:t>https://</a:t>
-            </a:r>
-            <a:r>
-              <a:rPr lang="en-US" dirty="0" err="1"/>
-              <a:t>www.google.com</a:t>
-            </a:r>
-            <a:r>
-              <a:rPr lang="en-US" dirty="0"/>
-              <a:t>/</a:t>
-            </a:r>
-            <a:r>
-              <a:rPr lang="en-US" dirty="0" err="1"/>
-              <a:t>webhp?sourceid</a:t>
-            </a:r>
-            <a:r>
-              <a:rPr lang="en-US" dirty="0"/>
-              <a:t>=</a:t>
-            </a:r>
-            <a:r>
-              <a:rPr lang="en-US" dirty="0" err="1"/>
-              <a:t>chrome-instant&amp;ion</a:t>
-            </a:r>
-            <a:r>
-              <a:rPr lang="en-US" dirty="0"/>
-              <a:t>=1&amp;espv=2&amp;ie=UTF-8#q=demonstration</a:t>
-            </a:r>
           </a:p>
         </p:txBody>
       </p:sp>
     </p:spTree>
     <p:extLst>
       <p:ext uri="{BB962C8B-B14F-4D97-AF65-F5344CB8AC3E}">
-        <p14:creationId xmlns:p14="http://schemas.microsoft.com/office/powerpoint/2010/main" val="1089945037"/>
+        <p14:creationId xmlns:p14="http://schemas.microsoft.com/office/powerpoint/2010/main" val="2741830199"/>
       </p:ext>
     </p:extLst>
   </p:cSld>
@@ -20979,7 +21120,7 @@
       </p:transition>
     </mc:Choice>
     <mc:Fallback xmlns="">
-      <p:transition spd="med">
+      <p:transition xmlns:p14="http://schemas.microsoft.com/office/powerpoint/2010/main" spd="med">
         <p:fade/>
       </p:transition>
     </mc:Fallback>
@@ -20995,7 +21136,7 @@
 </file>
 
 <file path=ppt/slides/slide33.xml><?xml version="1.0" encoding="utf-8"?>
-<p:sld xmlns:a="http://schemas.openxmlformats.org/drawingml/2006/main" xmlns:r="http://schemas.openxmlformats.org/officeDocument/2006/relationships" xmlns:p="http://schemas.openxmlformats.org/presentationml/2006/main">
+<p:sld xmlns:a="http://schemas.openxmlformats.org/drawingml/2006/main" xmlns:r="http://schemas.openxmlformats.org/officeDocument/2006/relationships" xmlns:p="http://schemas.openxmlformats.org/presentationml/2006/main" show="0">
   <p:cSld>
     <p:spTree>
       <p:nvGrpSpPr>
@@ -21023,215 +21164,71 @@
         </p:nvSpPr>
         <p:spPr/>
         <p:txBody>
+          <a:bodyPr>
+            <a:normAutofit/>
+          </a:bodyPr>
+          <a:lstStyle/>
+          <a:p>
+            <a:r>
+              <a:rPr lang="en-US" dirty="0" smtClean="0"/>
+              <a:t>Exercise: View your cookbook in </a:t>
+            </a:r>
+            <a:r>
+              <a:rPr lang="en-US" dirty="0" err="1" smtClean="0"/>
+              <a:t>GitHub</a:t>
+            </a:r>
+            <a:endParaRPr lang="en-US" dirty="0"/>
+          </a:p>
+        </p:txBody>
+      </p:sp>
+      <p:sp>
+        <p:nvSpPr>
+          <p:cNvPr id="7" name="Content Placeholder 6"/>
+          <p:cNvSpPr>
+            <a:spLocks noGrp="1"/>
+          </p:cNvSpPr>
+          <p:nvPr>
+            <p:ph sz="quarter" idx="11"/>
+          </p:nvPr>
+        </p:nvSpPr>
+        <p:spPr/>
+        <p:txBody>
           <a:bodyPr/>
           <a:lstStyle/>
           <a:p>
-            <a:r>
-              <a:rPr lang="en-US" dirty="0" smtClean="0"/>
-              <a:t>Hints</a:t>
-            </a:r>
-            <a:endParaRPr lang="en-US" dirty="0"/>
-          </a:p>
-        </p:txBody>
-      </p:sp>
-      <p:sp>
-        <p:nvSpPr>
-          <p:cNvPr id="3" name="Content Placeholder 2"/>
-          <p:cNvSpPr>
-            <a:spLocks noGrp="1"/>
-          </p:cNvSpPr>
-          <p:nvPr>
-            <p:ph sz="quarter" idx="10"/>
-          </p:nvPr>
-        </p:nvSpPr>
-        <p:spPr/>
-        <p:txBody>
-          <a:bodyPr/>
-          <a:lstStyle/>
-          <a:p>
-            <a:r>
-              <a:rPr lang="en-US" i="1" dirty="0">
-                <a:solidFill>
-                  <a:srgbClr val="408080"/>
-                </a:solidFill>
-              </a:rPr>
-              <a:t># 1. </a:t>
-            </a:r>
-            <a:r>
-              <a:rPr lang="en-US" i="1" dirty="0" err="1">
-                <a:solidFill>
-                  <a:srgbClr val="408080"/>
-                </a:solidFill>
-              </a:rPr>
-              <a:t>wget</a:t>
-            </a:r>
-            <a:r>
-              <a:rPr lang="en-US" i="1" dirty="0">
-                <a:solidFill>
-                  <a:srgbClr val="408080"/>
-                </a:solidFill>
-              </a:rPr>
-              <a:t> https://</a:t>
-            </a:r>
-            <a:r>
-              <a:rPr lang="en-US" i="1" dirty="0" err="1">
-                <a:solidFill>
-                  <a:srgbClr val="408080"/>
-                </a:solidFill>
-              </a:rPr>
-              <a:t>github.com</a:t>
-            </a:r>
-            <a:r>
-              <a:rPr lang="en-US" i="1" dirty="0">
-                <a:solidFill>
-                  <a:srgbClr val="408080"/>
-                </a:solidFill>
-              </a:rPr>
-              <a:t>/</a:t>
-            </a:r>
-            <a:r>
-              <a:rPr lang="en-US" i="1" dirty="0" err="1">
-                <a:solidFill>
-                  <a:srgbClr val="408080"/>
-                </a:solidFill>
-              </a:rPr>
-              <a:t>colincam</a:t>
-            </a:r>
-            <a:r>
-              <a:rPr lang="en-US" i="1" dirty="0">
-                <a:solidFill>
-                  <a:srgbClr val="408080"/>
-                </a:solidFill>
-              </a:rPr>
-              <a:t>/Awesome-Appliance-Repair/archive/</a:t>
-            </a:r>
-            <a:r>
-              <a:rPr lang="en-US" i="1" dirty="0" err="1">
-                <a:solidFill>
-                  <a:srgbClr val="408080"/>
-                </a:solidFill>
-              </a:rPr>
-              <a:t>master.zip</a:t>
-            </a:r>
-            <a:endParaRPr lang="en-US" i="1" dirty="0">
-              <a:solidFill>
-                <a:srgbClr val="408080"/>
-              </a:solidFill>
-            </a:endParaRPr>
-          </a:p>
-          <a:p>
-            <a:r>
-              <a:rPr lang="en-US" i="1" dirty="0">
-                <a:solidFill>
-                  <a:srgbClr val="408080"/>
-                </a:solidFill>
-              </a:rPr>
-              <a:t># 2. unzip </a:t>
-            </a:r>
-            <a:r>
-              <a:rPr lang="en-US" i="1" dirty="0" err="1">
-                <a:solidFill>
-                  <a:srgbClr val="408080"/>
-                </a:solidFill>
-              </a:rPr>
-              <a:t>master.zip</a:t>
-            </a:r>
-            <a:endParaRPr lang="en-US" i="1" dirty="0">
-              <a:solidFill>
-                <a:srgbClr val="408080"/>
-              </a:solidFill>
-            </a:endParaRPr>
-          </a:p>
-          <a:p>
-            <a:r>
-              <a:rPr lang="en-US" i="1" dirty="0">
-                <a:solidFill>
-                  <a:srgbClr val="408080"/>
-                </a:solidFill>
-              </a:rPr>
-              <a:t># 3. cd into Awesome-Appliance-Repair</a:t>
-            </a:r>
-          </a:p>
-          <a:p>
-            <a:r>
-              <a:rPr lang="en-US" i="1" dirty="0">
-                <a:solidFill>
-                  <a:srgbClr val="408080"/>
-                </a:solidFill>
-              </a:rPr>
-              <a:t># 4. </a:t>
-            </a:r>
-            <a:r>
-              <a:rPr lang="en-US" i="1" dirty="0" err="1">
-                <a:solidFill>
-                  <a:srgbClr val="408080"/>
-                </a:solidFill>
-              </a:rPr>
-              <a:t>sudo</a:t>
-            </a:r>
-            <a:r>
-              <a:rPr lang="en-US" i="1" dirty="0">
-                <a:solidFill>
-                  <a:srgbClr val="408080"/>
-                </a:solidFill>
-              </a:rPr>
-              <a:t> mv AAR to /</a:t>
-            </a:r>
-            <a:r>
-              <a:rPr lang="en-US" i="1" dirty="0" err="1">
-                <a:solidFill>
-                  <a:srgbClr val="408080"/>
-                </a:solidFill>
-              </a:rPr>
-              <a:t>var</a:t>
-            </a:r>
-            <a:r>
-              <a:rPr lang="en-US" i="1" dirty="0">
-                <a:solidFill>
-                  <a:srgbClr val="408080"/>
-                </a:solidFill>
-              </a:rPr>
-              <a:t>/www/</a:t>
-            </a:r>
-          </a:p>
-          <a:p>
-            <a:endParaRPr lang="en-US" dirty="0"/>
-          </a:p>
-        </p:txBody>
-      </p:sp>
-      <p:sp>
-        <p:nvSpPr>
-          <p:cNvPr id="4" name="Content Placeholder 3"/>
-          <p:cNvSpPr>
-            <a:spLocks noGrp="1"/>
-          </p:cNvSpPr>
-          <p:nvPr>
-            <p:ph sz="quarter" idx="11"/>
-          </p:nvPr>
-        </p:nvSpPr>
-        <p:spPr/>
-        <p:txBody>
-          <a:bodyPr/>
-          <a:lstStyle/>
-          <a:p>
-            <a:r>
-              <a:rPr lang="en-US" dirty="0" smtClean="0"/>
-              <a:t>Do you need to download every time the chef-client runs?</a:t>
-            </a:r>
-          </a:p>
-          <a:p>
-            <a:r>
-              <a:rPr lang="en-US" dirty="0" smtClean="0"/>
-              <a:t>What are the pros and cons of doing so?</a:t>
-            </a:r>
-            <a:endParaRPr lang="en-US" dirty="0"/>
-          </a:p>
-        </p:txBody>
-      </p:sp>
+            <a:endParaRPr lang="en-US"/>
+          </a:p>
+        </p:txBody>
+      </p:sp>
+      <p:pic>
+        <p:nvPicPr>
+          <p:cNvPr id="8" name="Picture Placeholder 5" descr="nathenharvey_aar-1.jpg"/>
+          <p:cNvPicPr>
+            <a:picLocks noGrp="1" noChangeAspect="1"/>
+          </p:cNvPicPr>
+          <p:nvPr>
+            <p:ph type="pic" sz="quarter" idx="10"/>
+          </p:nvPr>
+        </p:nvPicPr>
+        <p:blipFill>
+          <a:blip r:embed="rId3">
+            <a:extLst>
+              <a:ext uri="{28A0092B-C50C-407E-A947-70E740481C1C}">
+                <a14:useLocalDpi xmlns:a14="http://schemas.microsoft.com/office/drawing/2010/main" val="0"/>
+              </a:ext>
+            </a:extLst>
+          </a:blip>
+          <a:srcRect t="11555" b="11555"/>
+          <a:stretch>
+            <a:fillRect/>
+          </a:stretch>
+        </p:blipFill>
+        <p:spPr/>
+      </p:pic>
     </p:spTree>
     <p:extLst>
       <p:ext uri="{BB962C8B-B14F-4D97-AF65-F5344CB8AC3E}">
-        <p14:creationId xmlns:p14="http://schemas.microsoft.com/office/powerpoint/2010/main" val="1819554793"/>
+        <p14:creationId xmlns:p14="http://schemas.microsoft.com/office/powerpoint/2010/main" val="2771755733"/>
       </p:ext>
     </p:extLst>
   </p:cSld>
@@ -21245,7 +21242,7 @@
       </p:transition>
     </mc:Choice>
     <mc:Fallback xmlns="">
-      <p:transition spd="med">
+      <p:transition xmlns:p14="http://schemas.microsoft.com/office/powerpoint/2010/main" spd="med">
         <p:fade/>
       </p:transition>
     </mc:Fallback>
@@ -21294,79 +21291,159 @@
           <a:p>
             <a:r>
               <a:rPr lang="en-US" dirty="0" smtClean="0"/>
-              <a:t>Time to hack!</a:t>
+              <a:t>Getting started tips…</a:t>
             </a:r>
             <a:endParaRPr lang="en-US" dirty="0"/>
           </a:p>
         </p:txBody>
       </p:sp>
-      <p:pic>
-        <p:nvPicPr>
-          <p:cNvPr id="6" name="Picture Placeholder 5" descr="424047087_f685546e79_o.jpg"/>
-          <p:cNvPicPr>
-            <a:picLocks noGrp="1" noChangeAspect="1"/>
-          </p:cNvPicPr>
-          <p:nvPr>
-            <p:ph type="pic" sz="quarter" idx="10"/>
-          </p:nvPr>
-        </p:nvPicPr>
-        <p:blipFill>
-          <a:blip r:embed="rId3">
-            <a:extLst>
-              <a:ext uri="{28A0092B-C50C-407E-A947-70E740481C1C}">
-                <a14:useLocalDpi xmlns:a14="http://schemas.microsoft.com/office/drawing/2010/main" val="0"/>
-              </a:ext>
-            </a:extLst>
-          </a:blip>
-          <a:srcRect t="34402" b="34402"/>
-          <a:stretch>
-            <a:fillRect/>
-          </a:stretch>
-        </p:blipFill>
-        <p:spPr/>
-      </p:pic>
-      <p:sp>
-        <p:nvSpPr>
-          <p:cNvPr id="5" name="Content Placeholder 4"/>
-          <p:cNvSpPr>
-            <a:spLocks noGrp="1"/>
-          </p:cNvSpPr>
-          <p:nvPr>
-            <p:ph sz="quarter" idx="11"/>
-          </p:nvPr>
-        </p:nvSpPr>
-        <p:spPr/>
+      <p:sp>
+        <p:nvSpPr>
+          <p:cNvPr id="5" name="Text Placeholder 4"/>
+          <p:cNvSpPr>
+            <a:spLocks noGrp="1"/>
+          </p:cNvSpPr>
+          <p:nvPr>
+            <p:ph type="body" sz="quarter" idx="10"/>
+          </p:nvPr>
+        </p:nvSpPr>
+        <p:spPr>
+          <a:xfrm>
+            <a:off x="457200" y="1143000"/>
+            <a:ext cx="11547642" cy="5257800"/>
+          </a:xfrm>
+        </p:spPr>
         <p:txBody>
           <a:bodyPr/>
           <a:lstStyle/>
           <a:p>
             <a:r>
-              <a:rPr lang="en-US" dirty="0"/>
-              <a:t>https://</a:t>
-            </a:r>
-            <a:r>
-              <a:rPr lang="en-US" dirty="0" err="1"/>
-              <a:t>www.flickr.com</a:t>
-            </a:r>
-            <a:r>
-              <a:rPr lang="en-US" dirty="0"/>
-              <a:t>/photos/</a:t>
-            </a:r>
-            <a:r>
-              <a:rPr lang="en-US" dirty="0" err="1"/>
-              <a:t>peterpearson</a:t>
-            </a:r>
-            <a:r>
-              <a:rPr lang="en-US" dirty="0"/>
-              <a:t>/424047087</a:t>
-            </a:r>
+              <a:rPr lang="en-US" sz="3800" dirty="0" smtClean="0"/>
+              <a:t>You </a:t>
+            </a:r>
+            <a:r>
+              <a:rPr lang="en-US" sz="3800" dirty="0"/>
+              <a:t>can start with the default recipe, </a:t>
+            </a:r>
+            <a:r>
+              <a:rPr lang="en-US" sz="3800" dirty="0" err="1">
+                <a:latin typeface="Courier"/>
+                <a:cs typeface="Courier"/>
+              </a:rPr>
+              <a:t>default.rb</a:t>
+            </a:r>
+            <a:endParaRPr lang="en-US" sz="3800" dirty="0" smtClean="0"/>
+          </a:p>
+          <a:p>
+            <a:endParaRPr lang="en-US" sz="3800" dirty="0" smtClean="0"/>
+          </a:p>
+          <a:p>
+            <a:r>
+              <a:rPr lang="en-US" sz="3800" dirty="0" smtClean="0"/>
+              <a:t>Backup to </a:t>
+            </a:r>
+            <a:r>
+              <a:rPr lang="en-US" sz="3800" dirty="0" err="1" smtClean="0"/>
+              <a:t>GitHub</a:t>
+            </a:r>
+            <a:r>
+              <a:rPr lang="en-US" sz="3800" dirty="0" smtClean="0"/>
+              <a:t> regularly</a:t>
+            </a:r>
+          </a:p>
+          <a:p>
+            <a:pPr marL="225425" lvl="1" indent="0">
+              <a:buNone/>
+            </a:pPr>
+            <a:r>
+              <a:rPr lang="en-US" sz="3200" dirty="0" smtClean="0">
+                <a:latin typeface="Courier"/>
+                <a:cs typeface="Courier"/>
+              </a:rPr>
+              <a:t>$ </a:t>
+            </a:r>
+            <a:r>
+              <a:rPr lang="en-US" sz="3200" dirty="0" err="1" smtClean="0">
+                <a:latin typeface="Courier"/>
+                <a:cs typeface="Courier"/>
+              </a:rPr>
+              <a:t>git</a:t>
+            </a:r>
+            <a:r>
+              <a:rPr lang="en-US" sz="3200" dirty="0" smtClean="0">
+                <a:latin typeface="Courier"/>
+                <a:cs typeface="Courier"/>
+              </a:rPr>
+              <a:t> </a:t>
+            </a:r>
+            <a:r>
+              <a:rPr lang="en-US" sz="3200" dirty="0">
+                <a:latin typeface="Courier"/>
+                <a:cs typeface="Courier"/>
+              </a:rPr>
+              <a:t>commit -am </a:t>
+            </a:r>
+            <a:r>
+              <a:rPr lang="en-US" sz="3200" dirty="0" smtClean="0">
+                <a:latin typeface="Courier"/>
+                <a:cs typeface="Courier"/>
+              </a:rPr>
+              <a:t>"</a:t>
+            </a:r>
+            <a:r>
+              <a:rPr lang="en-US" sz="3200" i="1" dirty="0" smtClean="0">
+                <a:latin typeface="Courier"/>
+                <a:cs typeface="Courier"/>
+              </a:rPr>
+              <a:t>commit message here</a:t>
+            </a:r>
+            <a:r>
+              <a:rPr lang="en-US" sz="3200" dirty="0" smtClean="0">
+                <a:latin typeface="Courier"/>
+                <a:cs typeface="Courier"/>
+              </a:rPr>
+              <a:t>"</a:t>
+            </a:r>
+          </a:p>
+          <a:p>
+            <a:pPr marL="225425" lvl="1" indent="0">
+              <a:buNone/>
+            </a:pPr>
+            <a:r>
+              <a:rPr lang="en-US" sz="3200" dirty="0" smtClean="0">
+                <a:latin typeface="Courier"/>
+                <a:cs typeface="Courier"/>
+              </a:rPr>
+              <a:t>$ </a:t>
+            </a:r>
+            <a:r>
+              <a:rPr lang="en-US" sz="3200" dirty="0" err="1" smtClean="0">
+                <a:latin typeface="Courier"/>
+                <a:cs typeface="Courier"/>
+              </a:rPr>
+              <a:t>git</a:t>
+            </a:r>
+            <a:r>
+              <a:rPr lang="en-US" sz="3200" dirty="0" smtClean="0">
+                <a:latin typeface="Courier"/>
+                <a:cs typeface="Courier"/>
+              </a:rPr>
+              <a:t> push</a:t>
+            </a:r>
+            <a:endParaRPr lang="en-US" sz="3200" dirty="0">
+              <a:latin typeface="Courier"/>
+              <a:cs typeface="Courier"/>
+            </a:endParaRPr>
+          </a:p>
+          <a:p>
+            <a:endParaRPr lang="en-US" sz="3800" dirty="0" smtClean="0"/>
           </a:p>
         </p:txBody>
       </p:sp>
     </p:spTree>
     <p:extLst>
       <p:ext uri="{BB962C8B-B14F-4D97-AF65-F5344CB8AC3E}">
-        <p14:creationId xmlns:p14="http://schemas.microsoft.com/office/powerpoint/2010/main" val="776143540"/>
+        <p14:creationId xmlns:p14="http://schemas.microsoft.com/office/powerpoint/2010/main" val="2820955247"/>
       </p:ext>
     </p:extLst>
   </p:cSld>
@@ -21429,42 +21506,7 @@
           <a:p>
             <a:r>
               <a:rPr lang="en-US" dirty="0" smtClean="0"/>
-              <a:t>Demo Time!</a:t>
-            </a:r>
-            <a:endParaRPr lang="en-US" dirty="0"/>
-          </a:p>
-        </p:txBody>
-      </p:sp>
-      <p:sp>
-        <p:nvSpPr>
-          <p:cNvPr id="3" name="Text Placeholder 2"/>
-          <p:cNvSpPr>
-            <a:spLocks noGrp="1"/>
-          </p:cNvSpPr>
-          <p:nvPr>
-            <p:ph type="body" sz="quarter" idx="10"/>
-          </p:nvPr>
-        </p:nvSpPr>
-        <p:spPr/>
-        <p:txBody>
-          <a:bodyPr/>
-          <a:lstStyle/>
-          <a:p>
-            <a:r>
-              <a:rPr lang="en-US" dirty="0" smtClean="0"/>
-              <a:t>Show your work</a:t>
-            </a:r>
-          </a:p>
-          <a:p>
-            <a:r>
-              <a:rPr lang="en-US" dirty="0" smtClean="0"/>
-              <a:t>Discuss your choices</a:t>
-            </a:r>
-          </a:p>
-          <a:p>
-            <a:r>
-              <a:rPr lang="en-US" dirty="0" smtClean="0"/>
-              <a:t>Gather feedback and ideas</a:t>
+              <a:t>Time to hack!</a:t>
             </a:r>
             <a:endParaRPr lang="en-US" dirty="0"/>
           </a:p>
@@ -21472,12 +21514,12 @@
       </p:sp>
       <p:pic>
         <p:nvPicPr>
-          <p:cNvPr id="6" name="Picture Placeholder 5" descr="demonstration - Google Search.jpg"/>
+          <p:cNvPr id="6" name="Picture Placeholder 5" descr="424047087_f685546e79_o.jpg"/>
           <p:cNvPicPr>
             <a:picLocks noGrp="1" noChangeAspect="1"/>
           </p:cNvPicPr>
           <p:nvPr>
-            <p:ph type="pic" sz="quarter" idx="13"/>
+            <p:ph type="pic" sz="quarter" idx="10"/>
           </p:nvPr>
         </p:nvPicPr>
         <p:blipFill>
@@ -21488,26 +21530,21 @@
               </a:ext>
             </a:extLst>
           </a:blip>
-          <a:srcRect l="-7012" r="-7012"/>
+          <a:srcRect t="34402" b="34402"/>
           <a:stretch>
             <a:fillRect/>
           </a:stretch>
         </p:blipFill>
-        <p:spPr>
-          <a:xfrm>
-            <a:off x="6181725" y="1143000"/>
-            <a:ext cx="5486400" cy="5257800"/>
-          </a:xfrm>
-        </p:spPr>
+        <p:spPr/>
       </p:pic>
       <p:sp>
         <p:nvSpPr>
-          <p:cNvPr id="4" name="Content Placeholder 3"/>
-          <p:cNvSpPr>
-            <a:spLocks noGrp="1"/>
-          </p:cNvSpPr>
-          <p:nvPr>
-            <p:ph sz="quarter" idx="12"/>
+          <p:cNvPr id="5" name="Content Placeholder 4"/>
+          <p:cNvSpPr>
+            <a:spLocks noGrp="1"/>
+          </p:cNvSpPr>
+          <p:nvPr>
+            <p:ph sz="quarter" idx="11"/>
           </p:nvPr>
         </p:nvSpPr>
         <p:spPr/>
@@ -21521,27 +21558,19 @@
             </a:r>
             <a:r>
               <a:rPr lang="en-US" dirty="0" err="1"/>
-              <a:t>www.google.com</a:t>
+              <a:t>www.flickr.com</a:t>
             </a:r>
             <a:r>
               <a:rPr lang="en-US" dirty="0"/>
-              <a:t>/</a:t>
+              <a:t>/photos/</a:t>
             </a:r>
             <a:r>
               <a:rPr lang="en-US" dirty="0" err="1"/>
-              <a:t>webhp?sourceid</a:t>
+              <a:t>peterpearson</a:t>
             </a:r>
             <a:r>
               <a:rPr lang="en-US" dirty="0"/>
-              <a:t>=</a:t>
-            </a:r>
-            <a:r>
-              <a:rPr lang="en-US" dirty="0" err="1"/>
-              <a:t>chrome-instant&amp;ion</a:t>
-            </a:r>
-            <a:r>
-              <a:rPr lang="en-US" dirty="0"/>
-              <a:t>=1&amp;espv=2&amp;ie=UTF-8#q=demonstration</a:t>
+              <a:t>/424047087</a:t>
             </a:r>
           </a:p>
         </p:txBody>
@@ -21549,7 +21578,7 @@
     </p:spTree>
     <p:extLst>
       <p:ext uri="{BB962C8B-B14F-4D97-AF65-F5344CB8AC3E}">
-        <p14:creationId xmlns:p14="http://schemas.microsoft.com/office/powerpoint/2010/main" val="1089945037"/>
+        <p14:creationId xmlns:p14="http://schemas.microsoft.com/office/powerpoint/2010/main" val="1258448321"/>
       </p:ext>
     </p:extLst>
   </p:cSld>
@@ -21612,7 +21641,7 @@
           <a:p>
             <a:r>
               <a:rPr lang="en-US" dirty="0" smtClean="0"/>
-              <a:t>Hints</a:t>
+              <a:t>Demo Time!</a:t>
             </a:r>
             <a:endParaRPr lang="en-US" dirty="0"/>
           </a:p>
@@ -21620,721 +21649,119 @@
       </p:sp>
       <p:sp>
         <p:nvSpPr>
-          <p:cNvPr id="3" name="Content Placeholder 2"/>
-          <p:cNvSpPr>
-            <a:spLocks noGrp="1"/>
-          </p:cNvSpPr>
-          <p:nvPr>
-            <p:ph sz="quarter" idx="10"/>
-          </p:nvPr>
-        </p:nvSpPr>
-        <p:spPr/>
-        <p:txBody>
-          <a:bodyPr>
-            <a:normAutofit fontScale="25000" lnSpcReduction="20000"/>
-          </a:bodyPr>
-          <a:lstStyle/>
-          <a:p>
-            <a:r>
-              <a:rPr lang="en-US" i="1" dirty="0">
-                <a:solidFill>
-                  <a:srgbClr val="408080"/>
-                </a:solidFill>
-              </a:rPr>
-              <a:t># Create DB, user, and permissions</a:t>
-            </a:r>
-          </a:p>
+          <p:cNvPr id="3" name="Text Placeholder 2"/>
+          <p:cNvSpPr>
+            <a:spLocks noGrp="1"/>
+          </p:cNvSpPr>
+          <p:nvPr>
+            <p:ph type="body" sz="quarter" idx="10"/>
+          </p:nvPr>
+        </p:nvSpPr>
+        <p:spPr/>
+        <p:txBody>
+          <a:bodyPr/>
+          <a:lstStyle/>
+          <a:p>
+            <a:r>
+              <a:rPr lang="en-US" dirty="0" smtClean="0"/>
+              <a:t>Show your work</a:t>
+            </a:r>
+          </a:p>
+          <a:p>
+            <a:r>
+              <a:rPr lang="en-US" dirty="0" smtClean="0"/>
+              <a:t>Discuss your choices</a:t>
+            </a:r>
+          </a:p>
+          <a:p>
+            <a:r>
+              <a:rPr lang="en-US" dirty="0" smtClean="0"/>
+              <a:t>Gather feedback and ideas</a:t>
+            </a:r>
+            <a:endParaRPr lang="en-US" dirty="0"/>
+          </a:p>
+        </p:txBody>
+      </p:sp>
+      <p:pic>
+        <p:nvPicPr>
+          <p:cNvPr id="6" name="Picture Placeholder 5" descr="demonstration - Google Search.jpg"/>
+          <p:cNvPicPr>
+            <a:picLocks noGrp="1" noChangeAspect="1"/>
+          </p:cNvPicPr>
+          <p:nvPr>
+            <p:ph type="pic" sz="quarter" idx="13"/>
+          </p:nvPr>
+        </p:nvPicPr>
+        <p:blipFill>
+          <a:blip r:embed="rId3">
+            <a:extLst>
+              <a:ext uri="{28A0092B-C50C-407E-A947-70E740481C1C}">
+                <a14:useLocalDpi xmlns:a14="http://schemas.microsoft.com/office/drawing/2010/main" val="0"/>
+              </a:ext>
+            </a:extLst>
+          </a:blip>
+          <a:srcRect l="-7012" r="-7012"/>
+          <a:stretch>
+            <a:fillRect/>
+          </a:stretch>
+        </p:blipFill>
+        <p:spPr>
+          <a:xfrm>
+            <a:off x="6181725" y="1143000"/>
+            <a:ext cx="5486400" cy="5257800"/>
+          </a:xfrm>
+        </p:spPr>
+      </p:pic>
+      <p:sp>
+        <p:nvSpPr>
+          <p:cNvPr id="4" name="Content Placeholder 3"/>
+          <p:cNvSpPr>
+            <a:spLocks noGrp="1"/>
+          </p:cNvSpPr>
+          <p:nvPr>
+            <p:ph sz="quarter" idx="12"/>
+          </p:nvPr>
+        </p:nvSpPr>
+        <p:spPr/>
+        <p:txBody>
+          <a:bodyPr/>
+          <a:lstStyle/>
           <a:p>
             <a:r>
               <a:rPr lang="en-US" dirty="0"/>
-              <a:t>    </a:t>
-            </a:r>
-            <a:r>
-              <a:rPr lang="en-US" b="1" dirty="0">
-                <a:solidFill>
-                  <a:srgbClr val="008000"/>
-                </a:solidFill>
-              </a:rPr>
-              <a:t>import </a:t>
-            </a:r>
-            <a:r>
-              <a:rPr lang="en-US" b="1" dirty="0" err="1">
-                <a:solidFill>
-                  <a:srgbClr val="0000FF"/>
-                </a:solidFill>
-              </a:rPr>
-              <a:t>MySQLdb</a:t>
-            </a:r>
-            <a:endParaRPr lang="en-US" b="1" dirty="0">
-              <a:solidFill>
-                <a:srgbClr val="0000FF"/>
-              </a:solidFill>
-            </a:endParaRPr>
-          </a:p>
-          <a:p>
+              <a:t>https://</a:t>
+            </a:r>
+            <a:r>
+              <a:rPr lang="en-US" dirty="0" err="1"/>
+              <a:t>www.google.com</a:t>
+            </a:r>
             <a:r>
               <a:rPr lang="en-US" dirty="0"/>
-              <a:t>    </a:t>
+              <a:t>/</a:t>
             </a:r>
             <a:r>
               <a:rPr lang="en-US" dirty="0" err="1"/>
-              <a:t>db</a:t>
+              <a:t>webhp?sourceid</a:t>
             </a:r>
             <a:r>
               <a:rPr lang="en-US" dirty="0"/>
-              <a:t> </a:t>
-            </a:r>
-            <a:r>
-              <a:rPr lang="en-US" dirty="0">
-                <a:solidFill>
-                  <a:srgbClr val="666666"/>
-                </a:solidFill>
-              </a:rPr>
-              <a:t>= </a:t>
-            </a:r>
-            <a:r>
-              <a:rPr lang="en-US" dirty="0" err="1">
-                <a:solidFill>
-                  <a:srgbClr val="666666"/>
-                </a:solidFill>
-              </a:rPr>
-              <a:t>MySQLdb.connect</a:t>
-            </a:r>
-            <a:r>
-              <a:rPr lang="en-US" dirty="0">
-                <a:solidFill>
-                  <a:srgbClr val="666666"/>
-                </a:solidFill>
-              </a:rPr>
-              <a:t>(host=</a:t>
-            </a:r>
-            <a:r>
-              <a:rPr lang="en-US" dirty="0">
-                <a:solidFill>
-                  <a:srgbClr val="BA2121"/>
-                </a:solidFill>
-              </a:rPr>
-              <a:t>'</a:t>
-            </a:r>
-            <a:r>
-              <a:rPr lang="en-US" dirty="0" err="1">
-                <a:solidFill>
-                  <a:srgbClr val="BA2121"/>
-                </a:solidFill>
-              </a:rPr>
-              <a:t>localhost</a:t>
-            </a:r>
-            <a:r>
-              <a:rPr lang="en-US" dirty="0">
-                <a:solidFill>
-                  <a:srgbClr val="BA2121"/>
-                </a:solidFill>
-              </a:rPr>
-              <a:t>', user</a:t>
-            </a:r>
-            <a:r>
-              <a:rPr lang="en-US" dirty="0">
-                <a:solidFill>
-                  <a:srgbClr val="666666"/>
-                </a:solidFill>
-              </a:rPr>
               <a:t>=</a:t>
             </a:r>
             <a:r>
-              <a:rPr lang="en-US" dirty="0">
-                <a:solidFill>
-                  <a:srgbClr val="BA2121"/>
-                </a:solidFill>
-              </a:rPr>
-              <a:t>'root', </a:t>
-            </a:r>
-            <a:r>
-              <a:rPr lang="en-US" dirty="0" err="1">
-                <a:solidFill>
-                  <a:srgbClr val="BA2121"/>
-                </a:solidFill>
-              </a:rPr>
-              <a:t>passwd</a:t>
-            </a:r>
-            <a:r>
-              <a:rPr lang="en-US" dirty="0">
-                <a:solidFill>
-                  <a:srgbClr val="666666"/>
-                </a:solidFill>
-              </a:rPr>
-              <a:t>=</a:t>
-            </a:r>
-            <a:r>
-              <a:rPr lang="en-US" dirty="0" err="1">
-                <a:solidFill>
-                  <a:srgbClr val="666666"/>
-                </a:solidFill>
-              </a:rPr>
-              <a:t>root_dbpswd</a:t>
-            </a:r>
-            <a:r>
-              <a:rPr lang="en-US" dirty="0">
-                <a:solidFill>
-                  <a:srgbClr val="666666"/>
-                </a:solidFill>
-              </a:rPr>
-              <a:t>)</a:t>
-            </a:r>
-          </a:p>
-          <a:p>
+              <a:rPr lang="en-US" dirty="0" err="1"/>
+              <a:t>chrome-instant&amp;ion</a:t>
+            </a:r>
             <a:r>
               <a:rPr lang="en-US" dirty="0"/>
-              <a:t>    </a:t>
-            </a:r>
-            <a:r>
-              <a:rPr lang="en-US" dirty="0" err="1"/>
-              <a:t>sql_script</a:t>
-            </a:r>
-            <a:r>
-              <a:rPr lang="en-US" dirty="0"/>
-              <a:t> </a:t>
-            </a:r>
-            <a:r>
-              <a:rPr lang="en-US" dirty="0">
-                <a:solidFill>
-                  <a:srgbClr val="666666"/>
-                </a:solidFill>
-              </a:rPr>
-              <a:t>= </a:t>
-            </a:r>
-            <a:r>
-              <a:rPr lang="en-US" dirty="0">
-                <a:solidFill>
-                  <a:srgbClr val="008000"/>
-                </a:solidFill>
-              </a:rPr>
-              <a:t>open(</a:t>
-            </a:r>
-            <a:r>
-              <a:rPr lang="en-US" dirty="0">
-                <a:solidFill>
-                  <a:srgbClr val="BA2121"/>
-                </a:solidFill>
-              </a:rPr>
-              <a:t>'</a:t>
-            </a:r>
-            <a:r>
-              <a:rPr lang="en-US" dirty="0" err="1">
-                <a:solidFill>
-                  <a:srgbClr val="BA2121"/>
-                </a:solidFill>
-              </a:rPr>
-              <a:t>make_AARdb.sql</a:t>
-            </a:r>
-            <a:r>
-              <a:rPr lang="en-US" dirty="0">
-                <a:solidFill>
-                  <a:srgbClr val="BA2121"/>
-                </a:solidFill>
-              </a:rPr>
-              <a:t>', 'r')</a:t>
-            </a:r>
-            <a:r>
-              <a:rPr lang="en-US" dirty="0">
-                <a:solidFill>
-                  <a:srgbClr val="666666"/>
-                </a:solidFill>
-              </a:rPr>
-              <a:t>.read()</a:t>
-            </a:r>
-          </a:p>
-          <a:p>
-            <a:r>
-              <a:rPr lang="en-US" dirty="0"/>
-              <a:t>    </a:t>
-            </a:r>
-          </a:p>
-          <a:p>
-            <a:r>
-              <a:rPr lang="es-ES_tradnl" dirty="0"/>
-              <a:t>    </a:t>
-            </a:r>
-            <a:r>
-              <a:rPr lang="es-ES_tradnl" dirty="0" err="1"/>
-              <a:t>cur</a:t>
-            </a:r>
-            <a:r>
-              <a:rPr lang="es-ES_tradnl" dirty="0"/>
-              <a:t> </a:t>
-            </a:r>
-            <a:r>
-              <a:rPr lang="es-ES_tradnl" dirty="0">
-                <a:solidFill>
-                  <a:srgbClr val="666666"/>
-                </a:solidFill>
-              </a:rPr>
-              <a:t>= </a:t>
-            </a:r>
-            <a:r>
-              <a:rPr lang="es-ES_tradnl" dirty="0" err="1">
-                <a:solidFill>
-                  <a:srgbClr val="666666"/>
-                </a:solidFill>
-              </a:rPr>
-              <a:t>db.cursor</a:t>
-            </a:r>
-            <a:r>
-              <a:rPr lang="es-ES_tradnl" dirty="0">
-                <a:solidFill>
-                  <a:srgbClr val="666666"/>
-                </a:solidFill>
-              </a:rPr>
-              <a:t>()</a:t>
-            </a:r>
-          </a:p>
-          <a:p>
-            <a:r>
-              <a:rPr lang="es-ES_tradnl" dirty="0"/>
-              <a:t>    </a:t>
-            </a:r>
-            <a:r>
-              <a:rPr lang="es-ES_tradnl" dirty="0" err="1"/>
-              <a:t>cur</a:t>
-            </a:r>
-            <a:r>
-              <a:rPr lang="es-ES_tradnl" dirty="0" err="1">
-                <a:solidFill>
-                  <a:srgbClr val="666666"/>
-                </a:solidFill>
-              </a:rPr>
-              <a:t>.execute</a:t>
-            </a:r>
-            <a:r>
-              <a:rPr lang="es-ES_tradnl" dirty="0">
-                <a:solidFill>
-                  <a:srgbClr val="666666"/>
-                </a:solidFill>
-              </a:rPr>
-              <a:t>(</a:t>
-            </a:r>
-            <a:r>
-              <a:rPr lang="es-ES_tradnl" dirty="0" err="1">
-                <a:solidFill>
-                  <a:srgbClr val="666666"/>
-                </a:solidFill>
-              </a:rPr>
-              <a:t>sql_script</a:t>
-            </a:r>
-            <a:r>
-              <a:rPr lang="es-ES_tradnl" dirty="0">
-                <a:solidFill>
-                  <a:srgbClr val="666666"/>
-                </a:solidFill>
-              </a:rPr>
-              <a:t>)</a:t>
-            </a:r>
-          </a:p>
-          <a:p>
-            <a:r>
-              <a:rPr lang="en-US" dirty="0"/>
-              <a:t>    </a:t>
-            </a:r>
-            <a:r>
-              <a:rPr lang="en-US" dirty="0" err="1"/>
-              <a:t>cur</a:t>
-            </a:r>
-            <a:r>
-              <a:rPr lang="en-US" dirty="0" err="1">
-                <a:solidFill>
-                  <a:srgbClr val="666666"/>
-                </a:solidFill>
-              </a:rPr>
-              <a:t>.close</a:t>
-            </a:r>
-            <a:r>
-              <a:rPr lang="en-US" dirty="0">
-                <a:solidFill>
-                  <a:srgbClr val="666666"/>
-                </a:solidFill>
-              </a:rPr>
-              <a:t>()</a:t>
-            </a:r>
-          </a:p>
-          <a:p>
-            <a:r>
-              <a:rPr lang="en-US" dirty="0"/>
-              <a:t>        </a:t>
-            </a:r>
-          </a:p>
-          <a:p>
-            <a:r>
-              <a:rPr lang="es-ES_tradnl" dirty="0"/>
-              <a:t>    </a:t>
-            </a:r>
-            <a:r>
-              <a:rPr lang="es-ES_tradnl" dirty="0" err="1"/>
-              <a:t>cur</a:t>
-            </a:r>
-            <a:r>
-              <a:rPr lang="es-ES_tradnl" dirty="0"/>
-              <a:t> </a:t>
-            </a:r>
-            <a:r>
-              <a:rPr lang="es-ES_tradnl" dirty="0">
-                <a:solidFill>
-                  <a:srgbClr val="666666"/>
-                </a:solidFill>
-              </a:rPr>
-              <a:t>= </a:t>
-            </a:r>
-            <a:r>
-              <a:rPr lang="es-ES_tradnl" dirty="0" err="1">
-                <a:solidFill>
-                  <a:srgbClr val="666666"/>
-                </a:solidFill>
-              </a:rPr>
-              <a:t>db.cursor</a:t>
-            </a:r>
-            <a:r>
-              <a:rPr lang="es-ES_tradnl" dirty="0">
-                <a:solidFill>
-                  <a:srgbClr val="666666"/>
-                </a:solidFill>
-              </a:rPr>
-              <a:t>()</a:t>
-            </a:r>
-          </a:p>
-          <a:p>
-            <a:r>
-              <a:rPr lang="es-ES_tradnl" dirty="0"/>
-              <a:t>    </a:t>
-            </a:r>
-            <a:r>
-              <a:rPr lang="es-ES_tradnl" dirty="0" err="1"/>
-              <a:t>cur</a:t>
-            </a:r>
-            <a:r>
-              <a:rPr lang="es-ES_tradnl" dirty="0" err="1">
-                <a:solidFill>
-                  <a:srgbClr val="666666"/>
-                </a:solidFill>
-              </a:rPr>
-              <a:t>.execute</a:t>
-            </a:r>
-            <a:r>
-              <a:rPr lang="es-ES_tradnl" dirty="0">
-                <a:solidFill>
-                  <a:srgbClr val="666666"/>
-                </a:solidFill>
-              </a:rPr>
-              <a:t>(</a:t>
-            </a:r>
-            <a:r>
-              <a:rPr lang="es-ES_tradnl" dirty="0">
-                <a:solidFill>
-                  <a:srgbClr val="BA2121"/>
-                </a:solidFill>
-              </a:rPr>
-              <a:t>'use </a:t>
-            </a:r>
-            <a:r>
-              <a:rPr lang="es-ES_tradnl" dirty="0" err="1">
-                <a:solidFill>
-                  <a:srgbClr val="BA2121"/>
-                </a:solidFill>
-              </a:rPr>
-              <a:t>AARdb</a:t>
-            </a:r>
-            <a:r>
-              <a:rPr lang="es-ES_tradnl" dirty="0">
-                <a:solidFill>
-                  <a:srgbClr val="BA2121"/>
-                </a:solidFill>
-              </a:rPr>
-              <a:t>')</a:t>
-            </a:r>
-          </a:p>
-          <a:p>
-            <a:r>
-              <a:rPr lang="es-ES_tradnl" dirty="0"/>
-              <a:t>    </a:t>
-            </a:r>
-            <a:r>
-              <a:rPr lang="es-ES_tradnl" dirty="0" err="1"/>
-              <a:t>cur</a:t>
-            </a:r>
-            <a:r>
-              <a:rPr lang="es-ES_tradnl" dirty="0" err="1">
-                <a:solidFill>
-                  <a:srgbClr val="666666"/>
-                </a:solidFill>
-              </a:rPr>
-              <a:t>.execute</a:t>
-            </a:r>
-            <a:r>
-              <a:rPr lang="es-ES_tradnl" dirty="0">
-                <a:solidFill>
-                  <a:srgbClr val="666666"/>
-                </a:solidFill>
-              </a:rPr>
-              <a:t>(</a:t>
-            </a:r>
-            <a:r>
-              <a:rPr lang="es-ES_tradnl" dirty="0">
-                <a:solidFill>
-                  <a:srgbClr val="BA2121"/>
-                </a:solidFill>
-              </a:rPr>
-              <a:t>"CREATE USER '</a:t>
-            </a:r>
-            <a:r>
-              <a:rPr lang="es-ES_tradnl" dirty="0" err="1">
-                <a:solidFill>
-                  <a:srgbClr val="BA2121"/>
-                </a:solidFill>
-              </a:rPr>
-              <a:t>aarapp</a:t>
-            </a:r>
-            <a:r>
-              <a:rPr lang="es-ES_tradnl" dirty="0">
-                <a:solidFill>
-                  <a:srgbClr val="BA2121"/>
-                </a:solidFill>
-              </a:rPr>
-              <a:t>'@'</a:t>
-            </a:r>
-            <a:r>
-              <a:rPr lang="es-ES_tradnl" dirty="0" err="1">
-                <a:solidFill>
-                  <a:srgbClr val="BA2121"/>
-                </a:solidFill>
-              </a:rPr>
-              <a:t>localhost</a:t>
-            </a:r>
-            <a:r>
-              <a:rPr lang="es-ES_tradnl" dirty="0">
-                <a:solidFill>
-                  <a:srgbClr val="BA2121"/>
-                </a:solidFill>
-              </a:rPr>
-              <a:t>' IDENTIFIED BY </a:t>
-            </a:r>
-            <a:r>
-              <a:rPr lang="es-ES_tradnl" b="1" dirty="0">
-                <a:solidFill>
-                  <a:srgbClr val="BB6688"/>
-                </a:solidFill>
-              </a:rPr>
-              <a:t>%s</a:t>
-            </a:r>
-            <a:r>
-              <a:rPr lang="es-ES_tradnl" b="1" dirty="0">
-                <a:solidFill>
-                  <a:srgbClr val="BA2121"/>
-                </a:solidFill>
-              </a:rPr>
-              <a:t>", (</a:t>
-            </a:r>
-            <a:r>
-              <a:rPr lang="es-ES_tradnl" b="1" dirty="0" err="1">
-                <a:solidFill>
-                  <a:srgbClr val="BA2121"/>
-                </a:solidFill>
-              </a:rPr>
-              <a:t>appdbpw</a:t>
-            </a:r>
-            <a:r>
-              <a:rPr lang="es-ES_tradnl" b="1" dirty="0">
-                <a:solidFill>
-                  <a:srgbClr val="BA2121"/>
-                </a:solidFill>
-              </a:rPr>
-              <a:t>,))</a:t>
-            </a:r>
-          </a:p>
-          <a:p>
-            <a:r>
-              <a:rPr lang="es-ES_tradnl" dirty="0"/>
-              <a:t>    </a:t>
-            </a:r>
-            <a:r>
-              <a:rPr lang="es-ES_tradnl" dirty="0" err="1"/>
-              <a:t>cur</a:t>
-            </a:r>
-            <a:r>
-              <a:rPr lang="es-ES_tradnl" dirty="0" err="1">
-                <a:solidFill>
-                  <a:srgbClr val="666666"/>
-                </a:solidFill>
-              </a:rPr>
-              <a:t>.execute</a:t>
-            </a:r>
-            <a:r>
-              <a:rPr lang="es-ES_tradnl" dirty="0">
-                <a:solidFill>
-                  <a:srgbClr val="666666"/>
-                </a:solidFill>
-              </a:rPr>
-              <a:t>(</a:t>
-            </a:r>
-            <a:r>
-              <a:rPr lang="es-ES_tradnl" dirty="0">
-                <a:solidFill>
-                  <a:srgbClr val="BA2121"/>
-                </a:solidFill>
-              </a:rPr>
-              <a:t>"GRANT CREATE,INSERT,DELETE,UPDATE,SELECT </a:t>
-            </a:r>
-            <a:r>
-              <a:rPr lang="es-ES_tradnl" dirty="0" err="1">
-                <a:solidFill>
-                  <a:srgbClr val="BA2121"/>
-                </a:solidFill>
-              </a:rPr>
-              <a:t>on</a:t>
-            </a:r>
-            <a:r>
-              <a:rPr lang="es-ES_tradnl" dirty="0">
-                <a:solidFill>
-                  <a:srgbClr val="BA2121"/>
-                </a:solidFill>
-              </a:rPr>
-              <a:t> </a:t>
-            </a:r>
-            <a:r>
-              <a:rPr lang="es-ES_tradnl" dirty="0" err="1">
-                <a:solidFill>
-                  <a:srgbClr val="BA2121"/>
-                </a:solidFill>
-              </a:rPr>
-              <a:t>AARdb</a:t>
-            </a:r>
-            <a:r>
-              <a:rPr lang="es-ES_tradnl" dirty="0">
-                <a:solidFill>
-                  <a:srgbClr val="BA2121"/>
-                </a:solidFill>
-              </a:rPr>
-              <a:t>.* </a:t>
-            </a:r>
-            <a:r>
-              <a:rPr lang="es-ES_tradnl" dirty="0" err="1">
-                <a:solidFill>
-                  <a:srgbClr val="BA2121"/>
-                </a:solidFill>
-              </a:rPr>
-              <a:t>to</a:t>
-            </a:r>
-            <a:r>
-              <a:rPr lang="es-ES_tradnl" dirty="0">
-                <a:solidFill>
-                  <a:srgbClr val="BA2121"/>
-                </a:solidFill>
-              </a:rPr>
-              <a:t> </a:t>
-            </a:r>
-            <a:r>
-              <a:rPr lang="es-ES_tradnl" dirty="0" err="1">
-                <a:solidFill>
-                  <a:srgbClr val="BA2121"/>
-                </a:solidFill>
-              </a:rPr>
-              <a:t>aarapp@localhost</a:t>
-            </a:r>
-            <a:r>
-              <a:rPr lang="es-ES_tradnl" dirty="0">
-                <a:solidFill>
-                  <a:srgbClr val="BA2121"/>
-                </a:solidFill>
-              </a:rPr>
-              <a:t>")</a:t>
-            </a:r>
-          </a:p>
-          <a:p>
-            <a:r>
-              <a:rPr lang="en-US" dirty="0"/>
-              <a:t>    </a:t>
-            </a:r>
-            <a:r>
-              <a:rPr lang="en-US" dirty="0" err="1"/>
-              <a:t>cur</a:t>
-            </a:r>
-            <a:r>
-              <a:rPr lang="en-US" dirty="0" err="1">
-                <a:solidFill>
-                  <a:srgbClr val="666666"/>
-                </a:solidFill>
-              </a:rPr>
-              <a:t>.close</a:t>
-            </a:r>
-            <a:r>
-              <a:rPr lang="en-US" dirty="0">
-                <a:solidFill>
-                  <a:srgbClr val="666666"/>
-                </a:solidFill>
-              </a:rPr>
-              <a:t>()</a:t>
-            </a:r>
-          </a:p>
-          <a:p>
-            <a:r>
-              <a:rPr lang="en-US" dirty="0"/>
-              <a:t>    </a:t>
-            </a:r>
-            <a:r>
-              <a:rPr lang="en-US" dirty="0" err="1"/>
-              <a:t>db</a:t>
-            </a:r>
-            <a:r>
-              <a:rPr lang="en-US" dirty="0" err="1">
-                <a:solidFill>
-                  <a:srgbClr val="666666"/>
-                </a:solidFill>
-              </a:rPr>
-              <a:t>.close</a:t>
-            </a:r>
-            <a:r>
-              <a:rPr lang="en-US" dirty="0">
-                <a:solidFill>
-                  <a:srgbClr val="666666"/>
-                </a:solidFill>
-              </a:rPr>
-              <a:t>()</a:t>
-            </a:r>
-          </a:p>
-          <a:p>
-            <a:endParaRPr lang="en-US" dirty="0"/>
-          </a:p>
-        </p:txBody>
-      </p:sp>
-      <p:sp>
-        <p:nvSpPr>
-          <p:cNvPr id="4" name="Content Placeholder 3"/>
-          <p:cNvSpPr>
-            <a:spLocks noGrp="1"/>
-          </p:cNvSpPr>
-          <p:nvPr>
-            <p:ph sz="quarter" idx="11"/>
-          </p:nvPr>
-        </p:nvSpPr>
-        <p:spPr/>
-        <p:txBody>
-          <a:bodyPr/>
-          <a:lstStyle/>
-          <a:p>
-            <a:r>
-              <a:rPr lang="en-US" dirty="0" smtClean="0"/>
-              <a:t>Should you do this every time the chef-client runs?</a:t>
-            </a:r>
-          </a:p>
-          <a:p>
-            <a:r>
-              <a:rPr lang="en-US" dirty="0" smtClean="0"/>
-              <a:t>How would you prevent that from happening?</a:t>
-            </a:r>
-            <a:endParaRPr lang="en-US" dirty="0"/>
+              <a:t>=1&amp;espv=2&amp;ie=UTF-8#q=demonstration</a:t>
+            </a:r>
           </a:p>
         </p:txBody>
       </p:sp>
     </p:spTree>
     <p:extLst>
       <p:ext uri="{BB962C8B-B14F-4D97-AF65-F5344CB8AC3E}">
-        <p14:creationId xmlns:p14="http://schemas.microsoft.com/office/powerpoint/2010/main" val="2194459015"/>
+        <p14:creationId xmlns:p14="http://schemas.microsoft.com/office/powerpoint/2010/main" val="1089945037"/>
       </p:ext>
     </p:extLst>
   </p:cSld>
@@ -22397,40 +21824,57 @@
           <a:p>
             <a:r>
               <a:rPr lang="en-US" dirty="0" smtClean="0"/>
-              <a:t>Time to hack!</a:t>
+              <a:t>Hints</a:t>
             </a:r>
             <a:endParaRPr lang="en-US" dirty="0"/>
           </a:p>
         </p:txBody>
       </p:sp>
-      <p:pic>
-        <p:nvPicPr>
-          <p:cNvPr id="6" name="Picture Placeholder 5" descr="424047087_f685546e79_o.jpg"/>
-          <p:cNvPicPr>
-            <a:picLocks noGrp="1" noChangeAspect="1"/>
-          </p:cNvPicPr>
-          <p:nvPr>
-            <p:ph type="pic" sz="quarter" idx="10"/>
-          </p:nvPr>
-        </p:nvPicPr>
-        <p:blipFill>
-          <a:blip r:embed="rId3">
-            <a:extLst>
-              <a:ext uri="{28A0092B-C50C-407E-A947-70E740481C1C}">
-                <a14:useLocalDpi xmlns:a14="http://schemas.microsoft.com/office/drawing/2010/main" val="0"/>
-              </a:ext>
-            </a:extLst>
-          </a:blip>
-          <a:srcRect t="34402" b="34402"/>
-          <a:stretch>
-            <a:fillRect/>
-          </a:stretch>
-        </p:blipFill>
-        <p:spPr/>
-      </p:pic>
-      <p:sp>
-        <p:nvSpPr>
-          <p:cNvPr id="5" name="Content Placeholder 4"/>
+      <p:sp>
+        <p:nvSpPr>
+          <p:cNvPr id="3" name="Text Placeholder 2"/>
+          <p:cNvSpPr>
+            <a:spLocks noGrp="1"/>
+          </p:cNvSpPr>
+          <p:nvPr>
+            <p:ph sz="quarter" idx="10"/>
+          </p:nvPr>
+        </p:nvSpPr>
+        <p:spPr/>
+        <p:txBody>
+          <a:bodyPr/>
+          <a:lstStyle/>
+          <a:p>
+            <a:r>
+              <a:rPr lang="en-US" i="1" dirty="0">
+                <a:solidFill>
+                  <a:srgbClr val="408080"/>
+                </a:solidFill>
+              </a:rPr>
+              <a:t># The following script assumes that apache2, </a:t>
+            </a:r>
+            <a:r>
+              <a:rPr lang="en-US" i="1" dirty="0" err="1">
+                <a:solidFill>
+                  <a:srgbClr val="408080"/>
+                </a:solidFill>
+              </a:rPr>
+              <a:t>mysql</a:t>
+            </a:r>
+            <a:r>
+              <a:rPr lang="en-US" i="1" dirty="0">
+                <a:solidFill>
+                  <a:srgbClr val="408080"/>
+                </a:solidFill>
+              </a:rPr>
+              <a:t>, and unzip have been installed.</a:t>
+            </a:r>
+          </a:p>
+        </p:txBody>
+      </p:sp>
+      <p:sp>
+        <p:nvSpPr>
+          <p:cNvPr id="4" name="Content Placeholder 3"/>
           <p:cNvSpPr>
             <a:spLocks noGrp="1"/>
           </p:cNvSpPr>
@@ -22444,32 +21888,31 @@
           <a:lstStyle/>
           <a:p>
             <a:r>
-              <a:rPr lang="en-US" dirty="0"/>
-              <a:t>https://</a:t>
-            </a:r>
-            <a:r>
-              <a:rPr lang="en-US" dirty="0" err="1"/>
-              <a:t>www.flickr.com</a:t>
-            </a:r>
-            <a:r>
-              <a:rPr lang="en-US" dirty="0"/>
-              <a:t>/photos/</a:t>
-            </a:r>
-            <a:r>
-              <a:rPr lang="en-US" dirty="0" err="1"/>
-              <a:t>peterpearson</a:t>
-            </a:r>
-            <a:r>
-              <a:rPr lang="en-US" dirty="0"/>
-              <a:t>/424047087</a:t>
-            </a:r>
+              <a:rPr lang="en-US" dirty="0" err="1" smtClean="0">
+                <a:latin typeface="Courier"/>
+                <a:cs typeface="Courier"/>
+              </a:rPr>
+              <a:t>mysql</a:t>
+            </a:r>
+            <a:r>
+              <a:rPr lang="en-US" dirty="0" smtClean="0">
+                <a:latin typeface="Courier"/>
+                <a:cs typeface="Courier"/>
+              </a:rPr>
+              <a:t>-server</a:t>
+            </a:r>
+            <a:r>
+              <a:rPr lang="en-US" dirty="0" smtClean="0"/>
+              <a:t> is probably the package you’re looking for.</a:t>
+            </a:r>
+            <a:endParaRPr lang="en-US" dirty="0"/>
           </a:p>
         </p:txBody>
       </p:sp>
     </p:spTree>
     <p:extLst>
       <p:ext uri="{BB962C8B-B14F-4D97-AF65-F5344CB8AC3E}">
-        <p14:creationId xmlns:p14="http://schemas.microsoft.com/office/powerpoint/2010/main" val="3284835641"/>
+        <p14:creationId xmlns:p14="http://schemas.microsoft.com/office/powerpoint/2010/main" val="2509635953"/>
       </p:ext>
     </p:extLst>
   </p:cSld>
@@ -22532,42 +21975,7 @@
           <a:p>
             <a:r>
               <a:rPr lang="en-US" dirty="0" smtClean="0"/>
-              <a:t>Demo Time!</a:t>
-            </a:r>
-            <a:endParaRPr lang="en-US" dirty="0"/>
-          </a:p>
-        </p:txBody>
-      </p:sp>
-      <p:sp>
-        <p:nvSpPr>
-          <p:cNvPr id="3" name="Text Placeholder 2"/>
-          <p:cNvSpPr>
-            <a:spLocks noGrp="1"/>
-          </p:cNvSpPr>
-          <p:nvPr>
-            <p:ph type="body" sz="quarter" idx="10"/>
-          </p:nvPr>
-        </p:nvSpPr>
-        <p:spPr/>
-        <p:txBody>
-          <a:bodyPr/>
-          <a:lstStyle/>
-          <a:p>
-            <a:r>
-              <a:rPr lang="en-US" dirty="0" smtClean="0"/>
-              <a:t>Show your work</a:t>
-            </a:r>
-          </a:p>
-          <a:p>
-            <a:r>
-              <a:rPr lang="en-US" dirty="0" smtClean="0"/>
-              <a:t>Discuss your choices</a:t>
-            </a:r>
-          </a:p>
-          <a:p>
-            <a:r>
-              <a:rPr lang="en-US" dirty="0" smtClean="0"/>
-              <a:t>Gather feedback and ideas</a:t>
+              <a:t>Time to hack!</a:t>
             </a:r>
             <a:endParaRPr lang="en-US" dirty="0"/>
           </a:p>
@@ -22575,12 +21983,12 @@
       </p:sp>
       <p:pic>
         <p:nvPicPr>
-          <p:cNvPr id="6" name="Picture Placeholder 5" descr="demonstration - Google Search.jpg"/>
+          <p:cNvPr id="6" name="Picture Placeholder 5" descr="424047087_f685546e79_o.jpg"/>
           <p:cNvPicPr>
             <a:picLocks noGrp="1" noChangeAspect="1"/>
           </p:cNvPicPr>
           <p:nvPr>
-            <p:ph type="pic" sz="quarter" idx="13"/>
+            <p:ph type="pic" sz="quarter" idx="10"/>
           </p:nvPr>
         </p:nvPicPr>
         <p:blipFill>
@@ -22591,26 +21999,21 @@
               </a:ext>
             </a:extLst>
           </a:blip>
-          <a:srcRect l="-7012" r="-7012"/>
+          <a:srcRect t="34402" b="34402"/>
           <a:stretch>
             <a:fillRect/>
           </a:stretch>
         </p:blipFill>
-        <p:spPr>
-          <a:xfrm>
-            <a:off x="6181725" y="1143000"/>
-            <a:ext cx="5486400" cy="5257800"/>
-          </a:xfrm>
-        </p:spPr>
+        <p:spPr/>
       </p:pic>
       <p:sp>
         <p:nvSpPr>
-          <p:cNvPr id="4" name="Content Placeholder 3"/>
-          <p:cNvSpPr>
-            <a:spLocks noGrp="1"/>
-          </p:cNvSpPr>
-          <p:nvPr>
-            <p:ph sz="quarter" idx="12"/>
+          <p:cNvPr id="5" name="Content Placeholder 4"/>
+          <p:cNvSpPr>
+            <a:spLocks noGrp="1"/>
+          </p:cNvSpPr>
+          <p:nvPr>
+            <p:ph sz="quarter" idx="11"/>
           </p:nvPr>
         </p:nvSpPr>
         <p:spPr/>
@@ -22624,27 +22027,19 @@
             </a:r>
             <a:r>
               <a:rPr lang="en-US" dirty="0" err="1"/>
-              <a:t>www.google.com</a:t>
+              <a:t>www.flickr.com</a:t>
             </a:r>
             <a:r>
               <a:rPr lang="en-US" dirty="0"/>
-              <a:t>/</a:t>
+              <a:t>/photos/</a:t>
             </a:r>
             <a:r>
               <a:rPr lang="en-US" dirty="0" err="1"/>
-              <a:t>webhp?sourceid</a:t>
+              <a:t>peterpearson</a:t>
             </a:r>
             <a:r>
               <a:rPr lang="en-US" dirty="0"/>
-              <a:t>=</a:t>
-            </a:r>
-            <a:r>
-              <a:rPr lang="en-US" dirty="0" err="1"/>
-              <a:t>chrome-instant&amp;ion</a:t>
-            </a:r>
-            <a:r>
-              <a:rPr lang="en-US" dirty="0"/>
-              <a:t>=1&amp;espv=2&amp;ie=UTF-8#q=demonstration</a:t>
+              <a:t>/424047087</a:t>
             </a:r>
           </a:p>
         </p:txBody>
@@ -22652,7 +22047,7 @@
     </p:spTree>
     <p:extLst>
       <p:ext uri="{BB962C8B-B14F-4D97-AF65-F5344CB8AC3E}">
-        <p14:creationId xmlns:p14="http://schemas.microsoft.com/office/powerpoint/2010/main" val="3816228750"/>
+        <p14:creationId xmlns:p14="http://schemas.microsoft.com/office/powerpoint/2010/main" val="1914539579"/>
       </p:ext>
     </p:extLst>
   </p:cSld>
@@ -22715,7 +22110,7 @@
           <a:p>
             <a:r>
               <a:rPr lang="en-US" dirty="0" smtClean="0"/>
-              <a:t>Next steps</a:t>
+              <a:t>Demo Time!</a:t>
             </a:r>
             <a:endParaRPr lang="en-US" dirty="0"/>
           </a:p>
@@ -22733,79 +22128,109 @@
         </p:nvSpPr>
         <p:spPr/>
         <p:txBody>
-          <a:bodyPr>
-            <a:normAutofit fontScale="92500" lnSpcReduction="20000"/>
-          </a:bodyPr>
-          <a:lstStyle/>
-          <a:p>
-            <a:r>
-              <a:rPr lang="en-US" dirty="0" smtClean="0"/>
-              <a:t>Refactor</a:t>
-            </a:r>
-          </a:p>
-          <a:p>
-            <a:r>
-              <a:rPr lang="en-US" dirty="0" smtClean="0"/>
-              <a:t>Testing</a:t>
-            </a:r>
-          </a:p>
-          <a:p>
-            <a:r>
-              <a:rPr lang="en-US" dirty="0" smtClean="0"/>
-              <a:t>Multi-tier implementation</a:t>
-            </a:r>
-          </a:p>
-          <a:p>
-            <a:r>
-              <a:rPr lang="en-US" dirty="0" smtClean="0"/>
-              <a:t>Community Cookbooks</a:t>
-            </a:r>
-          </a:p>
-          <a:p>
-            <a:r>
-              <a:rPr lang="en-US" dirty="0" smtClean="0"/>
-              <a:t>Multi-OS Support</a:t>
-            </a:r>
-          </a:p>
-          <a:p>
-            <a:r>
-              <a:rPr lang="en-US" dirty="0" smtClean="0"/>
-              <a:t>Cloud deployment</a:t>
-            </a:r>
-          </a:p>
-          <a:p>
-            <a:r>
-              <a:rPr lang="en-US" dirty="0" smtClean="0"/>
-              <a:t>Operationalize</a:t>
-            </a:r>
-          </a:p>
-          <a:p>
-            <a:pPr lvl="1"/>
-            <a:r>
-              <a:rPr lang="en-US" dirty="0" smtClean="0"/>
-              <a:t>Monitoring</a:t>
-            </a:r>
-          </a:p>
-          <a:p>
-            <a:pPr lvl="1"/>
-            <a:r>
-              <a:rPr lang="en-US" dirty="0" smtClean="0"/>
-              <a:t>Central logging</a:t>
-            </a:r>
-          </a:p>
-          <a:p>
-            <a:r>
-              <a:rPr lang="en-US" dirty="0" smtClean="0"/>
-              <a:t>Application deployments</a:t>
+          <a:bodyPr/>
+          <a:lstStyle/>
+          <a:p>
+            <a:r>
+              <a:rPr lang="en-US" dirty="0" smtClean="0"/>
+              <a:t>Show your work</a:t>
+            </a:r>
+          </a:p>
+          <a:p>
+            <a:r>
+              <a:rPr lang="en-US" dirty="0" smtClean="0"/>
+              <a:t>Discuss your choices</a:t>
+            </a:r>
+          </a:p>
+          <a:p>
+            <a:r>
+              <a:rPr lang="en-US" dirty="0" smtClean="0"/>
+              <a:t>Gather feedback and ideas</a:t>
             </a:r>
             <a:endParaRPr lang="en-US" dirty="0"/>
+          </a:p>
+        </p:txBody>
+      </p:sp>
+      <p:pic>
+        <p:nvPicPr>
+          <p:cNvPr id="6" name="Picture Placeholder 5" descr="demonstration - Google Search.jpg"/>
+          <p:cNvPicPr>
+            <a:picLocks noGrp="1" noChangeAspect="1"/>
+          </p:cNvPicPr>
+          <p:nvPr>
+            <p:ph type="pic" sz="quarter" idx="13"/>
+          </p:nvPr>
+        </p:nvPicPr>
+        <p:blipFill>
+          <a:blip r:embed="rId3">
+            <a:extLst>
+              <a:ext uri="{28A0092B-C50C-407E-A947-70E740481C1C}">
+                <a14:useLocalDpi xmlns:a14="http://schemas.microsoft.com/office/drawing/2010/main" val="0"/>
+              </a:ext>
+            </a:extLst>
+          </a:blip>
+          <a:srcRect l="-7012" r="-7012"/>
+          <a:stretch>
+            <a:fillRect/>
+          </a:stretch>
+        </p:blipFill>
+        <p:spPr>
+          <a:xfrm>
+            <a:off x="6181725" y="1143000"/>
+            <a:ext cx="5486400" cy="5257800"/>
+          </a:xfrm>
+        </p:spPr>
+      </p:pic>
+      <p:sp>
+        <p:nvSpPr>
+          <p:cNvPr id="4" name="Content Placeholder 3"/>
+          <p:cNvSpPr>
+            <a:spLocks noGrp="1"/>
+          </p:cNvSpPr>
+          <p:nvPr>
+            <p:ph sz="quarter" idx="12"/>
+          </p:nvPr>
+        </p:nvSpPr>
+        <p:spPr/>
+        <p:txBody>
+          <a:bodyPr/>
+          <a:lstStyle/>
+          <a:p>
+            <a:r>
+              <a:rPr lang="en-US" dirty="0"/>
+              <a:t>https://</a:t>
+            </a:r>
+            <a:r>
+              <a:rPr lang="en-US" dirty="0" err="1"/>
+              <a:t>www.google.com</a:t>
+            </a:r>
+            <a:r>
+              <a:rPr lang="en-US" dirty="0"/>
+              <a:t>/</a:t>
+            </a:r>
+            <a:r>
+              <a:rPr lang="en-US" dirty="0" err="1"/>
+              <a:t>webhp?sourceid</a:t>
+            </a:r>
+            <a:r>
+              <a:rPr lang="en-US" dirty="0"/>
+              <a:t>=</a:t>
+            </a:r>
+            <a:r>
+              <a:rPr lang="en-US" dirty="0" err="1"/>
+              <a:t>chrome-instant&amp;ion</a:t>
+            </a:r>
+            <a:r>
+              <a:rPr lang="en-US" dirty="0"/>
+              <a:t>=1&amp;espv=2&amp;ie=UTF-8#q=demonstration</a:t>
+            </a:r>
           </a:p>
         </p:txBody>
       </p:sp>
     </p:spTree>
     <p:extLst>
       <p:ext uri="{BB962C8B-B14F-4D97-AF65-F5344CB8AC3E}">
-        <p14:creationId xmlns:p14="http://schemas.microsoft.com/office/powerpoint/2010/main" val="1541181296"/>
+        <p14:creationId xmlns:p14="http://schemas.microsoft.com/office/powerpoint/2010/main" val="1089945037"/>
       </p:ext>
     </p:extLst>
   </p:cSld>
@@ -23096,40 +22521,180 @@
           <a:p>
             <a:r>
               <a:rPr lang="en-US" dirty="0" smtClean="0"/>
-              <a:t>Time to hack!</a:t>
+              <a:t>Hints</a:t>
             </a:r>
             <a:endParaRPr lang="en-US" dirty="0"/>
           </a:p>
         </p:txBody>
       </p:sp>
-      <p:pic>
-        <p:nvPicPr>
-          <p:cNvPr id="6" name="Picture Placeholder 5" descr="424047087_f685546e79_o.jpg"/>
-          <p:cNvPicPr>
-            <a:picLocks noGrp="1" noChangeAspect="1"/>
-          </p:cNvPicPr>
-          <p:nvPr>
-            <p:ph type="pic" sz="quarter" idx="10"/>
-          </p:nvPr>
-        </p:nvPicPr>
-        <p:blipFill>
-          <a:blip r:embed="rId3">
-            <a:extLst>
-              <a:ext uri="{28A0092B-C50C-407E-A947-70E740481C1C}">
-                <a14:useLocalDpi xmlns:a14="http://schemas.microsoft.com/office/drawing/2010/main" val="0"/>
-              </a:ext>
-            </a:extLst>
-          </a:blip>
-          <a:srcRect t="34402" b="34402"/>
-          <a:stretch>
-            <a:fillRect/>
-          </a:stretch>
-        </p:blipFill>
-        <p:spPr/>
-      </p:pic>
-      <p:sp>
-        <p:nvSpPr>
-          <p:cNvPr id="5" name="Content Placeholder 4"/>
+      <p:sp>
+        <p:nvSpPr>
+          <p:cNvPr id="3" name="Content Placeholder 2"/>
+          <p:cNvSpPr>
+            <a:spLocks noGrp="1"/>
+          </p:cNvSpPr>
+          <p:nvPr>
+            <p:ph sz="quarter" idx="10"/>
+          </p:nvPr>
+        </p:nvSpPr>
+        <p:spPr/>
+        <p:txBody>
+          <a:bodyPr/>
+          <a:lstStyle/>
+          <a:p>
+            <a:r>
+              <a:rPr lang="en-US" i="1" dirty="0">
+                <a:solidFill>
+                  <a:srgbClr val="408080"/>
+                </a:solidFill>
+              </a:rPr>
+              <a:t># 1. </a:t>
+            </a:r>
+            <a:r>
+              <a:rPr lang="en-US" i="1" dirty="0" err="1">
+                <a:solidFill>
+                  <a:srgbClr val="408080"/>
+                </a:solidFill>
+              </a:rPr>
+              <a:t>wget</a:t>
+            </a:r>
+            <a:r>
+              <a:rPr lang="en-US" i="1" dirty="0">
+                <a:solidFill>
+                  <a:srgbClr val="408080"/>
+                </a:solidFill>
+              </a:rPr>
+              <a:t> https://</a:t>
+            </a:r>
+            <a:r>
+              <a:rPr lang="en-US" i="1" dirty="0" err="1">
+                <a:solidFill>
+                  <a:srgbClr val="408080"/>
+                </a:solidFill>
+              </a:rPr>
+              <a:t>github.com</a:t>
+            </a:r>
+            <a:r>
+              <a:rPr lang="en-US" i="1" dirty="0">
+                <a:solidFill>
+                  <a:srgbClr val="408080"/>
+                </a:solidFill>
+              </a:rPr>
+              <a:t>/</a:t>
+            </a:r>
+            <a:r>
+              <a:rPr lang="en-US" i="1" dirty="0" err="1">
+                <a:solidFill>
+                  <a:srgbClr val="408080"/>
+                </a:solidFill>
+              </a:rPr>
+              <a:t>colincam</a:t>
+            </a:r>
+            <a:r>
+              <a:rPr lang="en-US" i="1" dirty="0">
+                <a:solidFill>
+                  <a:srgbClr val="408080"/>
+                </a:solidFill>
+              </a:rPr>
+              <a:t>/Awesome-Appliance-Repair/archive/</a:t>
+            </a:r>
+            <a:r>
+              <a:rPr lang="en-US" i="1" dirty="0" err="1">
+                <a:solidFill>
+                  <a:srgbClr val="408080"/>
+                </a:solidFill>
+              </a:rPr>
+              <a:t>master.zip</a:t>
+            </a:r>
+            <a:endParaRPr lang="en-US" i="1" dirty="0">
+              <a:solidFill>
+                <a:srgbClr val="408080"/>
+              </a:solidFill>
+            </a:endParaRPr>
+          </a:p>
+          <a:p>
+            <a:r>
+              <a:rPr lang="en-US" i="1" dirty="0">
+                <a:solidFill>
+                  <a:srgbClr val="408080"/>
+                </a:solidFill>
+              </a:rPr>
+              <a:t># 2. unzip </a:t>
+            </a:r>
+            <a:r>
+              <a:rPr lang="en-US" i="1" dirty="0" err="1">
+                <a:solidFill>
+                  <a:srgbClr val="408080"/>
+                </a:solidFill>
+              </a:rPr>
+              <a:t>master.zip</a:t>
+            </a:r>
+            <a:endParaRPr lang="en-US" i="1" dirty="0">
+              <a:solidFill>
+                <a:srgbClr val="408080"/>
+              </a:solidFill>
+            </a:endParaRPr>
+          </a:p>
+          <a:p>
+            <a:r>
+              <a:rPr lang="en-US" i="1" dirty="0">
+                <a:solidFill>
+                  <a:srgbClr val="408080"/>
+                </a:solidFill>
+              </a:rPr>
+              <a:t># 3. cd into Awesome-Appliance-Repair</a:t>
+            </a:r>
+          </a:p>
+          <a:p>
+            <a:r>
+              <a:rPr lang="en-US" i="1" dirty="0">
+                <a:solidFill>
+                  <a:srgbClr val="408080"/>
+                </a:solidFill>
+              </a:rPr>
+              <a:t># 4. </a:t>
+            </a:r>
+            <a:r>
+              <a:rPr lang="en-US" i="1" dirty="0" err="1">
+                <a:solidFill>
+                  <a:srgbClr val="408080"/>
+                </a:solidFill>
+              </a:rPr>
+              <a:t>sudo</a:t>
+            </a:r>
+            <a:r>
+              <a:rPr lang="en-US" i="1" dirty="0">
+                <a:solidFill>
+                  <a:srgbClr val="408080"/>
+                </a:solidFill>
+              </a:rPr>
+              <a:t> mv AAR to /</a:t>
+            </a:r>
+            <a:r>
+              <a:rPr lang="en-US" i="1" dirty="0" err="1">
+                <a:solidFill>
+                  <a:srgbClr val="408080"/>
+                </a:solidFill>
+              </a:rPr>
+              <a:t>var</a:t>
+            </a:r>
+            <a:r>
+              <a:rPr lang="en-US" i="1" dirty="0">
+                <a:solidFill>
+                  <a:srgbClr val="408080"/>
+                </a:solidFill>
+              </a:rPr>
+              <a:t>/www/</a:t>
+            </a:r>
+          </a:p>
+          <a:p>
+            <a:endParaRPr lang="en-US" dirty="0"/>
+          </a:p>
+        </p:txBody>
+      </p:sp>
+      <p:sp>
+        <p:nvSpPr>
+          <p:cNvPr id="4" name="Content Placeholder 3"/>
           <p:cNvSpPr>
             <a:spLocks noGrp="1"/>
           </p:cNvSpPr>
@@ -23143,32 +22708,23 @@
           <a:lstStyle/>
           <a:p>
             <a:r>
-              <a:rPr lang="en-US" dirty="0"/>
-              <a:t>https://</a:t>
-            </a:r>
-            <a:r>
-              <a:rPr lang="en-US" dirty="0" err="1"/>
-              <a:t>www.flickr.com</a:t>
-            </a:r>
-            <a:r>
-              <a:rPr lang="en-US" dirty="0"/>
-              <a:t>/photos/</a:t>
-            </a:r>
-            <a:r>
-              <a:rPr lang="en-US" dirty="0" err="1"/>
-              <a:t>peterpearson</a:t>
-            </a:r>
-            <a:r>
-              <a:rPr lang="en-US" dirty="0"/>
-              <a:t>/424047087</a:t>
-            </a:r>
+              <a:rPr lang="en-US" dirty="0" smtClean="0"/>
+              <a:t>Do you need to download every time the chef-client runs?</a:t>
+            </a:r>
+          </a:p>
+          <a:p>
+            <a:r>
+              <a:rPr lang="en-US" dirty="0" smtClean="0"/>
+              <a:t>What are the pros and cons of doing so?</a:t>
+            </a:r>
+            <a:endParaRPr lang="en-US" dirty="0"/>
           </a:p>
         </p:txBody>
       </p:sp>
     </p:spTree>
     <p:extLst>
       <p:ext uri="{BB962C8B-B14F-4D97-AF65-F5344CB8AC3E}">
-        <p14:creationId xmlns:p14="http://schemas.microsoft.com/office/powerpoint/2010/main" val="3005142962"/>
+        <p14:creationId xmlns:p14="http://schemas.microsoft.com/office/powerpoint/2010/main" val="1819554793"/>
       </p:ext>
     </p:extLst>
   </p:cSld>
@@ -23231,42 +22787,7 @@
           <a:p>
             <a:r>
               <a:rPr lang="en-US" dirty="0" smtClean="0"/>
-              <a:t>Demo Time!</a:t>
-            </a:r>
-            <a:endParaRPr lang="en-US" dirty="0"/>
-          </a:p>
-        </p:txBody>
-      </p:sp>
-      <p:sp>
-        <p:nvSpPr>
-          <p:cNvPr id="3" name="Text Placeholder 2"/>
-          <p:cNvSpPr>
-            <a:spLocks noGrp="1"/>
-          </p:cNvSpPr>
-          <p:nvPr>
-            <p:ph type="body" sz="quarter" idx="10"/>
-          </p:nvPr>
-        </p:nvSpPr>
-        <p:spPr/>
-        <p:txBody>
-          <a:bodyPr/>
-          <a:lstStyle/>
-          <a:p>
-            <a:r>
-              <a:rPr lang="en-US" dirty="0" smtClean="0"/>
-              <a:t>Show your work</a:t>
-            </a:r>
-          </a:p>
-          <a:p>
-            <a:r>
-              <a:rPr lang="en-US" dirty="0" smtClean="0"/>
-              <a:t>Discuss your choices</a:t>
-            </a:r>
-          </a:p>
-          <a:p>
-            <a:r>
-              <a:rPr lang="en-US" dirty="0" smtClean="0"/>
-              <a:t>Gather feedback and ideas</a:t>
+              <a:t>Time to hack!</a:t>
             </a:r>
             <a:endParaRPr lang="en-US" dirty="0"/>
           </a:p>
@@ -23274,12 +22795,12 @@
       </p:sp>
       <p:pic>
         <p:nvPicPr>
-          <p:cNvPr id="6" name="Picture Placeholder 5" descr="demonstration - Google Search.jpg"/>
+          <p:cNvPr id="6" name="Picture Placeholder 5" descr="424047087_f685546e79_o.jpg"/>
           <p:cNvPicPr>
             <a:picLocks noGrp="1" noChangeAspect="1"/>
           </p:cNvPicPr>
           <p:nvPr>
-            <p:ph type="pic" sz="quarter" idx="13"/>
+            <p:ph type="pic" sz="quarter" idx="10"/>
           </p:nvPr>
         </p:nvPicPr>
         <p:blipFill>
@@ -23290,26 +22811,21 @@
               </a:ext>
             </a:extLst>
           </a:blip>
-          <a:srcRect l="-7012" r="-7012"/>
+          <a:srcRect t="34402" b="34402"/>
           <a:stretch>
             <a:fillRect/>
           </a:stretch>
         </p:blipFill>
-        <p:spPr>
-          <a:xfrm>
-            <a:off x="6181725" y="1143000"/>
-            <a:ext cx="5486400" cy="5257800"/>
-          </a:xfrm>
-        </p:spPr>
+        <p:spPr/>
       </p:pic>
       <p:sp>
         <p:nvSpPr>
-          <p:cNvPr id="4" name="Content Placeholder 3"/>
-          <p:cNvSpPr>
-            <a:spLocks noGrp="1"/>
-          </p:cNvSpPr>
-          <p:nvPr>
-            <p:ph sz="quarter" idx="12"/>
+          <p:cNvPr id="5" name="Content Placeholder 4"/>
+          <p:cNvSpPr>
+            <a:spLocks noGrp="1"/>
+          </p:cNvSpPr>
+          <p:nvPr>
+            <p:ph sz="quarter" idx="11"/>
           </p:nvPr>
         </p:nvSpPr>
         <p:spPr/>
@@ -23323,27 +22839,19 @@
             </a:r>
             <a:r>
               <a:rPr lang="en-US" dirty="0" err="1"/>
-              <a:t>www.google.com</a:t>
+              <a:t>www.flickr.com</a:t>
             </a:r>
             <a:r>
               <a:rPr lang="en-US" dirty="0"/>
-              <a:t>/</a:t>
+              <a:t>/photos/</a:t>
             </a:r>
             <a:r>
               <a:rPr lang="en-US" dirty="0" err="1"/>
-              <a:t>webhp?sourceid</a:t>
+              <a:t>peterpearson</a:t>
             </a:r>
             <a:r>
               <a:rPr lang="en-US" dirty="0"/>
-              <a:t>=</a:t>
-            </a:r>
-            <a:r>
-              <a:rPr lang="en-US" dirty="0" err="1"/>
-              <a:t>chrome-instant&amp;ion</a:t>
-            </a:r>
-            <a:r>
-              <a:rPr lang="en-US" dirty="0"/>
-              <a:t>=1&amp;espv=2&amp;ie=UTF-8#q=demonstration</a:t>
+              <a:t>/424047087</a:t>
             </a:r>
           </a:p>
         </p:txBody>
@@ -23351,7 +22859,7 @@
     </p:spTree>
     <p:extLst>
       <p:ext uri="{BB962C8B-B14F-4D97-AF65-F5344CB8AC3E}">
-        <p14:creationId xmlns:p14="http://schemas.microsoft.com/office/powerpoint/2010/main" val="2138724818"/>
+        <p14:creationId xmlns:p14="http://schemas.microsoft.com/office/powerpoint/2010/main" val="776143540"/>
       </p:ext>
     </p:extLst>
   </p:cSld>
@@ -23414,7 +22922,7 @@
           <a:p>
             <a:r>
               <a:rPr lang="en-US" dirty="0" smtClean="0"/>
-              <a:t>Objectives</a:t>
+              <a:t>Demo Time!</a:t>
             </a:r>
             <a:endParaRPr lang="en-US" dirty="0"/>
           </a:p>
@@ -23436,35 +22944,97 @@
           <a:lstStyle/>
           <a:p>
             <a:r>
+              <a:rPr lang="en-US" dirty="0" smtClean="0"/>
+              <a:t>Show your work</a:t>
+            </a:r>
+          </a:p>
+          <a:p>
+            <a:r>
+              <a:rPr lang="en-US" dirty="0" smtClean="0"/>
+              <a:t>Discuss your choices</a:t>
+            </a:r>
+          </a:p>
+          <a:p>
+            <a:r>
+              <a:rPr lang="en-US" dirty="0" smtClean="0"/>
+              <a:t>Gather feedback and ideas</a:t>
+            </a:r>
+            <a:endParaRPr lang="en-US" dirty="0"/>
+          </a:p>
+        </p:txBody>
+      </p:sp>
+      <p:pic>
+        <p:nvPicPr>
+          <p:cNvPr id="6" name="Picture Placeholder 5" descr="demonstration - Google Search.jpg"/>
+          <p:cNvPicPr>
+            <a:picLocks noGrp="1" noChangeAspect="1"/>
+          </p:cNvPicPr>
+          <p:nvPr>
+            <p:ph type="pic" sz="quarter" idx="13"/>
+          </p:nvPr>
+        </p:nvPicPr>
+        <p:blipFill>
+          <a:blip r:embed="rId3">
+            <a:extLst>
+              <a:ext uri="{28A0092B-C50C-407E-A947-70E740481C1C}">
+                <a14:useLocalDpi xmlns:a14="http://schemas.microsoft.com/office/drawing/2010/main" val="0"/>
+              </a:ext>
+            </a:extLst>
+          </a:blip>
+          <a:srcRect l="-7012" r="-7012"/>
+          <a:stretch>
+            <a:fillRect/>
+          </a:stretch>
+        </p:blipFill>
+        <p:spPr>
+          <a:xfrm>
+            <a:off x="6181725" y="1143000"/>
+            <a:ext cx="5486400" cy="5257800"/>
+          </a:xfrm>
+        </p:spPr>
+      </p:pic>
+      <p:sp>
+        <p:nvSpPr>
+          <p:cNvPr id="4" name="Content Placeholder 3"/>
+          <p:cNvSpPr>
+            <a:spLocks noGrp="1"/>
+          </p:cNvSpPr>
+          <p:nvPr>
+            <p:ph sz="quarter" idx="12"/>
+          </p:nvPr>
+        </p:nvSpPr>
+        <p:spPr/>
+        <p:txBody>
+          <a:bodyPr/>
+          <a:lstStyle/>
+          <a:p>
+            <a:r>
               <a:rPr lang="en-US" dirty="0"/>
-              <a:t>Build something in Chef with very little guidance</a:t>
-            </a:r>
-          </a:p>
-          <a:p>
-            <a:r>
-              <a:rPr lang="en-US" dirty="0" smtClean="0"/>
-              <a:t>Write custom Chef recipes</a:t>
-            </a:r>
-          </a:p>
-          <a:p>
+              <a:t>https://</a:t>
+            </a:r>
+            <a:r>
+              <a:rPr lang="en-US" dirty="0" err="1"/>
+              <a:t>www.google.com</a:t>
+            </a:r>
             <a:r>
               <a:rPr lang="en-US" dirty="0"/>
-              <a:t>Use the Chef Documentation to identify and use resources that will help you model the desired state of your </a:t>
-            </a:r>
-            <a:r>
-              <a:rPr lang="en-US" dirty="0" smtClean="0"/>
-              <a:t>infrastructure</a:t>
-            </a:r>
-            <a:endParaRPr lang="en-US" dirty="0"/>
-          </a:p>
-          <a:p>
+              <a:t>/</a:t>
+            </a:r>
+            <a:r>
+              <a:rPr lang="en-US" dirty="0" err="1"/>
+              <a:t>webhp?sourceid</a:t>
+            </a:r>
             <a:r>
               <a:rPr lang="en-US" dirty="0"/>
-              <a:t>Include guards in Chef </a:t>
-            </a:r>
-            <a:r>
-              <a:rPr lang="en-US" dirty="0" smtClean="0"/>
-              <a:t>resources</a:t>
+              <a:t>=</a:t>
+            </a:r>
+            <a:r>
+              <a:rPr lang="en-US" dirty="0" err="1"/>
+              <a:t>chrome-instant&amp;ion</a:t>
+            </a:r>
+            <a:r>
+              <a:rPr lang="en-US" dirty="0"/>
+              <a:t>=1&amp;espv=2&amp;ie=UTF-8#q=demonstration</a:t>
             </a:r>
           </a:p>
         </p:txBody>
@@ -23472,7 +23042,7 @@
     </p:spTree>
     <p:extLst>
       <p:ext uri="{BB962C8B-B14F-4D97-AF65-F5344CB8AC3E}">
-        <p14:creationId xmlns:p14="http://schemas.microsoft.com/office/powerpoint/2010/main" val="27556649"/>
+        <p14:creationId xmlns:p14="http://schemas.microsoft.com/office/powerpoint/2010/main" val="1089945037"/>
       </p:ext>
     </p:extLst>
   </p:cSld>
@@ -23535,7 +23105,7 @@
           <a:p>
             <a:r>
               <a:rPr lang="en-US" dirty="0" smtClean="0"/>
-              <a:t>Your Objectives</a:t>
+              <a:t>Hints</a:t>
             </a:r>
             <a:endParaRPr lang="en-US" dirty="0"/>
           </a:p>
@@ -23543,12 +23113,696 @@
       </p:sp>
       <p:sp>
         <p:nvSpPr>
-          <p:cNvPr id="3" name="Text Placeholder 2"/>
-          <p:cNvSpPr>
-            <a:spLocks noGrp="1"/>
-          </p:cNvSpPr>
-          <p:nvPr>
-            <p:ph type="body" sz="quarter" idx="10"/>
+          <p:cNvPr id="3" name="Content Placeholder 2"/>
+          <p:cNvSpPr>
+            <a:spLocks noGrp="1"/>
+          </p:cNvSpPr>
+          <p:nvPr>
+            <p:ph sz="quarter" idx="10"/>
+          </p:nvPr>
+        </p:nvSpPr>
+        <p:spPr/>
+        <p:txBody>
+          <a:bodyPr>
+            <a:normAutofit fontScale="25000" lnSpcReduction="20000"/>
+          </a:bodyPr>
+          <a:lstStyle/>
+          <a:p>
+            <a:r>
+              <a:rPr lang="en-US" i="1" dirty="0">
+                <a:solidFill>
+                  <a:srgbClr val="408080"/>
+                </a:solidFill>
+              </a:rPr>
+              <a:t># Create DB, user, and permissions</a:t>
+            </a:r>
+          </a:p>
+          <a:p>
+            <a:r>
+              <a:rPr lang="en-US" dirty="0"/>
+              <a:t>    </a:t>
+            </a:r>
+            <a:r>
+              <a:rPr lang="en-US" b="1" dirty="0">
+                <a:solidFill>
+                  <a:srgbClr val="008000"/>
+                </a:solidFill>
+              </a:rPr>
+              <a:t>import </a:t>
+            </a:r>
+            <a:r>
+              <a:rPr lang="en-US" b="1" dirty="0" err="1">
+                <a:solidFill>
+                  <a:srgbClr val="0000FF"/>
+                </a:solidFill>
+              </a:rPr>
+              <a:t>MySQLdb</a:t>
+            </a:r>
+            <a:endParaRPr lang="en-US" b="1" dirty="0">
+              <a:solidFill>
+                <a:srgbClr val="0000FF"/>
+              </a:solidFill>
+            </a:endParaRPr>
+          </a:p>
+          <a:p>
+            <a:r>
+              <a:rPr lang="en-US" dirty="0"/>
+              <a:t>    </a:t>
+            </a:r>
+            <a:r>
+              <a:rPr lang="en-US" dirty="0" err="1"/>
+              <a:t>db</a:t>
+            </a:r>
+            <a:r>
+              <a:rPr lang="en-US" dirty="0"/>
+              <a:t> </a:t>
+            </a:r>
+            <a:r>
+              <a:rPr lang="en-US" dirty="0">
+                <a:solidFill>
+                  <a:srgbClr val="666666"/>
+                </a:solidFill>
+              </a:rPr>
+              <a:t>= </a:t>
+            </a:r>
+            <a:r>
+              <a:rPr lang="en-US" dirty="0" err="1">
+                <a:solidFill>
+                  <a:srgbClr val="666666"/>
+                </a:solidFill>
+              </a:rPr>
+              <a:t>MySQLdb.connect</a:t>
+            </a:r>
+            <a:r>
+              <a:rPr lang="en-US" dirty="0">
+                <a:solidFill>
+                  <a:srgbClr val="666666"/>
+                </a:solidFill>
+              </a:rPr>
+              <a:t>(host=</a:t>
+            </a:r>
+            <a:r>
+              <a:rPr lang="en-US" dirty="0">
+                <a:solidFill>
+                  <a:srgbClr val="BA2121"/>
+                </a:solidFill>
+              </a:rPr>
+              <a:t>'</a:t>
+            </a:r>
+            <a:r>
+              <a:rPr lang="en-US" dirty="0" err="1">
+                <a:solidFill>
+                  <a:srgbClr val="BA2121"/>
+                </a:solidFill>
+              </a:rPr>
+              <a:t>localhost</a:t>
+            </a:r>
+            <a:r>
+              <a:rPr lang="en-US" dirty="0">
+                <a:solidFill>
+                  <a:srgbClr val="BA2121"/>
+                </a:solidFill>
+              </a:rPr>
+              <a:t>', user</a:t>
+            </a:r>
+            <a:r>
+              <a:rPr lang="en-US" dirty="0">
+                <a:solidFill>
+                  <a:srgbClr val="666666"/>
+                </a:solidFill>
+              </a:rPr>
+              <a:t>=</a:t>
+            </a:r>
+            <a:r>
+              <a:rPr lang="en-US" dirty="0">
+                <a:solidFill>
+                  <a:srgbClr val="BA2121"/>
+                </a:solidFill>
+              </a:rPr>
+              <a:t>'root', </a:t>
+            </a:r>
+            <a:r>
+              <a:rPr lang="en-US" dirty="0" err="1">
+                <a:solidFill>
+                  <a:srgbClr val="BA2121"/>
+                </a:solidFill>
+              </a:rPr>
+              <a:t>passwd</a:t>
+            </a:r>
+            <a:r>
+              <a:rPr lang="en-US" dirty="0">
+                <a:solidFill>
+                  <a:srgbClr val="666666"/>
+                </a:solidFill>
+              </a:rPr>
+              <a:t>=</a:t>
+            </a:r>
+            <a:r>
+              <a:rPr lang="en-US" dirty="0" err="1">
+                <a:solidFill>
+                  <a:srgbClr val="666666"/>
+                </a:solidFill>
+              </a:rPr>
+              <a:t>root_dbpswd</a:t>
+            </a:r>
+            <a:r>
+              <a:rPr lang="en-US" dirty="0">
+                <a:solidFill>
+                  <a:srgbClr val="666666"/>
+                </a:solidFill>
+              </a:rPr>
+              <a:t>)</a:t>
+            </a:r>
+          </a:p>
+          <a:p>
+            <a:r>
+              <a:rPr lang="en-US" dirty="0"/>
+              <a:t>    </a:t>
+            </a:r>
+            <a:r>
+              <a:rPr lang="en-US" dirty="0" err="1"/>
+              <a:t>sql_script</a:t>
+            </a:r>
+            <a:r>
+              <a:rPr lang="en-US" dirty="0"/>
+              <a:t> </a:t>
+            </a:r>
+            <a:r>
+              <a:rPr lang="en-US" dirty="0">
+                <a:solidFill>
+                  <a:srgbClr val="666666"/>
+                </a:solidFill>
+              </a:rPr>
+              <a:t>= </a:t>
+            </a:r>
+            <a:r>
+              <a:rPr lang="en-US" dirty="0">
+                <a:solidFill>
+                  <a:srgbClr val="008000"/>
+                </a:solidFill>
+              </a:rPr>
+              <a:t>open(</a:t>
+            </a:r>
+            <a:r>
+              <a:rPr lang="en-US" dirty="0">
+                <a:solidFill>
+                  <a:srgbClr val="BA2121"/>
+                </a:solidFill>
+              </a:rPr>
+              <a:t>'</a:t>
+            </a:r>
+            <a:r>
+              <a:rPr lang="en-US" dirty="0" err="1">
+                <a:solidFill>
+                  <a:srgbClr val="BA2121"/>
+                </a:solidFill>
+              </a:rPr>
+              <a:t>make_AARdb.sql</a:t>
+            </a:r>
+            <a:r>
+              <a:rPr lang="en-US" dirty="0">
+                <a:solidFill>
+                  <a:srgbClr val="BA2121"/>
+                </a:solidFill>
+              </a:rPr>
+              <a:t>', 'r')</a:t>
+            </a:r>
+            <a:r>
+              <a:rPr lang="en-US" dirty="0">
+                <a:solidFill>
+                  <a:srgbClr val="666666"/>
+                </a:solidFill>
+              </a:rPr>
+              <a:t>.read()</a:t>
+            </a:r>
+          </a:p>
+          <a:p>
+            <a:r>
+              <a:rPr lang="en-US" dirty="0"/>
+              <a:t>    </a:t>
+            </a:r>
+          </a:p>
+          <a:p>
+            <a:r>
+              <a:rPr lang="es-ES_tradnl" dirty="0"/>
+              <a:t>    </a:t>
+            </a:r>
+            <a:r>
+              <a:rPr lang="es-ES_tradnl" dirty="0" err="1"/>
+              <a:t>cur</a:t>
+            </a:r>
+            <a:r>
+              <a:rPr lang="es-ES_tradnl" dirty="0"/>
+              <a:t> </a:t>
+            </a:r>
+            <a:r>
+              <a:rPr lang="es-ES_tradnl" dirty="0">
+                <a:solidFill>
+                  <a:srgbClr val="666666"/>
+                </a:solidFill>
+              </a:rPr>
+              <a:t>= </a:t>
+            </a:r>
+            <a:r>
+              <a:rPr lang="es-ES_tradnl" dirty="0" err="1">
+                <a:solidFill>
+                  <a:srgbClr val="666666"/>
+                </a:solidFill>
+              </a:rPr>
+              <a:t>db.cursor</a:t>
+            </a:r>
+            <a:r>
+              <a:rPr lang="es-ES_tradnl" dirty="0">
+                <a:solidFill>
+                  <a:srgbClr val="666666"/>
+                </a:solidFill>
+              </a:rPr>
+              <a:t>()</a:t>
+            </a:r>
+          </a:p>
+          <a:p>
+            <a:r>
+              <a:rPr lang="es-ES_tradnl" dirty="0"/>
+              <a:t>    </a:t>
+            </a:r>
+            <a:r>
+              <a:rPr lang="es-ES_tradnl" dirty="0" err="1"/>
+              <a:t>cur</a:t>
+            </a:r>
+            <a:r>
+              <a:rPr lang="es-ES_tradnl" dirty="0" err="1">
+                <a:solidFill>
+                  <a:srgbClr val="666666"/>
+                </a:solidFill>
+              </a:rPr>
+              <a:t>.execute</a:t>
+            </a:r>
+            <a:r>
+              <a:rPr lang="es-ES_tradnl" dirty="0">
+                <a:solidFill>
+                  <a:srgbClr val="666666"/>
+                </a:solidFill>
+              </a:rPr>
+              <a:t>(</a:t>
+            </a:r>
+            <a:r>
+              <a:rPr lang="es-ES_tradnl" dirty="0" err="1">
+                <a:solidFill>
+                  <a:srgbClr val="666666"/>
+                </a:solidFill>
+              </a:rPr>
+              <a:t>sql_script</a:t>
+            </a:r>
+            <a:r>
+              <a:rPr lang="es-ES_tradnl" dirty="0">
+                <a:solidFill>
+                  <a:srgbClr val="666666"/>
+                </a:solidFill>
+              </a:rPr>
+              <a:t>)</a:t>
+            </a:r>
+          </a:p>
+          <a:p>
+            <a:r>
+              <a:rPr lang="en-US" dirty="0"/>
+              <a:t>    </a:t>
+            </a:r>
+            <a:r>
+              <a:rPr lang="en-US" dirty="0" err="1"/>
+              <a:t>cur</a:t>
+            </a:r>
+            <a:r>
+              <a:rPr lang="en-US" dirty="0" err="1">
+                <a:solidFill>
+                  <a:srgbClr val="666666"/>
+                </a:solidFill>
+              </a:rPr>
+              <a:t>.close</a:t>
+            </a:r>
+            <a:r>
+              <a:rPr lang="en-US" dirty="0">
+                <a:solidFill>
+                  <a:srgbClr val="666666"/>
+                </a:solidFill>
+              </a:rPr>
+              <a:t>()</a:t>
+            </a:r>
+          </a:p>
+          <a:p>
+            <a:r>
+              <a:rPr lang="en-US" dirty="0"/>
+              <a:t>        </a:t>
+            </a:r>
+          </a:p>
+          <a:p>
+            <a:r>
+              <a:rPr lang="es-ES_tradnl" dirty="0"/>
+              <a:t>    </a:t>
+            </a:r>
+            <a:r>
+              <a:rPr lang="es-ES_tradnl" dirty="0" err="1"/>
+              <a:t>cur</a:t>
+            </a:r>
+            <a:r>
+              <a:rPr lang="es-ES_tradnl" dirty="0"/>
+              <a:t> </a:t>
+            </a:r>
+            <a:r>
+              <a:rPr lang="es-ES_tradnl" dirty="0">
+                <a:solidFill>
+                  <a:srgbClr val="666666"/>
+                </a:solidFill>
+              </a:rPr>
+              <a:t>= </a:t>
+            </a:r>
+            <a:r>
+              <a:rPr lang="es-ES_tradnl" dirty="0" err="1">
+                <a:solidFill>
+                  <a:srgbClr val="666666"/>
+                </a:solidFill>
+              </a:rPr>
+              <a:t>db.cursor</a:t>
+            </a:r>
+            <a:r>
+              <a:rPr lang="es-ES_tradnl" dirty="0">
+                <a:solidFill>
+                  <a:srgbClr val="666666"/>
+                </a:solidFill>
+              </a:rPr>
+              <a:t>()</a:t>
+            </a:r>
+          </a:p>
+          <a:p>
+            <a:r>
+              <a:rPr lang="es-ES_tradnl" dirty="0"/>
+              <a:t>    </a:t>
+            </a:r>
+            <a:r>
+              <a:rPr lang="es-ES_tradnl" dirty="0" err="1"/>
+              <a:t>cur</a:t>
+            </a:r>
+            <a:r>
+              <a:rPr lang="es-ES_tradnl" dirty="0" err="1">
+                <a:solidFill>
+                  <a:srgbClr val="666666"/>
+                </a:solidFill>
+              </a:rPr>
+              <a:t>.execute</a:t>
+            </a:r>
+            <a:r>
+              <a:rPr lang="es-ES_tradnl" dirty="0">
+                <a:solidFill>
+                  <a:srgbClr val="666666"/>
+                </a:solidFill>
+              </a:rPr>
+              <a:t>(</a:t>
+            </a:r>
+            <a:r>
+              <a:rPr lang="es-ES_tradnl" dirty="0">
+                <a:solidFill>
+                  <a:srgbClr val="BA2121"/>
+                </a:solidFill>
+              </a:rPr>
+              <a:t>'use </a:t>
+            </a:r>
+            <a:r>
+              <a:rPr lang="es-ES_tradnl" dirty="0" err="1">
+                <a:solidFill>
+                  <a:srgbClr val="BA2121"/>
+                </a:solidFill>
+              </a:rPr>
+              <a:t>AARdb</a:t>
+            </a:r>
+            <a:r>
+              <a:rPr lang="es-ES_tradnl" dirty="0">
+                <a:solidFill>
+                  <a:srgbClr val="BA2121"/>
+                </a:solidFill>
+              </a:rPr>
+              <a:t>')</a:t>
+            </a:r>
+          </a:p>
+          <a:p>
+            <a:r>
+              <a:rPr lang="es-ES_tradnl" dirty="0"/>
+              <a:t>    </a:t>
+            </a:r>
+            <a:r>
+              <a:rPr lang="es-ES_tradnl" dirty="0" err="1"/>
+              <a:t>cur</a:t>
+            </a:r>
+            <a:r>
+              <a:rPr lang="es-ES_tradnl" dirty="0" err="1">
+                <a:solidFill>
+                  <a:srgbClr val="666666"/>
+                </a:solidFill>
+              </a:rPr>
+              <a:t>.execute</a:t>
+            </a:r>
+            <a:r>
+              <a:rPr lang="es-ES_tradnl" dirty="0">
+                <a:solidFill>
+                  <a:srgbClr val="666666"/>
+                </a:solidFill>
+              </a:rPr>
+              <a:t>(</a:t>
+            </a:r>
+            <a:r>
+              <a:rPr lang="es-ES_tradnl" dirty="0">
+                <a:solidFill>
+                  <a:srgbClr val="BA2121"/>
+                </a:solidFill>
+              </a:rPr>
+              <a:t>"CREATE USER '</a:t>
+            </a:r>
+            <a:r>
+              <a:rPr lang="es-ES_tradnl" dirty="0" err="1">
+                <a:solidFill>
+                  <a:srgbClr val="BA2121"/>
+                </a:solidFill>
+              </a:rPr>
+              <a:t>aarapp</a:t>
+            </a:r>
+            <a:r>
+              <a:rPr lang="es-ES_tradnl" dirty="0">
+                <a:solidFill>
+                  <a:srgbClr val="BA2121"/>
+                </a:solidFill>
+              </a:rPr>
+              <a:t>'@'</a:t>
+            </a:r>
+            <a:r>
+              <a:rPr lang="es-ES_tradnl" dirty="0" err="1">
+                <a:solidFill>
+                  <a:srgbClr val="BA2121"/>
+                </a:solidFill>
+              </a:rPr>
+              <a:t>localhost</a:t>
+            </a:r>
+            <a:r>
+              <a:rPr lang="es-ES_tradnl" dirty="0">
+                <a:solidFill>
+                  <a:srgbClr val="BA2121"/>
+                </a:solidFill>
+              </a:rPr>
+              <a:t>' IDENTIFIED BY </a:t>
+            </a:r>
+            <a:r>
+              <a:rPr lang="es-ES_tradnl" b="1" dirty="0">
+                <a:solidFill>
+                  <a:srgbClr val="BB6688"/>
+                </a:solidFill>
+              </a:rPr>
+              <a:t>%s</a:t>
+            </a:r>
+            <a:r>
+              <a:rPr lang="es-ES_tradnl" b="1" dirty="0">
+                <a:solidFill>
+                  <a:srgbClr val="BA2121"/>
+                </a:solidFill>
+              </a:rPr>
+              <a:t>", (</a:t>
+            </a:r>
+            <a:r>
+              <a:rPr lang="es-ES_tradnl" b="1" dirty="0" err="1">
+                <a:solidFill>
+                  <a:srgbClr val="BA2121"/>
+                </a:solidFill>
+              </a:rPr>
+              <a:t>appdbpw</a:t>
+            </a:r>
+            <a:r>
+              <a:rPr lang="es-ES_tradnl" b="1" dirty="0">
+                <a:solidFill>
+                  <a:srgbClr val="BA2121"/>
+                </a:solidFill>
+              </a:rPr>
+              <a:t>,))</a:t>
+            </a:r>
+          </a:p>
+          <a:p>
+            <a:r>
+              <a:rPr lang="es-ES_tradnl" dirty="0"/>
+              <a:t>    </a:t>
+            </a:r>
+            <a:r>
+              <a:rPr lang="es-ES_tradnl" dirty="0" err="1"/>
+              <a:t>cur</a:t>
+            </a:r>
+            <a:r>
+              <a:rPr lang="es-ES_tradnl" dirty="0" err="1">
+                <a:solidFill>
+                  <a:srgbClr val="666666"/>
+                </a:solidFill>
+              </a:rPr>
+              <a:t>.execute</a:t>
+            </a:r>
+            <a:r>
+              <a:rPr lang="es-ES_tradnl" dirty="0">
+                <a:solidFill>
+                  <a:srgbClr val="666666"/>
+                </a:solidFill>
+              </a:rPr>
+              <a:t>(</a:t>
+            </a:r>
+            <a:r>
+              <a:rPr lang="es-ES_tradnl" dirty="0">
+                <a:solidFill>
+                  <a:srgbClr val="BA2121"/>
+                </a:solidFill>
+              </a:rPr>
+              <a:t>"GRANT CREATE,INSERT,DELETE,UPDATE,SELECT </a:t>
+            </a:r>
+            <a:r>
+              <a:rPr lang="es-ES_tradnl" dirty="0" err="1">
+                <a:solidFill>
+                  <a:srgbClr val="BA2121"/>
+                </a:solidFill>
+              </a:rPr>
+              <a:t>on</a:t>
+            </a:r>
+            <a:r>
+              <a:rPr lang="es-ES_tradnl" dirty="0">
+                <a:solidFill>
+                  <a:srgbClr val="BA2121"/>
+                </a:solidFill>
+              </a:rPr>
+              <a:t> </a:t>
+            </a:r>
+            <a:r>
+              <a:rPr lang="es-ES_tradnl" dirty="0" err="1">
+                <a:solidFill>
+                  <a:srgbClr val="BA2121"/>
+                </a:solidFill>
+              </a:rPr>
+              <a:t>AARdb</a:t>
+            </a:r>
+            <a:r>
+              <a:rPr lang="es-ES_tradnl" dirty="0">
+                <a:solidFill>
+                  <a:srgbClr val="BA2121"/>
+                </a:solidFill>
+              </a:rPr>
+              <a:t>.* </a:t>
+            </a:r>
+            <a:r>
+              <a:rPr lang="es-ES_tradnl" dirty="0" err="1">
+                <a:solidFill>
+                  <a:srgbClr val="BA2121"/>
+                </a:solidFill>
+              </a:rPr>
+              <a:t>to</a:t>
+            </a:r>
+            <a:r>
+              <a:rPr lang="es-ES_tradnl" dirty="0">
+                <a:solidFill>
+                  <a:srgbClr val="BA2121"/>
+                </a:solidFill>
+              </a:rPr>
+              <a:t> </a:t>
+            </a:r>
+            <a:r>
+              <a:rPr lang="es-ES_tradnl" dirty="0" err="1">
+                <a:solidFill>
+                  <a:srgbClr val="BA2121"/>
+                </a:solidFill>
+              </a:rPr>
+              <a:t>aarapp@localhost</a:t>
+            </a:r>
+            <a:r>
+              <a:rPr lang="es-ES_tradnl" dirty="0">
+                <a:solidFill>
+                  <a:srgbClr val="BA2121"/>
+                </a:solidFill>
+              </a:rPr>
+              <a:t>")</a:t>
+            </a:r>
+          </a:p>
+          <a:p>
+            <a:r>
+              <a:rPr lang="en-US" dirty="0"/>
+              <a:t>    </a:t>
+            </a:r>
+            <a:r>
+              <a:rPr lang="en-US" dirty="0" err="1"/>
+              <a:t>cur</a:t>
+            </a:r>
+            <a:r>
+              <a:rPr lang="en-US" dirty="0" err="1">
+                <a:solidFill>
+                  <a:srgbClr val="666666"/>
+                </a:solidFill>
+              </a:rPr>
+              <a:t>.close</a:t>
+            </a:r>
+            <a:r>
+              <a:rPr lang="en-US" dirty="0">
+                <a:solidFill>
+                  <a:srgbClr val="666666"/>
+                </a:solidFill>
+              </a:rPr>
+              <a:t>()</a:t>
+            </a:r>
+          </a:p>
+          <a:p>
+            <a:r>
+              <a:rPr lang="en-US" dirty="0"/>
+              <a:t>    </a:t>
+            </a:r>
+            <a:r>
+              <a:rPr lang="en-US" dirty="0" err="1"/>
+              <a:t>db</a:t>
+            </a:r>
+            <a:r>
+              <a:rPr lang="en-US" dirty="0" err="1">
+                <a:solidFill>
+                  <a:srgbClr val="666666"/>
+                </a:solidFill>
+              </a:rPr>
+              <a:t>.close</a:t>
+            </a:r>
+            <a:r>
+              <a:rPr lang="en-US" dirty="0">
+                <a:solidFill>
+                  <a:srgbClr val="666666"/>
+                </a:solidFill>
+              </a:rPr>
+              <a:t>()</a:t>
+            </a:r>
+          </a:p>
+          <a:p>
+            <a:endParaRPr lang="en-US" dirty="0"/>
+          </a:p>
+        </p:txBody>
+      </p:sp>
+      <p:sp>
+        <p:nvSpPr>
+          <p:cNvPr id="4" name="Content Placeholder 3"/>
+          <p:cNvSpPr>
+            <a:spLocks noGrp="1"/>
+          </p:cNvSpPr>
+          <p:nvPr>
+            <p:ph sz="quarter" idx="11"/>
           </p:nvPr>
         </p:nvSpPr>
         <p:spPr/>
@@ -23558,20 +23812,13 @@
           <a:p>
             <a:r>
               <a:rPr lang="en-US" dirty="0" smtClean="0"/>
-              <a:t>Review the objectives you set for yourself at the beginning of the workshop.</a:t>
-            </a:r>
-          </a:p>
-          <a:p>
-            <a:r>
-              <a:rPr lang="en-US" dirty="0" smtClean="0"/>
-              <a:t>Have you met them?</a:t>
-            </a:r>
-            <a:endParaRPr lang="en-US" dirty="0"/>
-          </a:p>
-          <a:p>
-            <a:r>
-              <a:rPr lang="en-US" dirty="0" smtClean="0"/>
-              <a:t>Take a few minutes to reflect on what you’ve learned today.</a:t>
+              <a:t>Should you do this every time the chef-client runs?</a:t>
+            </a:r>
+          </a:p>
+          <a:p>
+            <a:r>
+              <a:rPr lang="en-US" dirty="0" smtClean="0"/>
+              <a:t>How would you prevent that from happening?</a:t>
             </a:r>
             <a:endParaRPr lang="en-US" dirty="0"/>
           </a:p>
@@ -23580,7 +23827,7 @@
     </p:spTree>
     <p:extLst>
       <p:ext uri="{BB962C8B-B14F-4D97-AF65-F5344CB8AC3E}">
-        <p14:creationId xmlns:p14="http://schemas.microsoft.com/office/powerpoint/2010/main" val="3048288434"/>
+        <p14:creationId xmlns:p14="http://schemas.microsoft.com/office/powerpoint/2010/main" val="2194459015"/>
       </p:ext>
     </p:extLst>
   </p:cSld>
@@ -23643,114 +23890,854 @@
           <a:p>
             <a:r>
               <a:rPr lang="en-US" dirty="0" smtClean="0"/>
-              <a:t>Thank you!</a:t>
+              <a:t>Time to hack!</a:t>
             </a:r>
             <a:endParaRPr lang="en-US" dirty="0"/>
           </a:p>
         </p:txBody>
       </p:sp>
-      <p:sp>
-        <p:nvSpPr>
-          <p:cNvPr id="3" name="Text Placeholder 2"/>
-          <p:cNvSpPr>
-            <a:spLocks noGrp="1"/>
-          </p:cNvSpPr>
-          <p:nvPr>
-            <p:ph type="body" sz="quarter" idx="10"/>
-          </p:nvPr>
-        </p:nvSpPr>
-        <p:spPr/>
-        <p:txBody>
-          <a:bodyPr>
-            <a:normAutofit lnSpcReduction="10000"/>
-          </a:bodyPr>
+      <p:pic>
+        <p:nvPicPr>
+          <p:cNvPr id="6" name="Picture Placeholder 5" descr="424047087_f685546e79_o.jpg"/>
+          <p:cNvPicPr>
+            <a:picLocks noGrp="1" noChangeAspect="1"/>
+          </p:cNvPicPr>
+          <p:nvPr>
+            <p:ph type="pic" sz="quarter" idx="10"/>
+          </p:nvPr>
+        </p:nvPicPr>
+        <p:blipFill>
+          <a:blip r:embed="rId3">
+            <a:extLst>
+              <a:ext uri="{28A0092B-C50C-407E-A947-70E740481C1C}">
+                <a14:useLocalDpi xmlns:a14="http://schemas.microsoft.com/office/drawing/2010/main" val="0"/>
+              </a:ext>
+            </a:extLst>
+          </a:blip>
+          <a:srcRect t="34402" b="34402"/>
+          <a:stretch>
+            <a:fillRect/>
+          </a:stretch>
+        </p:blipFill>
+        <p:spPr/>
+      </p:pic>
+      <p:sp>
+        <p:nvSpPr>
+          <p:cNvPr id="5" name="Content Placeholder 4"/>
+          <p:cNvSpPr>
+            <a:spLocks noGrp="1"/>
+          </p:cNvSpPr>
+          <p:nvPr>
+            <p:ph sz="quarter" idx="11"/>
+          </p:nvPr>
+        </p:nvSpPr>
+        <p:spPr/>
+        <p:txBody>
+          <a:bodyPr/>
           <a:lstStyle/>
           <a:p>
             <a:r>
               <a:rPr lang="en-US" dirty="0"/>
-              <a:t>What did you learn?</a:t>
-            </a:r>
-          </a:p>
-          <a:p>
-            <a:endParaRPr lang="en-US" dirty="0" smtClean="0"/>
-          </a:p>
-          <a:p>
-            <a:r>
-              <a:rPr lang="en-US" dirty="0" smtClean="0"/>
-              <a:t>What questions do you have?</a:t>
-            </a:r>
-          </a:p>
-          <a:p>
-            <a:endParaRPr lang="en-US" dirty="0"/>
-          </a:p>
-          <a:p>
-            <a:r>
-              <a:rPr lang="en-US" dirty="0" smtClean="0"/>
-              <a:t>What are you going to do next?</a:t>
-            </a:r>
-          </a:p>
-          <a:p>
-            <a:endParaRPr lang="en-US" dirty="0"/>
-          </a:p>
-          <a:p>
-            <a:r>
-              <a:rPr lang="en-US" dirty="0" smtClean="0"/>
-              <a:t>Share your </a:t>
-            </a:r>
-            <a:r>
-              <a:rPr lang="en-US" dirty="0" smtClean="0"/>
-              <a:t>solutions</a:t>
-            </a:r>
-          </a:p>
-          <a:p>
-            <a:pPr lvl="1"/>
-            <a:r>
-              <a:rPr lang="en-US" dirty="0" smtClean="0">
-                <a:hlinkClick r:id="rId3"/>
-              </a:rPr>
-              <a:t>http</a:t>
-            </a:r>
-            <a:r>
-              <a:rPr lang="en-US" dirty="0" smtClean="0">
-                <a:hlinkClick r:id="rId3"/>
-              </a:rPr>
-              <a:t>://</a:t>
-            </a:r>
-            <a:r>
-              <a:rPr lang="en-US" dirty="0" err="1" smtClean="0">
-                <a:hlinkClick r:id="rId3"/>
-              </a:rPr>
-              <a:t>github.com</a:t>
-            </a:r>
-            <a:r>
-              <a:rPr lang="en-US" dirty="0" smtClean="0">
-                <a:hlinkClick r:id="rId3"/>
-              </a:rPr>
-              <a:t>/</a:t>
-            </a:r>
-            <a:r>
-              <a:rPr lang="en-US" dirty="0" err="1" smtClean="0">
-                <a:hlinkClick r:id="rId3"/>
-              </a:rPr>
-              <a:t>learnchef</a:t>
-            </a:r>
-            <a:r>
-              <a:rPr lang="en-US" dirty="0" smtClean="0">
-                <a:hlinkClick r:id="rId3"/>
-              </a:rPr>
-              <a:t>/workshops</a:t>
-            </a:r>
-            <a:endParaRPr lang="en-US" dirty="0" smtClean="0"/>
-          </a:p>
-          <a:p>
-            <a:endParaRPr lang="en-US" dirty="0"/>
+              <a:t>https://</a:t>
+            </a:r>
+            <a:r>
+              <a:rPr lang="en-US" dirty="0" err="1"/>
+              <a:t>www.flickr.com</a:t>
+            </a:r>
+            <a:r>
+              <a:rPr lang="en-US" dirty="0"/>
+              <a:t>/photos/</a:t>
+            </a:r>
+            <a:r>
+              <a:rPr lang="en-US" dirty="0" err="1"/>
+              <a:t>peterpearson</a:t>
+            </a:r>
+            <a:r>
+              <a:rPr lang="en-US" dirty="0"/>
+              <a:t>/424047087</a:t>
+            </a:r>
           </a:p>
         </p:txBody>
       </p:sp>
     </p:spTree>
     <p:extLst>
       <p:ext uri="{BB962C8B-B14F-4D97-AF65-F5344CB8AC3E}">
-        <p14:creationId xmlns:p14="http://schemas.microsoft.com/office/powerpoint/2010/main" val="3564343763"/>
+        <p14:creationId xmlns:p14="http://schemas.microsoft.com/office/powerpoint/2010/main" val="3284835641"/>
+      </p:ext>
+    </p:extLst>
+  </p:cSld>
+  <p:clrMapOvr>
+    <a:masterClrMapping/>
+  </p:clrMapOvr>
+  <mc:AlternateContent xmlns:mc="http://schemas.openxmlformats.org/markup-compatibility/2006" xmlns:p14="http://schemas.microsoft.com/office/powerpoint/2010/main">
+    <mc:Choice Requires="p14">
+      <p:transition spd="med" p14:dur="700">
+        <p:fade/>
+      </p:transition>
+    </mc:Choice>
+    <mc:Fallback xmlns="">
+      <p:transition spd="med">
+        <p:fade/>
+      </p:transition>
+    </mc:Fallback>
+  </mc:AlternateContent>
+  <p:timing>
+    <p:tnLst>
+      <p:par>
+        <p:cTn xmlns:p14="http://schemas.microsoft.com/office/powerpoint/2010/main" id="1" dur="indefinite" restart="never" nodeType="tmRoot"/>
+      </p:par>
+    </p:tnLst>
+  </p:timing>
+</p:sld>
+</file>
+
+<file path=ppt/slides/slide45.xml><?xml version="1.0" encoding="utf-8"?>
+<p:sld xmlns:a="http://schemas.openxmlformats.org/drawingml/2006/main" xmlns:r="http://schemas.openxmlformats.org/officeDocument/2006/relationships" xmlns:p="http://schemas.openxmlformats.org/presentationml/2006/main">
+  <p:cSld>
+    <p:spTree>
+      <p:nvGrpSpPr>
+        <p:cNvPr id="1" name=""/>
+        <p:cNvGrpSpPr/>
+        <p:nvPr/>
+      </p:nvGrpSpPr>
+      <p:grpSpPr>
+        <a:xfrm>
+          <a:off x="0" y="0"/>
+          <a:ext cx="0" cy="0"/>
+          <a:chOff x="0" y="0"/>
+          <a:chExt cx="0" cy="0"/>
+        </a:xfrm>
+      </p:grpSpPr>
+      <p:sp>
+        <p:nvSpPr>
+          <p:cNvPr id="2" name="Title 1"/>
+          <p:cNvSpPr>
+            <a:spLocks noGrp="1"/>
+          </p:cNvSpPr>
+          <p:nvPr>
+            <p:ph type="title"/>
+          </p:nvPr>
+        </p:nvSpPr>
+        <p:spPr/>
+        <p:txBody>
+          <a:bodyPr/>
+          <a:lstStyle/>
+          <a:p>
+            <a:r>
+              <a:rPr lang="en-US" dirty="0" smtClean="0"/>
+              <a:t>Demo Time!</a:t>
+            </a:r>
+            <a:endParaRPr lang="en-US" dirty="0"/>
+          </a:p>
+        </p:txBody>
+      </p:sp>
+      <p:sp>
+        <p:nvSpPr>
+          <p:cNvPr id="3" name="Text Placeholder 2"/>
+          <p:cNvSpPr>
+            <a:spLocks noGrp="1"/>
+          </p:cNvSpPr>
+          <p:nvPr>
+            <p:ph type="body" sz="quarter" idx="10"/>
+          </p:nvPr>
+        </p:nvSpPr>
+        <p:spPr/>
+        <p:txBody>
+          <a:bodyPr/>
+          <a:lstStyle/>
+          <a:p>
+            <a:r>
+              <a:rPr lang="en-US" dirty="0" smtClean="0"/>
+              <a:t>Show your work</a:t>
+            </a:r>
+          </a:p>
+          <a:p>
+            <a:r>
+              <a:rPr lang="en-US" dirty="0" smtClean="0"/>
+              <a:t>Discuss your choices</a:t>
+            </a:r>
+          </a:p>
+          <a:p>
+            <a:r>
+              <a:rPr lang="en-US" dirty="0" smtClean="0"/>
+              <a:t>Gather feedback and ideas</a:t>
+            </a:r>
+            <a:endParaRPr lang="en-US" dirty="0"/>
+          </a:p>
+        </p:txBody>
+      </p:sp>
+      <p:pic>
+        <p:nvPicPr>
+          <p:cNvPr id="6" name="Picture Placeholder 5" descr="demonstration - Google Search.jpg"/>
+          <p:cNvPicPr>
+            <a:picLocks noGrp="1" noChangeAspect="1"/>
+          </p:cNvPicPr>
+          <p:nvPr>
+            <p:ph type="pic" sz="quarter" idx="13"/>
+          </p:nvPr>
+        </p:nvPicPr>
+        <p:blipFill>
+          <a:blip r:embed="rId3">
+            <a:extLst>
+              <a:ext uri="{28A0092B-C50C-407E-A947-70E740481C1C}">
+                <a14:useLocalDpi xmlns:a14="http://schemas.microsoft.com/office/drawing/2010/main" val="0"/>
+              </a:ext>
+            </a:extLst>
+          </a:blip>
+          <a:srcRect l="-7012" r="-7012"/>
+          <a:stretch>
+            <a:fillRect/>
+          </a:stretch>
+        </p:blipFill>
+        <p:spPr>
+          <a:xfrm>
+            <a:off x="6181725" y="1143000"/>
+            <a:ext cx="5486400" cy="5257800"/>
+          </a:xfrm>
+        </p:spPr>
+      </p:pic>
+      <p:sp>
+        <p:nvSpPr>
+          <p:cNvPr id="4" name="Content Placeholder 3"/>
+          <p:cNvSpPr>
+            <a:spLocks noGrp="1"/>
+          </p:cNvSpPr>
+          <p:nvPr>
+            <p:ph sz="quarter" idx="12"/>
+          </p:nvPr>
+        </p:nvSpPr>
+        <p:spPr/>
+        <p:txBody>
+          <a:bodyPr/>
+          <a:lstStyle/>
+          <a:p>
+            <a:r>
+              <a:rPr lang="en-US" dirty="0"/>
+              <a:t>https://</a:t>
+            </a:r>
+            <a:r>
+              <a:rPr lang="en-US" dirty="0" err="1"/>
+              <a:t>www.google.com</a:t>
+            </a:r>
+            <a:r>
+              <a:rPr lang="en-US" dirty="0"/>
+              <a:t>/</a:t>
+            </a:r>
+            <a:r>
+              <a:rPr lang="en-US" dirty="0" err="1"/>
+              <a:t>webhp?sourceid</a:t>
+            </a:r>
+            <a:r>
+              <a:rPr lang="en-US" dirty="0"/>
+              <a:t>=</a:t>
+            </a:r>
+            <a:r>
+              <a:rPr lang="en-US" dirty="0" err="1"/>
+              <a:t>chrome-instant&amp;ion</a:t>
+            </a:r>
+            <a:r>
+              <a:rPr lang="en-US" dirty="0"/>
+              <a:t>=1&amp;espv=2&amp;ie=UTF-8#q=demonstration</a:t>
+            </a:r>
+          </a:p>
+        </p:txBody>
+      </p:sp>
+    </p:spTree>
+    <p:extLst>
+      <p:ext uri="{BB962C8B-B14F-4D97-AF65-F5344CB8AC3E}">
+        <p14:creationId xmlns:p14="http://schemas.microsoft.com/office/powerpoint/2010/main" val="3816228750"/>
+      </p:ext>
+    </p:extLst>
+  </p:cSld>
+  <p:clrMapOvr>
+    <a:masterClrMapping/>
+  </p:clrMapOvr>
+  <mc:AlternateContent xmlns:mc="http://schemas.openxmlformats.org/markup-compatibility/2006" xmlns:p14="http://schemas.microsoft.com/office/powerpoint/2010/main">
+    <mc:Choice Requires="p14">
+      <p:transition spd="med" p14:dur="700">
+        <p:fade/>
+      </p:transition>
+    </mc:Choice>
+    <mc:Fallback xmlns="">
+      <p:transition spd="med">
+        <p:fade/>
+      </p:transition>
+    </mc:Fallback>
+  </mc:AlternateContent>
+  <p:timing>
+    <p:tnLst>
+      <p:par>
+        <p:cTn xmlns:p14="http://schemas.microsoft.com/office/powerpoint/2010/main" id="1" dur="indefinite" restart="never" nodeType="tmRoot"/>
+      </p:par>
+    </p:tnLst>
+  </p:timing>
+</p:sld>
+</file>
+
+<file path=ppt/slides/slide46.xml><?xml version="1.0" encoding="utf-8"?>
+<p:sld xmlns:a="http://schemas.openxmlformats.org/drawingml/2006/main" xmlns:r="http://schemas.openxmlformats.org/officeDocument/2006/relationships" xmlns:p="http://schemas.openxmlformats.org/presentationml/2006/main">
+  <p:cSld>
+    <p:spTree>
+      <p:nvGrpSpPr>
+        <p:cNvPr id="1" name=""/>
+        <p:cNvGrpSpPr/>
+        <p:nvPr/>
+      </p:nvGrpSpPr>
+      <p:grpSpPr>
+        <a:xfrm>
+          <a:off x="0" y="0"/>
+          <a:ext cx="0" cy="0"/>
+          <a:chOff x="0" y="0"/>
+          <a:chExt cx="0" cy="0"/>
+        </a:xfrm>
+      </p:grpSpPr>
+      <p:sp>
+        <p:nvSpPr>
+          <p:cNvPr id="2" name="Title 1"/>
+          <p:cNvSpPr>
+            <a:spLocks noGrp="1"/>
+          </p:cNvSpPr>
+          <p:nvPr>
+            <p:ph type="title"/>
+          </p:nvPr>
+        </p:nvSpPr>
+        <p:spPr/>
+        <p:txBody>
+          <a:bodyPr/>
+          <a:lstStyle/>
+          <a:p>
+            <a:r>
+              <a:rPr lang="en-US" dirty="0" smtClean="0"/>
+              <a:t>Next steps</a:t>
+            </a:r>
+            <a:endParaRPr lang="en-US" dirty="0"/>
+          </a:p>
+        </p:txBody>
+      </p:sp>
+      <p:sp>
+        <p:nvSpPr>
+          <p:cNvPr id="3" name="Text Placeholder 2"/>
+          <p:cNvSpPr>
+            <a:spLocks noGrp="1"/>
+          </p:cNvSpPr>
+          <p:nvPr>
+            <p:ph type="body" sz="quarter" idx="10"/>
+          </p:nvPr>
+        </p:nvSpPr>
+        <p:spPr/>
+        <p:txBody>
+          <a:bodyPr>
+            <a:normAutofit fontScale="92500" lnSpcReduction="20000"/>
+          </a:bodyPr>
+          <a:lstStyle/>
+          <a:p>
+            <a:r>
+              <a:rPr lang="en-US" dirty="0" smtClean="0"/>
+              <a:t>Refactor</a:t>
+            </a:r>
+          </a:p>
+          <a:p>
+            <a:r>
+              <a:rPr lang="en-US" dirty="0" smtClean="0"/>
+              <a:t>Testing</a:t>
+            </a:r>
+          </a:p>
+          <a:p>
+            <a:r>
+              <a:rPr lang="en-US" dirty="0" smtClean="0"/>
+              <a:t>Multi-tier implementation</a:t>
+            </a:r>
+          </a:p>
+          <a:p>
+            <a:r>
+              <a:rPr lang="en-US" dirty="0" smtClean="0"/>
+              <a:t>Community Cookbooks</a:t>
+            </a:r>
+          </a:p>
+          <a:p>
+            <a:r>
+              <a:rPr lang="en-US" dirty="0" smtClean="0"/>
+              <a:t>Multi-OS Support</a:t>
+            </a:r>
+          </a:p>
+          <a:p>
+            <a:r>
+              <a:rPr lang="en-US" dirty="0" smtClean="0"/>
+              <a:t>Cloud deployment</a:t>
+            </a:r>
+          </a:p>
+          <a:p>
+            <a:r>
+              <a:rPr lang="en-US" dirty="0" smtClean="0"/>
+              <a:t>Operationalize</a:t>
+            </a:r>
+          </a:p>
+          <a:p>
+            <a:pPr lvl="1"/>
+            <a:r>
+              <a:rPr lang="en-US" dirty="0" smtClean="0"/>
+              <a:t>Monitoring</a:t>
+            </a:r>
+          </a:p>
+          <a:p>
+            <a:pPr lvl="1"/>
+            <a:r>
+              <a:rPr lang="en-US" dirty="0" smtClean="0"/>
+              <a:t>Central logging</a:t>
+            </a:r>
+          </a:p>
+          <a:p>
+            <a:r>
+              <a:rPr lang="en-US" dirty="0" smtClean="0"/>
+              <a:t>Application deployments</a:t>
+            </a:r>
+            <a:endParaRPr lang="en-US" dirty="0"/>
+          </a:p>
+        </p:txBody>
+      </p:sp>
+    </p:spTree>
+    <p:extLst>
+      <p:ext uri="{BB962C8B-B14F-4D97-AF65-F5344CB8AC3E}">
+        <p14:creationId xmlns:p14="http://schemas.microsoft.com/office/powerpoint/2010/main" val="1541181296"/>
+      </p:ext>
+    </p:extLst>
+  </p:cSld>
+  <p:clrMapOvr>
+    <a:masterClrMapping/>
+  </p:clrMapOvr>
+  <mc:AlternateContent xmlns:mc="http://schemas.openxmlformats.org/markup-compatibility/2006" xmlns:p14="http://schemas.microsoft.com/office/powerpoint/2010/main">
+    <mc:Choice Requires="p14">
+      <p:transition spd="med" p14:dur="700">
+        <p:fade/>
+      </p:transition>
+    </mc:Choice>
+    <mc:Fallback xmlns="">
+      <p:transition spd="med">
+        <p:fade/>
+      </p:transition>
+    </mc:Fallback>
+  </mc:AlternateContent>
+  <p:timing>
+    <p:tnLst>
+      <p:par>
+        <p:cTn xmlns:p14="http://schemas.microsoft.com/office/powerpoint/2010/main" id="1" dur="indefinite" restart="never" nodeType="tmRoot"/>
+      </p:par>
+    </p:tnLst>
+  </p:timing>
+</p:sld>
+</file>
+
+<file path=ppt/slides/slide47.xml><?xml version="1.0" encoding="utf-8"?>
+<p:sld xmlns:a="http://schemas.openxmlformats.org/drawingml/2006/main" xmlns:r="http://schemas.openxmlformats.org/officeDocument/2006/relationships" xmlns:p="http://schemas.openxmlformats.org/presentationml/2006/main">
+  <p:cSld>
+    <p:spTree>
+      <p:nvGrpSpPr>
+        <p:cNvPr id="1" name=""/>
+        <p:cNvGrpSpPr/>
+        <p:nvPr/>
+      </p:nvGrpSpPr>
+      <p:grpSpPr>
+        <a:xfrm>
+          <a:off x="0" y="0"/>
+          <a:ext cx="0" cy="0"/>
+          <a:chOff x="0" y="0"/>
+          <a:chExt cx="0" cy="0"/>
+        </a:xfrm>
+      </p:grpSpPr>
+      <p:sp>
+        <p:nvSpPr>
+          <p:cNvPr id="2" name="Title 1"/>
+          <p:cNvSpPr>
+            <a:spLocks noGrp="1"/>
+          </p:cNvSpPr>
+          <p:nvPr>
+            <p:ph type="title"/>
+          </p:nvPr>
+        </p:nvSpPr>
+        <p:spPr/>
+        <p:txBody>
+          <a:bodyPr/>
+          <a:lstStyle/>
+          <a:p>
+            <a:r>
+              <a:rPr lang="en-US" dirty="0" smtClean="0"/>
+              <a:t>Time to hack!</a:t>
+            </a:r>
+            <a:endParaRPr lang="en-US" dirty="0"/>
+          </a:p>
+        </p:txBody>
+      </p:sp>
+      <p:pic>
+        <p:nvPicPr>
+          <p:cNvPr id="6" name="Picture Placeholder 5" descr="424047087_f685546e79_o.jpg"/>
+          <p:cNvPicPr>
+            <a:picLocks noGrp="1" noChangeAspect="1"/>
+          </p:cNvPicPr>
+          <p:nvPr>
+            <p:ph type="pic" sz="quarter" idx="10"/>
+          </p:nvPr>
+        </p:nvPicPr>
+        <p:blipFill>
+          <a:blip r:embed="rId3">
+            <a:extLst>
+              <a:ext uri="{28A0092B-C50C-407E-A947-70E740481C1C}">
+                <a14:useLocalDpi xmlns:a14="http://schemas.microsoft.com/office/drawing/2010/main" val="0"/>
+              </a:ext>
+            </a:extLst>
+          </a:blip>
+          <a:srcRect t="34402" b="34402"/>
+          <a:stretch>
+            <a:fillRect/>
+          </a:stretch>
+        </p:blipFill>
+        <p:spPr/>
+      </p:pic>
+      <p:sp>
+        <p:nvSpPr>
+          <p:cNvPr id="5" name="Content Placeholder 4"/>
+          <p:cNvSpPr>
+            <a:spLocks noGrp="1"/>
+          </p:cNvSpPr>
+          <p:nvPr>
+            <p:ph sz="quarter" idx="11"/>
+          </p:nvPr>
+        </p:nvSpPr>
+        <p:spPr/>
+        <p:txBody>
+          <a:bodyPr/>
+          <a:lstStyle/>
+          <a:p>
+            <a:r>
+              <a:rPr lang="en-US" dirty="0"/>
+              <a:t>https://</a:t>
+            </a:r>
+            <a:r>
+              <a:rPr lang="en-US" dirty="0" err="1"/>
+              <a:t>www.flickr.com</a:t>
+            </a:r>
+            <a:r>
+              <a:rPr lang="en-US" dirty="0"/>
+              <a:t>/photos/</a:t>
+            </a:r>
+            <a:r>
+              <a:rPr lang="en-US" dirty="0" err="1"/>
+              <a:t>peterpearson</a:t>
+            </a:r>
+            <a:r>
+              <a:rPr lang="en-US" dirty="0"/>
+              <a:t>/424047087</a:t>
+            </a:r>
+          </a:p>
+        </p:txBody>
+      </p:sp>
+    </p:spTree>
+    <p:extLst>
+      <p:ext uri="{BB962C8B-B14F-4D97-AF65-F5344CB8AC3E}">
+        <p14:creationId xmlns:p14="http://schemas.microsoft.com/office/powerpoint/2010/main" val="3005142962"/>
+      </p:ext>
+    </p:extLst>
+  </p:cSld>
+  <p:clrMapOvr>
+    <a:masterClrMapping/>
+  </p:clrMapOvr>
+  <mc:AlternateContent xmlns:mc="http://schemas.openxmlformats.org/markup-compatibility/2006" xmlns:p14="http://schemas.microsoft.com/office/powerpoint/2010/main">
+    <mc:Choice Requires="p14">
+      <p:transition spd="med" p14:dur="700">
+        <p:fade/>
+      </p:transition>
+    </mc:Choice>
+    <mc:Fallback xmlns="">
+      <p:transition spd="med">
+        <p:fade/>
+      </p:transition>
+    </mc:Fallback>
+  </mc:AlternateContent>
+  <p:timing>
+    <p:tnLst>
+      <p:par>
+        <p:cTn xmlns:p14="http://schemas.microsoft.com/office/powerpoint/2010/main" id="1" dur="indefinite" restart="never" nodeType="tmRoot"/>
+      </p:par>
+    </p:tnLst>
+  </p:timing>
+</p:sld>
+</file>
+
+<file path=ppt/slides/slide48.xml><?xml version="1.0" encoding="utf-8"?>
+<p:sld xmlns:a="http://schemas.openxmlformats.org/drawingml/2006/main" xmlns:r="http://schemas.openxmlformats.org/officeDocument/2006/relationships" xmlns:p="http://schemas.openxmlformats.org/presentationml/2006/main">
+  <p:cSld>
+    <p:spTree>
+      <p:nvGrpSpPr>
+        <p:cNvPr id="1" name=""/>
+        <p:cNvGrpSpPr/>
+        <p:nvPr/>
+      </p:nvGrpSpPr>
+      <p:grpSpPr>
+        <a:xfrm>
+          <a:off x="0" y="0"/>
+          <a:ext cx="0" cy="0"/>
+          <a:chOff x="0" y="0"/>
+          <a:chExt cx="0" cy="0"/>
+        </a:xfrm>
+      </p:grpSpPr>
+      <p:sp>
+        <p:nvSpPr>
+          <p:cNvPr id="2" name="Title 1"/>
+          <p:cNvSpPr>
+            <a:spLocks noGrp="1"/>
+          </p:cNvSpPr>
+          <p:nvPr>
+            <p:ph type="title"/>
+          </p:nvPr>
+        </p:nvSpPr>
+        <p:spPr/>
+        <p:txBody>
+          <a:bodyPr/>
+          <a:lstStyle/>
+          <a:p>
+            <a:r>
+              <a:rPr lang="en-US" dirty="0" smtClean="0"/>
+              <a:t>Demo Time!</a:t>
+            </a:r>
+            <a:endParaRPr lang="en-US" dirty="0"/>
+          </a:p>
+        </p:txBody>
+      </p:sp>
+      <p:sp>
+        <p:nvSpPr>
+          <p:cNvPr id="3" name="Text Placeholder 2"/>
+          <p:cNvSpPr>
+            <a:spLocks noGrp="1"/>
+          </p:cNvSpPr>
+          <p:nvPr>
+            <p:ph type="body" sz="quarter" idx="10"/>
+          </p:nvPr>
+        </p:nvSpPr>
+        <p:spPr/>
+        <p:txBody>
+          <a:bodyPr/>
+          <a:lstStyle/>
+          <a:p>
+            <a:r>
+              <a:rPr lang="en-US" dirty="0" smtClean="0"/>
+              <a:t>Show your work</a:t>
+            </a:r>
+          </a:p>
+          <a:p>
+            <a:r>
+              <a:rPr lang="en-US" dirty="0" smtClean="0"/>
+              <a:t>Discuss your choices</a:t>
+            </a:r>
+          </a:p>
+          <a:p>
+            <a:r>
+              <a:rPr lang="en-US" dirty="0" smtClean="0"/>
+              <a:t>Gather feedback and ideas</a:t>
+            </a:r>
+            <a:endParaRPr lang="en-US" dirty="0"/>
+          </a:p>
+        </p:txBody>
+      </p:sp>
+      <p:pic>
+        <p:nvPicPr>
+          <p:cNvPr id="6" name="Picture Placeholder 5" descr="demonstration - Google Search.jpg"/>
+          <p:cNvPicPr>
+            <a:picLocks noGrp="1" noChangeAspect="1"/>
+          </p:cNvPicPr>
+          <p:nvPr>
+            <p:ph type="pic" sz="quarter" idx="13"/>
+          </p:nvPr>
+        </p:nvPicPr>
+        <p:blipFill>
+          <a:blip r:embed="rId3">
+            <a:extLst>
+              <a:ext uri="{28A0092B-C50C-407E-A947-70E740481C1C}">
+                <a14:useLocalDpi xmlns:a14="http://schemas.microsoft.com/office/drawing/2010/main" val="0"/>
+              </a:ext>
+            </a:extLst>
+          </a:blip>
+          <a:srcRect l="-7012" r="-7012"/>
+          <a:stretch>
+            <a:fillRect/>
+          </a:stretch>
+        </p:blipFill>
+        <p:spPr>
+          <a:xfrm>
+            <a:off x="6181725" y="1143000"/>
+            <a:ext cx="5486400" cy="5257800"/>
+          </a:xfrm>
+        </p:spPr>
+      </p:pic>
+      <p:sp>
+        <p:nvSpPr>
+          <p:cNvPr id="4" name="Content Placeholder 3"/>
+          <p:cNvSpPr>
+            <a:spLocks noGrp="1"/>
+          </p:cNvSpPr>
+          <p:nvPr>
+            <p:ph sz="quarter" idx="12"/>
+          </p:nvPr>
+        </p:nvSpPr>
+        <p:spPr/>
+        <p:txBody>
+          <a:bodyPr/>
+          <a:lstStyle/>
+          <a:p>
+            <a:r>
+              <a:rPr lang="en-US" dirty="0"/>
+              <a:t>https://</a:t>
+            </a:r>
+            <a:r>
+              <a:rPr lang="en-US" dirty="0" err="1"/>
+              <a:t>www.google.com</a:t>
+            </a:r>
+            <a:r>
+              <a:rPr lang="en-US" dirty="0"/>
+              <a:t>/</a:t>
+            </a:r>
+            <a:r>
+              <a:rPr lang="en-US" dirty="0" err="1"/>
+              <a:t>webhp?sourceid</a:t>
+            </a:r>
+            <a:r>
+              <a:rPr lang="en-US" dirty="0"/>
+              <a:t>=</a:t>
+            </a:r>
+            <a:r>
+              <a:rPr lang="en-US" dirty="0" err="1"/>
+              <a:t>chrome-instant&amp;ion</a:t>
+            </a:r>
+            <a:r>
+              <a:rPr lang="en-US" dirty="0"/>
+              <a:t>=1&amp;espv=2&amp;ie=UTF-8#q=demonstration</a:t>
+            </a:r>
+          </a:p>
+        </p:txBody>
+      </p:sp>
+    </p:spTree>
+    <p:extLst>
+      <p:ext uri="{BB962C8B-B14F-4D97-AF65-F5344CB8AC3E}">
+        <p14:creationId xmlns:p14="http://schemas.microsoft.com/office/powerpoint/2010/main" val="2138724818"/>
+      </p:ext>
+    </p:extLst>
+  </p:cSld>
+  <p:clrMapOvr>
+    <a:masterClrMapping/>
+  </p:clrMapOvr>
+  <mc:AlternateContent xmlns:mc="http://schemas.openxmlformats.org/markup-compatibility/2006" xmlns:p14="http://schemas.microsoft.com/office/powerpoint/2010/main">
+    <mc:Choice Requires="p14">
+      <p:transition spd="med" p14:dur="700">
+        <p:fade/>
+      </p:transition>
+    </mc:Choice>
+    <mc:Fallback xmlns="">
+      <p:transition spd="med">
+        <p:fade/>
+      </p:transition>
+    </mc:Fallback>
+  </mc:AlternateContent>
+  <p:timing>
+    <p:tnLst>
+      <p:par>
+        <p:cTn xmlns:p14="http://schemas.microsoft.com/office/powerpoint/2010/main" id="1" dur="indefinite" restart="never" nodeType="tmRoot"/>
+      </p:par>
+    </p:tnLst>
+  </p:timing>
+</p:sld>
+</file>
+
+<file path=ppt/slides/slide49.xml><?xml version="1.0" encoding="utf-8"?>
+<p:sld xmlns:a="http://schemas.openxmlformats.org/drawingml/2006/main" xmlns:r="http://schemas.openxmlformats.org/officeDocument/2006/relationships" xmlns:p="http://schemas.openxmlformats.org/presentationml/2006/main">
+  <p:cSld>
+    <p:spTree>
+      <p:nvGrpSpPr>
+        <p:cNvPr id="1" name=""/>
+        <p:cNvGrpSpPr/>
+        <p:nvPr/>
+      </p:nvGrpSpPr>
+      <p:grpSpPr>
+        <a:xfrm>
+          <a:off x="0" y="0"/>
+          <a:ext cx="0" cy="0"/>
+          <a:chOff x="0" y="0"/>
+          <a:chExt cx="0" cy="0"/>
+        </a:xfrm>
+      </p:grpSpPr>
+      <p:sp>
+        <p:nvSpPr>
+          <p:cNvPr id="2" name="Title 1"/>
+          <p:cNvSpPr>
+            <a:spLocks noGrp="1"/>
+          </p:cNvSpPr>
+          <p:nvPr>
+            <p:ph type="title"/>
+          </p:nvPr>
+        </p:nvSpPr>
+        <p:spPr/>
+        <p:txBody>
+          <a:bodyPr/>
+          <a:lstStyle/>
+          <a:p>
+            <a:r>
+              <a:rPr lang="en-US" dirty="0" smtClean="0"/>
+              <a:t>Objectives</a:t>
+            </a:r>
+            <a:endParaRPr lang="en-US" dirty="0"/>
+          </a:p>
+        </p:txBody>
+      </p:sp>
+      <p:sp>
+        <p:nvSpPr>
+          <p:cNvPr id="3" name="Text Placeholder 2"/>
+          <p:cNvSpPr>
+            <a:spLocks noGrp="1"/>
+          </p:cNvSpPr>
+          <p:nvPr>
+            <p:ph type="body" sz="quarter" idx="10"/>
+          </p:nvPr>
+        </p:nvSpPr>
+        <p:spPr/>
+        <p:txBody>
+          <a:bodyPr/>
+          <a:lstStyle/>
+          <a:p>
+            <a:r>
+              <a:rPr lang="en-US" dirty="0"/>
+              <a:t>Build something in Chef with very little guidance</a:t>
+            </a:r>
+          </a:p>
+          <a:p>
+            <a:r>
+              <a:rPr lang="en-US" dirty="0" smtClean="0"/>
+              <a:t>Write custom Chef recipes</a:t>
+            </a:r>
+          </a:p>
+          <a:p>
+            <a:r>
+              <a:rPr lang="en-US" dirty="0"/>
+              <a:t>Use the Chef Documentation to identify and use resources that will help you model the desired state of your </a:t>
+            </a:r>
+            <a:r>
+              <a:rPr lang="en-US" dirty="0" smtClean="0"/>
+              <a:t>infrastructure</a:t>
+            </a:r>
+            <a:endParaRPr lang="en-US" dirty="0"/>
+          </a:p>
+          <a:p>
+            <a:r>
+              <a:rPr lang="en-US" dirty="0"/>
+              <a:t>Include guards in Chef </a:t>
+            </a:r>
+            <a:r>
+              <a:rPr lang="en-US" dirty="0" smtClean="0"/>
+              <a:t>resources</a:t>
+            </a:r>
+          </a:p>
+        </p:txBody>
+      </p:sp>
+    </p:spTree>
+    <p:extLst>
+      <p:ext uri="{BB962C8B-B14F-4D97-AF65-F5344CB8AC3E}">
+        <p14:creationId xmlns:p14="http://schemas.microsoft.com/office/powerpoint/2010/main" val="27556649"/>
       </p:ext>
     </p:extLst>
   </p:cSld>
@@ -23903,6 +24890,274 @@
     <p:extLst>
       <p:ext uri="{BB962C8B-B14F-4D97-AF65-F5344CB8AC3E}">
         <p14:creationId xmlns:p14="http://schemas.microsoft.com/office/powerpoint/2010/main" val="2879813932"/>
+      </p:ext>
+    </p:extLst>
+  </p:cSld>
+  <p:clrMapOvr>
+    <a:masterClrMapping/>
+  </p:clrMapOvr>
+  <mc:AlternateContent xmlns:mc="http://schemas.openxmlformats.org/markup-compatibility/2006" xmlns:p14="http://schemas.microsoft.com/office/powerpoint/2010/main">
+    <mc:Choice Requires="p14">
+      <p:transition spd="med" p14:dur="700">
+        <p:fade/>
+      </p:transition>
+    </mc:Choice>
+    <mc:Fallback xmlns="">
+      <p:transition spd="med">
+        <p:fade/>
+      </p:transition>
+    </mc:Fallback>
+  </mc:AlternateContent>
+  <p:timing>
+    <p:tnLst>
+      <p:par>
+        <p:cTn xmlns:p14="http://schemas.microsoft.com/office/powerpoint/2010/main" id="1" dur="indefinite" restart="never" nodeType="tmRoot"/>
+      </p:par>
+    </p:tnLst>
+  </p:timing>
+</p:sld>
+</file>
+
+<file path=ppt/slides/slide50.xml><?xml version="1.0" encoding="utf-8"?>
+<p:sld xmlns:a="http://schemas.openxmlformats.org/drawingml/2006/main" xmlns:r="http://schemas.openxmlformats.org/officeDocument/2006/relationships" xmlns:p="http://schemas.openxmlformats.org/presentationml/2006/main">
+  <p:cSld>
+    <p:spTree>
+      <p:nvGrpSpPr>
+        <p:cNvPr id="1" name=""/>
+        <p:cNvGrpSpPr/>
+        <p:nvPr/>
+      </p:nvGrpSpPr>
+      <p:grpSpPr>
+        <a:xfrm>
+          <a:off x="0" y="0"/>
+          <a:ext cx="0" cy="0"/>
+          <a:chOff x="0" y="0"/>
+          <a:chExt cx="0" cy="0"/>
+        </a:xfrm>
+      </p:grpSpPr>
+      <p:sp>
+        <p:nvSpPr>
+          <p:cNvPr id="2" name="Title 1"/>
+          <p:cNvSpPr>
+            <a:spLocks noGrp="1"/>
+          </p:cNvSpPr>
+          <p:nvPr>
+            <p:ph type="title"/>
+          </p:nvPr>
+        </p:nvSpPr>
+        <p:spPr/>
+        <p:txBody>
+          <a:bodyPr/>
+          <a:lstStyle/>
+          <a:p>
+            <a:r>
+              <a:rPr lang="en-US" dirty="0" smtClean="0"/>
+              <a:t>Your Objectives</a:t>
+            </a:r>
+            <a:endParaRPr lang="en-US" dirty="0"/>
+          </a:p>
+        </p:txBody>
+      </p:sp>
+      <p:sp>
+        <p:nvSpPr>
+          <p:cNvPr id="3" name="Text Placeholder 2"/>
+          <p:cNvSpPr>
+            <a:spLocks noGrp="1"/>
+          </p:cNvSpPr>
+          <p:nvPr>
+            <p:ph type="body" sz="quarter" idx="10"/>
+          </p:nvPr>
+        </p:nvSpPr>
+        <p:spPr/>
+        <p:txBody>
+          <a:bodyPr/>
+          <a:lstStyle/>
+          <a:p>
+            <a:r>
+              <a:rPr lang="en-US" dirty="0" smtClean="0"/>
+              <a:t>Review the objectives you set for yourself at the beginning of the workshop.</a:t>
+            </a:r>
+          </a:p>
+          <a:p>
+            <a:r>
+              <a:rPr lang="en-US" dirty="0" smtClean="0"/>
+              <a:t>Have you met them?</a:t>
+            </a:r>
+            <a:endParaRPr lang="en-US" dirty="0"/>
+          </a:p>
+          <a:p>
+            <a:r>
+              <a:rPr lang="en-US" dirty="0" smtClean="0"/>
+              <a:t>Take a few minutes to reflect on what you’ve learned today.</a:t>
+            </a:r>
+            <a:endParaRPr lang="en-US" dirty="0"/>
+          </a:p>
+        </p:txBody>
+      </p:sp>
+    </p:spTree>
+    <p:extLst>
+      <p:ext uri="{BB962C8B-B14F-4D97-AF65-F5344CB8AC3E}">
+        <p14:creationId xmlns:p14="http://schemas.microsoft.com/office/powerpoint/2010/main" val="3048288434"/>
+      </p:ext>
+    </p:extLst>
+  </p:cSld>
+  <p:clrMapOvr>
+    <a:masterClrMapping/>
+  </p:clrMapOvr>
+  <mc:AlternateContent xmlns:mc="http://schemas.openxmlformats.org/markup-compatibility/2006" xmlns:p14="http://schemas.microsoft.com/office/powerpoint/2010/main">
+    <mc:Choice Requires="p14">
+      <p:transition spd="med" p14:dur="700">
+        <p:fade/>
+      </p:transition>
+    </mc:Choice>
+    <mc:Fallback xmlns="">
+      <p:transition spd="med">
+        <p:fade/>
+      </p:transition>
+    </mc:Fallback>
+  </mc:AlternateContent>
+  <p:timing>
+    <p:tnLst>
+      <p:par>
+        <p:cTn xmlns:p14="http://schemas.microsoft.com/office/powerpoint/2010/main" id="1" dur="indefinite" restart="never" nodeType="tmRoot"/>
+      </p:par>
+    </p:tnLst>
+  </p:timing>
+</p:sld>
+</file>
+
+<file path=ppt/slides/slide51.xml><?xml version="1.0" encoding="utf-8"?>
+<p:sld xmlns:a="http://schemas.openxmlformats.org/drawingml/2006/main" xmlns:r="http://schemas.openxmlformats.org/officeDocument/2006/relationships" xmlns:p="http://schemas.openxmlformats.org/presentationml/2006/main">
+  <p:cSld>
+    <p:spTree>
+      <p:nvGrpSpPr>
+        <p:cNvPr id="1" name=""/>
+        <p:cNvGrpSpPr/>
+        <p:nvPr/>
+      </p:nvGrpSpPr>
+      <p:grpSpPr>
+        <a:xfrm>
+          <a:off x="0" y="0"/>
+          <a:ext cx="0" cy="0"/>
+          <a:chOff x="0" y="0"/>
+          <a:chExt cx="0" cy="0"/>
+        </a:xfrm>
+      </p:grpSpPr>
+      <p:sp>
+        <p:nvSpPr>
+          <p:cNvPr id="2" name="Title 1"/>
+          <p:cNvSpPr>
+            <a:spLocks noGrp="1"/>
+          </p:cNvSpPr>
+          <p:nvPr>
+            <p:ph type="title"/>
+          </p:nvPr>
+        </p:nvSpPr>
+        <p:spPr/>
+        <p:txBody>
+          <a:bodyPr/>
+          <a:lstStyle/>
+          <a:p>
+            <a:r>
+              <a:rPr lang="en-US" dirty="0" smtClean="0"/>
+              <a:t>Thank you!</a:t>
+            </a:r>
+            <a:endParaRPr lang="en-US" dirty="0"/>
+          </a:p>
+        </p:txBody>
+      </p:sp>
+      <p:sp>
+        <p:nvSpPr>
+          <p:cNvPr id="3" name="Text Placeholder 2"/>
+          <p:cNvSpPr>
+            <a:spLocks noGrp="1"/>
+          </p:cNvSpPr>
+          <p:nvPr>
+            <p:ph type="body" sz="quarter" idx="10"/>
+          </p:nvPr>
+        </p:nvSpPr>
+        <p:spPr/>
+        <p:txBody>
+          <a:bodyPr>
+            <a:normAutofit lnSpcReduction="10000"/>
+          </a:bodyPr>
+          <a:lstStyle/>
+          <a:p>
+            <a:r>
+              <a:rPr lang="en-US" dirty="0"/>
+              <a:t>What did you learn?</a:t>
+            </a:r>
+          </a:p>
+          <a:p>
+            <a:endParaRPr lang="en-US" dirty="0" smtClean="0"/>
+          </a:p>
+          <a:p>
+            <a:r>
+              <a:rPr lang="en-US" dirty="0" smtClean="0"/>
+              <a:t>What questions do you have?</a:t>
+            </a:r>
+          </a:p>
+          <a:p>
+            <a:endParaRPr lang="en-US" dirty="0"/>
+          </a:p>
+          <a:p>
+            <a:r>
+              <a:rPr lang="en-US" dirty="0" smtClean="0"/>
+              <a:t>What are you going to do next?</a:t>
+            </a:r>
+          </a:p>
+          <a:p>
+            <a:endParaRPr lang="en-US" dirty="0"/>
+          </a:p>
+          <a:p>
+            <a:r>
+              <a:rPr lang="en-US" dirty="0" smtClean="0"/>
+              <a:t>Share your solutions</a:t>
+            </a:r>
+          </a:p>
+          <a:p>
+            <a:pPr lvl="1"/>
+            <a:r>
+              <a:rPr lang="en-US" dirty="0" smtClean="0">
+                <a:hlinkClick r:id="rId3"/>
+              </a:rPr>
+              <a:t>http://</a:t>
+            </a:r>
+            <a:r>
+              <a:rPr lang="en-US" dirty="0" err="1" smtClean="0">
+                <a:hlinkClick r:id="rId3"/>
+              </a:rPr>
+              <a:t>github.com</a:t>
+            </a:r>
+            <a:r>
+              <a:rPr lang="en-US" dirty="0" smtClean="0">
+                <a:hlinkClick r:id="rId3"/>
+              </a:rPr>
+              <a:t>/</a:t>
+            </a:r>
+            <a:r>
+              <a:rPr lang="en-US" dirty="0" err="1" smtClean="0">
+                <a:hlinkClick r:id="rId3"/>
+              </a:rPr>
+              <a:t>learnchef</a:t>
+            </a:r>
+            <a:r>
+              <a:rPr lang="en-US" dirty="0" smtClean="0">
+                <a:hlinkClick r:id="rId3"/>
+              </a:rPr>
+              <a:t>/workshops</a:t>
+            </a:r>
+            <a:endParaRPr lang="en-US" dirty="0" smtClean="0"/>
+          </a:p>
+          <a:p>
+            <a:endParaRPr lang="en-US" dirty="0"/>
+          </a:p>
+        </p:txBody>
+      </p:sp>
+    </p:spTree>
+    <p:extLst>
+      <p:ext uri="{BB962C8B-B14F-4D97-AF65-F5344CB8AC3E}">
+        <p14:creationId xmlns:p14="http://schemas.microsoft.com/office/powerpoint/2010/main" val="3564343763"/>
       </p:ext>
     </p:extLst>
   </p:cSld>
@@ -24799,7 +26054,7 @@
   <a:extraClrSchemeLst/>
   <a:extLst>
     <a:ext uri="{05A4C25C-085E-4340-85A3-A5531E510DB2}">
-      <thm15:themeFamily xmlns="" xmlns:thm15="http://schemas.microsoft.com/office/thememl/2012/main" name="Chef-TemplateComps_v09-16x9-Light.potx" id="{078CEFDB-FA7A-4E36-9964-13EF367585CB}" vid="{8B87B0F3-7308-43D5-8388-E1B49EA02652}"/>
+      <thm15:themeFamily xmlns:thm15="http://schemas.microsoft.com/office/thememl/2012/main" xmlns="" name="Chef-TemplateComps_v09-16x9-Light.potx" id="{078CEFDB-FA7A-4E36-9964-13EF367585CB}" vid="{8B87B0F3-7308-43D5-8388-E1B49EA02652}"/>
     </a:ext>
   </a:extLst>
 </a:theme>
